--- a/memo_presentation/memo.pptx
+++ b/memo_presentation/memo.pptx
@@ -8,6 +8,16 @@
     <p:sldId id="256" r:id="rId2"/>
     <p:sldId id="257" r:id="rId3"/>
     <p:sldId id="258" r:id="rId4"/>
+    <p:sldId id="260" r:id="rId5"/>
+    <p:sldId id="259" r:id="rId6"/>
+    <p:sldId id="261" r:id="rId7"/>
+    <p:sldId id="262" r:id="rId8"/>
+    <p:sldId id="263" r:id="rId9"/>
+    <p:sldId id="264" r:id="rId10"/>
+    <p:sldId id="268" r:id="rId11"/>
+    <p:sldId id="265" r:id="rId12"/>
+    <p:sldId id="266" r:id="rId13"/>
+    <p:sldId id="267" r:id="rId14"/>
   </p:sldIdLst>
   <p:sldSz cx="12192000" cy="6858000"/>
   <p:notesSz cx="6858000" cy="9144000"/>
@@ -106,6 +116,11 @@
       </a:defRPr>
     </a:lvl9pPr>
   </p:defaultTextStyle>
+  <p:extLst>
+    <p:ext uri="{EFAFB233-063F-42B5-8137-9DF3F51BA10A}">
+      <p15:sldGuideLst xmlns:p15="http://schemas.microsoft.com/office/powerpoint/2012/main"/>
+    </p:ext>
+  </p:extLst>
 </p:presentation>
 </file>
 
@@ -3415,6 +3430,346 @@
 </p:sld>
 </file>
 
+<file path=ppt/slides/slide10.xml><?xml version="1.0" encoding="utf-8"?>
+<p:sld xmlns:a="http://schemas.openxmlformats.org/drawingml/2006/main" xmlns:r="http://schemas.openxmlformats.org/officeDocument/2006/relationships" xmlns:p="http://schemas.openxmlformats.org/presentationml/2006/main">
+  <p:cSld>
+    <p:spTree>
+      <p:nvGrpSpPr>
+        <p:cNvPr id="1" name=""/>
+        <p:cNvGrpSpPr/>
+        <p:nvPr/>
+      </p:nvGrpSpPr>
+      <p:grpSpPr>
+        <a:xfrm>
+          <a:off x="0" y="0"/>
+          <a:ext cx="0" cy="0"/>
+          <a:chOff x="0" y="0"/>
+          <a:chExt cx="0" cy="0"/>
+        </a:xfrm>
+      </p:grpSpPr>
+      <p:sp>
+        <p:nvSpPr>
+          <p:cNvPr id="2" name="Title 1">
+            <a:extLst>
+              <a:ext uri="{FF2B5EF4-FFF2-40B4-BE49-F238E27FC236}">
+                <a16:creationId xmlns:a16="http://schemas.microsoft.com/office/drawing/2014/main" id="{3D65D1A6-E5C4-4E43-A4C0-A9FD06633B3F}"/>
+              </a:ext>
+            </a:extLst>
+          </p:cNvPr>
+          <p:cNvSpPr>
+            <a:spLocks noGrp="1"/>
+          </p:cNvSpPr>
+          <p:nvPr>
+            <p:ph type="title"/>
+          </p:nvPr>
+        </p:nvSpPr>
+        <p:spPr/>
+        <p:txBody>
+          <a:bodyPr/>
+          <a:lstStyle/>
+          <a:p>
+            <a:r>
+              <a:rPr lang="en-US" dirty="0"/>
+              <a:t>DES parameter initialization</a:t>
+            </a:r>
+            <a:endParaRPr lang="th-TH" dirty="0"/>
+          </a:p>
+        </p:txBody>
+      </p:sp>
+      <p:sp>
+        <p:nvSpPr>
+          <p:cNvPr id="3" name="Content Placeholder 2">
+            <a:extLst>
+              <a:ext uri="{FF2B5EF4-FFF2-40B4-BE49-F238E27FC236}">
+                <a16:creationId xmlns:a16="http://schemas.microsoft.com/office/drawing/2014/main" id="{B9DA14B2-635A-45ED-98F2-E3ECDED05FC1}"/>
+              </a:ext>
+            </a:extLst>
+          </p:cNvPr>
+          <p:cNvSpPr>
+            <a:spLocks noGrp="1"/>
+          </p:cNvSpPr>
+          <p:nvPr>
+            <p:ph idx="1"/>
+          </p:nvPr>
+        </p:nvSpPr>
+        <p:spPr/>
+        <p:txBody>
+          <a:bodyPr/>
+          <a:lstStyle/>
+          <a:p>
+            <a:r>
+              <a:rPr lang="en-US" dirty="0"/>
+              <a:t>Parameter initialization</a:t>
+            </a:r>
+            <a:endParaRPr lang="th-TH" dirty="0"/>
+          </a:p>
+        </p:txBody>
+      </p:sp>
+    </p:spTree>
+    <p:extLst>
+      <p:ext uri="{BB962C8B-B14F-4D97-AF65-F5344CB8AC3E}">
+        <p14:creationId xmlns:p14="http://schemas.microsoft.com/office/powerpoint/2010/main" val="179235535"/>
+      </p:ext>
+    </p:extLst>
+  </p:cSld>
+  <p:clrMapOvr>
+    <a:masterClrMapping/>
+  </p:clrMapOvr>
+</p:sld>
+</file>
+
+<file path=ppt/slides/slide11.xml><?xml version="1.0" encoding="utf-8"?>
+<p:sld xmlns:a="http://schemas.openxmlformats.org/drawingml/2006/main" xmlns:r="http://schemas.openxmlformats.org/officeDocument/2006/relationships" xmlns:p="http://schemas.openxmlformats.org/presentationml/2006/main">
+  <p:cSld>
+    <p:spTree>
+      <p:nvGrpSpPr>
+        <p:cNvPr id="1" name=""/>
+        <p:cNvGrpSpPr/>
+        <p:nvPr/>
+      </p:nvGrpSpPr>
+      <p:grpSpPr>
+        <a:xfrm>
+          <a:off x="0" y="0"/>
+          <a:ext cx="0" cy="0"/>
+          <a:chOff x="0" y="0"/>
+          <a:chExt cx="0" cy="0"/>
+        </a:xfrm>
+      </p:grpSpPr>
+      <p:sp>
+        <p:nvSpPr>
+          <p:cNvPr id="2" name="Title 1">
+            <a:extLst>
+              <a:ext uri="{FF2B5EF4-FFF2-40B4-BE49-F238E27FC236}">
+                <a16:creationId xmlns:a16="http://schemas.microsoft.com/office/drawing/2014/main" id="{3DC4EB1D-826C-4EE5-AE53-363E919460B8}"/>
+              </a:ext>
+            </a:extLst>
+          </p:cNvPr>
+          <p:cNvSpPr>
+            <a:spLocks noGrp="1"/>
+          </p:cNvSpPr>
+          <p:nvPr>
+            <p:ph type="title"/>
+          </p:nvPr>
+        </p:nvSpPr>
+        <p:spPr/>
+        <p:txBody>
+          <a:bodyPr/>
+          <a:lstStyle/>
+          <a:p>
+            <a:r>
+              <a:rPr lang="en-US" dirty="0"/>
+              <a:t>Strategy Designs</a:t>
+            </a:r>
+            <a:endParaRPr lang="th-TH" dirty="0"/>
+          </a:p>
+        </p:txBody>
+      </p:sp>
+      <p:sp>
+        <p:nvSpPr>
+          <p:cNvPr id="3" name="Content Placeholder 2">
+            <a:extLst>
+              <a:ext uri="{FF2B5EF4-FFF2-40B4-BE49-F238E27FC236}">
+                <a16:creationId xmlns:a16="http://schemas.microsoft.com/office/drawing/2014/main" id="{29A5AD1E-7AAF-4236-8CAF-48E92146FFB0}"/>
+              </a:ext>
+            </a:extLst>
+          </p:cNvPr>
+          <p:cNvSpPr>
+            <a:spLocks noGrp="1"/>
+          </p:cNvSpPr>
+          <p:nvPr>
+            <p:ph idx="1"/>
+          </p:nvPr>
+        </p:nvSpPr>
+        <p:spPr/>
+        <p:txBody>
+          <a:bodyPr/>
+          <a:lstStyle/>
+          <a:p>
+            <a:endParaRPr lang="th-TH"/>
+          </a:p>
+        </p:txBody>
+      </p:sp>
+    </p:spTree>
+    <p:extLst>
+      <p:ext uri="{BB962C8B-B14F-4D97-AF65-F5344CB8AC3E}">
+        <p14:creationId xmlns:p14="http://schemas.microsoft.com/office/powerpoint/2010/main" val="132519368"/>
+      </p:ext>
+    </p:extLst>
+  </p:cSld>
+  <p:clrMapOvr>
+    <a:masterClrMapping/>
+  </p:clrMapOvr>
+</p:sld>
+</file>
+
+<file path=ppt/slides/slide12.xml><?xml version="1.0" encoding="utf-8"?>
+<p:sld xmlns:a="http://schemas.openxmlformats.org/drawingml/2006/main" xmlns:r="http://schemas.openxmlformats.org/officeDocument/2006/relationships" xmlns:p="http://schemas.openxmlformats.org/presentationml/2006/main">
+  <p:cSld>
+    <p:spTree>
+      <p:nvGrpSpPr>
+        <p:cNvPr id="1" name=""/>
+        <p:cNvGrpSpPr/>
+        <p:nvPr/>
+      </p:nvGrpSpPr>
+      <p:grpSpPr>
+        <a:xfrm>
+          <a:off x="0" y="0"/>
+          <a:ext cx="0" cy="0"/>
+          <a:chOff x="0" y="0"/>
+          <a:chExt cx="0" cy="0"/>
+        </a:xfrm>
+      </p:grpSpPr>
+      <p:sp>
+        <p:nvSpPr>
+          <p:cNvPr id="2" name="Title 1">
+            <a:extLst>
+              <a:ext uri="{FF2B5EF4-FFF2-40B4-BE49-F238E27FC236}">
+                <a16:creationId xmlns:a16="http://schemas.microsoft.com/office/drawing/2014/main" id="{0C563182-0F73-46FD-8BEA-89E0CE83C290}"/>
+              </a:ext>
+            </a:extLst>
+          </p:cNvPr>
+          <p:cNvSpPr>
+            <a:spLocks noGrp="1"/>
+          </p:cNvSpPr>
+          <p:nvPr>
+            <p:ph type="title"/>
+          </p:nvPr>
+        </p:nvSpPr>
+        <p:spPr/>
+        <p:txBody>
+          <a:bodyPr/>
+          <a:lstStyle/>
+          <a:p>
+            <a:r>
+              <a:rPr lang="en-US" dirty="0"/>
+              <a:t>Strategy Results</a:t>
+            </a:r>
+            <a:endParaRPr lang="th-TH" dirty="0"/>
+          </a:p>
+        </p:txBody>
+      </p:sp>
+      <p:sp>
+        <p:nvSpPr>
+          <p:cNvPr id="3" name="Content Placeholder 2">
+            <a:extLst>
+              <a:ext uri="{FF2B5EF4-FFF2-40B4-BE49-F238E27FC236}">
+                <a16:creationId xmlns:a16="http://schemas.microsoft.com/office/drawing/2014/main" id="{CBACC6F4-2E80-4240-96CE-C658C58209FF}"/>
+              </a:ext>
+            </a:extLst>
+          </p:cNvPr>
+          <p:cNvSpPr>
+            <a:spLocks noGrp="1"/>
+          </p:cNvSpPr>
+          <p:nvPr>
+            <p:ph idx="1"/>
+          </p:nvPr>
+        </p:nvSpPr>
+        <p:spPr/>
+        <p:txBody>
+          <a:bodyPr/>
+          <a:lstStyle/>
+          <a:p>
+            <a:endParaRPr lang="th-TH"/>
+          </a:p>
+        </p:txBody>
+      </p:sp>
+    </p:spTree>
+    <p:extLst>
+      <p:ext uri="{BB962C8B-B14F-4D97-AF65-F5344CB8AC3E}">
+        <p14:creationId xmlns:p14="http://schemas.microsoft.com/office/powerpoint/2010/main" val="3297423138"/>
+      </p:ext>
+    </p:extLst>
+  </p:cSld>
+  <p:clrMapOvr>
+    <a:masterClrMapping/>
+  </p:clrMapOvr>
+</p:sld>
+</file>
+
+<file path=ppt/slides/slide13.xml><?xml version="1.0" encoding="utf-8"?>
+<p:sld xmlns:a="http://schemas.openxmlformats.org/drawingml/2006/main" xmlns:r="http://schemas.openxmlformats.org/officeDocument/2006/relationships" xmlns:p="http://schemas.openxmlformats.org/presentationml/2006/main">
+  <p:cSld>
+    <p:spTree>
+      <p:nvGrpSpPr>
+        <p:cNvPr id="1" name=""/>
+        <p:cNvGrpSpPr/>
+        <p:nvPr/>
+      </p:nvGrpSpPr>
+      <p:grpSpPr>
+        <a:xfrm>
+          <a:off x="0" y="0"/>
+          <a:ext cx="0" cy="0"/>
+          <a:chOff x="0" y="0"/>
+          <a:chExt cx="0" cy="0"/>
+        </a:xfrm>
+      </p:grpSpPr>
+      <p:sp>
+        <p:nvSpPr>
+          <p:cNvPr id="2" name="Title 1">
+            <a:extLst>
+              <a:ext uri="{FF2B5EF4-FFF2-40B4-BE49-F238E27FC236}">
+                <a16:creationId xmlns:a16="http://schemas.microsoft.com/office/drawing/2014/main" id="{A72A782B-3E39-4470-8D39-51DDF04A1B80}"/>
+              </a:ext>
+            </a:extLst>
+          </p:cNvPr>
+          <p:cNvSpPr>
+            <a:spLocks noGrp="1"/>
+          </p:cNvSpPr>
+          <p:nvPr>
+            <p:ph type="title"/>
+          </p:nvPr>
+        </p:nvSpPr>
+        <p:spPr/>
+        <p:txBody>
+          <a:bodyPr/>
+          <a:lstStyle/>
+          <a:p>
+            <a:r>
+              <a:rPr lang="en-US" dirty="0"/>
+              <a:t>Conclusion and Limitations</a:t>
+            </a:r>
+            <a:endParaRPr lang="th-TH" dirty="0"/>
+          </a:p>
+        </p:txBody>
+      </p:sp>
+      <p:sp>
+        <p:nvSpPr>
+          <p:cNvPr id="3" name="Content Placeholder 2">
+            <a:extLst>
+              <a:ext uri="{FF2B5EF4-FFF2-40B4-BE49-F238E27FC236}">
+                <a16:creationId xmlns:a16="http://schemas.microsoft.com/office/drawing/2014/main" id="{C7BB9F39-109F-4EDB-9F94-086571017DD3}"/>
+              </a:ext>
+            </a:extLst>
+          </p:cNvPr>
+          <p:cNvSpPr>
+            <a:spLocks noGrp="1"/>
+          </p:cNvSpPr>
+          <p:nvPr>
+            <p:ph idx="1"/>
+          </p:nvPr>
+        </p:nvSpPr>
+        <p:spPr/>
+        <p:txBody>
+          <a:bodyPr/>
+          <a:lstStyle/>
+          <a:p>
+            <a:endParaRPr lang="th-TH"/>
+          </a:p>
+        </p:txBody>
+      </p:sp>
+    </p:spTree>
+    <p:extLst>
+      <p:ext uri="{BB962C8B-B14F-4D97-AF65-F5344CB8AC3E}">
+        <p14:creationId xmlns:p14="http://schemas.microsoft.com/office/powerpoint/2010/main" val="2290672147"/>
+      </p:ext>
+    </p:extLst>
+  </p:cSld>
+  <p:clrMapOvr>
+    <a:masterClrMapping/>
+  </p:clrMapOvr>
+</p:sld>
+</file>
+
 <file path=ppt/slides/slide2.xml><?xml version="1.0" encoding="utf-8"?>
 <p:sld xmlns:a="http://schemas.openxmlformats.org/drawingml/2006/main" xmlns:r="http://schemas.openxmlformats.org/officeDocument/2006/relationships" xmlns:p="http://schemas.openxmlformats.org/presentationml/2006/main">
   <p:cSld>
@@ -3611,6 +3966,534 @@
     <p:extLst>
       <p:ext uri="{BB962C8B-B14F-4D97-AF65-F5344CB8AC3E}">
         <p14:creationId xmlns:p14="http://schemas.microsoft.com/office/powerpoint/2010/main" val="4081527435"/>
+      </p:ext>
+    </p:extLst>
+  </p:cSld>
+  <p:clrMapOvr>
+    <a:masterClrMapping/>
+  </p:clrMapOvr>
+</p:sld>
+</file>
+
+<file path=ppt/slides/slide4.xml><?xml version="1.0" encoding="utf-8"?>
+<p:sld xmlns:a="http://schemas.openxmlformats.org/drawingml/2006/main" xmlns:r="http://schemas.openxmlformats.org/officeDocument/2006/relationships" xmlns:p="http://schemas.openxmlformats.org/presentationml/2006/main">
+  <p:cSld>
+    <p:spTree>
+      <p:nvGrpSpPr>
+        <p:cNvPr id="1" name=""/>
+        <p:cNvGrpSpPr/>
+        <p:nvPr/>
+      </p:nvGrpSpPr>
+      <p:grpSpPr>
+        <a:xfrm>
+          <a:off x="0" y="0"/>
+          <a:ext cx="0" cy="0"/>
+          <a:chOff x="0" y="0"/>
+          <a:chExt cx="0" cy="0"/>
+        </a:xfrm>
+      </p:grpSpPr>
+      <p:sp>
+        <p:nvSpPr>
+          <p:cNvPr id="2" name="Title 1">
+            <a:extLst>
+              <a:ext uri="{FF2B5EF4-FFF2-40B4-BE49-F238E27FC236}">
+                <a16:creationId xmlns:a16="http://schemas.microsoft.com/office/drawing/2014/main" id="{E1E7261D-6AAC-437F-93E3-7088757E6C67}"/>
+              </a:ext>
+            </a:extLst>
+          </p:cNvPr>
+          <p:cNvSpPr>
+            <a:spLocks noGrp="1"/>
+          </p:cNvSpPr>
+          <p:nvPr>
+            <p:ph type="title"/>
+          </p:nvPr>
+        </p:nvSpPr>
+        <p:spPr/>
+        <p:txBody>
+          <a:bodyPr/>
+          <a:lstStyle/>
+          <a:p>
+            <a:r>
+              <a:rPr lang="en-US" dirty="0"/>
+              <a:t>Definition</a:t>
+            </a:r>
+            <a:endParaRPr lang="th-TH" dirty="0"/>
+          </a:p>
+        </p:txBody>
+      </p:sp>
+      <p:sp>
+        <p:nvSpPr>
+          <p:cNvPr id="3" name="Content Placeholder 2">
+            <a:extLst>
+              <a:ext uri="{FF2B5EF4-FFF2-40B4-BE49-F238E27FC236}">
+                <a16:creationId xmlns:a16="http://schemas.microsoft.com/office/drawing/2014/main" id="{D7E139B5-1A45-4D31-BFA7-6D307F9361C2}"/>
+              </a:ext>
+            </a:extLst>
+          </p:cNvPr>
+          <p:cNvSpPr>
+            <a:spLocks noGrp="1"/>
+          </p:cNvSpPr>
+          <p:nvPr>
+            <p:ph idx="1"/>
+          </p:nvPr>
+        </p:nvSpPr>
+        <p:spPr/>
+        <p:txBody>
+          <a:bodyPr/>
+          <a:lstStyle/>
+          <a:p>
+            <a:r>
+              <a:rPr lang="en-US" dirty="0"/>
+              <a:t>Process Time (VN_OUT – VN_IN in minutes)</a:t>
+            </a:r>
+            <a:endParaRPr lang="th-TH" dirty="0"/>
+          </a:p>
+        </p:txBody>
+      </p:sp>
+    </p:spTree>
+    <p:extLst>
+      <p:ext uri="{BB962C8B-B14F-4D97-AF65-F5344CB8AC3E}">
+        <p14:creationId xmlns:p14="http://schemas.microsoft.com/office/powerpoint/2010/main" val="2870974381"/>
+      </p:ext>
+    </p:extLst>
+  </p:cSld>
+  <p:clrMapOvr>
+    <a:masterClrMapping/>
+  </p:clrMapOvr>
+</p:sld>
+</file>
+
+<file path=ppt/slides/slide5.xml><?xml version="1.0" encoding="utf-8"?>
+<p:sld xmlns:a="http://schemas.openxmlformats.org/drawingml/2006/main" xmlns:r="http://schemas.openxmlformats.org/officeDocument/2006/relationships" xmlns:p="http://schemas.openxmlformats.org/presentationml/2006/main">
+  <p:cSld>
+    <p:spTree>
+      <p:nvGrpSpPr>
+        <p:cNvPr id="1" name=""/>
+        <p:cNvGrpSpPr/>
+        <p:nvPr/>
+      </p:nvGrpSpPr>
+      <p:grpSpPr>
+        <a:xfrm>
+          <a:off x="0" y="0"/>
+          <a:ext cx="0" cy="0"/>
+          <a:chOff x="0" y="0"/>
+          <a:chExt cx="0" cy="0"/>
+        </a:xfrm>
+      </p:grpSpPr>
+      <p:sp>
+        <p:nvSpPr>
+          <p:cNvPr id="2" name="Title 1">
+            <a:extLst>
+              <a:ext uri="{FF2B5EF4-FFF2-40B4-BE49-F238E27FC236}">
+                <a16:creationId xmlns:a16="http://schemas.microsoft.com/office/drawing/2014/main" id="{6C5B3594-A413-4308-8263-6C34A911AD51}"/>
+              </a:ext>
+            </a:extLst>
+          </p:cNvPr>
+          <p:cNvSpPr>
+            <a:spLocks noGrp="1"/>
+          </p:cNvSpPr>
+          <p:nvPr>
+            <p:ph type="title"/>
+          </p:nvPr>
+        </p:nvSpPr>
+        <p:spPr/>
+        <p:txBody>
+          <a:bodyPr/>
+          <a:lstStyle/>
+          <a:p>
+            <a:r>
+              <a:rPr lang="en-US" dirty="0"/>
+              <a:t>Process Time Estimation</a:t>
+            </a:r>
+            <a:endParaRPr lang="th-TH" dirty="0"/>
+          </a:p>
+        </p:txBody>
+      </p:sp>
+      <p:sp>
+        <p:nvSpPr>
+          <p:cNvPr id="3" name="Content Placeholder 2">
+            <a:extLst>
+              <a:ext uri="{FF2B5EF4-FFF2-40B4-BE49-F238E27FC236}">
+                <a16:creationId xmlns:a16="http://schemas.microsoft.com/office/drawing/2014/main" id="{23059F9F-DE86-4DD8-8AFC-D1E869D2FFD0}"/>
+              </a:ext>
+            </a:extLst>
+          </p:cNvPr>
+          <p:cNvSpPr>
+            <a:spLocks noGrp="1"/>
+          </p:cNvSpPr>
+          <p:nvPr>
+            <p:ph idx="1"/>
+          </p:nvPr>
+        </p:nvSpPr>
+        <p:spPr/>
+        <p:txBody>
+          <a:bodyPr/>
+          <a:lstStyle/>
+          <a:p>
+            <a:r>
+              <a:rPr lang="en-US" dirty="0"/>
+              <a:t>Some equation</a:t>
+            </a:r>
+            <a:endParaRPr lang="th-TH" dirty="0"/>
+          </a:p>
+        </p:txBody>
+      </p:sp>
+    </p:spTree>
+    <p:extLst>
+      <p:ext uri="{BB962C8B-B14F-4D97-AF65-F5344CB8AC3E}">
+        <p14:creationId xmlns:p14="http://schemas.microsoft.com/office/powerpoint/2010/main" val="743733054"/>
+      </p:ext>
+    </p:extLst>
+  </p:cSld>
+  <p:clrMapOvr>
+    <a:masterClrMapping/>
+  </p:clrMapOvr>
+</p:sld>
+</file>
+
+<file path=ppt/slides/slide6.xml><?xml version="1.0" encoding="utf-8"?>
+<p:sld xmlns:a="http://schemas.openxmlformats.org/drawingml/2006/main" xmlns:r="http://schemas.openxmlformats.org/officeDocument/2006/relationships" xmlns:p="http://schemas.openxmlformats.org/presentationml/2006/main">
+  <p:cSld>
+    <p:spTree>
+      <p:nvGrpSpPr>
+        <p:cNvPr id="1" name=""/>
+        <p:cNvGrpSpPr/>
+        <p:nvPr/>
+      </p:nvGrpSpPr>
+      <p:grpSpPr>
+        <a:xfrm>
+          <a:off x="0" y="0"/>
+          <a:ext cx="0" cy="0"/>
+          <a:chOff x="0" y="0"/>
+          <a:chExt cx="0" cy="0"/>
+        </a:xfrm>
+      </p:grpSpPr>
+      <p:sp>
+        <p:nvSpPr>
+          <p:cNvPr id="2" name="Title 1">
+            <a:extLst>
+              <a:ext uri="{FF2B5EF4-FFF2-40B4-BE49-F238E27FC236}">
+                <a16:creationId xmlns:a16="http://schemas.microsoft.com/office/drawing/2014/main" id="{3D65D1A6-E5C4-4E43-A4C0-A9FD06633B3F}"/>
+              </a:ext>
+            </a:extLst>
+          </p:cNvPr>
+          <p:cNvSpPr>
+            <a:spLocks noGrp="1"/>
+          </p:cNvSpPr>
+          <p:nvPr>
+            <p:ph type="title"/>
+          </p:nvPr>
+        </p:nvSpPr>
+        <p:spPr/>
+        <p:txBody>
+          <a:bodyPr/>
+          <a:lstStyle/>
+          <a:p>
+            <a:r>
+              <a:rPr lang="en-US" dirty="0"/>
+              <a:t>Process Time Estimation</a:t>
+            </a:r>
+            <a:endParaRPr lang="th-TH" dirty="0"/>
+          </a:p>
+        </p:txBody>
+      </p:sp>
+      <p:sp>
+        <p:nvSpPr>
+          <p:cNvPr id="3" name="Content Placeholder 2">
+            <a:extLst>
+              <a:ext uri="{FF2B5EF4-FFF2-40B4-BE49-F238E27FC236}">
+                <a16:creationId xmlns:a16="http://schemas.microsoft.com/office/drawing/2014/main" id="{B9DA14B2-635A-45ED-98F2-E3ECDED05FC1}"/>
+              </a:ext>
+            </a:extLst>
+          </p:cNvPr>
+          <p:cNvSpPr>
+            <a:spLocks noGrp="1"/>
+          </p:cNvSpPr>
+          <p:nvPr>
+            <p:ph idx="1"/>
+          </p:nvPr>
+        </p:nvSpPr>
+        <p:spPr/>
+        <p:txBody>
+          <a:bodyPr/>
+          <a:lstStyle/>
+          <a:p>
+            <a:r>
+              <a:rPr lang="en-US" dirty="0"/>
+              <a:t>Labelling</a:t>
+            </a:r>
+            <a:endParaRPr lang="th-TH" dirty="0"/>
+          </a:p>
+        </p:txBody>
+      </p:sp>
+    </p:spTree>
+    <p:extLst>
+      <p:ext uri="{BB962C8B-B14F-4D97-AF65-F5344CB8AC3E}">
+        <p14:creationId xmlns:p14="http://schemas.microsoft.com/office/powerpoint/2010/main" val="1442057286"/>
+      </p:ext>
+    </p:extLst>
+  </p:cSld>
+  <p:clrMapOvr>
+    <a:masterClrMapping/>
+  </p:clrMapOvr>
+</p:sld>
+</file>
+
+<file path=ppt/slides/slide7.xml><?xml version="1.0" encoding="utf-8"?>
+<p:sld xmlns:a="http://schemas.openxmlformats.org/drawingml/2006/main" xmlns:r="http://schemas.openxmlformats.org/officeDocument/2006/relationships" xmlns:p="http://schemas.openxmlformats.org/presentationml/2006/main">
+  <p:cSld>
+    <p:spTree>
+      <p:nvGrpSpPr>
+        <p:cNvPr id="1" name=""/>
+        <p:cNvGrpSpPr/>
+        <p:nvPr/>
+      </p:nvGrpSpPr>
+      <p:grpSpPr>
+        <a:xfrm>
+          <a:off x="0" y="0"/>
+          <a:ext cx="0" cy="0"/>
+          <a:chOff x="0" y="0"/>
+          <a:chExt cx="0" cy="0"/>
+        </a:xfrm>
+      </p:grpSpPr>
+      <p:sp>
+        <p:nvSpPr>
+          <p:cNvPr id="2" name="Title 1">
+            <a:extLst>
+              <a:ext uri="{FF2B5EF4-FFF2-40B4-BE49-F238E27FC236}">
+                <a16:creationId xmlns:a16="http://schemas.microsoft.com/office/drawing/2014/main" id="{3D65D1A6-E5C4-4E43-A4C0-A9FD06633B3F}"/>
+              </a:ext>
+            </a:extLst>
+          </p:cNvPr>
+          <p:cNvSpPr>
+            <a:spLocks noGrp="1"/>
+          </p:cNvSpPr>
+          <p:nvPr>
+            <p:ph type="title"/>
+          </p:nvPr>
+        </p:nvSpPr>
+        <p:spPr/>
+        <p:txBody>
+          <a:bodyPr/>
+          <a:lstStyle/>
+          <a:p>
+            <a:r>
+              <a:rPr lang="en-US" dirty="0"/>
+              <a:t>Process Time Estimation</a:t>
+            </a:r>
+            <a:endParaRPr lang="th-TH" dirty="0"/>
+          </a:p>
+        </p:txBody>
+      </p:sp>
+      <p:sp>
+        <p:nvSpPr>
+          <p:cNvPr id="3" name="Content Placeholder 2">
+            <a:extLst>
+              <a:ext uri="{FF2B5EF4-FFF2-40B4-BE49-F238E27FC236}">
+                <a16:creationId xmlns:a16="http://schemas.microsoft.com/office/drawing/2014/main" id="{B9DA14B2-635A-45ED-98F2-E3ECDED05FC1}"/>
+              </a:ext>
+            </a:extLst>
+          </p:cNvPr>
+          <p:cNvSpPr>
+            <a:spLocks noGrp="1"/>
+          </p:cNvSpPr>
+          <p:nvPr>
+            <p:ph idx="1"/>
+          </p:nvPr>
+        </p:nvSpPr>
+        <p:spPr/>
+        <p:txBody>
+          <a:bodyPr/>
+          <a:lstStyle/>
+          <a:p>
+            <a:r>
+              <a:rPr lang="en-US" dirty="0"/>
+              <a:t>Result table</a:t>
+            </a:r>
+            <a:endParaRPr lang="th-TH" dirty="0"/>
+          </a:p>
+        </p:txBody>
+      </p:sp>
+    </p:spTree>
+    <p:extLst>
+      <p:ext uri="{BB962C8B-B14F-4D97-AF65-F5344CB8AC3E}">
+        <p14:creationId xmlns:p14="http://schemas.microsoft.com/office/powerpoint/2010/main" val="3249900630"/>
+      </p:ext>
+    </p:extLst>
+  </p:cSld>
+  <p:clrMapOvr>
+    <a:masterClrMapping/>
+  </p:clrMapOvr>
+</p:sld>
+</file>
+
+<file path=ppt/slides/slide8.xml><?xml version="1.0" encoding="utf-8"?>
+<p:sld xmlns:a="http://schemas.openxmlformats.org/drawingml/2006/main" xmlns:r="http://schemas.openxmlformats.org/officeDocument/2006/relationships" xmlns:p="http://schemas.openxmlformats.org/presentationml/2006/main">
+  <p:cSld>
+    <p:spTree>
+      <p:nvGrpSpPr>
+        <p:cNvPr id="1" name=""/>
+        <p:cNvGrpSpPr/>
+        <p:nvPr/>
+      </p:nvGrpSpPr>
+      <p:grpSpPr>
+        <a:xfrm>
+          <a:off x="0" y="0"/>
+          <a:ext cx="0" cy="0"/>
+          <a:chOff x="0" y="0"/>
+          <a:chExt cx="0" cy="0"/>
+        </a:xfrm>
+      </p:grpSpPr>
+      <p:sp>
+        <p:nvSpPr>
+          <p:cNvPr id="2" name="Title 1">
+            <a:extLst>
+              <a:ext uri="{FF2B5EF4-FFF2-40B4-BE49-F238E27FC236}">
+                <a16:creationId xmlns:a16="http://schemas.microsoft.com/office/drawing/2014/main" id="{3D65D1A6-E5C4-4E43-A4C0-A9FD06633B3F}"/>
+              </a:ext>
+            </a:extLst>
+          </p:cNvPr>
+          <p:cNvSpPr>
+            <a:spLocks noGrp="1"/>
+          </p:cNvSpPr>
+          <p:nvPr>
+            <p:ph type="title"/>
+          </p:nvPr>
+        </p:nvSpPr>
+        <p:spPr/>
+        <p:txBody>
+          <a:bodyPr/>
+          <a:lstStyle/>
+          <a:p>
+            <a:r>
+              <a:rPr lang="en-US" dirty="0"/>
+              <a:t>Simple Abstract Hospital Pathway</a:t>
+            </a:r>
+            <a:endParaRPr lang="th-TH" dirty="0"/>
+          </a:p>
+        </p:txBody>
+      </p:sp>
+      <p:sp>
+        <p:nvSpPr>
+          <p:cNvPr id="3" name="Content Placeholder 2">
+            <a:extLst>
+              <a:ext uri="{FF2B5EF4-FFF2-40B4-BE49-F238E27FC236}">
+                <a16:creationId xmlns:a16="http://schemas.microsoft.com/office/drawing/2014/main" id="{B9DA14B2-635A-45ED-98F2-E3ECDED05FC1}"/>
+              </a:ext>
+            </a:extLst>
+          </p:cNvPr>
+          <p:cNvSpPr>
+            <a:spLocks noGrp="1"/>
+          </p:cNvSpPr>
+          <p:nvPr>
+            <p:ph idx="1"/>
+          </p:nvPr>
+        </p:nvSpPr>
+        <p:spPr/>
+        <p:txBody>
+          <a:bodyPr/>
+          <a:lstStyle/>
+          <a:p>
+            <a:r>
+              <a:rPr lang="en-US" dirty="0"/>
+              <a:t>Show diagram and process time</a:t>
+            </a:r>
+            <a:endParaRPr lang="th-TH" dirty="0"/>
+          </a:p>
+        </p:txBody>
+      </p:sp>
+    </p:spTree>
+    <p:extLst>
+      <p:ext uri="{BB962C8B-B14F-4D97-AF65-F5344CB8AC3E}">
+        <p14:creationId xmlns:p14="http://schemas.microsoft.com/office/powerpoint/2010/main" val="714920981"/>
+      </p:ext>
+    </p:extLst>
+  </p:cSld>
+  <p:clrMapOvr>
+    <a:masterClrMapping/>
+  </p:clrMapOvr>
+</p:sld>
+</file>
+
+<file path=ppt/slides/slide9.xml><?xml version="1.0" encoding="utf-8"?>
+<p:sld xmlns:a="http://schemas.openxmlformats.org/drawingml/2006/main" xmlns:r="http://schemas.openxmlformats.org/officeDocument/2006/relationships" xmlns:p="http://schemas.openxmlformats.org/presentationml/2006/main">
+  <p:cSld>
+    <p:spTree>
+      <p:nvGrpSpPr>
+        <p:cNvPr id="1" name=""/>
+        <p:cNvGrpSpPr/>
+        <p:nvPr/>
+      </p:nvGrpSpPr>
+      <p:grpSpPr>
+        <a:xfrm>
+          <a:off x="0" y="0"/>
+          <a:ext cx="0" cy="0"/>
+          <a:chOff x="0" y="0"/>
+          <a:chExt cx="0" cy="0"/>
+        </a:xfrm>
+      </p:grpSpPr>
+      <p:sp>
+        <p:nvSpPr>
+          <p:cNvPr id="2" name="Title 1">
+            <a:extLst>
+              <a:ext uri="{FF2B5EF4-FFF2-40B4-BE49-F238E27FC236}">
+                <a16:creationId xmlns:a16="http://schemas.microsoft.com/office/drawing/2014/main" id="{3D65D1A6-E5C4-4E43-A4C0-A9FD06633B3F}"/>
+              </a:ext>
+            </a:extLst>
+          </p:cNvPr>
+          <p:cNvSpPr>
+            <a:spLocks noGrp="1"/>
+          </p:cNvSpPr>
+          <p:nvPr>
+            <p:ph type="title"/>
+          </p:nvPr>
+        </p:nvSpPr>
+        <p:spPr/>
+        <p:txBody>
+          <a:bodyPr/>
+          <a:lstStyle/>
+          <a:p>
+            <a:r>
+              <a:rPr lang="en-US" dirty="0"/>
+              <a:t>DES Assumptions</a:t>
+            </a:r>
+            <a:endParaRPr lang="th-TH" dirty="0"/>
+          </a:p>
+        </p:txBody>
+      </p:sp>
+      <p:sp>
+        <p:nvSpPr>
+          <p:cNvPr id="3" name="Content Placeholder 2">
+            <a:extLst>
+              <a:ext uri="{FF2B5EF4-FFF2-40B4-BE49-F238E27FC236}">
+                <a16:creationId xmlns:a16="http://schemas.microsoft.com/office/drawing/2014/main" id="{B9DA14B2-635A-45ED-98F2-E3ECDED05FC1}"/>
+              </a:ext>
+            </a:extLst>
+          </p:cNvPr>
+          <p:cNvSpPr>
+            <a:spLocks noGrp="1"/>
+          </p:cNvSpPr>
+          <p:nvPr>
+            <p:ph idx="1"/>
+          </p:nvPr>
+        </p:nvSpPr>
+        <p:spPr/>
+        <p:txBody>
+          <a:bodyPr/>
+          <a:lstStyle/>
+          <a:p>
+            <a:r>
+              <a:rPr lang="en-US" dirty="0"/>
+              <a:t>List of assumptions applied to DES</a:t>
+            </a:r>
+            <a:endParaRPr lang="th-TH" dirty="0"/>
+          </a:p>
+        </p:txBody>
+      </p:sp>
+    </p:spTree>
+    <p:extLst>
+      <p:ext uri="{BB962C8B-B14F-4D97-AF65-F5344CB8AC3E}">
+        <p14:creationId xmlns:p14="http://schemas.microsoft.com/office/powerpoint/2010/main" val="2017628106"/>
       </p:ext>
     </p:extLst>
   </p:cSld>

--- a/memo_presentation/memo.pptx
+++ b/memo_presentation/memo.pptx
@@ -13,11 +13,12 @@
     <p:sldId id="261" r:id="rId7"/>
     <p:sldId id="262" r:id="rId8"/>
     <p:sldId id="263" r:id="rId9"/>
-    <p:sldId id="264" r:id="rId10"/>
-    <p:sldId id="268" r:id="rId11"/>
-    <p:sldId id="265" r:id="rId12"/>
-    <p:sldId id="266" r:id="rId13"/>
-    <p:sldId id="267" r:id="rId14"/>
+    <p:sldId id="269" r:id="rId10"/>
+    <p:sldId id="264" r:id="rId11"/>
+    <p:sldId id="268" r:id="rId12"/>
+    <p:sldId id="265" r:id="rId13"/>
+    <p:sldId id="266" r:id="rId14"/>
+    <p:sldId id="267" r:id="rId15"/>
   </p:sldIdLst>
   <p:sldSz cx="12192000" cy="6858000"/>
   <p:notesSz cx="6858000" cy="9144000"/>
@@ -124,6 +125,6349 @@
 </p:presentation>
 </file>
 
+<file path=ppt/diagrams/colors1.xml><?xml version="1.0" encoding="utf-8"?>
+<dgm:colorsDef xmlns:dgm="http://schemas.openxmlformats.org/drawingml/2006/diagram" xmlns:a="http://schemas.openxmlformats.org/drawingml/2006/main" uniqueId="urn:microsoft.com/office/officeart/2005/8/colors/accent1_2">
+  <dgm:title val=""/>
+  <dgm:desc val=""/>
+  <dgm:catLst>
+    <dgm:cat type="accent1" pri="11200"/>
+  </dgm:catLst>
+  <dgm:styleLbl name="node0">
+    <dgm:fillClrLst meth="repeat">
+      <a:schemeClr val="accent1"/>
+    </dgm:fillClrLst>
+    <dgm:linClrLst meth="repeat">
+      <a:schemeClr val="lt1"/>
+    </dgm:linClrLst>
+    <dgm:effectClrLst/>
+    <dgm:txLinClrLst/>
+    <dgm:txFillClrLst/>
+    <dgm:txEffectClrLst/>
+  </dgm:styleLbl>
+  <dgm:styleLbl name="alignNode1">
+    <dgm:fillClrLst meth="repeat">
+      <a:schemeClr val="accent1"/>
+    </dgm:fillClrLst>
+    <dgm:linClrLst meth="repeat">
+      <a:schemeClr val="accent1"/>
+    </dgm:linClrLst>
+    <dgm:effectClrLst/>
+    <dgm:txLinClrLst/>
+    <dgm:txFillClrLst/>
+    <dgm:txEffectClrLst/>
+  </dgm:styleLbl>
+  <dgm:styleLbl name="node1">
+    <dgm:fillClrLst meth="repeat">
+      <a:schemeClr val="accent1"/>
+    </dgm:fillClrLst>
+    <dgm:linClrLst meth="repeat">
+      <a:schemeClr val="lt1"/>
+    </dgm:linClrLst>
+    <dgm:effectClrLst/>
+    <dgm:txLinClrLst/>
+    <dgm:txFillClrLst/>
+    <dgm:txEffectClrLst/>
+  </dgm:styleLbl>
+  <dgm:styleLbl name="lnNode1">
+    <dgm:fillClrLst meth="repeat">
+      <a:schemeClr val="accent1"/>
+    </dgm:fillClrLst>
+    <dgm:linClrLst meth="repeat">
+      <a:schemeClr val="lt1"/>
+    </dgm:linClrLst>
+    <dgm:effectClrLst/>
+    <dgm:txLinClrLst/>
+    <dgm:txFillClrLst/>
+    <dgm:txEffectClrLst/>
+  </dgm:styleLbl>
+  <dgm:styleLbl name="vennNode1">
+    <dgm:fillClrLst meth="repeat">
+      <a:schemeClr val="accent1">
+        <a:alpha val="50000"/>
+      </a:schemeClr>
+    </dgm:fillClrLst>
+    <dgm:linClrLst meth="repeat">
+      <a:schemeClr val="lt1"/>
+    </dgm:linClrLst>
+    <dgm:effectClrLst/>
+    <dgm:txLinClrLst/>
+    <dgm:txFillClrLst/>
+    <dgm:txEffectClrLst/>
+  </dgm:styleLbl>
+  <dgm:styleLbl name="node2">
+    <dgm:fillClrLst meth="repeat">
+      <a:schemeClr val="accent1"/>
+    </dgm:fillClrLst>
+    <dgm:linClrLst meth="repeat">
+      <a:schemeClr val="lt1"/>
+    </dgm:linClrLst>
+    <dgm:effectClrLst/>
+    <dgm:txLinClrLst/>
+    <dgm:txFillClrLst/>
+    <dgm:txEffectClrLst/>
+  </dgm:styleLbl>
+  <dgm:styleLbl name="node3">
+    <dgm:fillClrLst meth="repeat">
+      <a:schemeClr val="accent1"/>
+    </dgm:fillClrLst>
+    <dgm:linClrLst meth="repeat">
+      <a:schemeClr val="lt1"/>
+    </dgm:linClrLst>
+    <dgm:effectClrLst/>
+    <dgm:txLinClrLst/>
+    <dgm:txFillClrLst/>
+    <dgm:txEffectClrLst/>
+  </dgm:styleLbl>
+  <dgm:styleLbl name="node4">
+    <dgm:fillClrLst meth="repeat">
+      <a:schemeClr val="accent1"/>
+    </dgm:fillClrLst>
+    <dgm:linClrLst meth="repeat">
+      <a:schemeClr val="lt1"/>
+    </dgm:linClrLst>
+    <dgm:effectClrLst/>
+    <dgm:txLinClrLst/>
+    <dgm:txFillClrLst/>
+    <dgm:txEffectClrLst/>
+  </dgm:styleLbl>
+  <dgm:styleLbl name="fgImgPlace1">
+    <dgm:fillClrLst meth="repeat">
+      <a:schemeClr val="accent1">
+        <a:tint val="50000"/>
+      </a:schemeClr>
+    </dgm:fillClrLst>
+    <dgm:linClrLst meth="repeat">
+      <a:schemeClr val="lt1"/>
+    </dgm:linClrLst>
+    <dgm:effectClrLst/>
+    <dgm:txLinClrLst/>
+    <dgm:txFillClrLst meth="repeat">
+      <a:schemeClr val="lt1"/>
+    </dgm:txFillClrLst>
+    <dgm:txEffectClrLst/>
+  </dgm:styleLbl>
+  <dgm:styleLbl name="alignImgPlace1">
+    <dgm:fillClrLst meth="repeat">
+      <a:schemeClr val="accent1">
+        <a:tint val="50000"/>
+      </a:schemeClr>
+    </dgm:fillClrLst>
+    <dgm:linClrLst meth="repeat">
+      <a:schemeClr val="lt1"/>
+    </dgm:linClrLst>
+    <dgm:effectClrLst/>
+    <dgm:txLinClrLst/>
+    <dgm:txFillClrLst meth="repeat">
+      <a:schemeClr val="lt1"/>
+    </dgm:txFillClrLst>
+    <dgm:txEffectClrLst/>
+  </dgm:styleLbl>
+  <dgm:styleLbl name="bgImgPlace1">
+    <dgm:fillClrLst meth="repeat">
+      <a:schemeClr val="accent1">
+        <a:tint val="50000"/>
+      </a:schemeClr>
+    </dgm:fillClrLst>
+    <dgm:linClrLst meth="repeat">
+      <a:schemeClr val="lt1"/>
+    </dgm:linClrLst>
+    <dgm:effectClrLst/>
+    <dgm:txLinClrLst/>
+    <dgm:txFillClrLst meth="repeat">
+      <a:schemeClr val="lt1"/>
+    </dgm:txFillClrLst>
+    <dgm:txEffectClrLst/>
+  </dgm:styleLbl>
+  <dgm:styleLbl name="sibTrans2D1">
+    <dgm:fillClrLst meth="repeat">
+      <a:schemeClr val="accent1">
+        <a:tint val="60000"/>
+      </a:schemeClr>
+    </dgm:fillClrLst>
+    <dgm:linClrLst meth="repeat">
+      <a:schemeClr val="accent1">
+        <a:tint val="60000"/>
+      </a:schemeClr>
+    </dgm:linClrLst>
+    <dgm:effectClrLst/>
+    <dgm:txLinClrLst/>
+    <dgm:txFillClrLst/>
+    <dgm:txEffectClrLst/>
+  </dgm:styleLbl>
+  <dgm:styleLbl name="fgSibTrans2D1">
+    <dgm:fillClrLst meth="repeat">
+      <a:schemeClr val="accent1">
+        <a:tint val="60000"/>
+      </a:schemeClr>
+    </dgm:fillClrLst>
+    <dgm:linClrLst meth="repeat">
+      <a:schemeClr val="accent1">
+        <a:tint val="60000"/>
+      </a:schemeClr>
+    </dgm:linClrLst>
+    <dgm:effectClrLst/>
+    <dgm:txLinClrLst/>
+    <dgm:txFillClrLst/>
+    <dgm:txEffectClrLst/>
+  </dgm:styleLbl>
+  <dgm:styleLbl name="bgSibTrans2D1">
+    <dgm:fillClrLst meth="repeat">
+      <a:schemeClr val="accent1">
+        <a:tint val="60000"/>
+      </a:schemeClr>
+    </dgm:fillClrLst>
+    <dgm:linClrLst meth="repeat">
+      <a:schemeClr val="accent1">
+        <a:tint val="60000"/>
+      </a:schemeClr>
+    </dgm:linClrLst>
+    <dgm:effectClrLst/>
+    <dgm:txLinClrLst/>
+    <dgm:txFillClrLst/>
+    <dgm:txEffectClrLst/>
+  </dgm:styleLbl>
+  <dgm:styleLbl name="sibTrans1D1">
+    <dgm:fillClrLst meth="repeat">
+      <a:schemeClr val="accent1"/>
+    </dgm:fillClrLst>
+    <dgm:linClrLst meth="repeat">
+      <a:schemeClr val="accent1"/>
+    </dgm:linClrLst>
+    <dgm:effectClrLst/>
+    <dgm:txLinClrLst/>
+    <dgm:txFillClrLst meth="repeat">
+      <a:schemeClr val="tx1"/>
+    </dgm:txFillClrLst>
+    <dgm:txEffectClrLst/>
+  </dgm:styleLbl>
+  <dgm:styleLbl name="callout">
+    <dgm:fillClrLst meth="repeat">
+      <a:schemeClr val="accent1"/>
+    </dgm:fillClrLst>
+    <dgm:linClrLst meth="repeat">
+      <a:schemeClr val="accent1">
+        <a:tint val="50000"/>
+      </a:schemeClr>
+    </dgm:linClrLst>
+    <dgm:effectClrLst/>
+    <dgm:txLinClrLst/>
+    <dgm:txFillClrLst meth="repeat">
+      <a:schemeClr val="tx1"/>
+    </dgm:txFillClrLst>
+    <dgm:txEffectClrLst/>
+  </dgm:styleLbl>
+  <dgm:styleLbl name="asst0">
+    <dgm:fillClrLst meth="repeat">
+      <a:schemeClr val="accent1"/>
+    </dgm:fillClrLst>
+    <dgm:linClrLst meth="repeat">
+      <a:schemeClr val="lt1"/>
+    </dgm:linClrLst>
+    <dgm:effectClrLst/>
+    <dgm:txLinClrLst/>
+    <dgm:txFillClrLst/>
+    <dgm:txEffectClrLst/>
+  </dgm:styleLbl>
+  <dgm:styleLbl name="asst1">
+    <dgm:fillClrLst meth="repeat">
+      <a:schemeClr val="accent1"/>
+    </dgm:fillClrLst>
+    <dgm:linClrLst meth="repeat">
+      <a:schemeClr val="lt1"/>
+    </dgm:linClrLst>
+    <dgm:effectClrLst/>
+    <dgm:txLinClrLst/>
+    <dgm:txFillClrLst/>
+    <dgm:txEffectClrLst/>
+  </dgm:styleLbl>
+  <dgm:styleLbl name="asst2">
+    <dgm:fillClrLst meth="repeat">
+      <a:schemeClr val="accent1"/>
+    </dgm:fillClrLst>
+    <dgm:linClrLst meth="repeat">
+      <a:schemeClr val="lt1"/>
+    </dgm:linClrLst>
+    <dgm:effectClrLst/>
+    <dgm:txLinClrLst/>
+    <dgm:txFillClrLst/>
+    <dgm:txEffectClrLst/>
+  </dgm:styleLbl>
+  <dgm:styleLbl name="asst3">
+    <dgm:fillClrLst meth="repeat">
+      <a:schemeClr val="accent1"/>
+    </dgm:fillClrLst>
+    <dgm:linClrLst meth="repeat">
+      <a:schemeClr val="lt1"/>
+    </dgm:linClrLst>
+    <dgm:effectClrLst/>
+    <dgm:txLinClrLst/>
+    <dgm:txFillClrLst/>
+    <dgm:txEffectClrLst/>
+  </dgm:styleLbl>
+  <dgm:styleLbl name="asst4">
+    <dgm:fillClrLst meth="repeat">
+      <a:schemeClr val="accent1"/>
+    </dgm:fillClrLst>
+    <dgm:linClrLst meth="repeat">
+      <a:schemeClr val="lt1"/>
+    </dgm:linClrLst>
+    <dgm:effectClrLst/>
+    <dgm:txLinClrLst/>
+    <dgm:txFillClrLst/>
+    <dgm:txEffectClrLst/>
+  </dgm:styleLbl>
+  <dgm:styleLbl name="parChTrans2D1">
+    <dgm:fillClrLst meth="repeat">
+      <a:schemeClr val="accent1">
+        <a:tint val="60000"/>
+      </a:schemeClr>
+    </dgm:fillClrLst>
+    <dgm:linClrLst meth="repeat">
+      <a:schemeClr val="accent1">
+        <a:tint val="60000"/>
+      </a:schemeClr>
+    </dgm:linClrLst>
+    <dgm:effectClrLst/>
+    <dgm:txLinClrLst/>
+    <dgm:txFillClrLst meth="repeat">
+      <a:schemeClr val="lt1"/>
+    </dgm:txFillClrLst>
+    <dgm:txEffectClrLst/>
+  </dgm:styleLbl>
+  <dgm:styleLbl name="parChTrans2D2">
+    <dgm:fillClrLst meth="repeat">
+      <a:schemeClr val="accent1"/>
+    </dgm:fillClrLst>
+    <dgm:linClrLst meth="repeat">
+      <a:schemeClr val="accent1"/>
+    </dgm:linClrLst>
+    <dgm:effectClrLst/>
+    <dgm:txLinClrLst/>
+    <dgm:txFillClrLst meth="repeat">
+      <a:schemeClr val="lt1"/>
+    </dgm:txFillClrLst>
+    <dgm:txEffectClrLst/>
+  </dgm:styleLbl>
+  <dgm:styleLbl name="parChTrans2D3">
+    <dgm:fillClrLst meth="repeat">
+      <a:schemeClr val="accent1"/>
+    </dgm:fillClrLst>
+    <dgm:linClrLst meth="repeat">
+      <a:schemeClr val="accent1"/>
+    </dgm:linClrLst>
+    <dgm:effectClrLst/>
+    <dgm:txLinClrLst/>
+    <dgm:txFillClrLst meth="repeat">
+      <a:schemeClr val="lt1"/>
+    </dgm:txFillClrLst>
+    <dgm:txEffectClrLst/>
+  </dgm:styleLbl>
+  <dgm:styleLbl name="parChTrans2D4">
+    <dgm:fillClrLst meth="repeat">
+      <a:schemeClr val="accent1"/>
+    </dgm:fillClrLst>
+    <dgm:linClrLst meth="repeat">
+      <a:schemeClr val="accent1"/>
+    </dgm:linClrLst>
+    <dgm:effectClrLst/>
+    <dgm:txLinClrLst/>
+    <dgm:txFillClrLst meth="repeat">
+      <a:schemeClr val="lt1"/>
+    </dgm:txFillClrLst>
+    <dgm:txEffectClrLst/>
+  </dgm:styleLbl>
+  <dgm:styleLbl name="parChTrans1D1">
+    <dgm:fillClrLst meth="repeat">
+      <a:schemeClr val="accent1"/>
+    </dgm:fillClrLst>
+    <dgm:linClrLst meth="repeat">
+      <a:schemeClr val="accent1">
+        <a:shade val="60000"/>
+      </a:schemeClr>
+    </dgm:linClrLst>
+    <dgm:effectClrLst/>
+    <dgm:txLinClrLst/>
+    <dgm:txFillClrLst meth="repeat">
+      <a:schemeClr val="tx1"/>
+    </dgm:txFillClrLst>
+    <dgm:txEffectClrLst/>
+  </dgm:styleLbl>
+  <dgm:styleLbl name="parChTrans1D2">
+    <dgm:fillClrLst meth="repeat">
+      <a:schemeClr val="accent1"/>
+    </dgm:fillClrLst>
+    <dgm:linClrLst meth="repeat">
+      <a:schemeClr val="accent1">
+        <a:shade val="60000"/>
+      </a:schemeClr>
+    </dgm:linClrLst>
+    <dgm:effectClrLst/>
+    <dgm:txLinClrLst/>
+    <dgm:txFillClrLst meth="repeat">
+      <a:schemeClr val="tx1"/>
+    </dgm:txFillClrLst>
+    <dgm:txEffectClrLst/>
+  </dgm:styleLbl>
+  <dgm:styleLbl name="parChTrans1D3">
+    <dgm:fillClrLst meth="repeat">
+      <a:schemeClr val="accent1"/>
+    </dgm:fillClrLst>
+    <dgm:linClrLst meth="repeat">
+      <a:schemeClr val="accent1">
+        <a:shade val="80000"/>
+      </a:schemeClr>
+    </dgm:linClrLst>
+    <dgm:effectClrLst/>
+    <dgm:txLinClrLst/>
+    <dgm:txFillClrLst meth="repeat">
+      <a:schemeClr val="tx1"/>
+    </dgm:txFillClrLst>
+    <dgm:txEffectClrLst/>
+  </dgm:styleLbl>
+  <dgm:styleLbl name="parChTrans1D4">
+    <dgm:fillClrLst meth="repeat">
+      <a:schemeClr val="accent1"/>
+    </dgm:fillClrLst>
+    <dgm:linClrLst meth="repeat">
+      <a:schemeClr val="accent1">
+        <a:shade val="80000"/>
+      </a:schemeClr>
+    </dgm:linClrLst>
+    <dgm:effectClrLst/>
+    <dgm:txLinClrLst/>
+    <dgm:txFillClrLst meth="repeat">
+      <a:schemeClr val="tx1"/>
+    </dgm:txFillClrLst>
+    <dgm:txEffectClrLst/>
+  </dgm:styleLbl>
+  <dgm:styleLbl name="fgAcc1">
+    <dgm:fillClrLst meth="repeat">
+      <a:schemeClr val="lt1">
+        <a:alpha val="90000"/>
+      </a:schemeClr>
+    </dgm:fillClrLst>
+    <dgm:linClrLst meth="repeat">
+      <a:schemeClr val="accent1"/>
+    </dgm:linClrLst>
+    <dgm:effectClrLst/>
+    <dgm:txLinClrLst/>
+    <dgm:txFillClrLst meth="repeat">
+      <a:schemeClr val="dk1"/>
+    </dgm:txFillClrLst>
+    <dgm:txEffectClrLst/>
+  </dgm:styleLbl>
+  <dgm:styleLbl name="conFgAcc1">
+    <dgm:fillClrLst meth="repeat">
+      <a:schemeClr val="lt1">
+        <a:alpha val="90000"/>
+      </a:schemeClr>
+    </dgm:fillClrLst>
+    <dgm:linClrLst meth="repeat">
+      <a:schemeClr val="accent1"/>
+    </dgm:linClrLst>
+    <dgm:effectClrLst/>
+    <dgm:txLinClrLst/>
+    <dgm:txFillClrLst meth="repeat">
+      <a:schemeClr val="dk1"/>
+    </dgm:txFillClrLst>
+    <dgm:txEffectClrLst/>
+  </dgm:styleLbl>
+  <dgm:styleLbl name="alignAcc1">
+    <dgm:fillClrLst meth="repeat">
+      <a:schemeClr val="lt1">
+        <a:alpha val="90000"/>
+      </a:schemeClr>
+    </dgm:fillClrLst>
+    <dgm:linClrLst meth="repeat">
+      <a:schemeClr val="accent1"/>
+    </dgm:linClrLst>
+    <dgm:effectClrLst/>
+    <dgm:txLinClrLst/>
+    <dgm:txFillClrLst meth="repeat">
+      <a:schemeClr val="dk1"/>
+    </dgm:txFillClrLst>
+    <dgm:txEffectClrLst/>
+  </dgm:styleLbl>
+  <dgm:styleLbl name="trAlignAcc1">
+    <dgm:fillClrLst meth="repeat">
+      <a:schemeClr val="lt1">
+        <a:alpha val="40000"/>
+      </a:schemeClr>
+    </dgm:fillClrLst>
+    <dgm:linClrLst meth="repeat">
+      <a:schemeClr val="accent1"/>
+    </dgm:linClrLst>
+    <dgm:effectClrLst/>
+    <dgm:txLinClrLst/>
+    <dgm:txFillClrLst meth="repeat">
+      <a:schemeClr val="dk1"/>
+    </dgm:txFillClrLst>
+    <dgm:txEffectClrLst/>
+  </dgm:styleLbl>
+  <dgm:styleLbl name="bgAcc1">
+    <dgm:fillClrLst meth="repeat">
+      <a:schemeClr val="lt1">
+        <a:alpha val="90000"/>
+      </a:schemeClr>
+    </dgm:fillClrLst>
+    <dgm:linClrLst meth="repeat">
+      <a:schemeClr val="accent1"/>
+    </dgm:linClrLst>
+    <dgm:effectClrLst/>
+    <dgm:txLinClrLst/>
+    <dgm:txFillClrLst meth="repeat">
+      <a:schemeClr val="dk1"/>
+    </dgm:txFillClrLst>
+    <dgm:txEffectClrLst/>
+  </dgm:styleLbl>
+  <dgm:styleLbl name="solidFgAcc1">
+    <dgm:fillClrLst meth="repeat">
+      <a:schemeClr val="lt1"/>
+    </dgm:fillClrLst>
+    <dgm:linClrLst meth="repeat">
+      <a:schemeClr val="accent1"/>
+    </dgm:linClrLst>
+    <dgm:effectClrLst/>
+    <dgm:txLinClrLst/>
+    <dgm:txFillClrLst meth="repeat">
+      <a:schemeClr val="dk1"/>
+    </dgm:txFillClrLst>
+    <dgm:txEffectClrLst/>
+  </dgm:styleLbl>
+  <dgm:styleLbl name="solidAlignAcc1">
+    <dgm:fillClrLst meth="repeat">
+      <a:schemeClr val="lt1"/>
+    </dgm:fillClrLst>
+    <dgm:linClrLst meth="repeat">
+      <a:schemeClr val="accent1"/>
+    </dgm:linClrLst>
+    <dgm:effectClrLst/>
+    <dgm:txLinClrLst/>
+    <dgm:txFillClrLst meth="repeat">
+      <a:schemeClr val="dk1"/>
+    </dgm:txFillClrLst>
+    <dgm:txEffectClrLst/>
+  </dgm:styleLbl>
+  <dgm:styleLbl name="solidBgAcc1">
+    <dgm:fillClrLst meth="repeat">
+      <a:schemeClr val="lt1"/>
+    </dgm:fillClrLst>
+    <dgm:linClrLst meth="repeat">
+      <a:schemeClr val="accent1"/>
+    </dgm:linClrLst>
+    <dgm:effectClrLst/>
+    <dgm:txLinClrLst/>
+    <dgm:txFillClrLst meth="repeat">
+      <a:schemeClr val="dk1"/>
+    </dgm:txFillClrLst>
+    <dgm:txEffectClrLst/>
+  </dgm:styleLbl>
+  <dgm:styleLbl name="fgAccFollowNode1">
+    <dgm:fillClrLst meth="repeat">
+      <a:schemeClr val="accent1">
+        <a:alpha val="90000"/>
+        <a:tint val="40000"/>
+      </a:schemeClr>
+    </dgm:fillClrLst>
+    <dgm:linClrLst meth="repeat">
+      <a:schemeClr val="accent1">
+        <a:alpha val="90000"/>
+        <a:tint val="40000"/>
+      </a:schemeClr>
+    </dgm:linClrLst>
+    <dgm:effectClrLst/>
+    <dgm:txLinClrLst/>
+    <dgm:txFillClrLst meth="repeat">
+      <a:schemeClr val="dk1"/>
+    </dgm:txFillClrLst>
+    <dgm:txEffectClrLst/>
+  </dgm:styleLbl>
+  <dgm:styleLbl name="alignAccFollowNode1">
+    <dgm:fillClrLst meth="repeat">
+      <a:schemeClr val="accent1">
+        <a:alpha val="90000"/>
+        <a:tint val="40000"/>
+      </a:schemeClr>
+    </dgm:fillClrLst>
+    <dgm:linClrLst meth="repeat">
+      <a:schemeClr val="accent1">
+        <a:alpha val="90000"/>
+        <a:tint val="40000"/>
+      </a:schemeClr>
+    </dgm:linClrLst>
+    <dgm:effectClrLst/>
+    <dgm:txLinClrLst/>
+    <dgm:txFillClrLst meth="repeat">
+      <a:schemeClr val="dk1"/>
+    </dgm:txFillClrLst>
+    <dgm:txEffectClrLst/>
+  </dgm:styleLbl>
+  <dgm:styleLbl name="bgAccFollowNode1">
+    <dgm:fillClrLst meth="repeat">
+      <a:schemeClr val="accent1">
+        <a:alpha val="90000"/>
+        <a:tint val="40000"/>
+      </a:schemeClr>
+    </dgm:fillClrLst>
+    <dgm:linClrLst meth="repeat">
+      <a:schemeClr val="accent1">
+        <a:alpha val="90000"/>
+        <a:tint val="40000"/>
+      </a:schemeClr>
+    </dgm:linClrLst>
+    <dgm:effectClrLst/>
+    <dgm:txLinClrLst/>
+    <dgm:txFillClrLst meth="repeat">
+      <a:schemeClr val="dk1"/>
+    </dgm:txFillClrLst>
+    <dgm:txEffectClrLst/>
+  </dgm:styleLbl>
+  <dgm:styleLbl name="fgAcc0">
+    <dgm:fillClrLst meth="repeat">
+      <a:schemeClr val="lt1">
+        <a:alpha val="90000"/>
+      </a:schemeClr>
+    </dgm:fillClrLst>
+    <dgm:linClrLst meth="repeat">
+      <a:schemeClr val="accent1"/>
+    </dgm:linClrLst>
+    <dgm:effectClrLst/>
+    <dgm:txLinClrLst/>
+    <dgm:txFillClrLst meth="repeat">
+      <a:schemeClr val="dk1"/>
+    </dgm:txFillClrLst>
+    <dgm:txEffectClrLst/>
+  </dgm:styleLbl>
+  <dgm:styleLbl name="fgAcc2">
+    <dgm:fillClrLst meth="repeat">
+      <a:schemeClr val="lt1">
+        <a:alpha val="90000"/>
+      </a:schemeClr>
+    </dgm:fillClrLst>
+    <dgm:linClrLst meth="repeat">
+      <a:schemeClr val="accent1"/>
+    </dgm:linClrLst>
+    <dgm:effectClrLst/>
+    <dgm:txLinClrLst/>
+    <dgm:txFillClrLst meth="repeat">
+      <a:schemeClr val="dk1"/>
+    </dgm:txFillClrLst>
+    <dgm:txEffectClrLst/>
+  </dgm:styleLbl>
+  <dgm:styleLbl name="fgAcc3">
+    <dgm:fillClrLst meth="repeat">
+      <a:schemeClr val="lt1">
+        <a:alpha val="90000"/>
+      </a:schemeClr>
+    </dgm:fillClrLst>
+    <dgm:linClrLst meth="repeat">
+      <a:schemeClr val="accent1"/>
+    </dgm:linClrLst>
+    <dgm:effectClrLst/>
+    <dgm:txLinClrLst/>
+    <dgm:txFillClrLst meth="repeat">
+      <a:schemeClr val="dk1"/>
+    </dgm:txFillClrLst>
+    <dgm:txEffectClrLst/>
+  </dgm:styleLbl>
+  <dgm:styleLbl name="fgAcc4">
+    <dgm:fillClrLst meth="repeat">
+      <a:schemeClr val="lt1">
+        <a:alpha val="90000"/>
+      </a:schemeClr>
+    </dgm:fillClrLst>
+    <dgm:linClrLst meth="repeat">
+      <a:schemeClr val="accent1"/>
+    </dgm:linClrLst>
+    <dgm:effectClrLst/>
+    <dgm:txLinClrLst/>
+    <dgm:txFillClrLst meth="repeat">
+      <a:schemeClr val="dk1"/>
+    </dgm:txFillClrLst>
+    <dgm:txEffectClrLst/>
+  </dgm:styleLbl>
+  <dgm:styleLbl name="bgShp">
+    <dgm:fillClrLst meth="repeat">
+      <a:schemeClr val="accent1">
+        <a:tint val="40000"/>
+      </a:schemeClr>
+    </dgm:fillClrLst>
+    <dgm:linClrLst meth="repeat">
+      <a:schemeClr val="accent1"/>
+    </dgm:linClrLst>
+    <dgm:effectClrLst/>
+    <dgm:txLinClrLst/>
+    <dgm:txFillClrLst meth="repeat">
+      <a:schemeClr val="dk1"/>
+    </dgm:txFillClrLst>
+    <dgm:txEffectClrLst/>
+  </dgm:styleLbl>
+  <dgm:styleLbl name="dkBgShp">
+    <dgm:fillClrLst meth="repeat">
+      <a:schemeClr val="accent1">
+        <a:shade val="80000"/>
+      </a:schemeClr>
+    </dgm:fillClrLst>
+    <dgm:linClrLst meth="repeat">
+      <a:schemeClr val="accent1"/>
+    </dgm:linClrLst>
+    <dgm:effectClrLst/>
+    <dgm:txLinClrLst/>
+    <dgm:txFillClrLst meth="repeat">
+      <a:schemeClr val="lt1"/>
+    </dgm:txFillClrLst>
+    <dgm:txEffectClrLst/>
+  </dgm:styleLbl>
+  <dgm:styleLbl name="trBgShp">
+    <dgm:fillClrLst meth="repeat">
+      <a:schemeClr val="accent1">
+        <a:tint val="50000"/>
+        <a:alpha val="40000"/>
+      </a:schemeClr>
+    </dgm:fillClrLst>
+    <dgm:linClrLst meth="repeat">
+      <a:schemeClr val="accent1"/>
+    </dgm:linClrLst>
+    <dgm:effectClrLst/>
+    <dgm:txLinClrLst/>
+    <dgm:txFillClrLst meth="repeat">
+      <a:schemeClr val="lt1"/>
+    </dgm:txFillClrLst>
+    <dgm:txEffectClrLst/>
+  </dgm:styleLbl>
+  <dgm:styleLbl name="fgShp">
+    <dgm:fillClrLst meth="repeat">
+      <a:schemeClr val="accent1">
+        <a:tint val="60000"/>
+      </a:schemeClr>
+    </dgm:fillClrLst>
+    <dgm:linClrLst meth="repeat">
+      <a:schemeClr val="lt1"/>
+    </dgm:linClrLst>
+    <dgm:effectClrLst/>
+    <dgm:txLinClrLst/>
+    <dgm:txFillClrLst meth="repeat">
+      <a:schemeClr val="dk1"/>
+    </dgm:txFillClrLst>
+    <dgm:txEffectClrLst/>
+  </dgm:styleLbl>
+  <dgm:styleLbl name="revTx">
+    <dgm:fillClrLst meth="repeat">
+      <a:schemeClr val="lt1">
+        <a:alpha val="0"/>
+      </a:schemeClr>
+    </dgm:fillClrLst>
+    <dgm:linClrLst meth="repeat">
+      <a:schemeClr val="dk1">
+        <a:alpha val="0"/>
+      </a:schemeClr>
+    </dgm:linClrLst>
+    <dgm:effectClrLst/>
+    <dgm:txLinClrLst/>
+    <dgm:txFillClrLst meth="repeat">
+      <a:schemeClr val="tx1"/>
+    </dgm:txFillClrLst>
+    <dgm:txEffectClrLst/>
+  </dgm:styleLbl>
+</dgm:colorsDef>
+</file>
+
+<file path=ppt/diagrams/data1.xml><?xml version="1.0" encoding="utf-8"?>
+<dgm:dataModel xmlns:dgm="http://schemas.openxmlformats.org/drawingml/2006/diagram" xmlns:a="http://schemas.openxmlformats.org/drawingml/2006/main">
+  <dgm:ptLst>
+    <dgm:pt modelId="{7C4505B5-AE40-4E77-A8FF-DE01A8C7B1E1}" type="doc">
+      <dgm:prSet loTypeId="urn:microsoft.com/office/officeart/2005/8/layout/bProcess3" loCatId="process" qsTypeId="urn:microsoft.com/office/officeart/2005/8/quickstyle/simple1" qsCatId="simple" csTypeId="urn:microsoft.com/office/officeart/2005/8/colors/accent1_2" csCatId="accent1" phldr="1"/>
+      <dgm:spPr/>
+      <dgm:t>
+        <a:bodyPr/>
+        <a:lstStyle/>
+        <a:p>
+          <a:endParaRPr lang="th-TH"/>
+        </a:p>
+      </dgm:t>
+    </dgm:pt>
+    <dgm:pt modelId="{BFEFCC56-515B-40E1-8B19-F5775F4D8000}">
+      <dgm:prSet phldrT="[Text]"/>
+      <dgm:spPr/>
+      <dgm:t>
+        <a:bodyPr/>
+        <a:lstStyle/>
+        <a:p>
+          <a:r>
+            <a:rPr lang="en-US" dirty="0"/>
+            <a:t>OPD</a:t>
+          </a:r>
+          <a:endParaRPr lang="th-TH" dirty="0"/>
+        </a:p>
+      </dgm:t>
+    </dgm:pt>
+    <dgm:pt modelId="{C2FE08DA-BDDD-42A8-8C95-13D8E5D8588D}" type="parTrans" cxnId="{0BCACFCB-F800-47CC-BA75-2BC4BC5C7091}">
+      <dgm:prSet/>
+      <dgm:spPr/>
+      <dgm:t>
+        <a:bodyPr/>
+        <a:lstStyle/>
+        <a:p>
+          <a:endParaRPr lang="th-TH"/>
+        </a:p>
+      </dgm:t>
+    </dgm:pt>
+    <dgm:pt modelId="{D345323E-36DB-4892-A1F8-72B000E02133}" type="sibTrans" cxnId="{0BCACFCB-F800-47CC-BA75-2BC4BC5C7091}">
+      <dgm:prSet/>
+      <dgm:spPr/>
+      <dgm:t>
+        <a:bodyPr/>
+        <a:lstStyle/>
+        <a:p>
+          <a:endParaRPr lang="th-TH"/>
+        </a:p>
+      </dgm:t>
+    </dgm:pt>
+    <dgm:pt modelId="{3579BEAD-4A2F-4D35-A1E6-80EE62D8C659}">
+      <dgm:prSet phldrT="[Text]"/>
+      <dgm:spPr/>
+      <dgm:t>
+        <a:bodyPr/>
+        <a:lstStyle/>
+        <a:p>
+          <a:r>
+            <a:rPr lang="en-US" dirty="0"/>
+            <a:t>Orthopedics</a:t>
+          </a:r>
+          <a:endParaRPr lang="th-TH" dirty="0"/>
+        </a:p>
+      </dgm:t>
+    </dgm:pt>
+    <dgm:pt modelId="{D53D2A69-7B53-44BB-AF73-A0E2E7E67A0A}" type="parTrans" cxnId="{71E08C57-3656-4138-B6F1-E76702C4C2DB}">
+      <dgm:prSet/>
+      <dgm:spPr/>
+      <dgm:t>
+        <a:bodyPr/>
+        <a:lstStyle/>
+        <a:p>
+          <a:endParaRPr lang="th-TH"/>
+        </a:p>
+      </dgm:t>
+    </dgm:pt>
+    <dgm:pt modelId="{8AD9BA9F-081C-4EA1-86EE-2A1B087CB984}" type="sibTrans" cxnId="{71E08C57-3656-4138-B6F1-E76702C4C2DB}">
+      <dgm:prSet/>
+      <dgm:spPr/>
+      <dgm:t>
+        <a:bodyPr/>
+        <a:lstStyle/>
+        <a:p>
+          <a:endParaRPr lang="th-TH"/>
+        </a:p>
+      </dgm:t>
+    </dgm:pt>
+    <dgm:pt modelId="{70188367-FDD4-458E-A6EF-15814067F0ED}">
+      <dgm:prSet phldrT="[Text]"/>
+      <dgm:spPr/>
+      <dgm:t>
+        <a:bodyPr/>
+        <a:lstStyle/>
+        <a:p>
+          <a:r>
+            <a:rPr lang="en-US" dirty="0"/>
+            <a:t>Dermatology</a:t>
+          </a:r>
+          <a:endParaRPr lang="th-TH" dirty="0"/>
+        </a:p>
+      </dgm:t>
+    </dgm:pt>
+    <dgm:pt modelId="{0452585F-36EC-412F-A70B-37E10E46B646}" type="parTrans" cxnId="{F8907817-451D-48B2-BEEA-28C53BBC0D73}">
+      <dgm:prSet/>
+      <dgm:spPr/>
+      <dgm:t>
+        <a:bodyPr/>
+        <a:lstStyle/>
+        <a:p>
+          <a:endParaRPr lang="th-TH"/>
+        </a:p>
+      </dgm:t>
+    </dgm:pt>
+    <dgm:pt modelId="{1B1979BF-3248-4C23-AAB1-BC613E8AB4E7}" type="sibTrans" cxnId="{F8907817-451D-48B2-BEEA-28C53BBC0D73}">
+      <dgm:prSet/>
+      <dgm:spPr/>
+      <dgm:t>
+        <a:bodyPr/>
+        <a:lstStyle/>
+        <a:p>
+          <a:endParaRPr lang="th-TH"/>
+        </a:p>
+      </dgm:t>
+    </dgm:pt>
+    <dgm:pt modelId="{BDB2A42A-4D9D-4FCA-9ABB-8D5E460C0F23}">
+      <dgm:prSet phldrT="[Text]"/>
+      <dgm:spPr/>
+      <dgm:t>
+        <a:bodyPr/>
+        <a:lstStyle/>
+        <a:p>
+          <a:r>
+            <a:rPr lang="en-US" dirty="0"/>
+            <a:t>Neurology</a:t>
+          </a:r>
+          <a:endParaRPr lang="th-TH" dirty="0"/>
+        </a:p>
+      </dgm:t>
+    </dgm:pt>
+    <dgm:pt modelId="{D22A57B2-CA5B-4945-81EA-5B84EB9C0DB6}" type="parTrans" cxnId="{D8F50376-973E-4052-B07F-2E44B08128FE}">
+      <dgm:prSet/>
+      <dgm:spPr/>
+      <dgm:t>
+        <a:bodyPr/>
+        <a:lstStyle/>
+        <a:p>
+          <a:endParaRPr lang="th-TH"/>
+        </a:p>
+      </dgm:t>
+    </dgm:pt>
+    <dgm:pt modelId="{0223A074-E9D0-496F-B711-E928A08747C4}" type="sibTrans" cxnId="{D8F50376-973E-4052-B07F-2E44B08128FE}">
+      <dgm:prSet/>
+      <dgm:spPr/>
+      <dgm:t>
+        <a:bodyPr/>
+        <a:lstStyle/>
+        <a:p>
+          <a:endParaRPr lang="th-TH"/>
+        </a:p>
+      </dgm:t>
+    </dgm:pt>
+    <dgm:pt modelId="{D71CD31B-7CCB-463E-8EE9-5226D957AF90}">
+      <dgm:prSet phldrT="[Text]"/>
+      <dgm:spPr/>
+      <dgm:t>
+        <a:bodyPr/>
+        <a:lstStyle/>
+        <a:p>
+          <a:r>
+            <a:rPr lang="en-US" dirty="0"/>
+            <a:t>Dental</a:t>
+          </a:r>
+          <a:endParaRPr lang="th-TH" dirty="0"/>
+        </a:p>
+      </dgm:t>
+    </dgm:pt>
+    <dgm:pt modelId="{5ED75FA6-36F1-42F8-B116-CBA2992C71B0}" type="parTrans" cxnId="{A7116687-A24A-4637-8487-AAE446794EEC}">
+      <dgm:prSet/>
+      <dgm:spPr/>
+      <dgm:t>
+        <a:bodyPr/>
+        <a:lstStyle/>
+        <a:p>
+          <a:endParaRPr lang="th-TH"/>
+        </a:p>
+      </dgm:t>
+    </dgm:pt>
+    <dgm:pt modelId="{8C1D8C80-5A31-4190-B363-D12902F268B8}" type="sibTrans" cxnId="{A7116687-A24A-4637-8487-AAE446794EEC}">
+      <dgm:prSet/>
+      <dgm:spPr/>
+      <dgm:t>
+        <a:bodyPr/>
+        <a:lstStyle/>
+        <a:p>
+          <a:endParaRPr lang="th-TH"/>
+        </a:p>
+      </dgm:t>
+    </dgm:pt>
+    <dgm:pt modelId="{3E187100-5910-4118-9694-9BE8A5DC39BC}">
+      <dgm:prSet phldrT="[Text]"/>
+      <dgm:spPr/>
+      <dgm:t>
+        <a:bodyPr/>
+        <a:lstStyle/>
+        <a:p>
+          <a:r>
+            <a:rPr lang="en-US" dirty="0"/>
+            <a:t>Ophthalmology</a:t>
+          </a:r>
+          <a:endParaRPr lang="th-TH" dirty="0"/>
+        </a:p>
+      </dgm:t>
+    </dgm:pt>
+    <dgm:pt modelId="{6C39CC77-659A-48C1-9D70-0409818E6CD8}" type="parTrans" cxnId="{25DA1BB7-6146-43AF-9A18-4AC1F18FE7DF}">
+      <dgm:prSet/>
+      <dgm:spPr/>
+      <dgm:t>
+        <a:bodyPr/>
+        <a:lstStyle/>
+        <a:p>
+          <a:endParaRPr lang="th-TH"/>
+        </a:p>
+      </dgm:t>
+    </dgm:pt>
+    <dgm:pt modelId="{73C5395E-64E4-4360-AC61-9CE38FE60BBD}" type="sibTrans" cxnId="{25DA1BB7-6146-43AF-9A18-4AC1F18FE7DF}">
+      <dgm:prSet/>
+      <dgm:spPr/>
+      <dgm:t>
+        <a:bodyPr/>
+        <a:lstStyle/>
+        <a:p>
+          <a:endParaRPr lang="th-TH"/>
+        </a:p>
+      </dgm:t>
+    </dgm:pt>
+    <dgm:pt modelId="{544A68AF-1B75-4B8A-9874-C78D54343F58}">
+      <dgm:prSet phldrT="[Text]"/>
+      <dgm:spPr/>
+      <dgm:t>
+        <a:bodyPr/>
+        <a:lstStyle/>
+        <a:p>
+          <a:r>
+            <a:rPr lang="en-US" dirty="0"/>
+            <a:t>Otolaryngology</a:t>
+          </a:r>
+          <a:endParaRPr lang="th-TH" dirty="0"/>
+        </a:p>
+      </dgm:t>
+    </dgm:pt>
+    <dgm:pt modelId="{3A5ED8A5-08E1-48E1-88ED-69B77A57B9CB}" type="parTrans" cxnId="{5C680450-47FC-4A57-9B5E-8052A6F60E7B}">
+      <dgm:prSet/>
+      <dgm:spPr/>
+      <dgm:t>
+        <a:bodyPr/>
+        <a:lstStyle/>
+        <a:p>
+          <a:endParaRPr lang="th-TH"/>
+        </a:p>
+      </dgm:t>
+    </dgm:pt>
+    <dgm:pt modelId="{F2549049-022F-4C1F-B185-E7A93E5BB44E}" type="sibTrans" cxnId="{5C680450-47FC-4A57-9B5E-8052A6F60E7B}">
+      <dgm:prSet/>
+      <dgm:spPr/>
+      <dgm:t>
+        <a:bodyPr/>
+        <a:lstStyle/>
+        <a:p>
+          <a:endParaRPr lang="th-TH"/>
+        </a:p>
+      </dgm:t>
+    </dgm:pt>
+    <dgm:pt modelId="{F6688B8D-B9D5-4735-B82E-848D968ADF2B}">
+      <dgm:prSet phldrT="[Text]"/>
+      <dgm:spPr/>
+      <dgm:t>
+        <a:bodyPr/>
+        <a:lstStyle/>
+        <a:p>
+          <a:r>
+            <a:rPr lang="en-US" dirty="0"/>
+            <a:t>Thoracic Department</a:t>
+          </a:r>
+          <a:endParaRPr lang="th-TH" dirty="0"/>
+        </a:p>
+      </dgm:t>
+    </dgm:pt>
+    <dgm:pt modelId="{30292C0A-3DC0-4448-B630-3794F78D3048}" type="parTrans" cxnId="{9CE22418-13C5-437C-B666-FBCFC89490E4}">
+      <dgm:prSet/>
+      <dgm:spPr/>
+      <dgm:t>
+        <a:bodyPr/>
+        <a:lstStyle/>
+        <a:p>
+          <a:endParaRPr lang="th-TH"/>
+        </a:p>
+      </dgm:t>
+    </dgm:pt>
+    <dgm:pt modelId="{B92D970A-62CC-4825-9B1E-FDF60FB76B0A}" type="sibTrans" cxnId="{9CE22418-13C5-437C-B666-FBCFC89490E4}">
+      <dgm:prSet/>
+      <dgm:spPr/>
+      <dgm:t>
+        <a:bodyPr/>
+        <a:lstStyle/>
+        <a:p>
+          <a:endParaRPr lang="th-TH"/>
+        </a:p>
+      </dgm:t>
+    </dgm:pt>
+    <dgm:pt modelId="{A992ACDC-6740-43E5-A19D-FEB302657CBA}">
+      <dgm:prSet phldrT="[Text]"/>
+      <dgm:spPr/>
+      <dgm:t>
+        <a:bodyPr/>
+        <a:lstStyle/>
+        <a:p>
+          <a:r>
+            <a:rPr lang="en-US" dirty="0"/>
+            <a:t>Hematology</a:t>
+          </a:r>
+          <a:endParaRPr lang="th-TH" dirty="0"/>
+        </a:p>
+      </dgm:t>
+    </dgm:pt>
+    <dgm:pt modelId="{4C4AA25C-C5A3-4A14-A44D-E1A52B7454D9}" type="parTrans" cxnId="{8249AF89-E4C2-409D-983B-AEDBC8B6742C}">
+      <dgm:prSet/>
+      <dgm:spPr/>
+      <dgm:t>
+        <a:bodyPr/>
+        <a:lstStyle/>
+        <a:p>
+          <a:endParaRPr lang="th-TH"/>
+        </a:p>
+      </dgm:t>
+    </dgm:pt>
+    <dgm:pt modelId="{E61659D0-BDBF-4743-80E9-38164F922E1C}" type="sibTrans" cxnId="{8249AF89-E4C2-409D-983B-AEDBC8B6742C}">
+      <dgm:prSet/>
+      <dgm:spPr/>
+      <dgm:t>
+        <a:bodyPr/>
+        <a:lstStyle/>
+        <a:p>
+          <a:endParaRPr lang="th-TH"/>
+        </a:p>
+      </dgm:t>
+    </dgm:pt>
+    <dgm:pt modelId="{C9023202-359A-4072-A957-AB38D1F41D1D}">
+      <dgm:prSet phldrT="[Text]"/>
+      <dgm:spPr/>
+      <dgm:t>
+        <a:bodyPr/>
+        <a:lstStyle/>
+        <a:p>
+          <a:r>
+            <a:rPr lang="en-US" dirty="0"/>
+            <a:t>GI, Liver department</a:t>
+          </a:r>
+          <a:endParaRPr lang="th-TH" dirty="0"/>
+        </a:p>
+      </dgm:t>
+    </dgm:pt>
+    <dgm:pt modelId="{7F42F102-C2B8-4AA0-9AFD-F3C796FA045B}" type="parTrans" cxnId="{4CCC84D6-07E5-4E3C-B6CA-1672ADA0AD8C}">
+      <dgm:prSet/>
+      <dgm:spPr/>
+      <dgm:t>
+        <a:bodyPr/>
+        <a:lstStyle/>
+        <a:p>
+          <a:endParaRPr lang="th-TH"/>
+        </a:p>
+      </dgm:t>
+    </dgm:pt>
+    <dgm:pt modelId="{17C2C780-8C60-4263-8CA3-1F72F30DB96A}" type="sibTrans" cxnId="{4CCC84D6-07E5-4E3C-B6CA-1672ADA0AD8C}">
+      <dgm:prSet/>
+      <dgm:spPr/>
+      <dgm:t>
+        <a:bodyPr/>
+        <a:lstStyle/>
+        <a:p>
+          <a:endParaRPr lang="th-TH"/>
+        </a:p>
+      </dgm:t>
+    </dgm:pt>
+    <dgm:pt modelId="{CA08DDE2-FEF7-4D20-B0EE-B36562C4AE1E}">
+      <dgm:prSet phldrT="[Text]"/>
+      <dgm:spPr/>
+      <dgm:t>
+        <a:bodyPr/>
+        <a:lstStyle/>
+        <a:p>
+          <a:r>
+            <a:rPr lang="en-US" dirty="0"/>
+            <a:t>Nephrology</a:t>
+          </a:r>
+          <a:endParaRPr lang="th-TH" dirty="0"/>
+        </a:p>
+      </dgm:t>
+    </dgm:pt>
+    <dgm:pt modelId="{070242AE-41B6-42EB-8AA7-15714F81D4D5}" type="parTrans" cxnId="{096B2B15-EAB6-4193-A1D0-7E187F7D448D}">
+      <dgm:prSet/>
+      <dgm:spPr/>
+      <dgm:t>
+        <a:bodyPr/>
+        <a:lstStyle/>
+        <a:p>
+          <a:endParaRPr lang="th-TH"/>
+        </a:p>
+      </dgm:t>
+    </dgm:pt>
+    <dgm:pt modelId="{97BAE28E-4384-4BAD-9D6C-891F1526B327}" type="sibTrans" cxnId="{096B2B15-EAB6-4193-A1D0-7E187F7D448D}">
+      <dgm:prSet/>
+      <dgm:spPr/>
+      <dgm:t>
+        <a:bodyPr/>
+        <a:lstStyle/>
+        <a:p>
+          <a:endParaRPr lang="th-TH"/>
+        </a:p>
+      </dgm:t>
+    </dgm:pt>
+    <dgm:pt modelId="{731BE5A9-B77E-4017-ACC0-EFFE71D1C6ED}">
+      <dgm:prSet phldrT="[Text]"/>
+      <dgm:spPr/>
+      <dgm:t>
+        <a:bodyPr/>
+        <a:lstStyle/>
+        <a:p>
+          <a:r>
+            <a:rPr lang="en-US" dirty="0"/>
+            <a:t>Laboratory</a:t>
+          </a:r>
+          <a:endParaRPr lang="th-TH" dirty="0"/>
+        </a:p>
+      </dgm:t>
+    </dgm:pt>
+    <dgm:pt modelId="{4652A780-4ED2-4B6E-BE68-66AA7015AB10}" type="parTrans" cxnId="{B58DB45F-11F7-4B6A-8C36-CCA8688DA233}">
+      <dgm:prSet/>
+      <dgm:spPr/>
+      <dgm:t>
+        <a:bodyPr/>
+        <a:lstStyle/>
+        <a:p>
+          <a:endParaRPr lang="th-TH"/>
+        </a:p>
+      </dgm:t>
+    </dgm:pt>
+    <dgm:pt modelId="{BB3D572D-522A-4B03-A7C7-1F6D3F386A04}" type="sibTrans" cxnId="{B58DB45F-11F7-4B6A-8C36-CCA8688DA233}">
+      <dgm:prSet/>
+      <dgm:spPr/>
+      <dgm:t>
+        <a:bodyPr/>
+        <a:lstStyle/>
+        <a:p>
+          <a:endParaRPr lang="th-TH"/>
+        </a:p>
+      </dgm:t>
+    </dgm:pt>
+    <dgm:pt modelId="{805ACA22-6025-4D74-BFB1-D0835F23152E}">
+      <dgm:prSet phldrT="[Text]"/>
+      <dgm:spPr/>
+      <dgm:t>
+        <a:bodyPr/>
+        <a:lstStyle/>
+        <a:p>
+          <a:r>
+            <a:rPr lang="en-US" dirty="0"/>
+            <a:t>Radiology</a:t>
+          </a:r>
+          <a:endParaRPr lang="th-TH" dirty="0"/>
+        </a:p>
+      </dgm:t>
+    </dgm:pt>
+    <dgm:pt modelId="{B66058EF-C011-4FAB-A268-5F36AC57A4D0}" type="parTrans" cxnId="{26D15D6D-D473-46C1-BE3D-BBD8186B4EDE}">
+      <dgm:prSet/>
+      <dgm:spPr/>
+      <dgm:t>
+        <a:bodyPr/>
+        <a:lstStyle/>
+        <a:p>
+          <a:endParaRPr lang="th-TH"/>
+        </a:p>
+      </dgm:t>
+    </dgm:pt>
+    <dgm:pt modelId="{AF5EAAE4-1964-4444-9EEB-23D37AA18486}" type="sibTrans" cxnId="{26D15D6D-D473-46C1-BE3D-BBD8186B4EDE}">
+      <dgm:prSet/>
+      <dgm:spPr/>
+      <dgm:t>
+        <a:bodyPr/>
+        <a:lstStyle/>
+        <a:p>
+          <a:endParaRPr lang="th-TH"/>
+        </a:p>
+      </dgm:t>
+    </dgm:pt>
+    <dgm:pt modelId="{8A928D7C-7325-436E-A743-CFF601871A82}">
+      <dgm:prSet phldrT="[Text]"/>
+      <dgm:spPr/>
+      <dgm:t>
+        <a:bodyPr/>
+        <a:lstStyle/>
+        <a:p>
+          <a:r>
+            <a:rPr lang="en-US" dirty="0"/>
+            <a:t>OR</a:t>
+          </a:r>
+          <a:endParaRPr lang="th-TH" dirty="0"/>
+        </a:p>
+      </dgm:t>
+    </dgm:pt>
+    <dgm:pt modelId="{D007F18F-A739-42D9-8888-0B48E2A8D7AC}" type="parTrans" cxnId="{FCCA9AB0-C3AE-4EFA-99FF-7C6D6C0A063D}">
+      <dgm:prSet/>
+      <dgm:spPr/>
+      <dgm:t>
+        <a:bodyPr/>
+        <a:lstStyle/>
+        <a:p>
+          <a:endParaRPr lang="th-TH"/>
+        </a:p>
+      </dgm:t>
+    </dgm:pt>
+    <dgm:pt modelId="{CE6AD56A-4FEE-4BE6-BA12-9D5B3B0A0D2F}" type="sibTrans" cxnId="{FCCA9AB0-C3AE-4EFA-99FF-7C6D6C0A063D}">
+      <dgm:prSet/>
+      <dgm:spPr/>
+      <dgm:t>
+        <a:bodyPr/>
+        <a:lstStyle/>
+        <a:p>
+          <a:endParaRPr lang="th-TH"/>
+        </a:p>
+      </dgm:t>
+    </dgm:pt>
+    <dgm:pt modelId="{17A1167A-D371-490A-86E9-8617823033DF}">
+      <dgm:prSet phldrT="[Text]"/>
+      <dgm:spPr/>
+      <dgm:t>
+        <a:bodyPr/>
+        <a:lstStyle/>
+        <a:p>
+          <a:r>
+            <a:rPr lang="en-US" dirty="0"/>
+            <a:t>IPD</a:t>
+          </a:r>
+          <a:endParaRPr lang="th-TH" dirty="0"/>
+        </a:p>
+      </dgm:t>
+    </dgm:pt>
+    <dgm:pt modelId="{E6D17F80-B198-4DFC-9EC2-24A78AFA3BBD}" type="parTrans" cxnId="{ECCE3B62-6F14-438E-91FE-F698347B3826}">
+      <dgm:prSet/>
+      <dgm:spPr/>
+      <dgm:t>
+        <a:bodyPr/>
+        <a:lstStyle/>
+        <a:p>
+          <a:endParaRPr lang="th-TH"/>
+        </a:p>
+      </dgm:t>
+    </dgm:pt>
+    <dgm:pt modelId="{357D3189-2FB4-4754-90DE-CB3C591CDC2A}" type="sibTrans" cxnId="{ECCE3B62-6F14-438E-91FE-F698347B3826}">
+      <dgm:prSet/>
+      <dgm:spPr/>
+      <dgm:t>
+        <a:bodyPr/>
+        <a:lstStyle/>
+        <a:p>
+          <a:endParaRPr lang="th-TH"/>
+        </a:p>
+      </dgm:t>
+    </dgm:pt>
+    <dgm:pt modelId="{EFC082F2-DAA3-4F91-8DF0-F64AD4E858E9}">
+      <dgm:prSet phldrT="[Text]"/>
+      <dgm:spPr/>
+      <dgm:t>
+        <a:bodyPr/>
+        <a:lstStyle/>
+        <a:p>
+          <a:r>
+            <a:rPr lang="en-US" dirty="0"/>
+            <a:t>Physical Therapy</a:t>
+          </a:r>
+          <a:endParaRPr lang="th-TH" dirty="0"/>
+        </a:p>
+      </dgm:t>
+    </dgm:pt>
+    <dgm:pt modelId="{BC623266-10FA-443A-AF80-4A7391092482}" type="parTrans" cxnId="{C0B6E9FE-BBC4-4EFE-8272-C5C9A62863BD}">
+      <dgm:prSet/>
+      <dgm:spPr/>
+      <dgm:t>
+        <a:bodyPr/>
+        <a:lstStyle/>
+        <a:p>
+          <a:endParaRPr lang="th-TH"/>
+        </a:p>
+      </dgm:t>
+    </dgm:pt>
+    <dgm:pt modelId="{69F657BF-29AD-47D6-8DE1-323C1BBB45B7}" type="sibTrans" cxnId="{C0B6E9FE-BBC4-4EFE-8272-C5C9A62863BD}">
+      <dgm:prSet/>
+      <dgm:spPr/>
+      <dgm:t>
+        <a:bodyPr/>
+        <a:lstStyle/>
+        <a:p>
+          <a:endParaRPr lang="th-TH"/>
+        </a:p>
+      </dgm:t>
+    </dgm:pt>
+    <dgm:pt modelId="{D47DA38F-2EA0-4CDA-9204-CC70D5ED2BDD}">
+      <dgm:prSet phldrT="[Text]"/>
+      <dgm:spPr/>
+      <dgm:t>
+        <a:bodyPr/>
+        <a:lstStyle/>
+        <a:p>
+          <a:r>
+            <a:rPr lang="en-US" dirty="0"/>
+            <a:t>Pharmacy</a:t>
+          </a:r>
+          <a:endParaRPr lang="th-TH" dirty="0"/>
+        </a:p>
+      </dgm:t>
+    </dgm:pt>
+    <dgm:pt modelId="{B658E2FE-2E97-45A9-934D-6B99827F1DA1}" type="parTrans" cxnId="{E5F957E1-B0AD-4F6F-9837-7A11275045AE}">
+      <dgm:prSet/>
+      <dgm:spPr/>
+      <dgm:t>
+        <a:bodyPr/>
+        <a:lstStyle/>
+        <a:p>
+          <a:endParaRPr lang="th-TH"/>
+        </a:p>
+      </dgm:t>
+    </dgm:pt>
+    <dgm:pt modelId="{0B8AF01C-26FF-44FB-8ED6-7E7B608B12C7}" type="sibTrans" cxnId="{E5F957E1-B0AD-4F6F-9837-7A11275045AE}">
+      <dgm:prSet/>
+      <dgm:spPr/>
+      <dgm:t>
+        <a:bodyPr/>
+        <a:lstStyle/>
+        <a:p>
+          <a:endParaRPr lang="th-TH"/>
+        </a:p>
+      </dgm:t>
+    </dgm:pt>
+    <dgm:pt modelId="{72162A2F-5C49-4270-B522-C132FF6C5537}">
+      <dgm:prSet phldrT="[Text]"/>
+      <dgm:spPr/>
+      <dgm:t>
+        <a:bodyPr/>
+        <a:lstStyle/>
+        <a:p>
+          <a:r>
+            <a:rPr lang="en-US" dirty="0"/>
+            <a:t>Discharge</a:t>
+          </a:r>
+          <a:endParaRPr lang="th-TH" dirty="0"/>
+        </a:p>
+      </dgm:t>
+    </dgm:pt>
+    <dgm:pt modelId="{370FBC40-5DB2-434B-83D2-10538E94F0AF}" type="parTrans" cxnId="{55940D5C-C451-4F50-8317-9A54E656B888}">
+      <dgm:prSet/>
+      <dgm:spPr/>
+      <dgm:t>
+        <a:bodyPr/>
+        <a:lstStyle/>
+        <a:p>
+          <a:endParaRPr lang="th-TH"/>
+        </a:p>
+      </dgm:t>
+    </dgm:pt>
+    <dgm:pt modelId="{9085C2AA-ABFD-4E02-8155-64A1A3A9A8D5}" type="sibTrans" cxnId="{55940D5C-C451-4F50-8317-9A54E656B888}">
+      <dgm:prSet/>
+      <dgm:spPr/>
+      <dgm:t>
+        <a:bodyPr/>
+        <a:lstStyle/>
+        <a:p>
+          <a:endParaRPr lang="th-TH"/>
+        </a:p>
+      </dgm:t>
+    </dgm:pt>
+    <dgm:pt modelId="{2F77676C-C658-4D08-B694-09CF117EBBA4}">
+      <dgm:prSet phldrT="[Text]"/>
+      <dgm:spPr/>
+      <dgm:t>
+        <a:bodyPr/>
+        <a:lstStyle/>
+        <a:p>
+          <a:r>
+            <a:rPr lang="en-US" dirty="0"/>
+            <a:t>VN_IN</a:t>
+          </a:r>
+          <a:endParaRPr lang="th-TH" dirty="0"/>
+        </a:p>
+      </dgm:t>
+    </dgm:pt>
+    <dgm:pt modelId="{7B372302-EFD6-4E48-80A3-A73BABB4F9F1}" type="parTrans" cxnId="{C58A4F18-508E-4645-AC0B-D353F6BCAF1E}">
+      <dgm:prSet/>
+      <dgm:spPr/>
+      <dgm:t>
+        <a:bodyPr/>
+        <a:lstStyle/>
+        <a:p>
+          <a:endParaRPr lang="th-TH"/>
+        </a:p>
+      </dgm:t>
+    </dgm:pt>
+    <dgm:pt modelId="{A2AD26DB-72F1-4E8A-BFBC-B504F4528B9A}" type="sibTrans" cxnId="{C58A4F18-508E-4645-AC0B-D353F6BCAF1E}">
+      <dgm:prSet/>
+      <dgm:spPr/>
+      <dgm:t>
+        <a:bodyPr/>
+        <a:lstStyle/>
+        <a:p>
+          <a:endParaRPr lang="th-TH"/>
+        </a:p>
+      </dgm:t>
+    </dgm:pt>
+    <dgm:pt modelId="{EBDA996A-0146-4640-968C-D82E27B8BA7C}">
+      <dgm:prSet phldrT="[Text]"/>
+      <dgm:spPr/>
+      <dgm:t>
+        <a:bodyPr/>
+        <a:lstStyle/>
+        <a:p>
+          <a:r>
+            <a:rPr lang="en-US" dirty="0"/>
+            <a:t>VN_OUT</a:t>
+          </a:r>
+          <a:endParaRPr lang="th-TH" dirty="0"/>
+        </a:p>
+      </dgm:t>
+    </dgm:pt>
+    <dgm:pt modelId="{32F37654-C9D2-41E8-B7B7-F34F8D6615D8}" type="parTrans" cxnId="{28543458-CF60-4391-B787-868A9A3C3E9E}">
+      <dgm:prSet/>
+      <dgm:spPr/>
+      <dgm:t>
+        <a:bodyPr/>
+        <a:lstStyle/>
+        <a:p>
+          <a:endParaRPr lang="th-TH"/>
+        </a:p>
+      </dgm:t>
+    </dgm:pt>
+    <dgm:pt modelId="{8EE263AC-4246-4C80-800E-67A207C3F7D2}" type="sibTrans" cxnId="{28543458-CF60-4391-B787-868A9A3C3E9E}">
+      <dgm:prSet/>
+      <dgm:spPr/>
+      <dgm:t>
+        <a:bodyPr/>
+        <a:lstStyle/>
+        <a:p>
+          <a:endParaRPr lang="th-TH"/>
+        </a:p>
+      </dgm:t>
+    </dgm:pt>
+    <dgm:pt modelId="{9FCFD2FE-BBC7-453B-A8A4-3352D584FDE1}" type="pres">
+      <dgm:prSet presAssocID="{7C4505B5-AE40-4E77-A8FF-DE01A8C7B1E1}" presName="Name0" presStyleCnt="0">
+        <dgm:presLayoutVars>
+          <dgm:dir/>
+          <dgm:resizeHandles val="exact"/>
+        </dgm:presLayoutVars>
+      </dgm:prSet>
+      <dgm:spPr/>
+    </dgm:pt>
+    <dgm:pt modelId="{4941B5CD-0ECE-4115-9CA7-A05B17C51921}" type="pres">
+      <dgm:prSet presAssocID="{2F77676C-C658-4D08-B694-09CF117EBBA4}" presName="node" presStyleLbl="node1" presStyleIdx="0" presStyleCnt="20">
+        <dgm:presLayoutVars>
+          <dgm:bulletEnabled val="1"/>
+        </dgm:presLayoutVars>
+      </dgm:prSet>
+      <dgm:spPr/>
+    </dgm:pt>
+    <dgm:pt modelId="{43DBF843-8C0D-4495-8223-2156EBB3719B}" type="pres">
+      <dgm:prSet presAssocID="{A2AD26DB-72F1-4E8A-BFBC-B504F4528B9A}" presName="sibTrans" presStyleLbl="sibTrans1D1" presStyleIdx="0" presStyleCnt="19"/>
+      <dgm:spPr/>
+    </dgm:pt>
+    <dgm:pt modelId="{6FB8C09B-CFA6-40DA-B34B-E38D57190D51}" type="pres">
+      <dgm:prSet presAssocID="{A2AD26DB-72F1-4E8A-BFBC-B504F4528B9A}" presName="connectorText" presStyleLbl="sibTrans1D1" presStyleIdx="0" presStyleCnt="19"/>
+      <dgm:spPr/>
+    </dgm:pt>
+    <dgm:pt modelId="{9C62290D-BE55-429D-A5FF-7618DE0682EB}" type="pres">
+      <dgm:prSet presAssocID="{BFEFCC56-515B-40E1-8B19-F5775F4D8000}" presName="node" presStyleLbl="node1" presStyleIdx="1" presStyleCnt="20">
+        <dgm:presLayoutVars>
+          <dgm:bulletEnabled val="1"/>
+        </dgm:presLayoutVars>
+      </dgm:prSet>
+      <dgm:spPr/>
+    </dgm:pt>
+    <dgm:pt modelId="{0AF4CE5B-5258-44F6-BA45-15C99ED38F98}" type="pres">
+      <dgm:prSet presAssocID="{D345323E-36DB-4892-A1F8-72B000E02133}" presName="sibTrans" presStyleLbl="sibTrans1D1" presStyleIdx="1" presStyleCnt="19"/>
+      <dgm:spPr/>
+    </dgm:pt>
+    <dgm:pt modelId="{A7B71CD1-12F2-406D-B3FB-02C82D59BD85}" type="pres">
+      <dgm:prSet presAssocID="{D345323E-36DB-4892-A1F8-72B000E02133}" presName="connectorText" presStyleLbl="sibTrans1D1" presStyleIdx="1" presStyleCnt="19"/>
+      <dgm:spPr/>
+    </dgm:pt>
+    <dgm:pt modelId="{DF7E91C3-DD99-4919-A4D8-5DE20CCE3BB5}" type="pres">
+      <dgm:prSet presAssocID="{731BE5A9-B77E-4017-ACC0-EFFE71D1C6ED}" presName="node" presStyleLbl="node1" presStyleIdx="2" presStyleCnt="20">
+        <dgm:presLayoutVars>
+          <dgm:bulletEnabled val="1"/>
+        </dgm:presLayoutVars>
+      </dgm:prSet>
+      <dgm:spPr/>
+    </dgm:pt>
+    <dgm:pt modelId="{0D96A75C-68A8-4DC2-900E-7FB4519074BD}" type="pres">
+      <dgm:prSet presAssocID="{BB3D572D-522A-4B03-A7C7-1F6D3F386A04}" presName="sibTrans" presStyleLbl="sibTrans1D1" presStyleIdx="2" presStyleCnt="19"/>
+      <dgm:spPr/>
+    </dgm:pt>
+    <dgm:pt modelId="{5C70C081-CD06-4A8A-B03B-8B225047B9A4}" type="pres">
+      <dgm:prSet presAssocID="{BB3D572D-522A-4B03-A7C7-1F6D3F386A04}" presName="connectorText" presStyleLbl="sibTrans1D1" presStyleIdx="2" presStyleCnt="19"/>
+      <dgm:spPr/>
+    </dgm:pt>
+    <dgm:pt modelId="{F4215D72-CEEA-4FFE-9EB8-BAEFEC96D933}" type="pres">
+      <dgm:prSet presAssocID="{805ACA22-6025-4D74-BFB1-D0835F23152E}" presName="node" presStyleLbl="node1" presStyleIdx="3" presStyleCnt="20">
+        <dgm:presLayoutVars>
+          <dgm:bulletEnabled val="1"/>
+        </dgm:presLayoutVars>
+      </dgm:prSet>
+      <dgm:spPr/>
+    </dgm:pt>
+    <dgm:pt modelId="{16CB0B67-D848-4686-AA04-75D48008BE0B}" type="pres">
+      <dgm:prSet presAssocID="{AF5EAAE4-1964-4444-9EEB-23D37AA18486}" presName="sibTrans" presStyleLbl="sibTrans1D1" presStyleIdx="3" presStyleCnt="19"/>
+      <dgm:spPr/>
+    </dgm:pt>
+    <dgm:pt modelId="{8A642D28-249F-4CC0-9598-DE43FEF04853}" type="pres">
+      <dgm:prSet presAssocID="{AF5EAAE4-1964-4444-9EEB-23D37AA18486}" presName="connectorText" presStyleLbl="sibTrans1D1" presStyleIdx="3" presStyleCnt="19"/>
+      <dgm:spPr/>
+    </dgm:pt>
+    <dgm:pt modelId="{ACCF4353-2FB7-41BA-BD16-7B33915D2E1F}" type="pres">
+      <dgm:prSet presAssocID="{3579BEAD-4A2F-4D35-A1E6-80EE62D8C659}" presName="node" presStyleLbl="node1" presStyleIdx="4" presStyleCnt="20">
+        <dgm:presLayoutVars>
+          <dgm:bulletEnabled val="1"/>
+        </dgm:presLayoutVars>
+      </dgm:prSet>
+      <dgm:spPr/>
+    </dgm:pt>
+    <dgm:pt modelId="{F61E077F-F722-4EDC-AF64-1F364AC3A2A7}" type="pres">
+      <dgm:prSet presAssocID="{8AD9BA9F-081C-4EA1-86EE-2A1B087CB984}" presName="sibTrans" presStyleLbl="sibTrans1D1" presStyleIdx="4" presStyleCnt="19"/>
+      <dgm:spPr/>
+    </dgm:pt>
+    <dgm:pt modelId="{33860E7C-8070-4185-AB97-0310334AEAB7}" type="pres">
+      <dgm:prSet presAssocID="{8AD9BA9F-081C-4EA1-86EE-2A1B087CB984}" presName="connectorText" presStyleLbl="sibTrans1D1" presStyleIdx="4" presStyleCnt="19"/>
+      <dgm:spPr/>
+    </dgm:pt>
+    <dgm:pt modelId="{8B583535-2A41-4C85-9A8D-B1BD4A3A5C7D}" type="pres">
+      <dgm:prSet presAssocID="{70188367-FDD4-458E-A6EF-15814067F0ED}" presName="node" presStyleLbl="node1" presStyleIdx="5" presStyleCnt="20">
+        <dgm:presLayoutVars>
+          <dgm:bulletEnabled val="1"/>
+        </dgm:presLayoutVars>
+      </dgm:prSet>
+      <dgm:spPr/>
+    </dgm:pt>
+    <dgm:pt modelId="{A50986C9-FAB7-4640-87B1-E64657323658}" type="pres">
+      <dgm:prSet presAssocID="{1B1979BF-3248-4C23-AAB1-BC613E8AB4E7}" presName="sibTrans" presStyleLbl="sibTrans1D1" presStyleIdx="5" presStyleCnt="19"/>
+      <dgm:spPr/>
+    </dgm:pt>
+    <dgm:pt modelId="{06144CC7-F4CF-40EC-B640-DC2957B2C627}" type="pres">
+      <dgm:prSet presAssocID="{1B1979BF-3248-4C23-AAB1-BC613E8AB4E7}" presName="connectorText" presStyleLbl="sibTrans1D1" presStyleIdx="5" presStyleCnt="19"/>
+      <dgm:spPr/>
+    </dgm:pt>
+    <dgm:pt modelId="{A96C3889-60BD-46E0-9543-66E183E41C83}" type="pres">
+      <dgm:prSet presAssocID="{BDB2A42A-4D9D-4FCA-9ABB-8D5E460C0F23}" presName="node" presStyleLbl="node1" presStyleIdx="6" presStyleCnt="20">
+        <dgm:presLayoutVars>
+          <dgm:bulletEnabled val="1"/>
+        </dgm:presLayoutVars>
+      </dgm:prSet>
+      <dgm:spPr/>
+    </dgm:pt>
+    <dgm:pt modelId="{5BC97897-3702-4352-83DD-209449EF48D7}" type="pres">
+      <dgm:prSet presAssocID="{0223A074-E9D0-496F-B711-E928A08747C4}" presName="sibTrans" presStyleLbl="sibTrans1D1" presStyleIdx="6" presStyleCnt="19"/>
+      <dgm:spPr/>
+    </dgm:pt>
+    <dgm:pt modelId="{19C93A6F-2363-4C59-B127-DD9055E4F897}" type="pres">
+      <dgm:prSet presAssocID="{0223A074-E9D0-496F-B711-E928A08747C4}" presName="connectorText" presStyleLbl="sibTrans1D1" presStyleIdx="6" presStyleCnt="19"/>
+      <dgm:spPr/>
+    </dgm:pt>
+    <dgm:pt modelId="{FC00B39C-655C-4233-90BD-81B35454D660}" type="pres">
+      <dgm:prSet presAssocID="{D71CD31B-7CCB-463E-8EE9-5226D957AF90}" presName="node" presStyleLbl="node1" presStyleIdx="7" presStyleCnt="20">
+        <dgm:presLayoutVars>
+          <dgm:bulletEnabled val="1"/>
+        </dgm:presLayoutVars>
+      </dgm:prSet>
+      <dgm:spPr/>
+    </dgm:pt>
+    <dgm:pt modelId="{20A2B9D5-D0D3-48E7-A4A9-B4C98B81023F}" type="pres">
+      <dgm:prSet presAssocID="{8C1D8C80-5A31-4190-B363-D12902F268B8}" presName="sibTrans" presStyleLbl="sibTrans1D1" presStyleIdx="7" presStyleCnt="19"/>
+      <dgm:spPr/>
+    </dgm:pt>
+    <dgm:pt modelId="{0F00F631-5322-4DCD-A0CD-84099C929A3D}" type="pres">
+      <dgm:prSet presAssocID="{8C1D8C80-5A31-4190-B363-D12902F268B8}" presName="connectorText" presStyleLbl="sibTrans1D1" presStyleIdx="7" presStyleCnt="19"/>
+      <dgm:spPr/>
+    </dgm:pt>
+    <dgm:pt modelId="{BEB14474-7180-4885-A4C3-232C5564C5B7}" type="pres">
+      <dgm:prSet presAssocID="{3E187100-5910-4118-9694-9BE8A5DC39BC}" presName="node" presStyleLbl="node1" presStyleIdx="8" presStyleCnt="20">
+        <dgm:presLayoutVars>
+          <dgm:bulletEnabled val="1"/>
+        </dgm:presLayoutVars>
+      </dgm:prSet>
+      <dgm:spPr/>
+    </dgm:pt>
+    <dgm:pt modelId="{AF9B9B21-4A2D-43CD-BAF5-1CD4E320338F}" type="pres">
+      <dgm:prSet presAssocID="{73C5395E-64E4-4360-AC61-9CE38FE60BBD}" presName="sibTrans" presStyleLbl="sibTrans1D1" presStyleIdx="8" presStyleCnt="19"/>
+      <dgm:spPr/>
+    </dgm:pt>
+    <dgm:pt modelId="{81218337-3314-400C-96D8-B8CE7710742E}" type="pres">
+      <dgm:prSet presAssocID="{73C5395E-64E4-4360-AC61-9CE38FE60BBD}" presName="connectorText" presStyleLbl="sibTrans1D1" presStyleIdx="8" presStyleCnt="19"/>
+      <dgm:spPr/>
+    </dgm:pt>
+    <dgm:pt modelId="{CCF8E4F4-7B78-4170-A4BB-F59BDCD34F05}" type="pres">
+      <dgm:prSet presAssocID="{544A68AF-1B75-4B8A-9874-C78D54343F58}" presName="node" presStyleLbl="node1" presStyleIdx="9" presStyleCnt="20">
+        <dgm:presLayoutVars>
+          <dgm:bulletEnabled val="1"/>
+        </dgm:presLayoutVars>
+      </dgm:prSet>
+      <dgm:spPr/>
+    </dgm:pt>
+    <dgm:pt modelId="{D5E45D02-EE48-4DAB-9C54-B8EAED906F11}" type="pres">
+      <dgm:prSet presAssocID="{F2549049-022F-4C1F-B185-E7A93E5BB44E}" presName="sibTrans" presStyleLbl="sibTrans1D1" presStyleIdx="9" presStyleCnt="19"/>
+      <dgm:spPr/>
+    </dgm:pt>
+    <dgm:pt modelId="{3CB9E642-8E6D-4DA2-9B48-D24EDB9E5F95}" type="pres">
+      <dgm:prSet presAssocID="{F2549049-022F-4C1F-B185-E7A93E5BB44E}" presName="connectorText" presStyleLbl="sibTrans1D1" presStyleIdx="9" presStyleCnt="19"/>
+      <dgm:spPr/>
+    </dgm:pt>
+    <dgm:pt modelId="{2BF4593A-278D-4023-A8C3-0FC05EA53563}" type="pres">
+      <dgm:prSet presAssocID="{F6688B8D-B9D5-4735-B82E-848D968ADF2B}" presName="node" presStyleLbl="node1" presStyleIdx="10" presStyleCnt="20">
+        <dgm:presLayoutVars>
+          <dgm:bulletEnabled val="1"/>
+        </dgm:presLayoutVars>
+      </dgm:prSet>
+      <dgm:spPr/>
+    </dgm:pt>
+    <dgm:pt modelId="{1745B553-F9CB-4083-B56D-8EA02064CEC5}" type="pres">
+      <dgm:prSet presAssocID="{B92D970A-62CC-4825-9B1E-FDF60FB76B0A}" presName="sibTrans" presStyleLbl="sibTrans1D1" presStyleIdx="10" presStyleCnt="19"/>
+      <dgm:spPr/>
+    </dgm:pt>
+    <dgm:pt modelId="{7D199305-B7D0-4854-95BC-8C2B8835DA38}" type="pres">
+      <dgm:prSet presAssocID="{B92D970A-62CC-4825-9B1E-FDF60FB76B0A}" presName="connectorText" presStyleLbl="sibTrans1D1" presStyleIdx="10" presStyleCnt="19"/>
+      <dgm:spPr/>
+    </dgm:pt>
+    <dgm:pt modelId="{4AB89C63-0D9B-43E2-88B5-A9192C6FAB8F}" type="pres">
+      <dgm:prSet presAssocID="{A992ACDC-6740-43E5-A19D-FEB302657CBA}" presName="node" presStyleLbl="node1" presStyleIdx="11" presStyleCnt="20">
+        <dgm:presLayoutVars>
+          <dgm:bulletEnabled val="1"/>
+        </dgm:presLayoutVars>
+      </dgm:prSet>
+      <dgm:spPr/>
+    </dgm:pt>
+    <dgm:pt modelId="{65792B1E-27BD-401B-9349-5FF1739388AE}" type="pres">
+      <dgm:prSet presAssocID="{E61659D0-BDBF-4743-80E9-38164F922E1C}" presName="sibTrans" presStyleLbl="sibTrans1D1" presStyleIdx="11" presStyleCnt="19"/>
+      <dgm:spPr/>
+    </dgm:pt>
+    <dgm:pt modelId="{CF2F0CC9-DFF4-4295-A45C-C6E0D0AE59C3}" type="pres">
+      <dgm:prSet presAssocID="{E61659D0-BDBF-4743-80E9-38164F922E1C}" presName="connectorText" presStyleLbl="sibTrans1D1" presStyleIdx="11" presStyleCnt="19"/>
+      <dgm:spPr/>
+    </dgm:pt>
+    <dgm:pt modelId="{F158E62D-F3F4-4DC8-8CB5-9D557B6AB530}" type="pres">
+      <dgm:prSet presAssocID="{C9023202-359A-4072-A957-AB38D1F41D1D}" presName="node" presStyleLbl="node1" presStyleIdx="12" presStyleCnt="20">
+        <dgm:presLayoutVars>
+          <dgm:bulletEnabled val="1"/>
+        </dgm:presLayoutVars>
+      </dgm:prSet>
+      <dgm:spPr/>
+    </dgm:pt>
+    <dgm:pt modelId="{39D8ABD5-FE0A-4A6D-9D4E-9F02E7C3914A}" type="pres">
+      <dgm:prSet presAssocID="{17C2C780-8C60-4263-8CA3-1F72F30DB96A}" presName="sibTrans" presStyleLbl="sibTrans1D1" presStyleIdx="12" presStyleCnt="19"/>
+      <dgm:spPr/>
+    </dgm:pt>
+    <dgm:pt modelId="{D7C03FFA-8B14-4DA3-9870-23B28710E3B8}" type="pres">
+      <dgm:prSet presAssocID="{17C2C780-8C60-4263-8CA3-1F72F30DB96A}" presName="connectorText" presStyleLbl="sibTrans1D1" presStyleIdx="12" presStyleCnt="19"/>
+      <dgm:spPr/>
+    </dgm:pt>
+    <dgm:pt modelId="{08BFA12B-1C8D-47D1-9828-1432DBEB962F}" type="pres">
+      <dgm:prSet presAssocID="{CA08DDE2-FEF7-4D20-B0EE-B36562C4AE1E}" presName="node" presStyleLbl="node1" presStyleIdx="13" presStyleCnt="20">
+        <dgm:presLayoutVars>
+          <dgm:bulletEnabled val="1"/>
+        </dgm:presLayoutVars>
+      </dgm:prSet>
+      <dgm:spPr/>
+    </dgm:pt>
+    <dgm:pt modelId="{E68FDF78-45BC-45E4-8496-D215F8FCF261}" type="pres">
+      <dgm:prSet presAssocID="{97BAE28E-4384-4BAD-9D6C-891F1526B327}" presName="sibTrans" presStyleLbl="sibTrans1D1" presStyleIdx="13" presStyleCnt="19"/>
+      <dgm:spPr/>
+    </dgm:pt>
+    <dgm:pt modelId="{90ECF15C-1E38-42EF-9169-F4884592C265}" type="pres">
+      <dgm:prSet presAssocID="{97BAE28E-4384-4BAD-9D6C-891F1526B327}" presName="connectorText" presStyleLbl="sibTrans1D1" presStyleIdx="13" presStyleCnt="19"/>
+      <dgm:spPr/>
+    </dgm:pt>
+    <dgm:pt modelId="{2D1AFCAA-9662-4E8F-8D32-3F6B4EF37159}" type="pres">
+      <dgm:prSet presAssocID="{8A928D7C-7325-436E-A743-CFF601871A82}" presName="node" presStyleLbl="node1" presStyleIdx="14" presStyleCnt="20">
+        <dgm:presLayoutVars>
+          <dgm:bulletEnabled val="1"/>
+        </dgm:presLayoutVars>
+      </dgm:prSet>
+      <dgm:spPr/>
+    </dgm:pt>
+    <dgm:pt modelId="{02450C63-2C52-4EAC-BE76-DE4699207F9F}" type="pres">
+      <dgm:prSet presAssocID="{CE6AD56A-4FEE-4BE6-BA12-9D5B3B0A0D2F}" presName="sibTrans" presStyleLbl="sibTrans1D1" presStyleIdx="14" presStyleCnt="19"/>
+      <dgm:spPr/>
+    </dgm:pt>
+    <dgm:pt modelId="{1113822B-8700-4353-A059-033047CB727E}" type="pres">
+      <dgm:prSet presAssocID="{CE6AD56A-4FEE-4BE6-BA12-9D5B3B0A0D2F}" presName="connectorText" presStyleLbl="sibTrans1D1" presStyleIdx="14" presStyleCnt="19"/>
+      <dgm:spPr/>
+    </dgm:pt>
+    <dgm:pt modelId="{31AC2D38-15B2-4324-9F29-B363CAC2239C}" type="pres">
+      <dgm:prSet presAssocID="{17A1167A-D371-490A-86E9-8617823033DF}" presName="node" presStyleLbl="node1" presStyleIdx="15" presStyleCnt="20">
+        <dgm:presLayoutVars>
+          <dgm:bulletEnabled val="1"/>
+        </dgm:presLayoutVars>
+      </dgm:prSet>
+      <dgm:spPr/>
+    </dgm:pt>
+    <dgm:pt modelId="{EE9549E0-51E3-4337-93E9-A4808FFFD949}" type="pres">
+      <dgm:prSet presAssocID="{357D3189-2FB4-4754-90DE-CB3C591CDC2A}" presName="sibTrans" presStyleLbl="sibTrans1D1" presStyleIdx="15" presStyleCnt="19"/>
+      <dgm:spPr/>
+    </dgm:pt>
+    <dgm:pt modelId="{C8A3E479-4E94-4ECF-B0BA-917165E69C27}" type="pres">
+      <dgm:prSet presAssocID="{357D3189-2FB4-4754-90DE-CB3C591CDC2A}" presName="connectorText" presStyleLbl="sibTrans1D1" presStyleIdx="15" presStyleCnt="19"/>
+      <dgm:spPr/>
+    </dgm:pt>
+    <dgm:pt modelId="{BC5EB49E-BBCE-4D59-B0F8-A8D6C00019E7}" type="pres">
+      <dgm:prSet presAssocID="{EFC082F2-DAA3-4F91-8DF0-F64AD4E858E9}" presName="node" presStyleLbl="node1" presStyleIdx="16" presStyleCnt="20">
+        <dgm:presLayoutVars>
+          <dgm:bulletEnabled val="1"/>
+        </dgm:presLayoutVars>
+      </dgm:prSet>
+      <dgm:spPr/>
+    </dgm:pt>
+    <dgm:pt modelId="{57C1E574-A60D-4301-A005-8EA18794DFA6}" type="pres">
+      <dgm:prSet presAssocID="{69F657BF-29AD-47D6-8DE1-323C1BBB45B7}" presName="sibTrans" presStyleLbl="sibTrans1D1" presStyleIdx="16" presStyleCnt="19"/>
+      <dgm:spPr/>
+    </dgm:pt>
+    <dgm:pt modelId="{C081DCBC-905D-4F43-920B-0D79A2326B65}" type="pres">
+      <dgm:prSet presAssocID="{69F657BF-29AD-47D6-8DE1-323C1BBB45B7}" presName="connectorText" presStyleLbl="sibTrans1D1" presStyleIdx="16" presStyleCnt="19"/>
+      <dgm:spPr/>
+    </dgm:pt>
+    <dgm:pt modelId="{370FD043-73C5-4A4F-B2B3-CBB80CE16F2D}" type="pres">
+      <dgm:prSet presAssocID="{D47DA38F-2EA0-4CDA-9204-CC70D5ED2BDD}" presName="node" presStyleLbl="node1" presStyleIdx="17" presStyleCnt="20">
+        <dgm:presLayoutVars>
+          <dgm:bulletEnabled val="1"/>
+        </dgm:presLayoutVars>
+      </dgm:prSet>
+      <dgm:spPr/>
+    </dgm:pt>
+    <dgm:pt modelId="{6700A057-97AB-4C71-B912-8DA2B959760F}" type="pres">
+      <dgm:prSet presAssocID="{0B8AF01C-26FF-44FB-8ED6-7E7B608B12C7}" presName="sibTrans" presStyleLbl="sibTrans1D1" presStyleIdx="17" presStyleCnt="19"/>
+      <dgm:spPr/>
+    </dgm:pt>
+    <dgm:pt modelId="{D3E637DD-C151-408B-9B15-2132F897F56D}" type="pres">
+      <dgm:prSet presAssocID="{0B8AF01C-26FF-44FB-8ED6-7E7B608B12C7}" presName="connectorText" presStyleLbl="sibTrans1D1" presStyleIdx="17" presStyleCnt="19"/>
+      <dgm:spPr/>
+    </dgm:pt>
+    <dgm:pt modelId="{66D7AD4C-5DB1-485A-960F-C8FBBDD1C6E5}" type="pres">
+      <dgm:prSet presAssocID="{72162A2F-5C49-4270-B522-C132FF6C5537}" presName="node" presStyleLbl="node1" presStyleIdx="18" presStyleCnt="20">
+        <dgm:presLayoutVars>
+          <dgm:bulletEnabled val="1"/>
+        </dgm:presLayoutVars>
+      </dgm:prSet>
+      <dgm:spPr/>
+    </dgm:pt>
+    <dgm:pt modelId="{3D9AFF7A-A147-463D-BE04-2864EF541153}" type="pres">
+      <dgm:prSet presAssocID="{9085C2AA-ABFD-4E02-8155-64A1A3A9A8D5}" presName="sibTrans" presStyleLbl="sibTrans1D1" presStyleIdx="18" presStyleCnt="19"/>
+      <dgm:spPr/>
+    </dgm:pt>
+    <dgm:pt modelId="{AD0A1C70-1305-4B6C-A88D-088D54D8968C}" type="pres">
+      <dgm:prSet presAssocID="{9085C2AA-ABFD-4E02-8155-64A1A3A9A8D5}" presName="connectorText" presStyleLbl="sibTrans1D1" presStyleIdx="18" presStyleCnt="19"/>
+      <dgm:spPr/>
+    </dgm:pt>
+    <dgm:pt modelId="{9469DAAE-52E6-4772-8898-F79A50CBF594}" type="pres">
+      <dgm:prSet presAssocID="{EBDA996A-0146-4640-968C-D82E27B8BA7C}" presName="node" presStyleLbl="node1" presStyleIdx="19" presStyleCnt="20">
+        <dgm:presLayoutVars>
+          <dgm:bulletEnabled val="1"/>
+        </dgm:presLayoutVars>
+      </dgm:prSet>
+      <dgm:spPr/>
+    </dgm:pt>
+  </dgm:ptLst>
+  <dgm:cxnLst>
+    <dgm:cxn modelId="{F8927400-C438-475A-9806-4A3A2D44C198}" type="presOf" srcId="{E61659D0-BDBF-4743-80E9-38164F922E1C}" destId="{CF2F0CC9-DFF4-4295-A45C-C6E0D0AE59C3}" srcOrd="1" destOrd="0" presId="urn:microsoft.com/office/officeart/2005/8/layout/bProcess3"/>
+    <dgm:cxn modelId="{E2315206-70BD-43B6-9139-ED8FCD456A73}" type="presOf" srcId="{EFC082F2-DAA3-4F91-8DF0-F64AD4E858E9}" destId="{BC5EB49E-BBCE-4D59-B0F8-A8D6C00019E7}" srcOrd="0" destOrd="0" presId="urn:microsoft.com/office/officeart/2005/8/layout/bProcess3"/>
+    <dgm:cxn modelId="{0A6A1108-C917-4540-ADEA-D171443575C7}" type="presOf" srcId="{72162A2F-5C49-4270-B522-C132FF6C5537}" destId="{66D7AD4C-5DB1-485A-960F-C8FBBDD1C6E5}" srcOrd="0" destOrd="0" presId="urn:microsoft.com/office/officeart/2005/8/layout/bProcess3"/>
+    <dgm:cxn modelId="{A41A6C0A-D8A6-419A-99C2-EDC4AA95D1E1}" type="presOf" srcId="{B92D970A-62CC-4825-9B1E-FDF60FB76B0A}" destId="{1745B553-F9CB-4083-B56D-8EA02064CEC5}" srcOrd="0" destOrd="0" presId="urn:microsoft.com/office/officeart/2005/8/layout/bProcess3"/>
+    <dgm:cxn modelId="{5CB4BF14-8DF9-4FF1-8653-6ABECD0732B1}" type="presOf" srcId="{F6688B8D-B9D5-4735-B82E-848D968ADF2B}" destId="{2BF4593A-278D-4023-A8C3-0FC05EA53563}" srcOrd="0" destOrd="0" presId="urn:microsoft.com/office/officeart/2005/8/layout/bProcess3"/>
+    <dgm:cxn modelId="{096B2B15-EAB6-4193-A1D0-7E187F7D448D}" srcId="{7C4505B5-AE40-4E77-A8FF-DE01A8C7B1E1}" destId="{CA08DDE2-FEF7-4D20-B0EE-B36562C4AE1E}" srcOrd="13" destOrd="0" parTransId="{070242AE-41B6-42EB-8AA7-15714F81D4D5}" sibTransId="{97BAE28E-4384-4BAD-9D6C-891F1526B327}"/>
+    <dgm:cxn modelId="{F8907817-451D-48B2-BEEA-28C53BBC0D73}" srcId="{7C4505B5-AE40-4E77-A8FF-DE01A8C7B1E1}" destId="{70188367-FDD4-458E-A6EF-15814067F0ED}" srcOrd="5" destOrd="0" parTransId="{0452585F-36EC-412F-A70B-37E10E46B646}" sibTransId="{1B1979BF-3248-4C23-AAB1-BC613E8AB4E7}"/>
+    <dgm:cxn modelId="{9CE22418-13C5-437C-B666-FBCFC89490E4}" srcId="{7C4505B5-AE40-4E77-A8FF-DE01A8C7B1E1}" destId="{F6688B8D-B9D5-4735-B82E-848D968ADF2B}" srcOrd="10" destOrd="0" parTransId="{30292C0A-3DC0-4448-B630-3794F78D3048}" sibTransId="{B92D970A-62CC-4825-9B1E-FDF60FB76B0A}"/>
+    <dgm:cxn modelId="{C58A4F18-508E-4645-AC0B-D353F6BCAF1E}" srcId="{7C4505B5-AE40-4E77-A8FF-DE01A8C7B1E1}" destId="{2F77676C-C658-4D08-B694-09CF117EBBA4}" srcOrd="0" destOrd="0" parTransId="{7B372302-EFD6-4E48-80A3-A73BABB4F9F1}" sibTransId="{A2AD26DB-72F1-4E8A-BFBC-B504F4528B9A}"/>
+    <dgm:cxn modelId="{A87DD825-8377-425C-8027-9FBFA547E121}" type="presOf" srcId="{69F657BF-29AD-47D6-8DE1-323C1BBB45B7}" destId="{57C1E574-A60D-4301-A005-8EA18794DFA6}" srcOrd="0" destOrd="0" presId="urn:microsoft.com/office/officeart/2005/8/layout/bProcess3"/>
+    <dgm:cxn modelId="{76463029-5FB8-4046-9E18-489B4B868771}" type="presOf" srcId="{731BE5A9-B77E-4017-ACC0-EFFE71D1C6ED}" destId="{DF7E91C3-DD99-4919-A4D8-5DE20CCE3BB5}" srcOrd="0" destOrd="0" presId="urn:microsoft.com/office/officeart/2005/8/layout/bProcess3"/>
+    <dgm:cxn modelId="{273D8E2E-2D7E-48E1-A050-D29202A08332}" type="presOf" srcId="{A992ACDC-6740-43E5-A19D-FEB302657CBA}" destId="{4AB89C63-0D9B-43E2-88B5-A9192C6FAB8F}" srcOrd="0" destOrd="0" presId="urn:microsoft.com/office/officeart/2005/8/layout/bProcess3"/>
+    <dgm:cxn modelId="{3607DC35-19AC-4A9C-A590-803A9AA0EBC0}" type="presOf" srcId="{8A928D7C-7325-436E-A743-CFF601871A82}" destId="{2D1AFCAA-9662-4E8F-8D32-3F6B4EF37159}" srcOrd="0" destOrd="0" presId="urn:microsoft.com/office/officeart/2005/8/layout/bProcess3"/>
+    <dgm:cxn modelId="{6BE91C37-0019-4F93-BC8A-C7033A2ABB68}" type="presOf" srcId="{1B1979BF-3248-4C23-AAB1-BC613E8AB4E7}" destId="{A50986C9-FAB7-4640-87B1-E64657323658}" srcOrd="0" destOrd="0" presId="urn:microsoft.com/office/officeart/2005/8/layout/bProcess3"/>
+    <dgm:cxn modelId="{F7960040-42F5-48D0-84E3-2E5B6D98E00C}" type="presOf" srcId="{8AD9BA9F-081C-4EA1-86EE-2A1B087CB984}" destId="{33860E7C-8070-4185-AB97-0310334AEAB7}" srcOrd="1" destOrd="0" presId="urn:microsoft.com/office/officeart/2005/8/layout/bProcess3"/>
+    <dgm:cxn modelId="{C49AC340-FAF9-4E78-BBD8-41C1ECF04EB8}" type="presOf" srcId="{3E187100-5910-4118-9694-9BE8A5DC39BC}" destId="{BEB14474-7180-4885-A4C3-232C5564C5B7}" srcOrd="0" destOrd="0" presId="urn:microsoft.com/office/officeart/2005/8/layout/bProcess3"/>
+    <dgm:cxn modelId="{55940D5C-C451-4F50-8317-9A54E656B888}" srcId="{7C4505B5-AE40-4E77-A8FF-DE01A8C7B1E1}" destId="{72162A2F-5C49-4270-B522-C132FF6C5537}" srcOrd="18" destOrd="0" parTransId="{370FBC40-5DB2-434B-83D2-10538E94F0AF}" sibTransId="{9085C2AA-ABFD-4E02-8155-64A1A3A9A8D5}"/>
+    <dgm:cxn modelId="{354A0B5E-DA96-4A3F-A166-1FF6E2F12108}" type="presOf" srcId="{EBDA996A-0146-4640-968C-D82E27B8BA7C}" destId="{9469DAAE-52E6-4772-8898-F79A50CBF594}" srcOrd="0" destOrd="0" presId="urn:microsoft.com/office/officeart/2005/8/layout/bProcess3"/>
+    <dgm:cxn modelId="{B58DB45F-11F7-4B6A-8C36-CCA8688DA233}" srcId="{7C4505B5-AE40-4E77-A8FF-DE01A8C7B1E1}" destId="{731BE5A9-B77E-4017-ACC0-EFFE71D1C6ED}" srcOrd="2" destOrd="0" parTransId="{4652A780-4ED2-4B6E-BE68-66AA7015AB10}" sibTransId="{BB3D572D-522A-4B03-A7C7-1F6D3F386A04}"/>
+    <dgm:cxn modelId="{7D335141-6618-4FB3-8EB4-2AB2A4D24138}" type="presOf" srcId="{AF5EAAE4-1964-4444-9EEB-23D37AA18486}" destId="{8A642D28-249F-4CC0-9598-DE43FEF04853}" srcOrd="1" destOrd="0" presId="urn:microsoft.com/office/officeart/2005/8/layout/bProcess3"/>
+    <dgm:cxn modelId="{ECCE3B62-6F14-438E-91FE-F698347B3826}" srcId="{7C4505B5-AE40-4E77-A8FF-DE01A8C7B1E1}" destId="{17A1167A-D371-490A-86E9-8617823033DF}" srcOrd="15" destOrd="0" parTransId="{E6D17F80-B198-4DFC-9EC2-24A78AFA3BBD}" sibTransId="{357D3189-2FB4-4754-90DE-CB3C591CDC2A}"/>
+    <dgm:cxn modelId="{03CB3F62-9DE1-42FD-891C-BC5D6D83F937}" type="presOf" srcId="{0223A074-E9D0-496F-B711-E928A08747C4}" destId="{5BC97897-3702-4352-83DD-209449EF48D7}" srcOrd="0" destOrd="0" presId="urn:microsoft.com/office/officeart/2005/8/layout/bProcess3"/>
+    <dgm:cxn modelId="{38225C62-6DC8-463B-8BDB-DB2C867B99AB}" type="presOf" srcId="{70188367-FDD4-458E-A6EF-15814067F0ED}" destId="{8B583535-2A41-4C85-9A8D-B1BD4A3A5C7D}" srcOrd="0" destOrd="0" presId="urn:microsoft.com/office/officeart/2005/8/layout/bProcess3"/>
+    <dgm:cxn modelId="{E4B48842-E7A0-4BB9-AB05-D9CEDD304763}" type="presOf" srcId="{69F657BF-29AD-47D6-8DE1-323C1BBB45B7}" destId="{C081DCBC-905D-4F43-920B-0D79A2326B65}" srcOrd="1" destOrd="0" presId="urn:microsoft.com/office/officeart/2005/8/layout/bProcess3"/>
+    <dgm:cxn modelId="{FBF7DF64-6D7A-4E90-8789-ED2B2E4BDF33}" type="presOf" srcId="{E61659D0-BDBF-4743-80E9-38164F922E1C}" destId="{65792B1E-27BD-401B-9349-5FF1739388AE}" srcOrd="0" destOrd="0" presId="urn:microsoft.com/office/officeart/2005/8/layout/bProcess3"/>
+    <dgm:cxn modelId="{C644F047-3505-47CA-A1C0-430CDDBFADE7}" type="presOf" srcId="{C9023202-359A-4072-A957-AB38D1F41D1D}" destId="{F158E62D-F3F4-4DC8-8CB5-9D557B6AB530}" srcOrd="0" destOrd="0" presId="urn:microsoft.com/office/officeart/2005/8/layout/bProcess3"/>
+    <dgm:cxn modelId="{C1523669-0FE8-4CB0-896F-CB6C687707BB}" type="presOf" srcId="{A2AD26DB-72F1-4E8A-BFBC-B504F4528B9A}" destId="{6FB8C09B-CFA6-40DA-B34B-E38D57190D51}" srcOrd="1" destOrd="0" presId="urn:microsoft.com/office/officeart/2005/8/layout/bProcess3"/>
+    <dgm:cxn modelId="{9305796A-42D0-47A7-8A97-617AB373070D}" type="presOf" srcId="{17C2C780-8C60-4263-8CA3-1F72F30DB96A}" destId="{D7C03FFA-8B14-4DA3-9870-23B28710E3B8}" srcOrd="1" destOrd="0" presId="urn:microsoft.com/office/officeart/2005/8/layout/bProcess3"/>
+    <dgm:cxn modelId="{7E99064C-61EC-47A6-A4E2-2EA8BC5F843A}" type="presOf" srcId="{CE6AD56A-4FEE-4BE6-BA12-9D5B3B0A0D2F}" destId="{02450C63-2C52-4EAC-BE76-DE4699207F9F}" srcOrd="0" destOrd="0" presId="urn:microsoft.com/office/officeart/2005/8/layout/bProcess3"/>
+    <dgm:cxn modelId="{26D15D6D-D473-46C1-BE3D-BBD8186B4EDE}" srcId="{7C4505B5-AE40-4E77-A8FF-DE01A8C7B1E1}" destId="{805ACA22-6025-4D74-BFB1-D0835F23152E}" srcOrd="3" destOrd="0" parTransId="{B66058EF-C011-4FAB-A268-5F36AC57A4D0}" sibTransId="{AF5EAAE4-1964-4444-9EEB-23D37AA18486}"/>
+    <dgm:cxn modelId="{84C20F6E-55A3-4B21-9699-D635411E41CD}" type="presOf" srcId="{AF5EAAE4-1964-4444-9EEB-23D37AA18486}" destId="{16CB0B67-D848-4686-AA04-75D48008BE0B}" srcOrd="0" destOrd="0" presId="urn:microsoft.com/office/officeart/2005/8/layout/bProcess3"/>
+    <dgm:cxn modelId="{5C680450-47FC-4A57-9B5E-8052A6F60E7B}" srcId="{7C4505B5-AE40-4E77-A8FF-DE01A8C7B1E1}" destId="{544A68AF-1B75-4B8A-9874-C78D54343F58}" srcOrd="9" destOrd="0" parTransId="{3A5ED8A5-08E1-48E1-88ED-69B77A57B9CB}" sibTransId="{F2549049-022F-4C1F-B185-E7A93E5BB44E}"/>
+    <dgm:cxn modelId="{51595550-F0AB-471F-8E38-F0FDF5D9C280}" type="presOf" srcId="{B92D970A-62CC-4825-9B1E-FDF60FB76B0A}" destId="{7D199305-B7D0-4854-95BC-8C2B8835DA38}" srcOrd="1" destOrd="0" presId="urn:microsoft.com/office/officeart/2005/8/layout/bProcess3"/>
+    <dgm:cxn modelId="{BC09E670-45FA-4C61-A6F9-C03252F9FBAD}" type="presOf" srcId="{0B8AF01C-26FF-44FB-8ED6-7E7B608B12C7}" destId="{D3E637DD-C151-408B-9B15-2132F897F56D}" srcOrd="1" destOrd="0" presId="urn:microsoft.com/office/officeart/2005/8/layout/bProcess3"/>
+    <dgm:cxn modelId="{4225EB53-9A07-4621-8566-CFD49E3D0414}" type="presOf" srcId="{73C5395E-64E4-4360-AC61-9CE38FE60BBD}" destId="{AF9B9B21-4A2D-43CD-BAF5-1CD4E320338F}" srcOrd="0" destOrd="0" presId="urn:microsoft.com/office/officeart/2005/8/layout/bProcess3"/>
+    <dgm:cxn modelId="{D8F50376-973E-4052-B07F-2E44B08128FE}" srcId="{7C4505B5-AE40-4E77-A8FF-DE01A8C7B1E1}" destId="{BDB2A42A-4D9D-4FCA-9ABB-8D5E460C0F23}" srcOrd="6" destOrd="0" parTransId="{D22A57B2-CA5B-4945-81EA-5B84EB9C0DB6}" sibTransId="{0223A074-E9D0-496F-B711-E928A08747C4}"/>
+    <dgm:cxn modelId="{71E08C57-3656-4138-B6F1-E76702C4C2DB}" srcId="{7C4505B5-AE40-4E77-A8FF-DE01A8C7B1E1}" destId="{3579BEAD-4A2F-4D35-A1E6-80EE62D8C659}" srcOrd="4" destOrd="0" parTransId="{D53D2A69-7B53-44BB-AF73-A0E2E7E67A0A}" sibTransId="{8AD9BA9F-081C-4EA1-86EE-2A1B087CB984}"/>
+    <dgm:cxn modelId="{67D49A57-1C6C-4D39-A8A0-5A4AF32DA634}" type="presOf" srcId="{D47DA38F-2EA0-4CDA-9204-CC70D5ED2BDD}" destId="{370FD043-73C5-4A4F-B2B3-CBB80CE16F2D}" srcOrd="0" destOrd="0" presId="urn:microsoft.com/office/officeart/2005/8/layout/bProcess3"/>
+    <dgm:cxn modelId="{F9520178-6611-4F3E-9827-20E14B0959E8}" type="presOf" srcId="{17A1167A-D371-490A-86E9-8617823033DF}" destId="{31AC2D38-15B2-4324-9F29-B363CAC2239C}" srcOrd="0" destOrd="0" presId="urn:microsoft.com/office/officeart/2005/8/layout/bProcess3"/>
+    <dgm:cxn modelId="{272E1878-84A5-48BA-865C-F7E96D8027D0}" type="presOf" srcId="{544A68AF-1B75-4B8A-9874-C78D54343F58}" destId="{CCF8E4F4-7B78-4170-A4BB-F59BDCD34F05}" srcOrd="0" destOrd="0" presId="urn:microsoft.com/office/officeart/2005/8/layout/bProcess3"/>
+    <dgm:cxn modelId="{3EE42958-F2ED-4996-A40A-A9684148043E}" type="presOf" srcId="{357D3189-2FB4-4754-90DE-CB3C591CDC2A}" destId="{EE9549E0-51E3-4337-93E9-A4808FFFD949}" srcOrd="0" destOrd="0" presId="urn:microsoft.com/office/officeart/2005/8/layout/bProcess3"/>
+    <dgm:cxn modelId="{28543458-CF60-4391-B787-868A9A3C3E9E}" srcId="{7C4505B5-AE40-4E77-A8FF-DE01A8C7B1E1}" destId="{EBDA996A-0146-4640-968C-D82E27B8BA7C}" srcOrd="19" destOrd="0" parTransId="{32F37654-C9D2-41E8-B7B7-F34F8D6615D8}" sibTransId="{8EE263AC-4246-4C80-800E-67A207C3F7D2}"/>
+    <dgm:cxn modelId="{6D6A9579-B1C7-49A9-B1C5-659EBDF57954}" type="presOf" srcId="{BB3D572D-522A-4B03-A7C7-1F6D3F386A04}" destId="{0D96A75C-68A8-4DC2-900E-7FB4519074BD}" srcOrd="0" destOrd="0" presId="urn:microsoft.com/office/officeart/2005/8/layout/bProcess3"/>
+    <dgm:cxn modelId="{2EDB0E5A-83D2-4269-A052-9C2E35A2863A}" type="presOf" srcId="{9085C2AA-ABFD-4E02-8155-64A1A3A9A8D5}" destId="{AD0A1C70-1305-4B6C-A88D-088D54D8968C}" srcOrd="1" destOrd="0" presId="urn:microsoft.com/office/officeart/2005/8/layout/bProcess3"/>
+    <dgm:cxn modelId="{AD98A07A-D072-423D-9928-1FA3F64D92AB}" type="presOf" srcId="{CE6AD56A-4FEE-4BE6-BA12-9D5B3B0A0D2F}" destId="{1113822B-8700-4353-A059-033047CB727E}" srcOrd="1" destOrd="0" presId="urn:microsoft.com/office/officeart/2005/8/layout/bProcess3"/>
+    <dgm:cxn modelId="{227E427F-9E1F-408D-9BE1-1FE2A5340D6B}" type="presOf" srcId="{8AD9BA9F-081C-4EA1-86EE-2A1B087CB984}" destId="{F61E077F-F722-4EDC-AF64-1F364AC3A2A7}" srcOrd="0" destOrd="0" presId="urn:microsoft.com/office/officeart/2005/8/layout/bProcess3"/>
+    <dgm:cxn modelId="{36834181-EEDD-47B1-A559-CD8876D11C5C}" type="presOf" srcId="{D345323E-36DB-4892-A1F8-72B000E02133}" destId="{A7B71CD1-12F2-406D-B3FB-02C82D59BD85}" srcOrd="1" destOrd="0" presId="urn:microsoft.com/office/officeart/2005/8/layout/bProcess3"/>
+    <dgm:cxn modelId="{A7116687-A24A-4637-8487-AAE446794EEC}" srcId="{7C4505B5-AE40-4E77-A8FF-DE01A8C7B1E1}" destId="{D71CD31B-7CCB-463E-8EE9-5226D957AF90}" srcOrd="7" destOrd="0" parTransId="{5ED75FA6-36F1-42F8-B116-CBA2992C71B0}" sibTransId="{8C1D8C80-5A31-4190-B363-D12902F268B8}"/>
+    <dgm:cxn modelId="{8249AF89-E4C2-409D-983B-AEDBC8B6742C}" srcId="{7C4505B5-AE40-4E77-A8FF-DE01A8C7B1E1}" destId="{A992ACDC-6740-43E5-A19D-FEB302657CBA}" srcOrd="11" destOrd="0" parTransId="{4C4AA25C-C5A3-4A14-A44D-E1A52B7454D9}" sibTransId="{E61659D0-BDBF-4743-80E9-38164F922E1C}"/>
+    <dgm:cxn modelId="{E5295297-42C3-4C90-997C-FA49B8A6577C}" type="presOf" srcId="{805ACA22-6025-4D74-BFB1-D0835F23152E}" destId="{F4215D72-CEEA-4FFE-9EB8-BAEFEC96D933}" srcOrd="0" destOrd="0" presId="urn:microsoft.com/office/officeart/2005/8/layout/bProcess3"/>
+    <dgm:cxn modelId="{5BBC0BA6-BFE0-4C23-935C-E83C5F2B182F}" type="presOf" srcId="{A2AD26DB-72F1-4E8A-BFBC-B504F4528B9A}" destId="{43DBF843-8C0D-4495-8223-2156EBB3719B}" srcOrd="0" destOrd="0" presId="urn:microsoft.com/office/officeart/2005/8/layout/bProcess3"/>
+    <dgm:cxn modelId="{638DFAAC-82FE-4E21-B070-6E05C4794EF2}" type="presOf" srcId="{0223A074-E9D0-496F-B711-E928A08747C4}" destId="{19C93A6F-2363-4C59-B127-DD9055E4F897}" srcOrd="1" destOrd="0" presId="urn:microsoft.com/office/officeart/2005/8/layout/bProcess3"/>
+    <dgm:cxn modelId="{FCCA9AB0-C3AE-4EFA-99FF-7C6D6C0A063D}" srcId="{7C4505B5-AE40-4E77-A8FF-DE01A8C7B1E1}" destId="{8A928D7C-7325-436E-A743-CFF601871A82}" srcOrd="14" destOrd="0" parTransId="{D007F18F-A739-42D9-8888-0B48E2A8D7AC}" sibTransId="{CE6AD56A-4FEE-4BE6-BA12-9D5B3B0A0D2F}"/>
+    <dgm:cxn modelId="{D61F0CB1-18A8-4B92-A38A-28AAB39A722F}" type="presOf" srcId="{BDB2A42A-4D9D-4FCA-9ABB-8D5E460C0F23}" destId="{A96C3889-60BD-46E0-9543-66E183E41C83}" srcOrd="0" destOrd="0" presId="urn:microsoft.com/office/officeart/2005/8/layout/bProcess3"/>
+    <dgm:cxn modelId="{0CE945B5-564D-4F70-8753-E1AE91208CED}" type="presOf" srcId="{D345323E-36DB-4892-A1F8-72B000E02133}" destId="{0AF4CE5B-5258-44F6-BA45-15C99ED38F98}" srcOrd="0" destOrd="0" presId="urn:microsoft.com/office/officeart/2005/8/layout/bProcess3"/>
+    <dgm:cxn modelId="{25DA1BB7-6146-43AF-9A18-4AC1F18FE7DF}" srcId="{7C4505B5-AE40-4E77-A8FF-DE01A8C7B1E1}" destId="{3E187100-5910-4118-9694-9BE8A5DC39BC}" srcOrd="8" destOrd="0" parTransId="{6C39CC77-659A-48C1-9D70-0409818E6CD8}" sibTransId="{73C5395E-64E4-4360-AC61-9CE38FE60BBD}"/>
+    <dgm:cxn modelId="{EBE9CBB7-F790-4EF9-8743-ECFEA4D70998}" type="presOf" srcId="{F2549049-022F-4C1F-B185-E7A93E5BB44E}" destId="{D5E45D02-EE48-4DAB-9C54-B8EAED906F11}" srcOrd="0" destOrd="0" presId="urn:microsoft.com/office/officeart/2005/8/layout/bProcess3"/>
+    <dgm:cxn modelId="{48DFD7C2-3826-4AA3-982D-336B05781C15}" type="presOf" srcId="{9085C2AA-ABFD-4E02-8155-64A1A3A9A8D5}" destId="{3D9AFF7A-A147-463D-BE04-2864EF541153}" srcOrd="0" destOrd="0" presId="urn:microsoft.com/office/officeart/2005/8/layout/bProcess3"/>
+    <dgm:cxn modelId="{A3C5DEC2-4EFF-4195-987E-9DEF35158B8E}" type="presOf" srcId="{97BAE28E-4384-4BAD-9D6C-891F1526B327}" destId="{90ECF15C-1E38-42EF-9169-F4884592C265}" srcOrd="1" destOrd="0" presId="urn:microsoft.com/office/officeart/2005/8/layout/bProcess3"/>
+    <dgm:cxn modelId="{278D7DC4-2B1C-44AD-BDF2-BAFA9F82AB43}" type="presOf" srcId="{BB3D572D-522A-4B03-A7C7-1F6D3F386A04}" destId="{5C70C081-CD06-4A8A-B03B-8B225047B9A4}" srcOrd="1" destOrd="0" presId="urn:microsoft.com/office/officeart/2005/8/layout/bProcess3"/>
+    <dgm:cxn modelId="{8A509FC8-22A0-415F-9288-1BD4E823C2A1}" type="presOf" srcId="{17C2C780-8C60-4263-8CA3-1F72F30DB96A}" destId="{39D8ABD5-FE0A-4A6D-9D4E-9F02E7C3914A}" srcOrd="0" destOrd="0" presId="urn:microsoft.com/office/officeart/2005/8/layout/bProcess3"/>
+    <dgm:cxn modelId="{430A39C9-6DED-4954-A49A-1526D4122FDD}" type="presOf" srcId="{D71CD31B-7CCB-463E-8EE9-5226D957AF90}" destId="{FC00B39C-655C-4233-90BD-81B35454D660}" srcOrd="0" destOrd="0" presId="urn:microsoft.com/office/officeart/2005/8/layout/bProcess3"/>
+    <dgm:cxn modelId="{0BCACFCB-F800-47CC-BA75-2BC4BC5C7091}" srcId="{7C4505B5-AE40-4E77-A8FF-DE01A8C7B1E1}" destId="{BFEFCC56-515B-40E1-8B19-F5775F4D8000}" srcOrd="1" destOrd="0" parTransId="{C2FE08DA-BDDD-42A8-8C95-13D8E5D8588D}" sibTransId="{D345323E-36DB-4892-A1F8-72B000E02133}"/>
+    <dgm:cxn modelId="{D30BF5CE-1769-44A3-9C73-F7E6E9C0A42D}" type="presOf" srcId="{357D3189-2FB4-4754-90DE-CB3C591CDC2A}" destId="{C8A3E479-4E94-4ECF-B0BA-917165E69C27}" srcOrd="1" destOrd="0" presId="urn:microsoft.com/office/officeart/2005/8/layout/bProcess3"/>
+    <dgm:cxn modelId="{AF855AD2-5C6F-40B0-84A1-30051669C912}" type="presOf" srcId="{CA08DDE2-FEF7-4D20-B0EE-B36562C4AE1E}" destId="{08BFA12B-1C8D-47D1-9828-1432DBEB962F}" srcOrd="0" destOrd="0" presId="urn:microsoft.com/office/officeart/2005/8/layout/bProcess3"/>
+    <dgm:cxn modelId="{4CCC84D6-07E5-4E3C-B6CA-1672ADA0AD8C}" srcId="{7C4505B5-AE40-4E77-A8FF-DE01A8C7B1E1}" destId="{C9023202-359A-4072-A957-AB38D1F41D1D}" srcOrd="12" destOrd="0" parTransId="{7F42F102-C2B8-4AA0-9AFD-F3C796FA045B}" sibTransId="{17C2C780-8C60-4263-8CA3-1F72F30DB96A}"/>
+    <dgm:cxn modelId="{66E584DE-98D9-4B0D-8631-1CDD0DF9451A}" type="presOf" srcId="{97BAE28E-4384-4BAD-9D6C-891F1526B327}" destId="{E68FDF78-45BC-45E4-8496-D215F8FCF261}" srcOrd="0" destOrd="0" presId="urn:microsoft.com/office/officeart/2005/8/layout/bProcess3"/>
+    <dgm:cxn modelId="{C72D00E1-D6CF-4353-AD14-3527C14BA8C0}" type="presOf" srcId="{8C1D8C80-5A31-4190-B363-D12902F268B8}" destId="{20A2B9D5-D0D3-48E7-A4A9-B4C98B81023F}" srcOrd="0" destOrd="0" presId="urn:microsoft.com/office/officeart/2005/8/layout/bProcess3"/>
+    <dgm:cxn modelId="{E5F957E1-B0AD-4F6F-9837-7A11275045AE}" srcId="{7C4505B5-AE40-4E77-A8FF-DE01A8C7B1E1}" destId="{D47DA38F-2EA0-4CDA-9204-CC70D5ED2BDD}" srcOrd="17" destOrd="0" parTransId="{B658E2FE-2E97-45A9-934D-6B99827F1DA1}" sibTransId="{0B8AF01C-26FF-44FB-8ED6-7E7B608B12C7}"/>
+    <dgm:cxn modelId="{70CA51E2-D77B-4B8E-8022-E96FDC2B325E}" type="presOf" srcId="{0B8AF01C-26FF-44FB-8ED6-7E7B608B12C7}" destId="{6700A057-97AB-4C71-B912-8DA2B959760F}" srcOrd="0" destOrd="0" presId="urn:microsoft.com/office/officeart/2005/8/layout/bProcess3"/>
+    <dgm:cxn modelId="{0B514FE5-D127-4A8D-8653-AD2EA65BFA8E}" type="presOf" srcId="{BFEFCC56-515B-40E1-8B19-F5775F4D8000}" destId="{9C62290D-BE55-429D-A5FF-7618DE0682EB}" srcOrd="0" destOrd="0" presId="urn:microsoft.com/office/officeart/2005/8/layout/bProcess3"/>
+    <dgm:cxn modelId="{F250F5E6-13AD-4815-8A0E-72329B82D24E}" type="presOf" srcId="{7C4505B5-AE40-4E77-A8FF-DE01A8C7B1E1}" destId="{9FCFD2FE-BBC7-453B-A8A4-3352D584FDE1}" srcOrd="0" destOrd="0" presId="urn:microsoft.com/office/officeart/2005/8/layout/bProcess3"/>
+    <dgm:cxn modelId="{A4AF37E8-2162-4FF6-B03A-A778FB2F2EE5}" type="presOf" srcId="{73C5395E-64E4-4360-AC61-9CE38FE60BBD}" destId="{81218337-3314-400C-96D8-B8CE7710742E}" srcOrd="1" destOrd="0" presId="urn:microsoft.com/office/officeart/2005/8/layout/bProcess3"/>
+    <dgm:cxn modelId="{8065A8E9-1543-4F6A-A04C-BC280908B5CD}" type="presOf" srcId="{F2549049-022F-4C1F-B185-E7A93E5BB44E}" destId="{3CB9E642-8E6D-4DA2-9B48-D24EDB9E5F95}" srcOrd="1" destOrd="0" presId="urn:microsoft.com/office/officeart/2005/8/layout/bProcess3"/>
+    <dgm:cxn modelId="{7CD3F6E9-17C7-4B9B-AE24-82866E1E97CF}" type="presOf" srcId="{1B1979BF-3248-4C23-AAB1-BC613E8AB4E7}" destId="{06144CC7-F4CF-40EC-B640-DC2957B2C627}" srcOrd="1" destOrd="0" presId="urn:microsoft.com/office/officeart/2005/8/layout/bProcess3"/>
+    <dgm:cxn modelId="{B4F7CAF9-4286-4B3F-97AE-0192EC383646}" type="presOf" srcId="{8C1D8C80-5A31-4190-B363-D12902F268B8}" destId="{0F00F631-5322-4DCD-A0CD-84099C929A3D}" srcOrd="1" destOrd="0" presId="urn:microsoft.com/office/officeart/2005/8/layout/bProcess3"/>
+    <dgm:cxn modelId="{45DAF5F9-270C-484D-838E-73CF389A043A}" type="presOf" srcId="{2F77676C-C658-4D08-B694-09CF117EBBA4}" destId="{4941B5CD-0ECE-4115-9CA7-A05B17C51921}" srcOrd="0" destOrd="0" presId="urn:microsoft.com/office/officeart/2005/8/layout/bProcess3"/>
+    <dgm:cxn modelId="{C0B6E9FE-BBC4-4EFE-8272-C5C9A62863BD}" srcId="{7C4505B5-AE40-4E77-A8FF-DE01A8C7B1E1}" destId="{EFC082F2-DAA3-4F91-8DF0-F64AD4E858E9}" srcOrd="16" destOrd="0" parTransId="{BC623266-10FA-443A-AF80-4A7391092482}" sibTransId="{69F657BF-29AD-47D6-8DE1-323C1BBB45B7}"/>
+    <dgm:cxn modelId="{4CAD1DFF-E13E-408A-90BA-E7FB6306D9D0}" type="presOf" srcId="{3579BEAD-4A2F-4D35-A1E6-80EE62D8C659}" destId="{ACCF4353-2FB7-41BA-BD16-7B33915D2E1F}" srcOrd="0" destOrd="0" presId="urn:microsoft.com/office/officeart/2005/8/layout/bProcess3"/>
+    <dgm:cxn modelId="{A52382CB-7595-4D50-86F1-DEE0E460C3DF}" type="presParOf" srcId="{9FCFD2FE-BBC7-453B-A8A4-3352D584FDE1}" destId="{4941B5CD-0ECE-4115-9CA7-A05B17C51921}" srcOrd="0" destOrd="0" presId="urn:microsoft.com/office/officeart/2005/8/layout/bProcess3"/>
+    <dgm:cxn modelId="{CE078A72-AAB2-46E9-AC33-38436E1D56E0}" type="presParOf" srcId="{9FCFD2FE-BBC7-453B-A8A4-3352D584FDE1}" destId="{43DBF843-8C0D-4495-8223-2156EBB3719B}" srcOrd="1" destOrd="0" presId="urn:microsoft.com/office/officeart/2005/8/layout/bProcess3"/>
+    <dgm:cxn modelId="{231B2606-AC61-4400-884A-AA3C9C462D7E}" type="presParOf" srcId="{43DBF843-8C0D-4495-8223-2156EBB3719B}" destId="{6FB8C09B-CFA6-40DA-B34B-E38D57190D51}" srcOrd="0" destOrd="0" presId="urn:microsoft.com/office/officeart/2005/8/layout/bProcess3"/>
+    <dgm:cxn modelId="{4BCB898E-C77E-4B8D-864E-723F831D822D}" type="presParOf" srcId="{9FCFD2FE-BBC7-453B-A8A4-3352D584FDE1}" destId="{9C62290D-BE55-429D-A5FF-7618DE0682EB}" srcOrd="2" destOrd="0" presId="urn:microsoft.com/office/officeart/2005/8/layout/bProcess3"/>
+    <dgm:cxn modelId="{BA683664-1072-4DDD-B564-4434260BA686}" type="presParOf" srcId="{9FCFD2FE-BBC7-453B-A8A4-3352D584FDE1}" destId="{0AF4CE5B-5258-44F6-BA45-15C99ED38F98}" srcOrd="3" destOrd="0" presId="urn:microsoft.com/office/officeart/2005/8/layout/bProcess3"/>
+    <dgm:cxn modelId="{943B0EF6-F724-4504-BB02-51DCEEC2A06E}" type="presParOf" srcId="{0AF4CE5B-5258-44F6-BA45-15C99ED38F98}" destId="{A7B71CD1-12F2-406D-B3FB-02C82D59BD85}" srcOrd="0" destOrd="0" presId="urn:microsoft.com/office/officeart/2005/8/layout/bProcess3"/>
+    <dgm:cxn modelId="{5F99B6CB-7EF4-4316-AF10-E0B07AFF9933}" type="presParOf" srcId="{9FCFD2FE-BBC7-453B-A8A4-3352D584FDE1}" destId="{DF7E91C3-DD99-4919-A4D8-5DE20CCE3BB5}" srcOrd="4" destOrd="0" presId="urn:microsoft.com/office/officeart/2005/8/layout/bProcess3"/>
+    <dgm:cxn modelId="{6CE181B5-E4F2-45AB-8832-0B6E54E15B7C}" type="presParOf" srcId="{9FCFD2FE-BBC7-453B-A8A4-3352D584FDE1}" destId="{0D96A75C-68A8-4DC2-900E-7FB4519074BD}" srcOrd="5" destOrd="0" presId="urn:microsoft.com/office/officeart/2005/8/layout/bProcess3"/>
+    <dgm:cxn modelId="{C5E60F84-D022-46F5-855E-D82C34D5D5CD}" type="presParOf" srcId="{0D96A75C-68A8-4DC2-900E-7FB4519074BD}" destId="{5C70C081-CD06-4A8A-B03B-8B225047B9A4}" srcOrd="0" destOrd="0" presId="urn:microsoft.com/office/officeart/2005/8/layout/bProcess3"/>
+    <dgm:cxn modelId="{33C5864E-ADC5-433C-A618-57C4F0DE2AFC}" type="presParOf" srcId="{9FCFD2FE-BBC7-453B-A8A4-3352D584FDE1}" destId="{F4215D72-CEEA-4FFE-9EB8-BAEFEC96D933}" srcOrd="6" destOrd="0" presId="urn:microsoft.com/office/officeart/2005/8/layout/bProcess3"/>
+    <dgm:cxn modelId="{AC652FA9-C550-4178-AC68-C5A0E479ADD5}" type="presParOf" srcId="{9FCFD2FE-BBC7-453B-A8A4-3352D584FDE1}" destId="{16CB0B67-D848-4686-AA04-75D48008BE0B}" srcOrd="7" destOrd="0" presId="urn:microsoft.com/office/officeart/2005/8/layout/bProcess3"/>
+    <dgm:cxn modelId="{4FD78FBE-5CD2-4E12-9E43-DDD560C35654}" type="presParOf" srcId="{16CB0B67-D848-4686-AA04-75D48008BE0B}" destId="{8A642D28-249F-4CC0-9598-DE43FEF04853}" srcOrd="0" destOrd="0" presId="urn:microsoft.com/office/officeart/2005/8/layout/bProcess3"/>
+    <dgm:cxn modelId="{C592E896-C2CF-46E1-934D-6275CD6EC960}" type="presParOf" srcId="{9FCFD2FE-BBC7-453B-A8A4-3352D584FDE1}" destId="{ACCF4353-2FB7-41BA-BD16-7B33915D2E1F}" srcOrd="8" destOrd="0" presId="urn:microsoft.com/office/officeart/2005/8/layout/bProcess3"/>
+    <dgm:cxn modelId="{CAF87038-489D-4DBF-A763-049A40DE79A2}" type="presParOf" srcId="{9FCFD2FE-BBC7-453B-A8A4-3352D584FDE1}" destId="{F61E077F-F722-4EDC-AF64-1F364AC3A2A7}" srcOrd="9" destOrd="0" presId="urn:microsoft.com/office/officeart/2005/8/layout/bProcess3"/>
+    <dgm:cxn modelId="{FADA091A-13DA-4584-8406-F930ED007036}" type="presParOf" srcId="{F61E077F-F722-4EDC-AF64-1F364AC3A2A7}" destId="{33860E7C-8070-4185-AB97-0310334AEAB7}" srcOrd="0" destOrd="0" presId="urn:microsoft.com/office/officeart/2005/8/layout/bProcess3"/>
+    <dgm:cxn modelId="{049934F1-AE87-4101-874E-B11DD4513C98}" type="presParOf" srcId="{9FCFD2FE-BBC7-453B-A8A4-3352D584FDE1}" destId="{8B583535-2A41-4C85-9A8D-B1BD4A3A5C7D}" srcOrd="10" destOrd="0" presId="urn:microsoft.com/office/officeart/2005/8/layout/bProcess3"/>
+    <dgm:cxn modelId="{277D0193-59CB-488D-926F-5E90EFAB165C}" type="presParOf" srcId="{9FCFD2FE-BBC7-453B-A8A4-3352D584FDE1}" destId="{A50986C9-FAB7-4640-87B1-E64657323658}" srcOrd="11" destOrd="0" presId="urn:microsoft.com/office/officeart/2005/8/layout/bProcess3"/>
+    <dgm:cxn modelId="{4E0CEA81-569B-46AE-8278-4C58DDBC43FD}" type="presParOf" srcId="{A50986C9-FAB7-4640-87B1-E64657323658}" destId="{06144CC7-F4CF-40EC-B640-DC2957B2C627}" srcOrd="0" destOrd="0" presId="urn:microsoft.com/office/officeart/2005/8/layout/bProcess3"/>
+    <dgm:cxn modelId="{94E3F1C7-182A-4E60-9E4F-2B51FBEBF123}" type="presParOf" srcId="{9FCFD2FE-BBC7-453B-A8A4-3352D584FDE1}" destId="{A96C3889-60BD-46E0-9543-66E183E41C83}" srcOrd="12" destOrd="0" presId="urn:microsoft.com/office/officeart/2005/8/layout/bProcess3"/>
+    <dgm:cxn modelId="{EB230E6F-C09E-44F3-BF0C-0F2FD1A82CA9}" type="presParOf" srcId="{9FCFD2FE-BBC7-453B-A8A4-3352D584FDE1}" destId="{5BC97897-3702-4352-83DD-209449EF48D7}" srcOrd="13" destOrd="0" presId="urn:microsoft.com/office/officeart/2005/8/layout/bProcess3"/>
+    <dgm:cxn modelId="{0428009F-DCA9-48F4-83E1-AF0B7814C5B8}" type="presParOf" srcId="{5BC97897-3702-4352-83DD-209449EF48D7}" destId="{19C93A6F-2363-4C59-B127-DD9055E4F897}" srcOrd="0" destOrd="0" presId="urn:microsoft.com/office/officeart/2005/8/layout/bProcess3"/>
+    <dgm:cxn modelId="{4E6B3775-C490-4A31-AA90-73F7D2DC8D5D}" type="presParOf" srcId="{9FCFD2FE-BBC7-453B-A8A4-3352D584FDE1}" destId="{FC00B39C-655C-4233-90BD-81B35454D660}" srcOrd="14" destOrd="0" presId="urn:microsoft.com/office/officeart/2005/8/layout/bProcess3"/>
+    <dgm:cxn modelId="{997E05E3-49B9-4D64-97DF-AC4E19D6D5B1}" type="presParOf" srcId="{9FCFD2FE-BBC7-453B-A8A4-3352D584FDE1}" destId="{20A2B9D5-D0D3-48E7-A4A9-B4C98B81023F}" srcOrd="15" destOrd="0" presId="urn:microsoft.com/office/officeart/2005/8/layout/bProcess3"/>
+    <dgm:cxn modelId="{7A264A38-7A5A-4506-B717-EA9B84C2C7F3}" type="presParOf" srcId="{20A2B9D5-D0D3-48E7-A4A9-B4C98B81023F}" destId="{0F00F631-5322-4DCD-A0CD-84099C929A3D}" srcOrd="0" destOrd="0" presId="urn:microsoft.com/office/officeart/2005/8/layout/bProcess3"/>
+    <dgm:cxn modelId="{5A028090-AC07-4FAD-ADA5-300CE8420583}" type="presParOf" srcId="{9FCFD2FE-BBC7-453B-A8A4-3352D584FDE1}" destId="{BEB14474-7180-4885-A4C3-232C5564C5B7}" srcOrd="16" destOrd="0" presId="urn:microsoft.com/office/officeart/2005/8/layout/bProcess3"/>
+    <dgm:cxn modelId="{C354BAD6-BD09-4220-B9BC-80DF252BCAB5}" type="presParOf" srcId="{9FCFD2FE-BBC7-453B-A8A4-3352D584FDE1}" destId="{AF9B9B21-4A2D-43CD-BAF5-1CD4E320338F}" srcOrd="17" destOrd="0" presId="urn:microsoft.com/office/officeart/2005/8/layout/bProcess3"/>
+    <dgm:cxn modelId="{AC23C091-D8E8-4AB9-8226-3748CB5ADC1B}" type="presParOf" srcId="{AF9B9B21-4A2D-43CD-BAF5-1CD4E320338F}" destId="{81218337-3314-400C-96D8-B8CE7710742E}" srcOrd="0" destOrd="0" presId="urn:microsoft.com/office/officeart/2005/8/layout/bProcess3"/>
+    <dgm:cxn modelId="{F0B880BC-53EA-4CF9-B27A-9B6F36F6989C}" type="presParOf" srcId="{9FCFD2FE-BBC7-453B-A8A4-3352D584FDE1}" destId="{CCF8E4F4-7B78-4170-A4BB-F59BDCD34F05}" srcOrd="18" destOrd="0" presId="urn:microsoft.com/office/officeart/2005/8/layout/bProcess3"/>
+    <dgm:cxn modelId="{1C82A246-6662-4D42-B3D5-C71E9C9D7244}" type="presParOf" srcId="{9FCFD2FE-BBC7-453B-A8A4-3352D584FDE1}" destId="{D5E45D02-EE48-4DAB-9C54-B8EAED906F11}" srcOrd="19" destOrd="0" presId="urn:microsoft.com/office/officeart/2005/8/layout/bProcess3"/>
+    <dgm:cxn modelId="{12659AA3-8702-4E2B-9EC8-168D11B562C9}" type="presParOf" srcId="{D5E45D02-EE48-4DAB-9C54-B8EAED906F11}" destId="{3CB9E642-8E6D-4DA2-9B48-D24EDB9E5F95}" srcOrd="0" destOrd="0" presId="urn:microsoft.com/office/officeart/2005/8/layout/bProcess3"/>
+    <dgm:cxn modelId="{67C77C93-CA37-47F7-95A3-F43B806474CE}" type="presParOf" srcId="{9FCFD2FE-BBC7-453B-A8A4-3352D584FDE1}" destId="{2BF4593A-278D-4023-A8C3-0FC05EA53563}" srcOrd="20" destOrd="0" presId="urn:microsoft.com/office/officeart/2005/8/layout/bProcess3"/>
+    <dgm:cxn modelId="{CDB84BF0-7AC0-47F0-85BF-7C7D0009D336}" type="presParOf" srcId="{9FCFD2FE-BBC7-453B-A8A4-3352D584FDE1}" destId="{1745B553-F9CB-4083-B56D-8EA02064CEC5}" srcOrd="21" destOrd="0" presId="urn:microsoft.com/office/officeart/2005/8/layout/bProcess3"/>
+    <dgm:cxn modelId="{9EB67A54-B46E-43F0-AB3E-A07866D9818C}" type="presParOf" srcId="{1745B553-F9CB-4083-B56D-8EA02064CEC5}" destId="{7D199305-B7D0-4854-95BC-8C2B8835DA38}" srcOrd="0" destOrd="0" presId="urn:microsoft.com/office/officeart/2005/8/layout/bProcess3"/>
+    <dgm:cxn modelId="{81F23354-7144-49FF-A1E1-BF9F30D3398E}" type="presParOf" srcId="{9FCFD2FE-BBC7-453B-A8A4-3352D584FDE1}" destId="{4AB89C63-0D9B-43E2-88B5-A9192C6FAB8F}" srcOrd="22" destOrd="0" presId="urn:microsoft.com/office/officeart/2005/8/layout/bProcess3"/>
+    <dgm:cxn modelId="{8A4751AD-F07A-4106-88C5-4983F78AA1F5}" type="presParOf" srcId="{9FCFD2FE-BBC7-453B-A8A4-3352D584FDE1}" destId="{65792B1E-27BD-401B-9349-5FF1739388AE}" srcOrd="23" destOrd="0" presId="urn:microsoft.com/office/officeart/2005/8/layout/bProcess3"/>
+    <dgm:cxn modelId="{7FBFBEE4-BFD9-466A-A0D4-E16D5656EA9B}" type="presParOf" srcId="{65792B1E-27BD-401B-9349-5FF1739388AE}" destId="{CF2F0CC9-DFF4-4295-A45C-C6E0D0AE59C3}" srcOrd="0" destOrd="0" presId="urn:microsoft.com/office/officeart/2005/8/layout/bProcess3"/>
+    <dgm:cxn modelId="{421F24ED-A65C-490A-8F58-8B690E1EEFE4}" type="presParOf" srcId="{9FCFD2FE-BBC7-453B-A8A4-3352D584FDE1}" destId="{F158E62D-F3F4-4DC8-8CB5-9D557B6AB530}" srcOrd="24" destOrd="0" presId="urn:microsoft.com/office/officeart/2005/8/layout/bProcess3"/>
+    <dgm:cxn modelId="{01E1B696-A5A7-4E29-BDC7-DE6396E998C2}" type="presParOf" srcId="{9FCFD2FE-BBC7-453B-A8A4-3352D584FDE1}" destId="{39D8ABD5-FE0A-4A6D-9D4E-9F02E7C3914A}" srcOrd="25" destOrd="0" presId="urn:microsoft.com/office/officeart/2005/8/layout/bProcess3"/>
+    <dgm:cxn modelId="{6F188986-7D7C-442E-B994-3CDB0D254534}" type="presParOf" srcId="{39D8ABD5-FE0A-4A6D-9D4E-9F02E7C3914A}" destId="{D7C03FFA-8B14-4DA3-9870-23B28710E3B8}" srcOrd="0" destOrd="0" presId="urn:microsoft.com/office/officeart/2005/8/layout/bProcess3"/>
+    <dgm:cxn modelId="{A706DA6C-4BBD-41CA-A74A-9759D527E4DF}" type="presParOf" srcId="{9FCFD2FE-BBC7-453B-A8A4-3352D584FDE1}" destId="{08BFA12B-1C8D-47D1-9828-1432DBEB962F}" srcOrd="26" destOrd="0" presId="urn:microsoft.com/office/officeart/2005/8/layout/bProcess3"/>
+    <dgm:cxn modelId="{E66E86D4-DE11-441E-A9E5-9B1B6432CDEE}" type="presParOf" srcId="{9FCFD2FE-BBC7-453B-A8A4-3352D584FDE1}" destId="{E68FDF78-45BC-45E4-8496-D215F8FCF261}" srcOrd="27" destOrd="0" presId="urn:microsoft.com/office/officeart/2005/8/layout/bProcess3"/>
+    <dgm:cxn modelId="{25DD9948-EDE6-4644-8A2A-2745F0C3CB2C}" type="presParOf" srcId="{E68FDF78-45BC-45E4-8496-D215F8FCF261}" destId="{90ECF15C-1E38-42EF-9169-F4884592C265}" srcOrd="0" destOrd="0" presId="urn:microsoft.com/office/officeart/2005/8/layout/bProcess3"/>
+    <dgm:cxn modelId="{531139BF-4484-4DD4-855F-62D6B53ECDA6}" type="presParOf" srcId="{9FCFD2FE-BBC7-453B-A8A4-3352D584FDE1}" destId="{2D1AFCAA-9662-4E8F-8D32-3F6B4EF37159}" srcOrd="28" destOrd="0" presId="urn:microsoft.com/office/officeart/2005/8/layout/bProcess3"/>
+    <dgm:cxn modelId="{8B35B889-850B-42D5-9373-87DE55456893}" type="presParOf" srcId="{9FCFD2FE-BBC7-453B-A8A4-3352D584FDE1}" destId="{02450C63-2C52-4EAC-BE76-DE4699207F9F}" srcOrd="29" destOrd="0" presId="urn:microsoft.com/office/officeart/2005/8/layout/bProcess3"/>
+    <dgm:cxn modelId="{1EB1B9D8-6F0C-42E3-BA71-E0A428DC9135}" type="presParOf" srcId="{02450C63-2C52-4EAC-BE76-DE4699207F9F}" destId="{1113822B-8700-4353-A059-033047CB727E}" srcOrd="0" destOrd="0" presId="urn:microsoft.com/office/officeart/2005/8/layout/bProcess3"/>
+    <dgm:cxn modelId="{AE1CD749-FB89-4739-9B59-850C72F659CF}" type="presParOf" srcId="{9FCFD2FE-BBC7-453B-A8A4-3352D584FDE1}" destId="{31AC2D38-15B2-4324-9F29-B363CAC2239C}" srcOrd="30" destOrd="0" presId="urn:microsoft.com/office/officeart/2005/8/layout/bProcess3"/>
+    <dgm:cxn modelId="{BD588F75-BD27-4487-8486-A89CDCB00EFF}" type="presParOf" srcId="{9FCFD2FE-BBC7-453B-A8A4-3352D584FDE1}" destId="{EE9549E0-51E3-4337-93E9-A4808FFFD949}" srcOrd="31" destOrd="0" presId="urn:microsoft.com/office/officeart/2005/8/layout/bProcess3"/>
+    <dgm:cxn modelId="{AAFBBE9F-E8BD-4296-BEA8-75B03C566B49}" type="presParOf" srcId="{EE9549E0-51E3-4337-93E9-A4808FFFD949}" destId="{C8A3E479-4E94-4ECF-B0BA-917165E69C27}" srcOrd="0" destOrd="0" presId="urn:microsoft.com/office/officeart/2005/8/layout/bProcess3"/>
+    <dgm:cxn modelId="{8E8C50D9-7F09-4623-82AA-005B7DD17817}" type="presParOf" srcId="{9FCFD2FE-BBC7-453B-A8A4-3352D584FDE1}" destId="{BC5EB49E-BBCE-4D59-B0F8-A8D6C00019E7}" srcOrd="32" destOrd="0" presId="urn:microsoft.com/office/officeart/2005/8/layout/bProcess3"/>
+    <dgm:cxn modelId="{A9D1EDB4-B048-4817-AC3D-520487A77800}" type="presParOf" srcId="{9FCFD2FE-BBC7-453B-A8A4-3352D584FDE1}" destId="{57C1E574-A60D-4301-A005-8EA18794DFA6}" srcOrd="33" destOrd="0" presId="urn:microsoft.com/office/officeart/2005/8/layout/bProcess3"/>
+    <dgm:cxn modelId="{719D939C-7BA6-4AB1-AADB-84198A885591}" type="presParOf" srcId="{57C1E574-A60D-4301-A005-8EA18794DFA6}" destId="{C081DCBC-905D-4F43-920B-0D79A2326B65}" srcOrd="0" destOrd="0" presId="urn:microsoft.com/office/officeart/2005/8/layout/bProcess3"/>
+    <dgm:cxn modelId="{87F13EF0-5819-4A0C-9AB9-D3A48515A639}" type="presParOf" srcId="{9FCFD2FE-BBC7-453B-A8A4-3352D584FDE1}" destId="{370FD043-73C5-4A4F-B2B3-CBB80CE16F2D}" srcOrd="34" destOrd="0" presId="urn:microsoft.com/office/officeart/2005/8/layout/bProcess3"/>
+    <dgm:cxn modelId="{FCF9B940-37E4-4293-AD9D-3E2E3B05F03A}" type="presParOf" srcId="{9FCFD2FE-BBC7-453B-A8A4-3352D584FDE1}" destId="{6700A057-97AB-4C71-B912-8DA2B959760F}" srcOrd="35" destOrd="0" presId="urn:microsoft.com/office/officeart/2005/8/layout/bProcess3"/>
+    <dgm:cxn modelId="{A8949D2D-2C78-4C3F-820F-2900EDD74664}" type="presParOf" srcId="{6700A057-97AB-4C71-B912-8DA2B959760F}" destId="{D3E637DD-C151-408B-9B15-2132F897F56D}" srcOrd="0" destOrd="0" presId="urn:microsoft.com/office/officeart/2005/8/layout/bProcess3"/>
+    <dgm:cxn modelId="{C767BE2A-BDFA-4B6C-926A-B2CA017F1931}" type="presParOf" srcId="{9FCFD2FE-BBC7-453B-A8A4-3352D584FDE1}" destId="{66D7AD4C-5DB1-485A-960F-C8FBBDD1C6E5}" srcOrd="36" destOrd="0" presId="urn:microsoft.com/office/officeart/2005/8/layout/bProcess3"/>
+    <dgm:cxn modelId="{49D1C67E-2A96-4B99-B1EE-113108A90FDF}" type="presParOf" srcId="{9FCFD2FE-BBC7-453B-A8A4-3352D584FDE1}" destId="{3D9AFF7A-A147-463D-BE04-2864EF541153}" srcOrd="37" destOrd="0" presId="urn:microsoft.com/office/officeart/2005/8/layout/bProcess3"/>
+    <dgm:cxn modelId="{69A1C456-E90E-4773-9DA8-421418FB800C}" type="presParOf" srcId="{3D9AFF7A-A147-463D-BE04-2864EF541153}" destId="{AD0A1C70-1305-4B6C-A88D-088D54D8968C}" srcOrd="0" destOrd="0" presId="urn:microsoft.com/office/officeart/2005/8/layout/bProcess3"/>
+    <dgm:cxn modelId="{C0A1117C-F839-4517-B1A9-0B8EAAD9FBBD}" type="presParOf" srcId="{9FCFD2FE-BBC7-453B-A8A4-3352D584FDE1}" destId="{9469DAAE-52E6-4772-8898-F79A50CBF594}" srcOrd="38" destOrd="0" presId="urn:microsoft.com/office/officeart/2005/8/layout/bProcess3"/>
+  </dgm:cxnLst>
+  <dgm:bg/>
+  <dgm:whole/>
+  <dgm:extLst>
+    <a:ext uri="http://schemas.microsoft.com/office/drawing/2008/diagram">
+      <dsp:dataModelExt xmlns:dsp="http://schemas.microsoft.com/office/drawing/2008/diagram" relId="rId6" minVer="http://schemas.openxmlformats.org/drawingml/2006/diagram"/>
+    </a:ext>
+  </dgm:extLst>
+</dgm:dataModel>
+</file>
+
+<file path=ppt/diagrams/drawing1.xml><?xml version="1.0" encoding="utf-8"?>
+<dsp:drawing xmlns:dgm="http://schemas.openxmlformats.org/drawingml/2006/diagram" xmlns:dsp="http://schemas.microsoft.com/office/drawing/2008/diagram" xmlns:a="http://schemas.openxmlformats.org/drawingml/2006/main">
+  <dsp:spTree>
+    <dsp:nvGrpSpPr>
+      <dsp:cNvPr id="0" name=""/>
+      <dsp:cNvGrpSpPr/>
+    </dsp:nvGrpSpPr>
+    <dsp:grpSpPr/>
+    <dsp:sp modelId="{43DBF843-8C0D-4495-8223-2156EBB3719B}">
+      <dsp:nvSpPr>
+        <dsp:cNvPr id="0" name=""/>
+        <dsp:cNvSpPr/>
+      </dsp:nvSpPr>
+      <dsp:spPr>
+        <a:xfrm>
+          <a:off x="1633303" y="378393"/>
+          <a:ext cx="292980" cy="91440"/>
+        </a:xfrm>
+        <a:custGeom>
+          <a:avLst/>
+          <a:gdLst/>
+          <a:ahLst/>
+          <a:cxnLst/>
+          <a:rect l="0" t="0" r="0" b="0"/>
+          <a:pathLst>
+            <a:path>
+              <a:moveTo>
+                <a:pt x="0" y="45720"/>
+              </a:moveTo>
+              <a:lnTo>
+                <a:pt x="292980" y="45720"/>
+              </a:lnTo>
+            </a:path>
+          </a:pathLst>
+        </a:custGeom>
+        <a:noFill/>
+        <a:ln w="6350" cap="flat" cmpd="sng" algn="ctr">
+          <a:solidFill>
+            <a:schemeClr val="accent1">
+              <a:hueOff val="0"/>
+              <a:satOff val="0"/>
+              <a:lumOff val="0"/>
+              <a:alphaOff val="0"/>
+            </a:schemeClr>
+          </a:solidFill>
+          <a:prstDash val="solid"/>
+          <a:miter lim="800000"/>
+          <a:tailEnd type="arrow"/>
+        </a:ln>
+        <a:effectLst/>
+      </dsp:spPr>
+      <dsp:style>
+        <a:lnRef idx="1">
+          <a:scrgbClr r="0" g="0" b="0"/>
+        </a:lnRef>
+        <a:fillRef idx="0">
+          <a:scrgbClr r="0" g="0" b="0"/>
+        </a:fillRef>
+        <a:effectRef idx="0">
+          <a:scrgbClr r="0" g="0" b="0"/>
+        </a:effectRef>
+        <a:fontRef idx="minor"/>
+      </dsp:style>
+      <dsp:txBody>
+        <a:bodyPr spcFirstLastPara="0" vert="horz" wrap="square" lIns="12700" tIns="0" rIns="12700" bIns="0" numCol="1" spcCol="1270" anchor="ctr" anchorCtr="0">
+          <a:noAutofit/>
+        </a:bodyPr>
+        <a:lstStyle/>
+        <a:p>
+          <a:pPr marL="0" lvl="0" indent="0" algn="ctr" defTabSz="222250">
+            <a:lnSpc>
+              <a:spcPct val="90000"/>
+            </a:lnSpc>
+            <a:spcBef>
+              <a:spcPct val="0"/>
+            </a:spcBef>
+            <a:spcAft>
+              <a:spcPct val="35000"/>
+            </a:spcAft>
+            <a:buNone/>
+          </a:pPr>
+          <a:endParaRPr lang="th-TH" sz="500" kern="1200"/>
+        </a:p>
+      </dsp:txBody>
+      <dsp:txXfrm>
+        <a:off x="1771704" y="422495"/>
+        <a:ext cx="16179" cy="3235"/>
+      </dsp:txXfrm>
+    </dsp:sp>
+    <dsp:sp modelId="{4941B5CD-0ECE-4115-9CA7-A05B17C51921}">
+      <dsp:nvSpPr>
+        <dsp:cNvPr id="0" name=""/>
+        <dsp:cNvSpPr/>
+      </dsp:nvSpPr>
+      <dsp:spPr>
+        <a:xfrm>
+          <a:off x="228231" y="2051"/>
+          <a:ext cx="1406872" cy="844123"/>
+        </a:xfrm>
+        <a:prstGeom prst="rect">
+          <a:avLst/>
+        </a:prstGeom>
+        <a:solidFill>
+          <a:schemeClr val="accent1">
+            <a:hueOff val="0"/>
+            <a:satOff val="0"/>
+            <a:lumOff val="0"/>
+            <a:alphaOff val="0"/>
+          </a:schemeClr>
+        </a:solidFill>
+        <a:ln w="12700" cap="flat" cmpd="sng" algn="ctr">
+          <a:solidFill>
+            <a:schemeClr val="lt1">
+              <a:hueOff val="0"/>
+              <a:satOff val="0"/>
+              <a:lumOff val="0"/>
+              <a:alphaOff val="0"/>
+            </a:schemeClr>
+          </a:solidFill>
+          <a:prstDash val="solid"/>
+          <a:miter lim="800000"/>
+        </a:ln>
+        <a:effectLst/>
+      </dsp:spPr>
+      <dsp:style>
+        <a:lnRef idx="2">
+          <a:scrgbClr r="0" g="0" b="0"/>
+        </a:lnRef>
+        <a:fillRef idx="1">
+          <a:scrgbClr r="0" g="0" b="0"/>
+        </a:fillRef>
+        <a:effectRef idx="0">
+          <a:scrgbClr r="0" g="0" b="0"/>
+        </a:effectRef>
+        <a:fontRef idx="minor">
+          <a:schemeClr val="lt1"/>
+        </a:fontRef>
+      </dsp:style>
+      <dsp:txBody>
+        <a:bodyPr spcFirstLastPara="0" vert="horz" wrap="square" lIns="99568" tIns="99568" rIns="99568" bIns="99568" numCol="1" spcCol="1270" anchor="ctr" anchorCtr="0">
+          <a:noAutofit/>
+        </a:bodyPr>
+        <a:lstStyle/>
+        <a:p>
+          <a:pPr marL="0" lvl="0" indent="0" algn="ctr" defTabSz="622300">
+            <a:lnSpc>
+              <a:spcPct val="90000"/>
+            </a:lnSpc>
+            <a:spcBef>
+              <a:spcPct val="0"/>
+            </a:spcBef>
+            <a:spcAft>
+              <a:spcPct val="35000"/>
+            </a:spcAft>
+            <a:buNone/>
+          </a:pPr>
+          <a:r>
+            <a:rPr lang="en-US" sz="1400" kern="1200" dirty="0"/>
+            <a:t>VN_IN</a:t>
+          </a:r>
+          <a:endParaRPr lang="th-TH" sz="1400" kern="1200" dirty="0"/>
+        </a:p>
+      </dsp:txBody>
+      <dsp:txXfrm>
+        <a:off x="228231" y="2051"/>
+        <a:ext cx="1406872" cy="844123"/>
+      </dsp:txXfrm>
+    </dsp:sp>
+    <dsp:sp modelId="{0AF4CE5B-5258-44F6-BA45-15C99ED38F98}">
+      <dsp:nvSpPr>
+        <dsp:cNvPr id="0" name=""/>
+        <dsp:cNvSpPr/>
+      </dsp:nvSpPr>
+      <dsp:spPr>
+        <a:xfrm>
+          <a:off x="3363756" y="378393"/>
+          <a:ext cx="292980" cy="91440"/>
+        </a:xfrm>
+        <a:custGeom>
+          <a:avLst/>
+          <a:gdLst/>
+          <a:ahLst/>
+          <a:cxnLst/>
+          <a:rect l="0" t="0" r="0" b="0"/>
+          <a:pathLst>
+            <a:path>
+              <a:moveTo>
+                <a:pt x="0" y="45720"/>
+              </a:moveTo>
+              <a:lnTo>
+                <a:pt x="292980" y="45720"/>
+              </a:lnTo>
+            </a:path>
+          </a:pathLst>
+        </a:custGeom>
+        <a:noFill/>
+        <a:ln w="6350" cap="flat" cmpd="sng" algn="ctr">
+          <a:solidFill>
+            <a:schemeClr val="accent1">
+              <a:hueOff val="0"/>
+              <a:satOff val="0"/>
+              <a:lumOff val="0"/>
+              <a:alphaOff val="0"/>
+            </a:schemeClr>
+          </a:solidFill>
+          <a:prstDash val="solid"/>
+          <a:miter lim="800000"/>
+          <a:tailEnd type="arrow"/>
+        </a:ln>
+        <a:effectLst/>
+      </dsp:spPr>
+      <dsp:style>
+        <a:lnRef idx="1">
+          <a:scrgbClr r="0" g="0" b="0"/>
+        </a:lnRef>
+        <a:fillRef idx="0">
+          <a:scrgbClr r="0" g="0" b="0"/>
+        </a:fillRef>
+        <a:effectRef idx="0">
+          <a:scrgbClr r="0" g="0" b="0"/>
+        </a:effectRef>
+        <a:fontRef idx="minor"/>
+      </dsp:style>
+      <dsp:txBody>
+        <a:bodyPr spcFirstLastPara="0" vert="horz" wrap="square" lIns="12700" tIns="0" rIns="12700" bIns="0" numCol="1" spcCol="1270" anchor="ctr" anchorCtr="0">
+          <a:noAutofit/>
+        </a:bodyPr>
+        <a:lstStyle/>
+        <a:p>
+          <a:pPr marL="0" lvl="0" indent="0" algn="ctr" defTabSz="222250">
+            <a:lnSpc>
+              <a:spcPct val="90000"/>
+            </a:lnSpc>
+            <a:spcBef>
+              <a:spcPct val="0"/>
+            </a:spcBef>
+            <a:spcAft>
+              <a:spcPct val="35000"/>
+            </a:spcAft>
+            <a:buNone/>
+          </a:pPr>
+          <a:endParaRPr lang="th-TH" sz="500" kern="1200"/>
+        </a:p>
+      </dsp:txBody>
+      <dsp:txXfrm>
+        <a:off x="3502157" y="422495"/>
+        <a:ext cx="16179" cy="3235"/>
+      </dsp:txXfrm>
+    </dsp:sp>
+    <dsp:sp modelId="{9C62290D-BE55-429D-A5FF-7618DE0682EB}">
+      <dsp:nvSpPr>
+        <dsp:cNvPr id="0" name=""/>
+        <dsp:cNvSpPr/>
+      </dsp:nvSpPr>
+      <dsp:spPr>
+        <a:xfrm>
+          <a:off x="1958684" y="2051"/>
+          <a:ext cx="1406872" cy="844123"/>
+        </a:xfrm>
+        <a:prstGeom prst="rect">
+          <a:avLst/>
+        </a:prstGeom>
+        <a:solidFill>
+          <a:schemeClr val="accent1">
+            <a:hueOff val="0"/>
+            <a:satOff val="0"/>
+            <a:lumOff val="0"/>
+            <a:alphaOff val="0"/>
+          </a:schemeClr>
+        </a:solidFill>
+        <a:ln w="12700" cap="flat" cmpd="sng" algn="ctr">
+          <a:solidFill>
+            <a:schemeClr val="lt1">
+              <a:hueOff val="0"/>
+              <a:satOff val="0"/>
+              <a:lumOff val="0"/>
+              <a:alphaOff val="0"/>
+            </a:schemeClr>
+          </a:solidFill>
+          <a:prstDash val="solid"/>
+          <a:miter lim="800000"/>
+        </a:ln>
+        <a:effectLst/>
+      </dsp:spPr>
+      <dsp:style>
+        <a:lnRef idx="2">
+          <a:scrgbClr r="0" g="0" b="0"/>
+        </a:lnRef>
+        <a:fillRef idx="1">
+          <a:scrgbClr r="0" g="0" b="0"/>
+        </a:fillRef>
+        <a:effectRef idx="0">
+          <a:scrgbClr r="0" g="0" b="0"/>
+        </a:effectRef>
+        <a:fontRef idx="minor">
+          <a:schemeClr val="lt1"/>
+        </a:fontRef>
+      </dsp:style>
+      <dsp:txBody>
+        <a:bodyPr spcFirstLastPara="0" vert="horz" wrap="square" lIns="99568" tIns="99568" rIns="99568" bIns="99568" numCol="1" spcCol="1270" anchor="ctr" anchorCtr="0">
+          <a:noAutofit/>
+        </a:bodyPr>
+        <a:lstStyle/>
+        <a:p>
+          <a:pPr marL="0" lvl="0" indent="0" algn="ctr" defTabSz="622300">
+            <a:lnSpc>
+              <a:spcPct val="90000"/>
+            </a:lnSpc>
+            <a:spcBef>
+              <a:spcPct val="0"/>
+            </a:spcBef>
+            <a:spcAft>
+              <a:spcPct val="35000"/>
+            </a:spcAft>
+            <a:buNone/>
+          </a:pPr>
+          <a:r>
+            <a:rPr lang="en-US" sz="1400" kern="1200" dirty="0"/>
+            <a:t>OPD</a:t>
+          </a:r>
+          <a:endParaRPr lang="th-TH" sz="1400" kern="1200" dirty="0"/>
+        </a:p>
+      </dsp:txBody>
+      <dsp:txXfrm>
+        <a:off x="1958684" y="2051"/>
+        <a:ext cx="1406872" cy="844123"/>
+      </dsp:txXfrm>
+    </dsp:sp>
+    <dsp:sp modelId="{0D96A75C-68A8-4DC2-900E-7FB4519074BD}">
+      <dsp:nvSpPr>
+        <dsp:cNvPr id="0" name=""/>
+        <dsp:cNvSpPr/>
+      </dsp:nvSpPr>
+      <dsp:spPr>
+        <a:xfrm>
+          <a:off x="5094209" y="378393"/>
+          <a:ext cx="292980" cy="91440"/>
+        </a:xfrm>
+        <a:custGeom>
+          <a:avLst/>
+          <a:gdLst/>
+          <a:ahLst/>
+          <a:cxnLst/>
+          <a:rect l="0" t="0" r="0" b="0"/>
+          <a:pathLst>
+            <a:path>
+              <a:moveTo>
+                <a:pt x="0" y="45720"/>
+              </a:moveTo>
+              <a:lnTo>
+                <a:pt x="292980" y="45720"/>
+              </a:lnTo>
+            </a:path>
+          </a:pathLst>
+        </a:custGeom>
+        <a:noFill/>
+        <a:ln w="6350" cap="flat" cmpd="sng" algn="ctr">
+          <a:solidFill>
+            <a:schemeClr val="accent1">
+              <a:hueOff val="0"/>
+              <a:satOff val="0"/>
+              <a:lumOff val="0"/>
+              <a:alphaOff val="0"/>
+            </a:schemeClr>
+          </a:solidFill>
+          <a:prstDash val="solid"/>
+          <a:miter lim="800000"/>
+          <a:tailEnd type="arrow"/>
+        </a:ln>
+        <a:effectLst/>
+      </dsp:spPr>
+      <dsp:style>
+        <a:lnRef idx="1">
+          <a:scrgbClr r="0" g="0" b="0"/>
+        </a:lnRef>
+        <a:fillRef idx="0">
+          <a:scrgbClr r="0" g="0" b="0"/>
+        </a:fillRef>
+        <a:effectRef idx="0">
+          <a:scrgbClr r="0" g="0" b="0"/>
+        </a:effectRef>
+        <a:fontRef idx="minor"/>
+      </dsp:style>
+      <dsp:txBody>
+        <a:bodyPr spcFirstLastPara="0" vert="horz" wrap="square" lIns="12700" tIns="0" rIns="12700" bIns="0" numCol="1" spcCol="1270" anchor="ctr" anchorCtr="0">
+          <a:noAutofit/>
+        </a:bodyPr>
+        <a:lstStyle/>
+        <a:p>
+          <a:pPr marL="0" lvl="0" indent="0" algn="ctr" defTabSz="222250">
+            <a:lnSpc>
+              <a:spcPct val="90000"/>
+            </a:lnSpc>
+            <a:spcBef>
+              <a:spcPct val="0"/>
+            </a:spcBef>
+            <a:spcAft>
+              <a:spcPct val="35000"/>
+            </a:spcAft>
+            <a:buNone/>
+          </a:pPr>
+          <a:endParaRPr lang="th-TH" sz="500" kern="1200"/>
+        </a:p>
+      </dsp:txBody>
+      <dsp:txXfrm>
+        <a:off x="5232610" y="422495"/>
+        <a:ext cx="16179" cy="3235"/>
+      </dsp:txXfrm>
+    </dsp:sp>
+    <dsp:sp modelId="{DF7E91C3-DD99-4919-A4D8-5DE20CCE3BB5}">
+      <dsp:nvSpPr>
+        <dsp:cNvPr id="0" name=""/>
+        <dsp:cNvSpPr/>
+      </dsp:nvSpPr>
+      <dsp:spPr>
+        <a:xfrm>
+          <a:off x="3689137" y="2051"/>
+          <a:ext cx="1406872" cy="844123"/>
+        </a:xfrm>
+        <a:prstGeom prst="rect">
+          <a:avLst/>
+        </a:prstGeom>
+        <a:solidFill>
+          <a:schemeClr val="accent1">
+            <a:hueOff val="0"/>
+            <a:satOff val="0"/>
+            <a:lumOff val="0"/>
+            <a:alphaOff val="0"/>
+          </a:schemeClr>
+        </a:solidFill>
+        <a:ln w="12700" cap="flat" cmpd="sng" algn="ctr">
+          <a:solidFill>
+            <a:schemeClr val="lt1">
+              <a:hueOff val="0"/>
+              <a:satOff val="0"/>
+              <a:lumOff val="0"/>
+              <a:alphaOff val="0"/>
+            </a:schemeClr>
+          </a:solidFill>
+          <a:prstDash val="solid"/>
+          <a:miter lim="800000"/>
+        </a:ln>
+        <a:effectLst/>
+      </dsp:spPr>
+      <dsp:style>
+        <a:lnRef idx="2">
+          <a:scrgbClr r="0" g="0" b="0"/>
+        </a:lnRef>
+        <a:fillRef idx="1">
+          <a:scrgbClr r="0" g="0" b="0"/>
+        </a:fillRef>
+        <a:effectRef idx="0">
+          <a:scrgbClr r="0" g="0" b="0"/>
+        </a:effectRef>
+        <a:fontRef idx="minor">
+          <a:schemeClr val="lt1"/>
+        </a:fontRef>
+      </dsp:style>
+      <dsp:txBody>
+        <a:bodyPr spcFirstLastPara="0" vert="horz" wrap="square" lIns="99568" tIns="99568" rIns="99568" bIns="99568" numCol="1" spcCol="1270" anchor="ctr" anchorCtr="0">
+          <a:noAutofit/>
+        </a:bodyPr>
+        <a:lstStyle/>
+        <a:p>
+          <a:pPr marL="0" lvl="0" indent="0" algn="ctr" defTabSz="622300">
+            <a:lnSpc>
+              <a:spcPct val="90000"/>
+            </a:lnSpc>
+            <a:spcBef>
+              <a:spcPct val="0"/>
+            </a:spcBef>
+            <a:spcAft>
+              <a:spcPct val="35000"/>
+            </a:spcAft>
+            <a:buNone/>
+          </a:pPr>
+          <a:r>
+            <a:rPr lang="en-US" sz="1400" kern="1200" dirty="0"/>
+            <a:t>Laboratory</a:t>
+          </a:r>
+          <a:endParaRPr lang="th-TH" sz="1400" kern="1200" dirty="0"/>
+        </a:p>
+      </dsp:txBody>
+      <dsp:txXfrm>
+        <a:off x="3689137" y="2051"/>
+        <a:ext cx="1406872" cy="844123"/>
+      </dsp:txXfrm>
+    </dsp:sp>
+    <dsp:sp modelId="{16CB0B67-D848-4686-AA04-75D48008BE0B}">
+      <dsp:nvSpPr>
+        <dsp:cNvPr id="0" name=""/>
+        <dsp:cNvSpPr/>
+      </dsp:nvSpPr>
+      <dsp:spPr>
+        <a:xfrm>
+          <a:off x="6824662" y="378393"/>
+          <a:ext cx="292980" cy="91440"/>
+        </a:xfrm>
+        <a:custGeom>
+          <a:avLst/>
+          <a:gdLst/>
+          <a:ahLst/>
+          <a:cxnLst/>
+          <a:rect l="0" t="0" r="0" b="0"/>
+          <a:pathLst>
+            <a:path>
+              <a:moveTo>
+                <a:pt x="0" y="45720"/>
+              </a:moveTo>
+              <a:lnTo>
+                <a:pt x="292980" y="45720"/>
+              </a:lnTo>
+            </a:path>
+          </a:pathLst>
+        </a:custGeom>
+        <a:noFill/>
+        <a:ln w="6350" cap="flat" cmpd="sng" algn="ctr">
+          <a:solidFill>
+            <a:schemeClr val="accent1">
+              <a:hueOff val="0"/>
+              <a:satOff val="0"/>
+              <a:lumOff val="0"/>
+              <a:alphaOff val="0"/>
+            </a:schemeClr>
+          </a:solidFill>
+          <a:prstDash val="solid"/>
+          <a:miter lim="800000"/>
+          <a:tailEnd type="arrow"/>
+        </a:ln>
+        <a:effectLst/>
+      </dsp:spPr>
+      <dsp:style>
+        <a:lnRef idx="1">
+          <a:scrgbClr r="0" g="0" b="0"/>
+        </a:lnRef>
+        <a:fillRef idx="0">
+          <a:scrgbClr r="0" g="0" b="0"/>
+        </a:fillRef>
+        <a:effectRef idx="0">
+          <a:scrgbClr r="0" g="0" b="0"/>
+        </a:effectRef>
+        <a:fontRef idx="minor"/>
+      </dsp:style>
+      <dsp:txBody>
+        <a:bodyPr spcFirstLastPara="0" vert="horz" wrap="square" lIns="12700" tIns="0" rIns="12700" bIns="0" numCol="1" spcCol="1270" anchor="ctr" anchorCtr="0">
+          <a:noAutofit/>
+        </a:bodyPr>
+        <a:lstStyle/>
+        <a:p>
+          <a:pPr marL="0" lvl="0" indent="0" algn="ctr" defTabSz="222250">
+            <a:lnSpc>
+              <a:spcPct val="90000"/>
+            </a:lnSpc>
+            <a:spcBef>
+              <a:spcPct val="0"/>
+            </a:spcBef>
+            <a:spcAft>
+              <a:spcPct val="35000"/>
+            </a:spcAft>
+            <a:buNone/>
+          </a:pPr>
+          <a:endParaRPr lang="th-TH" sz="500" kern="1200"/>
+        </a:p>
+      </dsp:txBody>
+      <dsp:txXfrm>
+        <a:off x="6963063" y="422495"/>
+        <a:ext cx="16179" cy="3235"/>
+      </dsp:txXfrm>
+    </dsp:sp>
+    <dsp:sp modelId="{F4215D72-CEEA-4FFE-9EB8-BAEFEC96D933}">
+      <dsp:nvSpPr>
+        <dsp:cNvPr id="0" name=""/>
+        <dsp:cNvSpPr/>
+      </dsp:nvSpPr>
+      <dsp:spPr>
+        <a:xfrm>
+          <a:off x="5419590" y="2051"/>
+          <a:ext cx="1406872" cy="844123"/>
+        </a:xfrm>
+        <a:prstGeom prst="rect">
+          <a:avLst/>
+        </a:prstGeom>
+        <a:solidFill>
+          <a:schemeClr val="accent1">
+            <a:hueOff val="0"/>
+            <a:satOff val="0"/>
+            <a:lumOff val="0"/>
+            <a:alphaOff val="0"/>
+          </a:schemeClr>
+        </a:solidFill>
+        <a:ln w="12700" cap="flat" cmpd="sng" algn="ctr">
+          <a:solidFill>
+            <a:schemeClr val="lt1">
+              <a:hueOff val="0"/>
+              <a:satOff val="0"/>
+              <a:lumOff val="0"/>
+              <a:alphaOff val="0"/>
+            </a:schemeClr>
+          </a:solidFill>
+          <a:prstDash val="solid"/>
+          <a:miter lim="800000"/>
+        </a:ln>
+        <a:effectLst/>
+      </dsp:spPr>
+      <dsp:style>
+        <a:lnRef idx="2">
+          <a:scrgbClr r="0" g="0" b="0"/>
+        </a:lnRef>
+        <a:fillRef idx="1">
+          <a:scrgbClr r="0" g="0" b="0"/>
+        </a:fillRef>
+        <a:effectRef idx="0">
+          <a:scrgbClr r="0" g="0" b="0"/>
+        </a:effectRef>
+        <a:fontRef idx="minor">
+          <a:schemeClr val="lt1"/>
+        </a:fontRef>
+      </dsp:style>
+      <dsp:txBody>
+        <a:bodyPr spcFirstLastPara="0" vert="horz" wrap="square" lIns="99568" tIns="99568" rIns="99568" bIns="99568" numCol="1" spcCol="1270" anchor="ctr" anchorCtr="0">
+          <a:noAutofit/>
+        </a:bodyPr>
+        <a:lstStyle/>
+        <a:p>
+          <a:pPr marL="0" lvl="0" indent="0" algn="ctr" defTabSz="622300">
+            <a:lnSpc>
+              <a:spcPct val="90000"/>
+            </a:lnSpc>
+            <a:spcBef>
+              <a:spcPct val="0"/>
+            </a:spcBef>
+            <a:spcAft>
+              <a:spcPct val="35000"/>
+            </a:spcAft>
+            <a:buNone/>
+          </a:pPr>
+          <a:r>
+            <a:rPr lang="en-US" sz="1400" kern="1200" dirty="0"/>
+            <a:t>Radiology</a:t>
+          </a:r>
+          <a:endParaRPr lang="th-TH" sz="1400" kern="1200" dirty="0"/>
+        </a:p>
+      </dsp:txBody>
+      <dsp:txXfrm>
+        <a:off x="5419590" y="2051"/>
+        <a:ext cx="1406872" cy="844123"/>
+      </dsp:txXfrm>
+    </dsp:sp>
+    <dsp:sp modelId="{F61E077F-F722-4EDC-AF64-1F364AC3A2A7}">
+      <dsp:nvSpPr>
+        <dsp:cNvPr id="0" name=""/>
+        <dsp:cNvSpPr/>
+      </dsp:nvSpPr>
+      <dsp:spPr>
+        <a:xfrm>
+          <a:off x="8555115" y="378393"/>
+          <a:ext cx="292980" cy="91440"/>
+        </a:xfrm>
+        <a:custGeom>
+          <a:avLst/>
+          <a:gdLst/>
+          <a:ahLst/>
+          <a:cxnLst/>
+          <a:rect l="0" t="0" r="0" b="0"/>
+          <a:pathLst>
+            <a:path>
+              <a:moveTo>
+                <a:pt x="0" y="45720"/>
+              </a:moveTo>
+              <a:lnTo>
+                <a:pt x="292980" y="45720"/>
+              </a:lnTo>
+            </a:path>
+          </a:pathLst>
+        </a:custGeom>
+        <a:noFill/>
+        <a:ln w="6350" cap="flat" cmpd="sng" algn="ctr">
+          <a:solidFill>
+            <a:schemeClr val="accent1">
+              <a:hueOff val="0"/>
+              <a:satOff val="0"/>
+              <a:lumOff val="0"/>
+              <a:alphaOff val="0"/>
+            </a:schemeClr>
+          </a:solidFill>
+          <a:prstDash val="solid"/>
+          <a:miter lim="800000"/>
+          <a:tailEnd type="arrow"/>
+        </a:ln>
+        <a:effectLst/>
+      </dsp:spPr>
+      <dsp:style>
+        <a:lnRef idx="1">
+          <a:scrgbClr r="0" g="0" b="0"/>
+        </a:lnRef>
+        <a:fillRef idx="0">
+          <a:scrgbClr r="0" g="0" b="0"/>
+        </a:fillRef>
+        <a:effectRef idx="0">
+          <a:scrgbClr r="0" g="0" b="0"/>
+        </a:effectRef>
+        <a:fontRef idx="minor"/>
+      </dsp:style>
+      <dsp:txBody>
+        <a:bodyPr spcFirstLastPara="0" vert="horz" wrap="square" lIns="12700" tIns="0" rIns="12700" bIns="0" numCol="1" spcCol="1270" anchor="ctr" anchorCtr="0">
+          <a:noAutofit/>
+        </a:bodyPr>
+        <a:lstStyle/>
+        <a:p>
+          <a:pPr marL="0" lvl="0" indent="0" algn="ctr" defTabSz="222250">
+            <a:lnSpc>
+              <a:spcPct val="90000"/>
+            </a:lnSpc>
+            <a:spcBef>
+              <a:spcPct val="0"/>
+            </a:spcBef>
+            <a:spcAft>
+              <a:spcPct val="35000"/>
+            </a:spcAft>
+            <a:buNone/>
+          </a:pPr>
+          <a:endParaRPr lang="th-TH" sz="500" kern="1200"/>
+        </a:p>
+      </dsp:txBody>
+      <dsp:txXfrm>
+        <a:off x="8693516" y="422495"/>
+        <a:ext cx="16179" cy="3235"/>
+      </dsp:txXfrm>
+    </dsp:sp>
+    <dsp:sp modelId="{ACCF4353-2FB7-41BA-BD16-7B33915D2E1F}">
+      <dsp:nvSpPr>
+        <dsp:cNvPr id="0" name=""/>
+        <dsp:cNvSpPr/>
+      </dsp:nvSpPr>
+      <dsp:spPr>
+        <a:xfrm>
+          <a:off x="7150043" y="2051"/>
+          <a:ext cx="1406872" cy="844123"/>
+        </a:xfrm>
+        <a:prstGeom prst="rect">
+          <a:avLst/>
+        </a:prstGeom>
+        <a:solidFill>
+          <a:schemeClr val="accent1">
+            <a:hueOff val="0"/>
+            <a:satOff val="0"/>
+            <a:lumOff val="0"/>
+            <a:alphaOff val="0"/>
+          </a:schemeClr>
+        </a:solidFill>
+        <a:ln w="12700" cap="flat" cmpd="sng" algn="ctr">
+          <a:solidFill>
+            <a:schemeClr val="lt1">
+              <a:hueOff val="0"/>
+              <a:satOff val="0"/>
+              <a:lumOff val="0"/>
+              <a:alphaOff val="0"/>
+            </a:schemeClr>
+          </a:solidFill>
+          <a:prstDash val="solid"/>
+          <a:miter lim="800000"/>
+        </a:ln>
+        <a:effectLst/>
+      </dsp:spPr>
+      <dsp:style>
+        <a:lnRef idx="2">
+          <a:scrgbClr r="0" g="0" b="0"/>
+        </a:lnRef>
+        <a:fillRef idx="1">
+          <a:scrgbClr r="0" g="0" b="0"/>
+        </a:fillRef>
+        <a:effectRef idx="0">
+          <a:scrgbClr r="0" g="0" b="0"/>
+        </a:effectRef>
+        <a:fontRef idx="minor">
+          <a:schemeClr val="lt1"/>
+        </a:fontRef>
+      </dsp:style>
+      <dsp:txBody>
+        <a:bodyPr spcFirstLastPara="0" vert="horz" wrap="square" lIns="99568" tIns="99568" rIns="99568" bIns="99568" numCol="1" spcCol="1270" anchor="ctr" anchorCtr="0">
+          <a:noAutofit/>
+        </a:bodyPr>
+        <a:lstStyle/>
+        <a:p>
+          <a:pPr marL="0" lvl="0" indent="0" algn="ctr" defTabSz="622300">
+            <a:lnSpc>
+              <a:spcPct val="90000"/>
+            </a:lnSpc>
+            <a:spcBef>
+              <a:spcPct val="0"/>
+            </a:spcBef>
+            <a:spcAft>
+              <a:spcPct val="35000"/>
+            </a:spcAft>
+            <a:buNone/>
+          </a:pPr>
+          <a:r>
+            <a:rPr lang="en-US" sz="1400" kern="1200" dirty="0"/>
+            <a:t>Orthopedics</a:t>
+          </a:r>
+          <a:endParaRPr lang="th-TH" sz="1400" kern="1200" dirty="0"/>
+        </a:p>
+      </dsp:txBody>
+      <dsp:txXfrm>
+        <a:off x="7150043" y="2051"/>
+        <a:ext cx="1406872" cy="844123"/>
+      </dsp:txXfrm>
+    </dsp:sp>
+    <dsp:sp modelId="{A50986C9-FAB7-4640-87B1-E64657323658}">
+      <dsp:nvSpPr>
+        <dsp:cNvPr id="0" name=""/>
+        <dsp:cNvSpPr/>
+      </dsp:nvSpPr>
+      <dsp:spPr>
+        <a:xfrm>
+          <a:off x="931667" y="844374"/>
+          <a:ext cx="8652264" cy="292980"/>
+        </a:xfrm>
+        <a:custGeom>
+          <a:avLst/>
+          <a:gdLst/>
+          <a:ahLst/>
+          <a:cxnLst/>
+          <a:rect l="0" t="0" r="0" b="0"/>
+          <a:pathLst>
+            <a:path>
+              <a:moveTo>
+                <a:pt x="8652264" y="0"/>
+              </a:moveTo>
+              <a:lnTo>
+                <a:pt x="8652264" y="163590"/>
+              </a:lnTo>
+              <a:lnTo>
+                <a:pt x="0" y="163590"/>
+              </a:lnTo>
+              <a:lnTo>
+                <a:pt x="0" y="292980"/>
+              </a:lnTo>
+            </a:path>
+          </a:pathLst>
+        </a:custGeom>
+        <a:noFill/>
+        <a:ln w="6350" cap="flat" cmpd="sng" algn="ctr">
+          <a:solidFill>
+            <a:schemeClr val="accent1">
+              <a:hueOff val="0"/>
+              <a:satOff val="0"/>
+              <a:lumOff val="0"/>
+              <a:alphaOff val="0"/>
+            </a:schemeClr>
+          </a:solidFill>
+          <a:prstDash val="solid"/>
+          <a:miter lim="800000"/>
+          <a:tailEnd type="arrow"/>
+        </a:ln>
+        <a:effectLst/>
+      </dsp:spPr>
+      <dsp:style>
+        <a:lnRef idx="1">
+          <a:scrgbClr r="0" g="0" b="0"/>
+        </a:lnRef>
+        <a:fillRef idx="0">
+          <a:scrgbClr r="0" g="0" b="0"/>
+        </a:fillRef>
+        <a:effectRef idx="0">
+          <a:scrgbClr r="0" g="0" b="0"/>
+        </a:effectRef>
+        <a:fontRef idx="minor"/>
+      </dsp:style>
+      <dsp:txBody>
+        <a:bodyPr spcFirstLastPara="0" vert="horz" wrap="square" lIns="12700" tIns="0" rIns="12700" bIns="0" numCol="1" spcCol="1270" anchor="ctr" anchorCtr="0">
+          <a:noAutofit/>
+        </a:bodyPr>
+        <a:lstStyle/>
+        <a:p>
+          <a:pPr marL="0" lvl="0" indent="0" algn="ctr" defTabSz="222250">
+            <a:lnSpc>
+              <a:spcPct val="90000"/>
+            </a:lnSpc>
+            <a:spcBef>
+              <a:spcPct val="0"/>
+            </a:spcBef>
+            <a:spcAft>
+              <a:spcPct val="35000"/>
+            </a:spcAft>
+            <a:buNone/>
+          </a:pPr>
+          <a:endParaRPr lang="th-TH" sz="500" kern="1200"/>
+        </a:p>
+      </dsp:txBody>
+      <dsp:txXfrm>
+        <a:off x="5041342" y="989247"/>
+        <a:ext cx="432915" cy="3235"/>
+      </dsp:txXfrm>
+    </dsp:sp>
+    <dsp:sp modelId="{8B583535-2A41-4C85-9A8D-B1BD4A3A5C7D}">
+      <dsp:nvSpPr>
+        <dsp:cNvPr id="0" name=""/>
+        <dsp:cNvSpPr/>
+      </dsp:nvSpPr>
+      <dsp:spPr>
+        <a:xfrm>
+          <a:off x="8880496" y="2051"/>
+          <a:ext cx="1406872" cy="844123"/>
+        </a:xfrm>
+        <a:prstGeom prst="rect">
+          <a:avLst/>
+        </a:prstGeom>
+        <a:solidFill>
+          <a:schemeClr val="accent1">
+            <a:hueOff val="0"/>
+            <a:satOff val="0"/>
+            <a:lumOff val="0"/>
+            <a:alphaOff val="0"/>
+          </a:schemeClr>
+        </a:solidFill>
+        <a:ln w="12700" cap="flat" cmpd="sng" algn="ctr">
+          <a:solidFill>
+            <a:schemeClr val="lt1">
+              <a:hueOff val="0"/>
+              <a:satOff val="0"/>
+              <a:lumOff val="0"/>
+              <a:alphaOff val="0"/>
+            </a:schemeClr>
+          </a:solidFill>
+          <a:prstDash val="solid"/>
+          <a:miter lim="800000"/>
+        </a:ln>
+        <a:effectLst/>
+      </dsp:spPr>
+      <dsp:style>
+        <a:lnRef idx="2">
+          <a:scrgbClr r="0" g="0" b="0"/>
+        </a:lnRef>
+        <a:fillRef idx="1">
+          <a:scrgbClr r="0" g="0" b="0"/>
+        </a:fillRef>
+        <a:effectRef idx="0">
+          <a:scrgbClr r="0" g="0" b="0"/>
+        </a:effectRef>
+        <a:fontRef idx="minor">
+          <a:schemeClr val="lt1"/>
+        </a:fontRef>
+      </dsp:style>
+      <dsp:txBody>
+        <a:bodyPr spcFirstLastPara="0" vert="horz" wrap="square" lIns="99568" tIns="99568" rIns="99568" bIns="99568" numCol="1" spcCol="1270" anchor="ctr" anchorCtr="0">
+          <a:noAutofit/>
+        </a:bodyPr>
+        <a:lstStyle/>
+        <a:p>
+          <a:pPr marL="0" lvl="0" indent="0" algn="ctr" defTabSz="622300">
+            <a:lnSpc>
+              <a:spcPct val="90000"/>
+            </a:lnSpc>
+            <a:spcBef>
+              <a:spcPct val="0"/>
+            </a:spcBef>
+            <a:spcAft>
+              <a:spcPct val="35000"/>
+            </a:spcAft>
+            <a:buNone/>
+          </a:pPr>
+          <a:r>
+            <a:rPr lang="en-US" sz="1400" kern="1200" dirty="0"/>
+            <a:t>Dermatology</a:t>
+          </a:r>
+          <a:endParaRPr lang="th-TH" sz="1400" kern="1200" dirty="0"/>
+        </a:p>
+      </dsp:txBody>
+      <dsp:txXfrm>
+        <a:off x="8880496" y="2051"/>
+        <a:ext cx="1406872" cy="844123"/>
+      </dsp:txXfrm>
+    </dsp:sp>
+    <dsp:sp modelId="{5BC97897-3702-4352-83DD-209449EF48D7}">
+      <dsp:nvSpPr>
+        <dsp:cNvPr id="0" name=""/>
+        <dsp:cNvSpPr/>
+      </dsp:nvSpPr>
+      <dsp:spPr>
+        <a:xfrm>
+          <a:off x="1633303" y="1546097"/>
+          <a:ext cx="292980" cy="91440"/>
+        </a:xfrm>
+        <a:custGeom>
+          <a:avLst/>
+          <a:gdLst/>
+          <a:ahLst/>
+          <a:cxnLst/>
+          <a:rect l="0" t="0" r="0" b="0"/>
+          <a:pathLst>
+            <a:path>
+              <a:moveTo>
+                <a:pt x="0" y="45720"/>
+              </a:moveTo>
+              <a:lnTo>
+                <a:pt x="292980" y="45720"/>
+              </a:lnTo>
+            </a:path>
+          </a:pathLst>
+        </a:custGeom>
+        <a:noFill/>
+        <a:ln w="6350" cap="flat" cmpd="sng" algn="ctr">
+          <a:solidFill>
+            <a:schemeClr val="accent1">
+              <a:hueOff val="0"/>
+              <a:satOff val="0"/>
+              <a:lumOff val="0"/>
+              <a:alphaOff val="0"/>
+            </a:schemeClr>
+          </a:solidFill>
+          <a:prstDash val="solid"/>
+          <a:miter lim="800000"/>
+          <a:tailEnd type="arrow"/>
+        </a:ln>
+        <a:effectLst/>
+      </dsp:spPr>
+      <dsp:style>
+        <a:lnRef idx="1">
+          <a:scrgbClr r="0" g="0" b="0"/>
+        </a:lnRef>
+        <a:fillRef idx="0">
+          <a:scrgbClr r="0" g="0" b="0"/>
+        </a:fillRef>
+        <a:effectRef idx="0">
+          <a:scrgbClr r="0" g="0" b="0"/>
+        </a:effectRef>
+        <a:fontRef idx="minor"/>
+      </dsp:style>
+      <dsp:txBody>
+        <a:bodyPr spcFirstLastPara="0" vert="horz" wrap="square" lIns="12700" tIns="0" rIns="12700" bIns="0" numCol="1" spcCol="1270" anchor="ctr" anchorCtr="0">
+          <a:noAutofit/>
+        </a:bodyPr>
+        <a:lstStyle/>
+        <a:p>
+          <a:pPr marL="0" lvl="0" indent="0" algn="ctr" defTabSz="222250">
+            <a:lnSpc>
+              <a:spcPct val="90000"/>
+            </a:lnSpc>
+            <a:spcBef>
+              <a:spcPct val="0"/>
+            </a:spcBef>
+            <a:spcAft>
+              <a:spcPct val="35000"/>
+            </a:spcAft>
+            <a:buNone/>
+          </a:pPr>
+          <a:endParaRPr lang="th-TH" sz="500" kern="1200"/>
+        </a:p>
+      </dsp:txBody>
+      <dsp:txXfrm>
+        <a:off x="1771704" y="1590199"/>
+        <a:ext cx="16179" cy="3235"/>
+      </dsp:txXfrm>
+    </dsp:sp>
+    <dsp:sp modelId="{A96C3889-60BD-46E0-9543-66E183E41C83}">
+      <dsp:nvSpPr>
+        <dsp:cNvPr id="0" name=""/>
+        <dsp:cNvSpPr/>
+      </dsp:nvSpPr>
+      <dsp:spPr>
+        <a:xfrm>
+          <a:off x="228231" y="1169755"/>
+          <a:ext cx="1406872" cy="844123"/>
+        </a:xfrm>
+        <a:prstGeom prst="rect">
+          <a:avLst/>
+        </a:prstGeom>
+        <a:solidFill>
+          <a:schemeClr val="accent1">
+            <a:hueOff val="0"/>
+            <a:satOff val="0"/>
+            <a:lumOff val="0"/>
+            <a:alphaOff val="0"/>
+          </a:schemeClr>
+        </a:solidFill>
+        <a:ln w="12700" cap="flat" cmpd="sng" algn="ctr">
+          <a:solidFill>
+            <a:schemeClr val="lt1">
+              <a:hueOff val="0"/>
+              <a:satOff val="0"/>
+              <a:lumOff val="0"/>
+              <a:alphaOff val="0"/>
+            </a:schemeClr>
+          </a:solidFill>
+          <a:prstDash val="solid"/>
+          <a:miter lim="800000"/>
+        </a:ln>
+        <a:effectLst/>
+      </dsp:spPr>
+      <dsp:style>
+        <a:lnRef idx="2">
+          <a:scrgbClr r="0" g="0" b="0"/>
+        </a:lnRef>
+        <a:fillRef idx="1">
+          <a:scrgbClr r="0" g="0" b="0"/>
+        </a:fillRef>
+        <a:effectRef idx="0">
+          <a:scrgbClr r="0" g="0" b="0"/>
+        </a:effectRef>
+        <a:fontRef idx="minor">
+          <a:schemeClr val="lt1"/>
+        </a:fontRef>
+      </dsp:style>
+      <dsp:txBody>
+        <a:bodyPr spcFirstLastPara="0" vert="horz" wrap="square" lIns="99568" tIns="99568" rIns="99568" bIns="99568" numCol="1" spcCol="1270" anchor="ctr" anchorCtr="0">
+          <a:noAutofit/>
+        </a:bodyPr>
+        <a:lstStyle/>
+        <a:p>
+          <a:pPr marL="0" lvl="0" indent="0" algn="ctr" defTabSz="622300">
+            <a:lnSpc>
+              <a:spcPct val="90000"/>
+            </a:lnSpc>
+            <a:spcBef>
+              <a:spcPct val="0"/>
+            </a:spcBef>
+            <a:spcAft>
+              <a:spcPct val="35000"/>
+            </a:spcAft>
+            <a:buNone/>
+          </a:pPr>
+          <a:r>
+            <a:rPr lang="en-US" sz="1400" kern="1200" dirty="0"/>
+            <a:t>Neurology</a:t>
+          </a:r>
+          <a:endParaRPr lang="th-TH" sz="1400" kern="1200" dirty="0"/>
+        </a:p>
+      </dsp:txBody>
+      <dsp:txXfrm>
+        <a:off x="228231" y="1169755"/>
+        <a:ext cx="1406872" cy="844123"/>
+      </dsp:txXfrm>
+    </dsp:sp>
+    <dsp:sp modelId="{20A2B9D5-D0D3-48E7-A4A9-B4C98B81023F}">
+      <dsp:nvSpPr>
+        <dsp:cNvPr id="0" name=""/>
+        <dsp:cNvSpPr/>
+      </dsp:nvSpPr>
+      <dsp:spPr>
+        <a:xfrm>
+          <a:off x="3363756" y="1546097"/>
+          <a:ext cx="292980" cy="91440"/>
+        </a:xfrm>
+        <a:custGeom>
+          <a:avLst/>
+          <a:gdLst/>
+          <a:ahLst/>
+          <a:cxnLst/>
+          <a:rect l="0" t="0" r="0" b="0"/>
+          <a:pathLst>
+            <a:path>
+              <a:moveTo>
+                <a:pt x="0" y="45720"/>
+              </a:moveTo>
+              <a:lnTo>
+                <a:pt x="292980" y="45720"/>
+              </a:lnTo>
+            </a:path>
+          </a:pathLst>
+        </a:custGeom>
+        <a:noFill/>
+        <a:ln w="6350" cap="flat" cmpd="sng" algn="ctr">
+          <a:solidFill>
+            <a:schemeClr val="accent1">
+              <a:hueOff val="0"/>
+              <a:satOff val="0"/>
+              <a:lumOff val="0"/>
+              <a:alphaOff val="0"/>
+            </a:schemeClr>
+          </a:solidFill>
+          <a:prstDash val="solid"/>
+          <a:miter lim="800000"/>
+          <a:tailEnd type="arrow"/>
+        </a:ln>
+        <a:effectLst/>
+      </dsp:spPr>
+      <dsp:style>
+        <a:lnRef idx="1">
+          <a:scrgbClr r="0" g="0" b="0"/>
+        </a:lnRef>
+        <a:fillRef idx="0">
+          <a:scrgbClr r="0" g="0" b="0"/>
+        </a:fillRef>
+        <a:effectRef idx="0">
+          <a:scrgbClr r="0" g="0" b="0"/>
+        </a:effectRef>
+        <a:fontRef idx="minor"/>
+      </dsp:style>
+      <dsp:txBody>
+        <a:bodyPr spcFirstLastPara="0" vert="horz" wrap="square" lIns="12700" tIns="0" rIns="12700" bIns="0" numCol="1" spcCol="1270" anchor="ctr" anchorCtr="0">
+          <a:noAutofit/>
+        </a:bodyPr>
+        <a:lstStyle/>
+        <a:p>
+          <a:pPr marL="0" lvl="0" indent="0" algn="ctr" defTabSz="222250">
+            <a:lnSpc>
+              <a:spcPct val="90000"/>
+            </a:lnSpc>
+            <a:spcBef>
+              <a:spcPct val="0"/>
+            </a:spcBef>
+            <a:spcAft>
+              <a:spcPct val="35000"/>
+            </a:spcAft>
+            <a:buNone/>
+          </a:pPr>
+          <a:endParaRPr lang="th-TH" sz="500" kern="1200"/>
+        </a:p>
+      </dsp:txBody>
+      <dsp:txXfrm>
+        <a:off x="3502157" y="1590199"/>
+        <a:ext cx="16179" cy="3235"/>
+      </dsp:txXfrm>
+    </dsp:sp>
+    <dsp:sp modelId="{FC00B39C-655C-4233-90BD-81B35454D660}">
+      <dsp:nvSpPr>
+        <dsp:cNvPr id="0" name=""/>
+        <dsp:cNvSpPr/>
+      </dsp:nvSpPr>
+      <dsp:spPr>
+        <a:xfrm>
+          <a:off x="1958684" y="1169755"/>
+          <a:ext cx="1406872" cy="844123"/>
+        </a:xfrm>
+        <a:prstGeom prst="rect">
+          <a:avLst/>
+        </a:prstGeom>
+        <a:solidFill>
+          <a:schemeClr val="accent1">
+            <a:hueOff val="0"/>
+            <a:satOff val="0"/>
+            <a:lumOff val="0"/>
+            <a:alphaOff val="0"/>
+          </a:schemeClr>
+        </a:solidFill>
+        <a:ln w="12700" cap="flat" cmpd="sng" algn="ctr">
+          <a:solidFill>
+            <a:schemeClr val="lt1">
+              <a:hueOff val="0"/>
+              <a:satOff val="0"/>
+              <a:lumOff val="0"/>
+              <a:alphaOff val="0"/>
+            </a:schemeClr>
+          </a:solidFill>
+          <a:prstDash val="solid"/>
+          <a:miter lim="800000"/>
+        </a:ln>
+        <a:effectLst/>
+      </dsp:spPr>
+      <dsp:style>
+        <a:lnRef idx="2">
+          <a:scrgbClr r="0" g="0" b="0"/>
+        </a:lnRef>
+        <a:fillRef idx="1">
+          <a:scrgbClr r="0" g="0" b="0"/>
+        </a:fillRef>
+        <a:effectRef idx="0">
+          <a:scrgbClr r="0" g="0" b="0"/>
+        </a:effectRef>
+        <a:fontRef idx="minor">
+          <a:schemeClr val="lt1"/>
+        </a:fontRef>
+      </dsp:style>
+      <dsp:txBody>
+        <a:bodyPr spcFirstLastPara="0" vert="horz" wrap="square" lIns="99568" tIns="99568" rIns="99568" bIns="99568" numCol="1" spcCol="1270" anchor="ctr" anchorCtr="0">
+          <a:noAutofit/>
+        </a:bodyPr>
+        <a:lstStyle/>
+        <a:p>
+          <a:pPr marL="0" lvl="0" indent="0" algn="ctr" defTabSz="622300">
+            <a:lnSpc>
+              <a:spcPct val="90000"/>
+            </a:lnSpc>
+            <a:spcBef>
+              <a:spcPct val="0"/>
+            </a:spcBef>
+            <a:spcAft>
+              <a:spcPct val="35000"/>
+            </a:spcAft>
+            <a:buNone/>
+          </a:pPr>
+          <a:r>
+            <a:rPr lang="en-US" sz="1400" kern="1200" dirty="0"/>
+            <a:t>Dental</a:t>
+          </a:r>
+          <a:endParaRPr lang="th-TH" sz="1400" kern="1200" dirty="0"/>
+        </a:p>
+      </dsp:txBody>
+      <dsp:txXfrm>
+        <a:off x="1958684" y="1169755"/>
+        <a:ext cx="1406872" cy="844123"/>
+      </dsp:txXfrm>
+    </dsp:sp>
+    <dsp:sp modelId="{AF9B9B21-4A2D-43CD-BAF5-1CD4E320338F}">
+      <dsp:nvSpPr>
+        <dsp:cNvPr id="0" name=""/>
+        <dsp:cNvSpPr/>
+      </dsp:nvSpPr>
+      <dsp:spPr>
+        <a:xfrm>
+          <a:off x="5094209" y="1546097"/>
+          <a:ext cx="292980" cy="91440"/>
+        </a:xfrm>
+        <a:custGeom>
+          <a:avLst/>
+          <a:gdLst/>
+          <a:ahLst/>
+          <a:cxnLst/>
+          <a:rect l="0" t="0" r="0" b="0"/>
+          <a:pathLst>
+            <a:path>
+              <a:moveTo>
+                <a:pt x="0" y="45720"/>
+              </a:moveTo>
+              <a:lnTo>
+                <a:pt x="292980" y="45720"/>
+              </a:lnTo>
+            </a:path>
+          </a:pathLst>
+        </a:custGeom>
+        <a:noFill/>
+        <a:ln w="6350" cap="flat" cmpd="sng" algn="ctr">
+          <a:solidFill>
+            <a:schemeClr val="accent1">
+              <a:hueOff val="0"/>
+              <a:satOff val="0"/>
+              <a:lumOff val="0"/>
+              <a:alphaOff val="0"/>
+            </a:schemeClr>
+          </a:solidFill>
+          <a:prstDash val="solid"/>
+          <a:miter lim="800000"/>
+          <a:tailEnd type="arrow"/>
+        </a:ln>
+        <a:effectLst/>
+      </dsp:spPr>
+      <dsp:style>
+        <a:lnRef idx="1">
+          <a:scrgbClr r="0" g="0" b="0"/>
+        </a:lnRef>
+        <a:fillRef idx="0">
+          <a:scrgbClr r="0" g="0" b="0"/>
+        </a:fillRef>
+        <a:effectRef idx="0">
+          <a:scrgbClr r="0" g="0" b="0"/>
+        </a:effectRef>
+        <a:fontRef idx="minor"/>
+      </dsp:style>
+      <dsp:txBody>
+        <a:bodyPr spcFirstLastPara="0" vert="horz" wrap="square" lIns="12700" tIns="0" rIns="12700" bIns="0" numCol="1" spcCol="1270" anchor="ctr" anchorCtr="0">
+          <a:noAutofit/>
+        </a:bodyPr>
+        <a:lstStyle/>
+        <a:p>
+          <a:pPr marL="0" lvl="0" indent="0" algn="ctr" defTabSz="222250">
+            <a:lnSpc>
+              <a:spcPct val="90000"/>
+            </a:lnSpc>
+            <a:spcBef>
+              <a:spcPct val="0"/>
+            </a:spcBef>
+            <a:spcAft>
+              <a:spcPct val="35000"/>
+            </a:spcAft>
+            <a:buNone/>
+          </a:pPr>
+          <a:endParaRPr lang="th-TH" sz="500" kern="1200"/>
+        </a:p>
+      </dsp:txBody>
+      <dsp:txXfrm>
+        <a:off x="5232610" y="1590199"/>
+        <a:ext cx="16179" cy="3235"/>
+      </dsp:txXfrm>
+    </dsp:sp>
+    <dsp:sp modelId="{BEB14474-7180-4885-A4C3-232C5564C5B7}">
+      <dsp:nvSpPr>
+        <dsp:cNvPr id="0" name=""/>
+        <dsp:cNvSpPr/>
+      </dsp:nvSpPr>
+      <dsp:spPr>
+        <a:xfrm>
+          <a:off x="3689137" y="1169755"/>
+          <a:ext cx="1406872" cy="844123"/>
+        </a:xfrm>
+        <a:prstGeom prst="rect">
+          <a:avLst/>
+        </a:prstGeom>
+        <a:solidFill>
+          <a:schemeClr val="accent1">
+            <a:hueOff val="0"/>
+            <a:satOff val="0"/>
+            <a:lumOff val="0"/>
+            <a:alphaOff val="0"/>
+          </a:schemeClr>
+        </a:solidFill>
+        <a:ln w="12700" cap="flat" cmpd="sng" algn="ctr">
+          <a:solidFill>
+            <a:schemeClr val="lt1">
+              <a:hueOff val="0"/>
+              <a:satOff val="0"/>
+              <a:lumOff val="0"/>
+              <a:alphaOff val="0"/>
+            </a:schemeClr>
+          </a:solidFill>
+          <a:prstDash val="solid"/>
+          <a:miter lim="800000"/>
+        </a:ln>
+        <a:effectLst/>
+      </dsp:spPr>
+      <dsp:style>
+        <a:lnRef idx="2">
+          <a:scrgbClr r="0" g="0" b="0"/>
+        </a:lnRef>
+        <a:fillRef idx="1">
+          <a:scrgbClr r="0" g="0" b="0"/>
+        </a:fillRef>
+        <a:effectRef idx="0">
+          <a:scrgbClr r="0" g="0" b="0"/>
+        </a:effectRef>
+        <a:fontRef idx="minor">
+          <a:schemeClr val="lt1"/>
+        </a:fontRef>
+      </dsp:style>
+      <dsp:txBody>
+        <a:bodyPr spcFirstLastPara="0" vert="horz" wrap="square" lIns="99568" tIns="99568" rIns="99568" bIns="99568" numCol="1" spcCol="1270" anchor="ctr" anchorCtr="0">
+          <a:noAutofit/>
+        </a:bodyPr>
+        <a:lstStyle/>
+        <a:p>
+          <a:pPr marL="0" lvl="0" indent="0" algn="ctr" defTabSz="622300">
+            <a:lnSpc>
+              <a:spcPct val="90000"/>
+            </a:lnSpc>
+            <a:spcBef>
+              <a:spcPct val="0"/>
+            </a:spcBef>
+            <a:spcAft>
+              <a:spcPct val="35000"/>
+            </a:spcAft>
+            <a:buNone/>
+          </a:pPr>
+          <a:r>
+            <a:rPr lang="en-US" sz="1400" kern="1200" dirty="0"/>
+            <a:t>Ophthalmology</a:t>
+          </a:r>
+          <a:endParaRPr lang="th-TH" sz="1400" kern="1200" dirty="0"/>
+        </a:p>
+      </dsp:txBody>
+      <dsp:txXfrm>
+        <a:off x="3689137" y="1169755"/>
+        <a:ext cx="1406872" cy="844123"/>
+      </dsp:txXfrm>
+    </dsp:sp>
+    <dsp:sp modelId="{D5E45D02-EE48-4DAB-9C54-B8EAED906F11}">
+      <dsp:nvSpPr>
+        <dsp:cNvPr id="0" name=""/>
+        <dsp:cNvSpPr/>
+      </dsp:nvSpPr>
+      <dsp:spPr>
+        <a:xfrm>
+          <a:off x="6824662" y="1546097"/>
+          <a:ext cx="292980" cy="91440"/>
+        </a:xfrm>
+        <a:custGeom>
+          <a:avLst/>
+          <a:gdLst/>
+          <a:ahLst/>
+          <a:cxnLst/>
+          <a:rect l="0" t="0" r="0" b="0"/>
+          <a:pathLst>
+            <a:path>
+              <a:moveTo>
+                <a:pt x="0" y="45720"/>
+              </a:moveTo>
+              <a:lnTo>
+                <a:pt x="292980" y="45720"/>
+              </a:lnTo>
+            </a:path>
+          </a:pathLst>
+        </a:custGeom>
+        <a:noFill/>
+        <a:ln w="6350" cap="flat" cmpd="sng" algn="ctr">
+          <a:solidFill>
+            <a:schemeClr val="accent1">
+              <a:hueOff val="0"/>
+              <a:satOff val="0"/>
+              <a:lumOff val="0"/>
+              <a:alphaOff val="0"/>
+            </a:schemeClr>
+          </a:solidFill>
+          <a:prstDash val="solid"/>
+          <a:miter lim="800000"/>
+          <a:tailEnd type="arrow"/>
+        </a:ln>
+        <a:effectLst/>
+      </dsp:spPr>
+      <dsp:style>
+        <a:lnRef idx="1">
+          <a:scrgbClr r="0" g="0" b="0"/>
+        </a:lnRef>
+        <a:fillRef idx="0">
+          <a:scrgbClr r="0" g="0" b="0"/>
+        </a:fillRef>
+        <a:effectRef idx="0">
+          <a:scrgbClr r="0" g="0" b="0"/>
+        </a:effectRef>
+        <a:fontRef idx="minor"/>
+      </dsp:style>
+      <dsp:txBody>
+        <a:bodyPr spcFirstLastPara="0" vert="horz" wrap="square" lIns="12700" tIns="0" rIns="12700" bIns="0" numCol="1" spcCol="1270" anchor="ctr" anchorCtr="0">
+          <a:noAutofit/>
+        </a:bodyPr>
+        <a:lstStyle/>
+        <a:p>
+          <a:pPr marL="0" lvl="0" indent="0" algn="ctr" defTabSz="222250">
+            <a:lnSpc>
+              <a:spcPct val="90000"/>
+            </a:lnSpc>
+            <a:spcBef>
+              <a:spcPct val="0"/>
+            </a:spcBef>
+            <a:spcAft>
+              <a:spcPct val="35000"/>
+            </a:spcAft>
+            <a:buNone/>
+          </a:pPr>
+          <a:endParaRPr lang="th-TH" sz="500" kern="1200"/>
+        </a:p>
+      </dsp:txBody>
+      <dsp:txXfrm>
+        <a:off x="6963063" y="1590199"/>
+        <a:ext cx="16179" cy="3235"/>
+      </dsp:txXfrm>
+    </dsp:sp>
+    <dsp:sp modelId="{CCF8E4F4-7B78-4170-A4BB-F59BDCD34F05}">
+      <dsp:nvSpPr>
+        <dsp:cNvPr id="0" name=""/>
+        <dsp:cNvSpPr/>
+      </dsp:nvSpPr>
+      <dsp:spPr>
+        <a:xfrm>
+          <a:off x="5419590" y="1169755"/>
+          <a:ext cx="1406872" cy="844123"/>
+        </a:xfrm>
+        <a:prstGeom prst="rect">
+          <a:avLst/>
+        </a:prstGeom>
+        <a:solidFill>
+          <a:schemeClr val="accent1">
+            <a:hueOff val="0"/>
+            <a:satOff val="0"/>
+            <a:lumOff val="0"/>
+            <a:alphaOff val="0"/>
+          </a:schemeClr>
+        </a:solidFill>
+        <a:ln w="12700" cap="flat" cmpd="sng" algn="ctr">
+          <a:solidFill>
+            <a:schemeClr val="lt1">
+              <a:hueOff val="0"/>
+              <a:satOff val="0"/>
+              <a:lumOff val="0"/>
+              <a:alphaOff val="0"/>
+            </a:schemeClr>
+          </a:solidFill>
+          <a:prstDash val="solid"/>
+          <a:miter lim="800000"/>
+        </a:ln>
+        <a:effectLst/>
+      </dsp:spPr>
+      <dsp:style>
+        <a:lnRef idx="2">
+          <a:scrgbClr r="0" g="0" b="0"/>
+        </a:lnRef>
+        <a:fillRef idx="1">
+          <a:scrgbClr r="0" g="0" b="0"/>
+        </a:fillRef>
+        <a:effectRef idx="0">
+          <a:scrgbClr r="0" g="0" b="0"/>
+        </a:effectRef>
+        <a:fontRef idx="minor">
+          <a:schemeClr val="lt1"/>
+        </a:fontRef>
+      </dsp:style>
+      <dsp:txBody>
+        <a:bodyPr spcFirstLastPara="0" vert="horz" wrap="square" lIns="99568" tIns="99568" rIns="99568" bIns="99568" numCol="1" spcCol="1270" anchor="ctr" anchorCtr="0">
+          <a:noAutofit/>
+        </a:bodyPr>
+        <a:lstStyle/>
+        <a:p>
+          <a:pPr marL="0" lvl="0" indent="0" algn="ctr" defTabSz="622300">
+            <a:lnSpc>
+              <a:spcPct val="90000"/>
+            </a:lnSpc>
+            <a:spcBef>
+              <a:spcPct val="0"/>
+            </a:spcBef>
+            <a:spcAft>
+              <a:spcPct val="35000"/>
+            </a:spcAft>
+            <a:buNone/>
+          </a:pPr>
+          <a:r>
+            <a:rPr lang="en-US" sz="1400" kern="1200" dirty="0"/>
+            <a:t>Otolaryngology</a:t>
+          </a:r>
+          <a:endParaRPr lang="th-TH" sz="1400" kern="1200" dirty="0"/>
+        </a:p>
+      </dsp:txBody>
+      <dsp:txXfrm>
+        <a:off x="5419590" y="1169755"/>
+        <a:ext cx="1406872" cy="844123"/>
+      </dsp:txXfrm>
+    </dsp:sp>
+    <dsp:sp modelId="{1745B553-F9CB-4083-B56D-8EA02064CEC5}">
+      <dsp:nvSpPr>
+        <dsp:cNvPr id="0" name=""/>
+        <dsp:cNvSpPr/>
+      </dsp:nvSpPr>
+      <dsp:spPr>
+        <a:xfrm>
+          <a:off x="8555115" y="1546097"/>
+          <a:ext cx="292980" cy="91440"/>
+        </a:xfrm>
+        <a:custGeom>
+          <a:avLst/>
+          <a:gdLst/>
+          <a:ahLst/>
+          <a:cxnLst/>
+          <a:rect l="0" t="0" r="0" b="0"/>
+          <a:pathLst>
+            <a:path>
+              <a:moveTo>
+                <a:pt x="0" y="45720"/>
+              </a:moveTo>
+              <a:lnTo>
+                <a:pt x="292980" y="45720"/>
+              </a:lnTo>
+            </a:path>
+          </a:pathLst>
+        </a:custGeom>
+        <a:noFill/>
+        <a:ln w="6350" cap="flat" cmpd="sng" algn="ctr">
+          <a:solidFill>
+            <a:schemeClr val="accent1">
+              <a:hueOff val="0"/>
+              <a:satOff val="0"/>
+              <a:lumOff val="0"/>
+              <a:alphaOff val="0"/>
+            </a:schemeClr>
+          </a:solidFill>
+          <a:prstDash val="solid"/>
+          <a:miter lim="800000"/>
+          <a:tailEnd type="arrow"/>
+        </a:ln>
+        <a:effectLst/>
+      </dsp:spPr>
+      <dsp:style>
+        <a:lnRef idx="1">
+          <a:scrgbClr r="0" g="0" b="0"/>
+        </a:lnRef>
+        <a:fillRef idx="0">
+          <a:scrgbClr r="0" g="0" b="0"/>
+        </a:fillRef>
+        <a:effectRef idx="0">
+          <a:scrgbClr r="0" g="0" b="0"/>
+        </a:effectRef>
+        <a:fontRef idx="minor"/>
+      </dsp:style>
+      <dsp:txBody>
+        <a:bodyPr spcFirstLastPara="0" vert="horz" wrap="square" lIns="12700" tIns="0" rIns="12700" bIns="0" numCol="1" spcCol="1270" anchor="ctr" anchorCtr="0">
+          <a:noAutofit/>
+        </a:bodyPr>
+        <a:lstStyle/>
+        <a:p>
+          <a:pPr marL="0" lvl="0" indent="0" algn="ctr" defTabSz="222250">
+            <a:lnSpc>
+              <a:spcPct val="90000"/>
+            </a:lnSpc>
+            <a:spcBef>
+              <a:spcPct val="0"/>
+            </a:spcBef>
+            <a:spcAft>
+              <a:spcPct val="35000"/>
+            </a:spcAft>
+            <a:buNone/>
+          </a:pPr>
+          <a:endParaRPr lang="th-TH" sz="500" kern="1200"/>
+        </a:p>
+      </dsp:txBody>
+      <dsp:txXfrm>
+        <a:off x="8693516" y="1590199"/>
+        <a:ext cx="16179" cy="3235"/>
+      </dsp:txXfrm>
+    </dsp:sp>
+    <dsp:sp modelId="{2BF4593A-278D-4023-A8C3-0FC05EA53563}">
+      <dsp:nvSpPr>
+        <dsp:cNvPr id="0" name=""/>
+        <dsp:cNvSpPr/>
+      </dsp:nvSpPr>
+      <dsp:spPr>
+        <a:xfrm>
+          <a:off x="7150043" y="1169755"/>
+          <a:ext cx="1406872" cy="844123"/>
+        </a:xfrm>
+        <a:prstGeom prst="rect">
+          <a:avLst/>
+        </a:prstGeom>
+        <a:solidFill>
+          <a:schemeClr val="accent1">
+            <a:hueOff val="0"/>
+            <a:satOff val="0"/>
+            <a:lumOff val="0"/>
+            <a:alphaOff val="0"/>
+          </a:schemeClr>
+        </a:solidFill>
+        <a:ln w="12700" cap="flat" cmpd="sng" algn="ctr">
+          <a:solidFill>
+            <a:schemeClr val="lt1">
+              <a:hueOff val="0"/>
+              <a:satOff val="0"/>
+              <a:lumOff val="0"/>
+              <a:alphaOff val="0"/>
+            </a:schemeClr>
+          </a:solidFill>
+          <a:prstDash val="solid"/>
+          <a:miter lim="800000"/>
+        </a:ln>
+        <a:effectLst/>
+      </dsp:spPr>
+      <dsp:style>
+        <a:lnRef idx="2">
+          <a:scrgbClr r="0" g="0" b="0"/>
+        </a:lnRef>
+        <a:fillRef idx="1">
+          <a:scrgbClr r="0" g="0" b="0"/>
+        </a:fillRef>
+        <a:effectRef idx="0">
+          <a:scrgbClr r="0" g="0" b="0"/>
+        </a:effectRef>
+        <a:fontRef idx="minor">
+          <a:schemeClr val="lt1"/>
+        </a:fontRef>
+      </dsp:style>
+      <dsp:txBody>
+        <a:bodyPr spcFirstLastPara="0" vert="horz" wrap="square" lIns="99568" tIns="99568" rIns="99568" bIns="99568" numCol="1" spcCol="1270" anchor="ctr" anchorCtr="0">
+          <a:noAutofit/>
+        </a:bodyPr>
+        <a:lstStyle/>
+        <a:p>
+          <a:pPr marL="0" lvl="0" indent="0" algn="ctr" defTabSz="622300">
+            <a:lnSpc>
+              <a:spcPct val="90000"/>
+            </a:lnSpc>
+            <a:spcBef>
+              <a:spcPct val="0"/>
+            </a:spcBef>
+            <a:spcAft>
+              <a:spcPct val="35000"/>
+            </a:spcAft>
+            <a:buNone/>
+          </a:pPr>
+          <a:r>
+            <a:rPr lang="en-US" sz="1400" kern="1200" dirty="0"/>
+            <a:t>Thoracic Department</a:t>
+          </a:r>
+          <a:endParaRPr lang="th-TH" sz="1400" kern="1200" dirty="0"/>
+        </a:p>
+      </dsp:txBody>
+      <dsp:txXfrm>
+        <a:off x="7150043" y="1169755"/>
+        <a:ext cx="1406872" cy="844123"/>
+      </dsp:txXfrm>
+    </dsp:sp>
+    <dsp:sp modelId="{65792B1E-27BD-401B-9349-5FF1739388AE}">
+      <dsp:nvSpPr>
+        <dsp:cNvPr id="0" name=""/>
+        <dsp:cNvSpPr/>
+      </dsp:nvSpPr>
+      <dsp:spPr>
+        <a:xfrm>
+          <a:off x="931667" y="2012078"/>
+          <a:ext cx="8652264" cy="292980"/>
+        </a:xfrm>
+        <a:custGeom>
+          <a:avLst/>
+          <a:gdLst/>
+          <a:ahLst/>
+          <a:cxnLst/>
+          <a:rect l="0" t="0" r="0" b="0"/>
+          <a:pathLst>
+            <a:path>
+              <a:moveTo>
+                <a:pt x="8652264" y="0"/>
+              </a:moveTo>
+              <a:lnTo>
+                <a:pt x="8652264" y="163590"/>
+              </a:lnTo>
+              <a:lnTo>
+                <a:pt x="0" y="163590"/>
+              </a:lnTo>
+              <a:lnTo>
+                <a:pt x="0" y="292980"/>
+              </a:lnTo>
+            </a:path>
+          </a:pathLst>
+        </a:custGeom>
+        <a:noFill/>
+        <a:ln w="6350" cap="flat" cmpd="sng" algn="ctr">
+          <a:solidFill>
+            <a:schemeClr val="accent1">
+              <a:hueOff val="0"/>
+              <a:satOff val="0"/>
+              <a:lumOff val="0"/>
+              <a:alphaOff val="0"/>
+            </a:schemeClr>
+          </a:solidFill>
+          <a:prstDash val="solid"/>
+          <a:miter lim="800000"/>
+          <a:tailEnd type="arrow"/>
+        </a:ln>
+        <a:effectLst/>
+      </dsp:spPr>
+      <dsp:style>
+        <a:lnRef idx="1">
+          <a:scrgbClr r="0" g="0" b="0"/>
+        </a:lnRef>
+        <a:fillRef idx="0">
+          <a:scrgbClr r="0" g="0" b="0"/>
+        </a:fillRef>
+        <a:effectRef idx="0">
+          <a:scrgbClr r="0" g="0" b="0"/>
+        </a:effectRef>
+        <a:fontRef idx="minor"/>
+      </dsp:style>
+      <dsp:txBody>
+        <a:bodyPr spcFirstLastPara="0" vert="horz" wrap="square" lIns="12700" tIns="0" rIns="12700" bIns="0" numCol="1" spcCol="1270" anchor="ctr" anchorCtr="0">
+          <a:noAutofit/>
+        </a:bodyPr>
+        <a:lstStyle/>
+        <a:p>
+          <a:pPr marL="0" lvl="0" indent="0" algn="ctr" defTabSz="222250">
+            <a:lnSpc>
+              <a:spcPct val="90000"/>
+            </a:lnSpc>
+            <a:spcBef>
+              <a:spcPct val="0"/>
+            </a:spcBef>
+            <a:spcAft>
+              <a:spcPct val="35000"/>
+            </a:spcAft>
+            <a:buNone/>
+          </a:pPr>
+          <a:endParaRPr lang="th-TH" sz="500" kern="1200"/>
+        </a:p>
+      </dsp:txBody>
+      <dsp:txXfrm>
+        <a:off x="5041342" y="2156951"/>
+        <a:ext cx="432915" cy="3235"/>
+      </dsp:txXfrm>
+    </dsp:sp>
+    <dsp:sp modelId="{4AB89C63-0D9B-43E2-88B5-A9192C6FAB8F}">
+      <dsp:nvSpPr>
+        <dsp:cNvPr id="0" name=""/>
+        <dsp:cNvSpPr/>
+      </dsp:nvSpPr>
+      <dsp:spPr>
+        <a:xfrm>
+          <a:off x="8880496" y="1169755"/>
+          <a:ext cx="1406872" cy="844123"/>
+        </a:xfrm>
+        <a:prstGeom prst="rect">
+          <a:avLst/>
+        </a:prstGeom>
+        <a:solidFill>
+          <a:schemeClr val="accent1">
+            <a:hueOff val="0"/>
+            <a:satOff val="0"/>
+            <a:lumOff val="0"/>
+            <a:alphaOff val="0"/>
+          </a:schemeClr>
+        </a:solidFill>
+        <a:ln w="12700" cap="flat" cmpd="sng" algn="ctr">
+          <a:solidFill>
+            <a:schemeClr val="lt1">
+              <a:hueOff val="0"/>
+              <a:satOff val="0"/>
+              <a:lumOff val="0"/>
+              <a:alphaOff val="0"/>
+            </a:schemeClr>
+          </a:solidFill>
+          <a:prstDash val="solid"/>
+          <a:miter lim="800000"/>
+        </a:ln>
+        <a:effectLst/>
+      </dsp:spPr>
+      <dsp:style>
+        <a:lnRef idx="2">
+          <a:scrgbClr r="0" g="0" b="0"/>
+        </a:lnRef>
+        <a:fillRef idx="1">
+          <a:scrgbClr r="0" g="0" b="0"/>
+        </a:fillRef>
+        <a:effectRef idx="0">
+          <a:scrgbClr r="0" g="0" b="0"/>
+        </a:effectRef>
+        <a:fontRef idx="minor">
+          <a:schemeClr val="lt1"/>
+        </a:fontRef>
+      </dsp:style>
+      <dsp:txBody>
+        <a:bodyPr spcFirstLastPara="0" vert="horz" wrap="square" lIns="99568" tIns="99568" rIns="99568" bIns="99568" numCol="1" spcCol="1270" anchor="ctr" anchorCtr="0">
+          <a:noAutofit/>
+        </a:bodyPr>
+        <a:lstStyle/>
+        <a:p>
+          <a:pPr marL="0" lvl="0" indent="0" algn="ctr" defTabSz="622300">
+            <a:lnSpc>
+              <a:spcPct val="90000"/>
+            </a:lnSpc>
+            <a:spcBef>
+              <a:spcPct val="0"/>
+            </a:spcBef>
+            <a:spcAft>
+              <a:spcPct val="35000"/>
+            </a:spcAft>
+            <a:buNone/>
+          </a:pPr>
+          <a:r>
+            <a:rPr lang="en-US" sz="1400" kern="1200" dirty="0"/>
+            <a:t>Hematology</a:t>
+          </a:r>
+          <a:endParaRPr lang="th-TH" sz="1400" kern="1200" dirty="0"/>
+        </a:p>
+      </dsp:txBody>
+      <dsp:txXfrm>
+        <a:off x="8880496" y="1169755"/>
+        <a:ext cx="1406872" cy="844123"/>
+      </dsp:txXfrm>
+    </dsp:sp>
+    <dsp:sp modelId="{39D8ABD5-FE0A-4A6D-9D4E-9F02E7C3914A}">
+      <dsp:nvSpPr>
+        <dsp:cNvPr id="0" name=""/>
+        <dsp:cNvSpPr/>
+      </dsp:nvSpPr>
+      <dsp:spPr>
+        <a:xfrm>
+          <a:off x="1633303" y="2713800"/>
+          <a:ext cx="292980" cy="91440"/>
+        </a:xfrm>
+        <a:custGeom>
+          <a:avLst/>
+          <a:gdLst/>
+          <a:ahLst/>
+          <a:cxnLst/>
+          <a:rect l="0" t="0" r="0" b="0"/>
+          <a:pathLst>
+            <a:path>
+              <a:moveTo>
+                <a:pt x="0" y="45720"/>
+              </a:moveTo>
+              <a:lnTo>
+                <a:pt x="292980" y="45720"/>
+              </a:lnTo>
+            </a:path>
+          </a:pathLst>
+        </a:custGeom>
+        <a:noFill/>
+        <a:ln w="6350" cap="flat" cmpd="sng" algn="ctr">
+          <a:solidFill>
+            <a:schemeClr val="accent1">
+              <a:hueOff val="0"/>
+              <a:satOff val="0"/>
+              <a:lumOff val="0"/>
+              <a:alphaOff val="0"/>
+            </a:schemeClr>
+          </a:solidFill>
+          <a:prstDash val="solid"/>
+          <a:miter lim="800000"/>
+          <a:tailEnd type="arrow"/>
+        </a:ln>
+        <a:effectLst/>
+      </dsp:spPr>
+      <dsp:style>
+        <a:lnRef idx="1">
+          <a:scrgbClr r="0" g="0" b="0"/>
+        </a:lnRef>
+        <a:fillRef idx="0">
+          <a:scrgbClr r="0" g="0" b="0"/>
+        </a:fillRef>
+        <a:effectRef idx="0">
+          <a:scrgbClr r="0" g="0" b="0"/>
+        </a:effectRef>
+        <a:fontRef idx="minor"/>
+      </dsp:style>
+      <dsp:txBody>
+        <a:bodyPr spcFirstLastPara="0" vert="horz" wrap="square" lIns="12700" tIns="0" rIns="12700" bIns="0" numCol="1" spcCol="1270" anchor="ctr" anchorCtr="0">
+          <a:noAutofit/>
+        </a:bodyPr>
+        <a:lstStyle/>
+        <a:p>
+          <a:pPr marL="0" lvl="0" indent="0" algn="ctr" defTabSz="222250">
+            <a:lnSpc>
+              <a:spcPct val="90000"/>
+            </a:lnSpc>
+            <a:spcBef>
+              <a:spcPct val="0"/>
+            </a:spcBef>
+            <a:spcAft>
+              <a:spcPct val="35000"/>
+            </a:spcAft>
+            <a:buNone/>
+          </a:pPr>
+          <a:endParaRPr lang="th-TH" sz="500" kern="1200"/>
+        </a:p>
+      </dsp:txBody>
+      <dsp:txXfrm>
+        <a:off x="1771704" y="2757903"/>
+        <a:ext cx="16179" cy="3235"/>
+      </dsp:txXfrm>
+    </dsp:sp>
+    <dsp:sp modelId="{F158E62D-F3F4-4DC8-8CB5-9D557B6AB530}">
+      <dsp:nvSpPr>
+        <dsp:cNvPr id="0" name=""/>
+        <dsp:cNvSpPr/>
+      </dsp:nvSpPr>
+      <dsp:spPr>
+        <a:xfrm>
+          <a:off x="228231" y="2337459"/>
+          <a:ext cx="1406872" cy="844123"/>
+        </a:xfrm>
+        <a:prstGeom prst="rect">
+          <a:avLst/>
+        </a:prstGeom>
+        <a:solidFill>
+          <a:schemeClr val="accent1">
+            <a:hueOff val="0"/>
+            <a:satOff val="0"/>
+            <a:lumOff val="0"/>
+            <a:alphaOff val="0"/>
+          </a:schemeClr>
+        </a:solidFill>
+        <a:ln w="12700" cap="flat" cmpd="sng" algn="ctr">
+          <a:solidFill>
+            <a:schemeClr val="lt1">
+              <a:hueOff val="0"/>
+              <a:satOff val="0"/>
+              <a:lumOff val="0"/>
+              <a:alphaOff val="0"/>
+            </a:schemeClr>
+          </a:solidFill>
+          <a:prstDash val="solid"/>
+          <a:miter lim="800000"/>
+        </a:ln>
+        <a:effectLst/>
+      </dsp:spPr>
+      <dsp:style>
+        <a:lnRef idx="2">
+          <a:scrgbClr r="0" g="0" b="0"/>
+        </a:lnRef>
+        <a:fillRef idx="1">
+          <a:scrgbClr r="0" g="0" b="0"/>
+        </a:fillRef>
+        <a:effectRef idx="0">
+          <a:scrgbClr r="0" g="0" b="0"/>
+        </a:effectRef>
+        <a:fontRef idx="minor">
+          <a:schemeClr val="lt1"/>
+        </a:fontRef>
+      </dsp:style>
+      <dsp:txBody>
+        <a:bodyPr spcFirstLastPara="0" vert="horz" wrap="square" lIns="99568" tIns="99568" rIns="99568" bIns="99568" numCol="1" spcCol="1270" anchor="ctr" anchorCtr="0">
+          <a:noAutofit/>
+        </a:bodyPr>
+        <a:lstStyle/>
+        <a:p>
+          <a:pPr marL="0" lvl="0" indent="0" algn="ctr" defTabSz="622300">
+            <a:lnSpc>
+              <a:spcPct val="90000"/>
+            </a:lnSpc>
+            <a:spcBef>
+              <a:spcPct val="0"/>
+            </a:spcBef>
+            <a:spcAft>
+              <a:spcPct val="35000"/>
+            </a:spcAft>
+            <a:buNone/>
+          </a:pPr>
+          <a:r>
+            <a:rPr lang="en-US" sz="1400" kern="1200" dirty="0"/>
+            <a:t>GI, Liver department</a:t>
+          </a:r>
+          <a:endParaRPr lang="th-TH" sz="1400" kern="1200" dirty="0"/>
+        </a:p>
+      </dsp:txBody>
+      <dsp:txXfrm>
+        <a:off x="228231" y="2337459"/>
+        <a:ext cx="1406872" cy="844123"/>
+      </dsp:txXfrm>
+    </dsp:sp>
+    <dsp:sp modelId="{E68FDF78-45BC-45E4-8496-D215F8FCF261}">
+      <dsp:nvSpPr>
+        <dsp:cNvPr id="0" name=""/>
+        <dsp:cNvSpPr/>
+      </dsp:nvSpPr>
+      <dsp:spPr>
+        <a:xfrm>
+          <a:off x="3363756" y="2713800"/>
+          <a:ext cx="292980" cy="91440"/>
+        </a:xfrm>
+        <a:custGeom>
+          <a:avLst/>
+          <a:gdLst/>
+          <a:ahLst/>
+          <a:cxnLst/>
+          <a:rect l="0" t="0" r="0" b="0"/>
+          <a:pathLst>
+            <a:path>
+              <a:moveTo>
+                <a:pt x="0" y="45720"/>
+              </a:moveTo>
+              <a:lnTo>
+                <a:pt x="292980" y="45720"/>
+              </a:lnTo>
+            </a:path>
+          </a:pathLst>
+        </a:custGeom>
+        <a:noFill/>
+        <a:ln w="6350" cap="flat" cmpd="sng" algn="ctr">
+          <a:solidFill>
+            <a:schemeClr val="accent1">
+              <a:hueOff val="0"/>
+              <a:satOff val="0"/>
+              <a:lumOff val="0"/>
+              <a:alphaOff val="0"/>
+            </a:schemeClr>
+          </a:solidFill>
+          <a:prstDash val="solid"/>
+          <a:miter lim="800000"/>
+          <a:tailEnd type="arrow"/>
+        </a:ln>
+        <a:effectLst/>
+      </dsp:spPr>
+      <dsp:style>
+        <a:lnRef idx="1">
+          <a:scrgbClr r="0" g="0" b="0"/>
+        </a:lnRef>
+        <a:fillRef idx="0">
+          <a:scrgbClr r="0" g="0" b="0"/>
+        </a:fillRef>
+        <a:effectRef idx="0">
+          <a:scrgbClr r="0" g="0" b="0"/>
+        </a:effectRef>
+        <a:fontRef idx="minor"/>
+      </dsp:style>
+      <dsp:txBody>
+        <a:bodyPr spcFirstLastPara="0" vert="horz" wrap="square" lIns="12700" tIns="0" rIns="12700" bIns="0" numCol="1" spcCol="1270" anchor="ctr" anchorCtr="0">
+          <a:noAutofit/>
+        </a:bodyPr>
+        <a:lstStyle/>
+        <a:p>
+          <a:pPr marL="0" lvl="0" indent="0" algn="ctr" defTabSz="222250">
+            <a:lnSpc>
+              <a:spcPct val="90000"/>
+            </a:lnSpc>
+            <a:spcBef>
+              <a:spcPct val="0"/>
+            </a:spcBef>
+            <a:spcAft>
+              <a:spcPct val="35000"/>
+            </a:spcAft>
+            <a:buNone/>
+          </a:pPr>
+          <a:endParaRPr lang="th-TH" sz="500" kern="1200"/>
+        </a:p>
+      </dsp:txBody>
+      <dsp:txXfrm>
+        <a:off x="3502157" y="2757903"/>
+        <a:ext cx="16179" cy="3235"/>
+      </dsp:txXfrm>
+    </dsp:sp>
+    <dsp:sp modelId="{08BFA12B-1C8D-47D1-9828-1432DBEB962F}">
+      <dsp:nvSpPr>
+        <dsp:cNvPr id="0" name=""/>
+        <dsp:cNvSpPr/>
+      </dsp:nvSpPr>
+      <dsp:spPr>
+        <a:xfrm>
+          <a:off x="1958684" y="2337459"/>
+          <a:ext cx="1406872" cy="844123"/>
+        </a:xfrm>
+        <a:prstGeom prst="rect">
+          <a:avLst/>
+        </a:prstGeom>
+        <a:solidFill>
+          <a:schemeClr val="accent1">
+            <a:hueOff val="0"/>
+            <a:satOff val="0"/>
+            <a:lumOff val="0"/>
+            <a:alphaOff val="0"/>
+          </a:schemeClr>
+        </a:solidFill>
+        <a:ln w="12700" cap="flat" cmpd="sng" algn="ctr">
+          <a:solidFill>
+            <a:schemeClr val="lt1">
+              <a:hueOff val="0"/>
+              <a:satOff val="0"/>
+              <a:lumOff val="0"/>
+              <a:alphaOff val="0"/>
+            </a:schemeClr>
+          </a:solidFill>
+          <a:prstDash val="solid"/>
+          <a:miter lim="800000"/>
+        </a:ln>
+        <a:effectLst/>
+      </dsp:spPr>
+      <dsp:style>
+        <a:lnRef idx="2">
+          <a:scrgbClr r="0" g="0" b="0"/>
+        </a:lnRef>
+        <a:fillRef idx="1">
+          <a:scrgbClr r="0" g="0" b="0"/>
+        </a:fillRef>
+        <a:effectRef idx="0">
+          <a:scrgbClr r="0" g="0" b="0"/>
+        </a:effectRef>
+        <a:fontRef idx="minor">
+          <a:schemeClr val="lt1"/>
+        </a:fontRef>
+      </dsp:style>
+      <dsp:txBody>
+        <a:bodyPr spcFirstLastPara="0" vert="horz" wrap="square" lIns="99568" tIns="99568" rIns="99568" bIns="99568" numCol="1" spcCol="1270" anchor="ctr" anchorCtr="0">
+          <a:noAutofit/>
+        </a:bodyPr>
+        <a:lstStyle/>
+        <a:p>
+          <a:pPr marL="0" lvl="0" indent="0" algn="ctr" defTabSz="622300">
+            <a:lnSpc>
+              <a:spcPct val="90000"/>
+            </a:lnSpc>
+            <a:spcBef>
+              <a:spcPct val="0"/>
+            </a:spcBef>
+            <a:spcAft>
+              <a:spcPct val="35000"/>
+            </a:spcAft>
+            <a:buNone/>
+          </a:pPr>
+          <a:r>
+            <a:rPr lang="en-US" sz="1400" kern="1200" dirty="0"/>
+            <a:t>Nephrology</a:t>
+          </a:r>
+          <a:endParaRPr lang="th-TH" sz="1400" kern="1200" dirty="0"/>
+        </a:p>
+      </dsp:txBody>
+      <dsp:txXfrm>
+        <a:off x="1958684" y="2337459"/>
+        <a:ext cx="1406872" cy="844123"/>
+      </dsp:txXfrm>
+    </dsp:sp>
+    <dsp:sp modelId="{02450C63-2C52-4EAC-BE76-DE4699207F9F}">
+      <dsp:nvSpPr>
+        <dsp:cNvPr id="0" name=""/>
+        <dsp:cNvSpPr/>
+      </dsp:nvSpPr>
+      <dsp:spPr>
+        <a:xfrm>
+          <a:off x="5094209" y="2713800"/>
+          <a:ext cx="292980" cy="91440"/>
+        </a:xfrm>
+        <a:custGeom>
+          <a:avLst/>
+          <a:gdLst/>
+          <a:ahLst/>
+          <a:cxnLst/>
+          <a:rect l="0" t="0" r="0" b="0"/>
+          <a:pathLst>
+            <a:path>
+              <a:moveTo>
+                <a:pt x="0" y="45720"/>
+              </a:moveTo>
+              <a:lnTo>
+                <a:pt x="292980" y="45720"/>
+              </a:lnTo>
+            </a:path>
+          </a:pathLst>
+        </a:custGeom>
+        <a:noFill/>
+        <a:ln w="6350" cap="flat" cmpd="sng" algn="ctr">
+          <a:solidFill>
+            <a:schemeClr val="accent1">
+              <a:hueOff val="0"/>
+              <a:satOff val="0"/>
+              <a:lumOff val="0"/>
+              <a:alphaOff val="0"/>
+            </a:schemeClr>
+          </a:solidFill>
+          <a:prstDash val="solid"/>
+          <a:miter lim="800000"/>
+          <a:tailEnd type="arrow"/>
+        </a:ln>
+        <a:effectLst/>
+      </dsp:spPr>
+      <dsp:style>
+        <a:lnRef idx="1">
+          <a:scrgbClr r="0" g="0" b="0"/>
+        </a:lnRef>
+        <a:fillRef idx="0">
+          <a:scrgbClr r="0" g="0" b="0"/>
+        </a:fillRef>
+        <a:effectRef idx="0">
+          <a:scrgbClr r="0" g="0" b="0"/>
+        </a:effectRef>
+        <a:fontRef idx="minor"/>
+      </dsp:style>
+      <dsp:txBody>
+        <a:bodyPr spcFirstLastPara="0" vert="horz" wrap="square" lIns="12700" tIns="0" rIns="12700" bIns="0" numCol="1" spcCol="1270" anchor="ctr" anchorCtr="0">
+          <a:noAutofit/>
+        </a:bodyPr>
+        <a:lstStyle/>
+        <a:p>
+          <a:pPr marL="0" lvl="0" indent="0" algn="ctr" defTabSz="222250">
+            <a:lnSpc>
+              <a:spcPct val="90000"/>
+            </a:lnSpc>
+            <a:spcBef>
+              <a:spcPct val="0"/>
+            </a:spcBef>
+            <a:spcAft>
+              <a:spcPct val="35000"/>
+            </a:spcAft>
+            <a:buNone/>
+          </a:pPr>
+          <a:endParaRPr lang="th-TH" sz="500" kern="1200"/>
+        </a:p>
+      </dsp:txBody>
+      <dsp:txXfrm>
+        <a:off x="5232610" y="2757903"/>
+        <a:ext cx="16179" cy="3235"/>
+      </dsp:txXfrm>
+    </dsp:sp>
+    <dsp:sp modelId="{2D1AFCAA-9662-4E8F-8D32-3F6B4EF37159}">
+      <dsp:nvSpPr>
+        <dsp:cNvPr id="0" name=""/>
+        <dsp:cNvSpPr/>
+      </dsp:nvSpPr>
+      <dsp:spPr>
+        <a:xfrm>
+          <a:off x="3689137" y="2337459"/>
+          <a:ext cx="1406872" cy="844123"/>
+        </a:xfrm>
+        <a:prstGeom prst="rect">
+          <a:avLst/>
+        </a:prstGeom>
+        <a:solidFill>
+          <a:schemeClr val="accent1">
+            <a:hueOff val="0"/>
+            <a:satOff val="0"/>
+            <a:lumOff val="0"/>
+            <a:alphaOff val="0"/>
+          </a:schemeClr>
+        </a:solidFill>
+        <a:ln w="12700" cap="flat" cmpd="sng" algn="ctr">
+          <a:solidFill>
+            <a:schemeClr val="lt1">
+              <a:hueOff val="0"/>
+              <a:satOff val="0"/>
+              <a:lumOff val="0"/>
+              <a:alphaOff val="0"/>
+            </a:schemeClr>
+          </a:solidFill>
+          <a:prstDash val="solid"/>
+          <a:miter lim="800000"/>
+        </a:ln>
+        <a:effectLst/>
+      </dsp:spPr>
+      <dsp:style>
+        <a:lnRef idx="2">
+          <a:scrgbClr r="0" g="0" b="0"/>
+        </a:lnRef>
+        <a:fillRef idx="1">
+          <a:scrgbClr r="0" g="0" b="0"/>
+        </a:fillRef>
+        <a:effectRef idx="0">
+          <a:scrgbClr r="0" g="0" b="0"/>
+        </a:effectRef>
+        <a:fontRef idx="minor">
+          <a:schemeClr val="lt1"/>
+        </a:fontRef>
+      </dsp:style>
+      <dsp:txBody>
+        <a:bodyPr spcFirstLastPara="0" vert="horz" wrap="square" lIns="99568" tIns="99568" rIns="99568" bIns="99568" numCol="1" spcCol="1270" anchor="ctr" anchorCtr="0">
+          <a:noAutofit/>
+        </a:bodyPr>
+        <a:lstStyle/>
+        <a:p>
+          <a:pPr marL="0" lvl="0" indent="0" algn="ctr" defTabSz="622300">
+            <a:lnSpc>
+              <a:spcPct val="90000"/>
+            </a:lnSpc>
+            <a:spcBef>
+              <a:spcPct val="0"/>
+            </a:spcBef>
+            <a:spcAft>
+              <a:spcPct val="35000"/>
+            </a:spcAft>
+            <a:buNone/>
+          </a:pPr>
+          <a:r>
+            <a:rPr lang="en-US" sz="1400" kern="1200" dirty="0"/>
+            <a:t>OR</a:t>
+          </a:r>
+          <a:endParaRPr lang="th-TH" sz="1400" kern="1200" dirty="0"/>
+        </a:p>
+      </dsp:txBody>
+      <dsp:txXfrm>
+        <a:off x="3689137" y="2337459"/>
+        <a:ext cx="1406872" cy="844123"/>
+      </dsp:txXfrm>
+    </dsp:sp>
+    <dsp:sp modelId="{EE9549E0-51E3-4337-93E9-A4808FFFD949}">
+      <dsp:nvSpPr>
+        <dsp:cNvPr id="0" name=""/>
+        <dsp:cNvSpPr/>
+      </dsp:nvSpPr>
+      <dsp:spPr>
+        <a:xfrm>
+          <a:off x="6824662" y="2713800"/>
+          <a:ext cx="292980" cy="91440"/>
+        </a:xfrm>
+        <a:custGeom>
+          <a:avLst/>
+          <a:gdLst/>
+          <a:ahLst/>
+          <a:cxnLst/>
+          <a:rect l="0" t="0" r="0" b="0"/>
+          <a:pathLst>
+            <a:path>
+              <a:moveTo>
+                <a:pt x="0" y="45720"/>
+              </a:moveTo>
+              <a:lnTo>
+                <a:pt x="292980" y="45720"/>
+              </a:lnTo>
+            </a:path>
+          </a:pathLst>
+        </a:custGeom>
+        <a:noFill/>
+        <a:ln w="6350" cap="flat" cmpd="sng" algn="ctr">
+          <a:solidFill>
+            <a:schemeClr val="accent1">
+              <a:hueOff val="0"/>
+              <a:satOff val="0"/>
+              <a:lumOff val="0"/>
+              <a:alphaOff val="0"/>
+            </a:schemeClr>
+          </a:solidFill>
+          <a:prstDash val="solid"/>
+          <a:miter lim="800000"/>
+          <a:tailEnd type="arrow"/>
+        </a:ln>
+        <a:effectLst/>
+      </dsp:spPr>
+      <dsp:style>
+        <a:lnRef idx="1">
+          <a:scrgbClr r="0" g="0" b="0"/>
+        </a:lnRef>
+        <a:fillRef idx="0">
+          <a:scrgbClr r="0" g="0" b="0"/>
+        </a:fillRef>
+        <a:effectRef idx="0">
+          <a:scrgbClr r="0" g="0" b="0"/>
+        </a:effectRef>
+        <a:fontRef idx="minor"/>
+      </dsp:style>
+      <dsp:txBody>
+        <a:bodyPr spcFirstLastPara="0" vert="horz" wrap="square" lIns="12700" tIns="0" rIns="12700" bIns="0" numCol="1" spcCol="1270" anchor="ctr" anchorCtr="0">
+          <a:noAutofit/>
+        </a:bodyPr>
+        <a:lstStyle/>
+        <a:p>
+          <a:pPr marL="0" lvl="0" indent="0" algn="ctr" defTabSz="222250">
+            <a:lnSpc>
+              <a:spcPct val="90000"/>
+            </a:lnSpc>
+            <a:spcBef>
+              <a:spcPct val="0"/>
+            </a:spcBef>
+            <a:spcAft>
+              <a:spcPct val="35000"/>
+            </a:spcAft>
+            <a:buNone/>
+          </a:pPr>
+          <a:endParaRPr lang="th-TH" sz="500" kern="1200"/>
+        </a:p>
+      </dsp:txBody>
+      <dsp:txXfrm>
+        <a:off x="6963063" y="2757903"/>
+        <a:ext cx="16179" cy="3235"/>
+      </dsp:txXfrm>
+    </dsp:sp>
+    <dsp:sp modelId="{31AC2D38-15B2-4324-9F29-B363CAC2239C}">
+      <dsp:nvSpPr>
+        <dsp:cNvPr id="0" name=""/>
+        <dsp:cNvSpPr/>
+      </dsp:nvSpPr>
+      <dsp:spPr>
+        <a:xfrm>
+          <a:off x="5419590" y="2337459"/>
+          <a:ext cx="1406872" cy="844123"/>
+        </a:xfrm>
+        <a:prstGeom prst="rect">
+          <a:avLst/>
+        </a:prstGeom>
+        <a:solidFill>
+          <a:schemeClr val="accent1">
+            <a:hueOff val="0"/>
+            <a:satOff val="0"/>
+            <a:lumOff val="0"/>
+            <a:alphaOff val="0"/>
+          </a:schemeClr>
+        </a:solidFill>
+        <a:ln w="12700" cap="flat" cmpd="sng" algn="ctr">
+          <a:solidFill>
+            <a:schemeClr val="lt1">
+              <a:hueOff val="0"/>
+              <a:satOff val="0"/>
+              <a:lumOff val="0"/>
+              <a:alphaOff val="0"/>
+            </a:schemeClr>
+          </a:solidFill>
+          <a:prstDash val="solid"/>
+          <a:miter lim="800000"/>
+        </a:ln>
+        <a:effectLst/>
+      </dsp:spPr>
+      <dsp:style>
+        <a:lnRef idx="2">
+          <a:scrgbClr r="0" g="0" b="0"/>
+        </a:lnRef>
+        <a:fillRef idx="1">
+          <a:scrgbClr r="0" g="0" b="0"/>
+        </a:fillRef>
+        <a:effectRef idx="0">
+          <a:scrgbClr r="0" g="0" b="0"/>
+        </a:effectRef>
+        <a:fontRef idx="minor">
+          <a:schemeClr val="lt1"/>
+        </a:fontRef>
+      </dsp:style>
+      <dsp:txBody>
+        <a:bodyPr spcFirstLastPara="0" vert="horz" wrap="square" lIns="99568" tIns="99568" rIns="99568" bIns="99568" numCol="1" spcCol="1270" anchor="ctr" anchorCtr="0">
+          <a:noAutofit/>
+        </a:bodyPr>
+        <a:lstStyle/>
+        <a:p>
+          <a:pPr marL="0" lvl="0" indent="0" algn="ctr" defTabSz="622300">
+            <a:lnSpc>
+              <a:spcPct val="90000"/>
+            </a:lnSpc>
+            <a:spcBef>
+              <a:spcPct val="0"/>
+            </a:spcBef>
+            <a:spcAft>
+              <a:spcPct val="35000"/>
+            </a:spcAft>
+            <a:buNone/>
+          </a:pPr>
+          <a:r>
+            <a:rPr lang="en-US" sz="1400" kern="1200" dirty="0"/>
+            <a:t>IPD</a:t>
+          </a:r>
+          <a:endParaRPr lang="th-TH" sz="1400" kern="1200" dirty="0"/>
+        </a:p>
+      </dsp:txBody>
+      <dsp:txXfrm>
+        <a:off x="5419590" y="2337459"/>
+        <a:ext cx="1406872" cy="844123"/>
+      </dsp:txXfrm>
+    </dsp:sp>
+    <dsp:sp modelId="{57C1E574-A60D-4301-A005-8EA18794DFA6}">
+      <dsp:nvSpPr>
+        <dsp:cNvPr id="0" name=""/>
+        <dsp:cNvSpPr/>
+      </dsp:nvSpPr>
+      <dsp:spPr>
+        <a:xfrm>
+          <a:off x="8555115" y="2713800"/>
+          <a:ext cx="292980" cy="91440"/>
+        </a:xfrm>
+        <a:custGeom>
+          <a:avLst/>
+          <a:gdLst/>
+          <a:ahLst/>
+          <a:cxnLst/>
+          <a:rect l="0" t="0" r="0" b="0"/>
+          <a:pathLst>
+            <a:path>
+              <a:moveTo>
+                <a:pt x="0" y="45720"/>
+              </a:moveTo>
+              <a:lnTo>
+                <a:pt x="292980" y="45720"/>
+              </a:lnTo>
+            </a:path>
+          </a:pathLst>
+        </a:custGeom>
+        <a:noFill/>
+        <a:ln w="6350" cap="flat" cmpd="sng" algn="ctr">
+          <a:solidFill>
+            <a:schemeClr val="accent1">
+              <a:hueOff val="0"/>
+              <a:satOff val="0"/>
+              <a:lumOff val="0"/>
+              <a:alphaOff val="0"/>
+            </a:schemeClr>
+          </a:solidFill>
+          <a:prstDash val="solid"/>
+          <a:miter lim="800000"/>
+          <a:tailEnd type="arrow"/>
+        </a:ln>
+        <a:effectLst/>
+      </dsp:spPr>
+      <dsp:style>
+        <a:lnRef idx="1">
+          <a:scrgbClr r="0" g="0" b="0"/>
+        </a:lnRef>
+        <a:fillRef idx="0">
+          <a:scrgbClr r="0" g="0" b="0"/>
+        </a:fillRef>
+        <a:effectRef idx="0">
+          <a:scrgbClr r="0" g="0" b="0"/>
+        </a:effectRef>
+        <a:fontRef idx="minor"/>
+      </dsp:style>
+      <dsp:txBody>
+        <a:bodyPr spcFirstLastPara="0" vert="horz" wrap="square" lIns="12700" tIns="0" rIns="12700" bIns="0" numCol="1" spcCol="1270" anchor="ctr" anchorCtr="0">
+          <a:noAutofit/>
+        </a:bodyPr>
+        <a:lstStyle/>
+        <a:p>
+          <a:pPr marL="0" lvl="0" indent="0" algn="ctr" defTabSz="222250">
+            <a:lnSpc>
+              <a:spcPct val="90000"/>
+            </a:lnSpc>
+            <a:spcBef>
+              <a:spcPct val="0"/>
+            </a:spcBef>
+            <a:spcAft>
+              <a:spcPct val="35000"/>
+            </a:spcAft>
+            <a:buNone/>
+          </a:pPr>
+          <a:endParaRPr lang="th-TH" sz="500" kern="1200"/>
+        </a:p>
+      </dsp:txBody>
+      <dsp:txXfrm>
+        <a:off x="8693516" y="2757903"/>
+        <a:ext cx="16179" cy="3235"/>
+      </dsp:txXfrm>
+    </dsp:sp>
+    <dsp:sp modelId="{BC5EB49E-BBCE-4D59-B0F8-A8D6C00019E7}">
+      <dsp:nvSpPr>
+        <dsp:cNvPr id="0" name=""/>
+        <dsp:cNvSpPr/>
+      </dsp:nvSpPr>
+      <dsp:spPr>
+        <a:xfrm>
+          <a:off x="7150043" y="2337459"/>
+          <a:ext cx="1406872" cy="844123"/>
+        </a:xfrm>
+        <a:prstGeom prst="rect">
+          <a:avLst/>
+        </a:prstGeom>
+        <a:solidFill>
+          <a:schemeClr val="accent1">
+            <a:hueOff val="0"/>
+            <a:satOff val="0"/>
+            <a:lumOff val="0"/>
+            <a:alphaOff val="0"/>
+          </a:schemeClr>
+        </a:solidFill>
+        <a:ln w="12700" cap="flat" cmpd="sng" algn="ctr">
+          <a:solidFill>
+            <a:schemeClr val="lt1">
+              <a:hueOff val="0"/>
+              <a:satOff val="0"/>
+              <a:lumOff val="0"/>
+              <a:alphaOff val="0"/>
+            </a:schemeClr>
+          </a:solidFill>
+          <a:prstDash val="solid"/>
+          <a:miter lim="800000"/>
+        </a:ln>
+        <a:effectLst/>
+      </dsp:spPr>
+      <dsp:style>
+        <a:lnRef idx="2">
+          <a:scrgbClr r="0" g="0" b="0"/>
+        </a:lnRef>
+        <a:fillRef idx="1">
+          <a:scrgbClr r="0" g="0" b="0"/>
+        </a:fillRef>
+        <a:effectRef idx="0">
+          <a:scrgbClr r="0" g="0" b="0"/>
+        </a:effectRef>
+        <a:fontRef idx="minor">
+          <a:schemeClr val="lt1"/>
+        </a:fontRef>
+      </dsp:style>
+      <dsp:txBody>
+        <a:bodyPr spcFirstLastPara="0" vert="horz" wrap="square" lIns="99568" tIns="99568" rIns="99568" bIns="99568" numCol="1" spcCol="1270" anchor="ctr" anchorCtr="0">
+          <a:noAutofit/>
+        </a:bodyPr>
+        <a:lstStyle/>
+        <a:p>
+          <a:pPr marL="0" lvl="0" indent="0" algn="ctr" defTabSz="622300">
+            <a:lnSpc>
+              <a:spcPct val="90000"/>
+            </a:lnSpc>
+            <a:spcBef>
+              <a:spcPct val="0"/>
+            </a:spcBef>
+            <a:spcAft>
+              <a:spcPct val="35000"/>
+            </a:spcAft>
+            <a:buNone/>
+          </a:pPr>
+          <a:r>
+            <a:rPr lang="en-US" sz="1400" kern="1200" dirty="0"/>
+            <a:t>Physical Therapy</a:t>
+          </a:r>
+          <a:endParaRPr lang="th-TH" sz="1400" kern="1200" dirty="0"/>
+        </a:p>
+      </dsp:txBody>
+      <dsp:txXfrm>
+        <a:off x="7150043" y="2337459"/>
+        <a:ext cx="1406872" cy="844123"/>
+      </dsp:txXfrm>
+    </dsp:sp>
+    <dsp:sp modelId="{6700A057-97AB-4C71-B912-8DA2B959760F}">
+      <dsp:nvSpPr>
+        <dsp:cNvPr id="0" name=""/>
+        <dsp:cNvSpPr/>
+      </dsp:nvSpPr>
+      <dsp:spPr>
+        <a:xfrm>
+          <a:off x="931667" y="3179782"/>
+          <a:ext cx="8652264" cy="292980"/>
+        </a:xfrm>
+        <a:custGeom>
+          <a:avLst/>
+          <a:gdLst/>
+          <a:ahLst/>
+          <a:cxnLst/>
+          <a:rect l="0" t="0" r="0" b="0"/>
+          <a:pathLst>
+            <a:path>
+              <a:moveTo>
+                <a:pt x="8652264" y="0"/>
+              </a:moveTo>
+              <a:lnTo>
+                <a:pt x="8652264" y="163590"/>
+              </a:lnTo>
+              <a:lnTo>
+                <a:pt x="0" y="163590"/>
+              </a:lnTo>
+              <a:lnTo>
+                <a:pt x="0" y="292980"/>
+              </a:lnTo>
+            </a:path>
+          </a:pathLst>
+        </a:custGeom>
+        <a:noFill/>
+        <a:ln w="6350" cap="flat" cmpd="sng" algn="ctr">
+          <a:solidFill>
+            <a:schemeClr val="accent1">
+              <a:hueOff val="0"/>
+              <a:satOff val="0"/>
+              <a:lumOff val="0"/>
+              <a:alphaOff val="0"/>
+            </a:schemeClr>
+          </a:solidFill>
+          <a:prstDash val="solid"/>
+          <a:miter lim="800000"/>
+          <a:tailEnd type="arrow"/>
+        </a:ln>
+        <a:effectLst/>
+      </dsp:spPr>
+      <dsp:style>
+        <a:lnRef idx="1">
+          <a:scrgbClr r="0" g="0" b="0"/>
+        </a:lnRef>
+        <a:fillRef idx="0">
+          <a:scrgbClr r="0" g="0" b="0"/>
+        </a:fillRef>
+        <a:effectRef idx="0">
+          <a:scrgbClr r="0" g="0" b="0"/>
+        </a:effectRef>
+        <a:fontRef idx="minor"/>
+      </dsp:style>
+      <dsp:txBody>
+        <a:bodyPr spcFirstLastPara="0" vert="horz" wrap="square" lIns="12700" tIns="0" rIns="12700" bIns="0" numCol="1" spcCol="1270" anchor="ctr" anchorCtr="0">
+          <a:noAutofit/>
+        </a:bodyPr>
+        <a:lstStyle/>
+        <a:p>
+          <a:pPr marL="0" lvl="0" indent="0" algn="ctr" defTabSz="222250">
+            <a:lnSpc>
+              <a:spcPct val="90000"/>
+            </a:lnSpc>
+            <a:spcBef>
+              <a:spcPct val="0"/>
+            </a:spcBef>
+            <a:spcAft>
+              <a:spcPct val="35000"/>
+            </a:spcAft>
+            <a:buNone/>
+          </a:pPr>
+          <a:endParaRPr lang="th-TH" sz="500" kern="1200"/>
+        </a:p>
+      </dsp:txBody>
+      <dsp:txXfrm>
+        <a:off x="5041342" y="3324655"/>
+        <a:ext cx="432915" cy="3235"/>
+      </dsp:txXfrm>
+    </dsp:sp>
+    <dsp:sp modelId="{370FD043-73C5-4A4F-B2B3-CBB80CE16F2D}">
+      <dsp:nvSpPr>
+        <dsp:cNvPr id="0" name=""/>
+        <dsp:cNvSpPr/>
+      </dsp:nvSpPr>
+      <dsp:spPr>
+        <a:xfrm>
+          <a:off x="8880496" y="2337459"/>
+          <a:ext cx="1406872" cy="844123"/>
+        </a:xfrm>
+        <a:prstGeom prst="rect">
+          <a:avLst/>
+        </a:prstGeom>
+        <a:solidFill>
+          <a:schemeClr val="accent1">
+            <a:hueOff val="0"/>
+            <a:satOff val="0"/>
+            <a:lumOff val="0"/>
+            <a:alphaOff val="0"/>
+          </a:schemeClr>
+        </a:solidFill>
+        <a:ln w="12700" cap="flat" cmpd="sng" algn="ctr">
+          <a:solidFill>
+            <a:schemeClr val="lt1">
+              <a:hueOff val="0"/>
+              <a:satOff val="0"/>
+              <a:lumOff val="0"/>
+              <a:alphaOff val="0"/>
+            </a:schemeClr>
+          </a:solidFill>
+          <a:prstDash val="solid"/>
+          <a:miter lim="800000"/>
+        </a:ln>
+        <a:effectLst/>
+      </dsp:spPr>
+      <dsp:style>
+        <a:lnRef idx="2">
+          <a:scrgbClr r="0" g="0" b="0"/>
+        </a:lnRef>
+        <a:fillRef idx="1">
+          <a:scrgbClr r="0" g="0" b="0"/>
+        </a:fillRef>
+        <a:effectRef idx="0">
+          <a:scrgbClr r="0" g="0" b="0"/>
+        </a:effectRef>
+        <a:fontRef idx="minor">
+          <a:schemeClr val="lt1"/>
+        </a:fontRef>
+      </dsp:style>
+      <dsp:txBody>
+        <a:bodyPr spcFirstLastPara="0" vert="horz" wrap="square" lIns="99568" tIns="99568" rIns="99568" bIns="99568" numCol="1" spcCol="1270" anchor="ctr" anchorCtr="0">
+          <a:noAutofit/>
+        </a:bodyPr>
+        <a:lstStyle/>
+        <a:p>
+          <a:pPr marL="0" lvl="0" indent="0" algn="ctr" defTabSz="622300">
+            <a:lnSpc>
+              <a:spcPct val="90000"/>
+            </a:lnSpc>
+            <a:spcBef>
+              <a:spcPct val="0"/>
+            </a:spcBef>
+            <a:spcAft>
+              <a:spcPct val="35000"/>
+            </a:spcAft>
+            <a:buNone/>
+          </a:pPr>
+          <a:r>
+            <a:rPr lang="en-US" sz="1400" kern="1200" dirty="0"/>
+            <a:t>Pharmacy</a:t>
+          </a:r>
+          <a:endParaRPr lang="th-TH" sz="1400" kern="1200" dirty="0"/>
+        </a:p>
+      </dsp:txBody>
+      <dsp:txXfrm>
+        <a:off x="8880496" y="2337459"/>
+        <a:ext cx="1406872" cy="844123"/>
+      </dsp:txXfrm>
+    </dsp:sp>
+    <dsp:sp modelId="{3D9AFF7A-A147-463D-BE04-2864EF541153}">
+      <dsp:nvSpPr>
+        <dsp:cNvPr id="0" name=""/>
+        <dsp:cNvSpPr/>
+      </dsp:nvSpPr>
+      <dsp:spPr>
+        <a:xfrm>
+          <a:off x="1633303" y="3881504"/>
+          <a:ext cx="292980" cy="91440"/>
+        </a:xfrm>
+        <a:custGeom>
+          <a:avLst/>
+          <a:gdLst/>
+          <a:ahLst/>
+          <a:cxnLst/>
+          <a:rect l="0" t="0" r="0" b="0"/>
+          <a:pathLst>
+            <a:path>
+              <a:moveTo>
+                <a:pt x="0" y="45720"/>
+              </a:moveTo>
+              <a:lnTo>
+                <a:pt x="292980" y="45720"/>
+              </a:lnTo>
+            </a:path>
+          </a:pathLst>
+        </a:custGeom>
+        <a:noFill/>
+        <a:ln w="6350" cap="flat" cmpd="sng" algn="ctr">
+          <a:solidFill>
+            <a:schemeClr val="accent1">
+              <a:hueOff val="0"/>
+              <a:satOff val="0"/>
+              <a:lumOff val="0"/>
+              <a:alphaOff val="0"/>
+            </a:schemeClr>
+          </a:solidFill>
+          <a:prstDash val="solid"/>
+          <a:miter lim="800000"/>
+          <a:tailEnd type="arrow"/>
+        </a:ln>
+        <a:effectLst/>
+      </dsp:spPr>
+      <dsp:style>
+        <a:lnRef idx="1">
+          <a:scrgbClr r="0" g="0" b="0"/>
+        </a:lnRef>
+        <a:fillRef idx="0">
+          <a:scrgbClr r="0" g="0" b="0"/>
+        </a:fillRef>
+        <a:effectRef idx="0">
+          <a:scrgbClr r="0" g="0" b="0"/>
+        </a:effectRef>
+        <a:fontRef idx="minor"/>
+      </dsp:style>
+      <dsp:txBody>
+        <a:bodyPr spcFirstLastPara="0" vert="horz" wrap="square" lIns="12700" tIns="0" rIns="12700" bIns="0" numCol="1" spcCol="1270" anchor="ctr" anchorCtr="0">
+          <a:noAutofit/>
+        </a:bodyPr>
+        <a:lstStyle/>
+        <a:p>
+          <a:pPr marL="0" lvl="0" indent="0" algn="ctr" defTabSz="222250">
+            <a:lnSpc>
+              <a:spcPct val="90000"/>
+            </a:lnSpc>
+            <a:spcBef>
+              <a:spcPct val="0"/>
+            </a:spcBef>
+            <a:spcAft>
+              <a:spcPct val="35000"/>
+            </a:spcAft>
+            <a:buNone/>
+          </a:pPr>
+          <a:endParaRPr lang="th-TH" sz="500" kern="1200"/>
+        </a:p>
+      </dsp:txBody>
+      <dsp:txXfrm>
+        <a:off x="1771704" y="3925607"/>
+        <a:ext cx="16179" cy="3235"/>
+      </dsp:txXfrm>
+    </dsp:sp>
+    <dsp:sp modelId="{66D7AD4C-5DB1-485A-960F-C8FBBDD1C6E5}">
+      <dsp:nvSpPr>
+        <dsp:cNvPr id="0" name=""/>
+        <dsp:cNvSpPr/>
+      </dsp:nvSpPr>
+      <dsp:spPr>
+        <a:xfrm>
+          <a:off x="228231" y="3505163"/>
+          <a:ext cx="1406872" cy="844123"/>
+        </a:xfrm>
+        <a:prstGeom prst="rect">
+          <a:avLst/>
+        </a:prstGeom>
+        <a:solidFill>
+          <a:schemeClr val="accent1">
+            <a:hueOff val="0"/>
+            <a:satOff val="0"/>
+            <a:lumOff val="0"/>
+            <a:alphaOff val="0"/>
+          </a:schemeClr>
+        </a:solidFill>
+        <a:ln w="12700" cap="flat" cmpd="sng" algn="ctr">
+          <a:solidFill>
+            <a:schemeClr val="lt1">
+              <a:hueOff val="0"/>
+              <a:satOff val="0"/>
+              <a:lumOff val="0"/>
+              <a:alphaOff val="0"/>
+            </a:schemeClr>
+          </a:solidFill>
+          <a:prstDash val="solid"/>
+          <a:miter lim="800000"/>
+        </a:ln>
+        <a:effectLst/>
+      </dsp:spPr>
+      <dsp:style>
+        <a:lnRef idx="2">
+          <a:scrgbClr r="0" g="0" b="0"/>
+        </a:lnRef>
+        <a:fillRef idx="1">
+          <a:scrgbClr r="0" g="0" b="0"/>
+        </a:fillRef>
+        <a:effectRef idx="0">
+          <a:scrgbClr r="0" g="0" b="0"/>
+        </a:effectRef>
+        <a:fontRef idx="minor">
+          <a:schemeClr val="lt1"/>
+        </a:fontRef>
+      </dsp:style>
+      <dsp:txBody>
+        <a:bodyPr spcFirstLastPara="0" vert="horz" wrap="square" lIns="99568" tIns="99568" rIns="99568" bIns="99568" numCol="1" spcCol="1270" anchor="ctr" anchorCtr="0">
+          <a:noAutofit/>
+        </a:bodyPr>
+        <a:lstStyle/>
+        <a:p>
+          <a:pPr marL="0" lvl="0" indent="0" algn="ctr" defTabSz="622300">
+            <a:lnSpc>
+              <a:spcPct val="90000"/>
+            </a:lnSpc>
+            <a:spcBef>
+              <a:spcPct val="0"/>
+            </a:spcBef>
+            <a:spcAft>
+              <a:spcPct val="35000"/>
+            </a:spcAft>
+            <a:buNone/>
+          </a:pPr>
+          <a:r>
+            <a:rPr lang="en-US" sz="1400" kern="1200" dirty="0"/>
+            <a:t>Discharge</a:t>
+          </a:r>
+          <a:endParaRPr lang="th-TH" sz="1400" kern="1200" dirty="0"/>
+        </a:p>
+      </dsp:txBody>
+      <dsp:txXfrm>
+        <a:off x="228231" y="3505163"/>
+        <a:ext cx="1406872" cy="844123"/>
+      </dsp:txXfrm>
+    </dsp:sp>
+    <dsp:sp modelId="{9469DAAE-52E6-4772-8898-F79A50CBF594}">
+      <dsp:nvSpPr>
+        <dsp:cNvPr id="0" name=""/>
+        <dsp:cNvSpPr/>
+      </dsp:nvSpPr>
+      <dsp:spPr>
+        <a:xfrm>
+          <a:off x="1958684" y="3505163"/>
+          <a:ext cx="1406872" cy="844123"/>
+        </a:xfrm>
+        <a:prstGeom prst="rect">
+          <a:avLst/>
+        </a:prstGeom>
+        <a:solidFill>
+          <a:schemeClr val="accent1">
+            <a:hueOff val="0"/>
+            <a:satOff val="0"/>
+            <a:lumOff val="0"/>
+            <a:alphaOff val="0"/>
+          </a:schemeClr>
+        </a:solidFill>
+        <a:ln w="12700" cap="flat" cmpd="sng" algn="ctr">
+          <a:solidFill>
+            <a:schemeClr val="lt1">
+              <a:hueOff val="0"/>
+              <a:satOff val="0"/>
+              <a:lumOff val="0"/>
+              <a:alphaOff val="0"/>
+            </a:schemeClr>
+          </a:solidFill>
+          <a:prstDash val="solid"/>
+          <a:miter lim="800000"/>
+        </a:ln>
+        <a:effectLst/>
+      </dsp:spPr>
+      <dsp:style>
+        <a:lnRef idx="2">
+          <a:scrgbClr r="0" g="0" b="0"/>
+        </a:lnRef>
+        <a:fillRef idx="1">
+          <a:scrgbClr r="0" g="0" b="0"/>
+        </a:fillRef>
+        <a:effectRef idx="0">
+          <a:scrgbClr r="0" g="0" b="0"/>
+        </a:effectRef>
+        <a:fontRef idx="minor">
+          <a:schemeClr val="lt1"/>
+        </a:fontRef>
+      </dsp:style>
+      <dsp:txBody>
+        <a:bodyPr spcFirstLastPara="0" vert="horz" wrap="square" lIns="99568" tIns="99568" rIns="99568" bIns="99568" numCol="1" spcCol="1270" anchor="ctr" anchorCtr="0">
+          <a:noAutofit/>
+        </a:bodyPr>
+        <a:lstStyle/>
+        <a:p>
+          <a:pPr marL="0" lvl="0" indent="0" algn="ctr" defTabSz="622300">
+            <a:lnSpc>
+              <a:spcPct val="90000"/>
+            </a:lnSpc>
+            <a:spcBef>
+              <a:spcPct val="0"/>
+            </a:spcBef>
+            <a:spcAft>
+              <a:spcPct val="35000"/>
+            </a:spcAft>
+            <a:buNone/>
+          </a:pPr>
+          <a:r>
+            <a:rPr lang="en-US" sz="1400" kern="1200" dirty="0"/>
+            <a:t>VN_OUT</a:t>
+          </a:r>
+          <a:endParaRPr lang="th-TH" sz="1400" kern="1200" dirty="0"/>
+        </a:p>
+      </dsp:txBody>
+      <dsp:txXfrm>
+        <a:off x="1958684" y="3505163"/>
+        <a:ext cx="1406872" cy="844123"/>
+      </dsp:txXfrm>
+    </dsp:sp>
+  </dsp:spTree>
+</dsp:drawing>
+</file>
+
+<file path=ppt/diagrams/layout1.xml><?xml version="1.0" encoding="utf-8"?>
+<dgm:layoutDef xmlns:dgm="http://schemas.openxmlformats.org/drawingml/2006/diagram" xmlns:a="http://schemas.openxmlformats.org/drawingml/2006/main" uniqueId="urn:microsoft.com/office/officeart/2005/8/layout/bProcess3">
+  <dgm:title val=""/>
+  <dgm:desc val=""/>
+  <dgm:catLst>
+    <dgm:cat type="process" pri="18000"/>
+  </dgm:catLst>
+  <dgm:sampData>
+    <dgm:dataModel>
+      <dgm:ptLst>
+        <dgm:pt modelId="0" type="doc"/>
+        <dgm:pt modelId="1">
+          <dgm:prSet phldr="1"/>
+        </dgm:pt>
+        <dgm:pt modelId="2">
+          <dgm:prSet phldr="1"/>
+        </dgm:pt>
+        <dgm:pt modelId="3">
+          <dgm:prSet phldr="1"/>
+        </dgm:pt>
+        <dgm:pt modelId="4">
+          <dgm:prSet phldr="1"/>
+        </dgm:pt>
+        <dgm:pt modelId="5">
+          <dgm:prSet phldr="1"/>
+        </dgm:pt>
+      </dgm:ptLst>
+      <dgm:cxnLst>
+        <dgm:cxn modelId="7" srcId="0" destId="1" srcOrd="0" destOrd="0"/>
+        <dgm:cxn modelId="8" srcId="0" destId="2" srcOrd="1" destOrd="0"/>
+        <dgm:cxn modelId="9" srcId="0" destId="3" srcOrd="2" destOrd="0"/>
+        <dgm:cxn modelId="10" srcId="0" destId="4" srcOrd="3" destOrd="0"/>
+        <dgm:cxn modelId="11" srcId="0" destId="5" srcOrd="4" destOrd="0"/>
+      </dgm:cxnLst>
+      <dgm:bg/>
+      <dgm:whole/>
+    </dgm:dataModel>
+  </dgm:sampData>
+  <dgm:styleData>
+    <dgm:dataModel>
+      <dgm:ptLst>
+        <dgm:pt modelId="0" type="doc"/>
+        <dgm:pt modelId="1"/>
+        <dgm:pt modelId="2"/>
+      </dgm:ptLst>
+      <dgm:cxnLst>
+        <dgm:cxn modelId="3" srcId="0" destId="1" srcOrd="0" destOrd="0"/>
+        <dgm:cxn modelId="4" srcId="0" destId="2" srcOrd="1" destOrd="0"/>
+      </dgm:cxnLst>
+      <dgm:bg/>
+      <dgm:whole/>
+    </dgm:dataModel>
+  </dgm:styleData>
+  <dgm:clrData>
+    <dgm:dataModel>
+      <dgm:ptLst>
+        <dgm:pt modelId="0" type="doc"/>
+        <dgm:pt modelId="1"/>
+        <dgm:pt modelId="2"/>
+        <dgm:pt modelId="3"/>
+        <dgm:pt modelId="4"/>
+      </dgm:ptLst>
+      <dgm:cxnLst>
+        <dgm:cxn modelId="5" srcId="0" destId="1" srcOrd="0" destOrd="0"/>
+        <dgm:cxn modelId="6" srcId="0" destId="2" srcOrd="1" destOrd="0"/>
+        <dgm:cxn modelId="7" srcId="0" destId="3" srcOrd="2" destOrd="0"/>
+        <dgm:cxn modelId="8" srcId="0" destId="4" srcOrd="3" destOrd="0"/>
+      </dgm:cxnLst>
+      <dgm:bg/>
+      <dgm:whole/>
+    </dgm:dataModel>
+  </dgm:clrData>
+  <dgm:layoutNode name="Name0">
+    <dgm:varLst>
+      <dgm:dir/>
+      <dgm:resizeHandles val="exact"/>
+    </dgm:varLst>
+    <dgm:choose name="Name1">
+      <dgm:if name="Name2" axis="self" func="var" arg="dir" op="equ" val="norm">
+        <dgm:alg type="snake">
+          <dgm:param type="grDir" val="tL"/>
+          <dgm:param type="flowDir" val="row"/>
+          <dgm:param type="contDir" val="sameDir"/>
+          <dgm:param type="bkpt" val="endCnv"/>
+        </dgm:alg>
+      </dgm:if>
+      <dgm:else name="Name3">
+        <dgm:alg type="snake">
+          <dgm:param type="grDir" val="tR"/>
+          <dgm:param type="flowDir" val="row"/>
+          <dgm:param type="contDir" val="sameDir"/>
+          <dgm:param type="bkpt" val="endCnv"/>
+        </dgm:alg>
+      </dgm:else>
+    </dgm:choose>
+    <dgm:shape xmlns:r="http://schemas.openxmlformats.org/officeDocument/2006/relationships" r:blip="">
+      <dgm:adjLst/>
+    </dgm:shape>
+    <dgm:presOf/>
+    <dgm:constrLst>
+      <dgm:constr type="w" for="ch" ptType="node" refType="w"/>
+      <dgm:constr type="w" for="ch" forName="sibTrans" refType="w" refFor="ch" refPtType="node" op="equ" fact="0.23"/>
+      <dgm:constr type="sp" refType="w" refFor="ch" refForName="sibTrans" op="equ"/>
+      <dgm:constr type="userB" for="des" forName="connectorText" refType="sp"/>
+      <dgm:constr type="primFontSz" for="ch" ptType="node" op="equ" val="65"/>
+      <dgm:constr type="h" for="ch" ptType="sibTrans" op="equ"/>
+      <dgm:constr type="primFontSz" for="des" forName="connectorText" op="equ" val="55"/>
+      <dgm:constr type="primFontSz" for="des" forName="connectorText" refType="primFontSz" refFor="ch" refPtType="node" op="lte" fact="0.8"/>
+    </dgm:constrLst>
+    <dgm:ruleLst/>
+    <dgm:forEach name="nodesForEach" axis="ch" ptType="node">
+      <dgm:layoutNode name="node">
+        <dgm:varLst>
+          <dgm:bulletEnabled val="1"/>
+        </dgm:varLst>
+        <dgm:alg type="tx"/>
+        <dgm:shape xmlns:r="http://schemas.openxmlformats.org/officeDocument/2006/relationships" type="rect" r:blip="">
+          <dgm:adjLst/>
+        </dgm:shape>
+        <dgm:presOf axis="desOrSelf" ptType="node"/>
+        <dgm:constrLst>
+          <dgm:constr type="h" refType="w" fact="0.6"/>
+        </dgm:constrLst>
+        <dgm:ruleLst>
+          <dgm:rule type="primFontSz" val="5" fact="NaN" max="NaN"/>
+        </dgm:ruleLst>
+      </dgm:layoutNode>
+      <dgm:forEach name="sibTransForEach" axis="followSib" ptType="sibTrans" cnt="1">
+        <dgm:layoutNode name="sibTrans">
+          <dgm:choose name="Name4">
+            <dgm:if name="Name5" axis="self" func="var" arg="dir" op="equ" val="norm">
+              <dgm:alg type="conn">
+                <dgm:param type="connRout" val="bend"/>
+                <dgm:param type="dim" val="1D"/>
+                <dgm:param type="begPts" val="midR bCtr"/>
+                <dgm:param type="endPts" val="midL tCtr"/>
+              </dgm:alg>
+            </dgm:if>
+            <dgm:else name="Name6">
+              <dgm:alg type="conn">
+                <dgm:param type="connRout" val="bend"/>
+                <dgm:param type="dim" val="1D"/>
+                <dgm:param type="begPts" val="midL bCtr"/>
+                <dgm:param type="endPts" val="midR tCtr"/>
+              </dgm:alg>
+            </dgm:else>
+          </dgm:choose>
+          <dgm:shape xmlns:r="http://schemas.openxmlformats.org/officeDocument/2006/relationships" type="conn" r:blip="" zOrderOff="-2">
+            <dgm:adjLst/>
+          </dgm:shape>
+          <dgm:presOf axis="self"/>
+          <dgm:constrLst>
+            <dgm:constr type="begPad" val="-0.05"/>
+            <dgm:constr type="endPad" val="0.9"/>
+            <dgm:constr type="userA" for="ch" refType="connDist"/>
+          </dgm:constrLst>
+          <dgm:ruleLst/>
+          <dgm:layoutNode name="connectorText">
+            <dgm:alg type="tx">
+              <dgm:param type="autoTxRot" val="upr"/>
+            </dgm:alg>
+            <dgm:shape xmlns:r="http://schemas.openxmlformats.org/officeDocument/2006/relationships" type="rect" r:blip="" hideGeom="1">
+              <dgm:adjLst/>
+            </dgm:shape>
+            <dgm:presOf axis="self"/>
+            <dgm:constrLst>
+              <dgm:constr type="userA"/>
+              <dgm:constr type="userB"/>
+              <dgm:constr type="w" refType="userA" fact="0.05"/>
+              <dgm:constr type="h" refType="userB" fact="0.01"/>
+              <dgm:constr type="lMarg" val="1"/>
+              <dgm:constr type="rMarg" val="1"/>
+              <dgm:constr type="tMarg"/>
+              <dgm:constr type="bMarg"/>
+            </dgm:constrLst>
+            <dgm:ruleLst>
+              <dgm:rule type="w" val="NaN" fact="0.6" max="NaN"/>
+              <dgm:rule type="h" val="NaN" fact="0.6" max="NaN"/>
+              <dgm:rule type="primFontSz" val="5" fact="NaN" max="NaN"/>
+            </dgm:ruleLst>
+          </dgm:layoutNode>
+        </dgm:layoutNode>
+      </dgm:forEach>
+    </dgm:forEach>
+  </dgm:layoutNode>
+</dgm:layoutDef>
+</file>
+
+<file path=ppt/diagrams/quickStyle1.xml><?xml version="1.0" encoding="utf-8"?>
+<dgm:styleDef xmlns:dgm="http://schemas.openxmlformats.org/drawingml/2006/diagram" xmlns:a="http://schemas.openxmlformats.org/drawingml/2006/main" uniqueId="urn:microsoft.com/office/officeart/2005/8/quickstyle/simple1">
+  <dgm:title val=""/>
+  <dgm:desc val=""/>
+  <dgm:catLst>
+    <dgm:cat type="simple" pri="10100"/>
+  </dgm:catLst>
+  <dgm:scene3d>
+    <a:camera prst="orthographicFront"/>
+    <a:lightRig rig="threePt" dir="t"/>
+  </dgm:scene3d>
+  <dgm:styleLbl name="node0">
+    <dgm:scene3d>
+      <a:camera prst="orthographicFront"/>
+      <a:lightRig rig="threePt" dir="t"/>
+    </dgm:scene3d>
+    <dgm:sp3d/>
+    <dgm:txPr/>
+    <dgm:style>
+      <a:lnRef idx="2">
+        <a:scrgbClr r="0" g="0" b="0"/>
+      </a:lnRef>
+      <a:fillRef idx="1">
+        <a:scrgbClr r="0" g="0" b="0"/>
+      </a:fillRef>
+      <a:effectRef idx="0">
+        <a:scrgbClr r="0" g="0" b="0"/>
+      </a:effectRef>
+      <a:fontRef idx="minor">
+        <a:schemeClr val="lt1"/>
+      </a:fontRef>
+    </dgm:style>
+  </dgm:styleLbl>
+  <dgm:styleLbl name="lnNode1">
+    <dgm:scene3d>
+      <a:camera prst="orthographicFront"/>
+      <a:lightRig rig="threePt" dir="t"/>
+    </dgm:scene3d>
+    <dgm:sp3d/>
+    <dgm:txPr/>
+    <dgm:style>
+      <a:lnRef idx="2">
+        <a:scrgbClr r="0" g="0" b="0"/>
+      </a:lnRef>
+      <a:fillRef idx="1">
+        <a:scrgbClr r="0" g="0" b="0"/>
+      </a:fillRef>
+      <a:effectRef idx="0">
+        <a:scrgbClr r="0" g="0" b="0"/>
+      </a:effectRef>
+      <a:fontRef idx="minor">
+        <a:schemeClr val="lt1"/>
+      </a:fontRef>
+    </dgm:style>
+  </dgm:styleLbl>
+  <dgm:styleLbl name="vennNode1">
+    <dgm:scene3d>
+      <a:camera prst="orthographicFront"/>
+      <a:lightRig rig="threePt" dir="t"/>
+    </dgm:scene3d>
+    <dgm:sp3d/>
+    <dgm:txPr/>
+    <dgm:style>
+      <a:lnRef idx="2">
+        <a:scrgbClr r="0" g="0" b="0"/>
+      </a:lnRef>
+      <a:fillRef idx="1">
+        <a:scrgbClr r="0" g="0" b="0"/>
+      </a:fillRef>
+      <a:effectRef idx="0">
+        <a:scrgbClr r="0" g="0" b="0"/>
+      </a:effectRef>
+      <a:fontRef idx="minor">
+        <a:schemeClr val="tx1"/>
+      </a:fontRef>
+    </dgm:style>
+  </dgm:styleLbl>
+  <dgm:styleLbl name="alignNode1">
+    <dgm:scene3d>
+      <a:camera prst="orthographicFront"/>
+      <a:lightRig rig="threePt" dir="t"/>
+    </dgm:scene3d>
+    <dgm:sp3d/>
+    <dgm:txPr/>
+    <dgm:style>
+      <a:lnRef idx="2">
+        <a:scrgbClr r="0" g="0" b="0"/>
+      </a:lnRef>
+      <a:fillRef idx="1">
+        <a:scrgbClr r="0" g="0" b="0"/>
+      </a:fillRef>
+      <a:effectRef idx="0">
+        <a:scrgbClr r="0" g="0" b="0"/>
+      </a:effectRef>
+      <a:fontRef idx="minor">
+        <a:schemeClr val="lt1"/>
+      </a:fontRef>
+    </dgm:style>
+  </dgm:styleLbl>
+  <dgm:styleLbl name="node1">
+    <dgm:scene3d>
+      <a:camera prst="orthographicFront"/>
+      <a:lightRig rig="threePt" dir="t"/>
+    </dgm:scene3d>
+    <dgm:sp3d/>
+    <dgm:txPr/>
+    <dgm:style>
+      <a:lnRef idx="2">
+        <a:scrgbClr r="0" g="0" b="0"/>
+      </a:lnRef>
+      <a:fillRef idx="1">
+        <a:scrgbClr r="0" g="0" b="0"/>
+      </a:fillRef>
+      <a:effectRef idx="0">
+        <a:scrgbClr r="0" g="0" b="0"/>
+      </a:effectRef>
+      <a:fontRef idx="minor">
+        <a:schemeClr val="lt1"/>
+      </a:fontRef>
+    </dgm:style>
+  </dgm:styleLbl>
+  <dgm:styleLbl name="node2">
+    <dgm:scene3d>
+      <a:camera prst="orthographicFront"/>
+      <a:lightRig rig="threePt" dir="t"/>
+    </dgm:scene3d>
+    <dgm:sp3d/>
+    <dgm:txPr/>
+    <dgm:style>
+      <a:lnRef idx="2">
+        <a:scrgbClr r="0" g="0" b="0"/>
+      </a:lnRef>
+      <a:fillRef idx="1">
+        <a:scrgbClr r="0" g="0" b="0"/>
+      </a:fillRef>
+      <a:effectRef idx="0">
+        <a:scrgbClr r="0" g="0" b="0"/>
+      </a:effectRef>
+      <a:fontRef idx="minor">
+        <a:schemeClr val="lt1"/>
+      </a:fontRef>
+    </dgm:style>
+  </dgm:styleLbl>
+  <dgm:styleLbl name="node3">
+    <dgm:scene3d>
+      <a:camera prst="orthographicFront"/>
+      <a:lightRig rig="threePt" dir="t"/>
+    </dgm:scene3d>
+    <dgm:sp3d/>
+    <dgm:txPr/>
+    <dgm:style>
+      <a:lnRef idx="2">
+        <a:scrgbClr r="0" g="0" b="0"/>
+      </a:lnRef>
+      <a:fillRef idx="1">
+        <a:scrgbClr r="0" g="0" b="0"/>
+      </a:fillRef>
+      <a:effectRef idx="0">
+        <a:scrgbClr r="0" g="0" b="0"/>
+      </a:effectRef>
+      <a:fontRef idx="minor">
+        <a:schemeClr val="lt1"/>
+      </a:fontRef>
+    </dgm:style>
+  </dgm:styleLbl>
+  <dgm:styleLbl name="node4">
+    <dgm:scene3d>
+      <a:camera prst="orthographicFront"/>
+      <a:lightRig rig="threePt" dir="t"/>
+    </dgm:scene3d>
+    <dgm:sp3d/>
+    <dgm:txPr/>
+    <dgm:style>
+      <a:lnRef idx="2">
+        <a:scrgbClr r="0" g="0" b="0"/>
+      </a:lnRef>
+      <a:fillRef idx="1">
+        <a:scrgbClr r="0" g="0" b="0"/>
+      </a:fillRef>
+      <a:effectRef idx="0">
+        <a:scrgbClr r="0" g="0" b="0"/>
+      </a:effectRef>
+      <a:fontRef idx="minor">
+        <a:schemeClr val="lt1"/>
+      </a:fontRef>
+    </dgm:style>
+  </dgm:styleLbl>
+  <dgm:styleLbl name="fgImgPlace1">
+    <dgm:scene3d>
+      <a:camera prst="orthographicFront"/>
+      <a:lightRig rig="threePt" dir="t"/>
+    </dgm:scene3d>
+    <dgm:sp3d/>
+    <dgm:txPr/>
+    <dgm:style>
+      <a:lnRef idx="2">
+        <a:scrgbClr r="0" g="0" b="0"/>
+      </a:lnRef>
+      <a:fillRef idx="1">
+        <a:scrgbClr r="0" g="0" b="0"/>
+      </a:fillRef>
+      <a:effectRef idx="0">
+        <a:scrgbClr r="0" g="0" b="0"/>
+      </a:effectRef>
+      <a:fontRef idx="minor"/>
+    </dgm:style>
+  </dgm:styleLbl>
+  <dgm:styleLbl name="alignImgPlace1">
+    <dgm:scene3d>
+      <a:camera prst="orthographicFront"/>
+      <a:lightRig rig="threePt" dir="t"/>
+    </dgm:scene3d>
+    <dgm:sp3d/>
+    <dgm:txPr/>
+    <dgm:style>
+      <a:lnRef idx="2">
+        <a:scrgbClr r="0" g="0" b="0"/>
+      </a:lnRef>
+      <a:fillRef idx="1">
+        <a:scrgbClr r="0" g="0" b="0"/>
+      </a:fillRef>
+      <a:effectRef idx="0">
+        <a:scrgbClr r="0" g="0" b="0"/>
+      </a:effectRef>
+      <a:fontRef idx="minor"/>
+    </dgm:style>
+  </dgm:styleLbl>
+  <dgm:styleLbl name="bgImgPlace1">
+    <dgm:scene3d>
+      <a:camera prst="orthographicFront"/>
+      <a:lightRig rig="threePt" dir="t"/>
+    </dgm:scene3d>
+    <dgm:sp3d/>
+    <dgm:txPr/>
+    <dgm:style>
+      <a:lnRef idx="2">
+        <a:scrgbClr r="0" g="0" b="0"/>
+      </a:lnRef>
+      <a:fillRef idx="1">
+        <a:scrgbClr r="0" g="0" b="0"/>
+      </a:fillRef>
+      <a:effectRef idx="0">
+        <a:scrgbClr r="0" g="0" b="0"/>
+      </a:effectRef>
+      <a:fontRef idx="minor"/>
+    </dgm:style>
+  </dgm:styleLbl>
+  <dgm:styleLbl name="sibTrans2D1">
+    <dgm:scene3d>
+      <a:camera prst="orthographicFront"/>
+      <a:lightRig rig="threePt" dir="t"/>
+    </dgm:scene3d>
+    <dgm:sp3d/>
+    <dgm:txPr/>
+    <dgm:style>
+      <a:lnRef idx="0">
+        <a:scrgbClr r="0" g="0" b="0"/>
+      </a:lnRef>
+      <a:fillRef idx="1">
+        <a:scrgbClr r="0" g="0" b="0"/>
+      </a:fillRef>
+      <a:effectRef idx="0">
+        <a:scrgbClr r="0" g="0" b="0"/>
+      </a:effectRef>
+      <a:fontRef idx="minor">
+        <a:schemeClr val="lt1"/>
+      </a:fontRef>
+    </dgm:style>
+  </dgm:styleLbl>
+  <dgm:styleLbl name="fgSibTrans2D1">
+    <dgm:scene3d>
+      <a:camera prst="orthographicFront"/>
+      <a:lightRig rig="threePt" dir="t"/>
+    </dgm:scene3d>
+    <dgm:sp3d/>
+    <dgm:txPr/>
+    <dgm:style>
+      <a:lnRef idx="0">
+        <a:scrgbClr r="0" g="0" b="0"/>
+      </a:lnRef>
+      <a:fillRef idx="1">
+        <a:scrgbClr r="0" g="0" b="0"/>
+      </a:fillRef>
+      <a:effectRef idx="0">
+        <a:scrgbClr r="0" g="0" b="0"/>
+      </a:effectRef>
+      <a:fontRef idx="minor">
+        <a:schemeClr val="lt1"/>
+      </a:fontRef>
+    </dgm:style>
+  </dgm:styleLbl>
+  <dgm:styleLbl name="bgSibTrans2D1">
+    <dgm:scene3d>
+      <a:camera prst="orthographicFront"/>
+      <a:lightRig rig="threePt" dir="t"/>
+    </dgm:scene3d>
+    <dgm:sp3d/>
+    <dgm:txPr/>
+    <dgm:style>
+      <a:lnRef idx="0">
+        <a:scrgbClr r="0" g="0" b="0"/>
+      </a:lnRef>
+      <a:fillRef idx="1">
+        <a:scrgbClr r="0" g="0" b="0"/>
+      </a:fillRef>
+      <a:effectRef idx="0">
+        <a:scrgbClr r="0" g="0" b="0"/>
+      </a:effectRef>
+      <a:fontRef idx="minor">
+        <a:schemeClr val="lt1"/>
+      </a:fontRef>
+    </dgm:style>
+  </dgm:styleLbl>
+  <dgm:styleLbl name="sibTrans1D1">
+    <dgm:scene3d>
+      <a:camera prst="orthographicFront"/>
+      <a:lightRig rig="threePt" dir="t"/>
+    </dgm:scene3d>
+    <dgm:sp3d/>
+    <dgm:txPr/>
+    <dgm:style>
+      <a:lnRef idx="1">
+        <a:scrgbClr r="0" g="0" b="0"/>
+      </a:lnRef>
+      <a:fillRef idx="0">
+        <a:scrgbClr r="0" g="0" b="0"/>
+      </a:fillRef>
+      <a:effectRef idx="0">
+        <a:scrgbClr r="0" g="0" b="0"/>
+      </a:effectRef>
+      <a:fontRef idx="minor"/>
+    </dgm:style>
+  </dgm:styleLbl>
+  <dgm:styleLbl name="callout">
+    <dgm:scene3d>
+      <a:camera prst="orthographicFront"/>
+      <a:lightRig rig="threePt" dir="t"/>
+    </dgm:scene3d>
+    <dgm:sp3d/>
+    <dgm:txPr/>
+    <dgm:style>
+      <a:lnRef idx="2">
+        <a:scrgbClr r="0" g="0" b="0"/>
+      </a:lnRef>
+      <a:fillRef idx="1">
+        <a:scrgbClr r="0" g="0" b="0"/>
+      </a:fillRef>
+      <a:effectRef idx="0">
+        <a:scrgbClr r="0" g="0" b="0"/>
+      </a:effectRef>
+      <a:fontRef idx="minor"/>
+    </dgm:style>
+  </dgm:styleLbl>
+  <dgm:styleLbl name="asst0">
+    <dgm:scene3d>
+      <a:camera prst="orthographicFront"/>
+      <a:lightRig rig="threePt" dir="t"/>
+    </dgm:scene3d>
+    <dgm:sp3d/>
+    <dgm:txPr/>
+    <dgm:style>
+      <a:lnRef idx="2">
+        <a:scrgbClr r="0" g="0" b="0"/>
+      </a:lnRef>
+      <a:fillRef idx="1">
+        <a:scrgbClr r="0" g="0" b="0"/>
+      </a:fillRef>
+      <a:effectRef idx="0">
+        <a:scrgbClr r="0" g="0" b="0"/>
+      </a:effectRef>
+      <a:fontRef idx="minor">
+        <a:schemeClr val="lt1"/>
+      </a:fontRef>
+    </dgm:style>
+  </dgm:styleLbl>
+  <dgm:styleLbl name="asst1">
+    <dgm:scene3d>
+      <a:camera prst="orthographicFront"/>
+      <a:lightRig rig="threePt" dir="t"/>
+    </dgm:scene3d>
+    <dgm:sp3d/>
+    <dgm:txPr/>
+    <dgm:style>
+      <a:lnRef idx="2">
+        <a:scrgbClr r="0" g="0" b="0"/>
+      </a:lnRef>
+      <a:fillRef idx="1">
+        <a:scrgbClr r="0" g="0" b="0"/>
+      </a:fillRef>
+      <a:effectRef idx="0">
+        <a:scrgbClr r="0" g="0" b="0"/>
+      </a:effectRef>
+      <a:fontRef idx="minor">
+        <a:schemeClr val="lt1"/>
+      </a:fontRef>
+    </dgm:style>
+  </dgm:styleLbl>
+  <dgm:styleLbl name="asst2">
+    <dgm:scene3d>
+      <a:camera prst="orthographicFront"/>
+      <a:lightRig rig="threePt" dir="t"/>
+    </dgm:scene3d>
+    <dgm:sp3d/>
+    <dgm:txPr/>
+    <dgm:style>
+      <a:lnRef idx="2">
+        <a:scrgbClr r="0" g="0" b="0"/>
+      </a:lnRef>
+      <a:fillRef idx="1">
+        <a:scrgbClr r="0" g="0" b="0"/>
+      </a:fillRef>
+      <a:effectRef idx="0">
+        <a:scrgbClr r="0" g="0" b="0"/>
+      </a:effectRef>
+      <a:fontRef idx="minor">
+        <a:schemeClr val="lt1"/>
+      </a:fontRef>
+    </dgm:style>
+  </dgm:styleLbl>
+  <dgm:styleLbl name="asst3">
+    <dgm:scene3d>
+      <a:camera prst="orthographicFront"/>
+      <a:lightRig rig="threePt" dir="t"/>
+    </dgm:scene3d>
+    <dgm:sp3d/>
+    <dgm:txPr/>
+    <dgm:style>
+      <a:lnRef idx="2">
+        <a:scrgbClr r="0" g="0" b="0"/>
+      </a:lnRef>
+      <a:fillRef idx="1">
+        <a:scrgbClr r="0" g="0" b="0"/>
+      </a:fillRef>
+      <a:effectRef idx="0">
+        <a:scrgbClr r="0" g="0" b="0"/>
+      </a:effectRef>
+      <a:fontRef idx="minor">
+        <a:schemeClr val="lt1"/>
+      </a:fontRef>
+    </dgm:style>
+  </dgm:styleLbl>
+  <dgm:styleLbl name="asst4">
+    <dgm:scene3d>
+      <a:camera prst="orthographicFront"/>
+      <a:lightRig rig="threePt" dir="t"/>
+    </dgm:scene3d>
+    <dgm:sp3d/>
+    <dgm:txPr/>
+    <dgm:style>
+      <a:lnRef idx="2">
+        <a:scrgbClr r="0" g="0" b="0"/>
+      </a:lnRef>
+      <a:fillRef idx="1">
+        <a:scrgbClr r="0" g="0" b="0"/>
+      </a:fillRef>
+      <a:effectRef idx="0">
+        <a:scrgbClr r="0" g="0" b="0"/>
+      </a:effectRef>
+      <a:fontRef idx="minor">
+        <a:schemeClr val="lt1"/>
+      </a:fontRef>
+    </dgm:style>
+  </dgm:styleLbl>
+  <dgm:styleLbl name="parChTrans2D1">
+    <dgm:scene3d>
+      <a:camera prst="orthographicFront"/>
+      <a:lightRig rig="threePt" dir="t"/>
+    </dgm:scene3d>
+    <dgm:sp3d/>
+    <dgm:txPr/>
+    <dgm:style>
+      <a:lnRef idx="2">
+        <a:scrgbClr r="0" g="0" b="0"/>
+      </a:lnRef>
+      <a:fillRef idx="1">
+        <a:scrgbClr r="0" g="0" b="0"/>
+      </a:fillRef>
+      <a:effectRef idx="0">
+        <a:scrgbClr r="0" g="0" b="0"/>
+      </a:effectRef>
+      <a:fontRef idx="minor">
+        <a:schemeClr val="lt1"/>
+      </a:fontRef>
+    </dgm:style>
+  </dgm:styleLbl>
+  <dgm:styleLbl name="parChTrans2D2">
+    <dgm:scene3d>
+      <a:camera prst="orthographicFront"/>
+      <a:lightRig rig="threePt" dir="t"/>
+    </dgm:scene3d>
+    <dgm:sp3d/>
+    <dgm:txPr/>
+    <dgm:style>
+      <a:lnRef idx="2">
+        <a:scrgbClr r="0" g="0" b="0"/>
+      </a:lnRef>
+      <a:fillRef idx="1">
+        <a:scrgbClr r="0" g="0" b="0"/>
+      </a:fillRef>
+      <a:effectRef idx="0">
+        <a:scrgbClr r="0" g="0" b="0"/>
+      </a:effectRef>
+      <a:fontRef idx="minor">
+        <a:schemeClr val="lt1"/>
+      </a:fontRef>
+    </dgm:style>
+  </dgm:styleLbl>
+  <dgm:styleLbl name="parChTrans2D3">
+    <dgm:scene3d>
+      <a:camera prst="orthographicFront"/>
+      <a:lightRig rig="threePt" dir="t"/>
+    </dgm:scene3d>
+    <dgm:sp3d/>
+    <dgm:txPr/>
+    <dgm:style>
+      <a:lnRef idx="2">
+        <a:scrgbClr r="0" g="0" b="0"/>
+      </a:lnRef>
+      <a:fillRef idx="1">
+        <a:scrgbClr r="0" g="0" b="0"/>
+      </a:fillRef>
+      <a:effectRef idx="0">
+        <a:scrgbClr r="0" g="0" b="0"/>
+      </a:effectRef>
+      <a:fontRef idx="minor">
+        <a:schemeClr val="lt1"/>
+      </a:fontRef>
+    </dgm:style>
+  </dgm:styleLbl>
+  <dgm:styleLbl name="parChTrans2D4">
+    <dgm:scene3d>
+      <a:camera prst="orthographicFront"/>
+      <a:lightRig rig="threePt" dir="t"/>
+    </dgm:scene3d>
+    <dgm:sp3d/>
+    <dgm:txPr/>
+    <dgm:style>
+      <a:lnRef idx="2">
+        <a:scrgbClr r="0" g="0" b="0"/>
+      </a:lnRef>
+      <a:fillRef idx="1">
+        <a:scrgbClr r="0" g="0" b="0"/>
+      </a:fillRef>
+      <a:effectRef idx="0">
+        <a:scrgbClr r="0" g="0" b="0"/>
+      </a:effectRef>
+      <a:fontRef idx="minor">
+        <a:schemeClr val="lt1"/>
+      </a:fontRef>
+    </dgm:style>
+  </dgm:styleLbl>
+  <dgm:styleLbl name="parChTrans1D1">
+    <dgm:scene3d>
+      <a:camera prst="orthographicFront"/>
+      <a:lightRig rig="threePt" dir="t"/>
+    </dgm:scene3d>
+    <dgm:sp3d/>
+    <dgm:txPr/>
+    <dgm:style>
+      <a:lnRef idx="2">
+        <a:scrgbClr r="0" g="0" b="0"/>
+      </a:lnRef>
+      <a:fillRef idx="0">
+        <a:scrgbClr r="0" g="0" b="0"/>
+      </a:fillRef>
+      <a:effectRef idx="0">
+        <a:scrgbClr r="0" g="0" b="0"/>
+      </a:effectRef>
+      <a:fontRef idx="minor"/>
+    </dgm:style>
+  </dgm:styleLbl>
+  <dgm:styleLbl name="parChTrans1D2">
+    <dgm:scene3d>
+      <a:camera prst="orthographicFront"/>
+      <a:lightRig rig="threePt" dir="t"/>
+    </dgm:scene3d>
+    <dgm:sp3d/>
+    <dgm:txPr/>
+    <dgm:style>
+      <a:lnRef idx="2">
+        <a:scrgbClr r="0" g="0" b="0"/>
+      </a:lnRef>
+      <a:fillRef idx="0">
+        <a:scrgbClr r="0" g="0" b="0"/>
+      </a:fillRef>
+      <a:effectRef idx="0">
+        <a:scrgbClr r="0" g="0" b="0"/>
+      </a:effectRef>
+      <a:fontRef idx="minor"/>
+    </dgm:style>
+  </dgm:styleLbl>
+  <dgm:styleLbl name="parChTrans1D3">
+    <dgm:scene3d>
+      <a:camera prst="orthographicFront"/>
+      <a:lightRig rig="threePt" dir="t"/>
+    </dgm:scene3d>
+    <dgm:sp3d/>
+    <dgm:txPr/>
+    <dgm:style>
+      <a:lnRef idx="2">
+        <a:scrgbClr r="0" g="0" b="0"/>
+      </a:lnRef>
+      <a:fillRef idx="0">
+        <a:scrgbClr r="0" g="0" b="0"/>
+      </a:fillRef>
+      <a:effectRef idx="0">
+        <a:scrgbClr r="0" g="0" b="0"/>
+      </a:effectRef>
+      <a:fontRef idx="minor"/>
+    </dgm:style>
+  </dgm:styleLbl>
+  <dgm:styleLbl name="parChTrans1D4">
+    <dgm:scene3d>
+      <a:camera prst="orthographicFront"/>
+      <a:lightRig rig="threePt" dir="t"/>
+    </dgm:scene3d>
+    <dgm:sp3d/>
+    <dgm:txPr/>
+    <dgm:style>
+      <a:lnRef idx="2">
+        <a:scrgbClr r="0" g="0" b="0"/>
+      </a:lnRef>
+      <a:fillRef idx="0">
+        <a:scrgbClr r="0" g="0" b="0"/>
+      </a:fillRef>
+      <a:effectRef idx="0">
+        <a:scrgbClr r="0" g="0" b="0"/>
+      </a:effectRef>
+      <a:fontRef idx="minor"/>
+    </dgm:style>
+  </dgm:styleLbl>
+  <dgm:styleLbl name="fgAcc1">
+    <dgm:scene3d>
+      <a:camera prst="orthographicFront"/>
+      <a:lightRig rig="threePt" dir="t"/>
+    </dgm:scene3d>
+    <dgm:sp3d/>
+    <dgm:txPr/>
+    <dgm:style>
+      <a:lnRef idx="2">
+        <a:scrgbClr r="0" g="0" b="0"/>
+      </a:lnRef>
+      <a:fillRef idx="1">
+        <a:scrgbClr r="0" g="0" b="0"/>
+      </a:fillRef>
+      <a:effectRef idx="0">
+        <a:scrgbClr r="0" g="0" b="0"/>
+      </a:effectRef>
+      <a:fontRef idx="minor"/>
+    </dgm:style>
+  </dgm:styleLbl>
+  <dgm:styleLbl name="conFgAcc1">
+    <dgm:scene3d>
+      <a:camera prst="orthographicFront"/>
+      <a:lightRig rig="threePt" dir="t"/>
+    </dgm:scene3d>
+    <dgm:sp3d/>
+    <dgm:txPr/>
+    <dgm:style>
+      <a:lnRef idx="2">
+        <a:scrgbClr r="0" g="0" b="0"/>
+      </a:lnRef>
+      <a:fillRef idx="1">
+        <a:scrgbClr r="0" g="0" b="0"/>
+      </a:fillRef>
+      <a:effectRef idx="0">
+        <a:scrgbClr r="0" g="0" b="0"/>
+      </a:effectRef>
+      <a:fontRef idx="minor"/>
+    </dgm:style>
+  </dgm:styleLbl>
+  <dgm:styleLbl name="alignAcc1">
+    <dgm:scene3d>
+      <a:camera prst="orthographicFront"/>
+      <a:lightRig rig="threePt" dir="t"/>
+    </dgm:scene3d>
+    <dgm:sp3d/>
+    <dgm:txPr/>
+    <dgm:style>
+      <a:lnRef idx="2">
+        <a:scrgbClr r="0" g="0" b="0"/>
+      </a:lnRef>
+      <a:fillRef idx="1">
+        <a:scrgbClr r="0" g="0" b="0"/>
+      </a:fillRef>
+      <a:effectRef idx="0">
+        <a:scrgbClr r="0" g="0" b="0"/>
+      </a:effectRef>
+      <a:fontRef idx="minor"/>
+    </dgm:style>
+  </dgm:styleLbl>
+  <dgm:styleLbl name="trAlignAcc1">
+    <dgm:scene3d>
+      <a:camera prst="orthographicFront"/>
+      <a:lightRig rig="threePt" dir="t"/>
+    </dgm:scene3d>
+    <dgm:sp3d/>
+    <dgm:txPr/>
+    <dgm:style>
+      <a:lnRef idx="1">
+        <a:scrgbClr r="0" g="0" b="0"/>
+      </a:lnRef>
+      <a:fillRef idx="1">
+        <a:scrgbClr r="0" g="0" b="0"/>
+      </a:fillRef>
+      <a:effectRef idx="0">
+        <a:scrgbClr r="0" g="0" b="0"/>
+      </a:effectRef>
+      <a:fontRef idx="minor"/>
+    </dgm:style>
+  </dgm:styleLbl>
+  <dgm:styleLbl name="bgAcc1">
+    <dgm:scene3d>
+      <a:camera prst="orthographicFront"/>
+      <a:lightRig rig="threePt" dir="t"/>
+    </dgm:scene3d>
+    <dgm:sp3d/>
+    <dgm:txPr/>
+    <dgm:style>
+      <a:lnRef idx="2">
+        <a:scrgbClr r="0" g="0" b="0"/>
+      </a:lnRef>
+      <a:fillRef idx="1">
+        <a:scrgbClr r="0" g="0" b="0"/>
+      </a:fillRef>
+      <a:effectRef idx="0">
+        <a:scrgbClr r="0" g="0" b="0"/>
+      </a:effectRef>
+      <a:fontRef idx="minor"/>
+    </dgm:style>
+  </dgm:styleLbl>
+  <dgm:styleLbl name="solidFgAcc1">
+    <dgm:scene3d>
+      <a:camera prst="orthographicFront"/>
+      <a:lightRig rig="threePt" dir="t"/>
+    </dgm:scene3d>
+    <dgm:sp3d/>
+    <dgm:txPr/>
+    <dgm:style>
+      <a:lnRef idx="2">
+        <a:scrgbClr r="0" g="0" b="0"/>
+      </a:lnRef>
+      <a:fillRef idx="1">
+        <a:scrgbClr r="0" g="0" b="0"/>
+      </a:fillRef>
+      <a:effectRef idx="0">
+        <a:scrgbClr r="0" g="0" b="0"/>
+      </a:effectRef>
+      <a:fontRef idx="minor"/>
+    </dgm:style>
+  </dgm:styleLbl>
+  <dgm:styleLbl name="solidAlignAcc1">
+    <dgm:scene3d>
+      <a:camera prst="orthographicFront"/>
+      <a:lightRig rig="threePt" dir="t"/>
+    </dgm:scene3d>
+    <dgm:sp3d/>
+    <dgm:txPr/>
+    <dgm:style>
+      <a:lnRef idx="2">
+        <a:scrgbClr r="0" g="0" b="0"/>
+      </a:lnRef>
+      <a:fillRef idx="1">
+        <a:scrgbClr r="0" g="0" b="0"/>
+      </a:fillRef>
+      <a:effectRef idx="0">
+        <a:scrgbClr r="0" g="0" b="0"/>
+      </a:effectRef>
+      <a:fontRef idx="minor"/>
+    </dgm:style>
+  </dgm:styleLbl>
+  <dgm:styleLbl name="solidBgAcc1">
+    <dgm:scene3d>
+      <a:camera prst="orthographicFront"/>
+      <a:lightRig rig="threePt" dir="t"/>
+    </dgm:scene3d>
+    <dgm:sp3d/>
+    <dgm:txPr/>
+    <dgm:style>
+      <a:lnRef idx="2">
+        <a:scrgbClr r="0" g="0" b="0"/>
+      </a:lnRef>
+      <a:fillRef idx="1">
+        <a:scrgbClr r="0" g="0" b="0"/>
+      </a:fillRef>
+      <a:effectRef idx="0">
+        <a:scrgbClr r="0" g="0" b="0"/>
+      </a:effectRef>
+      <a:fontRef idx="minor"/>
+    </dgm:style>
+  </dgm:styleLbl>
+  <dgm:styleLbl name="fgAccFollowNode1">
+    <dgm:scene3d>
+      <a:camera prst="orthographicFront"/>
+      <a:lightRig rig="threePt" dir="t"/>
+    </dgm:scene3d>
+    <dgm:sp3d/>
+    <dgm:txPr/>
+    <dgm:style>
+      <a:lnRef idx="2">
+        <a:scrgbClr r="0" g="0" b="0"/>
+      </a:lnRef>
+      <a:fillRef idx="1">
+        <a:scrgbClr r="0" g="0" b="0"/>
+      </a:fillRef>
+      <a:effectRef idx="0">
+        <a:scrgbClr r="0" g="0" b="0"/>
+      </a:effectRef>
+      <a:fontRef idx="minor"/>
+    </dgm:style>
+  </dgm:styleLbl>
+  <dgm:styleLbl name="alignAccFollowNode1">
+    <dgm:scene3d>
+      <a:camera prst="orthographicFront"/>
+      <a:lightRig rig="threePt" dir="t"/>
+    </dgm:scene3d>
+    <dgm:sp3d/>
+    <dgm:txPr/>
+    <dgm:style>
+      <a:lnRef idx="2">
+        <a:scrgbClr r="0" g="0" b="0"/>
+      </a:lnRef>
+      <a:fillRef idx="1">
+        <a:scrgbClr r="0" g="0" b="0"/>
+      </a:fillRef>
+      <a:effectRef idx="0">
+        <a:scrgbClr r="0" g="0" b="0"/>
+      </a:effectRef>
+      <a:fontRef idx="minor"/>
+    </dgm:style>
+  </dgm:styleLbl>
+  <dgm:styleLbl name="bgAccFollowNode1">
+    <dgm:scene3d>
+      <a:camera prst="orthographicFront"/>
+      <a:lightRig rig="threePt" dir="t"/>
+    </dgm:scene3d>
+    <dgm:sp3d/>
+    <dgm:txPr/>
+    <dgm:style>
+      <a:lnRef idx="2">
+        <a:scrgbClr r="0" g="0" b="0"/>
+      </a:lnRef>
+      <a:fillRef idx="1">
+        <a:scrgbClr r="0" g="0" b="0"/>
+      </a:fillRef>
+      <a:effectRef idx="0">
+        <a:scrgbClr r="0" g="0" b="0"/>
+      </a:effectRef>
+      <a:fontRef idx="minor"/>
+    </dgm:style>
+  </dgm:styleLbl>
+  <dgm:styleLbl name="fgAcc0">
+    <dgm:scene3d>
+      <a:camera prst="orthographicFront"/>
+      <a:lightRig rig="threePt" dir="t"/>
+    </dgm:scene3d>
+    <dgm:sp3d/>
+    <dgm:txPr/>
+    <dgm:style>
+      <a:lnRef idx="2">
+        <a:scrgbClr r="0" g="0" b="0"/>
+      </a:lnRef>
+      <a:fillRef idx="1">
+        <a:scrgbClr r="0" g="0" b="0"/>
+      </a:fillRef>
+      <a:effectRef idx="0">
+        <a:scrgbClr r="0" g="0" b="0"/>
+      </a:effectRef>
+      <a:fontRef idx="minor"/>
+    </dgm:style>
+  </dgm:styleLbl>
+  <dgm:styleLbl name="fgAcc2">
+    <dgm:scene3d>
+      <a:camera prst="orthographicFront"/>
+      <a:lightRig rig="threePt" dir="t"/>
+    </dgm:scene3d>
+    <dgm:sp3d/>
+    <dgm:txPr/>
+    <dgm:style>
+      <a:lnRef idx="2">
+        <a:scrgbClr r="0" g="0" b="0"/>
+      </a:lnRef>
+      <a:fillRef idx="1">
+        <a:scrgbClr r="0" g="0" b="0"/>
+      </a:fillRef>
+      <a:effectRef idx="0">
+        <a:scrgbClr r="0" g="0" b="0"/>
+      </a:effectRef>
+      <a:fontRef idx="minor"/>
+    </dgm:style>
+  </dgm:styleLbl>
+  <dgm:styleLbl name="fgAcc3">
+    <dgm:scene3d>
+      <a:camera prst="orthographicFront"/>
+      <a:lightRig rig="threePt" dir="t"/>
+    </dgm:scene3d>
+    <dgm:sp3d/>
+    <dgm:txPr/>
+    <dgm:style>
+      <a:lnRef idx="2">
+        <a:scrgbClr r="0" g="0" b="0"/>
+      </a:lnRef>
+      <a:fillRef idx="1">
+        <a:scrgbClr r="0" g="0" b="0"/>
+      </a:fillRef>
+      <a:effectRef idx="0">
+        <a:scrgbClr r="0" g="0" b="0"/>
+      </a:effectRef>
+      <a:fontRef idx="minor"/>
+    </dgm:style>
+  </dgm:styleLbl>
+  <dgm:styleLbl name="fgAcc4">
+    <dgm:scene3d>
+      <a:camera prst="orthographicFront"/>
+      <a:lightRig rig="threePt" dir="t"/>
+    </dgm:scene3d>
+    <dgm:sp3d/>
+    <dgm:txPr/>
+    <dgm:style>
+      <a:lnRef idx="2">
+        <a:scrgbClr r="0" g="0" b="0"/>
+      </a:lnRef>
+      <a:fillRef idx="1">
+        <a:scrgbClr r="0" g="0" b="0"/>
+      </a:fillRef>
+      <a:effectRef idx="0">
+        <a:scrgbClr r="0" g="0" b="0"/>
+      </a:effectRef>
+      <a:fontRef idx="minor"/>
+    </dgm:style>
+  </dgm:styleLbl>
+  <dgm:styleLbl name="bgShp">
+    <dgm:scene3d>
+      <a:camera prst="orthographicFront"/>
+      <a:lightRig rig="threePt" dir="t"/>
+    </dgm:scene3d>
+    <dgm:sp3d/>
+    <dgm:txPr/>
+    <dgm:style>
+      <a:lnRef idx="0">
+        <a:scrgbClr r="0" g="0" b="0"/>
+      </a:lnRef>
+      <a:fillRef idx="1">
+        <a:scrgbClr r="0" g="0" b="0"/>
+      </a:fillRef>
+      <a:effectRef idx="0">
+        <a:scrgbClr r="0" g="0" b="0"/>
+      </a:effectRef>
+      <a:fontRef idx="minor"/>
+    </dgm:style>
+  </dgm:styleLbl>
+  <dgm:styleLbl name="dkBgShp">
+    <dgm:scene3d>
+      <a:camera prst="orthographicFront"/>
+      <a:lightRig rig="threePt" dir="t"/>
+    </dgm:scene3d>
+    <dgm:sp3d/>
+    <dgm:txPr/>
+    <dgm:style>
+      <a:lnRef idx="0">
+        <a:scrgbClr r="0" g="0" b="0"/>
+      </a:lnRef>
+      <a:fillRef idx="1">
+        <a:scrgbClr r="0" g="0" b="0"/>
+      </a:fillRef>
+      <a:effectRef idx="0">
+        <a:scrgbClr r="0" g="0" b="0"/>
+      </a:effectRef>
+      <a:fontRef idx="minor"/>
+    </dgm:style>
+  </dgm:styleLbl>
+  <dgm:styleLbl name="trBgShp">
+    <dgm:scene3d>
+      <a:camera prst="orthographicFront"/>
+      <a:lightRig rig="threePt" dir="t"/>
+    </dgm:scene3d>
+    <dgm:sp3d/>
+    <dgm:txPr/>
+    <dgm:style>
+      <a:lnRef idx="0">
+        <a:scrgbClr r="0" g="0" b="0"/>
+      </a:lnRef>
+      <a:fillRef idx="1">
+        <a:scrgbClr r="0" g="0" b="0"/>
+      </a:fillRef>
+      <a:effectRef idx="0">
+        <a:scrgbClr r="0" g="0" b="0"/>
+      </a:effectRef>
+      <a:fontRef idx="minor"/>
+    </dgm:style>
+  </dgm:styleLbl>
+  <dgm:styleLbl name="fgShp">
+    <dgm:scene3d>
+      <a:camera prst="orthographicFront"/>
+      <a:lightRig rig="threePt" dir="t"/>
+    </dgm:scene3d>
+    <dgm:sp3d/>
+    <dgm:txPr/>
+    <dgm:style>
+      <a:lnRef idx="2">
+        <a:scrgbClr r="0" g="0" b="0"/>
+      </a:lnRef>
+      <a:fillRef idx="1">
+        <a:scrgbClr r="0" g="0" b="0"/>
+      </a:fillRef>
+      <a:effectRef idx="0">
+        <a:scrgbClr r="0" g="0" b="0"/>
+      </a:effectRef>
+      <a:fontRef idx="minor"/>
+    </dgm:style>
+  </dgm:styleLbl>
+  <dgm:styleLbl name="revTx">
+    <dgm:scene3d>
+      <a:camera prst="orthographicFront"/>
+      <a:lightRig rig="threePt" dir="t"/>
+    </dgm:scene3d>
+    <dgm:sp3d/>
+    <dgm:txPr/>
+    <dgm:style>
+      <a:lnRef idx="0">
+        <a:scrgbClr r="0" g="0" b="0"/>
+      </a:lnRef>
+      <a:fillRef idx="0">
+        <a:scrgbClr r="0" g="0" b="0"/>
+      </a:fillRef>
+      <a:effectRef idx="0">
+        <a:scrgbClr r="0" g="0" b="0"/>
+      </a:effectRef>
+      <a:fontRef idx="minor"/>
+    </dgm:style>
+  </dgm:styleLbl>
+</dgm:styleDef>
+</file>
+
 <file path=ppt/slideLayouts/slideLayout1.xml><?xml version="1.0" encoding="utf-8"?>
 <p:sldLayout xmlns:a="http://schemas.openxmlformats.org/drawingml/2006/main" xmlns:r="http://schemas.openxmlformats.org/officeDocument/2006/relationships" xmlns:p="http://schemas.openxmlformats.org/presentationml/2006/main" type="title" preserve="1">
   <p:cSld name="Title Slide">
@@ -273,7 +6617,7 @@
           <a:p>
             <a:fld id="{0DC68087-21ED-4D11-84F5-9CB72CA4410E}" type="datetimeFigureOut">
               <a:rPr lang="th-TH" smtClean="0"/>
-              <a:t>16/08/66</a:t>
+              <a:t>21/08/66</a:t>
             </a:fld>
             <a:endParaRPr lang="th-TH"/>
           </a:p>
@@ -473,7 +6817,7 @@
           <a:p>
             <a:fld id="{0DC68087-21ED-4D11-84F5-9CB72CA4410E}" type="datetimeFigureOut">
               <a:rPr lang="th-TH" smtClean="0"/>
-              <a:t>16/08/66</a:t>
+              <a:t>21/08/66</a:t>
             </a:fld>
             <a:endParaRPr lang="th-TH"/>
           </a:p>
@@ -683,7 +7027,7 @@
           <a:p>
             <a:fld id="{0DC68087-21ED-4D11-84F5-9CB72CA4410E}" type="datetimeFigureOut">
               <a:rPr lang="th-TH" smtClean="0"/>
-              <a:t>16/08/66</a:t>
+              <a:t>21/08/66</a:t>
             </a:fld>
             <a:endParaRPr lang="th-TH"/>
           </a:p>
@@ -883,7 +7227,7 @@
           <a:p>
             <a:fld id="{0DC68087-21ED-4D11-84F5-9CB72CA4410E}" type="datetimeFigureOut">
               <a:rPr lang="th-TH" smtClean="0"/>
-              <a:t>16/08/66</a:t>
+              <a:t>21/08/66</a:t>
             </a:fld>
             <a:endParaRPr lang="th-TH"/>
           </a:p>
@@ -1159,7 +7503,7 @@
           <a:p>
             <a:fld id="{0DC68087-21ED-4D11-84F5-9CB72CA4410E}" type="datetimeFigureOut">
               <a:rPr lang="th-TH" smtClean="0"/>
-              <a:t>16/08/66</a:t>
+              <a:t>21/08/66</a:t>
             </a:fld>
             <a:endParaRPr lang="th-TH"/>
           </a:p>
@@ -1427,7 +7771,7 @@
           <a:p>
             <a:fld id="{0DC68087-21ED-4D11-84F5-9CB72CA4410E}" type="datetimeFigureOut">
               <a:rPr lang="th-TH" smtClean="0"/>
-              <a:t>16/08/66</a:t>
+              <a:t>21/08/66</a:t>
             </a:fld>
             <a:endParaRPr lang="th-TH"/>
           </a:p>
@@ -1842,7 +8186,7 @@
           <a:p>
             <a:fld id="{0DC68087-21ED-4D11-84F5-9CB72CA4410E}" type="datetimeFigureOut">
               <a:rPr lang="th-TH" smtClean="0"/>
-              <a:t>16/08/66</a:t>
+              <a:t>21/08/66</a:t>
             </a:fld>
             <a:endParaRPr lang="th-TH"/>
           </a:p>
@@ -1984,7 +8328,7 @@
           <a:p>
             <a:fld id="{0DC68087-21ED-4D11-84F5-9CB72CA4410E}" type="datetimeFigureOut">
               <a:rPr lang="th-TH" smtClean="0"/>
-              <a:t>16/08/66</a:t>
+              <a:t>21/08/66</a:t>
             </a:fld>
             <a:endParaRPr lang="th-TH"/>
           </a:p>
@@ -2097,7 +8441,7 @@
           <a:p>
             <a:fld id="{0DC68087-21ED-4D11-84F5-9CB72CA4410E}" type="datetimeFigureOut">
               <a:rPr lang="th-TH" smtClean="0"/>
-              <a:t>16/08/66</a:t>
+              <a:t>21/08/66</a:t>
             </a:fld>
             <a:endParaRPr lang="th-TH"/>
           </a:p>
@@ -2410,7 +8754,7 @@
           <a:p>
             <a:fld id="{0DC68087-21ED-4D11-84F5-9CB72CA4410E}" type="datetimeFigureOut">
               <a:rPr lang="th-TH" smtClean="0"/>
-              <a:t>16/08/66</a:t>
+              <a:t>21/08/66</a:t>
             </a:fld>
             <a:endParaRPr lang="th-TH"/>
           </a:p>
@@ -2699,7 +9043,7 @@
           <a:p>
             <a:fld id="{0DC68087-21ED-4D11-84F5-9CB72CA4410E}" type="datetimeFigureOut">
               <a:rPr lang="th-TH" smtClean="0"/>
-              <a:t>16/08/66</a:t>
+              <a:t>21/08/66</a:t>
             </a:fld>
             <a:endParaRPr lang="th-TH"/>
           </a:p>
@@ -2942,7 +9286,7 @@
           <a:p>
             <a:fld id="{0DC68087-21ED-4D11-84F5-9CB72CA4410E}" type="datetimeFigureOut">
               <a:rPr lang="th-TH" smtClean="0"/>
-              <a:t>16/08/66</a:t>
+              <a:t>21/08/66</a:t>
             </a:fld>
             <a:endParaRPr lang="th-TH"/>
           </a:p>
@@ -3470,7 +9814,7 @@
           <a:p>
             <a:r>
               <a:rPr lang="en-US" dirty="0"/>
-              <a:t>DES parameter initialization</a:t>
+              <a:t>DES Assumptions</a:t>
             </a:r>
             <a:endParaRPr lang="th-TH" dirty="0"/>
           </a:p>
@@ -3499,6 +9843,94 @@
           <a:p>
             <a:r>
               <a:rPr lang="en-US" dirty="0"/>
+              <a:t>List of assumptions applied to DES</a:t>
+            </a:r>
+            <a:endParaRPr lang="th-TH" dirty="0"/>
+          </a:p>
+        </p:txBody>
+      </p:sp>
+    </p:spTree>
+    <p:extLst>
+      <p:ext uri="{BB962C8B-B14F-4D97-AF65-F5344CB8AC3E}">
+        <p14:creationId xmlns:p14="http://schemas.microsoft.com/office/powerpoint/2010/main" val="2017628106"/>
+      </p:ext>
+    </p:extLst>
+  </p:cSld>
+  <p:clrMapOvr>
+    <a:masterClrMapping/>
+  </p:clrMapOvr>
+</p:sld>
+</file>
+
+<file path=ppt/slides/slide11.xml><?xml version="1.0" encoding="utf-8"?>
+<p:sld xmlns:a="http://schemas.openxmlformats.org/drawingml/2006/main" xmlns:r="http://schemas.openxmlformats.org/officeDocument/2006/relationships" xmlns:p="http://schemas.openxmlformats.org/presentationml/2006/main">
+  <p:cSld>
+    <p:spTree>
+      <p:nvGrpSpPr>
+        <p:cNvPr id="1" name=""/>
+        <p:cNvGrpSpPr/>
+        <p:nvPr/>
+      </p:nvGrpSpPr>
+      <p:grpSpPr>
+        <a:xfrm>
+          <a:off x="0" y="0"/>
+          <a:ext cx="0" cy="0"/>
+          <a:chOff x="0" y="0"/>
+          <a:chExt cx="0" cy="0"/>
+        </a:xfrm>
+      </p:grpSpPr>
+      <p:sp>
+        <p:nvSpPr>
+          <p:cNvPr id="2" name="Title 1">
+            <a:extLst>
+              <a:ext uri="{FF2B5EF4-FFF2-40B4-BE49-F238E27FC236}">
+                <a16:creationId xmlns:a16="http://schemas.microsoft.com/office/drawing/2014/main" id="{3D65D1A6-E5C4-4E43-A4C0-A9FD06633B3F}"/>
+              </a:ext>
+            </a:extLst>
+          </p:cNvPr>
+          <p:cNvSpPr>
+            <a:spLocks noGrp="1"/>
+          </p:cNvSpPr>
+          <p:nvPr>
+            <p:ph type="title"/>
+          </p:nvPr>
+        </p:nvSpPr>
+        <p:spPr/>
+        <p:txBody>
+          <a:bodyPr/>
+          <a:lstStyle/>
+          <a:p>
+            <a:r>
+              <a:rPr lang="en-US" dirty="0"/>
+              <a:t>DES parameter initialization</a:t>
+            </a:r>
+            <a:endParaRPr lang="th-TH" dirty="0"/>
+          </a:p>
+        </p:txBody>
+      </p:sp>
+      <p:sp>
+        <p:nvSpPr>
+          <p:cNvPr id="3" name="Content Placeholder 2">
+            <a:extLst>
+              <a:ext uri="{FF2B5EF4-FFF2-40B4-BE49-F238E27FC236}">
+                <a16:creationId xmlns:a16="http://schemas.microsoft.com/office/drawing/2014/main" id="{B9DA14B2-635A-45ED-98F2-E3ECDED05FC1}"/>
+              </a:ext>
+            </a:extLst>
+          </p:cNvPr>
+          <p:cNvSpPr>
+            <a:spLocks noGrp="1"/>
+          </p:cNvSpPr>
+          <p:nvPr>
+            <p:ph idx="1"/>
+          </p:nvPr>
+        </p:nvSpPr>
+        <p:spPr/>
+        <p:txBody>
+          <a:bodyPr/>
+          <a:lstStyle/>
+          <a:p>
+            <a:r>
+              <a:rPr lang="en-US" dirty="0"/>
               <a:t>Parameter initialization</a:t>
             </a:r>
             <a:endParaRPr lang="th-TH" dirty="0"/>
@@ -3518,7 +9950,7 @@
 </p:sld>
 </file>
 
-<file path=ppt/slides/slide11.xml><?xml version="1.0" encoding="utf-8"?>
+<file path=ppt/slides/slide12.xml><?xml version="1.0" encoding="utf-8"?>
 <p:sld xmlns:a="http://schemas.openxmlformats.org/drawingml/2006/main" xmlns:r="http://schemas.openxmlformats.org/officeDocument/2006/relationships" xmlns:p="http://schemas.openxmlformats.org/presentationml/2006/main">
   <p:cSld>
     <p:spTree>
@@ -3602,7 +10034,7 @@
 </p:sld>
 </file>
 
-<file path=ppt/slides/slide12.xml><?xml version="1.0" encoding="utf-8"?>
+<file path=ppt/slides/slide13.xml><?xml version="1.0" encoding="utf-8"?>
 <p:sld xmlns:a="http://schemas.openxmlformats.org/drawingml/2006/main" xmlns:r="http://schemas.openxmlformats.org/officeDocument/2006/relationships" xmlns:p="http://schemas.openxmlformats.org/presentationml/2006/main">
   <p:cSld>
     <p:spTree>
@@ -3686,7 +10118,7 @@
 </p:sld>
 </file>
 
-<file path=ppt/slides/slide13.xml><?xml version="1.0" encoding="utf-8"?>
+<file path=ppt/slides/slide14.xml><?xml version="1.0" encoding="utf-8"?>
 <p:sld xmlns:a="http://schemas.openxmlformats.org/drawingml/2006/main" xmlns:r="http://schemas.openxmlformats.org/officeDocument/2006/relationships" xmlns:p="http://schemas.openxmlformats.org/presentationml/2006/main">
   <p:cSld>
     <p:spTree>
@@ -4455,45 +10887,47 @@
           <a:p>
             <a:r>
               <a:rPr lang="en-US" dirty="0"/>
-              <a:t>DES Assumptions</a:t>
+              <a:t>Simple Abstract Hospital Pathway</a:t>
             </a:r>
             <a:endParaRPr lang="th-TH" dirty="0"/>
           </a:p>
         </p:txBody>
       </p:sp>
-      <p:sp>
-        <p:nvSpPr>
-          <p:cNvPr id="3" name="Content Placeholder 2">
+      <p:graphicFrame>
+        <p:nvGraphicFramePr>
+          <p:cNvPr id="4" name="Content Placeholder 3">
             <a:extLst>
               <a:ext uri="{FF2B5EF4-FFF2-40B4-BE49-F238E27FC236}">
-                <a16:creationId xmlns:a16="http://schemas.microsoft.com/office/drawing/2014/main" id="{B9DA14B2-635A-45ED-98F2-E3ECDED05FC1}"/>
+                <a16:creationId xmlns:a16="http://schemas.microsoft.com/office/drawing/2014/main" id="{AC7DA581-4641-4183-8E96-11506CEC7D67}"/>
               </a:ext>
             </a:extLst>
           </p:cNvPr>
-          <p:cNvSpPr>
-            <a:spLocks noGrp="1"/>
-          </p:cNvSpPr>
+          <p:cNvGraphicFramePr>
+            <a:graphicFrameLocks noGrp="1"/>
+          </p:cNvGraphicFramePr>
           <p:nvPr>
             <p:ph idx="1"/>
+            <p:extLst>
+              <p:ext uri="{D42A27DB-BD31-4B8C-83A1-F6EECF244321}">
+                <p14:modId xmlns:p14="http://schemas.microsoft.com/office/powerpoint/2010/main" val="4080003139"/>
+              </p:ext>
+            </p:extLst>
           </p:nvPr>
-        </p:nvSpPr>
-        <p:spPr/>
-        <p:txBody>
-          <a:bodyPr/>
-          <a:lstStyle/>
-          <a:p>
-            <a:r>
-              <a:rPr lang="en-US" dirty="0"/>
-              <a:t>List of assumptions applied to DES</a:t>
-            </a:r>
-            <a:endParaRPr lang="th-TH" dirty="0"/>
-          </a:p>
-        </p:txBody>
-      </p:sp>
+        </p:nvGraphicFramePr>
+        <p:xfrm>
+          <a:off x="838200" y="1825625"/>
+          <a:ext cx="10515600" cy="4351338"/>
+        </p:xfrm>
+        <a:graphic>
+          <a:graphicData uri="http://schemas.openxmlformats.org/drawingml/2006/diagram">
+            <dgm:relIds xmlns:dgm="http://schemas.openxmlformats.org/drawingml/2006/diagram" xmlns:r="http://schemas.openxmlformats.org/officeDocument/2006/relationships" r:dm="rId2" r:lo="rId3" r:qs="rId4" r:cs="rId5"/>
+          </a:graphicData>
+        </a:graphic>
+      </p:graphicFrame>
     </p:spTree>
     <p:extLst>
       <p:ext uri="{BB962C8B-B14F-4D97-AF65-F5344CB8AC3E}">
-        <p14:creationId xmlns:p14="http://schemas.microsoft.com/office/powerpoint/2010/main" val="2017628106"/>
+        <p14:creationId xmlns:p14="http://schemas.microsoft.com/office/powerpoint/2010/main" val="2773453016"/>
       </p:ext>
     </p:extLst>
   </p:cSld>

--- a/memo_presentation/memo.pptx
+++ b/memo_presentation/memo.pptx
@@ -6617,7 +6617,7 @@
           <a:p>
             <a:fld id="{0DC68087-21ED-4D11-84F5-9CB72CA4410E}" type="datetimeFigureOut">
               <a:rPr lang="th-TH" smtClean="0"/>
-              <a:t>21/08/66</a:t>
+              <a:t>22/08/66</a:t>
             </a:fld>
             <a:endParaRPr lang="th-TH"/>
           </a:p>
@@ -6817,7 +6817,7 @@
           <a:p>
             <a:fld id="{0DC68087-21ED-4D11-84F5-9CB72CA4410E}" type="datetimeFigureOut">
               <a:rPr lang="th-TH" smtClean="0"/>
-              <a:t>21/08/66</a:t>
+              <a:t>22/08/66</a:t>
             </a:fld>
             <a:endParaRPr lang="th-TH"/>
           </a:p>
@@ -7027,7 +7027,7 @@
           <a:p>
             <a:fld id="{0DC68087-21ED-4D11-84F5-9CB72CA4410E}" type="datetimeFigureOut">
               <a:rPr lang="th-TH" smtClean="0"/>
-              <a:t>21/08/66</a:t>
+              <a:t>22/08/66</a:t>
             </a:fld>
             <a:endParaRPr lang="th-TH"/>
           </a:p>
@@ -7227,7 +7227,7 @@
           <a:p>
             <a:fld id="{0DC68087-21ED-4D11-84F5-9CB72CA4410E}" type="datetimeFigureOut">
               <a:rPr lang="th-TH" smtClean="0"/>
-              <a:t>21/08/66</a:t>
+              <a:t>22/08/66</a:t>
             </a:fld>
             <a:endParaRPr lang="th-TH"/>
           </a:p>
@@ -7503,7 +7503,7 @@
           <a:p>
             <a:fld id="{0DC68087-21ED-4D11-84F5-9CB72CA4410E}" type="datetimeFigureOut">
               <a:rPr lang="th-TH" smtClean="0"/>
-              <a:t>21/08/66</a:t>
+              <a:t>22/08/66</a:t>
             </a:fld>
             <a:endParaRPr lang="th-TH"/>
           </a:p>
@@ -7771,7 +7771,7 @@
           <a:p>
             <a:fld id="{0DC68087-21ED-4D11-84F5-9CB72CA4410E}" type="datetimeFigureOut">
               <a:rPr lang="th-TH" smtClean="0"/>
-              <a:t>21/08/66</a:t>
+              <a:t>22/08/66</a:t>
             </a:fld>
             <a:endParaRPr lang="th-TH"/>
           </a:p>
@@ -8186,7 +8186,7 @@
           <a:p>
             <a:fld id="{0DC68087-21ED-4D11-84F5-9CB72CA4410E}" type="datetimeFigureOut">
               <a:rPr lang="th-TH" smtClean="0"/>
-              <a:t>21/08/66</a:t>
+              <a:t>22/08/66</a:t>
             </a:fld>
             <a:endParaRPr lang="th-TH"/>
           </a:p>
@@ -8328,7 +8328,7 @@
           <a:p>
             <a:fld id="{0DC68087-21ED-4D11-84F5-9CB72CA4410E}" type="datetimeFigureOut">
               <a:rPr lang="th-TH" smtClean="0"/>
-              <a:t>21/08/66</a:t>
+              <a:t>22/08/66</a:t>
             </a:fld>
             <a:endParaRPr lang="th-TH"/>
           </a:p>
@@ -8441,7 +8441,7 @@
           <a:p>
             <a:fld id="{0DC68087-21ED-4D11-84F5-9CB72CA4410E}" type="datetimeFigureOut">
               <a:rPr lang="th-TH" smtClean="0"/>
-              <a:t>21/08/66</a:t>
+              <a:t>22/08/66</a:t>
             </a:fld>
             <a:endParaRPr lang="th-TH"/>
           </a:p>
@@ -8754,7 +8754,7 @@
           <a:p>
             <a:fld id="{0DC68087-21ED-4D11-84F5-9CB72CA4410E}" type="datetimeFigureOut">
               <a:rPr lang="th-TH" smtClean="0"/>
-              <a:t>21/08/66</a:t>
+              <a:t>22/08/66</a:t>
             </a:fld>
             <a:endParaRPr lang="th-TH"/>
           </a:p>
@@ -9043,7 +9043,7 @@
           <a:p>
             <a:fld id="{0DC68087-21ED-4D11-84F5-9CB72CA4410E}" type="datetimeFigureOut">
               <a:rPr lang="th-TH" smtClean="0"/>
-              <a:t>21/08/66</a:t>
+              <a:t>22/08/66</a:t>
             </a:fld>
             <a:endParaRPr lang="th-TH"/>
           </a:p>
@@ -9286,7 +9286,7 @@
           <a:p>
             <a:fld id="{0DC68087-21ED-4D11-84F5-9CB72CA4410E}" type="datetimeFigureOut">
               <a:rPr lang="th-TH" smtClean="0"/>
-              <a:t>21/08/66</a:t>
+              <a:t>22/08/66</a:t>
             </a:fld>
             <a:endParaRPr lang="th-TH"/>
           </a:p>
@@ -10909,7 +10909,7 @@
             <p:ph idx="1"/>
             <p:extLst>
               <p:ext uri="{D42A27DB-BD31-4B8C-83A1-F6EECF244321}">
-                <p14:modId xmlns:p14="http://schemas.microsoft.com/office/powerpoint/2010/main" val="4080003139"/>
+                <p14:modId xmlns:p14="http://schemas.microsoft.com/office/powerpoint/2010/main" val="245429331"/>
               </p:ext>
             </p:extLst>
           </p:nvPr>

--- a/memo_presentation/memo.pptx
+++ b/memo_presentation/memo.pptx
@@ -4,21 +4,25 @@
   <p:sldMasterIdLst>
     <p:sldMasterId id="2147483648" r:id="rId1"/>
   </p:sldMasterIdLst>
+  <p:notesMasterIdLst>
+    <p:notesMasterId r:id="rId17"/>
+  </p:notesMasterIdLst>
   <p:sldIdLst>
     <p:sldId id="256" r:id="rId2"/>
     <p:sldId id="257" r:id="rId3"/>
     <p:sldId id="258" r:id="rId4"/>
     <p:sldId id="260" r:id="rId5"/>
-    <p:sldId id="259" r:id="rId6"/>
-    <p:sldId id="261" r:id="rId7"/>
+    <p:sldId id="261" r:id="rId6"/>
+    <p:sldId id="259" r:id="rId7"/>
     <p:sldId id="262" r:id="rId8"/>
     <p:sldId id="263" r:id="rId9"/>
     <p:sldId id="269" r:id="rId10"/>
     <p:sldId id="264" r:id="rId11"/>
-    <p:sldId id="268" r:id="rId12"/>
-    <p:sldId id="265" r:id="rId13"/>
-    <p:sldId id="266" r:id="rId14"/>
-    <p:sldId id="267" r:id="rId15"/>
+    <p:sldId id="270" r:id="rId12"/>
+    <p:sldId id="268" r:id="rId13"/>
+    <p:sldId id="265" r:id="rId14"/>
+    <p:sldId id="266" r:id="rId15"/>
+    <p:sldId id="267" r:id="rId16"/>
   </p:sldIdLst>
   <p:sldSz cx="12192000" cy="6858000"/>
   <p:notesSz cx="6858000" cy="9144000"/>
@@ -1515,43 +1519,6 @@
         </a:p>
       </dgm:t>
     </dgm:pt>
-    <dgm:pt modelId="{72162A2F-5C49-4270-B522-C132FF6C5537}">
-      <dgm:prSet phldrT="[Text]"/>
-      <dgm:spPr/>
-      <dgm:t>
-        <a:bodyPr/>
-        <a:lstStyle/>
-        <a:p>
-          <a:r>
-            <a:rPr lang="en-US" dirty="0"/>
-            <a:t>Discharge</a:t>
-          </a:r>
-          <a:endParaRPr lang="th-TH" dirty="0"/>
-        </a:p>
-      </dgm:t>
-    </dgm:pt>
-    <dgm:pt modelId="{370FBC40-5DB2-434B-83D2-10538E94F0AF}" type="parTrans" cxnId="{55940D5C-C451-4F50-8317-9A54E656B888}">
-      <dgm:prSet/>
-      <dgm:spPr/>
-      <dgm:t>
-        <a:bodyPr/>
-        <a:lstStyle/>
-        <a:p>
-          <a:endParaRPr lang="th-TH"/>
-        </a:p>
-      </dgm:t>
-    </dgm:pt>
-    <dgm:pt modelId="{9085C2AA-ABFD-4E02-8155-64A1A3A9A8D5}" type="sibTrans" cxnId="{55940D5C-C451-4F50-8317-9A54E656B888}">
-      <dgm:prSet/>
-      <dgm:spPr/>
-      <dgm:t>
-        <a:bodyPr/>
-        <a:lstStyle/>
-        <a:p>
-          <a:endParaRPr lang="th-TH"/>
-        </a:p>
-      </dgm:t>
-    </dgm:pt>
     <dgm:pt modelId="{2F77676C-C658-4D08-B694-09CF117EBBA4}">
       <dgm:prSet phldrT="[Text]"/>
       <dgm:spPr/>
@@ -1636,7 +1603,7 @@
       <dgm:spPr/>
     </dgm:pt>
     <dgm:pt modelId="{4941B5CD-0ECE-4115-9CA7-A05B17C51921}" type="pres">
-      <dgm:prSet presAssocID="{2F77676C-C658-4D08-B694-09CF117EBBA4}" presName="node" presStyleLbl="node1" presStyleIdx="0" presStyleCnt="20">
+      <dgm:prSet presAssocID="{2F77676C-C658-4D08-B694-09CF117EBBA4}" presName="node" presStyleLbl="node1" presStyleIdx="0" presStyleCnt="19">
         <dgm:presLayoutVars>
           <dgm:bulletEnabled val="1"/>
         </dgm:presLayoutVars>
@@ -1644,15 +1611,15 @@
       <dgm:spPr/>
     </dgm:pt>
     <dgm:pt modelId="{43DBF843-8C0D-4495-8223-2156EBB3719B}" type="pres">
-      <dgm:prSet presAssocID="{A2AD26DB-72F1-4E8A-BFBC-B504F4528B9A}" presName="sibTrans" presStyleLbl="sibTrans1D1" presStyleIdx="0" presStyleCnt="19"/>
+      <dgm:prSet presAssocID="{A2AD26DB-72F1-4E8A-BFBC-B504F4528B9A}" presName="sibTrans" presStyleLbl="sibTrans1D1" presStyleIdx="0" presStyleCnt="18"/>
       <dgm:spPr/>
     </dgm:pt>
     <dgm:pt modelId="{6FB8C09B-CFA6-40DA-B34B-E38D57190D51}" type="pres">
-      <dgm:prSet presAssocID="{A2AD26DB-72F1-4E8A-BFBC-B504F4528B9A}" presName="connectorText" presStyleLbl="sibTrans1D1" presStyleIdx="0" presStyleCnt="19"/>
+      <dgm:prSet presAssocID="{A2AD26DB-72F1-4E8A-BFBC-B504F4528B9A}" presName="connectorText" presStyleLbl="sibTrans1D1" presStyleIdx="0" presStyleCnt="18"/>
       <dgm:spPr/>
     </dgm:pt>
     <dgm:pt modelId="{9C62290D-BE55-429D-A5FF-7618DE0682EB}" type="pres">
-      <dgm:prSet presAssocID="{BFEFCC56-515B-40E1-8B19-F5775F4D8000}" presName="node" presStyleLbl="node1" presStyleIdx="1" presStyleCnt="20">
+      <dgm:prSet presAssocID="{BFEFCC56-515B-40E1-8B19-F5775F4D8000}" presName="node" presStyleLbl="node1" presStyleIdx="1" presStyleCnt="19">
         <dgm:presLayoutVars>
           <dgm:bulletEnabled val="1"/>
         </dgm:presLayoutVars>
@@ -1660,15 +1627,15 @@
       <dgm:spPr/>
     </dgm:pt>
     <dgm:pt modelId="{0AF4CE5B-5258-44F6-BA45-15C99ED38F98}" type="pres">
-      <dgm:prSet presAssocID="{D345323E-36DB-4892-A1F8-72B000E02133}" presName="sibTrans" presStyleLbl="sibTrans1D1" presStyleIdx="1" presStyleCnt="19"/>
+      <dgm:prSet presAssocID="{D345323E-36DB-4892-A1F8-72B000E02133}" presName="sibTrans" presStyleLbl="sibTrans1D1" presStyleIdx="1" presStyleCnt="18"/>
       <dgm:spPr/>
     </dgm:pt>
     <dgm:pt modelId="{A7B71CD1-12F2-406D-B3FB-02C82D59BD85}" type="pres">
-      <dgm:prSet presAssocID="{D345323E-36DB-4892-A1F8-72B000E02133}" presName="connectorText" presStyleLbl="sibTrans1D1" presStyleIdx="1" presStyleCnt="19"/>
+      <dgm:prSet presAssocID="{D345323E-36DB-4892-A1F8-72B000E02133}" presName="connectorText" presStyleLbl="sibTrans1D1" presStyleIdx="1" presStyleCnt="18"/>
       <dgm:spPr/>
     </dgm:pt>
     <dgm:pt modelId="{DF7E91C3-DD99-4919-A4D8-5DE20CCE3BB5}" type="pres">
-      <dgm:prSet presAssocID="{731BE5A9-B77E-4017-ACC0-EFFE71D1C6ED}" presName="node" presStyleLbl="node1" presStyleIdx="2" presStyleCnt="20">
+      <dgm:prSet presAssocID="{731BE5A9-B77E-4017-ACC0-EFFE71D1C6ED}" presName="node" presStyleLbl="node1" presStyleIdx="2" presStyleCnt="19">
         <dgm:presLayoutVars>
           <dgm:bulletEnabled val="1"/>
         </dgm:presLayoutVars>
@@ -1676,15 +1643,15 @@
       <dgm:spPr/>
     </dgm:pt>
     <dgm:pt modelId="{0D96A75C-68A8-4DC2-900E-7FB4519074BD}" type="pres">
-      <dgm:prSet presAssocID="{BB3D572D-522A-4B03-A7C7-1F6D3F386A04}" presName="sibTrans" presStyleLbl="sibTrans1D1" presStyleIdx="2" presStyleCnt="19"/>
+      <dgm:prSet presAssocID="{BB3D572D-522A-4B03-A7C7-1F6D3F386A04}" presName="sibTrans" presStyleLbl="sibTrans1D1" presStyleIdx="2" presStyleCnt="18"/>
       <dgm:spPr/>
     </dgm:pt>
     <dgm:pt modelId="{5C70C081-CD06-4A8A-B03B-8B225047B9A4}" type="pres">
-      <dgm:prSet presAssocID="{BB3D572D-522A-4B03-A7C7-1F6D3F386A04}" presName="connectorText" presStyleLbl="sibTrans1D1" presStyleIdx="2" presStyleCnt="19"/>
+      <dgm:prSet presAssocID="{BB3D572D-522A-4B03-A7C7-1F6D3F386A04}" presName="connectorText" presStyleLbl="sibTrans1D1" presStyleIdx="2" presStyleCnt="18"/>
       <dgm:spPr/>
     </dgm:pt>
     <dgm:pt modelId="{F4215D72-CEEA-4FFE-9EB8-BAEFEC96D933}" type="pres">
-      <dgm:prSet presAssocID="{805ACA22-6025-4D74-BFB1-D0835F23152E}" presName="node" presStyleLbl="node1" presStyleIdx="3" presStyleCnt="20">
+      <dgm:prSet presAssocID="{805ACA22-6025-4D74-BFB1-D0835F23152E}" presName="node" presStyleLbl="node1" presStyleIdx="3" presStyleCnt="19">
         <dgm:presLayoutVars>
           <dgm:bulletEnabled val="1"/>
         </dgm:presLayoutVars>
@@ -1692,15 +1659,15 @@
       <dgm:spPr/>
     </dgm:pt>
     <dgm:pt modelId="{16CB0B67-D848-4686-AA04-75D48008BE0B}" type="pres">
-      <dgm:prSet presAssocID="{AF5EAAE4-1964-4444-9EEB-23D37AA18486}" presName="sibTrans" presStyleLbl="sibTrans1D1" presStyleIdx="3" presStyleCnt="19"/>
+      <dgm:prSet presAssocID="{AF5EAAE4-1964-4444-9EEB-23D37AA18486}" presName="sibTrans" presStyleLbl="sibTrans1D1" presStyleIdx="3" presStyleCnt="18"/>
       <dgm:spPr/>
     </dgm:pt>
     <dgm:pt modelId="{8A642D28-249F-4CC0-9598-DE43FEF04853}" type="pres">
-      <dgm:prSet presAssocID="{AF5EAAE4-1964-4444-9EEB-23D37AA18486}" presName="connectorText" presStyleLbl="sibTrans1D1" presStyleIdx="3" presStyleCnt="19"/>
+      <dgm:prSet presAssocID="{AF5EAAE4-1964-4444-9EEB-23D37AA18486}" presName="connectorText" presStyleLbl="sibTrans1D1" presStyleIdx="3" presStyleCnt="18"/>
       <dgm:spPr/>
     </dgm:pt>
     <dgm:pt modelId="{ACCF4353-2FB7-41BA-BD16-7B33915D2E1F}" type="pres">
-      <dgm:prSet presAssocID="{3579BEAD-4A2F-4D35-A1E6-80EE62D8C659}" presName="node" presStyleLbl="node1" presStyleIdx="4" presStyleCnt="20">
+      <dgm:prSet presAssocID="{3579BEAD-4A2F-4D35-A1E6-80EE62D8C659}" presName="node" presStyleLbl="node1" presStyleIdx="4" presStyleCnt="19">
         <dgm:presLayoutVars>
           <dgm:bulletEnabled val="1"/>
         </dgm:presLayoutVars>
@@ -1708,15 +1675,15 @@
       <dgm:spPr/>
     </dgm:pt>
     <dgm:pt modelId="{F61E077F-F722-4EDC-AF64-1F364AC3A2A7}" type="pres">
-      <dgm:prSet presAssocID="{8AD9BA9F-081C-4EA1-86EE-2A1B087CB984}" presName="sibTrans" presStyleLbl="sibTrans1D1" presStyleIdx="4" presStyleCnt="19"/>
+      <dgm:prSet presAssocID="{8AD9BA9F-081C-4EA1-86EE-2A1B087CB984}" presName="sibTrans" presStyleLbl="sibTrans1D1" presStyleIdx="4" presStyleCnt="18"/>
       <dgm:spPr/>
     </dgm:pt>
     <dgm:pt modelId="{33860E7C-8070-4185-AB97-0310334AEAB7}" type="pres">
-      <dgm:prSet presAssocID="{8AD9BA9F-081C-4EA1-86EE-2A1B087CB984}" presName="connectorText" presStyleLbl="sibTrans1D1" presStyleIdx="4" presStyleCnt="19"/>
+      <dgm:prSet presAssocID="{8AD9BA9F-081C-4EA1-86EE-2A1B087CB984}" presName="connectorText" presStyleLbl="sibTrans1D1" presStyleIdx="4" presStyleCnt="18"/>
       <dgm:spPr/>
     </dgm:pt>
     <dgm:pt modelId="{8B583535-2A41-4C85-9A8D-B1BD4A3A5C7D}" type="pres">
-      <dgm:prSet presAssocID="{70188367-FDD4-458E-A6EF-15814067F0ED}" presName="node" presStyleLbl="node1" presStyleIdx="5" presStyleCnt="20">
+      <dgm:prSet presAssocID="{70188367-FDD4-458E-A6EF-15814067F0ED}" presName="node" presStyleLbl="node1" presStyleIdx="5" presStyleCnt="19">
         <dgm:presLayoutVars>
           <dgm:bulletEnabled val="1"/>
         </dgm:presLayoutVars>
@@ -1724,15 +1691,15 @@
       <dgm:spPr/>
     </dgm:pt>
     <dgm:pt modelId="{A50986C9-FAB7-4640-87B1-E64657323658}" type="pres">
-      <dgm:prSet presAssocID="{1B1979BF-3248-4C23-AAB1-BC613E8AB4E7}" presName="sibTrans" presStyleLbl="sibTrans1D1" presStyleIdx="5" presStyleCnt="19"/>
+      <dgm:prSet presAssocID="{1B1979BF-3248-4C23-AAB1-BC613E8AB4E7}" presName="sibTrans" presStyleLbl="sibTrans1D1" presStyleIdx="5" presStyleCnt="18"/>
       <dgm:spPr/>
     </dgm:pt>
     <dgm:pt modelId="{06144CC7-F4CF-40EC-B640-DC2957B2C627}" type="pres">
-      <dgm:prSet presAssocID="{1B1979BF-3248-4C23-AAB1-BC613E8AB4E7}" presName="connectorText" presStyleLbl="sibTrans1D1" presStyleIdx="5" presStyleCnt="19"/>
+      <dgm:prSet presAssocID="{1B1979BF-3248-4C23-AAB1-BC613E8AB4E7}" presName="connectorText" presStyleLbl="sibTrans1D1" presStyleIdx="5" presStyleCnt="18"/>
       <dgm:spPr/>
     </dgm:pt>
     <dgm:pt modelId="{A96C3889-60BD-46E0-9543-66E183E41C83}" type="pres">
-      <dgm:prSet presAssocID="{BDB2A42A-4D9D-4FCA-9ABB-8D5E460C0F23}" presName="node" presStyleLbl="node1" presStyleIdx="6" presStyleCnt="20">
+      <dgm:prSet presAssocID="{BDB2A42A-4D9D-4FCA-9ABB-8D5E460C0F23}" presName="node" presStyleLbl="node1" presStyleIdx="6" presStyleCnt="19">
         <dgm:presLayoutVars>
           <dgm:bulletEnabled val="1"/>
         </dgm:presLayoutVars>
@@ -1740,15 +1707,15 @@
       <dgm:spPr/>
     </dgm:pt>
     <dgm:pt modelId="{5BC97897-3702-4352-83DD-209449EF48D7}" type="pres">
-      <dgm:prSet presAssocID="{0223A074-E9D0-496F-B711-E928A08747C4}" presName="sibTrans" presStyleLbl="sibTrans1D1" presStyleIdx="6" presStyleCnt="19"/>
+      <dgm:prSet presAssocID="{0223A074-E9D0-496F-B711-E928A08747C4}" presName="sibTrans" presStyleLbl="sibTrans1D1" presStyleIdx="6" presStyleCnt="18"/>
       <dgm:spPr/>
     </dgm:pt>
     <dgm:pt modelId="{19C93A6F-2363-4C59-B127-DD9055E4F897}" type="pres">
-      <dgm:prSet presAssocID="{0223A074-E9D0-496F-B711-E928A08747C4}" presName="connectorText" presStyleLbl="sibTrans1D1" presStyleIdx="6" presStyleCnt="19"/>
+      <dgm:prSet presAssocID="{0223A074-E9D0-496F-B711-E928A08747C4}" presName="connectorText" presStyleLbl="sibTrans1D1" presStyleIdx="6" presStyleCnt="18"/>
       <dgm:spPr/>
     </dgm:pt>
     <dgm:pt modelId="{FC00B39C-655C-4233-90BD-81B35454D660}" type="pres">
-      <dgm:prSet presAssocID="{D71CD31B-7CCB-463E-8EE9-5226D957AF90}" presName="node" presStyleLbl="node1" presStyleIdx="7" presStyleCnt="20">
+      <dgm:prSet presAssocID="{D71CD31B-7CCB-463E-8EE9-5226D957AF90}" presName="node" presStyleLbl="node1" presStyleIdx="7" presStyleCnt="19">
         <dgm:presLayoutVars>
           <dgm:bulletEnabled val="1"/>
         </dgm:presLayoutVars>
@@ -1756,15 +1723,15 @@
       <dgm:spPr/>
     </dgm:pt>
     <dgm:pt modelId="{20A2B9D5-D0D3-48E7-A4A9-B4C98B81023F}" type="pres">
-      <dgm:prSet presAssocID="{8C1D8C80-5A31-4190-B363-D12902F268B8}" presName="sibTrans" presStyleLbl="sibTrans1D1" presStyleIdx="7" presStyleCnt="19"/>
+      <dgm:prSet presAssocID="{8C1D8C80-5A31-4190-B363-D12902F268B8}" presName="sibTrans" presStyleLbl="sibTrans1D1" presStyleIdx="7" presStyleCnt="18"/>
       <dgm:spPr/>
     </dgm:pt>
     <dgm:pt modelId="{0F00F631-5322-4DCD-A0CD-84099C929A3D}" type="pres">
-      <dgm:prSet presAssocID="{8C1D8C80-5A31-4190-B363-D12902F268B8}" presName="connectorText" presStyleLbl="sibTrans1D1" presStyleIdx="7" presStyleCnt="19"/>
+      <dgm:prSet presAssocID="{8C1D8C80-5A31-4190-B363-D12902F268B8}" presName="connectorText" presStyleLbl="sibTrans1D1" presStyleIdx="7" presStyleCnt="18"/>
       <dgm:spPr/>
     </dgm:pt>
     <dgm:pt modelId="{BEB14474-7180-4885-A4C3-232C5564C5B7}" type="pres">
-      <dgm:prSet presAssocID="{3E187100-5910-4118-9694-9BE8A5DC39BC}" presName="node" presStyleLbl="node1" presStyleIdx="8" presStyleCnt="20">
+      <dgm:prSet presAssocID="{3E187100-5910-4118-9694-9BE8A5DC39BC}" presName="node" presStyleLbl="node1" presStyleIdx="8" presStyleCnt="19">
         <dgm:presLayoutVars>
           <dgm:bulletEnabled val="1"/>
         </dgm:presLayoutVars>
@@ -1772,15 +1739,15 @@
       <dgm:spPr/>
     </dgm:pt>
     <dgm:pt modelId="{AF9B9B21-4A2D-43CD-BAF5-1CD4E320338F}" type="pres">
-      <dgm:prSet presAssocID="{73C5395E-64E4-4360-AC61-9CE38FE60BBD}" presName="sibTrans" presStyleLbl="sibTrans1D1" presStyleIdx="8" presStyleCnt="19"/>
+      <dgm:prSet presAssocID="{73C5395E-64E4-4360-AC61-9CE38FE60BBD}" presName="sibTrans" presStyleLbl="sibTrans1D1" presStyleIdx="8" presStyleCnt="18"/>
       <dgm:spPr/>
     </dgm:pt>
     <dgm:pt modelId="{81218337-3314-400C-96D8-B8CE7710742E}" type="pres">
-      <dgm:prSet presAssocID="{73C5395E-64E4-4360-AC61-9CE38FE60BBD}" presName="connectorText" presStyleLbl="sibTrans1D1" presStyleIdx="8" presStyleCnt="19"/>
+      <dgm:prSet presAssocID="{73C5395E-64E4-4360-AC61-9CE38FE60BBD}" presName="connectorText" presStyleLbl="sibTrans1D1" presStyleIdx="8" presStyleCnt="18"/>
       <dgm:spPr/>
     </dgm:pt>
     <dgm:pt modelId="{CCF8E4F4-7B78-4170-A4BB-F59BDCD34F05}" type="pres">
-      <dgm:prSet presAssocID="{544A68AF-1B75-4B8A-9874-C78D54343F58}" presName="node" presStyleLbl="node1" presStyleIdx="9" presStyleCnt="20">
+      <dgm:prSet presAssocID="{544A68AF-1B75-4B8A-9874-C78D54343F58}" presName="node" presStyleLbl="node1" presStyleIdx="9" presStyleCnt="19">
         <dgm:presLayoutVars>
           <dgm:bulletEnabled val="1"/>
         </dgm:presLayoutVars>
@@ -1788,15 +1755,15 @@
       <dgm:spPr/>
     </dgm:pt>
     <dgm:pt modelId="{D5E45D02-EE48-4DAB-9C54-B8EAED906F11}" type="pres">
-      <dgm:prSet presAssocID="{F2549049-022F-4C1F-B185-E7A93E5BB44E}" presName="sibTrans" presStyleLbl="sibTrans1D1" presStyleIdx="9" presStyleCnt="19"/>
+      <dgm:prSet presAssocID="{F2549049-022F-4C1F-B185-E7A93E5BB44E}" presName="sibTrans" presStyleLbl="sibTrans1D1" presStyleIdx="9" presStyleCnt="18"/>
       <dgm:spPr/>
     </dgm:pt>
     <dgm:pt modelId="{3CB9E642-8E6D-4DA2-9B48-D24EDB9E5F95}" type="pres">
-      <dgm:prSet presAssocID="{F2549049-022F-4C1F-B185-E7A93E5BB44E}" presName="connectorText" presStyleLbl="sibTrans1D1" presStyleIdx="9" presStyleCnt="19"/>
+      <dgm:prSet presAssocID="{F2549049-022F-4C1F-B185-E7A93E5BB44E}" presName="connectorText" presStyleLbl="sibTrans1D1" presStyleIdx="9" presStyleCnt="18"/>
       <dgm:spPr/>
     </dgm:pt>
     <dgm:pt modelId="{2BF4593A-278D-4023-A8C3-0FC05EA53563}" type="pres">
-      <dgm:prSet presAssocID="{F6688B8D-B9D5-4735-B82E-848D968ADF2B}" presName="node" presStyleLbl="node1" presStyleIdx="10" presStyleCnt="20">
+      <dgm:prSet presAssocID="{F6688B8D-B9D5-4735-B82E-848D968ADF2B}" presName="node" presStyleLbl="node1" presStyleIdx="10" presStyleCnt="19">
         <dgm:presLayoutVars>
           <dgm:bulletEnabled val="1"/>
         </dgm:presLayoutVars>
@@ -1804,15 +1771,15 @@
       <dgm:spPr/>
     </dgm:pt>
     <dgm:pt modelId="{1745B553-F9CB-4083-B56D-8EA02064CEC5}" type="pres">
-      <dgm:prSet presAssocID="{B92D970A-62CC-4825-9B1E-FDF60FB76B0A}" presName="sibTrans" presStyleLbl="sibTrans1D1" presStyleIdx="10" presStyleCnt="19"/>
+      <dgm:prSet presAssocID="{B92D970A-62CC-4825-9B1E-FDF60FB76B0A}" presName="sibTrans" presStyleLbl="sibTrans1D1" presStyleIdx="10" presStyleCnt="18"/>
       <dgm:spPr/>
     </dgm:pt>
     <dgm:pt modelId="{7D199305-B7D0-4854-95BC-8C2B8835DA38}" type="pres">
-      <dgm:prSet presAssocID="{B92D970A-62CC-4825-9B1E-FDF60FB76B0A}" presName="connectorText" presStyleLbl="sibTrans1D1" presStyleIdx="10" presStyleCnt="19"/>
+      <dgm:prSet presAssocID="{B92D970A-62CC-4825-9B1E-FDF60FB76B0A}" presName="connectorText" presStyleLbl="sibTrans1D1" presStyleIdx="10" presStyleCnt="18"/>
       <dgm:spPr/>
     </dgm:pt>
     <dgm:pt modelId="{4AB89C63-0D9B-43E2-88B5-A9192C6FAB8F}" type="pres">
-      <dgm:prSet presAssocID="{A992ACDC-6740-43E5-A19D-FEB302657CBA}" presName="node" presStyleLbl="node1" presStyleIdx="11" presStyleCnt="20">
+      <dgm:prSet presAssocID="{A992ACDC-6740-43E5-A19D-FEB302657CBA}" presName="node" presStyleLbl="node1" presStyleIdx="11" presStyleCnt="19">
         <dgm:presLayoutVars>
           <dgm:bulletEnabled val="1"/>
         </dgm:presLayoutVars>
@@ -1820,15 +1787,15 @@
       <dgm:spPr/>
     </dgm:pt>
     <dgm:pt modelId="{65792B1E-27BD-401B-9349-5FF1739388AE}" type="pres">
-      <dgm:prSet presAssocID="{E61659D0-BDBF-4743-80E9-38164F922E1C}" presName="sibTrans" presStyleLbl="sibTrans1D1" presStyleIdx="11" presStyleCnt="19"/>
+      <dgm:prSet presAssocID="{E61659D0-BDBF-4743-80E9-38164F922E1C}" presName="sibTrans" presStyleLbl="sibTrans1D1" presStyleIdx="11" presStyleCnt="18"/>
       <dgm:spPr/>
     </dgm:pt>
     <dgm:pt modelId="{CF2F0CC9-DFF4-4295-A45C-C6E0D0AE59C3}" type="pres">
-      <dgm:prSet presAssocID="{E61659D0-BDBF-4743-80E9-38164F922E1C}" presName="connectorText" presStyleLbl="sibTrans1D1" presStyleIdx="11" presStyleCnt="19"/>
+      <dgm:prSet presAssocID="{E61659D0-BDBF-4743-80E9-38164F922E1C}" presName="connectorText" presStyleLbl="sibTrans1D1" presStyleIdx="11" presStyleCnt="18"/>
       <dgm:spPr/>
     </dgm:pt>
     <dgm:pt modelId="{F158E62D-F3F4-4DC8-8CB5-9D557B6AB530}" type="pres">
-      <dgm:prSet presAssocID="{C9023202-359A-4072-A957-AB38D1F41D1D}" presName="node" presStyleLbl="node1" presStyleIdx="12" presStyleCnt="20">
+      <dgm:prSet presAssocID="{C9023202-359A-4072-A957-AB38D1F41D1D}" presName="node" presStyleLbl="node1" presStyleIdx="12" presStyleCnt="19">
         <dgm:presLayoutVars>
           <dgm:bulletEnabled val="1"/>
         </dgm:presLayoutVars>
@@ -1836,15 +1803,15 @@
       <dgm:spPr/>
     </dgm:pt>
     <dgm:pt modelId="{39D8ABD5-FE0A-4A6D-9D4E-9F02E7C3914A}" type="pres">
-      <dgm:prSet presAssocID="{17C2C780-8C60-4263-8CA3-1F72F30DB96A}" presName="sibTrans" presStyleLbl="sibTrans1D1" presStyleIdx="12" presStyleCnt="19"/>
+      <dgm:prSet presAssocID="{17C2C780-8C60-4263-8CA3-1F72F30DB96A}" presName="sibTrans" presStyleLbl="sibTrans1D1" presStyleIdx="12" presStyleCnt="18"/>
       <dgm:spPr/>
     </dgm:pt>
     <dgm:pt modelId="{D7C03FFA-8B14-4DA3-9870-23B28710E3B8}" type="pres">
-      <dgm:prSet presAssocID="{17C2C780-8C60-4263-8CA3-1F72F30DB96A}" presName="connectorText" presStyleLbl="sibTrans1D1" presStyleIdx="12" presStyleCnt="19"/>
+      <dgm:prSet presAssocID="{17C2C780-8C60-4263-8CA3-1F72F30DB96A}" presName="connectorText" presStyleLbl="sibTrans1D1" presStyleIdx="12" presStyleCnt="18"/>
       <dgm:spPr/>
     </dgm:pt>
     <dgm:pt modelId="{08BFA12B-1C8D-47D1-9828-1432DBEB962F}" type="pres">
-      <dgm:prSet presAssocID="{CA08DDE2-FEF7-4D20-B0EE-B36562C4AE1E}" presName="node" presStyleLbl="node1" presStyleIdx="13" presStyleCnt="20">
+      <dgm:prSet presAssocID="{CA08DDE2-FEF7-4D20-B0EE-B36562C4AE1E}" presName="node" presStyleLbl="node1" presStyleIdx="13" presStyleCnt="19">
         <dgm:presLayoutVars>
           <dgm:bulletEnabled val="1"/>
         </dgm:presLayoutVars>
@@ -1852,15 +1819,15 @@
       <dgm:spPr/>
     </dgm:pt>
     <dgm:pt modelId="{E68FDF78-45BC-45E4-8496-D215F8FCF261}" type="pres">
-      <dgm:prSet presAssocID="{97BAE28E-4384-4BAD-9D6C-891F1526B327}" presName="sibTrans" presStyleLbl="sibTrans1D1" presStyleIdx="13" presStyleCnt="19"/>
+      <dgm:prSet presAssocID="{97BAE28E-4384-4BAD-9D6C-891F1526B327}" presName="sibTrans" presStyleLbl="sibTrans1D1" presStyleIdx="13" presStyleCnt="18"/>
       <dgm:spPr/>
     </dgm:pt>
     <dgm:pt modelId="{90ECF15C-1E38-42EF-9169-F4884592C265}" type="pres">
-      <dgm:prSet presAssocID="{97BAE28E-4384-4BAD-9D6C-891F1526B327}" presName="connectorText" presStyleLbl="sibTrans1D1" presStyleIdx="13" presStyleCnt="19"/>
+      <dgm:prSet presAssocID="{97BAE28E-4384-4BAD-9D6C-891F1526B327}" presName="connectorText" presStyleLbl="sibTrans1D1" presStyleIdx="13" presStyleCnt="18"/>
       <dgm:spPr/>
     </dgm:pt>
     <dgm:pt modelId="{2D1AFCAA-9662-4E8F-8D32-3F6B4EF37159}" type="pres">
-      <dgm:prSet presAssocID="{8A928D7C-7325-436E-A743-CFF601871A82}" presName="node" presStyleLbl="node1" presStyleIdx="14" presStyleCnt="20">
+      <dgm:prSet presAssocID="{8A928D7C-7325-436E-A743-CFF601871A82}" presName="node" presStyleLbl="node1" presStyleIdx="14" presStyleCnt="19">
         <dgm:presLayoutVars>
           <dgm:bulletEnabled val="1"/>
         </dgm:presLayoutVars>
@@ -1868,15 +1835,15 @@
       <dgm:spPr/>
     </dgm:pt>
     <dgm:pt modelId="{02450C63-2C52-4EAC-BE76-DE4699207F9F}" type="pres">
-      <dgm:prSet presAssocID="{CE6AD56A-4FEE-4BE6-BA12-9D5B3B0A0D2F}" presName="sibTrans" presStyleLbl="sibTrans1D1" presStyleIdx="14" presStyleCnt="19"/>
+      <dgm:prSet presAssocID="{CE6AD56A-4FEE-4BE6-BA12-9D5B3B0A0D2F}" presName="sibTrans" presStyleLbl="sibTrans1D1" presStyleIdx="14" presStyleCnt="18"/>
       <dgm:spPr/>
     </dgm:pt>
     <dgm:pt modelId="{1113822B-8700-4353-A059-033047CB727E}" type="pres">
-      <dgm:prSet presAssocID="{CE6AD56A-4FEE-4BE6-BA12-9D5B3B0A0D2F}" presName="connectorText" presStyleLbl="sibTrans1D1" presStyleIdx="14" presStyleCnt="19"/>
+      <dgm:prSet presAssocID="{CE6AD56A-4FEE-4BE6-BA12-9D5B3B0A0D2F}" presName="connectorText" presStyleLbl="sibTrans1D1" presStyleIdx="14" presStyleCnt="18"/>
       <dgm:spPr/>
     </dgm:pt>
     <dgm:pt modelId="{31AC2D38-15B2-4324-9F29-B363CAC2239C}" type="pres">
-      <dgm:prSet presAssocID="{17A1167A-D371-490A-86E9-8617823033DF}" presName="node" presStyleLbl="node1" presStyleIdx="15" presStyleCnt="20">
+      <dgm:prSet presAssocID="{17A1167A-D371-490A-86E9-8617823033DF}" presName="node" presStyleLbl="node1" presStyleIdx="15" presStyleCnt="19">
         <dgm:presLayoutVars>
           <dgm:bulletEnabled val="1"/>
         </dgm:presLayoutVars>
@@ -1884,15 +1851,15 @@
       <dgm:spPr/>
     </dgm:pt>
     <dgm:pt modelId="{EE9549E0-51E3-4337-93E9-A4808FFFD949}" type="pres">
-      <dgm:prSet presAssocID="{357D3189-2FB4-4754-90DE-CB3C591CDC2A}" presName="sibTrans" presStyleLbl="sibTrans1D1" presStyleIdx="15" presStyleCnt="19"/>
+      <dgm:prSet presAssocID="{357D3189-2FB4-4754-90DE-CB3C591CDC2A}" presName="sibTrans" presStyleLbl="sibTrans1D1" presStyleIdx="15" presStyleCnt="18"/>
       <dgm:spPr/>
     </dgm:pt>
     <dgm:pt modelId="{C8A3E479-4E94-4ECF-B0BA-917165E69C27}" type="pres">
-      <dgm:prSet presAssocID="{357D3189-2FB4-4754-90DE-CB3C591CDC2A}" presName="connectorText" presStyleLbl="sibTrans1D1" presStyleIdx="15" presStyleCnt="19"/>
+      <dgm:prSet presAssocID="{357D3189-2FB4-4754-90DE-CB3C591CDC2A}" presName="connectorText" presStyleLbl="sibTrans1D1" presStyleIdx="15" presStyleCnt="18"/>
       <dgm:spPr/>
     </dgm:pt>
     <dgm:pt modelId="{BC5EB49E-BBCE-4D59-B0F8-A8D6C00019E7}" type="pres">
-      <dgm:prSet presAssocID="{EFC082F2-DAA3-4F91-8DF0-F64AD4E858E9}" presName="node" presStyleLbl="node1" presStyleIdx="16" presStyleCnt="20">
+      <dgm:prSet presAssocID="{EFC082F2-DAA3-4F91-8DF0-F64AD4E858E9}" presName="node" presStyleLbl="node1" presStyleIdx="16" presStyleCnt="19">
         <dgm:presLayoutVars>
           <dgm:bulletEnabled val="1"/>
         </dgm:presLayoutVars>
@@ -1900,15 +1867,15 @@
       <dgm:spPr/>
     </dgm:pt>
     <dgm:pt modelId="{57C1E574-A60D-4301-A005-8EA18794DFA6}" type="pres">
-      <dgm:prSet presAssocID="{69F657BF-29AD-47D6-8DE1-323C1BBB45B7}" presName="sibTrans" presStyleLbl="sibTrans1D1" presStyleIdx="16" presStyleCnt="19"/>
+      <dgm:prSet presAssocID="{69F657BF-29AD-47D6-8DE1-323C1BBB45B7}" presName="sibTrans" presStyleLbl="sibTrans1D1" presStyleIdx="16" presStyleCnt="18"/>
       <dgm:spPr/>
     </dgm:pt>
     <dgm:pt modelId="{C081DCBC-905D-4F43-920B-0D79A2326B65}" type="pres">
-      <dgm:prSet presAssocID="{69F657BF-29AD-47D6-8DE1-323C1BBB45B7}" presName="connectorText" presStyleLbl="sibTrans1D1" presStyleIdx="16" presStyleCnt="19"/>
+      <dgm:prSet presAssocID="{69F657BF-29AD-47D6-8DE1-323C1BBB45B7}" presName="connectorText" presStyleLbl="sibTrans1D1" presStyleIdx="16" presStyleCnt="18"/>
       <dgm:spPr/>
     </dgm:pt>
     <dgm:pt modelId="{370FD043-73C5-4A4F-B2B3-CBB80CE16F2D}" type="pres">
-      <dgm:prSet presAssocID="{D47DA38F-2EA0-4CDA-9204-CC70D5ED2BDD}" presName="node" presStyleLbl="node1" presStyleIdx="17" presStyleCnt="20">
+      <dgm:prSet presAssocID="{D47DA38F-2EA0-4CDA-9204-CC70D5ED2BDD}" presName="node" presStyleLbl="node1" presStyleIdx="17" presStyleCnt="19">
         <dgm:presLayoutVars>
           <dgm:bulletEnabled val="1"/>
         </dgm:presLayoutVars>
@@ -1916,31 +1883,15 @@
       <dgm:spPr/>
     </dgm:pt>
     <dgm:pt modelId="{6700A057-97AB-4C71-B912-8DA2B959760F}" type="pres">
-      <dgm:prSet presAssocID="{0B8AF01C-26FF-44FB-8ED6-7E7B608B12C7}" presName="sibTrans" presStyleLbl="sibTrans1D1" presStyleIdx="17" presStyleCnt="19"/>
+      <dgm:prSet presAssocID="{0B8AF01C-26FF-44FB-8ED6-7E7B608B12C7}" presName="sibTrans" presStyleLbl="sibTrans1D1" presStyleIdx="17" presStyleCnt="18"/>
       <dgm:spPr/>
     </dgm:pt>
     <dgm:pt modelId="{D3E637DD-C151-408B-9B15-2132F897F56D}" type="pres">
-      <dgm:prSet presAssocID="{0B8AF01C-26FF-44FB-8ED6-7E7B608B12C7}" presName="connectorText" presStyleLbl="sibTrans1D1" presStyleIdx="17" presStyleCnt="19"/>
-      <dgm:spPr/>
-    </dgm:pt>
-    <dgm:pt modelId="{66D7AD4C-5DB1-485A-960F-C8FBBDD1C6E5}" type="pres">
-      <dgm:prSet presAssocID="{72162A2F-5C49-4270-B522-C132FF6C5537}" presName="node" presStyleLbl="node1" presStyleIdx="18" presStyleCnt="20">
-        <dgm:presLayoutVars>
-          <dgm:bulletEnabled val="1"/>
-        </dgm:presLayoutVars>
-      </dgm:prSet>
-      <dgm:spPr/>
-    </dgm:pt>
-    <dgm:pt modelId="{3D9AFF7A-A147-463D-BE04-2864EF541153}" type="pres">
-      <dgm:prSet presAssocID="{9085C2AA-ABFD-4E02-8155-64A1A3A9A8D5}" presName="sibTrans" presStyleLbl="sibTrans1D1" presStyleIdx="18" presStyleCnt="19"/>
-      <dgm:spPr/>
-    </dgm:pt>
-    <dgm:pt modelId="{AD0A1C70-1305-4B6C-A88D-088D54D8968C}" type="pres">
-      <dgm:prSet presAssocID="{9085C2AA-ABFD-4E02-8155-64A1A3A9A8D5}" presName="connectorText" presStyleLbl="sibTrans1D1" presStyleIdx="18" presStyleCnt="19"/>
+      <dgm:prSet presAssocID="{0B8AF01C-26FF-44FB-8ED6-7E7B608B12C7}" presName="connectorText" presStyleLbl="sibTrans1D1" presStyleIdx="17" presStyleCnt="18"/>
       <dgm:spPr/>
     </dgm:pt>
     <dgm:pt modelId="{9469DAAE-52E6-4772-8898-F79A50CBF594}" type="pres">
-      <dgm:prSet presAssocID="{EBDA996A-0146-4640-968C-D82E27B8BA7C}" presName="node" presStyleLbl="node1" presStyleIdx="19" presStyleCnt="20">
+      <dgm:prSet presAssocID="{EBDA996A-0146-4640-968C-D82E27B8BA7C}" presName="node" presStyleLbl="node1" presStyleIdx="18" presStyleCnt="19">
         <dgm:presLayoutVars>
           <dgm:bulletEnabled val="1"/>
         </dgm:presLayoutVars>
@@ -1951,7 +1902,6 @@
   <dgm:cxnLst>
     <dgm:cxn modelId="{F8927400-C438-475A-9806-4A3A2D44C198}" type="presOf" srcId="{E61659D0-BDBF-4743-80E9-38164F922E1C}" destId="{CF2F0CC9-DFF4-4295-A45C-C6E0D0AE59C3}" srcOrd="1" destOrd="0" presId="urn:microsoft.com/office/officeart/2005/8/layout/bProcess3"/>
     <dgm:cxn modelId="{E2315206-70BD-43B6-9139-ED8FCD456A73}" type="presOf" srcId="{EFC082F2-DAA3-4F91-8DF0-F64AD4E858E9}" destId="{BC5EB49E-BBCE-4D59-B0F8-A8D6C00019E7}" srcOrd="0" destOrd="0" presId="urn:microsoft.com/office/officeart/2005/8/layout/bProcess3"/>
-    <dgm:cxn modelId="{0A6A1108-C917-4540-ADEA-D171443575C7}" type="presOf" srcId="{72162A2F-5C49-4270-B522-C132FF6C5537}" destId="{66D7AD4C-5DB1-485A-960F-C8FBBDD1C6E5}" srcOrd="0" destOrd="0" presId="urn:microsoft.com/office/officeart/2005/8/layout/bProcess3"/>
     <dgm:cxn modelId="{A41A6C0A-D8A6-419A-99C2-EDC4AA95D1E1}" type="presOf" srcId="{B92D970A-62CC-4825-9B1E-FDF60FB76B0A}" destId="{1745B553-F9CB-4083-B56D-8EA02064CEC5}" srcOrd="0" destOrd="0" presId="urn:microsoft.com/office/officeart/2005/8/layout/bProcess3"/>
     <dgm:cxn modelId="{5CB4BF14-8DF9-4FF1-8653-6ABECD0732B1}" type="presOf" srcId="{F6688B8D-B9D5-4735-B82E-848D968ADF2B}" destId="{2BF4593A-278D-4023-A8C3-0FC05EA53563}" srcOrd="0" destOrd="0" presId="urn:microsoft.com/office/officeart/2005/8/layout/bProcess3"/>
     <dgm:cxn modelId="{096B2B15-EAB6-4193-A1D0-7E187F7D448D}" srcId="{7C4505B5-AE40-4E77-A8FF-DE01A8C7B1E1}" destId="{CA08DDE2-FEF7-4D20-B0EE-B36562C4AE1E}" srcOrd="13" destOrd="0" parTransId="{070242AE-41B6-42EB-8AA7-15714F81D4D5}" sibTransId="{97BAE28E-4384-4BAD-9D6C-891F1526B327}"/>
@@ -1965,7 +1915,6 @@
     <dgm:cxn modelId="{6BE91C37-0019-4F93-BC8A-C7033A2ABB68}" type="presOf" srcId="{1B1979BF-3248-4C23-AAB1-BC613E8AB4E7}" destId="{A50986C9-FAB7-4640-87B1-E64657323658}" srcOrd="0" destOrd="0" presId="urn:microsoft.com/office/officeart/2005/8/layout/bProcess3"/>
     <dgm:cxn modelId="{F7960040-42F5-48D0-84E3-2E5B6D98E00C}" type="presOf" srcId="{8AD9BA9F-081C-4EA1-86EE-2A1B087CB984}" destId="{33860E7C-8070-4185-AB97-0310334AEAB7}" srcOrd="1" destOrd="0" presId="urn:microsoft.com/office/officeart/2005/8/layout/bProcess3"/>
     <dgm:cxn modelId="{C49AC340-FAF9-4E78-BBD8-41C1ECF04EB8}" type="presOf" srcId="{3E187100-5910-4118-9694-9BE8A5DC39BC}" destId="{BEB14474-7180-4885-A4C3-232C5564C5B7}" srcOrd="0" destOrd="0" presId="urn:microsoft.com/office/officeart/2005/8/layout/bProcess3"/>
-    <dgm:cxn modelId="{55940D5C-C451-4F50-8317-9A54E656B888}" srcId="{7C4505B5-AE40-4E77-A8FF-DE01A8C7B1E1}" destId="{72162A2F-5C49-4270-B522-C132FF6C5537}" srcOrd="18" destOrd="0" parTransId="{370FBC40-5DB2-434B-83D2-10538E94F0AF}" sibTransId="{9085C2AA-ABFD-4E02-8155-64A1A3A9A8D5}"/>
     <dgm:cxn modelId="{354A0B5E-DA96-4A3F-A166-1FF6E2F12108}" type="presOf" srcId="{EBDA996A-0146-4640-968C-D82E27B8BA7C}" destId="{9469DAAE-52E6-4772-8898-F79A50CBF594}" srcOrd="0" destOrd="0" presId="urn:microsoft.com/office/officeart/2005/8/layout/bProcess3"/>
     <dgm:cxn modelId="{B58DB45F-11F7-4B6A-8C36-CCA8688DA233}" srcId="{7C4505B5-AE40-4E77-A8FF-DE01A8C7B1E1}" destId="{731BE5A9-B77E-4017-ACC0-EFFE71D1C6ED}" srcOrd="2" destOrd="0" parTransId="{4652A780-4ED2-4B6E-BE68-66AA7015AB10}" sibTransId="{BB3D572D-522A-4B03-A7C7-1F6D3F386A04}"/>
     <dgm:cxn modelId="{7D335141-6618-4FB3-8EB4-2AB2A4D24138}" type="presOf" srcId="{AF5EAAE4-1964-4444-9EEB-23D37AA18486}" destId="{8A642D28-249F-4CC0-9598-DE43FEF04853}" srcOrd="1" destOrd="0" presId="urn:microsoft.com/office/officeart/2005/8/layout/bProcess3"/>
@@ -1990,9 +1939,8 @@
     <dgm:cxn modelId="{F9520178-6611-4F3E-9827-20E14B0959E8}" type="presOf" srcId="{17A1167A-D371-490A-86E9-8617823033DF}" destId="{31AC2D38-15B2-4324-9F29-B363CAC2239C}" srcOrd="0" destOrd="0" presId="urn:microsoft.com/office/officeart/2005/8/layout/bProcess3"/>
     <dgm:cxn modelId="{272E1878-84A5-48BA-865C-F7E96D8027D0}" type="presOf" srcId="{544A68AF-1B75-4B8A-9874-C78D54343F58}" destId="{CCF8E4F4-7B78-4170-A4BB-F59BDCD34F05}" srcOrd="0" destOrd="0" presId="urn:microsoft.com/office/officeart/2005/8/layout/bProcess3"/>
     <dgm:cxn modelId="{3EE42958-F2ED-4996-A40A-A9684148043E}" type="presOf" srcId="{357D3189-2FB4-4754-90DE-CB3C591CDC2A}" destId="{EE9549E0-51E3-4337-93E9-A4808FFFD949}" srcOrd="0" destOrd="0" presId="urn:microsoft.com/office/officeart/2005/8/layout/bProcess3"/>
-    <dgm:cxn modelId="{28543458-CF60-4391-B787-868A9A3C3E9E}" srcId="{7C4505B5-AE40-4E77-A8FF-DE01A8C7B1E1}" destId="{EBDA996A-0146-4640-968C-D82E27B8BA7C}" srcOrd="19" destOrd="0" parTransId="{32F37654-C9D2-41E8-B7B7-F34F8D6615D8}" sibTransId="{8EE263AC-4246-4C80-800E-67A207C3F7D2}"/>
+    <dgm:cxn modelId="{28543458-CF60-4391-B787-868A9A3C3E9E}" srcId="{7C4505B5-AE40-4E77-A8FF-DE01A8C7B1E1}" destId="{EBDA996A-0146-4640-968C-D82E27B8BA7C}" srcOrd="18" destOrd="0" parTransId="{32F37654-C9D2-41E8-B7B7-F34F8D6615D8}" sibTransId="{8EE263AC-4246-4C80-800E-67A207C3F7D2}"/>
     <dgm:cxn modelId="{6D6A9579-B1C7-49A9-B1C5-659EBDF57954}" type="presOf" srcId="{BB3D572D-522A-4B03-A7C7-1F6D3F386A04}" destId="{0D96A75C-68A8-4DC2-900E-7FB4519074BD}" srcOrd="0" destOrd="0" presId="urn:microsoft.com/office/officeart/2005/8/layout/bProcess3"/>
-    <dgm:cxn modelId="{2EDB0E5A-83D2-4269-A052-9C2E35A2863A}" type="presOf" srcId="{9085C2AA-ABFD-4E02-8155-64A1A3A9A8D5}" destId="{AD0A1C70-1305-4B6C-A88D-088D54D8968C}" srcOrd="1" destOrd="0" presId="urn:microsoft.com/office/officeart/2005/8/layout/bProcess3"/>
     <dgm:cxn modelId="{AD98A07A-D072-423D-9928-1FA3F64D92AB}" type="presOf" srcId="{CE6AD56A-4FEE-4BE6-BA12-9D5B3B0A0D2F}" destId="{1113822B-8700-4353-A059-033047CB727E}" srcOrd="1" destOrd="0" presId="urn:microsoft.com/office/officeart/2005/8/layout/bProcess3"/>
     <dgm:cxn modelId="{227E427F-9E1F-408D-9BE1-1FE2A5340D6B}" type="presOf" srcId="{8AD9BA9F-081C-4EA1-86EE-2A1B087CB984}" destId="{F61E077F-F722-4EDC-AF64-1F364AC3A2A7}" srcOrd="0" destOrd="0" presId="urn:microsoft.com/office/officeart/2005/8/layout/bProcess3"/>
     <dgm:cxn modelId="{36834181-EEDD-47B1-A559-CD8876D11C5C}" type="presOf" srcId="{D345323E-36DB-4892-A1F8-72B000E02133}" destId="{A7B71CD1-12F2-406D-B3FB-02C82D59BD85}" srcOrd="1" destOrd="0" presId="urn:microsoft.com/office/officeart/2005/8/layout/bProcess3"/>
@@ -2006,7 +1954,6 @@
     <dgm:cxn modelId="{0CE945B5-564D-4F70-8753-E1AE91208CED}" type="presOf" srcId="{D345323E-36DB-4892-A1F8-72B000E02133}" destId="{0AF4CE5B-5258-44F6-BA45-15C99ED38F98}" srcOrd="0" destOrd="0" presId="urn:microsoft.com/office/officeart/2005/8/layout/bProcess3"/>
     <dgm:cxn modelId="{25DA1BB7-6146-43AF-9A18-4AC1F18FE7DF}" srcId="{7C4505B5-AE40-4E77-A8FF-DE01A8C7B1E1}" destId="{3E187100-5910-4118-9694-9BE8A5DC39BC}" srcOrd="8" destOrd="0" parTransId="{6C39CC77-659A-48C1-9D70-0409818E6CD8}" sibTransId="{73C5395E-64E4-4360-AC61-9CE38FE60BBD}"/>
     <dgm:cxn modelId="{EBE9CBB7-F790-4EF9-8743-ECFEA4D70998}" type="presOf" srcId="{F2549049-022F-4C1F-B185-E7A93E5BB44E}" destId="{D5E45D02-EE48-4DAB-9C54-B8EAED906F11}" srcOrd="0" destOrd="0" presId="urn:microsoft.com/office/officeart/2005/8/layout/bProcess3"/>
-    <dgm:cxn modelId="{48DFD7C2-3826-4AA3-982D-336B05781C15}" type="presOf" srcId="{9085C2AA-ABFD-4E02-8155-64A1A3A9A8D5}" destId="{3D9AFF7A-A147-463D-BE04-2864EF541153}" srcOrd="0" destOrd="0" presId="urn:microsoft.com/office/officeart/2005/8/layout/bProcess3"/>
     <dgm:cxn modelId="{A3C5DEC2-4EFF-4195-987E-9DEF35158B8E}" type="presOf" srcId="{97BAE28E-4384-4BAD-9D6C-891F1526B327}" destId="{90ECF15C-1E38-42EF-9169-F4884592C265}" srcOrd="1" destOrd="0" presId="urn:microsoft.com/office/officeart/2005/8/layout/bProcess3"/>
     <dgm:cxn modelId="{278D7DC4-2B1C-44AD-BDF2-BAFA9F82AB43}" type="presOf" srcId="{BB3D572D-522A-4B03-A7C7-1F6D3F386A04}" destId="{5C70C081-CD06-4A8A-B03B-8B225047B9A4}" srcOrd="1" destOrd="0" presId="urn:microsoft.com/office/officeart/2005/8/layout/bProcess3"/>
     <dgm:cxn modelId="{8A509FC8-22A0-415F-9288-1BD4E823C2A1}" type="presOf" srcId="{17C2C780-8C60-4263-8CA3-1F72F30DB96A}" destId="{39D8ABD5-FE0A-4A6D-9D4E-9F02E7C3914A}" srcOrd="0" destOrd="0" presId="urn:microsoft.com/office/officeart/2005/8/layout/bProcess3"/>
@@ -2082,10 +2029,7 @@
     <dgm:cxn modelId="{87F13EF0-5819-4A0C-9AB9-D3A48515A639}" type="presParOf" srcId="{9FCFD2FE-BBC7-453B-A8A4-3352D584FDE1}" destId="{370FD043-73C5-4A4F-B2B3-CBB80CE16F2D}" srcOrd="34" destOrd="0" presId="urn:microsoft.com/office/officeart/2005/8/layout/bProcess3"/>
     <dgm:cxn modelId="{FCF9B940-37E4-4293-AD9D-3E2E3B05F03A}" type="presParOf" srcId="{9FCFD2FE-BBC7-453B-A8A4-3352D584FDE1}" destId="{6700A057-97AB-4C71-B912-8DA2B959760F}" srcOrd="35" destOrd="0" presId="urn:microsoft.com/office/officeart/2005/8/layout/bProcess3"/>
     <dgm:cxn modelId="{A8949D2D-2C78-4C3F-820F-2900EDD74664}" type="presParOf" srcId="{6700A057-97AB-4C71-B912-8DA2B959760F}" destId="{D3E637DD-C151-408B-9B15-2132F897F56D}" srcOrd="0" destOrd="0" presId="urn:microsoft.com/office/officeart/2005/8/layout/bProcess3"/>
-    <dgm:cxn modelId="{C767BE2A-BDFA-4B6C-926A-B2CA017F1931}" type="presParOf" srcId="{9FCFD2FE-BBC7-453B-A8A4-3352D584FDE1}" destId="{66D7AD4C-5DB1-485A-960F-C8FBBDD1C6E5}" srcOrd="36" destOrd="0" presId="urn:microsoft.com/office/officeart/2005/8/layout/bProcess3"/>
-    <dgm:cxn modelId="{49D1C67E-2A96-4B99-B1EE-113108A90FDF}" type="presParOf" srcId="{9FCFD2FE-BBC7-453B-A8A4-3352D584FDE1}" destId="{3D9AFF7A-A147-463D-BE04-2864EF541153}" srcOrd="37" destOrd="0" presId="urn:microsoft.com/office/officeart/2005/8/layout/bProcess3"/>
-    <dgm:cxn modelId="{69A1C456-E90E-4773-9DA8-421418FB800C}" type="presParOf" srcId="{3D9AFF7A-A147-463D-BE04-2864EF541153}" destId="{AD0A1C70-1305-4B6C-A88D-088D54D8968C}" srcOrd="0" destOrd="0" presId="urn:microsoft.com/office/officeart/2005/8/layout/bProcess3"/>
-    <dgm:cxn modelId="{C0A1117C-F839-4517-B1A9-0B8EAAD9FBBD}" type="presParOf" srcId="{9FCFD2FE-BBC7-453B-A8A4-3352D584FDE1}" destId="{9469DAAE-52E6-4772-8898-F79A50CBF594}" srcOrd="38" destOrd="0" presId="urn:microsoft.com/office/officeart/2005/8/layout/bProcess3"/>
+    <dgm:cxn modelId="{C0A1117C-F839-4517-B1A9-0B8EAAD9FBBD}" type="presParOf" srcId="{9FCFD2FE-BBC7-453B-A8A4-3352D584FDE1}" destId="{9469DAAE-52E6-4772-8898-F79A50CBF594}" srcOrd="36" destOrd="0" presId="urn:microsoft.com/office/officeart/2005/8/layout/bProcess3"/>
   </dgm:cxnLst>
   <dgm:bg/>
   <dgm:whole/>
@@ -5003,88 +4947,7 @@
         <a:ext cx="1406872" cy="844123"/>
       </dsp:txXfrm>
     </dsp:sp>
-    <dsp:sp modelId="{3D9AFF7A-A147-463D-BE04-2864EF541153}">
-      <dsp:nvSpPr>
-        <dsp:cNvPr id="0" name=""/>
-        <dsp:cNvSpPr/>
-      </dsp:nvSpPr>
-      <dsp:spPr>
-        <a:xfrm>
-          <a:off x="1633303" y="3881504"/>
-          <a:ext cx="292980" cy="91440"/>
-        </a:xfrm>
-        <a:custGeom>
-          <a:avLst/>
-          <a:gdLst/>
-          <a:ahLst/>
-          <a:cxnLst/>
-          <a:rect l="0" t="0" r="0" b="0"/>
-          <a:pathLst>
-            <a:path>
-              <a:moveTo>
-                <a:pt x="0" y="45720"/>
-              </a:moveTo>
-              <a:lnTo>
-                <a:pt x="292980" y="45720"/>
-              </a:lnTo>
-            </a:path>
-          </a:pathLst>
-        </a:custGeom>
-        <a:noFill/>
-        <a:ln w="6350" cap="flat" cmpd="sng" algn="ctr">
-          <a:solidFill>
-            <a:schemeClr val="accent1">
-              <a:hueOff val="0"/>
-              <a:satOff val="0"/>
-              <a:lumOff val="0"/>
-              <a:alphaOff val="0"/>
-            </a:schemeClr>
-          </a:solidFill>
-          <a:prstDash val="solid"/>
-          <a:miter lim="800000"/>
-          <a:tailEnd type="arrow"/>
-        </a:ln>
-        <a:effectLst/>
-      </dsp:spPr>
-      <dsp:style>
-        <a:lnRef idx="1">
-          <a:scrgbClr r="0" g="0" b="0"/>
-        </a:lnRef>
-        <a:fillRef idx="0">
-          <a:scrgbClr r="0" g="0" b="0"/>
-        </a:fillRef>
-        <a:effectRef idx="0">
-          <a:scrgbClr r="0" g="0" b="0"/>
-        </a:effectRef>
-        <a:fontRef idx="minor"/>
-      </dsp:style>
-      <dsp:txBody>
-        <a:bodyPr spcFirstLastPara="0" vert="horz" wrap="square" lIns="12700" tIns="0" rIns="12700" bIns="0" numCol="1" spcCol="1270" anchor="ctr" anchorCtr="0">
-          <a:noAutofit/>
-        </a:bodyPr>
-        <a:lstStyle/>
-        <a:p>
-          <a:pPr marL="0" lvl="0" indent="0" algn="ctr" defTabSz="222250">
-            <a:lnSpc>
-              <a:spcPct val="90000"/>
-            </a:lnSpc>
-            <a:spcBef>
-              <a:spcPct val="0"/>
-            </a:spcBef>
-            <a:spcAft>
-              <a:spcPct val="35000"/>
-            </a:spcAft>
-            <a:buNone/>
-          </a:pPr>
-          <a:endParaRPr lang="th-TH" sz="500" kern="1200"/>
-        </a:p>
-      </dsp:txBody>
-      <dsp:txXfrm>
-        <a:off x="1771704" y="3925607"/>
-        <a:ext cx="16179" cy="3235"/>
-      </dsp:txXfrm>
-    </dsp:sp>
-    <dsp:sp modelId="{66D7AD4C-5DB1-485A-960F-C8FBBDD1C6E5}">
+    <dsp:sp modelId="{9469DAAE-52E6-4772-8898-F79A50CBF594}">
       <dsp:nvSpPr>
         <dsp:cNvPr id="0" name=""/>
         <dsp:cNvSpPr/>
@@ -5153,92 +5016,13 @@
           </a:pPr>
           <a:r>
             <a:rPr lang="en-US" sz="1400" kern="1200" dirty="0"/>
-            <a:t>Discharge</a:t>
+            <a:t>VN_OUT</a:t>
           </a:r>
           <a:endParaRPr lang="th-TH" sz="1400" kern="1200" dirty="0"/>
         </a:p>
       </dsp:txBody>
       <dsp:txXfrm>
         <a:off x="228231" y="3505163"/>
-        <a:ext cx="1406872" cy="844123"/>
-      </dsp:txXfrm>
-    </dsp:sp>
-    <dsp:sp modelId="{9469DAAE-52E6-4772-8898-F79A50CBF594}">
-      <dsp:nvSpPr>
-        <dsp:cNvPr id="0" name=""/>
-        <dsp:cNvSpPr/>
-      </dsp:nvSpPr>
-      <dsp:spPr>
-        <a:xfrm>
-          <a:off x="1958684" y="3505163"/>
-          <a:ext cx="1406872" cy="844123"/>
-        </a:xfrm>
-        <a:prstGeom prst="rect">
-          <a:avLst/>
-        </a:prstGeom>
-        <a:solidFill>
-          <a:schemeClr val="accent1">
-            <a:hueOff val="0"/>
-            <a:satOff val="0"/>
-            <a:lumOff val="0"/>
-            <a:alphaOff val="0"/>
-          </a:schemeClr>
-        </a:solidFill>
-        <a:ln w="12700" cap="flat" cmpd="sng" algn="ctr">
-          <a:solidFill>
-            <a:schemeClr val="lt1">
-              <a:hueOff val="0"/>
-              <a:satOff val="0"/>
-              <a:lumOff val="0"/>
-              <a:alphaOff val="0"/>
-            </a:schemeClr>
-          </a:solidFill>
-          <a:prstDash val="solid"/>
-          <a:miter lim="800000"/>
-        </a:ln>
-        <a:effectLst/>
-      </dsp:spPr>
-      <dsp:style>
-        <a:lnRef idx="2">
-          <a:scrgbClr r="0" g="0" b="0"/>
-        </a:lnRef>
-        <a:fillRef idx="1">
-          <a:scrgbClr r="0" g="0" b="0"/>
-        </a:fillRef>
-        <a:effectRef idx="0">
-          <a:scrgbClr r="0" g="0" b="0"/>
-        </a:effectRef>
-        <a:fontRef idx="minor">
-          <a:schemeClr val="lt1"/>
-        </a:fontRef>
-      </dsp:style>
-      <dsp:txBody>
-        <a:bodyPr spcFirstLastPara="0" vert="horz" wrap="square" lIns="99568" tIns="99568" rIns="99568" bIns="99568" numCol="1" spcCol="1270" anchor="ctr" anchorCtr="0">
-          <a:noAutofit/>
-        </a:bodyPr>
-        <a:lstStyle/>
-        <a:p>
-          <a:pPr marL="0" lvl="0" indent="0" algn="ctr" defTabSz="622300">
-            <a:lnSpc>
-              <a:spcPct val="90000"/>
-            </a:lnSpc>
-            <a:spcBef>
-              <a:spcPct val="0"/>
-            </a:spcBef>
-            <a:spcAft>
-              <a:spcPct val="35000"/>
-            </a:spcAft>
-            <a:buNone/>
-          </a:pPr>
-          <a:r>
-            <a:rPr lang="en-US" sz="1400" kern="1200" dirty="0"/>
-            <a:t>VN_OUT</a:t>
-          </a:r>
-          <a:endParaRPr lang="th-TH" sz="1400" kern="1200" dirty="0"/>
-        </a:p>
-      </dsp:txBody>
-      <dsp:txXfrm>
-        <a:off x="1958684" y="3505163"/>
         <a:ext cx="1406872" cy="844123"/>
       </dsp:txXfrm>
     </dsp:sp>
@@ -6468,6 +6252,356 @@
 </dgm:styleDef>
 </file>
 
+<file path=ppt/notesMasters/notesMaster1.xml><?xml version="1.0" encoding="utf-8"?>
+<p:notesMaster xmlns:a="http://schemas.openxmlformats.org/drawingml/2006/main" xmlns:r="http://schemas.openxmlformats.org/officeDocument/2006/relationships" xmlns:p="http://schemas.openxmlformats.org/presentationml/2006/main">
+  <p:cSld>
+    <p:bg>
+      <p:bgRef idx="1001">
+        <a:schemeClr val="bg1"/>
+      </p:bgRef>
+    </p:bg>
+    <p:spTree>
+      <p:nvGrpSpPr>
+        <p:cNvPr id="1" name=""/>
+        <p:cNvGrpSpPr/>
+        <p:nvPr/>
+      </p:nvGrpSpPr>
+      <p:grpSpPr>
+        <a:xfrm>
+          <a:off x="0" y="0"/>
+          <a:ext cx="0" cy="0"/>
+          <a:chOff x="0" y="0"/>
+          <a:chExt cx="0" cy="0"/>
+        </a:xfrm>
+      </p:grpSpPr>
+      <p:sp>
+        <p:nvSpPr>
+          <p:cNvPr id="2" name="Header Placeholder 1"/>
+          <p:cNvSpPr>
+            <a:spLocks noGrp="1"/>
+          </p:cNvSpPr>
+          <p:nvPr>
+            <p:ph type="hdr" sz="quarter"/>
+          </p:nvPr>
+        </p:nvSpPr>
+        <p:spPr>
+          <a:xfrm>
+            <a:off x="0" y="0"/>
+            <a:ext cx="2971800" cy="458788"/>
+          </a:xfrm>
+          <a:prstGeom prst="rect">
+            <a:avLst/>
+          </a:prstGeom>
+        </p:spPr>
+        <p:txBody>
+          <a:bodyPr vert="horz" lIns="91440" tIns="45720" rIns="91440" bIns="45720" rtlCol="0"/>
+          <a:lstStyle>
+            <a:lvl1pPr algn="l">
+              <a:defRPr sz="1200"/>
+            </a:lvl1pPr>
+          </a:lstStyle>
+          <a:p>
+            <a:endParaRPr lang="th-TH"/>
+          </a:p>
+        </p:txBody>
+      </p:sp>
+      <p:sp>
+        <p:nvSpPr>
+          <p:cNvPr id="3" name="Date Placeholder 2"/>
+          <p:cNvSpPr>
+            <a:spLocks noGrp="1"/>
+          </p:cNvSpPr>
+          <p:nvPr>
+            <p:ph type="dt" idx="1"/>
+          </p:nvPr>
+        </p:nvSpPr>
+        <p:spPr>
+          <a:xfrm>
+            <a:off x="3884613" y="0"/>
+            <a:ext cx="2971800" cy="458788"/>
+          </a:xfrm>
+          <a:prstGeom prst="rect">
+            <a:avLst/>
+          </a:prstGeom>
+        </p:spPr>
+        <p:txBody>
+          <a:bodyPr vert="horz" lIns="91440" tIns="45720" rIns="91440" bIns="45720" rtlCol="0"/>
+          <a:lstStyle>
+            <a:lvl1pPr algn="r">
+              <a:defRPr sz="1200"/>
+            </a:lvl1pPr>
+          </a:lstStyle>
+          <a:p>
+            <a:fld id="{52955F16-3F06-47CA-B220-094DAA5746BB}" type="datetimeFigureOut">
+              <a:rPr lang="th-TH" smtClean="0"/>
+              <a:t>22/08/66</a:t>
+            </a:fld>
+            <a:endParaRPr lang="th-TH"/>
+          </a:p>
+        </p:txBody>
+      </p:sp>
+      <p:sp>
+        <p:nvSpPr>
+          <p:cNvPr id="4" name="Slide Image Placeholder 3"/>
+          <p:cNvSpPr>
+            <a:spLocks noGrp="1" noRot="1" noChangeAspect="1"/>
+          </p:cNvSpPr>
+          <p:nvPr>
+            <p:ph type="sldImg" idx="2"/>
+          </p:nvPr>
+        </p:nvSpPr>
+        <p:spPr>
+          <a:xfrm>
+            <a:off x="685800" y="1143000"/>
+            <a:ext cx="5486400" cy="3086100"/>
+          </a:xfrm>
+          <a:prstGeom prst="rect">
+            <a:avLst/>
+          </a:prstGeom>
+          <a:noFill/>
+          <a:ln w="12700">
+            <a:solidFill>
+              <a:prstClr val="black"/>
+            </a:solidFill>
+          </a:ln>
+        </p:spPr>
+        <p:txBody>
+          <a:bodyPr vert="horz" lIns="91440" tIns="45720" rIns="91440" bIns="45720" rtlCol="0" anchor="ctr"/>
+          <a:lstStyle/>
+          <a:p>
+            <a:endParaRPr lang="th-TH"/>
+          </a:p>
+        </p:txBody>
+      </p:sp>
+      <p:sp>
+        <p:nvSpPr>
+          <p:cNvPr id="5" name="Notes Placeholder 4"/>
+          <p:cNvSpPr>
+            <a:spLocks noGrp="1"/>
+          </p:cNvSpPr>
+          <p:nvPr>
+            <p:ph type="body" sz="quarter" idx="3"/>
+          </p:nvPr>
+        </p:nvSpPr>
+        <p:spPr>
+          <a:xfrm>
+            <a:off x="685800" y="4400550"/>
+            <a:ext cx="5486400" cy="3600450"/>
+          </a:xfrm>
+          <a:prstGeom prst="rect">
+            <a:avLst/>
+          </a:prstGeom>
+        </p:spPr>
+        <p:txBody>
+          <a:bodyPr vert="horz" lIns="91440" tIns="45720" rIns="91440" bIns="45720" rtlCol="0"/>
+          <a:lstStyle/>
+          <a:p>
+            <a:pPr lvl="0"/>
+            <a:r>
+              <a:rPr lang="en-US"/>
+              <a:t>Click to edit Master text styles</a:t>
+            </a:r>
+          </a:p>
+          <a:p>
+            <a:pPr lvl="1"/>
+            <a:r>
+              <a:rPr lang="en-US"/>
+              <a:t>Second level</a:t>
+            </a:r>
+          </a:p>
+          <a:p>
+            <a:pPr lvl="2"/>
+            <a:r>
+              <a:rPr lang="en-US"/>
+              <a:t>Third level</a:t>
+            </a:r>
+          </a:p>
+          <a:p>
+            <a:pPr lvl="3"/>
+            <a:r>
+              <a:rPr lang="en-US"/>
+              <a:t>Fourth level</a:t>
+            </a:r>
+          </a:p>
+          <a:p>
+            <a:pPr lvl="4"/>
+            <a:r>
+              <a:rPr lang="en-US"/>
+              <a:t>Fifth level</a:t>
+            </a:r>
+            <a:endParaRPr lang="th-TH"/>
+          </a:p>
+        </p:txBody>
+      </p:sp>
+      <p:sp>
+        <p:nvSpPr>
+          <p:cNvPr id="6" name="Footer Placeholder 5"/>
+          <p:cNvSpPr>
+            <a:spLocks noGrp="1"/>
+          </p:cNvSpPr>
+          <p:nvPr>
+            <p:ph type="ftr" sz="quarter" idx="4"/>
+          </p:nvPr>
+        </p:nvSpPr>
+        <p:spPr>
+          <a:xfrm>
+            <a:off x="0" y="8685213"/>
+            <a:ext cx="2971800" cy="458787"/>
+          </a:xfrm>
+          <a:prstGeom prst="rect">
+            <a:avLst/>
+          </a:prstGeom>
+        </p:spPr>
+        <p:txBody>
+          <a:bodyPr vert="horz" lIns="91440" tIns="45720" rIns="91440" bIns="45720" rtlCol="0" anchor="b"/>
+          <a:lstStyle>
+            <a:lvl1pPr algn="l">
+              <a:defRPr sz="1200"/>
+            </a:lvl1pPr>
+          </a:lstStyle>
+          <a:p>
+            <a:endParaRPr lang="th-TH"/>
+          </a:p>
+        </p:txBody>
+      </p:sp>
+      <p:sp>
+        <p:nvSpPr>
+          <p:cNvPr id="7" name="Slide Number Placeholder 6"/>
+          <p:cNvSpPr>
+            <a:spLocks noGrp="1"/>
+          </p:cNvSpPr>
+          <p:nvPr>
+            <p:ph type="sldNum" sz="quarter" idx="5"/>
+          </p:nvPr>
+        </p:nvSpPr>
+        <p:spPr>
+          <a:xfrm>
+            <a:off x="3884613" y="8685213"/>
+            <a:ext cx="2971800" cy="458787"/>
+          </a:xfrm>
+          <a:prstGeom prst="rect">
+            <a:avLst/>
+          </a:prstGeom>
+        </p:spPr>
+        <p:txBody>
+          <a:bodyPr vert="horz" lIns="91440" tIns="45720" rIns="91440" bIns="45720" rtlCol="0" anchor="b"/>
+          <a:lstStyle>
+            <a:lvl1pPr algn="r">
+              <a:defRPr sz="1200"/>
+            </a:lvl1pPr>
+          </a:lstStyle>
+          <a:p>
+            <a:fld id="{1FAC8314-E4A5-4E4A-8239-35774B18608C}" type="slidenum">
+              <a:rPr lang="th-TH" smtClean="0"/>
+              <a:t>‹#›</a:t>
+            </a:fld>
+            <a:endParaRPr lang="th-TH"/>
+          </a:p>
+        </p:txBody>
+      </p:sp>
+    </p:spTree>
+    <p:extLst>
+      <p:ext uri="{BB962C8B-B14F-4D97-AF65-F5344CB8AC3E}">
+        <p14:creationId xmlns:p14="http://schemas.microsoft.com/office/powerpoint/2010/main" val="4078399092"/>
+      </p:ext>
+    </p:extLst>
+  </p:cSld>
+  <p:clrMap bg1="lt1" tx1="dk1" bg2="lt2" tx2="dk2" accent1="accent1" accent2="accent2" accent3="accent3" accent4="accent4" accent5="accent5" accent6="accent6" hlink="hlink" folHlink="folHlink"/>
+  <p:notesStyle>
+    <a:lvl1pPr marL="0" algn="l" defTabSz="914400" rtl="0" eaLnBrk="1" latinLnBrk="0" hangingPunct="1">
+      <a:defRPr sz="1800" kern="1200">
+        <a:solidFill>
+          <a:schemeClr val="tx1"/>
+        </a:solidFill>
+        <a:latin typeface="+mn-lt"/>
+        <a:ea typeface="+mn-ea"/>
+        <a:cs typeface="+mn-cs"/>
+      </a:defRPr>
+    </a:lvl1pPr>
+    <a:lvl2pPr marL="457200" algn="l" defTabSz="914400" rtl="0" eaLnBrk="1" latinLnBrk="0" hangingPunct="1">
+      <a:defRPr sz="1800" kern="1200">
+        <a:solidFill>
+          <a:schemeClr val="tx1"/>
+        </a:solidFill>
+        <a:latin typeface="+mn-lt"/>
+        <a:ea typeface="+mn-ea"/>
+        <a:cs typeface="+mn-cs"/>
+      </a:defRPr>
+    </a:lvl2pPr>
+    <a:lvl3pPr marL="914400" algn="l" defTabSz="914400" rtl="0" eaLnBrk="1" latinLnBrk="0" hangingPunct="1">
+      <a:defRPr sz="1800" kern="1200">
+        <a:solidFill>
+          <a:schemeClr val="tx1"/>
+        </a:solidFill>
+        <a:latin typeface="+mn-lt"/>
+        <a:ea typeface="+mn-ea"/>
+        <a:cs typeface="+mn-cs"/>
+      </a:defRPr>
+    </a:lvl3pPr>
+    <a:lvl4pPr marL="1371600" algn="l" defTabSz="914400" rtl="0" eaLnBrk="1" latinLnBrk="0" hangingPunct="1">
+      <a:defRPr sz="1800" kern="1200">
+        <a:solidFill>
+          <a:schemeClr val="tx1"/>
+        </a:solidFill>
+        <a:latin typeface="+mn-lt"/>
+        <a:ea typeface="+mn-ea"/>
+        <a:cs typeface="+mn-cs"/>
+      </a:defRPr>
+    </a:lvl4pPr>
+    <a:lvl5pPr marL="1828800" algn="l" defTabSz="914400" rtl="0" eaLnBrk="1" latinLnBrk="0" hangingPunct="1">
+      <a:defRPr sz="1800" kern="1200">
+        <a:solidFill>
+          <a:schemeClr val="tx1"/>
+        </a:solidFill>
+        <a:latin typeface="+mn-lt"/>
+        <a:ea typeface="+mn-ea"/>
+        <a:cs typeface="+mn-cs"/>
+      </a:defRPr>
+    </a:lvl5pPr>
+    <a:lvl6pPr marL="2286000" algn="l" defTabSz="914400" rtl="0" eaLnBrk="1" latinLnBrk="0" hangingPunct="1">
+      <a:defRPr sz="1800" kern="1200">
+        <a:solidFill>
+          <a:schemeClr val="tx1"/>
+        </a:solidFill>
+        <a:latin typeface="+mn-lt"/>
+        <a:ea typeface="+mn-ea"/>
+        <a:cs typeface="+mn-cs"/>
+      </a:defRPr>
+    </a:lvl6pPr>
+    <a:lvl7pPr marL="2743200" algn="l" defTabSz="914400" rtl="0" eaLnBrk="1" latinLnBrk="0" hangingPunct="1">
+      <a:defRPr sz="1800" kern="1200">
+        <a:solidFill>
+          <a:schemeClr val="tx1"/>
+        </a:solidFill>
+        <a:latin typeface="+mn-lt"/>
+        <a:ea typeface="+mn-ea"/>
+        <a:cs typeface="+mn-cs"/>
+      </a:defRPr>
+    </a:lvl7pPr>
+    <a:lvl8pPr marL="3200400" algn="l" defTabSz="914400" rtl="0" eaLnBrk="1" latinLnBrk="0" hangingPunct="1">
+      <a:defRPr sz="1800" kern="1200">
+        <a:solidFill>
+          <a:schemeClr val="tx1"/>
+        </a:solidFill>
+        <a:latin typeface="+mn-lt"/>
+        <a:ea typeface="+mn-ea"/>
+        <a:cs typeface="+mn-cs"/>
+      </a:defRPr>
+    </a:lvl8pPr>
+    <a:lvl9pPr marL="3657600" algn="l" defTabSz="914400" rtl="0" eaLnBrk="1" latinLnBrk="0" hangingPunct="1">
+      <a:defRPr sz="1800" kern="1200">
+        <a:solidFill>
+          <a:schemeClr val="tx1"/>
+        </a:solidFill>
+        <a:latin typeface="+mn-lt"/>
+        <a:ea typeface="+mn-ea"/>
+        <a:cs typeface="+mn-cs"/>
+      </a:defRPr>
+    </a:lvl9pPr>
+  </p:notesStyle>
+</p:notesMaster>
+</file>
+
 <file path=ppt/slideLayouts/slideLayout1.xml><?xml version="1.0" encoding="utf-8"?>
 <p:sldLayout xmlns:a="http://schemas.openxmlformats.org/drawingml/2006/main" xmlns:r="http://schemas.openxmlformats.org/officeDocument/2006/relationships" xmlns:p="http://schemas.openxmlformats.org/presentationml/2006/main" type="title" preserve="1">
   <p:cSld name="Title Slide">
@@ -6615,7 +6749,7 @@
           <a:bodyPr/>
           <a:lstStyle/>
           <a:p>
-            <a:fld id="{0DC68087-21ED-4D11-84F5-9CB72CA4410E}" type="datetimeFigureOut">
+            <a:fld id="{DE996C69-74BB-4271-AB8F-AD955EBBB9FA}" type="datetime1">
               <a:rPr lang="th-TH" smtClean="0"/>
               <a:t>22/08/66</a:t>
             </a:fld>
@@ -6815,7 +6949,7 @@
           <a:bodyPr/>
           <a:lstStyle/>
           <a:p>
-            <a:fld id="{0DC68087-21ED-4D11-84F5-9CB72CA4410E}" type="datetimeFigureOut">
+            <a:fld id="{DC6F1DD8-73F8-4798-BDCB-14BD481D2ECF}" type="datetime1">
               <a:rPr lang="th-TH" smtClean="0"/>
               <a:t>22/08/66</a:t>
             </a:fld>
@@ -7025,7 +7159,7 @@
           <a:bodyPr/>
           <a:lstStyle/>
           <a:p>
-            <a:fld id="{0DC68087-21ED-4D11-84F5-9CB72CA4410E}" type="datetimeFigureOut">
+            <a:fld id="{39E123E4-2623-4A94-A982-A79D63A16545}" type="datetime1">
               <a:rPr lang="th-TH" smtClean="0"/>
               <a:t>22/08/66</a:t>
             </a:fld>
@@ -7225,7 +7359,7 @@
           <a:bodyPr/>
           <a:lstStyle/>
           <a:p>
-            <a:fld id="{0DC68087-21ED-4D11-84F5-9CB72CA4410E}" type="datetimeFigureOut">
+            <a:fld id="{A489B8F5-E589-4BB0-B6FC-97C2D96BA66E}" type="datetime1">
               <a:rPr lang="th-TH" smtClean="0"/>
               <a:t>22/08/66</a:t>
             </a:fld>
@@ -7501,7 +7635,7 @@
           <a:bodyPr/>
           <a:lstStyle/>
           <a:p>
-            <a:fld id="{0DC68087-21ED-4D11-84F5-9CB72CA4410E}" type="datetimeFigureOut">
+            <a:fld id="{F2B050A4-8CA8-4CA0-82B4-BD1E4C0FE075}" type="datetime1">
               <a:rPr lang="th-TH" smtClean="0"/>
               <a:t>22/08/66</a:t>
             </a:fld>
@@ -7769,7 +7903,7 @@
           <a:bodyPr/>
           <a:lstStyle/>
           <a:p>
-            <a:fld id="{0DC68087-21ED-4D11-84F5-9CB72CA4410E}" type="datetimeFigureOut">
+            <a:fld id="{3A96BFC6-4294-4441-8B8C-A38AAEE4C4F3}" type="datetime1">
               <a:rPr lang="th-TH" smtClean="0"/>
               <a:t>22/08/66</a:t>
             </a:fld>
@@ -8184,7 +8318,7 @@
           <a:bodyPr/>
           <a:lstStyle/>
           <a:p>
-            <a:fld id="{0DC68087-21ED-4D11-84F5-9CB72CA4410E}" type="datetimeFigureOut">
+            <a:fld id="{B048F9EE-7C39-4922-A08C-F16ECBE730E7}" type="datetime1">
               <a:rPr lang="th-TH" smtClean="0"/>
               <a:t>22/08/66</a:t>
             </a:fld>
@@ -8326,7 +8460,7 @@
           <a:bodyPr/>
           <a:lstStyle/>
           <a:p>
-            <a:fld id="{0DC68087-21ED-4D11-84F5-9CB72CA4410E}" type="datetimeFigureOut">
+            <a:fld id="{80097E81-B804-4E30-B8E5-1CFBBA6A2255}" type="datetime1">
               <a:rPr lang="th-TH" smtClean="0"/>
               <a:t>22/08/66</a:t>
             </a:fld>
@@ -8439,7 +8573,7 @@
           <a:bodyPr/>
           <a:lstStyle/>
           <a:p>
-            <a:fld id="{0DC68087-21ED-4D11-84F5-9CB72CA4410E}" type="datetimeFigureOut">
+            <a:fld id="{A7269964-E4F0-47F4-82D5-8664E88A9139}" type="datetime1">
               <a:rPr lang="th-TH" smtClean="0"/>
               <a:t>22/08/66</a:t>
             </a:fld>
@@ -8752,7 +8886,7 @@
           <a:bodyPr/>
           <a:lstStyle/>
           <a:p>
-            <a:fld id="{0DC68087-21ED-4D11-84F5-9CB72CA4410E}" type="datetimeFigureOut">
+            <a:fld id="{5A4C54EA-A69B-4931-9919-CAA3FED5A5AD}" type="datetime1">
               <a:rPr lang="th-TH" smtClean="0"/>
               <a:t>22/08/66</a:t>
             </a:fld>
@@ -9041,7 +9175,7 @@
           <a:bodyPr/>
           <a:lstStyle/>
           <a:p>
-            <a:fld id="{0DC68087-21ED-4D11-84F5-9CB72CA4410E}" type="datetimeFigureOut">
+            <a:fld id="{B488979F-8EB0-46F7-89A4-8A4DDD0D53EF}" type="datetime1">
               <a:rPr lang="th-TH" smtClean="0"/>
               <a:t>22/08/66</a:t>
             </a:fld>
@@ -9276,16 +9410,17 @@
             <a:lvl1pPr algn="l">
               <a:defRPr sz="1200">
                 <a:solidFill>
-                  <a:schemeClr val="tx1">
-                    <a:tint val="75000"/>
-                  </a:schemeClr>
+                  <a:schemeClr val="tx1"/>
                 </a:solidFill>
+                <a:latin typeface="Chulabhorn Likit Text Light" panose="00000400000000000000" pitchFamily="50" charset="-34"/>
+                <a:cs typeface="Chulabhorn Likit Text Light" panose="00000400000000000000" pitchFamily="50" charset="-34"/>
               </a:defRPr>
             </a:lvl1pPr>
           </a:lstStyle>
           <a:p>
-            <a:fld id="{0DC68087-21ED-4D11-84F5-9CB72CA4410E}" type="datetimeFigureOut">
+            <a:fld id="{9BA7EE47-17B3-4CA1-81BE-334A80C51161}" type="datetime1">
               <a:rPr lang="th-TH" smtClean="0"/>
+              <a:pPr/>
               <a:t>22/08/66</a:t>
             </a:fld>
             <a:endParaRPr lang="th-TH"/>
@@ -9323,10 +9458,10 @@
             <a:lvl1pPr algn="ctr">
               <a:defRPr sz="1200">
                 <a:solidFill>
-                  <a:schemeClr val="tx1">
-                    <a:tint val="75000"/>
-                  </a:schemeClr>
+                  <a:schemeClr val="tx1"/>
                 </a:solidFill>
+                <a:latin typeface="Chulabhorn Likit Text Light" panose="00000400000000000000" pitchFamily="50" charset="-34"/>
+                <a:cs typeface="Chulabhorn Likit Text Light" panose="00000400000000000000" pitchFamily="50" charset="-34"/>
               </a:defRPr>
             </a:lvl1pPr>
           </a:lstStyle>
@@ -9366,16 +9501,17 @@
             <a:lvl1pPr algn="r">
               <a:defRPr sz="1200">
                 <a:solidFill>
-                  <a:schemeClr val="tx1">
-                    <a:tint val="75000"/>
-                  </a:schemeClr>
+                  <a:schemeClr val="tx1"/>
                 </a:solidFill>
+                <a:latin typeface="Chulabhorn Likit Text Light" panose="00000400000000000000" pitchFamily="50" charset="-34"/>
+                <a:cs typeface="Chulabhorn Likit Text Light" panose="00000400000000000000" pitchFamily="50" charset="-34"/>
               </a:defRPr>
             </a:lvl1pPr>
           </a:lstStyle>
           <a:p>
             <a:fld id="{7480E37F-6EFF-472E-8144-B9391FAC94FB}" type="slidenum">
               <a:rPr lang="th-TH" smtClean="0"/>
+              <a:pPr/>
               <a:t>‹#›</a:t>
             </a:fld>
             <a:endParaRPr lang="th-TH"/>
@@ -9403,6 +9539,7 @@
     <p:sldLayoutId id="2147483658" r:id="rId10"/>
     <p:sldLayoutId id="2147483659" r:id="rId11"/>
   </p:sldLayoutIdLst>
+  <p:hf hdr="0" ftr="0" dt="0"/>
   <p:txStyles>
     <p:titleStyle>
       <a:lvl1pPr algn="l" defTabSz="914400" rtl="0" eaLnBrk="1" latinLnBrk="0" hangingPunct="1">
@@ -9417,9 +9554,9 @@
           <a:solidFill>
             <a:schemeClr val="tx1"/>
           </a:solidFill>
-          <a:latin typeface="+mj-lt"/>
+          <a:latin typeface="Chulabhorn Likit Text Light" panose="00000400000000000000" pitchFamily="50" charset="-34"/>
           <a:ea typeface="+mj-ea"/>
-          <a:cs typeface="+mj-cs"/>
+          <a:cs typeface="Chulabhorn Likit Text Light" panose="00000400000000000000" pitchFamily="50" charset="-34"/>
         </a:defRPr>
       </a:lvl1pPr>
     </p:titleStyle>
@@ -9437,9 +9574,9 @@
           <a:solidFill>
             <a:schemeClr val="tx1"/>
           </a:solidFill>
-          <a:latin typeface="+mn-lt"/>
+          <a:latin typeface="Chulabhorn Likit Text Light" panose="00000400000000000000" pitchFamily="50" charset="-34"/>
           <a:ea typeface="+mn-ea"/>
-          <a:cs typeface="+mn-cs"/>
+          <a:cs typeface="Chulabhorn Likit Text Light" panose="00000400000000000000" pitchFamily="50" charset="-34"/>
         </a:defRPr>
       </a:lvl1pPr>
       <a:lvl2pPr marL="685800" indent="-228600" algn="l" defTabSz="914400" rtl="0" eaLnBrk="1" latinLnBrk="0" hangingPunct="1">
@@ -9455,9 +9592,9 @@
           <a:solidFill>
             <a:schemeClr val="tx1"/>
           </a:solidFill>
-          <a:latin typeface="+mn-lt"/>
+          <a:latin typeface="Chulabhorn Likit Text Light" panose="00000400000000000000" pitchFamily="50" charset="-34"/>
           <a:ea typeface="+mn-ea"/>
-          <a:cs typeface="+mn-cs"/>
+          <a:cs typeface="Chulabhorn Likit Text Light" panose="00000400000000000000" pitchFamily="50" charset="-34"/>
         </a:defRPr>
       </a:lvl2pPr>
       <a:lvl3pPr marL="1143000" indent="-228600" algn="l" defTabSz="914400" rtl="0" eaLnBrk="1" latinLnBrk="0" hangingPunct="1">
@@ -9473,9 +9610,9 @@
           <a:solidFill>
             <a:schemeClr val="tx1"/>
           </a:solidFill>
-          <a:latin typeface="+mn-lt"/>
+          <a:latin typeface="Chulabhorn Likit Text Light" panose="00000400000000000000" pitchFamily="50" charset="-34"/>
           <a:ea typeface="+mn-ea"/>
-          <a:cs typeface="+mn-cs"/>
+          <a:cs typeface="Chulabhorn Likit Text Light" panose="00000400000000000000" pitchFamily="50" charset="-34"/>
         </a:defRPr>
       </a:lvl3pPr>
       <a:lvl4pPr marL="1600200" indent="-228600" algn="l" defTabSz="914400" rtl="0" eaLnBrk="1" latinLnBrk="0" hangingPunct="1">
@@ -9491,9 +9628,9 @@
           <a:solidFill>
             <a:schemeClr val="tx1"/>
           </a:solidFill>
-          <a:latin typeface="+mn-lt"/>
+          <a:latin typeface="Chulabhorn Likit Text Light" panose="00000400000000000000" pitchFamily="50" charset="-34"/>
           <a:ea typeface="+mn-ea"/>
-          <a:cs typeface="+mn-cs"/>
+          <a:cs typeface="Chulabhorn Likit Text Light" panose="00000400000000000000" pitchFamily="50" charset="-34"/>
         </a:defRPr>
       </a:lvl4pPr>
       <a:lvl5pPr marL="2057400" indent="-228600" algn="l" defTabSz="914400" rtl="0" eaLnBrk="1" latinLnBrk="0" hangingPunct="1">
@@ -9509,9 +9646,9 @@
           <a:solidFill>
             <a:schemeClr val="tx1"/>
           </a:solidFill>
-          <a:latin typeface="+mn-lt"/>
+          <a:latin typeface="Chulabhorn Likit Text Light" panose="00000400000000000000" pitchFamily="50" charset="-34"/>
           <a:ea typeface="+mn-ea"/>
-          <a:cs typeface="+mn-cs"/>
+          <a:cs typeface="Chulabhorn Likit Text Light" panose="00000400000000000000" pitchFamily="50" charset="-34"/>
         </a:defRPr>
       </a:lvl5pPr>
       <a:lvl6pPr marL="2514600" indent="-228600" algn="l" defTabSz="914400" rtl="0" eaLnBrk="1" latinLnBrk="0" hangingPunct="1">
@@ -9761,6 +9898,35 @@
           </a:p>
         </p:txBody>
       </p:sp>
+      <p:sp>
+        <p:nvSpPr>
+          <p:cNvPr id="4" name="Slide Number Placeholder 3">
+            <a:extLst>
+              <a:ext uri="{FF2B5EF4-FFF2-40B4-BE49-F238E27FC236}">
+                <a16:creationId xmlns:a16="http://schemas.microsoft.com/office/drawing/2014/main" id="{776E6D6F-6DB3-4468-B916-87BBB2D80E65}"/>
+              </a:ext>
+            </a:extLst>
+          </p:cNvPr>
+          <p:cNvSpPr>
+            <a:spLocks noGrp="1"/>
+          </p:cNvSpPr>
+          <p:nvPr>
+            <p:ph type="sldNum" sz="quarter" idx="12"/>
+          </p:nvPr>
+        </p:nvSpPr>
+        <p:spPr/>
+        <p:txBody>
+          <a:bodyPr/>
+          <a:lstStyle/>
+          <a:p>
+            <a:fld id="{7480E37F-6EFF-472E-8144-B9391FAC94FB}" type="slidenum">
+              <a:rPr lang="th-TH" smtClean="0"/>
+              <a:t>1</a:t>
+            </a:fld>
+            <a:endParaRPr lang="th-TH"/>
+          </a:p>
+        </p:txBody>
+      </p:sp>
     </p:spTree>
     <p:extLst>
       <p:ext uri="{BB962C8B-B14F-4D97-AF65-F5344CB8AC3E}">
@@ -9843,9 +10009,58 @@
           <a:p>
             <a:r>
               <a:rPr lang="en-US" dirty="0"/>
-              <a:t>List of assumptions applied to DES</a:t>
+              <a:t>Every patients must be started on OPD and sequentially visited through the last department without any deaths.</a:t>
             </a:r>
+          </a:p>
+          <a:p>
+            <a:r>
+              <a:rPr lang="en-US" dirty="0"/>
+              <a:t>Every departments were visited only one time per VN, non any revisiting on the same VN.</a:t>
+            </a:r>
+          </a:p>
+          <a:p>
+            <a:r>
+              <a:rPr lang="en-US" dirty="0"/>
+              <a:t>Some unnecessary departments may be skipped, as the case may be</a:t>
+            </a:r>
+          </a:p>
+          <a:p>
+            <a:r>
+              <a:rPr lang="en-US" dirty="0"/>
+              <a:t>Average minutely interarrival time may be difference on working day and weekend.</a:t>
+            </a:r>
+          </a:p>
+          <a:p>
             <a:endParaRPr lang="th-TH" dirty="0"/>
+          </a:p>
+        </p:txBody>
+      </p:sp>
+      <p:sp>
+        <p:nvSpPr>
+          <p:cNvPr id="4" name="Slide Number Placeholder 3">
+            <a:extLst>
+              <a:ext uri="{FF2B5EF4-FFF2-40B4-BE49-F238E27FC236}">
+                <a16:creationId xmlns:a16="http://schemas.microsoft.com/office/drawing/2014/main" id="{61FD88DE-43DA-4557-A185-E90F24D3160F}"/>
+              </a:ext>
+            </a:extLst>
+          </p:cNvPr>
+          <p:cNvSpPr>
+            <a:spLocks noGrp="1"/>
+          </p:cNvSpPr>
+          <p:nvPr>
+            <p:ph type="sldNum" sz="quarter" idx="12"/>
+          </p:nvPr>
+        </p:nvSpPr>
+        <p:spPr/>
+        <p:txBody>
+          <a:bodyPr/>
+          <a:lstStyle/>
+          <a:p>
+            <a:fld id="{7480E37F-6EFF-472E-8144-B9391FAC94FB}" type="slidenum">
+              <a:rPr lang="th-TH" smtClean="0"/>
+              <a:t>10</a:t>
+            </a:fld>
+            <a:endParaRPr lang="th-TH"/>
           </a:p>
         </p:txBody>
       </p:sp>
@@ -9902,7 +10117,7 @@
           <a:p>
             <a:r>
               <a:rPr lang="en-US" dirty="0"/>
-              <a:t>DES parameter initialization</a:t>
+              <a:t>DES Assumptions</a:t>
             </a:r>
             <a:endParaRPr lang="th-TH" dirty="0"/>
           </a:p>
@@ -9931,9 +10146,183 @@
           <a:p>
             <a:r>
               <a:rPr lang="en-US" dirty="0"/>
+              <a:t>Patients were able to get VN queue between 5am to 3pm.</a:t>
+            </a:r>
+          </a:p>
+          <a:p>
+            <a:r>
+              <a:rPr lang="en-US" dirty="0"/>
+              <a:t>OPD were started at 7am each day without any lunch or dining.</a:t>
+            </a:r>
+          </a:p>
+          <a:p>
+            <a:r>
+              <a:rPr lang="en-US" dirty="0"/>
+              <a:t>Other departments were 24/7 standby.</a:t>
+            </a:r>
+          </a:p>
+          <a:p>
+            <a:r>
+              <a:rPr lang="en-US" dirty="0"/>
+              <a:t>Distance between departments were insignificantly affected overall process time.</a:t>
+            </a:r>
+          </a:p>
+          <a:p>
+            <a:r>
+              <a:rPr lang="en-US" dirty="0"/>
+              <a:t>Any workers in the same department were equal </a:t>
+            </a:r>
+            <a:r>
+              <a:rPr lang="en-US"/>
+              <a:t>on performance.</a:t>
+            </a:r>
+            <a:endParaRPr lang="th-TH" dirty="0"/>
+          </a:p>
+        </p:txBody>
+      </p:sp>
+      <p:sp>
+        <p:nvSpPr>
+          <p:cNvPr id="4" name="Slide Number Placeholder 3">
+            <a:extLst>
+              <a:ext uri="{FF2B5EF4-FFF2-40B4-BE49-F238E27FC236}">
+                <a16:creationId xmlns:a16="http://schemas.microsoft.com/office/drawing/2014/main" id="{61FD88DE-43DA-4557-A185-E90F24D3160F}"/>
+              </a:ext>
+            </a:extLst>
+          </p:cNvPr>
+          <p:cNvSpPr>
+            <a:spLocks noGrp="1"/>
+          </p:cNvSpPr>
+          <p:nvPr>
+            <p:ph type="sldNum" sz="quarter" idx="12"/>
+          </p:nvPr>
+        </p:nvSpPr>
+        <p:spPr/>
+        <p:txBody>
+          <a:bodyPr/>
+          <a:lstStyle/>
+          <a:p>
+            <a:fld id="{7480E37F-6EFF-472E-8144-B9391FAC94FB}" type="slidenum">
+              <a:rPr lang="th-TH" smtClean="0"/>
+              <a:t>11</a:t>
+            </a:fld>
+            <a:endParaRPr lang="th-TH"/>
+          </a:p>
+        </p:txBody>
+      </p:sp>
+    </p:spTree>
+    <p:extLst>
+      <p:ext uri="{BB962C8B-B14F-4D97-AF65-F5344CB8AC3E}">
+        <p14:creationId xmlns:p14="http://schemas.microsoft.com/office/powerpoint/2010/main" val="2106664431"/>
+      </p:ext>
+    </p:extLst>
+  </p:cSld>
+  <p:clrMapOvr>
+    <a:masterClrMapping/>
+  </p:clrMapOvr>
+</p:sld>
+</file>
+
+<file path=ppt/slides/slide12.xml><?xml version="1.0" encoding="utf-8"?>
+<p:sld xmlns:a="http://schemas.openxmlformats.org/drawingml/2006/main" xmlns:r="http://schemas.openxmlformats.org/officeDocument/2006/relationships" xmlns:p="http://schemas.openxmlformats.org/presentationml/2006/main">
+  <p:cSld>
+    <p:spTree>
+      <p:nvGrpSpPr>
+        <p:cNvPr id="1" name=""/>
+        <p:cNvGrpSpPr/>
+        <p:nvPr/>
+      </p:nvGrpSpPr>
+      <p:grpSpPr>
+        <a:xfrm>
+          <a:off x="0" y="0"/>
+          <a:ext cx="0" cy="0"/>
+          <a:chOff x="0" y="0"/>
+          <a:chExt cx="0" cy="0"/>
+        </a:xfrm>
+      </p:grpSpPr>
+      <p:sp>
+        <p:nvSpPr>
+          <p:cNvPr id="2" name="Title 1">
+            <a:extLst>
+              <a:ext uri="{FF2B5EF4-FFF2-40B4-BE49-F238E27FC236}">
+                <a16:creationId xmlns:a16="http://schemas.microsoft.com/office/drawing/2014/main" id="{3D65D1A6-E5C4-4E43-A4C0-A9FD06633B3F}"/>
+              </a:ext>
+            </a:extLst>
+          </p:cNvPr>
+          <p:cNvSpPr>
+            <a:spLocks noGrp="1"/>
+          </p:cNvSpPr>
+          <p:nvPr>
+            <p:ph type="title"/>
+          </p:nvPr>
+        </p:nvSpPr>
+        <p:spPr/>
+        <p:txBody>
+          <a:bodyPr/>
+          <a:lstStyle/>
+          <a:p>
+            <a:r>
+              <a:rPr lang="en-US" dirty="0"/>
+              <a:t>DES parameter initialization</a:t>
+            </a:r>
+            <a:endParaRPr lang="th-TH" dirty="0"/>
+          </a:p>
+        </p:txBody>
+      </p:sp>
+      <p:sp>
+        <p:nvSpPr>
+          <p:cNvPr id="3" name="Content Placeholder 2">
+            <a:extLst>
+              <a:ext uri="{FF2B5EF4-FFF2-40B4-BE49-F238E27FC236}">
+                <a16:creationId xmlns:a16="http://schemas.microsoft.com/office/drawing/2014/main" id="{B9DA14B2-635A-45ED-98F2-E3ECDED05FC1}"/>
+              </a:ext>
+            </a:extLst>
+          </p:cNvPr>
+          <p:cNvSpPr>
+            <a:spLocks noGrp="1"/>
+          </p:cNvSpPr>
+          <p:nvPr>
+            <p:ph idx="1"/>
+          </p:nvPr>
+        </p:nvSpPr>
+        <p:spPr/>
+        <p:txBody>
+          <a:bodyPr/>
+          <a:lstStyle/>
+          <a:p>
+            <a:r>
+              <a:rPr lang="en-US" dirty="0"/>
               <a:t>Parameter initialization</a:t>
             </a:r>
             <a:endParaRPr lang="th-TH" dirty="0"/>
+          </a:p>
+        </p:txBody>
+      </p:sp>
+      <p:sp>
+        <p:nvSpPr>
+          <p:cNvPr id="4" name="Slide Number Placeholder 3">
+            <a:extLst>
+              <a:ext uri="{FF2B5EF4-FFF2-40B4-BE49-F238E27FC236}">
+                <a16:creationId xmlns:a16="http://schemas.microsoft.com/office/drawing/2014/main" id="{E5635828-97ED-41F3-B51B-0D5CDAA8C1B5}"/>
+              </a:ext>
+            </a:extLst>
+          </p:cNvPr>
+          <p:cNvSpPr>
+            <a:spLocks noGrp="1"/>
+          </p:cNvSpPr>
+          <p:nvPr>
+            <p:ph type="sldNum" sz="quarter" idx="12"/>
+          </p:nvPr>
+        </p:nvSpPr>
+        <p:spPr/>
+        <p:txBody>
+          <a:bodyPr/>
+          <a:lstStyle/>
+          <a:p>
+            <a:fld id="{7480E37F-6EFF-472E-8144-B9391FAC94FB}" type="slidenum">
+              <a:rPr lang="th-TH" smtClean="0"/>
+              <a:t>12</a:t>
+            </a:fld>
+            <a:endParaRPr lang="th-TH"/>
           </a:p>
         </p:txBody>
       </p:sp>
@@ -9950,7 +10339,7 @@
 </p:sld>
 </file>
 
-<file path=ppt/slides/slide12.xml><?xml version="1.0" encoding="utf-8"?>
+<file path=ppt/slides/slide13.xml><?xml version="1.0" encoding="utf-8"?>
 <p:sld xmlns:a="http://schemas.openxmlformats.org/drawingml/2006/main" xmlns:r="http://schemas.openxmlformats.org/officeDocument/2006/relationships" xmlns:p="http://schemas.openxmlformats.org/presentationml/2006/main">
   <p:cSld>
     <p:spTree>
@@ -10021,6 +10410,35 @@
           </a:p>
         </p:txBody>
       </p:sp>
+      <p:sp>
+        <p:nvSpPr>
+          <p:cNvPr id="4" name="Slide Number Placeholder 3">
+            <a:extLst>
+              <a:ext uri="{FF2B5EF4-FFF2-40B4-BE49-F238E27FC236}">
+                <a16:creationId xmlns:a16="http://schemas.microsoft.com/office/drawing/2014/main" id="{200926E8-A517-4489-B13F-E18C16B28AB8}"/>
+              </a:ext>
+            </a:extLst>
+          </p:cNvPr>
+          <p:cNvSpPr>
+            <a:spLocks noGrp="1"/>
+          </p:cNvSpPr>
+          <p:nvPr>
+            <p:ph type="sldNum" sz="quarter" idx="12"/>
+          </p:nvPr>
+        </p:nvSpPr>
+        <p:spPr/>
+        <p:txBody>
+          <a:bodyPr/>
+          <a:lstStyle/>
+          <a:p>
+            <a:fld id="{7480E37F-6EFF-472E-8144-B9391FAC94FB}" type="slidenum">
+              <a:rPr lang="th-TH" smtClean="0"/>
+              <a:t>13</a:t>
+            </a:fld>
+            <a:endParaRPr lang="th-TH"/>
+          </a:p>
+        </p:txBody>
+      </p:sp>
     </p:spTree>
     <p:extLst>
       <p:ext uri="{BB962C8B-B14F-4D97-AF65-F5344CB8AC3E}">
@@ -10034,7 +10452,7 @@
 </p:sld>
 </file>
 
-<file path=ppt/slides/slide13.xml><?xml version="1.0" encoding="utf-8"?>
+<file path=ppt/slides/slide14.xml><?xml version="1.0" encoding="utf-8"?>
 <p:sld xmlns:a="http://schemas.openxmlformats.org/drawingml/2006/main" xmlns:r="http://schemas.openxmlformats.org/officeDocument/2006/relationships" xmlns:p="http://schemas.openxmlformats.org/presentationml/2006/main">
   <p:cSld>
     <p:spTree>
@@ -10105,6 +10523,35 @@
           </a:p>
         </p:txBody>
       </p:sp>
+      <p:sp>
+        <p:nvSpPr>
+          <p:cNvPr id="4" name="Slide Number Placeholder 3">
+            <a:extLst>
+              <a:ext uri="{FF2B5EF4-FFF2-40B4-BE49-F238E27FC236}">
+                <a16:creationId xmlns:a16="http://schemas.microsoft.com/office/drawing/2014/main" id="{66D8F3AC-7E19-4039-8BB8-BB96153BA1D9}"/>
+              </a:ext>
+            </a:extLst>
+          </p:cNvPr>
+          <p:cNvSpPr>
+            <a:spLocks noGrp="1"/>
+          </p:cNvSpPr>
+          <p:nvPr>
+            <p:ph type="sldNum" sz="quarter" idx="12"/>
+          </p:nvPr>
+        </p:nvSpPr>
+        <p:spPr/>
+        <p:txBody>
+          <a:bodyPr/>
+          <a:lstStyle/>
+          <a:p>
+            <a:fld id="{7480E37F-6EFF-472E-8144-B9391FAC94FB}" type="slidenum">
+              <a:rPr lang="th-TH" smtClean="0"/>
+              <a:t>14</a:t>
+            </a:fld>
+            <a:endParaRPr lang="th-TH"/>
+          </a:p>
+        </p:txBody>
+      </p:sp>
     </p:spTree>
     <p:extLst>
       <p:ext uri="{BB962C8B-B14F-4D97-AF65-F5344CB8AC3E}">
@@ -10118,7 +10565,7 @@
 </p:sld>
 </file>
 
-<file path=ppt/slides/slide14.xml><?xml version="1.0" encoding="utf-8"?>
+<file path=ppt/slides/slide15.xml><?xml version="1.0" encoding="utf-8"?>
 <p:sld xmlns:a="http://schemas.openxmlformats.org/drawingml/2006/main" xmlns:r="http://schemas.openxmlformats.org/officeDocument/2006/relationships" xmlns:p="http://schemas.openxmlformats.org/presentationml/2006/main">
   <p:cSld>
     <p:spTree>
@@ -10185,6 +10632,35 @@
           <a:bodyPr/>
           <a:lstStyle/>
           <a:p>
+            <a:endParaRPr lang="th-TH"/>
+          </a:p>
+        </p:txBody>
+      </p:sp>
+      <p:sp>
+        <p:nvSpPr>
+          <p:cNvPr id="4" name="Slide Number Placeholder 3">
+            <a:extLst>
+              <a:ext uri="{FF2B5EF4-FFF2-40B4-BE49-F238E27FC236}">
+                <a16:creationId xmlns:a16="http://schemas.microsoft.com/office/drawing/2014/main" id="{CFD11D86-E154-416D-A3F1-4730033161B8}"/>
+              </a:ext>
+            </a:extLst>
+          </p:cNvPr>
+          <p:cNvSpPr>
+            <a:spLocks noGrp="1"/>
+          </p:cNvSpPr>
+          <p:nvPr>
+            <p:ph type="sldNum" sz="quarter" idx="12"/>
+          </p:nvPr>
+        </p:nvSpPr>
+        <p:spPr/>
+        <p:txBody>
+          <a:bodyPr/>
+          <a:lstStyle/>
+          <a:p>
+            <a:fld id="{7480E37F-6EFF-472E-8144-B9391FAC94FB}" type="slidenum">
+              <a:rPr lang="th-TH" smtClean="0"/>
+              <a:t>15</a:t>
+            </a:fld>
             <a:endParaRPr lang="th-TH"/>
           </a:p>
         </p:txBody>
@@ -10241,8 +10717,12 @@
           <a:lstStyle/>
           <a:p>
             <a:r>
+              <a:rPr lang="en-US" strike="sngStrike" dirty="0"/>
+              <a:t>Pain point</a:t>
+            </a:r>
+            <a:r>
               <a:rPr lang="en-US" dirty="0"/>
-              <a:t>Pain point or motivation</a:t>
+              <a:t> or motivation</a:t>
             </a:r>
             <a:endParaRPr lang="th-TH" dirty="0"/>
           </a:p>
@@ -10277,9 +10757,38 @@
           <a:p>
             <a:r>
               <a:rPr lang="en-US" dirty="0"/>
-              <a:t>This is just proof of concept; income may not be considered.</a:t>
+              <a:t>This is just proof of concept; income may not be considered in this stage.</a:t>
             </a:r>
             <a:endParaRPr lang="th-TH" dirty="0"/>
+          </a:p>
+        </p:txBody>
+      </p:sp>
+      <p:sp>
+        <p:nvSpPr>
+          <p:cNvPr id="4" name="Slide Number Placeholder 3">
+            <a:extLst>
+              <a:ext uri="{FF2B5EF4-FFF2-40B4-BE49-F238E27FC236}">
+                <a16:creationId xmlns:a16="http://schemas.microsoft.com/office/drawing/2014/main" id="{419148EE-A505-496E-85D4-01AF4B5185B7}"/>
+              </a:ext>
+            </a:extLst>
+          </p:cNvPr>
+          <p:cNvSpPr>
+            <a:spLocks noGrp="1"/>
+          </p:cNvSpPr>
+          <p:nvPr>
+            <p:ph type="sldNum" sz="quarter" idx="12"/>
+          </p:nvPr>
+        </p:nvSpPr>
+        <p:spPr/>
+        <p:txBody>
+          <a:bodyPr/>
+          <a:lstStyle/>
+          <a:p>
+            <a:fld id="{7480E37F-6EFF-472E-8144-B9391FAC94FB}" type="slidenum">
+              <a:rPr lang="th-TH" smtClean="0"/>
+              <a:t>2</a:t>
+            </a:fld>
+            <a:endParaRPr lang="th-TH"/>
           </a:p>
         </p:txBody>
       </p:sp>
@@ -10376,21 +10885,50 @@
           <a:p>
             <a:r>
               <a:rPr lang="en-US" dirty="0"/>
-              <a:t>Try to estimate step time usage using labelled facilities and overall time (VN_IN to VN_OUT), simple linear regression may be used</a:t>
+              <a:t>Try to estimate step time usage using labelled facilities and overall time (VN_IN to VN_OUT), simple linear regression may be used.</a:t>
             </a:r>
           </a:p>
           <a:p>
             <a:r>
               <a:rPr lang="en-US" dirty="0"/>
-              <a:t>Try to run discrete event simulation of overall process for 365*24*60 minutes and evaluate RMSE of simulation and the truth.</a:t>
+              <a:t>Try to run discrete event simulation of overall process for 365*24*60 minutes starts from 2022-01-01 and evaluate RMSE of per-VN time process and compare with ground truth.</a:t>
             </a:r>
           </a:p>
           <a:p>
             <a:r>
               <a:rPr lang="en-US" dirty="0"/>
-              <a:t>Create some strategies to reduce average process time and compare it.</a:t>
+              <a:t>Create some strategies to reduce overall average process time and compare it.</a:t>
             </a:r>
             <a:endParaRPr lang="th-TH" dirty="0"/>
+          </a:p>
+        </p:txBody>
+      </p:sp>
+      <p:sp>
+        <p:nvSpPr>
+          <p:cNvPr id="4" name="Slide Number Placeholder 3">
+            <a:extLst>
+              <a:ext uri="{FF2B5EF4-FFF2-40B4-BE49-F238E27FC236}">
+                <a16:creationId xmlns:a16="http://schemas.microsoft.com/office/drawing/2014/main" id="{73088D3D-0FC3-4B99-BD29-4FFD2063FCCF}"/>
+              </a:ext>
+            </a:extLst>
+          </p:cNvPr>
+          <p:cNvSpPr>
+            <a:spLocks noGrp="1"/>
+          </p:cNvSpPr>
+          <p:nvPr>
+            <p:ph type="sldNum" sz="quarter" idx="12"/>
+          </p:nvPr>
+        </p:nvSpPr>
+        <p:spPr/>
+        <p:txBody>
+          <a:bodyPr/>
+          <a:lstStyle/>
+          <a:p>
+            <a:fld id="{7480E37F-6EFF-472E-8144-B9391FAC94FB}" type="slidenum">
+              <a:rPr lang="th-TH" smtClean="0"/>
+              <a:t>3</a:t>
+            </a:fld>
+            <a:endParaRPr lang="th-TH"/>
           </a:p>
         </p:txBody>
       </p:sp>
@@ -10482,6 +11020,35 @@
           </a:p>
         </p:txBody>
       </p:sp>
+      <p:sp>
+        <p:nvSpPr>
+          <p:cNvPr id="4" name="Slide Number Placeholder 3">
+            <a:extLst>
+              <a:ext uri="{FF2B5EF4-FFF2-40B4-BE49-F238E27FC236}">
+                <a16:creationId xmlns:a16="http://schemas.microsoft.com/office/drawing/2014/main" id="{1B9BC208-061C-47EF-91C8-FD997BA9D0C6}"/>
+              </a:ext>
+            </a:extLst>
+          </p:cNvPr>
+          <p:cNvSpPr>
+            <a:spLocks noGrp="1"/>
+          </p:cNvSpPr>
+          <p:nvPr>
+            <p:ph type="sldNum" sz="quarter" idx="12"/>
+          </p:nvPr>
+        </p:nvSpPr>
+        <p:spPr/>
+        <p:txBody>
+          <a:bodyPr/>
+          <a:lstStyle/>
+          <a:p>
+            <a:fld id="{7480E37F-6EFF-472E-8144-B9391FAC94FB}" type="slidenum">
+              <a:rPr lang="th-TH" smtClean="0"/>
+              <a:t>4</a:t>
+            </a:fld>
+            <a:endParaRPr lang="th-TH"/>
+          </a:p>
+        </p:txBody>
+      </p:sp>
     </p:spTree>
     <p:extLst>
       <p:ext uri="{BB962C8B-B14F-4D97-AF65-F5344CB8AC3E}">
@@ -10496,6 +11063,163 @@
 </file>
 
 <file path=ppt/slides/slide5.xml><?xml version="1.0" encoding="utf-8"?>
+<p:sld xmlns:a="http://schemas.openxmlformats.org/drawingml/2006/main" xmlns:r="http://schemas.openxmlformats.org/officeDocument/2006/relationships" xmlns:p="http://schemas.openxmlformats.org/presentationml/2006/main">
+  <p:cSld>
+    <p:spTree>
+      <p:nvGrpSpPr>
+        <p:cNvPr id="1" name=""/>
+        <p:cNvGrpSpPr/>
+        <p:nvPr/>
+      </p:nvGrpSpPr>
+      <p:grpSpPr>
+        <a:xfrm>
+          <a:off x="0" y="0"/>
+          <a:ext cx="0" cy="0"/>
+          <a:chOff x="0" y="0"/>
+          <a:chExt cx="0" cy="0"/>
+        </a:xfrm>
+      </p:grpSpPr>
+      <p:sp>
+        <p:nvSpPr>
+          <p:cNvPr id="2" name="Title 1">
+            <a:extLst>
+              <a:ext uri="{FF2B5EF4-FFF2-40B4-BE49-F238E27FC236}">
+                <a16:creationId xmlns:a16="http://schemas.microsoft.com/office/drawing/2014/main" id="{3D65D1A6-E5C4-4E43-A4C0-A9FD06633B3F}"/>
+              </a:ext>
+            </a:extLst>
+          </p:cNvPr>
+          <p:cNvSpPr>
+            <a:spLocks noGrp="1"/>
+          </p:cNvSpPr>
+          <p:nvPr>
+            <p:ph type="title"/>
+          </p:nvPr>
+        </p:nvSpPr>
+        <p:spPr/>
+        <p:txBody>
+          <a:bodyPr/>
+          <a:lstStyle/>
+          <a:p>
+            <a:r>
+              <a:rPr lang="en-US" dirty="0"/>
+              <a:t>Process Time Estimation</a:t>
+            </a:r>
+            <a:endParaRPr lang="th-TH" dirty="0"/>
+          </a:p>
+        </p:txBody>
+      </p:sp>
+      <p:sp>
+        <p:nvSpPr>
+          <p:cNvPr id="3" name="Content Placeholder 2">
+            <a:extLst>
+              <a:ext uri="{FF2B5EF4-FFF2-40B4-BE49-F238E27FC236}">
+                <a16:creationId xmlns:a16="http://schemas.microsoft.com/office/drawing/2014/main" id="{B9DA14B2-635A-45ED-98F2-E3ECDED05FC1}"/>
+              </a:ext>
+            </a:extLst>
+          </p:cNvPr>
+          <p:cNvSpPr>
+            <a:spLocks noGrp="1"/>
+          </p:cNvSpPr>
+          <p:nvPr>
+            <p:ph idx="1"/>
+          </p:nvPr>
+        </p:nvSpPr>
+        <p:spPr/>
+        <p:txBody>
+          <a:bodyPr/>
+          <a:lstStyle/>
+          <a:p>
+            <a:r>
+              <a:rPr lang="en-US" dirty="0"/>
+              <a:t>Manually Labelled facility usage using interpretation from </a:t>
+            </a:r>
+            <a:r>
+              <a:rPr lang="en-US" dirty="0" err="1"/>
+              <a:t>IcdCmCode</a:t>
+            </a:r>
+            <a:endParaRPr lang="en-US" dirty="0"/>
+          </a:p>
+          <a:p>
+            <a:r>
+              <a:rPr lang="en-US" dirty="0"/>
+              <a:t>450 out of 4xxx codes were manually labelled on 18 facilities (departments).</a:t>
+            </a:r>
+          </a:p>
+        </p:txBody>
+      </p:sp>
+      <p:pic>
+        <p:nvPicPr>
+          <p:cNvPr id="5" name="Picture 4">
+            <a:extLst>
+              <a:ext uri="{FF2B5EF4-FFF2-40B4-BE49-F238E27FC236}">
+                <a16:creationId xmlns:a16="http://schemas.microsoft.com/office/drawing/2014/main" id="{5352B07A-2FDB-44CA-AE39-7A4B1892CC29}"/>
+              </a:ext>
+            </a:extLst>
+          </p:cNvPr>
+          <p:cNvPicPr>
+            <a:picLocks noChangeAspect="1"/>
+          </p:cNvPicPr>
+          <p:nvPr/>
+        </p:nvPicPr>
+        <p:blipFill>
+          <a:blip r:embed="rId2"/>
+          <a:stretch>
+            <a:fillRect/>
+          </a:stretch>
+        </p:blipFill>
+        <p:spPr>
+          <a:xfrm>
+            <a:off x="1341567" y="3759463"/>
+            <a:ext cx="9508866" cy="2733412"/>
+          </a:xfrm>
+          <a:prstGeom prst="rect">
+            <a:avLst/>
+          </a:prstGeom>
+        </p:spPr>
+      </p:pic>
+      <p:sp>
+        <p:nvSpPr>
+          <p:cNvPr id="6" name="Slide Number Placeholder 5">
+            <a:extLst>
+              <a:ext uri="{FF2B5EF4-FFF2-40B4-BE49-F238E27FC236}">
+                <a16:creationId xmlns:a16="http://schemas.microsoft.com/office/drawing/2014/main" id="{3AE4BA5B-B94F-49D7-8F62-05B7D7AF3BEA}"/>
+              </a:ext>
+            </a:extLst>
+          </p:cNvPr>
+          <p:cNvSpPr>
+            <a:spLocks noGrp="1"/>
+          </p:cNvSpPr>
+          <p:nvPr>
+            <p:ph type="sldNum" sz="quarter" idx="12"/>
+          </p:nvPr>
+        </p:nvSpPr>
+        <p:spPr/>
+        <p:txBody>
+          <a:bodyPr/>
+          <a:lstStyle/>
+          <a:p>
+            <a:fld id="{7480E37F-6EFF-472E-8144-B9391FAC94FB}" type="slidenum">
+              <a:rPr lang="th-TH" smtClean="0"/>
+              <a:t>5</a:t>
+            </a:fld>
+            <a:endParaRPr lang="th-TH"/>
+          </a:p>
+        </p:txBody>
+      </p:sp>
+    </p:spTree>
+    <p:extLst>
+      <p:ext uri="{BB962C8B-B14F-4D97-AF65-F5344CB8AC3E}">
+        <p14:creationId xmlns:p14="http://schemas.microsoft.com/office/powerpoint/2010/main" val="1442057286"/>
+      </p:ext>
+    </p:extLst>
+  </p:cSld>
+  <p:clrMapOvr>
+    <a:masterClrMapping/>
+  </p:clrMapOvr>
+</p:sld>
+</file>
+
+<file path=ppt/slides/slide6.xml><?xml version="1.0" encoding="utf-8"?>
 <p:sld xmlns:a="http://schemas.openxmlformats.org/drawingml/2006/main" xmlns:r="http://schemas.openxmlformats.org/officeDocument/2006/relationships" xmlns:p="http://schemas.openxmlformats.org/presentationml/2006/main">
   <p:cSld>
     <p:spTree>
@@ -10541,12 +11265,567 @@
           </a:p>
         </p:txBody>
       </p:sp>
+      <mc:AlternateContent xmlns:mc="http://schemas.openxmlformats.org/markup-compatibility/2006">
+        <mc:Choice xmlns:a14="http://schemas.microsoft.com/office/drawing/2010/main" Requires="a14">
+          <p:sp>
+            <p:nvSpPr>
+              <p:cNvPr id="3" name="Content Placeholder 2">
+                <a:extLst>
+                  <a:ext uri="{FF2B5EF4-FFF2-40B4-BE49-F238E27FC236}">
+                    <a16:creationId xmlns:a16="http://schemas.microsoft.com/office/drawing/2014/main" id="{23059F9F-DE86-4DD8-8AFC-D1E869D2FFD0}"/>
+                  </a:ext>
+                </a:extLst>
+              </p:cNvPr>
+              <p:cNvSpPr>
+                <a:spLocks noGrp="1"/>
+              </p:cNvSpPr>
+              <p:nvPr>
+                <p:ph idx="1"/>
+              </p:nvPr>
+            </p:nvSpPr>
+            <p:spPr/>
+            <p:txBody>
+              <a:bodyPr>
+                <a:normAutofit lnSpcReduction="10000"/>
+              </a:bodyPr>
+              <a:lstStyle/>
+              <a:p>
+                <a:r>
+                  <a:rPr lang="en-US" dirty="0"/>
+                  <a:t>Let </a:t>
+                </a:r>
+                <a14:m>
+                  <m:oMath xmlns:m="http://schemas.openxmlformats.org/officeDocument/2006/math">
+                    <m:r>
+                      <a:rPr lang="en-US" b="0" i="1" smtClean="0">
+                        <a:latin typeface="Cambria Math" panose="02040503050406030204" pitchFamily="18" charset="0"/>
+                      </a:rPr>
+                      <m:t>𝑌</m:t>
+                    </m:r>
+                  </m:oMath>
+                </a14:m>
+                <a:r>
+                  <a:rPr lang="en-US" dirty="0"/>
+                  <a:t> be patient process time, and </a:t>
+                </a:r>
+                <a14:m>
+                  <m:oMath xmlns:m="http://schemas.openxmlformats.org/officeDocument/2006/math">
+                    <m:r>
+                      <a:rPr lang="en-US" b="0" i="1" smtClean="0">
+                        <a:latin typeface="Cambria Math" panose="02040503050406030204" pitchFamily="18" charset="0"/>
+                      </a:rPr>
+                      <m:t>𝑋</m:t>
+                    </m:r>
+                  </m:oMath>
+                </a14:m>
+                <a:r>
+                  <a:rPr lang="en-US" dirty="0"/>
+                  <a:t> be vector of usage facilities, relation between </a:t>
+                </a:r>
+                <a14:m>
+                  <m:oMath xmlns:m="http://schemas.openxmlformats.org/officeDocument/2006/math">
+                    <m:r>
+                      <a:rPr lang="en-US" b="0" i="1" smtClean="0">
+                        <a:latin typeface="Cambria Math" panose="02040503050406030204" pitchFamily="18" charset="0"/>
+                      </a:rPr>
+                      <m:t>𝑌</m:t>
+                    </m:r>
+                  </m:oMath>
+                </a14:m>
+                <a:r>
+                  <a:rPr lang="en-US" dirty="0"/>
+                  <a:t> and </a:t>
+                </a:r>
+                <a14:m>
+                  <m:oMath xmlns:m="http://schemas.openxmlformats.org/officeDocument/2006/math">
+                    <m:r>
+                      <a:rPr lang="en-US" b="0" i="1" smtClean="0">
+                        <a:latin typeface="Cambria Math" panose="02040503050406030204" pitchFamily="18" charset="0"/>
+                      </a:rPr>
+                      <m:t>𝑋</m:t>
+                    </m:r>
+                  </m:oMath>
+                </a14:m>
+                <a:r>
+                  <a:rPr lang="en-US" dirty="0"/>
+                  <a:t> with weight </a:t>
+                </a:r>
+                <a14:m>
+                  <m:oMath xmlns:m="http://schemas.openxmlformats.org/officeDocument/2006/math">
+                    <m:r>
+                      <a:rPr lang="en-US" b="0" i="1" smtClean="0">
+                        <a:latin typeface="Cambria Math" panose="02040503050406030204" pitchFamily="18" charset="0"/>
+                      </a:rPr>
+                      <m:t>𝐵</m:t>
+                    </m:r>
+                    <m:r>
+                      <a:rPr lang="en-US" b="0" i="1" smtClean="0">
+                        <a:latin typeface="Cambria Math" panose="02040503050406030204" pitchFamily="18" charset="0"/>
+                      </a:rPr>
+                      <m:t>∈</m:t>
+                    </m:r>
+                    <m:sSup>
+                      <m:sSupPr>
+                        <m:ctrlPr>
+                          <a:rPr lang="en-US" b="0" i="1" smtClean="0">
+                            <a:latin typeface="Cambria Math" panose="02040503050406030204" pitchFamily="18" charset="0"/>
+                            <a:ea typeface="Cambria Math" panose="02040503050406030204" pitchFamily="18" charset="0"/>
+                          </a:rPr>
+                        </m:ctrlPr>
+                      </m:sSupPr>
+                      <m:e>
+                        <m:r>
+                          <a:rPr lang="en-US" b="0" i="1" smtClean="0">
+                            <a:latin typeface="Cambria Math" panose="02040503050406030204" pitchFamily="18" charset="0"/>
+                            <a:ea typeface="Cambria Math" panose="02040503050406030204" pitchFamily="18" charset="0"/>
+                          </a:rPr>
+                          <m:t>ℝ</m:t>
+                        </m:r>
+                      </m:e>
+                      <m:sup>
+                        <m:r>
+                          <a:rPr lang="en-US" b="0" i="1" smtClean="0">
+                            <a:latin typeface="Cambria Math" panose="02040503050406030204" pitchFamily="18" charset="0"/>
+                            <a:ea typeface="Cambria Math" panose="02040503050406030204" pitchFamily="18" charset="0"/>
+                          </a:rPr>
+                          <m:t>+</m:t>
+                        </m:r>
+                      </m:sup>
+                    </m:sSup>
+                  </m:oMath>
+                </a14:m>
+                <a:r>
+                  <a:rPr lang="en-US" dirty="0"/>
+                  <a:t> be like</a:t>
+                </a:r>
+              </a:p>
+              <a:p>
+                <a:pPr marL="0" indent="0">
+                  <a:buNone/>
+                </a:pPr>
+                <a14:m>
+                  <m:oMathPara xmlns:m="http://schemas.openxmlformats.org/officeDocument/2006/math">
+                    <m:oMathParaPr>
+                      <m:jc m:val="centerGroup"/>
+                    </m:oMathParaPr>
+                    <m:oMath xmlns:m="http://schemas.openxmlformats.org/officeDocument/2006/math">
+                      <m:r>
+                        <a:rPr lang="en-US" b="0" i="1" smtClean="0">
+                          <a:latin typeface="Cambria Math" panose="02040503050406030204" pitchFamily="18" charset="0"/>
+                        </a:rPr>
+                        <m:t>𝑌</m:t>
+                      </m:r>
+                      <m:r>
+                        <a:rPr lang="en-US" b="0" i="1" smtClean="0">
+                          <a:latin typeface="Cambria Math" panose="02040503050406030204" pitchFamily="18" charset="0"/>
+                        </a:rPr>
+                        <m:t>:=</m:t>
+                      </m:r>
+                      <m:r>
+                        <a:rPr lang="en-US" b="0" i="1" smtClean="0">
+                          <a:latin typeface="Cambria Math" panose="02040503050406030204" pitchFamily="18" charset="0"/>
+                        </a:rPr>
+                        <m:t>𝑋𝐵</m:t>
+                      </m:r>
+                      <m:r>
+                        <a:rPr lang="en-US" b="0" i="1" smtClean="0">
+                          <a:latin typeface="Cambria Math" panose="02040503050406030204" pitchFamily="18" charset="0"/>
+                        </a:rPr>
+                        <m:t>+</m:t>
+                      </m:r>
+                      <m:r>
+                        <a:rPr lang="en-US" b="0" i="1" smtClean="0">
+                          <a:latin typeface="Cambria Math" panose="02040503050406030204" pitchFamily="18" charset="0"/>
+                        </a:rPr>
+                        <m:t>𝜖</m:t>
+                      </m:r>
+                    </m:oMath>
+                  </m:oMathPara>
+                </a14:m>
+                <a:endParaRPr lang="en-US" b="0" dirty="0"/>
+              </a:p>
+              <a:p>
+                <a:r>
+                  <a:rPr lang="en-US" dirty="0"/>
+                  <a:t>Their conditional expectation be like</a:t>
+                </a:r>
+              </a:p>
+              <a:p>
+                <a:pPr marL="0" indent="0">
+                  <a:buNone/>
+                </a:pPr>
+                <a14:m>
+                  <m:oMathPara xmlns:m="http://schemas.openxmlformats.org/officeDocument/2006/math">
+                    <m:oMathParaPr>
+                      <m:jc m:val="centerGroup"/>
+                    </m:oMathParaPr>
+                    <m:oMath xmlns:m="http://schemas.openxmlformats.org/officeDocument/2006/math">
+                      <m:r>
+                        <a:rPr lang="en-US" b="0" i="1" smtClean="0">
+                          <a:latin typeface="Cambria Math" panose="02040503050406030204" pitchFamily="18" charset="0"/>
+                        </a:rPr>
+                        <m:t>𝐸</m:t>
+                      </m:r>
+                      <m:d>
+                        <m:dPr>
+                          <m:ctrlPr>
+                            <a:rPr lang="en-US" b="0" i="1" smtClean="0">
+                              <a:latin typeface="Cambria Math" panose="02040503050406030204" pitchFamily="18" charset="0"/>
+                            </a:rPr>
+                          </m:ctrlPr>
+                        </m:dPr>
+                        <m:e>
+                          <m:r>
+                            <a:rPr lang="en-US" b="0" i="1" smtClean="0">
+                              <a:latin typeface="Cambria Math" panose="02040503050406030204" pitchFamily="18" charset="0"/>
+                            </a:rPr>
+                            <m:t>𝑌</m:t>
+                          </m:r>
+                        </m:e>
+                        <m:e>
+                          <m:r>
+                            <a:rPr lang="en-US" b="0" i="1" smtClean="0">
+                              <a:latin typeface="Cambria Math" panose="02040503050406030204" pitchFamily="18" charset="0"/>
+                            </a:rPr>
+                            <m:t>𝑋</m:t>
+                          </m:r>
+                        </m:e>
+                      </m:d>
+                      <m:r>
+                        <a:rPr lang="en-US" b="0" i="1" smtClean="0">
+                          <a:latin typeface="Cambria Math" panose="02040503050406030204" pitchFamily="18" charset="0"/>
+                        </a:rPr>
+                        <m:t>=</m:t>
+                      </m:r>
+                      <m:r>
+                        <a:rPr lang="en-US" b="0" i="1" smtClean="0">
+                          <a:latin typeface="Cambria Math" panose="02040503050406030204" pitchFamily="18" charset="0"/>
+                        </a:rPr>
+                        <m:t>𝑋𝐵</m:t>
+                      </m:r>
+                    </m:oMath>
+                  </m:oMathPara>
+                </a14:m>
+                <a:endParaRPr lang="en-US" dirty="0"/>
+              </a:p>
+              <a:p>
+                <a:r>
+                  <a:rPr lang="en-US" dirty="0"/>
+                  <a:t>In the case where </a:t>
+                </a:r>
+                <a14:m>
+                  <m:oMath xmlns:m="http://schemas.openxmlformats.org/officeDocument/2006/math">
+                    <m:r>
+                      <a:rPr lang="en-US" b="0" i="1" smtClean="0">
+                        <a:latin typeface="Cambria Math" panose="02040503050406030204" pitchFamily="18" charset="0"/>
+                      </a:rPr>
+                      <m:t>𝑋</m:t>
+                    </m:r>
+                    <m:r>
+                      <a:rPr lang="en-US" b="0" i="1" smtClean="0">
+                        <a:latin typeface="Cambria Math" panose="02040503050406030204" pitchFamily="18" charset="0"/>
+                      </a:rPr>
+                      <m:t>=</m:t>
+                    </m:r>
+                    <m:d>
+                      <m:dPr>
+                        <m:begChr m:val="{"/>
+                        <m:endChr m:val="}"/>
+                        <m:ctrlPr>
+                          <a:rPr lang="en-US" b="0" i="1" smtClean="0">
+                            <a:latin typeface="Cambria Math" panose="02040503050406030204" pitchFamily="18" charset="0"/>
+                          </a:rPr>
+                        </m:ctrlPr>
+                      </m:dPr>
+                      <m:e>
+                        <m:r>
+                          <a:rPr lang="en-US" b="0" i="1" smtClean="0">
+                            <a:latin typeface="Cambria Math" panose="02040503050406030204" pitchFamily="18" charset="0"/>
+                          </a:rPr>
+                          <m:t>𝑥</m:t>
+                        </m:r>
+                      </m:e>
+                      <m:e>
+                        <m:r>
+                          <a:rPr lang="en-US" b="0" i="1" smtClean="0">
+                            <a:latin typeface="Cambria Math" panose="02040503050406030204" pitchFamily="18" charset="0"/>
+                          </a:rPr>
+                          <m:t>𝑥</m:t>
+                        </m:r>
+                        <m:r>
+                          <a:rPr lang="en-US" b="0" i="1" smtClean="0">
+                            <a:latin typeface="Cambria Math" panose="02040503050406030204" pitchFamily="18" charset="0"/>
+                          </a:rPr>
+                          <m:t>∈</m:t>
+                        </m:r>
+                        <m:d>
+                          <m:dPr>
+                            <m:begChr m:val="{"/>
+                            <m:endChr m:val="}"/>
+                            <m:ctrlPr>
+                              <a:rPr lang="en-US" b="0" i="1" smtClean="0">
+                                <a:latin typeface="Cambria Math" panose="02040503050406030204" pitchFamily="18" charset="0"/>
+                              </a:rPr>
+                            </m:ctrlPr>
+                          </m:dPr>
+                          <m:e>
+                            <m:r>
+                              <a:rPr lang="en-US" b="0" i="1" smtClean="0">
+                                <a:latin typeface="Cambria Math" panose="02040503050406030204" pitchFamily="18" charset="0"/>
+                              </a:rPr>
+                              <m:t>0,1</m:t>
+                            </m:r>
+                          </m:e>
+                        </m:d>
+                      </m:e>
+                    </m:d>
+                  </m:oMath>
+                </a14:m>
+                <a:r>
+                  <a:rPr lang="en-US" dirty="0"/>
+                  <a:t>, their expectation at </a:t>
+                </a:r>
+                <a14:m>
+                  <m:oMath xmlns:m="http://schemas.openxmlformats.org/officeDocument/2006/math">
+                    <m:r>
+                      <a:rPr lang="en-US" b="0" i="1" smtClean="0">
+                        <a:latin typeface="Cambria Math" panose="02040503050406030204" pitchFamily="18" charset="0"/>
+                      </a:rPr>
+                      <m:t>𝑋</m:t>
+                    </m:r>
+                    <m:r>
+                      <a:rPr lang="en-US" b="0" i="1" smtClean="0">
+                        <a:latin typeface="Cambria Math" panose="02040503050406030204" pitchFamily="18" charset="0"/>
+                      </a:rPr>
+                      <m:t>=</m:t>
+                    </m:r>
+                    <m:r>
+                      <a:rPr lang="en-US" b="0" i="1" smtClean="0">
+                        <a:latin typeface="Cambria Math" panose="02040503050406030204" pitchFamily="18" charset="0"/>
+                      </a:rPr>
+                      <m:t>𝑥</m:t>
+                    </m:r>
+                  </m:oMath>
+                </a14:m>
+                <a:r>
+                  <a:rPr lang="en-US" dirty="0"/>
+                  <a:t> will be</a:t>
+                </a:r>
+              </a:p>
+              <a:p>
+                <a:pPr marL="0" indent="0">
+                  <a:buNone/>
+                </a:pPr>
+                <a14:m>
+                  <m:oMathPara xmlns:m="http://schemas.openxmlformats.org/officeDocument/2006/math">
+                    <m:oMathParaPr>
+                      <m:jc m:val="centerGroup"/>
+                    </m:oMathParaPr>
+                    <m:oMath xmlns:m="http://schemas.openxmlformats.org/officeDocument/2006/math">
+                      <m:r>
+                        <a:rPr lang="en-US" b="0" i="1" smtClean="0">
+                          <a:latin typeface="Cambria Math" panose="02040503050406030204" pitchFamily="18" charset="0"/>
+                        </a:rPr>
+                        <m:t>𝐸</m:t>
+                      </m:r>
+                      <m:d>
+                        <m:dPr>
+                          <m:ctrlPr>
+                            <a:rPr lang="en-US" b="0" i="1" smtClean="0">
+                              <a:latin typeface="Cambria Math" panose="02040503050406030204" pitchFamily="18" charset="0"/>
+                            </a:rPr>
+                          </m:ctrlPr>
+                        </m:dPr>
+                        <m:e>
+                          <m:r>
+                            <a:rPr lang="en-US" b="0" i="1" smtClean="0">
+                              <a:latin typeface="Cambria Math" panose="02040503050406030204" pitchFamily="18" charset="0"/>
+                            </a:rPr>
+                            <m:t>𝑌</m:t>
+                          </m:r>
+                        </m:e>
+                        <m:e>
+                          <m:r>
+                            <a:rPr lang="en-US" b="0" i="1" smtClean="0">
+                              <a:latin typeface="Cambria Math" panose="02040503050406030204" pitchFamily="18" charset="0"/>
+                            </a:rPr>
+                            <m:t>𝑋</m:t>
+                          </m:r>
+                          <m:r>
+                            <a:rPr lang="en-US" b="0" i="1" smtClean="0">
+                              <a:latin typeface="Cambria Math" panose="02040503050406030204" pitchFamily="18" charset="0"/>
+                            </a:rPr>
+                            <m:t>=</m:t>
+                          </m:r>
+                          <m:r>
+                            <a:rPr lang="en-US" b="0" i="1" smtClean="0">
+                              <a:latin typeface="Cambria Math" panose="02040503050406030204" pitchFamily="18" charset="0"/>
+                            </a:rPr>
+                            <m:t>𝑥</m:t>
+                          </m:r>
+                        </m:e>
+                      </m:d>
+                      <m:r>
+                        <a:rPr lang="en-US" b="0" i="1" smtClean="0">
+                          <a:latin typeface="Cambria Math" panose="02040503050406030204" pitchFamily="18" charset="0"/>
+                        </a:rPr>
+                        <m:t>=</m:t>
+                      </m:r>
+                      <m:nary>
+                        <m:naryPr>
+                          <m:chr m:val="∑"/>
+                          <m:ctrlPr>
+                            <a:rPr lang="en-US" b="0" i="1" smtClean="0">
+                              <a:latin typeface="Cambria Math" panose="02040503050406030204" pitchFamily="18" charset="0"/>
+                            </a:rPr>
+                          </m:ctrlPr>
+                        </m:naryPr>
+                        <m:sub>
+                          <m:r>
+                            <m:rPr>
+                              <m:brk m:alnAt="23"/>
+                            </m:rPr>
+                            <a:rPr lang="en-US" b="0" i="1" smtClean="0">
+                              <a:latin typeface="Cambria Math" panose="02040503050406030204" pitchFamily="18" charset="0"/>
+                            </a:rPr>
+                            <m:t>𝑖</m:t>
+                          </m:r>
+                          <m:r>
+                            <a:rPr lang="en-US" b="0" i="1" smtClean="0">
+                              <a:latin typeface="Cambria Math" panose="02040503050406030204" pitchFamily="18" charset="0"/>
+                            </a:rPr>
+                            <m:t>∈</m:t>
+                          </m:r>
+                          <m:r>
+                            <a:rPr lang="en-US" b="0" i="1" smtClean="0">
+                              <a:latin typeface="Cambria Math" panose="02040503050406030204" pitchFamily="18" charset="0"/>
+                            </a:rPr>
+                            <m:t>𝑁</m:t>
+                          </m:r>
+                          <m:r>
+                            <a:rPr lang="en-US" b="0" i="1" smtClean="0">
+                              <a:latin typeface="Cambria Math" panose="02040503050406030204" pitchFamily="18" charset="0"/>
+                            </a:rPr>
+                            <m:t>,∀</m:t>
+                          </m:r>
+                          <m:sSub>
+                            <m:sSubPr>
+                              <m:ctrlPr>
+                                <a:rPr lang="en-US" b="0" i="1" smtClean="0">
+                                  <a:latin typeface="Cambria Math" panose="02040503050406030204" pitchFamily="18" charset="0"/>
+                                </a:rPr>
+                              </m:ctrlPr>
+                            </m:sSubPr>
+                            <m:e>
+                              <m:r>
+                                <a:rPr lang="en-US" b="0" i="1" smtClean="0">
+                                  <a:latin typeface="Cambria Math" panose="02040503050406030204" pitchFamily="18" charset="0"/>
+                                </a:rPr>
+                                <m:t>𝑥</m:t>
+                              </m:r>
+                            </m:e>
+                            <m:sub>
+                              <m:r>
+                                <a:rPr lang="en-US" b="0" i="1" smtClean="0">
+                                  <a:latin typeface="Cambria Math" panose="02040503050406030204" pitchFamily="18" charset="0"/>
+                                </a:rPr>
+                                <m:t>𝑖</m:t>
+                              </m:r>
+                            </m:sub>
+                          </m:sSub>
+                          <m:r>
+                            <a:rPr lang="en-US" b="0" i="1" smtClean="0">
+                              <a:latin typeface="Cambria Math" panose="02040503050406030204" pitchFamily="18" charset="0"/>
+                            </a:rPr>
+                            <m:t>=1</m:t>
+                          </m:r>
+                        </m:sub>
+                        <m:sup/>
+                        <m:e>
+                          <m:sSub>
+                            <m:sSubPr>
+                              <m:ctrlPr>
+                                <a:rPr lang="en-US" b="0" i="1" smtClean="0">
+                                  <a:latin typeface="Cambria Math" panose="02040503050406030204" pitchFamily="18" charset="0"/>
+                                </a:rPr>
+                              </m:ctrlPr>
+                            </m:sSubPr>
+                            <m:e>
+                              <m:r>
+                                <a:rPr lang="en-US" b="0" i="1" smtClean="0">
+                                  <a:latin typeface="Cambria Math" panose="02040503050406030204" pitchFamily="18" charset="0"/>
+                                </a:rPr>
+                                <m:t>𝑏</m:t>
+                              </m:r>
+                            </m:e>
+                            <m:sub>
+                              <m:r>
+                                <a:rPr lang="en-US" b="0" i="1" smtClean="0">
+                                  <a:latin typeface="Cambria Math" panose="02040503050406030204" pitchFamily="18" charset="0"/>
+                                </a:rPr>
+                                <m:t>𝑖</m:t>
+                              </m:r>
+                            </m:sub>
+                          </m:sSub>
+                        </m:e>
+                      </m:nary>
+                    </m:oMath>
+                  </m:oMathPara>
+                </a14:m>
+                <a:endParaRPr lang="en-US" dirty="0"/>
+              </a:p>
+              <a:p>
+                <a:endParaRPr lang="en-US" dirty="0"/>
+              </a:p>
+            </p:txBody>
+          </p:sp>
+        </mc:Choice>
+        <mc:Fallback>
+          <p:sp>
+            <p:nvSpPr>
+              <p:cNvPr id="3" name="Content Placeholder 2">
+                <a:extLst>
+                  <a:ext uri="{FF2B5EF4-FFF2-40B4-BE49-F238E27FC236}">
+                    <a16:creationId xmlns:a16="http://schemas.microsoft.com/office/drawing/2014/main" id="{23059F9F-DE86-4DD8-8AFC-D1E869D2FFD0}"/>
+                  </a:ext>
+                </a:extLst>
+              </p:cNvPr>
+              <p:cNvSpPr>
+                <a:spLocks noGrp="1" noRot="1" noChangeAspect="1" noMove="1" noResize="1" noEditPoints="1" noAdjustHandles="1" noChangeArrowheads="1" noChangeShapeType="1" noTextEdit="1"/>
+              </p:cNvSpPr>
+              <p:nvPr>
+                <p:ph idx="1"/>
+              </p:nvPr>
+            </p:nvSpPr>
+            <p:spPr>
+              <a:blipFill>
+                <a:blip r:embed="rId2"/>
+                <a:stretch>
+                  <a:fillRect l="-1043" t="-2941"/>
+                </a:stretch>
+              </a:blipFill>
+            </p:spPr>
+            <p:txBody>
+              <a:bodyPr/>
+              <a:lstStyle/>
+              <a:p>
+                <a:r>
+                  <a:rPr lang="th-TH">
+                    <a:noFill/>
+                  </a:rPr>
+                  <a:t> </a:t>
+                </a:r>
+              </a:p>
+            </p:txBody>
+          </p:sp>
+        </mc:Fallback>
+      </mc:AlternateContent>
       <p:sp>
         <p:nvSpPr>
-          <p:cNvPr id="3" name="Content Placeholder 2">
+          <p:cNvPr id="4" name="Slide Number Placeholder 3">
             <a:extLst>
               <a:ext uri="{FF2B5EF4-FFF2-40B4-BE49-F238E27FC236}">
-                <a16:creationId xmlns:a16="http://schemas.microsoft.com/office/drawing/2014/main" id="{23059F9F-DE86-4DD8-8AFC-D1E869D2FFD0}"/>
+                <a16:creationId xmlns:a16="http://schemas.microsoft.com/office/drawing/2014/main" id="{6B385BD9-3EB4-4767-868B-5020994E27BD}"/>
               </a:ext>
             </a:extLst>
           </p:cNvPr>
@@ -10554,7 +11833,7 @@
             <a:spLocks noGrp="1"/>
           </p:cNvSpPr>
           <p:nvPr>
-            <p:ph idx="1"/>
+            <p:ph type="sldNum" sz="quarter" idx="12"/>
           </p:nvPr>
         </p:nvSpPr>
         <p:spPr/>
@@ -10562,11 +11841,11 @@
           <a:bodyPr/>
           <a:lstStyle/>
           <a:p>
-            <a:r>
-              <a:rPr lang="en-US" dirty="0"/>
-              <a:t>Some equation</a:t>
-            </a:r>
-            <a:endParaRPr lang="th-TH" dirty="0"/>
+            <a:fld id="{7480E37F-6EFF-472E-8144-B9391FAC94FB}" type="slidenum">
+              <a:rPr lang="th-TH" smtClean="0"/>
+              <a:t>6</a:t>
+            </a:fld>
+            <a:endParaRPr lang="th-TH"/>
           </a:p>
         </p:txBody>
       </p:sp>
@@ -10574,94 +11853,6 @@
     <p:extLst>
       <p:ext uri="{BB962C8B-B14F-4D97-AF65-F5344CB8AC3E}">
         <p14:creationId xmlns:p14="http://schemas.microsoft.com/office/powerpoint/2010/main" val="743733054"/>
-      </p:ext>
-    </p:extLst>
-  </p:cSld>
-  <p:clrMapOvr>
-    <a:masterClrMapping/>
-  </p:clrMapOvr>
-</p:sld>
-</file>
-
-<file path=ppt/slides/slide6.xml><?xml version="1.0" encoding="utf-8"?>
-<p:sld xmlns:a="http://schemas.openxmlformats.org/drawingml/2006/main" xmlns:r="http://schemas.openxmlformats.org/officeDocument/2006/relationships" xmlns:p="http://schemas.openxmlformats.org/presentationml/2006/main">
-  <p:cSld>
-    <p:spTree>
-      <p:nvGrpSpPr>
-        <p:cNvPr id="1" name=""/>
-        <p:cNvGrpSpPr/>
-        <p:nvPr/>
-      </p:nvGrpSpPr>
-      <p:grpSpPr>
-        <a:xfrm>
-          <a:off x="0" y="0"/>
-          <a:ext cx="0" cy="0"/>
-          <a:chOff x="0" y="0"/>
-          <a:chExt cx="0" cy="0"/>
-        </a:xfrm>
-      </p:grpSpPr>
-      <p:sp>
-        <p:nvSpPr>
-          <p:cNvPr id="2" name="Title 1">
-            <a:extLst>
-              <a:ext uri="{FF2B5EF4-FFF2-40B4-BE49-F238E27FC236}">
-                <a16:creationId xmlns:a16="http://schemas.microsoft.com/office/drawing/2014/main" id="{3D65D1A6-E5C4-4E43-A4C0-A9FD06633B3F}"/>
-              </a:ext>
-            </a:extLst>
-          </p:cNvPr>
-          <p:cNvSpPr>
-            <a:spLocks noGrp="1"/>
-          </p:cNvSpPr>
-          <p:nvPr>
-            <p:ph type="title"/>
-          </p:nvPr>
-        </p:nvSpPr>
-        <p:spPr/>
-        <p:txBody>
-          <a:bodyPr/>
-          <a:lstStyle/>
-          <a:p>
-            <a:r>
-              <a:rPr lang="en-US" dirty="0"/>
-              <a:t>Process Time Estimation</a:t>
-            </a:r>
-            <a:endParaRPr lang="th-TH" dirty="0"/>
-          </a:p>
-        </p:txBody>
-      </p:sp>
-      <p:sp>
-        <p:nvSpPr>
-          <p:cNvPr id="3" name="Content Placeholder 2">
-            <a:extLst>
-              <a:ext uri="{FF2B5EF4-FFF2-40B4-BE49-F238E27FC236}">
-                <a16:creationId xmlns:a16="http://schemas.microsoft.com/office/drawing/2014/main" id="{B9DA14B2-635A-45ED-98F2-E3ECDED05FC1}"/>
-              </a:ext>
-            </a:extLst>
-          </p:cNvPr>
-          <p:cNvSpPr>
-            <a:spLocks noGrp="1"/>
-          </p:cNvSpPr>
-          <p:nvPr>
-            <p:ph idx="1"/>
-          </p:nvPr>
-        </p:nvSpPr>
-        <p:spPr/>
-        <p:txBody>
-          <a:bodyPr/>
-          <a:lstStyle/>
-          <a:p>
-            <a:r>
-              <a:rPr lang="en-US" dirty="0"/>
-              <a:t>Labelling</a:t>
-            </a:r>
-            <a:endParaRPr lang="th-TH" dirty="0"/>
-          </a:p>
-        </p:txBody>
-      </p:sp>
-    </p:spTree>
-    <p:extLst>
-      <p:ext uri="{BB962C8B-B14F-4D97-AF65-F5344CB8AC3E}">
-        <p14:creationId xmlns:p14="http://schemas.microsoft.com/office/powerpoint/2010/main" val="1442057286"/>
       </p:ext>
     </p:extLst>
   </p:cSld>
@@ -10743,6 +11934,35 @@
               <a:t>Result table</a:t>
             </a:r>
             <a:endParaRPr lang="th-TH" dirty="0"/>
+          </a:p>
+        </p:txBody>
+      </p:sp>
+      <p:sp>
+        <p:nvSpPr>
+          <p:cNvPr id="4" name="Slide Number Placeholder 3">
+            <a:extLst>
+              <a:ext uri="{FF2B5EF4-FFF2-40B4-BE49-F238E27FC236}">
+                <a16:creationId xmlns:a16="http://schemas.microsoft.com/office/drawing/2014/main" id="{9F28B8A9-37FB-478E-85C2-1EC89C1C16BC}"/>
+              </a:ext>
+            </a:extLst>
+          </p:cNvPr>
+          <p:cNvSpPr>
+            <a:spLocks noGrp="1"/>
+          </p:cNvSpPr>
+          <p:nvPr>
+            <p:ph type="sldNum" sz="quarter" idx="12"/>
+          </p:nvPr>
+        </p:nvSpPr>
+        <p:spPr/>
+        <p:txBody>
+          <a:bodyPr/>
+          <a:lstStyle/>
+          <a:p>
+            <a:fld id="{7480E37F-6EFF-472E-8144-B9391FAC94FB}" type="slidenum">
+              <a:rPr lang="th-TH" smtClean="0"/>
+              <a:t>7</a:t>
+            </a:fld>
+            <a:endParaRPr lang="th-TH"/>
           </a:p>
         </p:txBody>
       </p:sp>
@@ -10834,6 +12054,35 @@
           </a:p>
         </p:txBody>
       </p:sp>
+      <p:sp>
+        <p:nvSpPr>
+          <p:cNvPr id="4" name="Slide Number Placeholder 3">
+            <a:extLst>
+              <a:ext uri="{FF2B5EF4-FFF2-40B4-BE49-F238E27FC236}">
+                <a16:creationId xmlns:a16="http://schemas.microsoft.com/office/drawing/2014/main" id="{FD2C3A9F-6F62-49FD-BE8A-CCC9B463CDEC}"/>
+              </a:ext>
+            </a:extLst>
+          </p:cNvPr>
+          <p:cNvSpPr>
+            <a:spLocks noGrp="1"/>
+          </p:cNvSpPr>
+          <p:nvPr>
+            <p:ph type="sldNum" sz="quarter" idx="12"/>
+          </p:nvPr>
+        </p:nvSpPr>
+        <p:spPr/>
+        <p:txBody>
+          <a:bodyPr/>
+          <a:lstStyle/>
+          <a:p>
+            <a:fld id="{7480E37F-6EFF-472E-8144-B9391FAC94FB}" type="slidenum">
+              <a:rPr lang="th-TH" smtClean="0"/>
+              <a:t>8</a:t>
+            </a:fld>
+            <a:endParaRPr lang="th-TH"/>
+          </a:p>
+        </p:txBody>
+      </p:sp>
     </p:spTree>
     <p:extLst>
       <p:ext uri="{BB962C8B-B14F-4D97-AF65-F5344CB8AC3E}">
@@ -10909,7 +12158,7 @@
             <p:ph idx="1"/>
             <p:extLst>
               <p:ext uri="{D42A27DB-BD31-4B8C-83A1-F6EECF244321}">
-                <p14:modId xmlns:p14="http://schemas.microsoft.com/office/powerpoint/2010/main" val="245429331"/>
+                <p14:modId xmlns:p14="http://schemas.microsoft.com/office/powerpoint/2010/main" val="1984024014"/>
               </p:ext>
             </p:extLst>
           </p:nvPr>
@@ -10924,6 +12173,35 @@
           </a:graphicData>
         </a:graphic>
       </p:graphicFrame>
+      <p:sp>
+        <p:nvSpPr>
+          <p:cNvPr id="3" name="Slide Number Placeholder 2">
+            <a:extLst>
+              <a:ext uri="{FF2B5EF4-FFF2-40B4-BE49-F238E27FC236}">
+                <a16:creationId xmlns:a16="http://schemas.microsoft.com/office/drawing/2014/main" id="{289FA1CE-9D3B-446B-BAEE-28B35336CB91}"/>
+              </a:ext>
+            </a:extLst>
+          </p:cNvPr>
+          <p:cNvSpPr>
+            <a:spLocks noGrp="1"/>
+          </p:cNvSpPr>
+          <p:nvPr>
+            <p:ph type="sldNum" sz="quarter" idx="12"/>
+          </p:nvPr>
+        </p:nvSpPr>
+        <p:spPr/>
+        <p:txBody>
+          <a:bodyPr/>
+          <a:lstStyle/>
+          <a:p>
+            <a:fld id="{7480E37F-6EFF-472E-8144-B9391FAC94FB}" type="slidenum">
+              <a:rPr lang="th-TH" smtClean="0"/>
+              <a:t>9</a:t>
+            </a:fld>
+            <a:endParaRPr lang="th-TH"/>
+          </a:p>
+        </p:txBody>
+      </p:sp>
     </p:spTree>
     <p:extLst>
       <p:ext uri="{BB962C8B-B14F-4D97-AF65-F5344CB8AC3E}">
@@ -11230,4 +12508,299 @@
     </a:ext>
   </a:extLst>
 </a:theme>
+</file>
+
+<file path=ppt/theme/theme2.xml><?xml version="1.0" encoding="utf-8"?>
+<a:theme xmlns:a="http://schemas.openxmlformats.org/drawingml/2006/main" name="Office Theme">
+  <a:themeElements>
+    <a:clrScheme name="Office">
+      <a:dk1>
+        <a:sysClr val="windowText" lastClr="000000"/>
+      </a:dk1>
+      <a:lt1>
+        <a:sysClr val="window" lastClr="FFFFFF"/>
+      </a:lt1>
+      <a:dk2>
+        <a:srgbClr val="44546A"/>
+      </a:dk2>
+      <a:lt2>
+        <a:srgbClr val="E7E6E6"/>
+      </a:lt2>
+      <a:accent1>
+        <a:srgbClr val="4472C4"/>
+      </a:accent1>
+      <a:accent2>
+        <a:srgbClr val="ED7D31"/>
+      </a:accent2>
+      <a:accent3>
+        <a:srgbClr val="A5A5A5"/>
+      </a:accent3>
+      <a:accent4>
+        <a:srgbClr val="FFC000"/>
+      </a:accent4>
+      <a:accent5>
+        <a:srgbClr val="5B9BD5"/>
+      </a:accent5>
+      <a:accent6>
+        <a:srgbClr val="70AD47"/>
+      </a:accent6>
+      <a:hlink>
+        <a:srgbClr val="0563C1"/>
+      </a:hlink>
+      <a:folHlink>
+        <a:srgbClr val="954F72"/>
+      </a:folHlink>
+    </a:clrScheme>
+    <a:fontScheme name="Office">
+      <a:majorFont>
+        <a:latin typeface="Calibri Light" panose="020F0302020204030204"/>
+        <a:ea typeface=""/>
+        <a:cs typeface=""/>
+        <a:font script="Jpan" typeface="游ゴシック Light"/>
+        <a:font script="Hang" typeface="맑은 고딕"/>
+        <a:font script="Hans" typeface="等线 Light"/>
+        <a:font script="Hant" typeface="新細明體"/>
+        <a:font script="Arab" typeface="Times New Roman"/>
+        <a:font script="Hebr" typeface="Times New Roman"/>
+        <a:font script="Thai" typeface="Angsana New"/>
+        <a:font script="Ethi" typeface="Nyala"/>
+        <a:font script="Beng" typeface="Vrinda"/>
+        <a:font script="Gujr" typeface="Shruti"/>
+        <a:font script="Khmr" typeface="MoolBoran"/>
+        <a:font script="Knda" typeface="Tunga"/>
+        <a:font script="Guru" typeface="Raavi"/>
+        <a:font script="Cans" typeface="Euphemia"/>
+        <a:font script="Cher" typeface="Plantagenet Cherokee"/>
+        <a:font script="Yiii" typeface="Microsoft Yi Baiti"/>
+        <a:font script="Tibt" typeface="Microsoft Himalaya"/>
+        <a:font script="Thaa" typeface="MV Boli"/>
+        <a:font script="Deva" typeface="Mangal"/>
+        <a:font script="Telu" typeface="Gautami"/>
+        <a:font script="Taml" typeface="Latha"/>
+        <a:font script="Syrc" typeface="Estrangelo Edessa"/>
+        <a:font script="Orya" typeface="Kalinga"/>
+        <a:font script="Mlym" typeface="Kartika"/>
+        <a:font script="Laoo" typeface="DokChampa"/>
+        <a:font script="Sinh" typeface="Iskoola Pota"/>
+        <a:font script="Mong" typeface="Mongolian Baiti"/>
+        <a:font script="Viet" typeface="Times New Roman"/>
+        <a:font script="Uigh" typeface="Microsoft Uighur"/>
+        <a:font script="Geor" typeface="Sylfaen"/>
+        <a:font script="Armn" typeface="Arial"/>
+        <a:font script="Bugi" typeface="Leelawadee UI"/>
+        <a:font script="Bopo" typeface="Microsoft JhengHei"/>
+        <a:font script="Java" typeface="Javanese Text"/>
+        <a:font script="Lisu" typeface="Segoe UI"/>
+        <a:font script="Mymr" typeface="Myanmar Text"/>
+        <a:font script="Nkoo" typeface="Ebrima"/>
+        <a:font script="Olck" typeface="Nirmala UI"/>
+        <a:font script="Osma" typeface="Ebrima"/>
+        <a:font script="Phag" typeface="Phagspa"/>
+        <a:font script="Syrn" typeface="Estrangelo Edessa"/>
+        <a:font script="Syrj" typeface="Estrangelo Edessa"/>
+        <a:font script="Syre" typeface="Estrangelo Edessa"/>
+        <a:font script="Sora" typeface="Nirmala UI"/>
+        <a:font script="Tale" typeface="Microsoft Tai Le"/>
+        <a:font script="Talu" typeface="Microsoft New Tai Lue"/>
+        <a:font script="Tfng" typeface="Ebrima"/>
+      </a:majorFont>
+      <a:minorFont>
+        <a:latin typeface="Calibri" panose="020F0502020204030204"/>
+        <a:ea typeface=""/>
+        <a:cs typeface=""/>
+        <a:font script="Jpan" typeface="游ゴシック"/>
+        <a:font script="Hang" typeface="맑은 고딕"/>
+        <a:font script="Hans" typeface="等线"/>
+        <a:font script="Hant" typeface="新細明體"/>
+        <a:font script="Arab" typeface="Arial"/>
+        <a:font script="Hebr" typeface="Arial"/>
+        <a:font script="Thai" typeface="Cordia New"/>
+        <a:font script="Ethi" typeface="Nyala"/>
+        <a:font script="Beng" typeface="Vrinda"/>
+        <a:font script="Gujr" typeface="Shruti"/>
+        <a:font script="Khmr" typeface="DaunPenh"/>
+        <a:font script="Knda" typeface="Tunga"/>
+        <a:font script="Guru" typeface="Raavi"/>
+        <a:font script="Cans" typeface="Euphemia"/>
+        <a:font script="Cher" typeface="Plantagenet Cherokee"/>
+        <a:font script="Yiii" typeface="Microsoft Yi Baiti"/>
+        <a:font script="Tibt" typeface="Microsoft Himalaya"/>
+        <a:font script="Thaa" typeface="MV Boli"/>
+        <a:font script="Deva" typeface="Mangal"/>
+        <a:font script="Telu" typeface="Gautami"/>
+        <a:font script="Taml" typeface="Latha"/>
+        <a:font script="Syrc" typeface="Estrangelo Edessa"/>
+        <a:font script="Orya" typeface="Kalinga"/>
+        <a:font script="Mlym" typeface="Kartika"/>
+        <a:font script="Laoo" typeface="DokChampa"/>
+        <a:font script="Sinh" typeface="Iskoola Pota"/>
+        <a:font script="Mong" typeface="Mongolian Baiti"/>
+        <a:font script="Viet" typeface="Arial"/>
+        <a:font script="Uigh" typeface="Microsoft Uighur"/>
+        <a:font script="Geor" typeface="Sylfaen"/>
+        <a:font script="Armn" typeface="Arial"/>
+        <a:font script="Bugi" typeface="Leelawadee UI"/>
+        <a:font script="Bopo" typeface="Microsoft JhengHei"/>
+        <a:font script="Java" typeface="Javanese Text"/>
+        <a:font script="Lisu" typeface="Segoe UI"/>
+        <a:font script="Mymr" typeface="Myanmar Text"/>
+        <a:font script="Nkoo" typeface="Ebrima"/>
+        <a:font script="Olck" typeface="Nirmala UI"/>
+        <a:font script="Osma" typeface="Ebrima"/>
+        <a:font script="Phag" typeface="Phagspa"/>
+        <a:font script="Syrn" typeface="Estrangelo Edessa"/>
+        <a:font script="Syrj" typeface="Estrangelo Edessa"/>
+        <a:font script="Syre" typeface="Estrangelo Edessa"/>
+        <a:font script="Sora" typeface="Nirmala UI"/>
+        <a:font script="Tale" typeface="Microsoft Tai Le"/>
+        <a:font script="Talu" typeface="Microsoft New Tai Lue"/>
+        <a:font script="Tfng" typeface="Ebrima"/>
+      </a:minorFont>
+    </a:fontScheme>
+    <a:fmtScheme name="Office">
+      <a:fillStyleLst>
+        <a:solidFill>
+          <a:schemeClr val="phClr"/>
+        </a:solidFill>
+        <a:gradFill rotWithShape="1">
+          <a:gsLst>
+            <a:gs pos="0">
+              <a:schemeClr val="phClr">
+                <a:lumMod val="110000"/>
+                <a:satMod val="105000"/>
+                <a:tint val="67000"/>
+              </a:schemeClr>
+            </a:gs>
+            <a:gs pos="50000">
+              <a:schemeClr val="phClr">
+                <a:lumMod val="105000"/>
+                <a:satMod val="103000"/>
+                <a:tint val="73000"/>
+              </a:schemeClr>
+            </a:gs>
+            <a:gs pos="100000">
+              <a:schemeClr val="phClr">
+                <a:lumMod val="105000"/>
+                <a:satMod val="109000"/>
+                <a:tint val="81000"/>
+              </a:schemeClr>
+            </a:gs>
+          </a:gsLst>
+          <a:lin ang="5400000" scaled="0"/>
+        </a:gradFill>
+        <a:gradFill rotWithShape="1">
+          <a:gsLst>
+            <a:gs pos="0">
+              <a:schemeClr val="phClr">
+                <a:satMod val="103000"/>
+                <a:lumMod val="102000"/>
+                <a:tint val="94000"/>
+              </a:schemeClr>
+            </a:gs>
+            <a:gs pos="50000">
+              <a:schemeClr val="phClr">
+                <a:satMod val="110000"/>
+                <a:lumMod val="100000"/>
+                <a:shade val="100000"/>
+              </a:schemeClr>
+            </a:gs>
+            <a:gs pos="100000">
+              <a:schemeClr val="phClr">
+                <a:lumMod val="99000"/>
+                <a:satMod val="120000"/>
+                <a:shade val="78000"/>
+              </a:schemeClr>
+            </a:gs>
+          </a:gsLst>
+          <a:lin ang="5400000" scaled="0"/>
+        </a:gradFill>
+      </a:fillStyleLst>
+      <a:lnStyleLst>
+        <a:ln w="6350" cap="flat" cmpd="sng" algn="ctr">
+          <a:solidFill>
+            <a:schemeClr val="phClr"/>
+          </a:solidFill>
+          <a:prstDash val="solid"/>
+          <a:miter lim="800000"/>
+        </a:ln>
+        <a:ln w="12700" cap="flat" cmpd="sng" algn="ctr">
+          <a:solidFill>
+            <a:schemeClr val="phClr"/>
+          </a:solidFill>
+          <a:prstDash val="solid"/>
+          <a:miter lim="800000"/>
+        </a:ln>
+        <a:ln w="19050" cap="flat" cmpd="sng" algn="ctr">
+          <a:solidFill>
+            <a:schemeClr val="phClr"/>
+          </a:solidFill>
+          <a:prstDash val="solid"/>
+          <a:miter lim="800000"/>
+        </a:ln>
+      </a:lnStyleLst>
+      <a:effectStyleLst>
+        <a:effectStyle>
+          <a:effectLst/>
+        </a:effectStyle>
+        <a:effectStyle>
+          <a:effectLst/>
+        </a:effectStyle>
+        <a:effectStyle>
+          <a:effectLst>
+            <a:outerShdw blurRad="57150" dist="19050" dir="5400000" algn="ctr" rotWithShape="0">
+              <a:srgbClr val="000000">
+                <a:alpha val="63000"/>
+              </a:srgbClr>
+            </a:outerShdw>
+          </a:effectLst>
+        </a:effectStyle>
+      </a:effectStyleLst>
+      <a:bgFillStyleLst>
+        <a:solidFill>
+          <a:schemeClr val="phClr"/>
+        </a:solidFill>
+        <a:solidFill>
+          <a:schemeClr val="phClr">
+            <a:tint val="95000"/>
+            <a:satMod val="170000"/>
+          </a:schemeClr>
+        </a:solidFill>
+        <a:gradFill rotWithShape="1">
+          <a:gsLst>
+            <a:gs pos="0">
+              <a:schemeClr val="phClr">
+                <a:tint val="93000"/>
+                <a:satMod val="150000"/>
+                <a:shade val="98000"/>
+                <a:lumMod val="102000"/>
+              </a:schemeClr>
+            </a:gs>
+            <a:gs pos="50000">
+              <a:schemeClr val="phClr">
+                <a:tint val="98000"/>
+                <a:satMod val="130000"/>
+                <a:shade val="90000"/>
+                <a:lumMod val="103000"/>
+              </a:schemeClr>
+            </a:gs>
+            <a:gs pos="100000">
+              <a:schemeClr val="phClr">
+                <a:shade val="63000"/>
+                <a:satMod val="120000"/>
+              </a:schemeClr>
+            </a:gs>
+          </a:gsLst>
+          <a:lin ang="5400000" scaled="0"/>
+        </a:gradFill>
+      </a:bgFillStyleLst>
+    </a:fmtScheme>
+  </a:themeElements>
+  <a:objectDefaults/>
+  <a:extraClrSchemeLst/>
+  <a:extLst>
+    <a:ext uri="{05A4C25C-085E-4340-85A3-A5531E510DB2}">
+      <thm15:themeFamily xmlns:thm15="http://schemas.microsoft.com/office/thememl/2012/main" name="Office Theme" id="{62F939B6-93AF-4DB8-9C6B-D6C7DFDC589F}" vid="{4A3C46E8-61CC-4603-A589-7422A47A8E4A}"/>
+    </a:ext>
+  </a:extLst>
+</a:theme>
 </file>
--- a/memo_presentation/memo.pptx
+++ b/memo_presentation/memo.pptx
@@ -5,24 +5,34 @@
     <p:sldMasterId id="2147483648" r:id="rId1"/>
   </p:sldMasterIdLst>
   <p:notesMasterIdLst>
-    <p:notesMasterId r:id="rId17"/>
+    <p:notesMasterId r:id="rId27"/>
   </p:notesMasterIdLst>
   <p:sldIdLst>
     <p:sldId id="256" r:id="rId2"/>
     <p:sldId id="257" r:id="rId3"/>
-    <p:sldId id="258" r:id="rId4"/>
-    <p:sldId id="260" r:id="rId5"/>
-    <p:sldId id="261" r:id="rId6"/>
-    <p:sldId id="259" r:id="rId7"/>
-    <p:sldId id="262" r:id="rId8"/>
-    <p:sldId id="263" r:id="rId9"/>
-    <p:sldId id="269" r:id="rId10"/>
-    <p:sldId id="264" r:id="rId11"/>
-    <p:sldId id="270" r:id="rId12"/>
-    <p:sldId id="268" r:id="rId13"/>
-    <p:sldId id="265" r:id="rId14"/>
-    <p:sldId id="266" r:id="rId15"/>
-    <p:sldId id="267" r:id="rId16"/>
+    <p:sldId id="271" r:id="rId4"/>
+    <p:sldId id="261" r:id="rId5"/>
+    <p:sldId id="259" r:id="rId6"/>
+    <p:sldId id="262" r:id="rId7"/>
+    <p:sldId id="263" r:id="rId8"/>
+    <p:sldId id="269" r:id="rId9"/>
+    <p:sldId id="265" r:id="rId10"/>
+    <p:sldId id="266" r:id="rId11"/>
+    <p:sldId id="267" r:id="rId12"/>
+    <p:sldId id="272" r:id="rId13"/>
+    <p:sldId id="260" r:id="rId14"/>
+    <p:sldId id="273" r:id="rId15"/>
+    <p:sldId id="274" r:id="rId16"/>
+    <p:sldId id="275" r:id="rId17"/>
+    <p:sldId id="264" r:id="rId18"/>
+    <p:sldId id="270" r:id="rId19"/>
+    <p:sldId id="268" r:id="rId20"/>
+    <p:sldId id="276" r:id="rId21"/>
+    <p:sldId id="277" r:id="rId22"/>
+    <p:sldId id="278" r:id="rId23"/>
+    <p:sldId id="279" r:id="rId24"/>
+    <p:sldId id="280" r:id="rId25"/>
+    <p:sldId id="281" r:id="rId26"/>
   </p:sldIdLst>
   <p:sldSz cx="12192000" cy="6858000"/>
   <p:notesSz cx="6858000" cy="9144000"/>
@@ -1528,7 +1538,7 @@
         <a:p>
           <a:r>
             <a:rPr lang="en-US" dirty="0"/>
-            <a:t>VN_IN</a:t>
+            <a:t>VN_IN (start)</a:t>
           </a:r>
           <a:endParaRPr lang="th-TH" dirty="0"/>
         </a:p>
@@ -1565,7 +1575,7 @@
         <a:p>
           <a:r>
             <a:rPr lang="en-US" dirty="0"/>
-            <a:t>VN_OUT</a:t>
+            <a:t>VN_OUT (end)</a:t>
           </a:r>
           <a:endParaRPr lang="th-TH" dirty="0"/>
         </a:p>
@@ -2199,7 +2209,7 @@
           </a:pPr>
           <a:r>
             <a:rPr lang="en-US" sz="1400" kern="1200" dirty="0"/>
-            <a:t>VN_IN</a:t>
+            <a:t>VN_IN (start)</a:t>
           </a:r>
           <a:endParaRPr lang="th-TH" sz="1400" kern="1200" dirty="0"/>
         </a:p>
@@ -5016,7 +5026,7 @@
           </a:pPr>
           <a:r>
             <a:rPr lang="en-US" sz="1400" kern="1200" dirty="0"/>
-            <a:t>VN_OUT</a:t>
+            <a:t>VN_OUT (end)</a:t>
           </a:r>
           <a:endParaRPr lang="th-TH" sz="1400" kern="1200" dirty="0"/>
         </a:p>
@@ -6334,7 +6344,7 @@
           <a:p>
             <a:fld id="{52955F16-3F06-47CA-B220-094DAA5746BB}" type="datetimeFigureOut">
               <a:rPr lang="th-TH" smtClean="0"/>
-              <a:t>22/08/66</a:t>
+              <a:t>23/08/66</a:t>
             </a:fld>
             <a:endParaRPr lang="th-TH"/>
           </a:p>
@@ -6751,7 +6761,7 @@
           <a:p>
             <a:fld id="{DE996C69-74BB-4271-AB8F-AD955EBBB9FA}" type="datetime1">
               <a:rPr lang="th-TH" smtClean="0"/>
-              <a:t>22/08/66</a:t>
+              <a:t>23/08/66</a:t>
             </a:fld>
             <a:endParaRPr lang="th-TH"/>
           </a:p>
@@ -6951,7 +6961,7 @@
           <a:p>
             <a:fld id="{DC6F1DD8-73F8-4798-BDCB-14BD481D2ECF}" type="datetime1">
               <a:rPr lang="th-TH" smtClean="0"/>
-              <a:t>22/08/66</a:t>
+              <a:t>23/08/66</a:t>
             </a:fld>
             <a:endParaRPr lang="th-TH"/>
           </a:p>
@@ -7161,7 +7171,7 @@
           <a:p>
             <a:fld id="{39E123E4-2623-4A94-A982-A79D63A16545}" type="datetime1">
               <a:rPr lang="th-TH" smtClean="0"/>
-              <a:t>22/08/66</a:t>
+              <a:t>23/08/66</a:t>
             </a:fld>
             <a:endParaRPr lang="th-TH"/>
           </a:p>
@@ -7361,7 +7371,7 @@
           <a:p>
             <a:fld id="{A489B8F5-E589-4BB0-B6FC-97C2D96BA66E}" type="datetime1">
               <a:rPr lang="th-TH" smtClean="0"/>
-              <a:t>22/08/66</a:t>
+              <a:t>23/08/66</a:t>
             </a:fld>
             <a:endParaRPr lang="th-TH"/>
           </a:p>
@@ -7637,7 +7647,7 @@
           <a:p>
             <a:fld id="{F2B050A4-8CA8-4CA0-82B4-BD1E4C0FE075}" type="datetime1">
               <a:rPr lang="th-TH" smtClean="0"/>
-              <a:t>22/08/66</a:t>
+              <a:t>23/08/66</a:t>
             </a:fld>
             <a:endParaRPr lang="th-TH"/>
           </a:p>
@@ -7905,7 +7915,7 @@
           <a:p>
             <a:fld id="{3A96BFC6-4294-4441-8B8C-A38AAEE4C4F3}" type="datetime1">
               <a:rPr lang="th-TH" smtClean="0"/>
-              <a:t>22/08/66</a:t>
+              <a:t>23/08/66</a:t>
             </a:fld>
             <a:endParaRPr lang="th-TH"/>
           </a:p>
@@ -8320,7 +8330,7 @@
           <a:p>
             <a:fld id="{B048F9EE-7C39-4922-A08C-F16ECBE730E7}" type="datetime1">
               <a:rPr lang="th-TH" smtClean="0"/>
-              <a:t>22/08/66</a:t>
+              <a:t>23/08/66</a:t>
             </a:fld>
             <a:endParaRPr lang="th-TH"/>
           </a:p>
@@ -8462,7 +8472,7 @@
           <a:p>
             <a:fld id="{80097E81-B804-4E30-B8E5-1CFBBA6A2255}" type="datetime1">
               <a:rPr lang="th-TH" smtClean="0"/>
-              <a:t>22/08/66</a:t>
+              <a:t>23/08/66</a:t>
             </a:fld>
             <a:endParaRPr lang="th-TH"/>
           </a:p>
@@ -8575,7 +8585,7 @@
           <a:p>
             <a:fld id="{A7269964-E4F0-47F4-82D5-8664E88A9139}" type="datetime1">
               <a:rPr lang="th-TH" smtClean="0"/>
-              <a:t>22/08/66</a:t>
+              <a:t>23/08/66</a:t>
             </a:fld>
             <a:endParaRPr lang="th-TH"/>
           </a:p>
@@ -8888,7 +8898,7 @@
           <a:p>
             <a:fld id="{5A4C54EA-A69B-4931-9919-CAA3FED5A5AD}" type="datetime1">
               <a:rPr lang="th-TH" smtClean="0"/>
-              <a:t>22/08/66</a:t>
+              <a:t>23/08/66</a:t>
             </a:fld>
             <a:endParaRPr lang="th-TH"/>
           </a:p>
@@ -9177,7 +9187,7 @@
           <a:p>
             <a:fld id="{B488979F-8EB0-46F7-89A4-8A4DDD0D53EF}" type="datetime1">
               <a:rPr lang="th-TH" smtClean="0"/>
-              <a:t>22/08/66</a:t>
+              <a:t>23/08/66</a:t>
             </a:fld>
             <a:endParaRPr lang="th-TH"/>
           </a:p>
@@ -9421,7 +9431,7 @@
             <a:fld id="{9BA7EE47-17B3-4CA1-81BE-334A80C51161}" type="datetime1">
               <a:rPr lang="th-TH" smtClean="0"/>
               <a:pPr/>
-              <a:t>22/08/66</a:t>
+              <a:t>23/08/66</a:t>
             </a:fld>
             <a:endParaRPr lang="th-TH"/>
           </a:p>
@@ -9894,6 +9904,20 @@
               <a:rPr lang="en-US" dirty="0"/>
               <a:t>Kawin Chinpong</a:t>
             </a:r>
+          </a:p>
+          <a:p>
+            <a:r>
+              <a:rPr lang="en-US" dirty="0"/>
+              <a:t>24</a:t>
+            </a:r>
+            <a:r>
+              <a:rPr lang="en-US" baseline="30000" dirty="0"/>
+              <a:t>th</a:t>
+            </a:r>
+            <a:r>
+              <a:rPr lang="en-US" dirty="0"/>
+              <a:t> August 2023</a:t>
+            </a:r>
             <a:endParaRPr lang="th-TH" dirty="0"/>
           </a:p>
         </p:txBody>
@@ -9962,7 +9986,7 @@
           <p:cNvPr id="2" name="Title 1">
             <a:extLst>
               <a:ext uri="{FF2B5EF4-FFF2-40B4-BE49-F238E27FC236}">
-                <a16:creationId xmlns:a16="http://schemas.microsoft.com/office/drawing/2014/main" id="{3D65D1A6-E5C4-4E43-A4C0-A9FD06633B3F}"/>
+                <a16:creationId xmlns:a16="http://schemas.microsoft.com/office/drawing/2014/main" id="{0C563182-0F73-46FD-8BEA-89E0CE83C290}"/>
               </a:ext>
             </a:extLst>
           </p:cNvPr>
@@ -9980,7 +10004,7 @@
           <a:p>
             <a:r>
               <a:rPr lang="en-US" dirty="0"/>
-              <a:t>DES Assumptions</a:t>
+              <a:t>Strategy Results</a:t>
             </a:r>
             <a:endParaRPr lang="th-TH" dirty="0"/>
           </a:p>
@@ -9991,7 +10015,7 @@
           <p:cNvPr id="3" name="Content Placeholder 2">
             <a:extLst>
               <a:ext uri="{FF2B5EF4-FFF2-40B4-BE49-F238E27FC236}">
-                <a16:creationId xmlns:a16="http://schemas.microsoft.com/office/drawing/2014/main" id="{B9DA14B2-635A-45ED-98F2-E3ECDED05FC1}"/>
+                <a16:creationId xmlns:a16="http://schemas.microsoft.com/office/drawing/2014/main" id="{CBACC6F4-2E80-4240-96CE-C658C58209FF}"/>
               </a:ext>
             </a:extLst>
           </p:cNvPr>
@@ -10007,31 +10031,7 @@
           <a:bodyPr/>
           <a:lstStyle/>
           <a:p>
-            <a:r>
-              <a:rPr lang="en-US" dirty="0"/>
-              <a:t>Every patients must be started on OPD and sequentially visited through the last department without any deaths.</a:t>
-            </a:r>
-          </a:p>
-          <a:p>
-            <a:r>
-              <a:rPr lang="en-US" dirty="0"/>
-              <a:t>Every departments were visited only one time per VN, non any revisiting on the same VN.</a:t>
-            </a:r>
-          </a:p>
-          <a:p>
-            <a:r>
-              <a:rPr lang="en-US" dirty="0"/>
-              <a:t>Some unnecessary departments may be skipped, as the case may be</a:t>
-            </a:r>
-          </a:p>
-          <a:p>
-            <a:r>
-              <a:rPr lang="en-US" dirty="0"/>
-              <a:t>Average minutely interarrival time may be difference on working day and weekend.</a:t>
-            </a:r>
-          </a:p>
-          <a:p>
-            <a:endParaRPr lang="th-TH" dirty="0"/>
+            <a:endParaRPr lang="th-TH"/>
           </a:p>
         </p:txBody>
       </p:sp>
@@ -10040,7 +10040,7 @@
           <p:cNvPr id="4" name="Slide Number Placeholder 3">
             <a:extLst>
               <a:ext uri="{FF2B5EF4-FFF2-40B4-BE49-F238E27FC236}">
-                <a16:creationId xmlns:a16="http://schemas.microsoft.com/office/drawing/2014/main" id="{61FD88DE-43DA-4557-A185-E90F24D3160F}"/>
+                <a16:creationId xmlns:a16="http://schemas.microsoft.com/office/drawing/2014/main" id="{66D8F3AC-7E19-4039-8BB8-BB96153BA1D9}"/>
               </a:ext>
             </a:extLst>
           </p:cNvPr>
@@ -10067,7 +10067,7 @@
     </p:spTree>
     <p:extLst>
       <p:ext uri="{BB962C8B-B14F-4D97-AF65-F5344CB8AC3E}">
-        <p14:creationId xmlns:p14="http://schemas.microsoft.com/office/powerpoint/2010/main" val="2017628106"/>
+        <p14:creationId xmlns:p14="http://schemas.microsoft.com/office/powerpoint/2010/main" val="3297423138"/>
       </p:ext>
     </p:extLst>
   </p:cSld>
@@ -10078,6 +10078,838 @@
 </file>
 
 <file path=ppt/slides/slide11.xml><?xml version="1.0" encoding="utf-8"?>
+<p:sld xmlns:a="http://schemas.openxmlformats.org/drawingml/2006/main" xmlns:r="http://schemas.openxmlformats.org/officeDocument/2006/relationships" xmlns:p="http://schemas.openxmlformats.org/presentationml/2006/main">
+  <p:cSld>
+    <p:spTree>
+      <p:nvGrpSpPr>
+        <p:cNvPr id="1" name=""/>
+        <p:cNvGrpSpPr/>
+        <p:nvPr/>
+      </p:nvGrpSpPr>
+      <p:grpSpPr>
+        <a:xfrm>
+          <a:off x="0" y="0"/>
+          <a:ext cx="0" cy="0"/>
+          <a:chOff x="0" y="0"/>
+          <a:chExt cx="0" cy="0"/>
+        </a:xfrm>
+      </p:grpSpPr>
+      <p:sp>
+        <p:nvSpPr>
+          <p:cNvPr id="2" name="Title 1">
+            <a:extLst>
+              <a:ext uri="{FF2B5EF4-FFF2-40B4-BE49-F238E27FC236}">
+                <a16:creationId xmlns:a16="http://schemas.microsoft.com/office/drawing/2014/main" id="{A72A782B-3E39-4470-8D39-51DDF04A1B80}"/>
+              </a:ext>
+            </a:extLst>
+          </p:cNvPr>
+          <p:cNvSpPr>
+            <a:spLocks noGrp="1"/>
+          </p:cNvSpPr>
+          <p:nvPr>
+            <p:ph type="title"/>
+          </p:nvPr>
+        </p:nvSpPr>
+        <p:spPr/>
+        <p:txBody>
+          <a:bodyPr/>
+          <a:lstStyle/>
+          <a:p>
+            <a:r>
+              <a:rPr lang="en-US" dirty="0"/>
+              <a:t>Conclusion and Limitations</a:t>
+            </a:r>
+            <a:endParaRPr lang="th-TH" dirty="0"/>
+          </a:p>
+        </p:txBody>
+      </p:sp>
+      <p:sp>
+        <p:nvSpPr>
+          <p:cNvPr id="3" name="Content Placeholder 2">
+            <a:extLst>
+              <a:ext uri="{FF2B5EF4-FFF2-40B4-BE49-F238E27FC236}">
+                <a16:creationId xmlns:a16="http://schemas.microsoft.com/office/drawing/2014/main" id="{C7BB9F39-109F-4EDB-9F94-086571017DD3}"/>
+              </a:ext>
+            </a:extLst>
+          </p:cNvPr>
+          <p:cNvSpPr>
+            <a:spLocks noGrp="1"/>
+          </p:cNvSpPr>
+          <p:nvPr>
+            <p:ph idx="1"/>
+          </p:nvPr>
+        </p:nvSpPr>
+        <p:spPr/>
+        <p:txBody>
+          <a:bodyPr/>
+          <a:lstStyle/>
+          <a:p>
+            <a:endParaRPr lang="th-TH"/>
+          </a:p>
+        </p:txBody>
+      </p:sp>
+      <p:sp>
+        <p:nvSpPr>
+          <p:cNvPr id="4" name="Slide Number Placeholder 3">
+            <a:extLst>
+              <a:ext uri="{FF2B5EF4-FFF2-40B4-BE49-F238E27FC236}">
+                <a16:creationId xmlns:a16="http://schemas.microsoft.com/office/drawing/2014/main" id="{CFD11D86-E154-416D-A3F1-4730033161B8}"/>
+              </a:ext>
+            </a:extLst>
+          </p:cNvPr>
+          <p:cNvSpPr>
+            <a:spLocks noGrp="1"/>
+          </p:cNvSpPr>
+          <p:nvPr>
+            <p:ph type="sldNum" sz="quarter" idx="12"/>
+          </p:nvPr>
+        </p:nvSpPr>
+        <p:spPr/>
+        <p:txBody>
+          <a:bodyPr/>
+          <a:lstStyle/>
+          <a:p>
+            <a:fld id="{7480E37F-6EFF-472E-8144-B9391FAC94FB}" type="slidenum">
+              <a:rPr lang="th-TH" smtClean="0"/>
+              <a:t>11</a:t>
+            </a:fld>
+            <a:endParaRPr lang="th-TH"/>
+          </a:p>
+        </p:txBody>
+      </p:sp>
+    </p:spTree>
+    <p:extLst>
+      <p:ext uri="{BB962C8B-B14F-4D97-AF65-F5344CB8AC3E}">
+        <p14:creationId xmlns:p14="http://schemas.microsoft.com/office/powerpoint/2010/main" val="2290672147"/>
+      </p:ext>
+    </p:extLst>
+  </p:cSld>
+  <p:clrMapOvr>
+    <a:masterClrMapping/>
+  </p:clrMapOvr>
+</p:sld>
+</file>
+
+<file path=ppt/slides/slide12.xml><?xml version="1.0" encoding="utf-8"?>
+<p:sld xmlns:a="http://schemas.openxmlformats.org/drawingml/2006/main" xmlns:r="http://schemas.openxmlformats.org/officeDocument/2006/relationships" xmlns:p="http://schemas.openxmlformats.org/presentationml/2006/main">
+  <p:cSld>
+    <p:spTree>
+      <p:nvGrpSpPr>
+        <p:cNvPr id="1" name=""/>
+        <p:cNvGrpSpPr/>
+        <p:nvPr/>
+      </p:nvGrpSpPr>
+      <p:grpSpPr>
+        <a:xfrm>
+          <a:off x="0" y="0"/>
+          <a:ext cx="0" cy="0"/>
+          <a:chOff x="0" y="0"/>
+          <a:chExt cx="0" cy="0"/>
+        </a:xfrm>
+      </p:grpSpPr>
+      <p:sp>
+        <p:nvSpPr>
+          <p:cNvPr id="2" name="Title 1">
+            <a:extLst>
+              <a:ext uri="{FF2B5EF4-FFF2-40B4-BE49-F238E27FC236}">
+                <a16:creationId xmlns:a16="http://schemas.microsoft.com/office/drawing/2014/main" id="{FFD160F7-967E-4231-B246-580C4E249BB4}"/>
+              </a:ext>
+            </a:extLst>
+          </p:cNvPr>
+          <p:cNvSpPr>
+            <a:spLocks noGrp="1"/>
+          </p:cNvSpPr>
+          <p:nvPr>
+            <p:ph type="ctrTitle"/>
+          </p:nvPr>
+        </p:nvSpPr>
+        <p:spPr/>
+        <p:txBody>
+          <a:bodyPr/>
+          <a:lstStyle/>
+          <a:p>
+            <a:r>
+              <a:rPr lang="en-US" dirty="0"/>
+              <a:t>Memo</a:t>
+            </a:r>
+            <a:endParaRPr lang="th-TH" dirty="0"/>
+          </a:p>
+        </p:txBody>
+      </p:sp>
+      <p:sp>
+        <p:nvSpPr>
+          <p:cNvPr id="3" name="Subtitle 2">
+            <a:extLst>
+              <a:ext uri="{FF2B5EF4-FFF2-40B4-BE49-F238E27FC236}">
+                <a16:creationId xmlns:a16="http://schemas.microsoft.com/office/drawing/2014/main" id="{E49E923A-F701-42ED-B424-D42F1B9396BE}"/>
+              </a:ext>
+            </a:extLst>
+          </p:cNvPr>
+          <p:cNvSpPr>
+            <a:spLocks noGrp="1"/>
+          </p:cNvSpPr>
+          <p:nvPr>
+            <p:ph type="subTitle" idx="1"/>
+          </p:nvPr>
+        </p:nvSpPr>
+        <p:spPr/>
+        <p:txBody>
+          <a:bodyPr/>
+          <a:lstStyle/>
+          <a:p>
+            <a:r>
+              <a:rPr lang="en-US" dirty="0"/>
+              <a:t>Kawin Chinpong</a:t>
+            </a:r>
+          </a:p>
+          <a:p>
+            <a:r>
+              <a:rPr lang="en-US" dirty="0"/>
+              <a:t>24</a:t>
+            </a:r>
+            <a:r>
+              <a:rPr lang="en-US" baseline="30000" dirty="0"/>
+              <a:t>th</a:t>
+            </a:r>
+            <a:r>
+              <a:rPr lang="en-US" dirty="0"/>
+              <a:t> August 2023</a:t>
+            </a:r>
+            <a:endParaRPr lang="th-TH" dirty="0"/>
+          </a:p>
+        </p:txBody>
+      </p:sp>
+      <p:sp>
+        <p:nvSpPr>
+          <p:cNvPr id="4" name="Slide Number Placeholder 3">
+            <a:extLst>
+              <a:ext uri="{FF2B5EF4-FFF2-40B4-BE49-F238E27FC236}">
+                <a16:creationId xmlns:a16="http://schemas.microsoft.com/office/drawing/2014/main" id="{776E6D6F-6DB3-4468-B916-87BBB2D80E65}"/>
+              </a:ext>
+            </a:extLst>
+          </p:cNvPr>
+          <p:cNvSpPr>
+            <a:spLocks noGrp="1"/>
+          </p:cNvSpPr>
+          <p:nvPr>
+            <p:ph type="sldNum" sz="quarter" idx="12"/>
+          </p:nvPr>
+        </p:nvSpPr>
+        <p:spPr/>
+        <p:txBody>
+          <a:bodyPr/>
+          <a:lstStyle/>
+          <a:p>
+            <a:fld id="{7480E37F-6EFF-472E-8144-B9391FAC94FB}" type="slidenum">
+              <a:rPr lang="th-TH" smtClean="0"/>
+              <a:t>12</a:t>
+            </a:fld>
+            <a:endParaRPr lang="th-TH"/>
+          </a:p>
+        </p:txBody>
+      </p:sp>
+    </p:spTree>
+    <p:extLst>
+      <p:ext uri="{BB962C8B-B14F-4D97-AF65-F5344CB8AC3E}">
+        <p14:creationId xmlns:p14="http://schemas.microsoft.com/office/powerpoint/2010/main" val="1645566765"/>
+      </p:ext>
+    </p:extLst>
+  </p:cSld>
+  <p:clrMapOvr>
+    <a:masterClrMapping/>
+  </p:clrMapOvr>
+</p:sld>
+</file>
+
+<file path=ppt/slides/slide13.xml><?xml version="1.0" encoding="utf-8"?>
+<p:sld xmlns:a="http://schemas.openxmlformats.org/drawingml/2006/main" xmlns:r="http://schemas.openxmlformats.org/officeDocument/2006/relationships" xmlns:p="http://schemas.openxmlformats.org/presentationml/2006/main">
+  <p:cSld>
+    <p:spTree>
+      <p:nvGrpSpPr>
+        <p:cNvPr id="1" name=""/>
+        <p:cNvGrpSpPr/>
+        <p:nvPr/>
+      </p:nvGrpSpPr>
+      <p:grpSpPr>
+        <a:xfrm>
+          <a:off x="0" y="0"/>
+          <a:ext cx="0" cy="0"/>
+          <a:chOff x="0" y="0"/>
+          <a:chExt cx="0" cy="0"/>
+        </a:xfrm>
+      </p:grpSpPr>
+      <p:sp>
+        <p:nvSpPr>
+          <p:cNvPr id="2" name="Title 1">
+            <a:extLst>
+              <a:ext uri="{FF2B5EF4-FFF2-40B4-BE49-F238E27FC236}">
+                <a16:creationId xmlns:a16="http://schemas.microsoft.com/office/drawing/2014/main" id="{E1E7261D-6AAC-437F-93E3-7088757E6C67}"/>
+              </a:ext>
+            </a:extLst>
+          </p:cNvPr>
+          <p:cNvSpPr>
+            <a:spLocks noGrp="1"/>
+          </p:cNvSpPr>
+          <p:nvPr>
+            <p:ph type="title"/>
+          </p:nvPr>
+        </p:nvSpPr>
+        <p:spPr/>
+        <p:txBody>
+          <a:bodyPr/>
+          <a:lstStyle/>
+          <a:p>
+            <a:r>
+              <a:rPr lang="en-US" dirty="0"/>
+              <a:t>Definition</a:t>
+            </a:r>
+            <a:endParaRPr lang="th-TH" dirty="0"/>
+          </a:p>
+        </p:txBody>
+      </p:sp>
+      <mc:AlternateContent xmlns:mc="http://schemas.openxmlformats.org/markup-compatibility/2006">
+        <mc:Choice xmlns:a14="http://schemas.microsoft.com/office/drawing/2010/main" Requires="a14">
+          <p:sp>
+            <p:nvSpPr>
+              <p:cNvPr id="3" name="Content Placeholder 2">
+                <a:extLst>
+                  <a:ext uri="{FF2B5EF4-FFF2-40B4-BE49-F238E27FC236}">
+                    <a16:creationId xmlns:a16="http://schemas.microsoft.com/office/drawing/2014/main" id="{D7E139B5-1A45-4D31-BFA7-6D307F9361C2}"/>
+                  </a:ext>
+                </a:extLst>
+              </p:cNvPr>
+              <p:cNvSpPr>
+                <a:spLocks noGrp="1"/>
+              </p:cNvSpPr>
+              <p:nvPr>
+                <p:ph idx="1"/>
+              </p:nvPr>
+            </p:nvSpPr>
+            <p:spPr/>
+            <p:txBody>
+              <a:bodyPr/>
+              <a:lstStyle/>
+              <a:p>
+                <a:r>
+                  <a:rPr lang="en-US" dirty="0"/>
+                  <a:t>Process Time </a:t>
+                </a:r>
+                <a14:m>
+                  <m:oMath xmlns:m="http://schemas.openxmlformats.org/officeDocument/2006/math">
+                    <m:r>
+                      <a:rPr lang="en-US" b="0" i="1" smtClean="0">
+                        <a:latin typeface="Cambria Math" panose="02040503050406030204" pitchFamily="18" charset="0"/>
+                      </a:rPr>
+                      <m:t>𝑌</m:t>
+                    </m:r>
+                  </m:oMath>
+                </a14:m>
+                <a:r>
+                  <a:rPr lang="en-US" dirty="0"/>
+                  <a:t> (VN_OUT – VN_IN in minutes)</a:t>
+                </a:r>
+              </a:p>
+              <a:p>
+                <a:r>
+                  <a:rPr lang="en-US" dirty="0"/>
+                  <a:t>Vector of required facilities </a:t>
+                </a:r>
+                <a14:m>
+                  <m:oMath xmlns:m="http://schemas.openxmlformats.org/officeDocument/2006/math">
+                    <m:r>
+                      <a:rPr lang="en-US" b="0" i="1" smtClean="0">
+                        <a:latin typeface="Cambria Math" panose="02040503050406030204" pitchFamily="18" charset="0"/>
+                      </a:rPr>
+                      <m:t>𝑋</m:t>
+                    </m:r>
+                    <m:r>
+                      <a:rPr lang="en-US" b="0" i="1" smtClean="0">
+                        <a:latin typeface="Cambria Math" panose="02040503050406030204" pitchFamily="18" charset="0"/>
+                      </a:rPr>
+                      <m:t>⊂</m:t>
+                    </m:r>
+                    <m:d>
+                      <m:dPr>
+                        <m:begChr m:val="{"/>
+                        <m:endChr m:val="}"/>
+                        <m:ctrlPr>
+                          <a:rPr lang="en-US" b="0" i="1" smtClean="0">
+                            <a:latin typeface="Cambria Math" panose="02040503050406030204" pitchFamily="18" charset="0"/>
+                          </a:rPr>
+                        </m:ctrlPr>
+                      </m:dPr>
+                      <m:e>
+                        <m:r>
+                          <a:rPr lang="en-US" b="0" i="1" smtClean="0">
+                            <a:latin typeface="Cambria Math" panose="02040503050406030204" pitchFamily="18" charset="0"/>
+                          </a:rPr>
+                          <m:t>0,1</m:t>
+                        </m:r>
+                      </m:e>
+                    </m:d>
+                  </m:oMath>
+                </a14:m>
+                <a:r>
+                  <a:rPr lang="en-US" dirty="0"/>
+                  <a:t> </a:t>
+                </a:r>
+                <a:endParaRPr lang="th-TH" dirty="0"/>
+              </a:p>
+            </p:txBody>
+          </p:sp>
+        </mc:Choice>
+        <mc:Fallback>
+          <p:sp>
+            <p:nvSpPr>
+              <p:cNvPr id="3" name="Content Placeholder 2">
+                <a:extLst>
+                  <a:ext uri="{FF2B5EF4-FFF2-40B4-BE49-F238E27FC236}">
+                    <a16:creationId xmlns:a16="http://schemas.microsoft.com/office/drawing/2014/main" id="{D7E139B5-1A45-4D31-BFA7-6D307F9361C2}"/>
+                  </a:ext>
+                </a:extLst>
+              </p:cNvPr>
+              <p:cNvSpPr>
+                <a:spLocks noGrp="1" noRot="1" noChangeAspect="1" noMove="1" noResize="1" noEditPoints="1" noAdjustHandles="1" noChangeArrowheads="1" noChangeShapeType="1" noTextEdit="1"/>
+              </p:cNvSpPr>
+              <p:nvPr>
+                <p:ph idx="1"/>
+              </p:nvPr>
+            </p:nvSpPr>
+            <p:spPr>
+              <a:blipFill>
+                <a:blip r:embed="rId2"/>
+                <a:stretch>
+                  <a:fillRect l="-1043" t="-2241"/>
+                </a:stretch>
+              </a:blipFill>
+            </p:spPr>
+            <p:txBody>
+              <a:bodyPr/>
+              <a:lstStyle/>
+              <a:p>
+                <a:r>
+                  <a:rPr lang="th-TH">
+                    <a:noFill/>
+                  </a:rPr>
+                  <a:t> </a:t>
+                </a:r>
+              </a:p>
+            </p:txBody>
+          </p:sp>
+        </mc:Fallback>
+      </mc:AlternateContent>
+      <p:sp>
+        <p:nvSpPr>
+          <p:cNvPr id="4" name="Slide Number Placeholder 3">
+            <a:extLst>
+              <a:ext uri="{FF2B5EF4-FFF2-40B4-BE49-F238E27FC236}">
+                <a16:creationId xmlns:a16="http://schemas.microsoft.com/office/drawing/2014/main" id="{1B9BC208-061C-47EF-91C8-FD997BA9D0C6}"/>
+              </a:ext>
+            </a:extLst>
+          </p:cNvPr>
+          <p:cNvSpPr>
+            <a:spLocks noGrp="1"/>
+          </p:cNvSpPr>
+          <p:nvPr>
+            <p:ph type="sldNum" sz="quarter" idx="12"/>
+          </p:nvPr>
+        </p:nvSpPr>
+        <p:spPr/>
+        <p:txBody>
+          <a:bodyPr/>
+          <a:lstStyle/>
+          <a:p>
+            <a:fld id="{7480E37F-6EFF-472E-8144-B9391FAC94FB}" type="slidenum">
+              <a:rPr lang="th-TH" smtClean="0"/>
+              <a:t>13</a:t>
+            </a:fld>
+            <a:endParaRPr lang="th-TH"/>
+          </a:p>
+        </p:txBody>
+      </p:sp>
+    </p:spTree>
+    <p:extLst>
+      <p:ext uri="{BB962C8B-B14F-4D97-AF65-F5344CB8AC3E}">
+        <p14:creationId xmlns:p14="http://schemas.microsoft.com/office/powerpoint/2010/main" val="2870974381"/>
+      </p:ext>
+    </p:extLst>
+  </p:cSld>
+  <p:clrMapOvr>
+    <a:masterClrMapping/>
+  </p:clrMapOvr>
+</p:sld>
+</file>
+
+<file path=ppt/slides/slide14.xml><?xml version="1.0" encoding="utf-8"?>
+<p:sld xmlns:a="http://schemas.openxmlformats.org/drawingml/2006/main" xmlns:r="http://schemas.openxmlformats.org/officeDocument/2006/relationships" xmlns:p="http://schemas.openxmlformats.org/presentationml/2006/main">
+  <p:cSld>
+    <p:spTree>
+      <p:nvGrpSpPr>
+        <p:cNvPr id="1" name=""/>
+        <p:cNvGrpSpPr/>
+        <p:nvPr/>
+      </p:nvGrpSpPr>
+      <p:grpSpPr>
+        <a:xfrm>
+          <a:off x="0" y="0"/>
+          <a:ext cx="0" cy="0"/>
+          <a:chOff x="0" y="0"/>
+          <a:chExt cx="0" cy="0"/>
+        </a:xfrm>
+      </p:grpSpPr>
+      <p:sp>
+        <p:nvSpPr>
+          <p:cNvPr id="2" name="Title 1">
+            <a:extLst>
+              <a:ext uri="{FF2B5EF4-FFF2-40B4-BE49-F238E27FC236}">
+                <a16:creationId xmlns:a16="http://schemas.microsoft.com/office/drawing/2014/main" id="{A5455CD9-DDCE-4FB9-AA0E-FD4F1C41889C}"/>
+              </a:ext>
+            </a:extLst>
+          </p:cNvPr>
+          <p:cNvSpPr>
+            <a:spLocks noGrp="1"/>
+          </p:cNvSpPr>
+          <p:nvPr>
+            <p:ph type="title"/>
+          </p:nvPr>
+        </p:nvSpPr>
+        <p:spPr/>
+        <p:txBody>
+          <a:bodyPr/>
+          <a:lstStyle/>
+          <a:p>
+            <a:r>
+              <a:rPr lang="en-US" dirty="0"/>
+              <a:t>Weekly count patients, grouped by Gender</a:t>
+            </a:r>
+            <a:endParaRPr lang="th-TH" dirty="0"/>
+          </a:p>
+        </p:txBody>
+      </p:sp>
+      <p:pic>
+        <p:nvPicPr>
+          <p:cNvPr id="6" name="Content Placeholder 5" descr="A graph of blue and orange lines&#10;&#10;Description automatically generated">
+            <a:extLst>
+              <a:ext uri="{FF2B5EF4-FFF2-40B4-BE49-F238E27FC236}">
+                <a16:creationId xmlns:a16="http://schemas.microsoft.com/office/drawing/2014/main" id="{EE003B64-37E9-486E-A0E4-3B2E84B29733}"/>
+              </a:ext>
+            </a:extLst>
+          </p:cNvPr>
+          <p:cNvPicPr>
+            <a:picLocks noGrp="1" noChangeAspect="1"/>
+          </p:cNvPicPr>
+          <p:nvPr>
+            <p:ph idx="1"/>
+          </p:nvPr>
+        </p:nvPicPr>
+        <p:blipFill>
+          <a:blip r:embed="rId2">
+            <a:extLst>
+              <a:ext uri="{28A0092B-C50C-407E-A947-70E740481C1C}">
+                <a14:useLocalDpi xmlns:a14="http://schemas.microsoft.com/office/drawing/2010/main" val="0"/>
+              </a:ext>
+            </a:extLst>
+          </a:blip>
+          <a:stretch>
+            <a:fillRect/>
+          </a:stretch>
+        </p:blipFill>
+        <p:spPr>
+          <a:xfrm>
+            <a:off x="2985559" y="1690688"/>
+            <a:ext cx="6220883" cy="4665662"/>
+          </a:xfrm>
+        </p:spPr>
+      </p:pic>
+      <p:sp>
+        <p:nvSpPr>
+          <p:cNvPr id="4" name="Slide Number Placeholder 3">
+            <a:extLst>
+              <a:ext uri="{FF2B5EF4-FFF2-40B4-BE49-F238E27FC236}">
+                <a16:creationId xmlns:a16="http://schemas.microsoft.com/office/drawing/2014/main" id="{E748FF81-B6E2-4DD9-B1DC-EA2BA0674EA2}"/>
+              </a:ext>
+            </a:extLst>
+          </p:cNvPr>
+          <p:cNvSpPr>
+            <a:spLocks noGrp="1"/>
+          </p:cNvSpPr>
+          <p:nvPr>
+            <p:ph type="sldNum" sz="quarter" idx="12"/>
+          </p:nvPr>
+        </p:nvSpPr>
+        <p:spPr/>
+        <p:txBody>
+          <a:bodyPr/>
+          <a:lstStyle/>
+          <a:p>
+            <a:fld id="{7480E37F-6EFF-472E-8144-B9391FAC94FB}" type="slidenum">
+              <a:rPr lang="th-TH" smtClean="0"/>
+              <a:t>14</a:t>
+            </a:fld>
+            <a:endParaRPr lang="th-TH"/>
+          </a:p>
+        </p:txBody>
+      </p:sp>
+    </p:spTree>
+    <p:extLst>
+      <p:ext uri="{BB962C8B-B14F-4D97-AF65-F5344CB8AC3E}">
+        <p14:creationId xmlns:p14="http://schemas.microsoft.com/office/powerpoint/2010/main" val="155859030"/>
+      </p:ext>
+    </p:extLst>
+  </p:cSld>
+  <p:clrMapOvr>
+    <a:masterClrMapping/>
+  </p:clrMapOvr>
+</p:sld>
+</file>
+
+<file path=ppt/slides/slide15.xml><?xml version="1.0" encoding="utf-8"?>
+<p:sld xmlns:a="http://schemas.openxmlformats.org/drawingml/2006/main" xmlns:r="http://schemas.openxmlformats.org/officeDocument/2006/relationships" xmlns:p="http://schemas.openxmlformats.org/presentationml/2006/main">
+  <p:cSld>
+    <p:spTree>
+      <p:nvGrpSpPr>
+        <p:cNvPr id="1" name=""/>
+        <p:cNvGrpSpPr/>
+        <p:nvPr/>
+      </p:nvGrpSpPr>
+      <p:grpSpPr>
+        <a:xfrm>
+          <a:off x="0" y="0"/>
+          <a:ext cx="0" cy="0"/>
+          <a:chOff x="0" y="0"/>
+          <a:chExt cx="0" cy="0"/>
+        </a:xfrm>
+      </p:grpSpPr>
+      <p:sp>
+        <p:nvSpPr>
+          <p:cNvPr id="2" name="Title 1">
+            <a:extLst>
+              <a:ext uri="{FF2B5EF4-FFF2-40B4-BE49-F238E27FC236}">
+                <a16:creationId xmlns:a16="http://schemas.microsoft.com/office/drawing/2014/main" id="{A5455CD9-DDCE-4FB9-AA0E-FD4F1C41889C}"/>
+              </a:ext>
+            </a:extLst>
+          </p:cNvPr>
+          <p:cNvSpPr>
+            <a:spLocks noGrp="1"/>
+          </p:cNvSpPr>
+          <p:nvPr>
+            <p:ph type="title"/>
+          </p:nvPr>
+        </p:nvSpPr>
+        <p:spPr/>
+        <p:txBody>
+          <a:bodyPr/>
+          <a:lstStyle/>
+          <a:p>
+            <a:r>
+              <a:rPr lang="en-US" dirty="0"/>
+              <a:t>Minutely patient arrival rate in 2022, grouped by weekday name</a:t>
+            </a:r>
+            <a:endParaRPr lang="th-TH" dirty="0"/>
+          </a:p>
+        </p:txBody>
+      </p:sp>
+      <p:sp>
+        <p:nvSpPr>
+          <p:cNvPr id="4" name="Slide Number Placeholder 3">
+            <a:extLst>
+              <a:ext uri="{FF2B5EF4-FFF2-40B4-BE49-F238E27FC236}">
+                <a16:creationId xmlns:a16="http://schemas.microsoft.com/office/drawing/2014/main" id="{E748FF81-B6E2-4DD9-B1DC-EA2BA0674EA2}"/>
+              </a:ext>
+            </a:extLst>
+          </p:cNvPr>
+          <p:cNvSpPr>
+            <a:spLocks noGrp="1"/>
+          </p:cNvSpPr>
+          <p:nvPr>
+            <p:ph type="sldNum" sz="quarter" idx="12"/>
+          </p:nvPr>
+        </p:nvSpPr>
+        <p:spPr/>
+        <p:txBody>
+          <a:bodyPr/>
+          <a:lstStyle/>
+          <a:p>
+            <a:fld id="{7480E37F-6EFF-472E-8144-B9391FAC94FB}" type="slidenum">
+              <a:rPr lang="th-TH" smtClean="0"/>
+              <a:t>15</a:t>
+            </a:fld>
+            <a:endParaRPr lang="th-TH"/>
+          </a:p>
+        </p:txBody>
+      </p:sp>
+      <p:pic>
+        <p:nvPicPr>
+          <p:cNvPr id="8" name="Content Placeholder 7" descr="A graph of blue and orange lines&#10;&#10;Description automatically generated">
+            <a:extLst>
+              <a:ext uri="{FF2B5EF4-FFF2-40B4-BE49-F238E27FC236}">
+                <a16:creationId xmlns:a16="http://schemas.microsoft.com/office/drawing/2014/main" id="{2C591F6E-74AE-4229-B941-6F4CFA2D98F4}"/>
+              </a:ext>
+            </a:extLst>
+          </p:cNvPr>
+          <p:cNvPicPr>
+            <a:picLocks noGrp="1" noChangeAspect="1"/>
+          </p:cNvPicPr>
+          <p:nvPr>
+            <p:ph idx="1"/>
+          </p:nvPr>
+        </p:nvPicPr>
+        <p:blipFill>
+          <a:blip r:embed="rId2">
+            <a:extLst>
+              <a:ext uri="{28A0092B-C50C-407E-A947-70E740481C1C}">
+                <a14:useLocalDpi xmlns:a14="http://schemas.microsoft.com/office/drawing/2010/main" val="0"/>
+              </a:ext>
+            </a:extLst>
+          </a:blip>
+          <a:stretch>
+            <a:fillRect/>
+          </a:stretch>
+        </p:blipFill>
+        <p:spPr>
+          <a:xfrm>
+            <a:off x="1621155" y="1687274"/>
+            <a:ext cx="8949691" cy="5034201"/>
+          </a:xfrm>
+        </p:spPr>
+      </p:pic>
+    </p:spTree>
+    <p:extLst>
+      <p:ext uri="{BB962C8B-B14F-4D97-AF65-F5344CB8AC3E}">
+        <p14:creationId xmlns:p14="http://schemas.microsoft.com/office/powerpoint/2010/main" val="3089581541"/>
+      </p:ext>
+    </p:extLst>
+  </p:cSld>
+  <p:clrMapOvr>
+    <a:masterClrMapping/>
+  </p:clrMapOvr>
+</p:sld>
+</file>
+
+<file path=ppt/slides/slide16.xml><?xml version="1.0" encoding="utf-8"?>
+<p:sld xmlns:a="http://schemas.openxmlformats.org/drawingml/2006/main" xmlns:r="http://schemas.openxmlformats.org/officeDocument/2006/relationships" xmlns:p="http://schemas.openxmlformats.org/presentationml/2006/main">
+  <p:cSld>
+    <p:spTree>
+      <p:nvGrpSpPr>
+        <p:cNvPr id="1" name=""/>
+        <p:cNvGrpSpPr/>
+        <p:nvPr/>
+      </p:nvGrpSpPr>
+      <p:grpSpPr>
+        <a:xfrm>
+          <a:off x="0" y="0"/>
+          <a:ext cx="0" cy="0"/>
+          <a:chOff x="0" y="0"/>
+          <a:chExt cx="0" cy="0"/>
+        </a:xfrm>
+      </p:grpSpPr>
+      <p:sp>
+        <p:nvSpPr>
+          <p:cNvPr id="2" name="Title 1">
+            <a:extLst>
+              <a:ext uri="{FF2B5EF4-FFF2-40B4-BE49-F238E27FC236}">
+                <a16:creationId xmlns:a16="http://schemas.microsoft.com/office/drawing/2014/main" id="{A5455CD9-DDCE-4FB9-AA0E-FD4F1C41889C}"/>
+              </a:ext>
+            </a:extLst>
+          </p:cNvPr>
+          <p:cNvSpPr>
+            <a:spLocks noGrp="1"/>
+          </p:cNvSpPr>
+          <p:nvPr>
+            <p:ph type="title"/>
+          </p:nvPr>
+        </p:nvSpPr>
+        <p:spPr/>
+        <p:txBody>
+          <a:bodyPr/>
+          <a:lstStyle/>
+          <a:p>
+            <a:r>
+              <a:rPr lang="en-US" dirty="0"/>
+              <a:t>Hourly patient arrival rate in 2022, grouped by weekday name</a:t>
+            </a:r>
+            <a:endParaRPr lang="th-TH" dirty="0"/>
+          </a:p>
+        </p:txBody>
+      </p:sp>
+      <p:sp>
+        <p:nvSpPr>
+          <p:cNvPr id="4" name="Slide Number Placeholder 3">
+            <a:extLst>
+              <a:ext uri="{FF2B5EF4-FFF2-40B4-BE49-F238E27FC236}">
+                <a16:creationId xmlns:a16="http://schemas.microsoft.com/office/drawing/2014/main" id="{E748FF81-B6E2-4DD9-B1DC-EA2BA0674EA2}"/>
+              </a:ext>
+            </a:extLst>
+          </p:cNvPr>
+          <p:cNvSpPr>
+            <a:spLocks noGrp="1"/>
+          </p:cNvSpPr>
+          <p:nvPr>
+            <p:ph type="sldNum" sz="quarter" idx="12"/>
+          </p:nvPr>
+        </p:nvSpPr>
+        <p:spPr/>
+        <p:txBody>
+          <a:bodyPr/>
+          <a:lstStyle/>
+          <a:p>
+            <a:fld id="{7480E37F-6EFF-472E-8144-B9391FAC94FB}" type="slidenum">
+              <a:rPr lang="th-TH" smtClean="0"/>
+              <a:t>16</a:t>
+            </a:fld>
+            <a:endParaRPr lang="th-TH"/>
+          </a:p>
+        </p:txBody>
+      </p:sp>
+      <p:pic>
+        <p:nvPicPr>
+          <p:cNvPr id="7" name="Content Placeholder 6">
+            <a:extLst>
+              <a:ext uri="{FF2B5EF4-FFF2-40B4-BE49-F238E27FC236}">
+                <a16:creationId xmlns:a16="http://schemas.microsoft.com/office/drawing/2014/main" id="{3814D3BD-B464-44FE-9C21-8DA5278A29DB}"/>
+              </a:ext>
+            </a:extLst>
+          </p:cNvPr>
+          <p:cNvPicPr>
+            <a:picLocks noGrp="1" noChangeAspect="1"/>
+          </p:cNvPicPr>
+          <p:nvPr>
+            <p:ph idx="1"/>
+          </p:nvPr>
+        </p:nvPicPr>
+        <p:blipFill>
+          <a:blip r:embed="rId2">
+            <a:extLst>
+              <a:ext uri="{28A0092B-C50C-407E-A947-70E740481C1C}">
+                <a14:useLocalDpi xmlns:a14="http://schemas.microsoft.com/office/drawing/2010/main" val="0"/>
+              </a:ext>
+            </a:extLst>
+          </a:blip>
+          <a:stretch>
+            <a:fillRect/>
+          </a:stretch>
+        </p:blipFill>
+        <p:spPr>
+          <a:xfrm>
+            <a:off x="1948745" y="1690688"/>
+            <a:ext cx="8294510" cy="4665662"/>
+          </a:xfrm>
+        </p:spPr>
+      </p:pic>
+    </p:spTree>
+    <p:extLst>
+      <p:ext uri="{BB962C8B-B14F-4D97-AF65-F5344CB8AC3E}">
+        <p14:creationId xmlns:p14="http://schemas.microsoft.com/office/powerpoint/2010/main" val="1140805420"/>
+      </p:ext>
+    </p:extLst>
+  </p:cSld>
+  <p:clrMapOvr>
+    <a:masterClrMapping/>
+  </p:clrMapOvr>
+</p:sld>
+</file>
+
+<file path=ppt/slides/slide17.xml><?xml version="1.0" encoding="utf-8"?>
 <p:sld xmlns:a="http://schemas.openxmlformats.org/drawingml/2006/main" xmlns:r="http://schemas.openxmlformats.org/officeDocument/2006/relationships" xmlns:p="http://schemas.openxmlformats.org/presentationml/2006/main">
   <p:cSld>
     <p:spTree>
@@ -10146,36 +10978,28 @@
           <a:p>
             <a:r>
               <a:rPr lang="en-US" dirty="0"/>
-              <a:t>Patients were able to get VN queue between 5am to 3pm.</a:t>
+              <a:t>Every patients must be started on OPD and sequentially visited through the last department without any deaths.</a:t>
             </a:r>
           </a:p>
           <a:p>
             <a:r>
               <a:rPr lang="en-US" dirty="0"/>
-              <a:t>OPD were started at 7am each day without any lunch or dining.</a:t>
+              <a:t>Every departments were visited only one time per VN, non any revisiting on the same VN.</a:t>
             </a:r>
           </a:p>
           <a:p>
             <a:r>
               <a:rPr lang="en-US" dirty="0"/>
-              <a:t>Other departments were 24/7 standby.</a:t>
+              <a:t>Some unnecessary departments may be skipped, as the case may be</a:t>
             </a:r>
           </a:p>
           <a:p>
             <a:r>
               <a:rPr lang="en-US" dirty="0"/>
-              <a:t>Distance between departments were insignificantly affected overall process time.</a:t>
+              <a:t>Average minutely interarrival time may be difference on working day and weekend.</a:t>
             </a:r>
           </a:p>
           <a:p>
-            <a:r>
-              <a:rPr lang="en-US" dirty="0"/>
-              <a:t>Any workers in the same department were equal </a:t>
-            </a:r>
-            <a:r>
-              <a:rPr lang="en-US"/>
-              <a:t>on performance.</a:t>
-            </a:r>
             <a:endParaRPr lang="th-TH" dirty="0"/>
           </a:p>
         </p:txBody>
@@ -10203,7 +11027,7 @@
           <a:p>
             <a:fld id="{7480E37F-6EFF-472E-8144-B9391FAC94FB}" type="slidenum">
               <a:rPr lang="th-TH" smtClean="0"/>
-              <a:t>11</a:t>
+              <a:t>17</a:t>
             </a:fld>
             <a:endParaRPr lang="th-TH"/>
           </a:p>
@@ -10212,7 +11036,7 @@
     </p:spTree>
     <p:extLst>
       <p:ext uri="{BB962C8B-B14F-4D97-AF65-F5344CB8AC3E}">
-        <p14:creationId xmlns:p14="http://schemas.microsoft.com/office/powerpoint/2010/main" val="2106664431"/>
+        <p14:creationId xmlns:p14="http://schemas.microsoft.com/office/powerpoint/2010/main" val="2017628106"/>
       </p:ext>
     </p:extLst>
   </p:cSld>
@@ -10222,7 +11046,7 @@
 </p:sld>
 </file>
 
-<file path=ppt/slides/slide12.xml><?xml version="1.0" encoding="utf-8"?>
+<file path=ppt/slides/slide18.xml><?xml version="1.0" encoding="utf-8"?>
 <p:sld xmlns:a="http://schemas.openxmlformats.org/drawingml/2006/main" xmlns:r="http://schemas.openxmlformats.org/officeDocument/2006/relationships" xmlns:p="http://schemas.openxmlformats.org/presentationml/2006/main">
   <p:cSld>
     <p:spTree>
@@ -10262,7 +11086,7 @@
           <a:p>
             <a:r>
               <a:rPr lang="en-US" dirty="0"/>
-              <a:t>DES parameter initialization</a:t>
+              <a:t>DES Assumptions</a:t>
             </a:r>
             <a:endParaRPr lang="th-TH" dirty="0"/>
           </a:p>
@@ -10291,7 +11115,35 @@
           <a:p>
             <a:r>
               <a:rPr lang="en-US" dirty="0"/>
-              <a:t>Parameter initialization</a:t>
+              <a:t>Patients were able to get VN queue between 5am to 3pm.</a:t>
+            </a:r>
+          </a:p>
+          <a:p>
+            <a:r>
+              <a:rPr lang="en-US" dirty="0"/>
+              <a:t>OPD were started at 7am each day without any lunch or dining.</a:t>
+            </a:r>
+          </a:p>
+          <a:p>
+            <a:r>
+              <a:rPr lang="en-US" dirty="0"/>
+              <a:t>Other departments were 24/7 standby.</a:t>
+            </a:r>
+          </a:p>
+          <a:p>
+            <a:r>
+              <a:rPr lang="en-US" dirty="0"/>
+              <a:t>Distance between departments were insignificantly affected overall process time.</a:t>
+            </a:r>
+          </a:p>
+          <a:p>
+            <a:r>
+              <a:rPr lang="en-US" dirty="0"/>
+              <a:t>Any workers in the same department were equal </a:t>
+            </a:r>
+            <a:r>
+              <a:rPr lang="en-US"/>
+              <a:t>on performance.</a:t>
             </a:r>
             <a:endParaRPr lang="th-TH" dirty="0"/>
           </a:p>
@@ -10302,7 +11154,7 @@
           <p:cNvPr id="4" name="Slide Number Placeholder 3">
             <a:extLst>
               <a:ext uri="{FF2B5EF4-FFF2-40B4-BE49-F238E27FC236}">
-                <a16:creationId xmlns:a16="http://schemas.microsoft.com/office/drawing/2014/main" id="{E5635828-97ED-41F3-B51B-0D5CDAA8C1B5}"/>
+                <a16:creationId xmlns:a16="http://schemas.microsoft.com/office/drawing/2014/main" id="{61FD88DE-43DA-4557-A185-E90F24D3160F}"/>
               </a:ext>
             </a:extLst>
           </p:cNvPr>
@@ -10320,7 +11172,7 @@
           <a:p>
             <a:fld id="{7480E37F-6EFF-472E-8144-B9391FAC94FB}" type="slidenum">
               <a:rPr lang="th-TH" smtClean="0"/>
-              <a:t>12</a:t>
+              <a:t>18</a:t>
             </a:fld>
             <a:endParaRPr lang="th-TH"/>
           </a:p>
@@ -10329,7 +11181,7 @@
     </p:spTree>
     <p:extLst>
       <p:ext uri="{BB962C8B-B14F-4D97-AF65-F5344CB8AC3E}">
-        <p14:creationId xmlns:p14="http://schemas.microsoft.com/office/powerpoint/2010/main" val="179235535"/>
+        <p14:creationId xmlns:p14="http://schemas.microsoft.com/office/powerpoint/2010/main" val="2106664431"/>
       </p:ext>
     </p:extLst>
   </p:cSld>
@@ -10339,7 +11191,7 @@
 </p:sld>
 </file>
 
-<file path=ppt/slides/slide13.xml><?xml version="1.0" encoding="utf-8"?>
+<file path=ppt/slides/slide19.xml><?xml version="1.0" encoding="utf-8"?>
 <p:sld xmlns:a="http://schemas.openxmlformats.org/drawingml/2006/main" xmlns:r="http://schemas.openxmlformats.org/officeDocument/2006/relationships" xmlns:p="http://schemas.openxmlformats.org/presentationml/2006/main">
   <p:cSld>
     <p:spTree>
@@ -10361,7 +11213,7 @@
           <p:cNvPr id="2" name="Title 1">
             <a:extLst>
               <a:ext uri="{FF2B5EF4-FFF2-40B4-BE49-F238E27FC236}">
-                <a16:creationId xmlns:a16="http://schemas.microsoft.com/office/drawing/2014/main" id="{3DC4EB1D-826C-4EE5-AE53-363E919460B8}"/>
+                <a16:creationId xmlns:a16="http://schemas.microsoft.com/office/drawing/2014/main" id="{3D65D1A6-E5C4-4E43-A4C0-A9FD06633B3F}"/>
               </a:ext>
             </a:extLst>
           </p:cNvPr>
@@ -10379,43 +11231,1289 @@
           <a:p>
             <a:r>
               <a:rPr lang="en-US" dirty="0"/>
-              <a:t>Strategy Designs</a:t>
+              <a:t>DES parameter initialization</a:t>
             </a:r>
             <a:endParaRPr lang="th-TH" dirty="0"/>
           </a:p>
         </p:txBody>
       </p:sp>
-      <p:sp>
-        <p:nvSpPr>
-          <p:cNvPr id="3" name="Content Placeholder 2">
-            <a:extLst>
-              <a:ext uri="{FF2B5EF4-FFF2-40B4-BE49-F238E27FC236}">
-                <a16:creationId xmlns:a16="http://schemas.microsoft.com/office/drawing/2014/main" id="{29A5AD1E-7AAF-4236-8CAF-48E92146FFB0}"/>
-              </a:ext>
-            </a:extLst>
-          </p:cNvPr>
-          <p:cNvSpPr>
-            <a:spLocks noGrp="1"/>
-          </p:cNvSpPr>
-          <p:nvPr>
-            <p:ph idx="1"/>
-          </p:nvPr>
-        </p:nvSpPr>
-        <p:spPr/>
-        <p:txBody>
-          <a:bodyPr/>
-          <a:lstStyle/>
-          <a:p>
-            <a:endParaRPr lang="th-TH"/>
-          </a:p>
-        </p:txBody>
-      </p:sp>
+      <mc:AlternateContent xmlns:mc="http://schemas.openxmlformats.org/markup-compatibility/2006">
+        <mc:Choice xmlns:a14="http://schemas.microsoft.com/office/drawing/2010/main" Requires="a14">
+          <p:graphicFrame>
+            <p:nvGraphicFramePr>
+              <p:cNvPr id="5" name="Table 5">
+                <a:extLst>
+                  <a:ext uri="{FF2B5EF4-FFF2-40B4-BE49-F238E27FC236}">
+                    <a16:creationId xmlns:a16="http://schemas.microsoft.com/office/drawing/2014/main" id="{9133FF32-AF79-43C5-839A-1C3DEE1EAB90}"/>
+                  </a:ext>
+                </a:extLst>
+              </p:cNvPr>
+              <p:cNvGraphicFramePr>
+                <a:graphicFrameLocks noGrp="1"/>
+              </p:cNvGraphicFramePr>
+              <p:nvPr>
+                <p:ph idx="1"/>
+                <p:extLst>
+                  <p:ext uri="{D42A27DB-BD31-4B8C-83A1-F6EECF244321}">
+                    <p14:modId xmlns:p14="http://schemas.microsoft.com/office/powerpoint/2010/main" val="3278792014"/>
+                  </p:ext>
+                </p:extLst>
+              </p:nvPr>
+            </p:nvGraphicFramePr>
+            <p:xfrm>
+              <a:off x="838200" y="1825625"/>
+              <a:ext cx="10515596" cy="4448176"/>
+            </p:xfrm>
+            <a:graphic>
+              <a:graphicData uri="http://schemas.openxmlformats.org/drawingml/2006/table">
+                <a:tbl>
+                  <a:tblPr firstRow="1" bandRow="1">
+                    <a:tableStyleId>{5C22544A-7EE6-4342-B048-85BDC9FD1C3A}</a:tableStyleId>
+                  </a:tblPr>
+                  <a:tblGrid>
+                    <a:gridCol w="2628899">
+                      <a:extLst>
+                        <a:ext uri="{9D8B030D-6E8A-4147-A177-3AD203B41FA5}">
+                          <a16:colId xmlns:a16="http://schemas.microsoft.com/office/drawing/2014/main" val="3485038471"/>
+                        </a:ext>
+                      </a:extLst>
+                    </a:gridCol>
+                    <a:gridCol w="1790701">
+                      <a:extLst>
+                        <a:ext uri="{9D8B030D-6E8A-4147-A177-3AD203B41FA5}">
+                          <a16:colId xmlns:a16="http://schemas.microsoft.com/office/drawing/2014/main" val="3826957963"/>
+                        </a:ext>
+                      </a:extLst>
+                    </a:gridCol>
+                    <a:gridCol w="3467097">
+                      <a:extLst>
+                        <a:ext uri="{9D8B030D-6E8A-4147-A177-3AD203B41FA5}">
+                          <a16:colId xmlns:a16="http://schemas.microsoft.com/office/drawing/2014/main" val="2651300033"/>
+                        </a:ext>
+                      </a:extLst>
+                    </a:gridCol>
+                    <a:gridCol w="2628899">
+                      <a:extLst>
+                        <a:ext uri="{9D8B030D-6E8A-4147-A177-3AD203B41FA5}">
+                          <a16:colId xmlns:a16="http://schemas.microsoft.com/office/drawing/2014/main" val="3746924660"/>
+                        </a:ext>
+                      </a:extLst>
+                    </a:gridCol>
+                  </a:tblGrid>
+                  <a:tr h="370840">
+                    <a:tc>
+                      <a:txBody>
+                        <a:bodyPr/>
+                        <a:lstStyle/>
+                        <a:p>
+                          <a:r>
+                            <a:rPr lang="en-US" sz="2000" dirty="0"/>
+                            <a:t>Parameters</a:t>
+                          </a:r>
+                          <a:endParaRPr lang="th-TH" sz="2000" dirty="0"/>
+                        </a:p>
+                      </a:txBody>
+                      <a:tcPr/>
+                    </a:tc>
+                    <a:tc>
+                      <a:txBody>
+                        <a:bodyPr/>
+                        <a:lstStyle/>
+                        <a:p>
+                          <a:r>
+                            <a:rPr lang="en-US" sz="2000" dirty="0"/>
+                            <a:t>Initialization</a:t>
+                          </a:r>
+                          <a:endParaRPr lang="th-TH" sz="2000" dirty="0"/>
+                        </a:p>
+                      </a:txBody>
+                      <a:tcPr/>
+                    </a:tc>
+                    <a:tc>
+                      <a:txBody>
+                        <a:bodyPr/>
+                        <a:lstStyle/>
+                        <a:p>
+                          <a:r>
+                            <a:rPr lang="en-US" sz="2000" dirty="0"/>
+                            <a:t>Distribution</a:t>
+                          </a:r>
+                          <a:endParaRPr lang="th-TH" sz="2000" dirty="0"/>
+                        </a:p>
+                      </a:txBody>
+                      <a:tcPr/>
+                    </a:tc>
+                    <a:tc>
+                      <a:txBody>
+                        <a:bodyPr/>
+                        <a:lstStyle/>
+                        <a:p>
+                          <a:r>
+                            <a:rPr lang="en-US" sz="2000" dirty="0"/>
+                            <a:t>References</a:t>
+                          </a:r>
+                          <a:endParaRPr lang="th-TH" sz="2000" dirty="0"/>
+                        </a:p>
+                      </a:txBody>
+                      <a:tcPr/>
+                    </a:tc>
+                    <a:extLst>
+                      <a:ext uri="{0D108BD9-81ED-4DB2-BD59-A6C34878D82A}">
+                        <a16:rowId xmlns:a16="http://schemas.microsoft.com/office/drawing/2014/main" val="3363304978"/>
+                      </a:ext>
+                    </a:extLst>
+                  </a:tr>
+                  <a:tr h="370840">
+                    <a:tc>
+                      <a:txBody>
+                        <a:bodyPr/>
+                        <a:lstStyle/>
+                        <a:p>
+                          <a:r>
+                            <a:rPr lang="en-US" sz="2000" dirty="0" err="1"/>
+                            <a:t>Random_patient</a:t>
+                          </a:r>
+                          <a:endParaRPr lang="th-TH" sz="2000" dirty="0"/>
+                        </a:p>
+                      </a:txBody>
+                      <a:tcPr/>
+                    </a:tc>
+                    <a:tc>
+                      <a:txBody>
+                        <a:bodyPr/>
+                        <a:lstStyle/>
+                        <a:p>
+                          <a:r>
+                            <a:rPr lang="en-US" sz="2000" dirty="0"/>
+                            <a:t>Random</a:t>
+                          </a:r>
+                          <a:endParaRPr lang="th-TH" sz="2000" dirty="0"/>
+                        </a:p>
+                      </a:txBody>
+                      <a:tcPr/>
+                    </a:tc>
+                    <a:tc>
+                      <a:txBody>
+                        <a:bodyPr/>
+                        <a:lstStyle/>
+                        <a:p>
+                          <a:r>
+                            <a:rPr lang="en-US" sz="2000" dirty="0"/>
+                            <a:t>P(x=True)=0.71</a:t>
+                          </a:r>
+                          <a:endParaRPr lang="th-TH" sz="2000" dirty="0"/>
+                        </a:p>
+                      </a:txBody>
+                      <a:tcPr/>
+                    </a:tc>
+                    <a:tc>
+                      <a:txBody>
+                        <a:bodyPr/>
+                        <a:lstStyle/>
+                        <a:p>
+                          <a:r>
+                            <a:rPr lang="en-US" sz="2000" dirty="0"/>
+                            <a:t>OPD_HEADER+OPD_DIAG</a:t>
+                          </a:r>
+                          <a:endParaRPr lang="th-TH" sz="2000" dirty="0"/>
+                        </a:p>
+                      </a:txBody>
+                      <a:tcPr/>
+                    </a:tc>
+                    <a:extLst>
+                      <a:ext uri="{0D108BD9-81ED-4DB2-BD59-A6C34878D82A}">
+                        <a16:rowId xmlns:a16="http://schemas.microsoft.com/office/drawing/2014/main" val="2924943951"/>
+                      </a:ext>
+                    </a:extLst>
+                  </a:tr>
+                  <a:tr h="370840">
+                    <a:tc>
+                      <a:txBody>
+                        <a:bodyPr/>
+                        <a:lstStyle/>
+                        <a:p>
+                          <a:r>
+                            <a:rPr lang="en-US" sz="2000" dirty="0"/>
+                            <a:t>Patient interarrival time</a:t>
+                          </a:r>
+                          <a:endParaRPr lang="th-TH" sz="2000" dirty="0"/>
+                        </a:p>
+                      </a:txBody>
+                      <a:tcPr/>
+                    </a:tc>
+                    <a:tc>
+                      <a:txBody>
+                        <a:bodyPr/>
+                        <a:lstStyle/>
+                        <a:p>
+                          <a:r>
+                            <a:rPr lang="en-US" sz="2000" dirty="0"/>
+                            <a:t>Random</a:t>
+                          </a:r>
+                          <a:endParaRPr lang="th-TH" sz="2000" dirty="0"/>
+                        </a:p>
+                      </a:txBody>
+                      <a:tcPr/>
+                    </a:tc>
+                    <a:tc>
+                      <a:txBody>
+                        <a:bodyPr/>
+                        <a:lstStyle/>
+                        <a:p>
+                          <a14:m>
+                            <m:oMathPara xmlns:m="http://schemas.openxmlformats.org/officeDocument/2006/math">
+                              <m:oMathParaPr>
+                                <m:jc m:val="centerGroup"/>
+                              </m:oMathParaPr>
+                              <m:oMath xmlns:m="http://schemas.openxmlformats.org/officeDocument/2006/math">
+                                <m:func>
+                                  <m:funcPr>
+                                    <m:ctrlPr>
+                                      <a:rPr lang="en-US" sz="2000" b="0" i="1" smtClean="0">
+                                        <a:latin typeface="Cambria Math" panose="02040503050406030204" pitchFamily="18" charset="0"/>
+                                      </a:rPr>
+                                    </m:ctrlPr>
+                                  </m:funcPr>
+                                  <m:fName>
+                                    <m:r>
+                                      <m:rPr>
+                                        <m:sty m:val="p"/>
+                                      </m:rPr>
+                                      <a:rPr lang="en-US" sz="2000" b="0" i="0" smtClean="0">
+                                        <a:latin typeface="Cambria Math" panose="02040503050406030204" pitchFamily="18" charset="0"/>
+                                      </a:rPr>
+                                      <m:t>exp</m:t>
+                                    </m:r>
+                                  </m:fName>
+                                  <m:e>
+                                    <m:d>
+                                      <m:dPr>
+                                        <m:ctrlPr>
+                                          <a:rPr lang="en-US" sz="2000" b="0" i="1" smtClean="0">
+                                            <a:latin typeface="Cambria Math" panose="02040503050406030204" pitchFamily="18" charset="0"/>
+                                          </a:rPr>
+                                        </m:ctrlPr>
+                                      </m:dPr>
+                                      <m:e>
+                                        <m:r>
+                                          <a:rPr lang="en-US" sz="2000" b="0" i="1" smtClean="0">
+                                            <a:latin typeface="Cambria Math" panose="02040503050406030204" pitchFamily="18" charset="0"/>
+                                          </a:rPr>
+                                          <m:t>𝜆</m:t>
+                                        </m:r>
+                                        <m:sSub>
+                                          <m:sSubPr>
+                                            <m:ctrlPr>
+                                              <a:rPr lang="en-US" sz="2000" b="0" i="1" smtClean="0">
+                                                <a:latin typeface="Cambria Math" panose="02040503050406030204" pitchFamily="18" charset="0"/>
+                                              </a:rPr>
+                                            </m:ctrlPr>
+                                          </m:sSubPr>
+                                          <m:e>
+                                            <m:d>
+                                              <m:dPr>
+                                                <m:begChr m:val=""/>
+                                                <m:endChr m:val="|"/>
+                                                <m:ctrlPr>
+                                                  <a:rPr lang="en-US" sz="2000" b="0" i="1" smtClean="0">
+                                                    <a:latin typeface="Cambria Math" panose="02040503050406030204" pitchFamily="18" charset="0"/>
+                                                  </a:rPr>
+                                                </m:ctrlPr>
+                                              </m:dPr>
+                                              <m:e>
+                                                <m:r>
+                                                  <a:rPr lang="en-US" sz="2000" b="0" i="1" smtClean="0">
+                                                    <a:latin typeface="Cambria Math" panose="02040503050406030204" pitchFamily="18" charset="0"/>
+                                                  </a:rPr>
+                                                  <m:t>​</m:t>
+                                                </m:r>
+                                              </m:e>
+                                            </m:d>
+                                          </m:e>
+                                          <m:sub>
+                                            <m:r>
+                                              <a:rPr lang="en-US" sz="2000" b="0" i="1" smtClean="0">
+                                                <a:latin typeface="Cambria Math" panose="02040503050406030204" pitchFamily="18" charset="0"/>
+                                              </a:rPr>
+                                              <m:t>𝑡𝑖𝑚𝑒</m:t>
+                                            </m:r>
+                                            <m:r>
+                                              <a:rPr lang="en-US" sz="2000" b="0" i="1" smtClean="0">
+                                                <a:latin typeface="Cambria Math" panose="02040503050406030204" pitchFamily="18" charset="0"/>
+                                              </a:rPr>
+                                              <m:t>=</m:t>
+                                            </m:r>
+                                            <m:r>
+                                              <a:rPr lang="en-US" sz="2000" b="0" i="1" smtClean="0">
+                                                <a:latin typeface="Cambria Math" panose="02040503050406030204" pitchFamily="18" charset="0"/>
+                                              </a:rPr>
+                                              <m:t>𝑡</m:t>
+                                            </m:r>
+                                            <m:r>
+                                              <a:rPr lang="en-US" sz="2000" b="0" i="1" smtClean="0">
+                                                <a:latin typeface="Cambria Math" panose="02040503050406030204" pitchFamily="18" charset="0"/>
+                                              </a:rPr>
+                                              <m:t>,</m:t>
+                                            </m:r>
+                                            <m:r>
+                                              <a:rPr lang="en-US" sz="2000" b="0" i="1" smtClean="0">
+                                                <a:latin typeface="Cambria Math" panose="02040503050406030204" pitchFamily="18" charset="0"/>
+                                              </a:rPr>
+                                              <m:t>𝑑𝑎𝑦𝑛𝑎𝑚𝑒</m:t>
+                                            </m:r>
+                                            <m:r>
+                                              <a:rPr lang="en-US" sz="2000" b="0" i="1" smtClean="0">
+                                                <a:latin typeface="Cambria Math" panose="02040503050406030204" pitchFamily="18" charset="0"/>
+                                              </a:rPr>
+                                              <m:t>=</m:t>
+                                            </m:r>
+                                            <m:r>
+                                              <a:rPr lang="en-US" sz="2000" b="0" i="1" smtClean="0">
+                                                <a:latin typeface="Cambria Math" panose="02040503050406030204" pitchFamily="18" charset="0"/>
+                                              </a:rPr>
+                                              <m:t>𝑑</m:t>
+                                            </m:r>
+                                          </m:sub>
+                                        </m:sSub>
+                                      </m:e>
+                                    </m:d>
+                                  </m:e>
+                                </m:func>
+                              </m:oMath>
+                            </m:oMathPara>
+                          </a14:m>
+                          <a:endParaRPr lang="th-TH" sz="2000" dirty="0"/>
+                        </a:p>
+                      </a:txBody>
+                      <a:tcPr/>
+                    </a:tc>
+                    <a:tc>
+                      <a:txBody>
+                        <a:bodyPr/>
+                        <a:lstStyle/>
+                        <a:p>
+                          <a:r>
+                            <a:rPr lang="en-US" sz="2000" dirty="0"/>
+                            <a:t>OPD_HEADER+OPD_DIAG</a:t>
+                          </a:r>
+                          <a:endParaRPr lang="th-TH" sz="2000" dirty="0"/>
+                        </a:p>
+                      </a:txBody>
+                      <a:tcPr/>
+                    </a:tc>
+                    <a:extLst>
+                      <a:ext uri="{0D108BD9-81ED-4DB2-BD59-A6C34878D82A}">
+                        <a16:rowId xmlns:a16="http://schemas.microsoft.com/office/drawing/2014/main" val="1760593540"/>
+                      </a:ext>
+                    </a:extLst>
+                  </a:tr>
+                  <a:tr h="370840">
+                    <a:tc>
+                      <a:txBody>
+                        <a:bodyPr/>
+                        <a:lstStyle/>
+                        <a:p>
+                          <a:r>
+                            <a:rPr lang="en-US" sz="2000" dirty="0" err="1"/>
+                            <a:t>Num_opd_counter</a:t>
+                          </a:r>
+                          <a:endParaRPr lang="th-TH" sz="2000" dirty="0"/>
+                        </a:p>
+                      </a:txBody>
+                      <a:tcPr/>
+                    </a:tc>
+                    <a:tc>
+                      <a:txBody>
+                        <a:bodyPr/>
+                        <a:lstStyle/>
+                        <a:p>
+                          <a:r>
+                            <a:rPr lang="en-US" sz="2000" dirty="0"/>
+                            <a:t>Constant</a:t>
+                          </a:r>
+                          <a:endParaRPr lang="th-TH" sz="2000" dirty="0"/>
+                        </a:p>
+                      </a:txBody>
+                      <a:tcPr/>
+                    </a:tc>
+                    <a:tc>
+                      <a:txBody>
+                        <a:bodyPr/>
+                        <a:lstStyle/>
+                        <a:p>
+                          <a:r>
+                            <a:rPr lang="en-US" sz="2000" dirty="0"/>
+                            <a:t>30</a:t>
+                          </a:r>
+                          <a:endParaRPr lang="th-TH" sz="2000" dirty="0"/>
+                        </a:p>
+                      </a:txBody>
+                      <a:tcPr/>
+                    </a:tc>
+                    <a:tc>
+                      <a:txBody>
+                        <a:bodyPr/>
+                        <a:lstStyle/>
+                        <a:p>
+                          <a:r>
+                            <a:rPr lang="en-US" sz="2000" dirty="0"/>
+                            <a:t>Manually Defined</a:t>
+                          </a:r>
+                          <a:endParaRPr lang="th-TH" sz="2000" dirty="0"/>
+                        </a:p>
+                      </a:txBody>
+                      <a:tcPr/>
+                    </a:tc>
+                    <a:extLst>
+                      <a:ext uri="{0D108BD9-81ED-4DB2-BD59-A6C34878D82A}">
+                        <a16:rowId xmlns:a16="http://schemas.microsoft.com/office/drawing/2014/main" val="2748143210"/>
+                      </a:ext>
+                    </a:extLst>
+                  </a:tr>
+                  <a:tr h="370840">
+                    <a:tc>
+                      <a:txBody>
+                        <a:bodyPr/>
+                        <a:lstStyle/>
+                        <a:p>
+                          <a:r>
+                            <a:rPr lang="en-US" sz="2000" dirty="0" err="1"/>
+                            <a:t>Sampled_opd_time_usage</a:t>
+                          </a:r>
+                          <a:endParaRPr lang="th-TH" sz="2000" dirty="0"/>
+                        </a:p>
+                      </a:txBody>
+                      <a:tcPr/>
+                    </a:tc>
+                    <a:tc>
+                      <a:txBody>
+                        <a:bodyPr/>
+                        <a:lstStyle/>
+                        <a:p>
+                          <a:r>
+                            <a:rPr lang="en-US" sz="2000" dirty="0"/>
+                            <a:t>Random</a:t>
+                          </a:r>
+                          <a:endParaRPr lang="th-TH" sz="2000" dirty="0"/>
+                        </a:p>
+                      </a:txBody>
+                      <a:tcPr/>
+                    </a:tc>
+                    <a:tc>
+                      <a:txBody>
+                        <a:bodyPr/>
+                        <a:lstStyle/>
+                        <a:p>
+                          <a14:m>
+                            <m:oMathPara xmlns:m="http://schemas.openxmlformats.org/officeDocument/2006/math">
+                              <m:oMathParaPr>
+                                <m:jc m:val="centerGroup"/>
+                              </m:oMathParaPr>
+                              <m:oMath xmlns:m="http://schemas.openxmlformats.org/officeDocument/2006/math">
+                                <m:func>
+                                  <m:funcPr>
+                                    <m:ctrlPr>
+                                      <a:rPr lang="en-US" sz="2000" b="0" i="1" smtClean="0">
+                                        <a:latin typeface="Cambria Math" panose="02040503050406030204" pitchFamily="18" charset="0"/>
+                                      </a:rPr>
+                                    </m:ctrlPr>
+                                  </m:funcPr>
+                                  <m:fName>
+                                    <m:r>
+                                      <m:rPr>
+                                        <m:sty m:val="p"/>
+                                      </m:rPr>
+                                      <a:rPr lang="en-US" sz="2000" b="0" i="0" smtClean="0">
+                                        <a:latin typeface="Cambria Math" panose="02040503050406030204" pitchFamily="18" charset="0"/>
+                                      </a:rPr>
+                                      <m:t>exp</m:t>
+                                    </m:r>
+                                  </m:fName>
+                                  <m:e>
+                                    <m:d>
+                                      <m:dPr>
+                                        <m:ctrlPr>
+                                          <a:rPr lang="en-US" sz="2000" b="0" i="1" smtClean="0">
+                                            <a:latin typeface="Cambria Math" panose="02040503050406030204" pitchFamily="18" charset="0"/>
+                                          </a:rPr>
+                                        </m:ctrlPr>
+                                      </m:dPr>
+                                      <m:e>
+                                        <m:f>
+                                          <m:fPr>
+                                            <m:ctrlPr>
+                                              <a:rPr lang="en-US" sz="2000" b="0" i="1" smtClean="0">
+                                                <a:latin typeface="Cambria Math" panose="02040503050406030204" pitchFamily="18" charset="0"/>
+                                              </a:rPr>
+                                            </m:ctrlPr>
+                                          </m:fPr>
+                                          <m:num>
+                                            <m:r>
+                                              <a:rPr lang="en-US" sz="2000" b="0" i="1" smtClean="0">
+                                                <a:latin typeface="Cambria Math" panose="02040503050406030204" pitchFamily="18" charset="0"/>
+                                              </a:rPr>
+                                              <m:t>1</m:t>
+                                            </m:r>
+                                          </m:num>
+                                          <m:den>
+                                            <m:r>
+                                              <a:rPr lang="en-US" sz="2000" b="0" i="1" smtClean="0">
+                                                <a:latin typeface="Cambria Math" panose="02040503050406030204" pitchFamily="18" charset="0"/>
+                                              </a:rPr>
+                                              <m:t>10</m:t>
+                                            </m:r>
+                                          </m:den>
+                                        </m:f>
+                                      </m:e>
+                                    </m:d>
+                                  </m:e>
+                                </m:func>
+                              </m:oMath>
+                            </m:oMathPara>
+                          </a14:m>
+                          <a:endParaRPr lang="th-TH" sz="2000" dirty="0"/>
+                        </a:p>
+                      </a:txBody>
+                      <a:tcPr/>
+                    </a:tc>
+                    <a:tc>
+                      <a:txBody>
+                        <a:bodyPr/>
+                        <a:lstStyle/>
+                        <a:p>
+                          <a:r>
+                            <a:rPr lang="en-US" sz="2000" dirty="0"/>
+                            <a:t>Manually Defined</a:t>
+                          </a:r>
+                          <a:endParaRPr lang="th-TH" sz="2000" dirty="0"/>
+                        </a:p>
+                      </a:txBody>
+                      <a:tcPr/>
+                    </a:tc>
+                    <a:extLst>
+                      <a:ext uri="{0D108BD9-81ED-4DB2-BD59-A6C34878D82A}">
+                        <a16:rowId xmlns:a16="http://schemas.microsoft.com/office/drawing/2014/main" val="3709655095"/>
+                      </a:ext>
+                    </a:extLst>
+                  </a:tr>
+                  <a:tr h="370840">
+                    <a:tc>
+                      <a:txBody>
+                        <a:bodyPr/>
+                        <a:lstStyle/>
+                        <a:p>
+                          <a:r>
+                            <a:rPr lang="en-US" sz="2000" dirty="0" err="1"/>
+                            <a:t>Num_laboratory_workstation</a:t>
+                          </a:r>
+                          <a:endParaRPr lang="th-TH" sz="2000" dirty="0"/>
+                        </a:p>
+                      </a:txBody>
+                      <a:tcPr/>
+                    </a:tc>
+                    <a:tc>
+                      <a:txBody>
+                        <a:bodyPr/>
+                        <a:lstStyle/>
+                        <a:p>
+                          <a:r>
+                            <a:rPr lang="en-US" sz="2000" dirty="0"/>
+                            <a:t>Constant</a:t>
+                          </a:r>
+                          <a:endParaRPr lang="th-TH" sz="2000" dirty="0"/>
+                        </a:p>
+                      </a:txBody>
+                      <a:tcPr/>
+                    </a:tc>
+                    <a:tc>
+                      <a:txBody>
+                        <a:bodyPr/>
+                        <a:lstStyle/>
+                        <a:p>
+                          <a:r>
+                            <a:rPr lang="en-US" sz="2000" dirty="0"/>
+                            <a:t>15</a:t>
+                          </a:r>
+                          <a:endParaRPr lang="th-TH" sz="2000" dirty="0"/>
+                        </a:p>
+                      </a:txBody>
+                      <a:tcPr/>
+                    </a:tc>
+                    <a:tc>
+                      <a:txBody>
+                        <a:bodyPr/>
+                        <a:lstStyle/>
+                        <a:p>
+                          <a:r>
+                            <a:rPr lang="en-US" sz="2000" dirty="0"/>
+                            <a:t>Manually Defined</a:t>
+                          </a:r>
+                          <a:endParaRPr lang="th-TH" sz="2000" dirty="0"/>
+                        </a:p>
+                      </a:txBody>
+                      <a:tcPr/>
+                    </a:tc>
+                    <a:extLst>
+                      <a:ext uri="{0D108BD9-81ED-4DB2-BD59-A6C34878D82A}">
+                        <a16:rowId xmlns:a16="http://schemas.microsoft.com/office/drawing/2014/main" val="1154485082"/>
+                      </a:ext>
+                    </a:extLst>
+                  </a:tr>
+                  <a:tr h="370840">
+                    <a:tc>
+                      <a:txBody>
+                        <a:bodyPr/>
+                        <a:lstStyle/>
+                        <a:p>
+                          <a:r>
+                            <a:rPr lang="en-US" sz="2000" dirty="0" err="1"/>
+                            <a:t>Sampled_laboratory_time_usage</a:t>
+                          </a:r>
+                          <a:endParaRPr lang="th-TH" sz="2000" dirty="0"/>
+                        </a:p>
+                      </a:txBody>
+                      <a:tcPr/>
+                    </a:tc>
+                    <a:tc>
+                      <a:txBody>
+                        <a:bodyPr/>
+                        <a:lstStyle/>
+                        <a:p>
+                          <a:r>
+                            <a:rPr lang="en-US" sz="2000" dirty="0"/>
+                            <a:t>Random</a:t>
+                          </a:r>
+                          <a:endParaRPr lang="th-TH" sz="2000" dirty="0"/>
+                        </a:p>
+                      </a:txBody>
+                      <a:tcPr/>
+                    </a:tc>
+                    <a:tc>
+                      <a:txBody>
+                        <a:bodyPr/>
+                        <a:lstStyle/>
+                        <a:p>
+                          <a14:m>
+                            <m:oMathPara xmlns:m="http://schemas.openxmlformats.org/officeDocument/2006/math">
+                              <m:oMathParaPr>
+                                <m:jc m:val="centerGroup"/>
+                              </m:oMathParaPr>
+                              <m:oMath xmlns:m="http://schemas.openxmlformats.org/officeDocument/2006/math">
+                                <m:func>
+                                  <m:funcPr>
+                                    <m:ctrlPr>
+                                      <a:rPr lang="en-US" sz="2000" b="0" i="1" smtClean="0">
+                                        <a:latin typeface="Cambria Math" panose="02040503050406030204" pitchFamily="18" charset="0"/>
+                                      </a:rPr>
+                                    </m:ctrlPr>
+                                  </m:funcPr>
+                                  <m:fName>
+                                    <m:r>
+                                      <m:rPr>
+                                        <m:sty m:val="p"/>
+                                      </m:rPr>
+                                      <a:rPr lang="en-US" sz="2000" b="0" i="0" smtClean="0">
+                                        <a:latin typeface="Cambria Math" panose="02040503050406030204" pitchFamily="18" charset="0"/>
+                                      </a:rPr>
+                                      <m:t>exp</m:t>
+                                    </m:r>
+                                  </m:fName>
+                                  <m:e>
+                                    <m:d>
+                                      <m:dPr>
+                                        <m:ctrlPr>
+                                          <a:rPr lang="en-US" sz="2000" b="0" i="1" smtClean="0">
+                                            <a:latin typeface="Cambria Math" panose="02040503050406030204" pitchFamily="18" charset="0"/>
+                                          </a:rPr>
+                                        </m:ctrlPr>
+                                      </m:dPr>
+                                      <m:e>
+                                        <m:f>
+                                          <m:fPr>
+                                            <m:ctrlPr>
+                                              <a:rPr lang="en-US" sz="2000" b="0" i="1" smtClean="0">
+                                                <a:latin typeface="Cambria Math" panose="02040503050406030204" pitchFamily="18" charset="0"/>
+                                              </a:rPr>
+                                            </m:ctrlPr>
+                                          </m:fPr>
+                                          <m:num>
+                                            <m:r>
+                                              <a:rPr lang="en-US" sz="2000" b="0" i="1" smtClean="0">
+                                                <a:latin typeface="Cambria Math" panose="02040503050406030204" pitchFamily="18" charset="0"/>
+                                              </a:rPr>
+                                              <m:t>1</m:t>
+                                            </m:r>
+                                          </m:num>
+                                          <m:den>
+                                            <m:r>
+                                              <a:rPr lang="en-US" sz="2000" b="0" i="1" smtClean="0">
+                                                <a:latin typeface="Cambria Math" panose="02040503050406030204" pitchFamily="18" charset="0"/>
+                                              </a:rPr>
+                                              <m:t>120</m:t>
+                                            </m:r>
+                                          </m:den>
+                                        </m:f>
+                                      </m:e>
+                                    </m:d>
+                                  </m:e>
+                                </m:func>
+                              </m:oMath>
+                            </m:oMathPara>
+                          </a14:m>
+                          <a:endParaRPr lang="th-TH" sz="2000" dirty="0"/>
+                        </a:p>
+                      </a:txBody>
+                      <a:tcPr/>
+                    </a:tc>
+                    <a:tc>
+                      <a:txBody>
+                        <a:bodyPr/>
+                        <a:lstStyle/>
+                        <a:p>
+                          <a:r>
+                            <a:rPr lang="en-US" sz="2000" dirty="0"/>
+                            <a:t>Manually Defined</a:t>
+                          </a:r>
+                          <a:endParaRPr lang="th-TH" sz="2000" dirty="0"/>
+                        </a:p>
+                      </a:txBody>
+                      <a:tcPr/>
+                    </a:tc>
+                    <a:extLst>
+                      <a:ext uri="{0D108BD9-81ED-4DB2-BD59-A6C34878D82A}">
+                        <a16:rowId xmlns:a16="http://schemas.microsoft.com/office/drawing/2014/main" val="400899255"/>
+                      </a:ext>
+                    </a:extLst>
+                  </a:tr>
+                </a:tbl>
+              </a:graphicData>
+            </a:graphic>
+          </p:graphicFrame>
+        </mc:Choice>
+        <mc:Fallback>
+          <p:graphicFrame>
+            <p:nvGraphicFramePr>
+              <p:cNvPr id="5" name="Table 5">
+                <a:extLst>
+                  <a:ext uri="{FF2B5EF4-FFF2-40B4-BE49-F238E27FC236}">
+                    <a16:creationId xmlns:a16="http://schemas.microsoft.com/office/drawing/2014/main" id="{9133FF32-AF79-43C5-839A-1C3DEE1EAB90}"/>
+                  </a:ext>
+                </a:extLst>
+              </p:cNvPr>
+              <p:cNvGraphicFramePr>
+                <a:graphicFrameLocks noGrp="1"/>
+              </p:cNvGraphicFramePr>
+              <p:nvPr>
+                <p:ph idx="1"/>
+                <p:extLst>
+                  <p:ext uri="{D42A27DB-BD31-4B8C-83A1-F6EECF244321}">
+                    <p14:modId xmlns:p14="http://schemas.microsoft.com/office/powerpoint/2010/main" val="3278792014"/>
+                  </p:ext>
+                </p:extLst>
+              </p:nvPr>
+            </p:nvGraphicFramePr>
+            <p:xfrm>
+              <a:off x="838200" y="1825625"/>
+              <a:ext cx="10515596" cy="4448176"/>
+            </p:xfrm>
+            <a:graphic>
+              <a:graphicData uri="http://schemas.openxmlformats.org/drawingml/2006/table">
+                <a:tbl>
+                  <a:tblPr firstRow="1" bandRow="1">
+                    <a:tableStyleId>{5C22544A-7EE6-4342-B048-85BDC9FD1C3A}</a:tableStyleId>
+                  </a:tblPr>
+                  <a:tblGrid>
+                    <a:gridCol w="2628899">
+                      <a:extLst>
+                        <a:ext uri="{9D8B030D-6E8A-4147-A177-3AD203B41FA5}">
+                          <a16:colId xmlns:a16="http://schemas.microsoft.com/office/drawing/2014/main" val="3485038471"/>
+                        </a:ext>
+                      </a:extLst>
+                    </a:gridCol>
+                    <a:gridCol w="1790701">
+                      <a:extLst>
+                        <a:ext uri="{9D8B030D-6E8A-4147-A177-3AD203B41FA5}">
+                          <a16:colId xmlns:a16="http://schemas.microsoft.com/office/drawing/2014/main" val="3826957963"/>
+                        </a:ext>
+                      </a:extLst>
+                    </a:gridCol>
+                    <a:gridCol w="3467097">
+                      <a:extLst>
+                        <a:ext uri="{9D8B030D-6E8A-4147-A177-3AD203B41FA5}">
+                          <a16:colId xmlns:a16="http://schemas.microsoft.com/office/drawing/2014/main" val="2651300033"/>
+                        </a:ext>
+                      </a:extLst>
+                    </a:gridCol>
+                    <a:gridCol w="2628899">
+                      <a:extLst>
+                        <a:ext uri="{9D8B030D-6E8A-4147-A177-3AD203B41FA5}">
+                          <a16:colId xmlns:a16="http://schemas.microsoft.com/office/drawing/2014/main" val="3746924660"/>
+                        </a:ext>
+                      </a:extLst>
+                    </a:gridCol>
+                  </a:tblGrid>
+                  <a:tr h="396240">
+                    <a:tc>
+                      <a:txBody>
+                        <a:bodyPr/>
+                        <a:lstStyle/>
+                        <a:p>
+                          <a:r>
+                            <a:rPr lang="en-US" sz="2000" dirty="0"/>
+                            <a:t>Parameters</a:t>
+                          </a:r>
+                          <a:endParaRPr lang="th-TH" sz="2000" dirty="0"/>
+                        </a:p>
+                      </a:txBody>
+                      <a:tcPr/>
+                    </a:tc>
+                    <a:tc>
+                      <a:txBody>
+                        <a:bodyPr/>
+                        <a:lstStyle/>
+                        <a:p>
+                          <a:r>
+                            <a:rPr lang="en-US" sz="2000" dirty="0"/>
+                            <a:t>Initialization</a:t>
+                          </a:r>
+                          <a:endParaRPr lang="th-TH" sz="2000" dirty="0"/>
+                        </a:p>
+                      </a:txBody>
+                      <a:tcPr/>
+                    </a:tc>
+                    <a:tc>
+                      <a:txBody>
+                        <a:bodyPr/>
+                        <a:lstStyle/>
+                        <a:p>
+                          <a:r>
+                            <a:rPr lang="en-US" sz="2000" dirty="0"/>
+                            <a:t>Distribution</a:t>
+                          </a:r>
+                          <a:endParaRPr lang="th-TH" sz="2000" dirty="0"/>
+                        </a:p>
+                      </a:txBody>
+                      <a:tcPr/>
+                    </a:tc>
+                    <a:tc>
+                      <a:txBody>
+                        <a:bodyPr/>
+                        <a:lstStyle/>
+                        <a:p>
+                          <a:r>
+                            <a:rPr lang="en-US" sz="2000" dirty="0"/>
+                            <a:t>References</a:t>
+                          </a:r>
+                          <a:endParaRPr lang="th-TH" sz="2000" dirty="0"/>
+                        </a:p>
+                      </a:txBody>
+                      <a:tcPr/>
+                    </a:tc>
+                    <a:extLst>
+                      <a:ext uri="{0D108BD9-81ED-4DB2-BD59-A6C34878D82A}">
+                        <a16:rowId xmlns:a16="http://schemas.microsoft.com/office/drawing/2014/main" val="3363304978"/>
+                      </a:ext>
+                    </a:extLst>
+                  </a:tr>
+                  <a:tr h="701040">
+                    <a:tc>
+                      <a:txBody>
+                        <a:bodyPr/>
+                        <a:lstStyle/>
+                        <a:p>
+                          <a:r>
+                            <a:rPr lang="en-US" sz="2000" dirty="0" err="1"/>
+                            <a:t>Random_patient</a:t>
+                          </a:r>
+                          <a:endParaRPr lang="th-TH" sz="2000" dirty="0"/>
+                        </a:p>
+                      </a:txBody>
+                      <a:tcPr/>
+                    </a:tc>
+                    <a:tc>
+                      <a:txBody>
+                        <a:bodyPr/>
+                        <a:lstStyle/>
+                        <a:p>
+                          <a:r>
+                            <a:rPr lang="en-US" sz="2000" dirty="0"/>
+                            <a:t>Random</a:t>
+                          </a:r>
+                          <a:endParaRPr lang="th-TH" sz="2000" dirty="0"/>
+                        </a:p>
+                      </a:txBody>
+                      <a:tcPr/>
+                    </a:tc>
+                    <a:tc>
+                      <a:txBody>
+                        <a:bodyPr/>
+                        <a:lstStyle/>
+                        <a:p>
+                          <a:r>
+                            <a:rPr lang="en-US" sz="2000" dirty="0"/>
+                            <a:t>P(x=True)=0.71</a:t>
+                          </a:r>
+                          <a:endParaRPr lang="th-TH" sz="2000" dirty="0"/>
+                        </a:p>
+                      </a:txBody>
+                      <a:tcPr/>
+                    </a:tc>
+                    <a:tc>
+                      <a:txBody>
+                        <a:bodyPr/>
+                        <a:lstStyle/>
+                        <a:p>
+                          <a:r>
+                            <a:rPr lang="en-US" sz="2000" dirty="0"/>
+                            <a:t>OPD_HEADER+OPD_DIAG</a:t>
+                          </a:r>
+                          <a:endParaRPr lang="th-TH" sz="2000" dirty="0"/>
+                        </a:p>
+                      </a:txBody>
+                      <a:tcPr/>
+                    </a:tc>
+                    <a:extLst>
+                      <a:ext uri="{0D108BD9-81ED-4DB2-BD59-A6C34878D82A}">
+                        <a16:rowId xmlns:a16="http://schemas.microsoft.com/office/drawing/2014/main" val="2924943951"/>
+                      </a:ext>
+                    </a:extLst>
+                  </a:tr>
+                  <a:tr h="701040">
+                    <a:tc>
+                      <a:txBody>
+                        <a:bodyPr/>
+                        <a:lstStyle/>
+                        <a:p>
+                          <a:r>
+                            <a:rPr lang="en-US" sz="2000" dirty="0"/>
+                            <a:t>Patient interarrival time</a:t>
+                          </a:r>
+                          <a:endParaRPr lang="th-TH" sz="2000" dirty="0"/>
+                        </a:p>
+                      </a:txBody>
+                      <a:tcPr/>
+                    </a:tc>
+                    <a:tc>
+                      <a:txBody>
+                        <a:bodyPr/>
+                        <a:lstStyle/>
+                        <a:p>
+                          <a:r>
+                            <a:rPr lang="en-US" sz="2000" dirty="0"/>
+                            <a:t>Random</a:t>
+                          </a:r>
+                          <a:endParaRPr lang="th-TH" sz="2000" dirty="0"/>
+                        </a:p>
+                      </a:txBody>
+                      <a:tcPr/>
+                    </a:tc>
+                    <a:tc>
+                      <a:txBody>
+                        <a:bodyPr/>
+                        <a:lstStyle/>
+                        <a:p>
+                          <a:endParaRPr lang="th-TH"/>
+                        </a:p>
+                      </a:txBody>
+                      <a:tcPr>
+                        <a:blipFill>
+                          <a:blip r:embed="rId2"/>
+                          <a:stretch>
+                            <a:fillRect l="-127368" t="-162931" r="-76316" b="-376724"/>
+                          </a:stretch>
+                        </a:blipFill>
+                      </a:tcPr>
+                    </a:tc>
+                    <a:tc>
+                      <a:txBody>
+                        <a:bodyPr/>
+                        <a:lstStyle/>
+                        <a:p>
+                          <a:r>
+                            <a:rPr lang="en-US" sz="2000" dirty="0"/>
+                            <a:t>OPD_HEADER+OPD_DIAG</a:t>
+                          </a:r>
+                          <a:endParaRPr lang="th-TH" sz="2000" dirty="0"/>
+                        </a:p>
+                      </a:txBody>
+                      <a:tcPr/>
+                    </a:tc>
+                    <a:extLst>
+                      <a:ext uri="{0D108BD9-81ED-4DB2-BD59-A6C34878D82A}">
+                        <a16:rowId xmlns:a16="http://schemas.microsoft.com/office/drawing/2014/main" val="1760593540"/>
+                      </a:ext>
+                    </a:extLst>
+                  </a:tr>
+                  <a:tr h="396240">
+                    <a:tc>
+                      <a:txBody>
+                        <a:bodyPr/>
+                        <a:lstStyle/>
+                        <a:p>
+                          <a:r>
+                            <a:rPr lang="en-US" sz="2000" dirty="0" err="1"/>
+                            <a:t>Num_opd_counter</a:t>
+                          </a:r>
+                          <a:endParaRPr lang="th-TH" sz="2000" dirty="0"/>
+                        </a:p>
+                      </a:txBody>
+                      <a:tcPr/>
+                    </a:tc>
+                    <a:tc>
+                      <a:txBody>
+                        <a:bodyPr/>
+                        <a:lstStyle/>
+                        <a:p>
+                          <a:r>
+                            <a:rPr lang="en-US" sz="2000" dirty="0"/>
+                            <a:t>Constant</a:t>
+                          </a:r>
+                          <a:endParaRPr lang="th-TH" sz="2000" dirty="0"/>
+                        </a:p>
+                      </a:txBody>
+                      <a:tcPr/>
+                    </a:tc>
+                    <a:tc>
+                      <a:txBody>
+                        <a:bodyPr/>
+                        <a:lstStyle/>
+                        <a:p>
+                          <a:r>
+                            <a:rPr lang="en-US" sz="2000" dirty="0"/>
+                            <a:t>30</a:t>
+                          </a:r>
+                          <a:endParaRPr lang="th-TH" sz="2000" dirty="0"/>
+                        </a:p>
+                      </a:txBody>
+                      <a:tcPr/>
+                    </a:tc>
+                    <a:tc>
+                      <a:txBody>
+                        <a:bodyPr/>
+                        <a:lstStyle/>
+                        <a:p>
+                          <a:r>
+                            <a:rPr lang="en-US" sz="2000" dirty="0"/>
+                            <a:t>Manually Defined</a:t>
+                          </a:r>
+                          <a:endParaRPr lang="th-TH" sz="2000" dirty="0"/>
+                        </a:p>
+                      </a:txBody>
+                      <a:tcPr/>
+                    </a:tc>
+                    <a:extLst>
+                      <a:ext uri="{0D108BD9-81ED-4DB2-BD59-A6C34878D82A}">
+                        <a16:rowId xmlns:a16="http://schemas.microsoft.com/office/drawing/2014/main" val="2748143210"/>
+                      </a:ext>
+                    </a:extLst>
+                  </a:tr>
+                  <a:tr h="776288">
+                    <a:tc>
+                      <a:txBody>
+                        <a:bodyPr/>
+                        <a:lstStyle/>
+                        <a:p>
+                          <a:r>
+                            <a:rPr lang="en-US" sz="2000" dirty="0" err="1"/>
+                            <a:t>Sampled_opd_time_usage</a:t>
+                          </a:r>
+                          <a:endParaRPr lang="th-TH" sz="2000" dirty="0"/>
+                        </a:p>
+                      </a:txBody>
+                      <a:tcPr/>
+                    </a:tc>
+                    <a:tc>
+                      <a:txBody>
+                        <a:bodyPr/>
+                        <a:lstStyle/>
+                        <a:p>
+                          <a:r>
+                            <a:rPr lang="en-US" sz="2000" dirty="0"/>
+                            <a:t>Random</a:t>
+                          </a:r>
+                          <a:endParaRPr lang="th-TH" sz="2000" dirty="0"/>
+                        </a:p>
+                      </a:txBody>
+                      <a:tcPr/>
+                    </a:tc>
+                    <a:tc>
+                      <a:txBody>
+                        <a:bodyPr/>
+                        <a:lstStyle/>
+                        <a:p>
+                          <a:endParaRPr lang="th-TH"/>
+                        </a:p>
+                      </a:txBody>
+                      <a:tcPr>
+                        <a:blipFill>
+                          <a:blip r:embed="rId2"/>
+                          <a:stretch>
+                            <a:fillRect l="-127368" t="-291339" r="-76316" b="-192913"/>
+                          </a:stretch>
+                        </a:blipFill>
+                      </a:tcPr>
+                    </a:tc>
+                    <a:tc>
+                      <a:txBody>
+                        <a:bodyPr/>
+                        <a:lstStyle/>
+                        <a:p>
+                          <a:r>
+                            <a:rPr lang="en-US" sz="2000" dirty="0"/>
+                            <a:t>Manually Defined</a:t>
+                          </a:r>
+                          <a:endParaRPr lang="th-TH" sz="2000" dirty="0"/>
+                        </a:p>
+                      </a:txBody>
+                      <a:tcPr/>
+                    </a:tc>
+                    <a:extLst>
+                      <a:ext uri="{0D108BD9-81ED-4DB2-BD59-A6C34878D82A}">
+                        <a16:rowId xmlns:a16="http://schemas.microsoft.com/office/drawing/2014/main" val="3709655095"/>
+                      </a:ext>
+                    </a:extLst>
+                  </a:tr>
+                  <a:tr h="701040">
+                    <a:tc>
+                      <a:txBody>
+                        <a:bodyPr/>
+                        <a:lstStyle/>
+                        <a:p>
+                          <a:r>
+                            <a:rPr lang="en-US" sz="2000" dirty="0" err="1"/>
+                            <a:t>Num_laboratory_workstation</a:t>
+                          </a:r>
+                          <a:endParaRPr lang="th-TH" sz="2000" dirty="0"/>
+                        </a:p>
+                      </a:txBody>
+                      <a:tcPr/>
+                    </a:tc>
+                    <a:tc>
+                      <a:txBody>
+                        <a:bodyPr/>
+                        <a:lstStyle/>
+                        <a:p>
+                          <a:r>
+                            <a:rPr lang="en-US" sz="2000" dirty="0"/>
+                            <a:t>Constant</a:t>
+                          </a:r>
+                          <a:endParaRPr lang="th-TH" sz="2000" dirty="0"/>
+                        </a:p>
+                      </a:txBody>
+                      <a:tcPr/>
+                    </a:tc>
+                    <a:tc>
+                      <a:txBody>
+                        <a:bodyPr/>
+                        <a:lstStyle/>
+                        <a:p>
+                          <a:r>
+                            <a:rPr lang="en-US" sz="2000" dirty="0"/>
+                            <a:t>15</a:t>
+                          </a:r>
+                          <a:endParaRPr lang="th-TH" sz="2000" dirty="0"/>
+                        </a:p>
+                      </a:txBody>
+                      <a:tcPr/>
+                    </a:tc>
+                    <a:tc>
+                      <a:txBody>
+                        <a:bodyPr/>
+                        <a:lstStyle/>
+                        <a:p>
+                          <a:r>
+                            <a:rPr lang="en-US" sz="2000" dirty="0"/>
+                            <a:t>Manually Defined</a:t>
+                          </a:r>
+                          <a:endParaRPr lang="th-TH" sz="2000" dirty="0"/>
+                        </a:p>
+                      </a:txBody>
+                      <a:tcPr/>
+                    </a:tc>
+                    <a:extLst>
+                      <a:ext uri="{0D108BD9-81ED-4DB2-BD59-A6C34878D82A}">
+                        <a16:rowId xmlns:a16="http://schemas.microsoft.com/office/drawing/2014/main" val="1154485082"/>
+                      </a:ext>
+                    </a:extLst>
+                  </a:tr>
+                  <a:tr h="776288">
+                    <a:tc>
+                      <a:txBody>
+                        <a:bodyPr/>
+                        <a:lstStyle/>
+                        <a:p>
+                          <a:r>
+                            <a:rPr lang="en-US" sz="2000" dirty="0" err="1"/>
+                            <a:t>Sampled_laboratory_time_usage</a:t>
+                          </a:r>
+                          <a:endParaRPr lang="th-TH" sz="2000" dirty="0"/>
+                        </a:p>
+                      </a:txBody>
+                      <a:tcPr/>
+                    </a:tc>
+                    <a:tc>
+                      <a:txBody>
+                        <a:bodyPr/>
+                        <a:lstStyle/>
+                        <a:p>
+                          <a:r>
+                            <a:rPr lang="en-US" sz="2000" dirty="0"/>
+                            <a:t>Random</a:t>
+                          </a:r>
+                          <a:endParaRPr lang="th-TH" sz="2000" dirty="0"/>
+                        </a:p>
+                      </a:txBody>
+                      <a:tcPr/>
+                    </a:tc>
+                    <a:tc>
+                      <a:txBody>
+                        <a:bodyPr/>
+                        <a:lstStyle/>
+                        <a:p>
+                          <a:endParaRPr lang="th-TH"/>
+                        </a:p>
+                      </a:txBody>
+                      <a:tcPr>
+                        <a:blipFill>
+                          <a:blip r:embed="rId2"/>
+                          <a:stretch>
+                            <a:fillRect l="-127368" t="-478125" r="-76316" b="-1563"/>
+                          </a:stretch>
+                        </a:blipFill>
+                      </a:tcPr>
+                    </a:tc>
+                    <a:tc>
+                      <a:txBody>
+                        <a:bodyPr/>
+                        <a:lstStyle/>
+                        <a:p>
+                          <a:r>
+                            <a:rPr lang="en-US" sz="2000" dirty="0"/>
+                            <a:t>Manually Defined</a:t>
+                          </a:r>
+                          <a:endParaRPr lang="th-TH" sz="2000" dirty="0"/>
+                        </a:p>
+                      </a:txBody>
+                      <a:tcPr/>
+                    </a:tc>
+                    <a:extLst>
+                      <a:ext uri="{0D108BD9-81ED-4DB2-BD59-A6C34878D82A}">
+                        <a16:rowId xmlns:a16="http://schemas.microsoft.com/office/drawing/2014/main" val="400899255"/>
+                      </a:ext>
+                    </a:extLst>
+                  </a:tr>
+                </a:tbl>
+              </a:graphicData>
+            </a:graphic>
+          </p:graphicFrame>
+        </mc:Fallback>
+      </mc:AlternateContent>
       <p:sp>
         <p:nvSpPr>
           <p:cNvPr id="4" name="Slide Number Placeholder 3">
             <a:extLst>
               <a:ext uri="{FF2B5EF4-FFF2-40B4-BE49-F238E27FC236}">
-                <a16:creationId xmlns:a16="http://schemas.microsoft.com/office/drawing/2014/main" id="{200926E8-A517-4489-B13F-E18C16B28AB8}"/>
+                <a16:creationId xmlns:a16="http://schemas.microsoft.com/office/drawing/2014/main" id="{E5635828-97ED-41F3-B51B-0D5CDAA8C1B5}"/>
               </a:ext>
             </a:extLst>
           </p:cNvPr>
@@ -10433,7 +12531,7 @@
           <a:p>
             <a:fld id="{7480E37F-6EFF-472E-8144-B9391FAC94FB}" type="slidenum">
               <a:rPr lang="th-TH" smtClean="0"/>
-              <a:t>13</a:t>
+              <a:t>19</a:t>
             </a:fld>
             <a:endParaRPr lang="th-TH"/>
           </a:p>
@@ -10442,233 +12540,7 @@
     </p:spTree>
     <p:extLst>
       <p:ext uri="{BB962C8B-B14F-4D97-AF65-F5344CB8AC3E}">
-        <p14:creationId xmlns:p14="http://schemas.microsoft.com/office/powerpoint/2010/main" val="132519368"/>
-      </p:ext>
-    </p:extLst>
-  </p:cSld>
-  <p:clrMapOvr>
-    <a:masterClrMapping/>
-  </p:clrMapOvr>
-</p:sld>
-</file>
-
-<file path=ppt/slides/slide14.xml><?xml version="1.0" encoding="utf-8"?>
-<p:sld xmlns:a="http://schemas.openxmlformats.org/drawingml/2006/main" xmlns:r="http://schemas.openxmlformats.org/officeDocument/2006/relationships" xmlns:p="http://schemas.openxmlformats.org/presentationml/2006/main">
-  <p:cSld>
-    <p:spTree>
-      <p:nvGrpSpPr>
-        <p:cNvPr id="1" name=""/>
-        <p:cNvGrpSpPr/>
-        <p:nvPr/>
-      </p:nvGrpSpPr>
-      <p:grpSpPr>
-        <a:xfrm>
-          <a:off x="0" y="0"/>
-          <a:ext cx="0" cy="0"/>
-          <a:chOff x="0" y="0"/>
-          <a:chExt cx="0" cy="0"/>
-        </a:xfrm>
-      </p:grpSpPr>
-      <p:sp>
-        <p:nvSpPr>
-          <p:cNvPr id="2" name="Title 1">
-            <a:extLst>
-              <a:ext uri="{FF2B5EF4-FFF2-40B4-BE49-F238E27FC236}">
-                <a16:creationId xmlns:a16="http://schemas.microsoft.com/office/drawing/2014/main" id="{0C563182-0F73-46FD-8BEA-89E0CE83C290}"/>
-              </a:ext>
-            </a:extLst>
-          </p:cNvPr>
-          <p:cNvSpPr>
-            <a:spLocks noGrp="1"/>
-          </p:cNvSpPr>
-          <p:nvPr>
-            <p:ph type="title"/>
-          </p:nvPr>
-        </p:nvSpPr>
-        <p:spPr/>
-        <p:txBody>
-          <a:bodyPr/>
-          <a:lstStyle/>
-          <a:p>
-            <a:r>
-              <a:rPr lang="en-US" dirty="0"/>
-              <a:t>Strategy Results</a:t>
-            </a:r>
-            <a:endParaRPr lang="th-TH" dirty="0"/>
-          </a:p>
-        </p:txBody>
-      </p:sp>
-      <p:sp>
-        <p:nvSpPr>
-          <p:cNvPr id="3" name="Content Placeholder 2">
-            <a:extLst>
-              <a:ext uri="{FF2B5EF4-FFF2-40B4-BE49-F238E27FC236}">
-                <a16:creationId xmlns:a16="http://schemas.microsoft.com/office/drawing/2014/main" id="{CBACC6F4-2E80-4240-96CE-C658C58209FF}"/>
-              </a:ext>
-            </a:extLst>
-          </p:cNvPr>
-          <p:cNvSpPr>
-            <a:spLocks noGrp="1"/>
-          </p:cNvSpPr>
-          <p:nvPr>
-            <p:ph idx="1"/>
-          </p:nvPr>
-        </p:nvSpPr>
-        <p:spPr/>
-        <p:txBody>
-          <a:bodyPr/>
-          <a:lstStyle/>
-          <a:p>
-            <a:endParaRPr lang="th-TH"/>
-          </a:p>
-        </p:txBody>
-      </p:sp>
-      <p:sp>
-        <p:nvSpPr>
-          <p:cNvPr id="4" name="Slide Number Placeholder 3">
-            <a:extLst>
-              <a:ext uri="{FF2B5EF4-FFF2-40B4-BE49-F238E27FC236}">
-                <a16:creationId xmlns:a16="http://schemas.microsoft.com/office/drawing/2014/main" id="{66D8F3AC-7E19-4039-8BB8-BB96153BA1D9}"/>
-              </a:ext>
-            </a:extLst>
-          </p:cNvPr>
-          <p:cNvSpPr>
-            <a:spLocks noGrp="1"/>
-          </p:cNvSpPr>
-          <p:nvPr>
-            <p:ph type="sldNum" sz="quarter" idx="12"/>
-          </p:nvPr>
-        </p:nvSpPr>
-        <p:spPr/>
-        <p:txBody>
-          <a:bodyPr/>
-          <a:lstStyle/>
-          <a:p>
-            <a:fld id="{7480E37F-6EFF-472E-8144-B9391FAC94FB}" type="slidenum">
-              <a:rPr lang="th-TH" smtClean="0"/>
-              <a:t>14</a:t>
-            </a:fld>
-            <a:endParaRPr lang="th-TH"/>
-          </a:p>
-        </p:txBody>
-      </p:sp>
-    </p:spTree>
-    <p:extLst>
-      <p:ext uri="{BB962C8B-B14F-4D97-AF65-F5344CB8AC3E}">
-        <p14:creationId xmlns:p14="http://schemas.microsoft.com/office/powerpoint/2010/main" val="3297423138"/>
-      </p:ext>
-    </p:extLst>
-  </p:cSld>
-  <p:clrMapOvr>
-    <a:masterClrMapping/>
-  </p:clrMapOvr>
-</p:sld>
-</file>
-
-<file path=ppt/slides/slide15.xml><?xml version="1.0" encoding="utf-8"?>
-<p:sld xmlns:a="http://schemas.openxmlformats.org/drawingml/2006/main" xmlns:r="http://schemas.openxmlformats.org/officeDocument/2006/relationships" xmlns:p="http://schemas.openxmlformats.org/presentationml/2006/main">
-  <p:cSld>
-    <p:spTree>
-      <p:nvGrpSpPr>
-        <p:cNvPr id="1" name=""/>
-        <p:cNvGrpSpPr/>
-        <p:nvPr/>
-      </p:nvGrpSpPr>
-      <p:grpSpPr>
-        <a:xfrm>
-          <a:off x="0" y="0"/>
-          <a:ext cx="0" cy="0"/>
-          <a:chOff x="0" y="0"/>
-          <a:chExt cx="0" cy="0"/>
-        </a:xfrm>
-      </p:grpSpPr>
-      <p:sp>
-        <p:nvSpPr>
-          <p:cNvPr id="2" name="Title 1">
-            <a:extLst>
-              <a:ext uri="{FF2B5EF4-FFF2-40B4-BE49-F238E27FC236}">
-                <a16:creationId xmlns:a16="http://schemas.microsoft.com/office/drawing/2014/main" id="{A72A782B-3E39-4470-8D39-51DDF04A1B80}"/>
-              </a:ext>
-            </a:extLst>
-          </p:cNvPr>
-          <p:cNvSpPr>
-            <a:spLocks noGrp="1"/>
-          </p:cNvSpPr>
-          <p:nvPr>
-            <p:ph type="title"/>
-          </p:nvPr>
-        </p:nvSpPr>
-        <p:spPr/>
-        <p:txBody>
-          <a:bodyPr/>
-          <a:lstStyle/>
-          <a:p>
-            <a:r>
-              <a:rPr lang="en-US" dirty="0"/>
-              <a:t>Conclusion and Limitations</a:t>
-            </a:r>
-            <a:endParaRPr lang="th-TH" dirty="0"/>
-          </a:p>
-        </p:txBody>
-      </p:sp>
-      <p:sp>
-        <p:nvSpPr>
-          <p:cNvPr id="3" name="Content Placeholder 2">
-            <a:extLst>
-              <a:ext uri="{FF2B5EF4-FFF2-40B4-BE49-F238E27FC236}">
-                <a16:creationId xmlns:a16="http://schemas.microsoft.com/office/drawing/2014/main" id="{C7BB9F39-109F-4EDB-9F94-086571017DD3}"/>
-              </a:ext>
-            </a:extLst>
-          </p:cNvPr>
-          <p:cNvSpPr>
-            <a:spLocks noGrp="1"/>
-          </p:cNvSpPr>
-          <p:nvPr>
-            <p:ph idx="1"/>
-          </p:nvPr>
-        </p:nvSpPr>
-        <p:spPr/>
-        <p:txBody>
-          <a:bodyPr/>
-          <a:lstStyle/>
-          <a:p>
-            <a:endParaRPr lang="th-TH"/>
-          </a:p>
-        </p:txBody>
-      </p:sp>
-      <p:sp>
-        <p:nvSpPr>
-          <p:cNvPr id="4" name="Slide Number Placeholder 3">
-            <a:extLst>
-              <a:ext uri="{FF2B5EF4-FFF2-40B4-BE49-F238E27FC236}">
-                <a16:creationId xmlns:a16="http://schemas.microsoft.com/office/drawing/2014/main" id="{CFD11D86-E154-416D-A3F1-4730033161B8}"/>
-              </a:ext>
-            </a:extLst>
-          </p:cNvPr>
-          <p:cNvSpPr>
-            <a:spLocks noGrp="1"/>
-          </p:cNvSpPr>
-          <p:nvPr>
-            <p:ph type="sldNum" sz="quarter" idx="12"/>
-          </p:nvPr>
-        </p:nvSpPr>
-        <p:spPr/>
-        <p:txBody>
-          <a:bodyPr/>
-          <a:lstStyle/>
-          <a:p>
-            <a:fld id="{7480E37F-6EFF-472E-8144-B9391FAC94FB}" type="slidenum">
-              <a:rPr lang="th-TH" smtClean="0"/>
-              <a:t>15</a:t>
-            </a:fld>
-            <a:endParaRPr lang="th-TH"/>
-          </a:p>
-        </p:txBody>
-      </p:sp>
-    </p:spTree>
-    <p:extLst>
-      <p:ext uri="{BB962C8B-B14F-4D97-AF65-F5344CB8AC3E}">
-        <p14:creationId xmlns:p14="http://schemas.microsoft.com/office/powerpoint/2010/main" val="2290672147"/>
+        <p14:creationId xmlns:p14="http://schemas.microsoft.com/office/powerpoint/2010/main" val="179235535"/>
       </p:ext>
     </p:extLst>
   </p:cSld>
@@ -10757,7 +12629,7 @@
           <a:p>
             <a:r>
               <a:rPr lang="en-US" dirty="0"/>
-              <a:t>This is just proof of concept; income may not be considered in this stage.</a:t>
+              <a:t>This is just proof of concept; income and financial processes may not be considered in this stage.</a:t>
             </a:r>
             <a:endParaRPr lang="th-TH" dirty="0"/>
           </a:p>
@@ -10796,6 +12668,3193 @@
     <p:extLst>
       <p:ext uri="{BB962C8B-B14F-4D97-AF65-F5344CB8AC3E}">
         <p14:creationId xmlns:p14="http://schemas.microsoft.com/office/powerpoint/2010/main" val="2096653380"/>
+      </p:ext>
+    </p:extLst>
+  </p:cSld>
+  <p:clrMapOvr>
+    <a:masterClrMapping/>
+  </p:clrMapOvr>
+</p:sld>
+</file>
+
+<file path=ppt/slides/slide20.xml><?xml version="1.0" encoding="utf-8"?>
+<p:sld xmlns:a="http://schemas.openxmlformats.org/drawingml/2006/main" xmlns:r="http://schemas.openxmlformats.org/officeDocument/2006/relationships" xmlns:p="http://schemas.openxmlformats.org/presentationml/2006/main">
+  <p:cSld>
+    <p:spTree>
+      <p:nvGrpSpPr>
+        <p:cNvPr id="1" name=""/>
+        <p:cNvGrpSpPr/>
+        <p:nvPr/>
+      </p:nvGrpSpPr>
+      <p:grpSpPr>
+        <a:xfrm>
+          <a:off x="0" y="0"/>
+          <a:ext cx="0" cy="0"/>
+          <a:chOff x="0" y="0"/>
+          <a:chExt cx="0" cy="0"/>
+        </a:xfrm>
+      </p:grpSpPr>
+      <p:sp>
+        <p:nvSpPr>
+          <p:cNvPr id="2" name="Title 1">
+            <a:extLst>
+              <a:ext uri="{FF2B5EF4-FFF2-40B4-BE49-F238E27FC236}">
+                <a16:creationId xmlns:a16="http://schemas.microsoft.com/office/drawing/2014/main" id="{3D65D1A6-E5C4-4E43-A4C0-A9FD06633B3F}"/>
+              </a:ext>
+            </a:extLst>
+          </p:cNvPr>
+          <p:cNvSpPr>
+            <a:spLocks noGrp="1"/>
+          </p:cNvSpPr>
+          <p:nvPr>
+            <p:ph type="title"/>
+          </p:nvPr>
+        </p:nvSpPr>
+        <p:spPr/>
+        <p:txBody>
+          <a:bodyPr/>
+          <a:lstStyle/>
+          <a:p>
+            <a:r>
+              <a:rPr lang="en-US" dirty="0"/>
+              <a:t>DES parameter initialization</a:t>
+            </a:r>
+            <a:endParaRPr lang="th-TH" dirty="0"/>
+          </a:p>
+        </p:txBody>
+      </p:sp>
+      <p:graphicFrame>
+        <p:nvGraphicFramePr>
+          <p:cNvPr id="5" name="Table 5">
+            <a:extLst>
+              <a:ext uri="{FF2B5EF4-FFF2-40B4-BE49-F238E27FC236}">
+                <a16:creationId xmlns:a16="http://schemas.microsoft.com/office/drawing/2014/main" id="{9133FF32-AF79-43C5-839A-1C3DEE1EAB90}"/>
+              </a:ext>
+            </a:extLst>
+          </p:cNvPr>
+          <p:cNvGraphicFramePr>
+            <a:graphicFrameLocks noGrp="1"/>
+          </p:cNvGraphicFramePr>
+          <p:nvPr>
+            <p:ph idx="1"/>
+            <p:extLst>
+              <p:ext uri="{D42A27DB-BD31-4B8C-83A1-F6EECF244321}">
+                <p14:modId xmlns:p14="http://schemas.microsoft.com/office/powerpoint/2010/main" val="201359210"/>
+              </p:ext>
+            </p:extLst>
+          </p:nvPr>
+        </p:nvGraphicFramePr>
+        <p:xfrm>
+          <a:off x="838200" y="1825625"/>
+          <a:ext cx="10515596" cy="4602480"/>
+        </p:xfrm>
+        <a:graphic>
+          <a:graphicData uri="http://schemas.openxmlformats.org/drawingml/2006/table">
+            <a:tbl>
+              <a:tblPr firstRow="1" bandRow="1">
+                <a:tableStyleId>{5C22544A-7EE6-4342-B048-85BDC9FD1C3A}</a:tableStyleId>
+              </a:tblPr>
+              <a:tblGrid>
+                <a:gridCol w="2628899">
+                  <a:extLst>
+                    <a:ext uri="{9D8B030D-6E8A-4147-A177-3AD203B41FA5}">
+                      <a16:colId xmlns:a16="http://schemas.microsoft.com/office/drawing/2014/main" val="3485038471"/>
+                    </a:ext>
+                  </a:extLst>
+                </a:gridCol>
+                <a:gridCol w="1790701">
+                  <a:extLst>
+                    <a:ext uri="{9D8B030D-6E8A-4147-A177-3AD203B41FA5}">
+                      <a16:colId xmlns:a16="http://schemas.microsoft.com/office/drawing/2014/main" val="3826957963"/>
+                    </a:ext>
+                  </a:extLst>
+                </a:gridCol>
+                <a:gridCol w="3467097">
+                  <a:extLst>
+                    <a:ext uri="{9D8B030D-6E8A-4147-A177-3AD203B41FA5}">
+                      <a16:colId xmlns:a16="http://schemas.microsoft.com/office/drawing/2014/main" val="2651300033"/>
+                    </a:ext>
+                  </a:extLst>
+                </a:gridCol>
+                <a:gridCol w="2628899">
+                  <a:extLst>
+                    <a:ext uri="{9D8B030D-6E8A-4147-A177-3AD203B41FA5}">
+                      <a16:colId xmlns:a16="http://schemas.microsoft.com/office/drawing/2014/main" val="3746924660"/>
+                    </a:ext>
+                  </a:extLst>
+                </a:gridCol>
+              </a:tblGrid>
+              <a:tr h="370840">
+                <a:tc>
+                  <a:txBody>
+                    <a:bodyPr/>
+                    <a:lstStyle/>
+                    <a:p>
+                      <a:r>
+                        <a:rPr lang="en-US" sz="2000" dirty="0"/>
+                        <a:t>Parameters</a:t>
+                      </a:r>
+                      <a:endParaRPr lang="th-TH" sz="2000" dirty="0"/>
+                    </a:p>
+                  </a:txBody>
+                  <a:tcPr/>
+                </a:tc>
+                <a:tc>
+                  <a:txBody>
+                    <a:bodyPr/>
+                    <a:lstStyle/>
+                    <a:p>
+                      <a:r>
+                        <a:rPr lang="en-US" sz="2000" dirty="0"/>
+                        <a:t>Initialization</a:t>
+                      </a:r>
+                      <a:endParaRPr lang="th-TH" sz="2000" dirty="0"/>
+                    </a:p>
+                  </a:txBody>
+                  <a:tcPr/>
+                </a:tc>
+                <a:tc>
+                  <a:txBody>
+                    <a:bodyPr/>
+                    <a:lstStyle/>
+                    <a:p>
+                      <a:r>
+                        <a:rPr lang="en-US" sz="2000" dirty="0"/>
+                        <a:t>Distribution</a:t>
+                      </a:r>
+                      <a:endParaRPr lang="th-TH" sz="2000" dirty="0"/>
+                    </a:p>
+                  </a:txBody>
+                  <a:tcPr/>
+                </a:tc>
+                <a:tc>
+                  <a:txBody>
+                    <a:bodyPr/>
+                    <a:lstStyle/>
+                    <a:p>
+                      <a:r>
+                        <a:rPr lang="en-US" sz="2000" dirty="0"/>
+                        <a:t>References</a:t>
+                      </a:r>
+                      <a:endParaRPr lang="th-TH" sz="2000" dirty="0"/>
+                    </a:p>
+                  </a:txBody>
+                  <a:tcPr/>
+                </a:tc>
+                <a:extLst>
+                  <a:ext uri="{0D108BD9-81ED-4DB2-BD59-A6C34878D82A}">
+                    <a16:rowId xmlns:a16="http://schemas.microsoft.com/office/drawing/2014/main" val="3363304978"/>
+                  </a:ext>
+                </a:extLst>
+              </a:tr>
+              <a:tr h="370840">
+                <a:tc>
+                  <a:txBody>
+                    <a:bodyPr/>
+                    <a:lstStyle/>
+                    <a:p>
+                      <a:r>
+                        <a:rPr lang="en-US" sz="2000" dirty="0" err="1"/>
+                        <a:t>Num_radiology_department</a:t>
+                      </a:r>
+                      <a:endParaRPr lang="th-TH" sz="2000" dirty="0"/>
+                    </a:p>
+                  </a:txBody>
+                  <a:tcPr/>
+                </a:tc>
+                <a:tc>
+                  <a:txBody>
+                    <a:bodyPr/>
+                    <a:lstStyle/>
+                    <a:p>
+                      <a:r>
+                        <a:rPr lang="en-US" sz="2000" dirty="0"/>
+                        <a:t>Constant</a:t>
+                      </a:r>
+                      <a:endParaRPr lang="th-TH" sz="2000" dirty="0"/>
+                    </a:p>
+                  </a:txBody>
+                  <a:tcPr/>
+                </a:tc>
+                <a:tc>
+                  <a:txBody>
+                    <a:bodyPr/>
+                    <a:lstStyle/>
+                    <a:p>
+                      <a:r>
+                        <a:rPr lang="en-US" sz="2000" dirty="0"/>
+                        <a:t>5</a:t>
+                      </a:r>
+                      <a:endParaRPr lang="th-TH" sz="2000" dirty="0"/>
+                    </a:p>
+                  </a:txBody>
+                  <a:tcPr/>
+                </a:tc>
+                <a:tc>
+                  <a:txBody>
+                    <a:bodyPr/>
+                    <a:lstStyle/>
+                    <a:p>
+                      <a:r>
+                        <a:rPr lang="en-US" sz="2000" dirty="0"/>
+                        <a:t>Manually Defined</a:t>
+                      </a:r>
+                      <a:endParaRPr lang="th-TH" sz="2000" dirty="0"/>
+                    </a:p>
+                  </a:txBody>
+                  <a:tcPr/>
+                </a:tc>
+                <a:extLst>
+                  <a:ext uri="{0D108BD9-81ED-4DB2-BD59-A6C34878D82A}">
+                    <a16:rowId xmlns:a16="http://schemas.microsoft.com/office/drawing/2014/main" val="2924943951"/>
+                  </a:ext>
+                </a:extLst>
+              </a:tr>
+              <a:tr h="370840">
+                <a:tc>
+                  <a:txBody>
+                    <a:bodyPr/>
+                    <a:lstStyle/>
+                    <a:p>
+                      <a:r>
+                        <a:rPr lang="en-US" sz="2000" dirty="0" err="1"/>
+                        <a:t>Sampled_radiology_time_usage</a:t>
+                      </a:r>
+                      <a:endParaRPr lang="th-TH" sz="2000" dirty="0"/>
+                    </a:p>
+                  </a:txBody>
+                  <a:tcPr/>
+                </a:tc>
+                <a:tc>
+                  <a:txBody>
+                    <a:bodyPr/>
+                    <a:lstStyle/>
+                    <a:p>
+                      <a:r>
+                        <a:rPr lang="en-US" sz="2000" dirty="0"/>
+                        <a:t>Random</a:t>
+                      </a:r>
+                      <a:endParaRPr lang="th-TH" sz="2000" dirty="0"/>
+                    </a:p>
+                  </a:txBody>
+                  <a:tcPr/>
+                </a:tc>
+                <a:tc>
+                  <a:txBody>
+                    <a:bodyPr/>
+                    <a:lstStyle/>
+                    <a:p>
+                      <a:pPr/>
+                      <a:endParaRPr lang="th-TH" sz="2000" dirty="0"/>
+                    </a:p>
+                  </a:txBody>
+                  <a:tcPr/>
+                </a:tc>
+                <a:tc>
+                  <a:txBody>
+                    <a:bodyPr/>
+                    <a:lstStyle/>
+                    <a:p>
+                      <a:endParaRPr lang="th-TH" sz="2000" dirty="0"/>
+                    </a:p>
+                  </a:txBody>
+                  <a:tcPr/>
+                </a:tc>
+                <a:extLst>
+                  <a:ext uri="{0D108BD9-81ED-4DB2-BD59-A6C34878D82A}">
+                    <a16:rowId xmlns:a16="http://schemas.microsoft.com/office/drawing/2014/main" val="1760593540"/>
+                  </a:ext>
+                </a:extLst>
+              </a:tr>
+              <a:tr h="370840">
+                <a:tc>
+                  <a:txBody>
+                    <a:bodyPr/>
+                    <a:lstStyle/>
+                    <a:p>
+                      <a:r>
+                        <a:rPr lang="en-US" sz="2000" dirty="0"/>
+                        <a:t>NUM_ORTHOPEDIC_DEPARTMENT</a:t>
+                      </a:r>
+                      <a:endParaRPr lang="th-TH" sz="2000" dirty="0"/>
+                    </a:p>
+                  </a:txBody>
+                  <a:tcPr/>
+                </a:tc>
+                <a:tc>
+                  <a:txBody>
+                    <a:bodyPr/>
+                    <a:lstStyle/>
+                    <a:p>
+                      <a:r>
+                        <a:rPr lang="en-US" sz="2000" dirty="0"/>
+                        <a:t>Constant</a:t>
+                      </a:r>
+                      <a:endParaRPr lang="th-TH" sz="2000" dirty="0"/>
+                    </a:p>
+                  </a:txBody>
+                  <a:tcPr/>
+                </a:tc>
+                <a:tc>
+                  <a:txBody>
+                    <a:bodyPr/>
+                    <a:lstStyle/>
+                    <a:p>
+                      <a:r>
+                        <a:rPr lang="en-US" sz="2000" dirty="0"/>
+                        <a:t>1</a:t>
+                      </a:r>
+                      <a:endParaRPr lang="th-TH" sz="2000" dirty="0"/>
+                    </a:p>
+                  </a:txBody>
+                  <a:tcPr/>
+                </a:tc>
+                <a:tc>
+                  <a:txBody>
+                    <a:bodyPr/>
+                    <a:lstStyle/>
+                    <a:p>
+                      <a:r>
+                        <a:rPr lang="en-US" sz="2000" dirty="0"/>
+                        <a:t>Manually Defined</a:t>
+                      </a:r>
+                      <a:endParaRPr lang="th-TH" sz="2000" dirty="0"/>
+                    </a:p>
+                  </a:txBody>
+                  <a:tcPr/>
+                </a:tc>
+                <a:extLst>
+                  <a:ext uri="{0D108BD9-81ED-4DB2-BD59-A6C34878D82A}">
+                    <a16:rowId xmlns:a16="http://schemas.microsoft.com/office/drawing/2014/main" val="2748143210"/>
+                  </a:ext>
+                </a:extLst>
+              </a:tr>
+              <a:tr h="370840">
+                <a:tc>
+                  <a:txBody>
+                    <a:bodyPr/>
+                    <a:lstStyle/>
+                    <a:p>
+                      <a:r>
+                        <a:rPr lang="en-US" sz="2000" dirty="0" err="1"/>
+                        <a:t>Sampled_ORTHOPEDIC_time_usage</a:t>
+                      </a:r>
+                      <a:endParaRPr lang="th-TH" sz="2000" dirty="0"/>
+                    </a:p>
+                  </a:txBody>
+                  <a:tcPr/>
+                </a:tc>
+                <a:tc>
+                  <a:txBody>
+                    <a:bodyPr/>
+                    <a:lstStyle/>
+                    <a:p>
+                      <a:r>
+                        <a:rPr lang="en-US" sz="2000" dirty="0"/>
+                        <a:t>Random</a:t>
+                      </a:r>
+                      <a:endParaRPr lang="th-TH" sz="2000" dirty="0"/>
+                    </a:p>
+                  </a:txBody>
+                  <a:tcPr/>
+                </a:tc>
+                <a:tc>
+                  <a:txBody>
+                    <a:bodyPr/>
+                    <a:lstStyle/>
+                    <a:p>
+                      <a:pPr/>
+                      <a:endParaRPr lang="th-TH" sz="2000" dirty="0"/>
+                    </a:p>
+                  </a:txBody>
+                  <a:tcPr/>
+                </a:tc>
+                <a:tc>
+                  <a:txBody>
+                    <a:bodyPr/>
+                    <a:lstStyle/>
+                    <a:p>
+                      <a:endParaRPr lang="th-TH" sz="2000" dirty="0"/>
+                    </a:p>
+                  </a:txBody>
+                  <a:tcPr/>
+                </a:tc>
+                <a:extLst>
+                  <a:ext uri="{0D108BD9-81ED-4DB2-BD59-A6C34878D82A}">
+                    <a16:rowId xmlns:a16="http://schemas.microsoft.com/office/drawing/2014/main" val="3709655095"/>
+                  </a:ext>
+                </a:extLst>
+              </a:tr>
+              <a:tr h="370840">
+                <a:tc>
+                  <a:txBody>
+                    <a:bodyPr/>
+                    <a:lstStyle/>
+                    <a:p>
+                      <a:r>
+                        <a:rPr lang="en-US" sz="2000" dirty="0"/>
+                        <a:t>NUM_DERMATOLOGY_DEPARTMENT</a:t>
+                      </a:r>
+                      <a:endParaRPr lang="th-TH" sz="2000" dirty="0"/>
+                    </a:p>
+                  </a:txBody>
+                  <a:tcPr/>
+                </a:tc>
+                <a:tc>
+                  <a:txBody>
+                    <a:bodyPr/>
+                    <a:lstStyle/>
+                    <a:p>
+                      <a:r>
+                        <a:rPr lang="en-US" sz="2000" dirty="0"/>
+                        <a:t>Constant</a:t>
+                      </a:r>
+                      <a:endParaRPr lang="th-TH" sz="2000" dirty="0"/>
+                    </a:p>
+                  </a:txBody>
+                  <a:tcPr/>
+                </a:tc>
+                <a:tc>
+                  <a:txBody>
+                    <a:bodyPr/>
+                    <a:lstStyle/>
+                    <a:p>
+                      <a:r>
+                        <a:rPr lang="en-US" sz="2000" dirty="0"/>
+                        <a:t>1</a:t>
+                      </a:r>
+                      <a:endParaRPr lang="th-TH" sz="2000" dirty="0"/>
+                    </a:p>
+                  </a:txBody>
+                  <a:tcPr/>
+                </a:tc>
+                <a:tc>
+                  <a:txBody>
+                    <a:bodyPr/>
+                    <a:lstStyle/>
+                    <a:p>
+                      <a:r>
+                        <a:rPr lang="en-US" sz="2000" dirty="0"/>
+                        <a:t>Manually Defined</a:t>
+                      </a:r>
+                      <a:endParaRPr lang="th-TH" sz="2000" dirty="0"/>
+                    </a:p>
+                  </a:txBody>
+                  <a:tcPr/>
+                </a:tc>
+                <a:extLst>
+                  <a:ext uri="{0D108BD9-81ED-4DB2-BD59-A6C34878D82A}">
+                    <a16:rowId xmlns:a16="http://schemas.microsoft.com/office/drawing/2014/main" val="1154485082"/>
+                  </a:ext>
+                </a:extLst>
+              </a:tr>
+              <a:tr h="370840">
+                <a:tc>
+                  <a:txBody>
+                    <a:bodyPr/>
+                    <a:lstStyle/>
+                    <a:p>
+                      <a:r>
+                        <a:rPr lang="en-US" sz="2000" dirty="0" err="1"/>
+                        <a:t>Sampled_DERMATOLOGY_time_usage</a:t>
+                      </a:r>
+                      <a:endParaRPr lang="th-TH" sz="2000" dirty="0"/>
+                    </a:p>
+                  </a:txBody>
+                  <a:tcPr/>
+                </a:tc>
+                <a:tc>
+                  <a:txBody>
+                    <a:bodyPr/>
+                    <a:lstStyle/>
+                    <a:p>
+                      <a:r>
+                        <a:rPr lang="en-US" sz="2000" dirty="0"/>
+                        <a:t>Random</a:t>
+                      </a:r>
+                      <a:endParaRPr lang="th-TH" sz="2000" dirty="0"/>
+                    </a:p>
+                  </a:txBody>
+                  <a:tcPr/>
+                </a:tc>
+                <a:tc>
+                  <a:txBody>
+                    <a:bodyPr/>
+                    <a:lstStyle/>
+                    <a:p>
+                      <a:pPr/>
+                      <a:endParaRPr lang="th-TH" sz="2000" dirty="0"/>
+                    </a:p>
+                  </a:txBody>
+                  <a:tcPr/>
+                </a:tc>
+                <a:tc>
+                  <a:txBody>
+                    <a:bodyPr/>
+                    <a:lstStyle/>
+                    <a:p>
+                      <a:endParaRPr lang="th-TH" sz="2000" dirty="0"/>
+                    </a:p>
+                  </a:txBody>
+                  <a:tcPr/>
+                </a:tc>
+                <a:extLst>
+                  <a:ext uri="{0D108BD9-81ED-4DB2-BD59-A6C34878D82A}">
+                    <a16:rowId xmlns:a16="http://schemas.microsoft.com/office/drawing/2014/main" val="400899255"/>
+                  </a:ext>
+                </a:extLst>
+              </a:tr>
+            </a:tbl>
+          </a:graphicData>
+        </a:graphic>
+      </p:graphicFrame>
+      <p:sp>
+        <p:nvSpPr>
+          <p:cNvPr id="4" name="Slide Number Placeholder 3">
+            <a:extLst>
+              <a:ext uri="{FF2B5EF4-FFF2-40B4-BE49-F238E27FC236}">
+                <a16:creationId xmlns:a16="http://schemas.microsoft.com/office/drawing/2014/main" id="{E5635828-97ED-41F3-B51B-0D5CDAA8C1B5}"/>
+              </a:ext>
+            </a:extLst>
+          </p:cNvPr>
+          <p:cNvSpPr>
+            <a:spLocks noGrp="1"/>
+          </p:cNvSpPr>
+          <p:nvPr>
+            <p:ph type="sldNum" sz="quarter" idx="12"/>
+          </p:nvPr>
+        </p:nvSpPr>
+        <p:spPr/>
+        <p:txBody>
+          <a:bodyPr/>
+          <a:lstStyle/>
+          <a:p>
+            <a:fld id="{7480E37F-6EFF-472E-8144-B9391FAC94FB}" type="slidenum">
+              <a:rPr lang="th-TH" smtClean="0"/>
+              <a:t>20</a:t>
+            </a:fld>
+            <a:endParaRPr lang="th-TH"/>
+          </a:p>
+        </p:txBody>
+      </p:sp>
+    </p:spTree>
+    <p:extLst>
+      <p:ext uri="{BB962C8B-B14F-4D97-AF65-F5344CB8AC3E}">
+        <p14:creationId xmlns:p14="http://schemas.microsoft.com/office/powerpoint/2010/main" val="2693105037"/>
+      </p:ext>
+    </p:extLst>
+  </p:cSld>
+  <p:clrMapOvr>
+    <a:masterClrMapping/>
+  </p:clrMapOvr>
+</p:sld>
+</file>
+
+<file path=ppt/slides/slide21.xml><?xml version="1.0" encoding="utf-8"?>
+<p:sld xmlns:a="http://schemas.openxmlformats.org/drawingml/2006/main" xmlns:r="http://schemas.openxmlformats.org/officeDocument/2006/relationships" xmlns:p="http://schemas.openxmlformats.org/presentationml/2006/main">
+  <p:cSld>
+    <p:spTree>
+      <p:nvGrpSpPr>
+        <p:cNvPr id="1" name=""/>
+        <p:cNvGrpSpPr/>
+        <p:nvPr/>
+      </p:nvGrpSpPr>
+      <p:grpSpPr>
+        <a:xfrm>
+          <a:off x="0" y="0"/>
+          <a:ext cx="0" cy="0"/>
+          <a:chOff x="0" y="0"/>
+          <a:chExt cx="0" cy="0"/>
+        </a:xfrm>
+      </p:grpSpPr>
+      <p:sp>
+        <p:nvSpPr>
+          <p:cNvPr id="2" name="Title 1">
+            <a:extLst>
+              <a:ext uri="{FF2B5EF4-FFF2-40B4-BE49-F238E27FC236}">
+                <a16:creationId xmlns:a16="http://schemas.microsoft.com/office/drawing/2014/main" id="{3D65D1A6-E5C4-4E43-A4C0-A9FD06633B3F}"/>
+              </a:ext>
+            </a:extLst>
+          </p:cNvPr>
+          <p:cNvSpPr>
+            <a:spLocks noGrp="1"/>
+          </p:cNvSpPr>
+          <p:nvPr>
+            <p:ph type="title"/>
+          </p:nvPr>
+        </p:nvSpPr>
+        <p:spPr/>
+        <p:txBody>
+          <a:bodyPr/>
+          <a:lstStyle/>
+          <a:p>
+            <a:r>
+              <a:rPr lang="en-US" dirty="0"/>
+              <a:t>DES parameter initialization</a:t>
+            </a:r>
+            <a:endParaRPr lang="th-TH" dirty="0"/>
+          </a:p>
+        </p:txBody>
+      </p:sp>
+      <p:graphicFrame>
+        <p:nvGraphicFramePr>
+          <p:cNvPr id="5" name="Table 5">
+            <a:extLst>
+              <a:ext uri="{FF2B5EF4-FFF2-40B4-BE49-F238E27FC236}">
+                <a16:creationId xmlns:a16="http://schemas.microsoft.com/office/drawing/2014/main" id="{9133FF32-AF79-43C5-839A-1C3DEE1EAB90}"/>
+              </a:ext>
+            </a:extLst>
+          </p:cNvPr>
+          <p:cNvGraphicFramePr>
+            <a:graphicFrameLocks noGrp="1"/>
+          </p:cNvGraphicFramePr>
+          <p:nvPr>
+            <p:ph idx="1"/>
+            <p:extLst>
+              <p:ext uri="{D42A27DB-BD31-4B8C-83A1-F6EECF244321}">
+                <p14:modId xmlns:p14="http://schemas.microsoft.com/office/powerpoint/2010/main" val="2611335596"/>
+              </p:ext>
+            </p:extLst>
+          </p:nvPr>
+        </p:nvGraphicFramePr>
+        <p:xfrm>
+          <a:off x="838200" y="1825625"/>
+          <a:ext cx="10515596" cy="4602480"/>
+        </p:xfrm>
+        <a:graphic>
+          <a:graphicData uri="http://schemas.openxmlformats.org/drawingml/2006/table">
+            <a:tbl>
+              <a:tblPr firstRow="1" bandRow="1">
+                <a:tableStyleId>{5C22544A-7EE6-4342-B048-85BDC9FD1C3A}</a:tableStyleId>
+              </a:tblPr>
+              <a:tblGrid>
+                <a:gridCol w="2628899">
+                  <a:extLst>
+                    <a:ext uri="{9D8B030D-6E8A-4147-A177-3AD203B41FA5}">
+                      <a16:colId xmlns:a16="http://schemas.microsoft.com/office/drawing/2014/main" val="3485038471"/>
+                    </a:ext>
+                  </a:extLst>
+                </a:gridCol>
+                <a:gridCol w="1790701">
+                  <a:extLst>
+                    <a:ext uri="{9D8B030D-6E8A-4147-A177-3AD203B41FA5}">
+                      <a16:colId xmlns:a16="http://schemas.microsoft.com/office/drawing/2014/main" val="3826957963"/>
+                    </a:ext>
+                  </a:extLst>
+                </a:gridCol>
+                <a:gridCol w="3467097">
+                  <a:extLst>
+                    <a:ext uri="{9D8B030D-6E8A-4147-A177-3AD203B41FA5}">
+                      <a16:colId xmlns:a16="http://schemas.microsoft.com/office/drawing/2014/main" val="2651300033"/>
+                    </a:ext>
+                  </a:extLst>
+                </a:gridCol>
+                <a:gridCol w="2628899">
+                  <a:extLst>
+                    <a:ext uri="{9D8B030D-6E8A-4147-A177-3AD203B41FA5}">
+                      <a16:colId xmlns:a16="http://schemas.microsoft.com/office/drawing/2014/main" val="3746924660"/>
+                    </a:ext>
+                  </a:extLst>
+                </a:gridCol>
+              </a:tblGrid>
+              <a:tr h="370840">
+                <a:tc>
+                  <a:txBody>
+                    <a:bodyPr/>
+                    <a:lstStyle/>
+                    <a:p>
+                      <a:r>
+                        <a:rPr lang="en-US" sz="2000" dirty="0"/>
+                        <a:t>Parameters</a:t>
+                      </a:r>
+                      <a:endParaRPr lang="th-TH" sz="2000" dirty="0"/>
+                    </a:p>
+                  </a:txBody>
+                  <a:tcPr/>
+                </a:tc>
+                <a:tc>
+                  <a:txBody>
+                    <a:bodyPr/>
+                    <a:lstStyle/>
+                    <a:p>
+                      <a:r>
+                        <a:rPr lang="en-US" sz="2000" dirty="0"/>
+                        <a:t>Initialization</a:t>
+                      </a:r>
+                      <a:endParaRPr lang="th-TH" sz="2000" dirty="0"/>
+                    </a:p>
+                  </a:txBody>
+                  <a:tcPr/>
+                </a:tc>
+                <a:tc>
+                  <a:txBody>
+                    <a:bodyPr/>
+                    <a:lstStyle/>
+                    <a:p>
+                      <a:r>
+                        <a:rPr lang="en-US" sz="2000" dirty="0"/>
+                        <a:t>Distribution</a:t>
+                      </a:r>
+                      <a:endParaRPr lang="th-TH" sz="2000" dirty="0"/>
+                    </a:p>
+                  </a:txBody>
+                  <a:tcPr/>
+                </a:tc>
+                <a:tc>
+                  <a:txBody>
+                    <a:bodyPr/>
+                    <a:lstStyle/>
+                    <a:p>
+                      <a:r>
+                        <a:rPr lang="en-US" sz="2000" dirty="0"/>
+                        <a:t>References</a:t>
+                      </a:r>
+                      <a:endParaRPr lang="th-TH" sz="2000" dirty="0"/>
+                    </a:p>
+                  </a:txBody>
+                  <a:tcPr/>
+                </a:tc>
+                <a:extLst>
+                  <a:ext uri="{0D108BD9-81ED-4DB2-BD59-A6C34878D82A}">
+                    <a16:rowId xmlns:a16="http://schemas.microsoft.com/office/drawing/2014/main" val="3363304978"/>
+                  </a:ext>
+                </a:extLst>
+              </a:tr>
+              <a:tr h="370840">
+                <a:tc>
+                  <a:txBody>
+                    <a:bodyPr/>
+                    <a:lstStyle/>
+                    <a:p>
+                      <a:r>
+                        <a:rPr lang="en-US" sz="2000" dirty="0"/>
+                        <a:t>NUM_NEUROLOGY_DEPARTMENT</a:t>
+                      </a:r>
+                      <a:endParaRPr lang="th-TH" sz="2000" dirty="0"/>
+                    </a:p>
+                  </a:txBody>
+                  <a:tcPr/>
+                </a:tc>
+                <a:tc>
+                  <a:txBody>
+                    <a:bodyPr/>
+                    <a:lstStyle/>
+                    <a:p>
+                      <a:r>
+                        <a:rPr lang="en-US" sz="2000" dirty="0"/>
+                        <a:t>Constant</a:t>
+                      </a:r>
+                      <a:endParaRPr lang="th-TH" sz="2000" dirty="0"/>
+                    </a:p>
+                  </a:txBody>
+                  <a:tcPr/>
+                </a:tc>
+                <a:tc>
+                  <a:txBody>
+                    <a:bodyPr/>
+                    <a:lstStyle/>
+                    <a:p>
+                      <a:r>
+                        <a:rPr lang="en-US" sz="2000" dirty="0"/>
+                        <a:t>1</a:t>
+                      </a:r>
+                      <a:endParaRPr lang="th-TH" sz="2000" dirty="0"/>
+                    </a:p>
+                  </a:txBody>
+                  <a:tcPr/>
+                </a:tc>
+                <a:tc>
+                  <a:txBody>
+                    <a:bodyPr/>
+                    <a:lstStyle/>
+                    <a:p>
+                      <a:r>
+                        <a:rPr lang="en-US" sz="2000" dirty="0"/>
+                        <a:t>Manually Defined</a:t>
+                      </a:r>
+                      <a:endParaRPr lang="th-TH" sz="2000" dirty="0"/>
+                    </a:p>
+                  </a:txBody>
+                  <a:tcPr/>
+                </a:tc>
+                <a:extLst>
+                  <a:ext uri="{0D108BD9-81ED-4DB2-BD59-A6C34878D82A}">
+                    <a16:rowId xmlns:a16="http://schemas.microsoft.com/office/drawing/2014/main" val="2924943951"/>
+                  </a:ext>
+                </a:extLst>
+              </a:tr>
+              <a:tr h="370840">
+                <a:tc>
+                  <a:txBody>
+                    <a:bodyPr/>
+                    <a:lstStyle/>
+                    <a:p>
+                      <a:r>
+                        <a:rPr lang="en-US" sz="2000" dirty="0" err="1"/>
+                        <a:t>Sampled_NEUROLOGY_time_usage</a:t>
+                      </a:r>
+                      <a:endParaRPr lang="th-TH" sz="2000" dirty="0"/>
+                    </a:p>
+                  </a:txBody>
+                  <a:tcPr/>
+                </a:tc>
+                <a:tc>
+                  <a:txBody>
+                    <a:bodyPr/>
+                    <a:lstStyle/>
+                    <a:p>
+                      <a:r>
+                        <a:rPr lang="en-US" sz="2000" dirty="0"/>
+                        <a:t>Random</a:t>
+                      </a:r>
+                      <a:endParaRPr lang="th-TH" sz="2000" dirty="0"/>
+                    </a:p>
+                  </a:txBody>
+                  <a:tcPr/>
+                </a:tc>
+                <a:tc>
+                  <a:txBody>
+                    <a:bodyPr/>
+                    <a:lstStyle/>
+                    <a:p>
+                      <a:endParaRPr lang="th-TH" sz="2000" dirty="0"/>
+                    </a:p>
+                  </a:txBody>
+                  <a:tcPr/>
+                </a:tc>
+                <a:tc>
+                  <a:txBody>
+                    <a:bodyPr/>
+                    <a:lstStyle/>
+                    <a:p>
+                      <a:endParaRPr lang="th-TH" sz="2000" dirty="0"/>
+                    </a:p>
+                  </a:txBody>
+                  <a:tcPr/>
+                </a:tc>
+                <a:extLst>
+                  <a:ext uri="{0D108BD9-81ED-4DB2-BD59-A6C34878D82A}">
+                    <a16:rowId xmlns:a16="http://schemas.microsoft.com/office/drawing/2014/main" val="1760593540"/>
+                  </a:ext>
+                </a:extLst>
+              </a:tr>
+              <a:tr h="370840">
+                <a:tc>
+                  <a:txBody>
+                    <a:bodyPr/>
+                    <a:lstStyle/>
+                    <a:p>
+                      <a:r>
+                        <a:rPr lang="en-US" sz="2000" dirty="0"/>
+                        <a:t>NUM_DENTAL_DEPARTMENT</a:t>
+                      </a:r>
+                      <a:endParaRPr lang="th-TH" sz="2000" dirty="0"/>
+                    </a:p>
+                  </a:txBody>
+                  <a:tcPr/>
+                </a:tc>
+                <a:tc>
+                  <a:txBody>
+                    <a:bodyPr/>
+                    <a:lstStyle/>
+                    <a:p>
+                      <a:r>
+                        <a:rPr lang="en-US" sz="2000" dirty="0"/>
+                        <a:t>Constant</a:t>
+                      </a:r>
+                      <a:endParaRPr lang="th-TH" sz="2000" dirty="0"/>
+                    </a:p>
+                  </a:txBody>
+                  <a:tcPr/>
+                </a:tc>
+                <a:tc>
+                  <a:txBody>
+                    <a:bodyPr/>
+                    <a:lstStyle/>
+                    <a:p>
+                      <a:r>
+                        <a:rPr lang="en-US" sz="2000" dirty="0"/>
+                        <a:t>3</a:t>
+                      </a:r>
+                      <a:endParaRPr lang="th-TH" sz="2000" dirty="0"/>
+                    </a:p>
+                  </a:txBody>
+                  <a:tcPr/>
+                </a:tc>
+                <a:tc>
+                  <a:txBody>
+                    <a:bodyPr/>
+                    <a:lstStyle/>
+                    <a:p>
+                      <a:r>
+                        <a:rPr lang="en-US" sz="2000" dirty="0"/>
+                        <a:t>Manually Defined</a:t>
+                      </a:r>
+                      <a:endParaRPr lang="th-TH" sz="2000" dirty="0"/>
+                    </a:p>
+                  </a:txBody>
+                  <a:tcPr/>
+                </a:tc>
+                <a:extLst>
+                  <a:ext uri="{0D108BD9-81ED-4DB2-BD59-A6C34878D82A}">
+                    <a16:rowId xmlns:a16="http://schemas.microsoft.com/office/drawing/2014/main" val="2748143210"/>
+                  </a:ext>
+                </a:extLst>
+              </a:tr>
+              <a:tr h="370840">
+                <a:tc>
+                  <a:txBody>
+                    <a:bodyPr/>
+                    <a:lstStyle/>
+                    <a:p>
+                      <a:r>
+                        <a:rPr lang="en-US" sz="2000" dirty="0" err="1"/>
+                        <a:t>Sampled_DENTAL_time_usage</a:t>
+                      </a:r>
+                      <a:endParaRPr lang="th-TH" sz="2000" dirty="0"/>
+                    </a:p>
+                  </a:txBody>
+                  <a:tcPr/>
+                </a:tc>
+                <a:tc>
+                  <a:txBody>
+                    <a:bodyPr/>
+                    <a:lstStyle/>
+                    <a:p>
+                      <a:r>
+                        <a:rPr lang="en-US" sz="2000" dirty="0"/>
+                        <a:t>Random</a:t>
+                      </a:r>
+                      <a:endParaRPr lang="th-TH" sz="2000" dirty="0"/>
+                    </a:p>
+                  </a:txBody>
+                  <a:tcPr/>
+                </a:tc>
+                <a:tc>
+                  <a:txBody>
+                    <a:bodyPr/>
+                    <a:lstStyle/>
+                    <a:p>
+                      <a:endParaRPr lang="th-TH" sz="2000" dirty="0"/>
+                    </a:p>
+                  </a:txBody>
+                  <a:tcPr/>
+                </a:tc>
+                <a:tc>
+                  <a:txBody>
+                    <a:bodyPr/>
+                    <a:lstStyle/>
+                    <a:p>
+                      <a:endParaRPr lang="th-TH" sz="2000" dirty="0"/>
+                    </a:p>
+                  </a:txBody>
+                  <a:tcPr/>
+                </a:tc>
+                <a:extLst>
+                  <a:ext uri="{0D108BD9-81ED-4DB2-BD59-A6C34878D82A}">
+                    <a16:rowId xmlns:a16="http://schemas.microsoft.com/office/drawing/2014/main" val="3709655095"/>
+                  </a:ext>
+                </a:extLst>
+              </a:tr>
+              <a:tr h="370840">
+                <a:tc>
+                  <a:txBody>
+                    <a:bodyPr/>
+                    <a:lstStyle/>
+                    <a:p>
+                      <a:r>
+                        <a:rPr lang="en-US" sz="2000" dirty="0"/>
+                        <a:t>NUM_OPHTHALMOLOGY_DEPARTMENT</a:t>
+                      </a:r>
+                      <a:endParaRPr lang="th-TH" sz="2000" dirty="0"/>
+                    </a:p>
+                  </a:txBody>
+                  <a:tcPr/>
+                </a:tc>
+                <a:tc>
+                  <a:txBody>
+                    <a:bodyPr/>
+                    <a:lstStyle/>
+                    <a:p>
+                      <a:r>
+                        <a:rPr lang="en-US" sz="2000" dirty="0"/>
+                        <a:t>Constant</a:t>
+                      </a:r>
+                      <a:endParaRPr lang="th-TH" sz="2000" dirty="0"/>
+                    </a:p>
+                  </a:txBody>
+                  <a:tcPr/>
+                </a:tc>
+                <a:tc>
+                  <a:txBody>
+                    <a:bodyPr/>
+                    <a:lstStyle/>
+                    <a:p>
+                      <a:r>
+                        <a:rPr lang="en-US" sz="2000" dirty="0"/>
+                        <a:t>1</a:t>
+                      </a:r>
+                      <a:endParaRPr lang="th-TH" sz="2000" dirty="0"/>
+                    </a:p>
+                  </a:txBody>
+                  <a:tcPr/>
+                </a:tc>
+                <a:tc>
+                  <a:txBody>
+                    <a:bodyPr/>
+                    <a:lstStyle/>
+                    <a:p>
+                      <a:r>
+                        <a:rPr lang="en-US" sz="2000" dirty="0"/>
+                        <a:t>Manually Defined</a:t>
+                      </a:r>
+                      <a:endParaRPr lang="th-TH" sz="2000" dirty="0"/>
+                    </a:p>
+                  </a:txBody>
+                  <a:tcPr/>
+                </a:tc>
+                <a:extLst>
+                  <a:ext uri="{0D108BD9-81ED-4DB2-BD59-A6C34878D82A}">
+                    <a16:rowId xmlns:a16="http://schemas.microsoft.com/office/drawing/2014/main" val="1154485082"/>
+                  </a:ext>
+                </a:extLst>
+              </a:tr>
+              <a:tr h="370840">
+                <a:tc>
+                  <a:txBody>
+                    <a:bodyPr/>
+                    <a:lstStyle/>
+                    <a:p>
+                      <a:r>
+                        <a:rPr lang="en-US" sz="2000" dirty="0" err="1"/>
+                        <a:t>Sampled_OPHTHALMOLOGY_time_usage</a:t>
+                      </a:r>
+                      <a:endParaRPr lang="th-TH" sz="2000" dirty="0"/>
+                    </a:p>
+                  </a:txBody>
+                  <a:tcPr/>
+                </a:tc>
+                <a:tc>
+                  <a:txBody>
+                    <a:bodyPr/>
+                    <a:lstStyle/>
+                    <a:p>
+                      <a:r>
+                        <a:rPr lang="en-US" sz="2000" dirty="0"/>
+                        <a:t>Random</a:t>
+                      </a:r>
+                      <a:endParaRPr lang="th-TH" sz="2000" dirty="0"/>
+                    </a:p>
+                  </a:txBody>
+                  <a:tcPr/>
+                </a:tc>
+                <a:tc>
+                  <a:txBody>
+                    <a:bodyPr/>
+                    <a:lstStyle/>
+                    <a:p>
+                      <a:endParaRPr lang="th-TH" sz="2000" dirty="0"/>
+                    </a:p>
+                  </a:txBody>
+                  <a:tcPr/>
+                </a:tc>
+                <a:tc>
+                  <a:txBody>
+                    <a:bodyPr/>
+                    <a:lstStyle/>
+                    <a:p>
+                      <a:endParaRPr lang="th-TH" sz="2000" dirty="0"/>
+                    </a:p>
+                  </a:txBody>
+                  <a:tcPr/>
+                </a:tc>
+                <a:extLst>
+                  <a:ext uri="{0D108BD9-81ED-4DB2-BD59-A6C34878D82A}">
+                    <a16:rowId xmlns:a16="http://schemas.microsoft.com/office/drawing/2014/main" val="400899255"/>
+                  </a:ext>
+                </a:extLst>
+              </a:tr>
+            </a:tbl>
+          </a:graphicData>
+        </a:graphic>
+      </p:graphicFrame>
+      <p:sp>
+        <p:nvSpPr>
+          <p:cNvPr id="4" name="Slide Number Placeholder 3">
+            <a:extLst>
+              <a:ext uri="{FF2B5EF4-FFF2-40B4-BE49-F238E27FC236}">
+                <a16:creationId xmlns:a16="http://schemas.microsoft.com/office/drawing/2014/main" id="{E5635828-97ED-41F3-B51B-0D5CDAA8C1B5}"/>
+              </a:ext>
+            </a:extLst>
+          </p:cNvPr>
+          <p:cNvSpPr>
+            <a:spLocks noGrp="1"/>
+          </p:cNvSpPr>
+          <p:nvPr>
+            <p:ph type="sldNum" sz="quarter" idx="12"/>
+          </p:nvPr>
+        </p:nvSpPr>
+        <p:spPr/>
+        <p:txBody>
+          <a:bodyPr/>
+          <a:lstStyle/>
+          <a:p>
+            <a:fld id="{7480E37F-6EFF-472E-8144-B9391FAC94FB}" type="slidenum">
+              <a:rPr lang="th-TH" smtClean="0"/>
+              <a:t>21</a:t>
+            </a:fld>
+            <a:endParaRPr lang="th-TH"/>
+          </a:p>
+        </p:txBody>
+      </p:sp>
+    </p:spTree>
+    <p:extLst>
+      <p:ext uri="{BB962C8B-B14F-4D97-AF65-F5344CB8AC3E}">
+        <p14:creationId xmlns:p14="http://schemas.microsoft.com/office/powerpoint/2010/main" val="1759830072"/>
+      </p:ext>
+    </p:extLst>
+  </p:cSld>
+  <p:clrMapOvr>
+    <a:masterClrMapping/>
+  </p:clrMapOvr>
+</p:sld>
+</file>
+
+<file path=ppt/slides/slide22.xml><?xml version="1.0" encoding="utf-8"?>
+<p:sld xmlns:a="http://schemas.openxmlformats.org/drawingml/2006/main" xmlns:r="http://schemas.openxmlformats.org/officeDocument/2006/relationships" xmlns:p="http://schemas.openxmlformats.org/presentationml/2006/main">
+  <p:cSld>
+    <p:spTree>
+      <p:nvGrpSpPr>
+        <p:cNvPr id="1" name=""/>
+        <p:cNvGrpSpPr/>
+        <p:nvPr/>
+      </p:nvGrpSpPr>
+      <p:grpSpPr>
+        <a:xfrm>
+          <a:off x="0" y="0"/>
+          <a:ext cx="0" cy="0"/>
+          <a:chOff x="0" y="0"/>
+          <a:chExt cx="0" cy="0"/>
+        </a:xfrm>
+      </p:grpSpPr>
+      <p:sp>
+        <p:nvSpPr>
+          <p:cNvPr id="2" name="Title 1">
+            <a:extLst>
+              <a:ext uri="{FF2B5EF4-FFF2-40B4-BE49-F238E27FC236}">
+                <a16:creationId xmlns:a16="http://schemas.microsoft.com/office/drawing/2014/main" id="{3D65D1A6-E5C4-4E43-A4C0-A9FD06633B3F}"/>
+              </a:ext>
+            </a:extLst>
+          </p:cNvPr>
+          <p:cNvSpPr>
+            <a:spLocks noGrp="1"/>
+          </p:cNvSpPr>
+          <p:nvPr>
+            <p:ph type="title"/>
+          </p:nvPr>
+        </p:nvSpPr>
+        <p:spPr/>
+        <p:txBody>
+          <a:bodyPr/>
+          <a:lstStyle/>
+          <a:p>
+            <a:r>
+              <a:rPr lang="en-US" dirty="0"/>
+              <a:t>DES parameter initialization</a:t>
+            </a:r>
+            <a:endParaRPr lang="th-TH" dirty="0"/>
+          </a:p>
+        </p:txBody>
+      </p:sp>
+      <p:graphicFrame>
+        <p:nvGraphicFramePr>
+          <p:cNvPr id="5" name="Table 5">
+            <a:extLst>
+              <a:ext uri="{FF2B5EF4-FFF2-40B4-BE49-F238E27FC236}">
+                <a16:creationId xmlns:a16="http://schemas.microsoft.com/office/drawing/2014/main" id="{9133FF32-AF79-43C5-839A-1C3DEE1EAB90}"/>
+              </a:ext>
+            </a:extLst>
+          </p:cNvPr>
+          <p:cNvGraphicFramePr>
+            <a:graphicFrameLocks noGrp="1"/>
+          </p:cNvGraphicFramePr>
+          <p:nvPr>
+            <p:ph idx="1"/>
+            <p:extLst>
+              <p:ext uri="{D42A27DB-BD31-4B8C-83A1-F6EECF244321}">
+                <p14:modId xmlns:p14="http://schemas.microsoft.com/office/powerpoint/2010/main" val="3438233781"/>
+              </p:ext>
+            </p:extLst>
+          </p:nvPr>
+        </p:nvGraphicFramePr>
+        <p:xfrm>
+          <a:off x="838200" y="1825625"/>
+          <a:ext cx="10515596" cy="4602480"/>
+        </p:xfrm>
+        <a:graphic>
+          <a:graphicData uri="http://schemas.openxmlformats.org/drawingml/2006/table">
+            <a:tbl>
+              <a:tblPr firstRow="1" bandRow="1">
+                <a:tableStyleId>{5C22544A-7EE6-4342-B048-85BDC9FD1C3A}</a:tableStyleId>
+              </a:tblPr>
+              <a:tblGrid>
+                <a:gridCol w="2628899">
+                  <a:extLst>
+                    <a:ext uri="{9D8B030D-6E8A-4147-A177-3AD203B41FA5}">
+                      <a16:colId xmlns:a16="http://schemas.microsoft.com/office/drawing/2014/main" val="3485038471"/>
+                    </a:ext>
+                  </a:extLst>
+                </a:gridCol>
+                <a:gridCol w="1790701">
+                  <a:extLst>
+                    <a:ext uri="{9D8B030D-6E8A-4147-A177-3AD203B41FA5}">
+                      <a16:colId xmlns:a16="http://schemas.microsoft.com/office/drawing/2014/main" val="3826957963"/>
+                    </a:ext>
+                  </a:extLst>
+                </a:gridCol>
+                <a:gridCol w="3467097">
+                  <a:extLst>
+                    <a:ext uri="{9D8B030D-6E8A-4147-A177-3AD203B41FA5}">
+                      <a16:colId xmlns:a16="http://schemas.microsoft.com/office/drawing/2014/main" val="2651300033"/>
+                    </a:ext>
+                  </a:extLst>
+                </a:gridCol>
+                <a:gridCol w="2628899">
+                  <a:extLst>
+                    <a:ext uri="{9D8B030D-6E8A-4147-A177-3AD203B41FA5}">
+                      <a16:colId xmlns:a16="http://schemas.microsoft.com/office/drawing/2014/main" val="3746924660"/>
+                    </a:ext>
+                  </a:extLst>
+                </a:gridCol>
+              </a:tblGrid>
+              <a:tr h="370840">
+                <a:tc>
+                  <a:txBody>
+                    <a:bodyPr/>
+                    <a:lstStyle/>
+                    <a:p>
+                      <a:r>
+                        <a:rPr lang="en-US" sz="2000" dirty="0"/>
+                        <a:t>Parameters</a:t>
+                      </a:r>
+                      <a:endParaRPr lang="th-TH" sz="2000" dirty="0"/>
+                    </a:p>
+                  </a:txBody>
+                  <a:tcPr/>
+                </a:tc>
+                <a:tc>
+                  <a:txBody>
+                    <a:bodyPr/>
+                    <a:lstStyle/>
+                    <a:p>
+                      <a:r>
+                        <a:rPr lang="en-US" sz="2000" dirty="0"/>
+                        <a:t>Initialization</a:t>
+                      </a:r>
+                      <a:endParaRPr lang="th-TH" sz="2000" dirty="0"/>
+                    </a:p>
+                  </a:txBody>
+                  <a:tcPr/>
+                </a:tc>
+                <a:tc>
+                  <a:txBody>
+                    <a:bodyPr/>
+                    <a:lstStyle/>
+                    <a:p>
+                      <a:r>
+                        <a:rPr lang="en-US" sz="2000" dirty="0"/>
+                        <a:t>Distribution</a:t>
+                      </a:r>
+                      <a:endParaRPr lang="th-TH" sz="2000" dirty="0"/>
+                    </a:p>
+                  </a:txBody>
+                  <a:tcPr/>
+                </a:tc>
+                <a:tc>
+                  <a:txBody>
+                    <a:bodyPr/>
+                    <a:lstStyle/>
+                    <a:p>
+                      <a:r>
+                        <a:rPr lang="en-US" sz="2000" dirty="0"/>
+                        <a:t>References</a:t>
+                      </a:r>
+                      <a:endParaRPr lang="th-TH" sz="2000" dirty="0"/>
+                    </a:p>
+                  </a:txBody>
+                  <a:tcPr/>
+                </a:tc>
+                <a:extLst>
+                  <a:ext uri="{0D108BD9-81ED-4DB2-BD59-A6C34878D82A}">
+                    <a16:rowId xmlns:a16="http://schemas.microsoft.com/office/drawing/2014/main" val="3363304978"/>
+                  </a:ext>
+                </a:extLst>
+              </a:tr>
+              <a:tr h="370840">
+                <a:tc>
+                  <a:txBody>
+                    <a:bodyPr/>
+                    <a:lstStyle/>
+                    <a:p>
+                      <a:r>
+                        <a:rPr lang="en-US" sz="2000" dirty="0"/>
+                        <a:t>NUM_OTOLARYNGOLOGY_DEPARTMENT</a:t>
+                      </a:r>
+                      <a:endParaRPr lang="th-TH" sz="2000" dirty="0"/>
+                    </a:p>
+                  </a:txBody>
+                  <a:tcPr/>
+                </a:tc>
+                <a:tc>
+                  <a:txBody>
+                    <a:bodyPr/>
+                    <a:lstStyle/>
+                    <a:p>
+                      <a:r>
+                        <a:rPr lang="en-US" sz="2000" dirty="0"/>
+                        <a:t>Constant</a:t>
+                      </a:r>
+                      <a:endParaRPr lang="th-TH" sz="2000" dirty="0"/>
+                    </a:p>
+                  </a:txBody>
+                  <a:tcPr/>
+                </a:tc>
+                <a:tc>
+                  <a:txBody>
+                    <a:bodyPr/>
+                    <a:lstStyle/>
+                    <a:p>
+                      <a:r>
+                        <a:rPr lang="en-US" sz="2000" dirty="0"/>
+                        <a:t>1</a:t>
+                      </a:r>
+                      <a:endParaRPr lang="th-TH" sz="2000" dirty="0"/>
+                    </a:p>
+                  </a:txBody>
+                  <a:tcPr/>
+                </a:tc>
+                <a:tc>
+                  <a:txBody>
+                    <a:bodyPr/>
+                    <a:lstStyle/>
+                    <a:p>
+                      <a:r>
+                        <a:rPr lang="en-US" sz="2000" dirty="0"/>
+                        <a:t>Manually Defined</a:t>
+                      </a:r>
+                      <a:endParaRPr lang="th-TH" sz="2000" dirty="0"/>
+                    </a:p>
+                  </a:txBody>
+                  <a:tcPr/>
+                </a:tc>
+                <a:extLst>
+                  <a:ext uri="{0D108BD9-81ED-4DB2-BD59-A6C34878D82A}">
+                    <a16:rowId xmlns:a16="http://schemas.microsoft.com/office/drawing/2014/main" val="2924943951"/>
+                  </a:ext>
+                </a:extLst>
+              </a:tr>
+              <a:tr h="370840">
+                <a:tc>
+                  <a:txBody>
+                    <a:bodyPr/>
+                    <a:lstStyle/>
+                    <a:p>
+                      <a:r>
+                        <a:rPr lang="en-US" sz="2000" dirty="0" err="1"/>
+                        <a:t>Sampled_OTOLARYNGOLOGY_time_usage</a:t>
+                      </a:r>
+                      <a:endParaRPr lang="th-TH" sz="2000" dirty="0"/>
+                    </a:p>
+                  </a:txBody>
+                  <a:tcPr/>
+                </a:tc>
+                <a:tc>
+                  <a:txBody>
+                    <a:bodyPr/>
+                    <a:lstStyle/>
+                    <a:p>
+                      <a:r>
+                        <a:rPr lang="en-US" sz="2000" dirty="0"/>
+                        <a:t>Random</a:t>
+                      </a:r>
+                      <a:endParaRPr lang="th-TH" sz="2000" dirty="0"/>
+                    </a:p>
+                  </a:txBody>
+                  <a:tcPr/>
+                </a:tc>
+                <a:tc>
+                  <a:txBody>
+                    <a:bodyPr/>
+                    <a:lstStyle/>
+                    <a:p>
+                      <a:endParaRPr lang="th-TH" sz="2000" dirty="0"/>
+                    </a:p>
+                  </a:txBody>
+                  <a:tcPr/>
+                </a:tc>
+                <a:tc>
+                  <a:txBody>
+                    <a:bodyPr/>
+                    <a:lstStyle/>
+                    <a:p>
+                      <a:endParaRPr lang="th-TH" sz="2000" dirty="0"/>
+                    </a:p>
+                  </a:txBody>
+                  <a:tcPr/>
+                </a:tc>
+                <a:extLst>
+                  <a:ext uri="{0D108BD9-81ED-4DB2-BD59-A6C34878D82A}">
+                    <a16:rowId xmlns:a16="http://schemas.microsoft.com/office/drawing/2014/main" val="1760593540"/>
+                  </a:ext>
+                </a:extLst>
+              </a:tr>
+              <a:tr h="370840">
+                <a:tc>
+                  <a:txBody>
+                    <a:bodyPr/>
+                    <a:lstStyle/>
+                    <a:p>
+                      <a:r>
+                        <a:rPr lang="en-US" sz="2000" dirty="0"/>
+                        <a:t>NUM_THORACIC_DEPARTMENT</a:t>
+                      </a:r>
+                      <a:endParaRPr lang="th-TH" sz="2000" dirty="0"/>
+                    </a:p>
+                  </a:txBody>
+                  <a:tcPr/>
+                </a:tc>
+                <a:tc>
+                  <a:txBody>
+                    <a:bodyPr/>
+                    <a:lstStyle/>
+                    <a:p>
+                      <a:r>
+                        <a:rPr lang="en-US" sz="2000" dirty="0"/>
+                        <a:t>Constant</a:t>
+                      </a:r>
+                      <a:endParaRPr lang="th-TH" sz="2000" dirty="0"/>
+                    </a:p>
+                  </a:txBody>
+                  <a:tcPr/>
+                </a:tc>
+                <a:tc>
+                  <a:txBody>
+                    <a:bodyPr/>
+                    <a:lstStyle/>
+                    <a:p>
+                      <a:r>
+                        <a:rPr lang="en-US" sz="2000" dirty="0"/>
+                        <a:t>1</a:t>
+                      </a:r>
+                      <a:endParaRPr lang="th-TH" sz="2000" dirty="0"/>
+                    </a:p>
+                  </a:txBody>
+                  <a:tcPr/>
+                </a:tc>
+                <a:tc>
+                  <a:txBody>
+                    <a:bodyPr/>
+                    <a:lstStyle/>
+                    <a:p>
+                      <a:r>
+                        <a:rPr lang="en-US" sz="2000" dirty="0"/>
+                        <a:t>Manually Defined</a:t>
+                      </a:r>
+                      <a:endParaRPr lang="th-TH" sz="2000" dirty="0"/>
+                    </a:p>
+                  </a:txBody>
+                  <a:tcPr/>
+                </a:tc>
+                <a:extLst>
+                  <a:ext uri="{0D108BD9-81ED-4DB2-BD59-A6C34878D82A}">
+                    <a16:rowId xmlns:a16="http://schemas.microsoft.com/office/drawing/2014/main" val="2748143210"/>
+                  </a:ext>
+                </a:extLst>
+              </a:tr>
+              <a:tr h="370840">
+                <a:tc>
+                  <a:txBody>
+                    <a:bodyPr/>
+                    <a:lstStyle/>
+                    <a:p>
+                      <a:r>
+                        <a:rPr lang="en-US" sz="2000" dirty="0" err="1"/>
+                        <a:t>Sampled_THORACIC_time_usage</a:t>
+                      </a:r>
+                      <a:endParaRPr lang="th-TH" sz="2000" dirty="0"/>
+                    </a:p>
+                  </a:txBody>
+                  <a:tcPr/>
+                </a:tc>
+                <a:tc>
+                  <a:txBody>
+                    <a:bodyPr/>
+                    <a:lstStyle/>
+                    <a:p>
+                      <a:r>
+                        <a:rPr lang="en-US" sz="2000" dirty="0"/>
+                        <a:t>Random</a:t>
+                      </a:r>
+                      <a:endParaRPr lang="th-TH" sz="2000" dirty="0"/>
+                    </a:p>
+                  </a:txBody>
+                  <a:tcPr/>
+                </a:tc>
+                <a:tc>
+                  <a:txBody>
+                    <a:bodyPr/>
+                    <a:lstStyle/>
+                    <a:p>
+                      <a:endParaRPr lang="th-TH" sz="2000" dirty="0"/>
+                    </a:p>
+                  </a:txBody>
+                  <a:tcPr/>
+                </a:tc>
+                <a:tc>
+                  <a:txBody>
+                    <a:bodyPr/>
+                    <a:lstStyle/>
+                    <a:p>
+                      <a:endParaRPr lang="th-TH" sz="2000" dirty="0"/>
+                    </a:p>
+                  </a:txBody>
+                  <a:tcPr/>
+                </a:tc>
+                <a:extLst>
+                  <a:ext uri="{0D108BD9-81ED-4DB2-BD59-A6C34878D82A}">
+                    <a16:rowId xmlns:a16="http://schemas.microsoft.com/office/drawing/2014/main" val="3709655095"/>
+                  </a:ext>
+                </a:extLst>
+              </a:tr>
+              <a:tr h="370840">
+                <a:tc>
+                  <a:txBody>
+                    <a:bodyPr/>
+                    <a:lstStyle/>
+                    <a:p>
+                      <a:r>
+                        <a:rPr lang="en-US" sz="2000" dirty="0"/>
+                        <a:t>NUM_HEMATOLOGY_DEPARTMENT</a:t>
+                      </a:r>
+                      <a:endParaRPr lang="th-TH" sz="2000" dirty="0"/>
+                    </a:p>
+                  </a:txBody>
+                  <a:tcPr/>
+                </a:tc>
+                <a:tc>
+                  <a:txBody>
+                    <a:bodyPr/>
+                    <a:lstStyle/>
+                    <a:p>
+                      <a:r>
+                        <a:rPr lang="en-US" sz="2000" dirty="0"/>
+                        <a:t>Constant</a:t>
+                      </a:r>
+                      <a:endParaRPr lang="th-TH" sz="2000" dirty="0"/>
+                    </a:p>
+                  </a:txBody>
+                  <a:tcPr/>
+                </a:tc>
+                <a:tc>
+                  <a:txBody>
+                    <a:bodyPr/>
+                    <a:lstStyle/>
+                    <a:p>
+                      <a:r>
+                        <a:rPr lang="en-US" sz="2000" dirty="0"/>
+                        <a:t>2</a:t>
+                      </a:r>
+                      <a:endParaRPr lang="th-TH" sz="2000" dirty="0"/>
+                    </a:p>
+                  </a:txBody>
+                  <a:tcPr/>
+                </a:tc>
+                <a:tc>
+                  <a:txBody>
+                    <a:bodyPr/>
+                    <a:lstStyle/>
+                    <a:p>
+                      <a:r>
+                        <a:rPr lang="en-US" sz="2000" dirty="0"/>
+                        <a:t>Manually Defined</a:t>
+                      </a:r>
+                      <a:endParaRPr lang="th-TH" sz="2000" dirty="0"/>
+                    </a:p>
+                  </a:txBody>
+                  <a:tcPr/>
+                </a:tc>
+                <a:extLst>
+                  <a:ext uri="{0D108BD9-81ED-4DB2-BD59-A6C34878D82A}">
+                    <a16:rowId xmlns:a16="http://schemas.microsoft.com/office/drawing/2014/main" val="1154485082"/>
+                  </a:ext>
+                </a:extLst>
+              </a:tr>
+              <a:tr h="370840">
+                <a:tc>
+                  <a:txBody>
+                    <a:bodyPr/>
+                    <a:lstStyle/>
+                    <a:p>
+                      <a:r>
+                        <a:rPr lang="en-US" sz="2000" dirty="0" err="1"/>
+                        <a:t>Sampled_HEMATOLOGY_time_usage</a:t>
+                      </a:r>
+                      <a:endParaRPr lang="th-TH" sz="2000" dirty="0"/>
+                    </a:p>
+                  </a:txBody>
+                  <a:tcPr/>
+                </a:tc>
+                <a:tc>
+                  <a:txBody>
+                    <a:bodyPr/>
+                    <a:lstStyle/>
+                    <a:p>
+                      <a:r>
+                        <a:rPr lang="en-US" sz="2000" dirty="0"/>
+                        <a:t>Random</a:t>
+                      </a:r>
+                      <a:endParaRPr lang="th-TH" sz="2000" dirty="0"/>
+                    </a:p>
+                  </a:txBody>
+                  <a:tcPr/>
+                </a:tc>
+                <a:tc>
+                  <a:txBody>
+                    <a:bodyPr/>
+                    <a:lstStyle/>
+                    <a:p>
+                      <a:endParaRPr lang="th-TH" sz="2000" dirty="0"/>
+                    </a:p>
+                  </a:txBody>
+                  <a:tcPr/>
+                </a:tc>
+                <a:tc>
+                  <a:txBody>
+                    <a:bodyPr/>
+                    <a:lstStyle/>
+                    <a:p>
+                      <a:endParaRPr lang="th-TH" sz="2000" dirty="0"/>
+                    </a:p>
+                  </a:txBody>
+                  <a:tcPr/>
+                </a:tc>
+                <a:extLst>
+                  <a:ext uri="{0D108BD9-81ED-4DB2-BD59-A6C34878D82A}">
+                    <a16:rowId xmlns:a16="http://schemas.microsoft.com/office/drawing/2014/main" val="400899255"/>
+                  </a:ext>
+                </a:extLst>
+              </a:tr>
+            </a:tbl>
+          </a:graphicData>
+        </a:graphic>
+      </p:graphicFrame>
+      <p:sp>
+        <p:nvSpPr>
+          <p:cNvPr id="4" name="Slide Number Placeholder 3">
+            <a:extLst>
+              <a:ext uri="{FF2B5EF4-FFF2-40B4-BE49-F238E27FC236}">
+                <a16:creationId xmlns:a16="http://schemas.microsoft.com/office/drawing/2014/main" id="{E5635828-97ED-41F3-B51B-0D5CDAA8C1B5}"/>
+              </a:ext>
+            </a:extLst>
+          </p:cNvPr>
+          <p:cNvSpPr>
+            <a:spLocks noGrp="1"/>
+          </p:cNvSpPr>
+          <p:nvPr>
+            <p:ph type="sldNum" sz="quarter" idx="12"/>
+          </p:nvPr>
+        </p:nvSpPr>
+        <p:spPr/>
+        <p:txBody>
+          <a:bodyPr/>
+          <a:lstStyle/>
+          <a:p>
+            <a:fld id="{7480E37F-6EFF-472E-8144-B9391FAC94FB}" type="slidenum">
+              <a:rPr lang="th-TH" smtClean="0"/>
+              <a:t>22</a:t>
+            </a:fld>
+            <a:endParaRPr lang="th-TH"/>
+          </a:p>
+        </p:txBody>
+      </p:sp>
+    </p:spTree>
+    <p:extLst>
+      <p:ext uri="{BB962C8B-B14F-4D97-AF65-F5344CB8AC3E}">
+        <p14:creationId xmlns:p14="http://schemas.microsoft.com/office/powerpoint/2010/main" val="3562410373"/>
+      </p:ext>
+    </p:extLst>
+  </p:cSld>
+  <p:clrMapOvr>
+    <a:masterClrMapping/>
+  </p:clrMapOvr>
+</p:sld>
+</file>
+
+<file path=ppt/slides/slide23.xml><?xml version="1.0" encoding="utf-8"?>
+<p:sld xmlns:a="http://schemas.openxmlformats.org/drawingml/2006/main" xmlns:r="http://schemas.openxmlformats.org/officeDocument/2006/relationships" xmlns:p="http://schemas.openxmlformats.org/presentationml/2006/main">
+  <p:cSld>
+    <p:spTree>
+      <p:nvGrpSpPr>
+        <p:cNvPr id="1" name=""/>
+        <p:cNvGrpSpPr/>
+        <p:nvPr/>
+      </p:nvGrpSpPr>
+      <p:grpSpPr>
+        <a:xfrm>
+          <a:off x="0" y="0"/>
+          <a:ext cx="0" cy="0"/>
+          <a:chOff x="0" y="0"/>
+          <a:chExt cx="0" cy="0"/>
+        </a:xfrm>
+      </p:grpSpPr>
+      <p:sp>
+        <p:nvSpPr>
+          <p:cNvPr id="2" name="Title 1">
+            <a:extLst>
+              <a:ext uri="{FF2B5EF4-FFF2-40B4-BE49-F238E27FC236}">
+                <a16:creationId xmlns:a16="http://schemas.microsoft.com/office/drawing/2014/main" id="{3D65D1A6-E5C4-4E43-A4C0-A9FD06633B3F}"/>
+              </a:ext>
+            </a:extLst>
+          </p:cNvPr>
+          <p:cNvSpPr>
+            <a:spLocks noGrp="1"/>
+          </p:cNvSpPr>
+          <p:nvPr>
+            <p:ph type="title"/>
+          </p:nvPr>
+        </p:nvSpPr>
+        <p:spPr/>
+        <p:txBody>
+          <a:bodyPr/>
+          <a:lstStyle/>
+          <a:p>
+            <a:r>
+              <a:rPr lang="en-US" dirty="0"/>
+              <a:t>DES parameter initialization</a:t>
+            </a:r>
+            <a:endParaRPr lang="th-TH" dirty="0"/>
+          </a:p>
+        </p:txBody>
+      </p:sp>
+      <p:graphicFrame>
+        <p:nvGraphicFramePr>
+          <p:cNvPr id="5" name="Table 5">
+            <a:extLst>
+              <a:ext uri="{FF2B5EF4-FFF2-40B4-BE49-F238E27FC236}">
+                <a16:creationId xmlns:a16="http://schemas.microsoft.com/office/drawing/2014/main" id="{9133FF32-AF79-43C5-839A-1C3DEE1EAB90}"/>
+              </a:ext>
+            </a:extLst>
+          </p:cNvPr>
+          <p:cNvGraphicFramePr>
+            <a:graphicFrameLocks noGrp="1"/>
+          </p:cNvGraphicFramePr>
+          <p:nvPr>
+            <p:ph idx="1"/>
+            <p:extLst>
+              <p:ext uri="{D42A27DB-BD31-4B8C-83A1-F6EECF244321}">
+                <p14:modId xmlns:p14="http://schemas.microsoft.com/office/powerpoint/2010/main" val="4227604376"/>
+              </p:ext>
+            </p:extLst>
+          </p:nvPr>
+        </p:nvGraphicFramePr>
+        <p:xfrm>
+          <a:off x="838200" y="1825625"/>
+          <a:ext cx="10515596" cy="4602480"/>
+        </p:xfrm>
+        <a:graphic>
+          <a:graphicData uri="http://schemas.openxmlformats.org/drawingml/2006/table">
+            <a:tbl>
+              <a:tblPr firstRow="1" bandRow="1">
+                <a:tableStyleId>{5C22544A-7EE6-4342-B048-85BDC9FD1C3A}</a:tableStyleId>
+              </a:tblPr>
+              <a:tblGrid>
+                <a:gridCol w="2628899">
+                  <a:extLst>
+                    <a:ext uri="{9D8B030D-6E8A-4147-A177-3AD203B41FA5}">
+                      <a16:colId xmlns:a16="http://schemas.microsoft.com/office/drawing/2014/main" val="3485038471"/>
+                    </a:ext>
+                  </a:extLst>
+                </a:gridCol>
+                <a:gridCol w="1790701">
+                  <a:extLst>
+                    <a:ext uri="{9D8B030D-6E8A-4147-A177-3AD203B41FA5}">
+                      <a16:colId xmlns:a16="http://schemas.microsoft.com/office/drawing/2014/main" val="3826957963"/>
+                    </a:ext>
+                  </a:extLst>
+                </a:gridCol>
+                <a:gridCol w="3467097">
+                  <a:extLst>
+                    <a:ext uri="{9D8B030D-6E8A-4147-A177-3AD203B41FA5}">
+                      <a16:colId xmlns:a16="http://schemas.microsoft.com/office/drawing/2014/main" val="2651300033"/>
+                    </a:ext>
+                  </a:extLst>
+                </a:gridCol>
+                <a:gridCol w="2628899">
+                  <a:extLst>
+                    <a:ext uri="{9D8B030D-6E8A-4147-A177-3AD203B41FA5}">
+                      <a16:colId xmlns:a16="http://schemas.microsoft.com/office/drawing/2014/main" val="3746924660"/>
+                    </a:ext>
+                  </a:extLst>
+                </a:gridCol>
+              </a:tblGrid>
+              <a:tr h="370840">
+                <a:tc>
+                  <a:txBody>
+                    <a:bodyPr/>
+                    <a:lstStyle/>
+                    <a:p>
+                      <a:r>
+                        <a:rPr lang="en-US" sz="2000" dirty="0"/>
+                        <a:t>Parameters</a:t>
+                      </a:r>
+                      <a:endParaRPr lang="th-TH" sz="2000" dirty="0"/>
+                    </a:p>
+                  </a:txBody>
+                  <a:tcPr/>
+                </a:tc>
+                <a:tc>
+                  <a:txBody>
+                    <a:bodyPr/>
+                    <a:lstStyle/>
+                    <a:p>
+                      <a:r>
+                        <a:rPr lang="en-US" sz="2000" dirty="0"/>
+                        <a:t>Initialization</a:t>
+                      </a:r>
+                      <a:endParaRPr lang="th-TH" sz="2000" dirty="0"/>
+                    </a:p>
+                  </a:txBody>
+                  <a:tcPr/>
+                </a:tc>
+                <a:tc>
+                  <a:txBody>
+                    <a:bodyPr/>
+                    <a:lstStyle/>
+                    <a:p>
+                      <a:r>
+                        <a:rPr lang="en-US" sz="2000" dirty="0"/>
+                        <a:t>Distribution</a:t>
+                      </a:r>
+                      <a:endParaRPr lang="th-TH" sz="2000" dirty="0"/>
+                    </a:p>
+                  </a:txBody>
+                  <a:tcPr/>
+                </a:tc>
+                <a:tc>
+                  <a:txBody>
+                    <a:bodyPr/>
+                    <a:lstStyle/>
+                    <a:p>
+                      <a:r>
+                        <a:rPr lang="en-US" sz="2000" dirty="0"/>
+                        <a:t>References</a:t>
+                      </a:r>
+                      <a:endParaRPr lang="th-TH" sz="2000" dirty="0"/>
+                    </a:p>
+                  </a:txBody>
+                  <a:tcPr/>
+                </a:tc>
+                <a:extLst>
+                  <a:ext uri="{0D108BD9-81ED-4DB2-BD59-A6C34878D82A}">
+                    <a16:rowId xmlns:a16="http://schemas.microsoft.com/office/drawing/2014/main" val="3363304978"/>
+                  </a:ext>
+                </a:extLst>
+              </a:tr>
+              <a:tr h="370840">
+                <a:tc>
+                  <a:txBody>
+                    <a:bodyPr/>
+                    <a:lstStyle/>
+                    <a:p>
+                      <a:r>
+                        <a:rPr lang="en-US" sz="2000" dirty="0"/>
+                        <a:t>NUM_GI_LIVER_DEPARTMENT</a:t>
+                      </a:r>
+                      <a:endParaRPr lang="th-TH" sz="2000" dirty="0"/>
+                    </a:p>
+                  </a:txBody>
+                  <a:tcPr/>
+                </a:tc>
+                <a:tc>
+                  <a:txBody>
+                    <a:bodyPr/>
+                    <a:lstStyle/>
+                    <a:p>
+                      <a:r>
+                        <a:rPr lang="en-US" sz="2000" dirty="0"/>
+                        <a:t>Constant</a:t>
+                      </a:r>
+                      <a:endParaRPr lang="th-TH" sz="2000" dirty="0"/>
+                    </a:p>
+                  </a:txBody>
+                  <a:tcPr/>
+                </a:tc>
+                <a:tc>
+                  <a:txBody>
+                    <a:bodyPr/>
+                    <a:lstStyle/>
+                    <a:p>
+                      <a:r>
+                        <a:rPr lang="en-US" sz="2000" dirty="0"/>
+                        <a:t>2</a:t>
+                      </a:r>
+                      <a:endParaRPr lang="th-TH" sz="2000" dirty="0"/>
+                    </a:p>
+                  </a:txBody>
+                  <a:tcPr/>
+                </a:tc>
+                <a:tc>
+                  <a:txBody>
+                    <a:bodyPr/>
+                    <a:lstStyle/>
+                    <a:p>
+                      <a:r>
+                        <a:rPr lang="en-US" sz="2000" dirty="0"/>
+                        <a:t>Manually Defined</a:t>
+                      </a:r>
+                      <a:endParaRPr lang="th-TH" sz="2000" dirty="0"/>
+                    </a:p>
+                  </a:txBody>
+                  <a:tcPr/>
+                </a:tc>
+                <a:extLst>
+                  <a:ext uri="{0D108BD9-81ED-4DB2-BD59-A6C34878D82A}">
+                    <a16:rowId xmlns:a16="http://schemas.microsoft.com/office/drawing/2014/main" val="2924943951"/>
+                  </a:ext>
+                </a:extLst>
+              </a:tr>
+              <a:tr h="370840">
+                <a:tc>
+                  <a:txBody>
+                    <a:bodyPr/>
+                    <a:lstStyle/>
+                    <a:p>
+                      <a:r>
+                        <a:rPr lang="en-US" sz="2000" dirty="0" err="1"/>
+                        <a:t>Sampled_GI_LIVER_time_usage</a:t>
+                      </a:r>
+                      <a:endParaRPr lang="th-TH" sz="2000" dirty="0"/>
+                    </a:p>
+                  </a:txBody>
+                  <a:tcPr/>
+                </a:tc>
+                <a:tc>
+                  <a:txBody>
+                    <a:bodyPr/>
+                    <a:lstStyle/>
+                    <a:p>
+                      <a:r>
+                        <a:rPr lang="en-US" sz="2000" dirty="0"/>
+                        <a:t>Random</a:t>
+                      </a:r>
+                      <a:endParaRPr lang="th-TH" sz="2000" dirty="0"/>
+                    </a:p>
+                  </a:txBody>
+                  <a:tcPr/>
+                </a:tc>
+                <a:tc>
+                  <a:txBody>
+                    <a:bodyPr/>
+                    <a:lstStyle/>
+                    <a:p>
+                      <a:endParaRPr lang="th-TH" sz="2000" dirty="0"/>
+                    </a:p>
+                  </a:txBody>
+                  <a:tcPr/>
+                </a:tc>
+                <a:tc>
+                  <a:txBody>
+                    <a:bodyPr/>
+                    <a:lstStyle/>
+                    <a:p>
+                      <a:endParaRPr lang="th-TH" sz="2000" dirty="0"/>
+                    </a:p>
+                  </a:txBody>
+                  <a:tcPr/>
+                </a:tc>
+                <a:extLst>
+                  <a:ext uri="{0D108BD9-81ED-4DB2-BD59-A6C34878D82A}">
+                    <a16:rowId xmlns:a16="http://schemas.microsoft.com/office/drawing/2014/main" val="1760593540"/>
+                  </a:ext>
+                </a:extLst>
+              </a:tr>
+              <a:tr h="370840">
+                <a:tc>
+                  <a:txBody>
+                    <a:bodyPr/>
+                    <a:lstStyle/>
+                    <a:p>
+                      <a:r>
+                        <a:rPr lang="en-US" sz="2000" dirty="0"/>
+                        <a:t>NUM_GYNAECOLOGY_DEPARTMENT</a:t>
+                      </a:r>
+                      <a:endParaRPr lang="th-TH" sz="2000" dirty="0"/>
+                    </a:p>
+                  </a:txBody>
+                  <a:tcPr/>
+                </a:tc>
+                <a:tc>
+                  <a:txBody>
+                    <a:bodyPr/>
+                    <a:lstStyle/>
+                    <a:p>
+                      <a:r>
+                        <a:rPr lang="en-US" sz="2000" dirty="0"/>
+                        <a:t>Constant</a:t>
+                      </a:r>
+                      <a:endParaRPr lang="th-TH" sz="2000" dirty="0"/>
+                    </a:p>
+                  </a:txBody>
+                  <a:tcPr/>
+                </a:tc>
+                <a:tc>
+                  <a:txBody>
+                    <a:bodyPr/>
+                    <a:lstStyle/>
+                    <a:p>
+                      <a:r>
+                        <a:rPr lang="en-US" sz="2000" dirty="0"/>
+                        <a:t>1</a:t>
+                      </a:r>
+                      <a:endParaRPr lang="th-TH" sz="2000" dirty="0"/>
+                    </a:p>
+                  </a:txBody>
+                  <a:tcPr/>
+                </a:tc>
+                <a:tc>
+                  <a:txBody>
+                    <a:bodyPr/>
+                    <a:lstStyle/>
+                    <a:p>
+                      <a:r>
+                        <a:rPr lang="en-US" sz="2000" dirty="0"/>
+                        <a:t>Manually Defined</a:t>
+                      </a:r>
+                      <a:endParaRPr lang="th-TH" sz="2000" dirty="0"/>
+                    </a:p>
+                  </a:txBody>
+                  <a:tcPr/>
+                </a:tc>
+                <a:extLst>
+                  <a:ext uri="{0D108BD9-81ED-4DB2-BD59-A6C34878D82A}">
+                    <a16:rowId xmlns:a16="http://schemas.microsoft.com/office/drawing/2014/main" val="2748143210"/>
+                  </a:ext>
+                </a:extLst>
+              </a:tr>
+              <a:tr h="370840">
+                <a:tc>
+                  <a:txBody>
+                    <a:bodyPr/>
+                    <a:lstStyle/>
+                    <a:p>
+                      <a:r>
+                        <a:rPr lang="en-US" sz="2000" dirty="0" err="1"/>
+                        <a:t>Sampled_GYNAECOLOGY_time_usage</a:t>
+                      </a:r>
+                      <a:endParaRPr lang="th-TH" sz="2000" dirty="0"/>
+                    </a:p>
+                  </a:txBody>
+                  <a:tcPr/>
+                </a:tc>
+                <a:tc>
+                  <a:txBody>
+                    <a:bodyPr/>
+                    <a:lstStyle/>
+                    <a:p>
+                      <a:r>
+                        <a:rPr lang="en-US" sz="2000" dirty="0"/>
+                        <a:t>Random</a:t>
+                      </a:r>
+                      <a:endParaRPr lang="th-TH" sz="2000" dirty="0"/>
+                    </a:p>
+                  </a:txBody>
+                  <a:tcPr/>
+                </a:tc>
+                <a:tc>
+                  <a:txBody>
+                    <a:bodyPr/>
+                    <a:lstStyle/>
+                    <a:p>
+                      <a:endParaRPr lang="th-TH" sz="2000" dirty="0"/>
+                    </a:p>
+                  </a:txBody>
+                  <a:tcPr/>
+                </a:tc>
+                <a:tc>
+                  <a:txBody>
+                    <a:bodyPr/>
+                    <a:lstStyle/>
+                    <a:p>
+                      <a:endParaRPr lang="th-TH" sz="2000" dirty="0"/>
+                    </a:p>
+                  </a:txBody>
+                  <a:tcPr/>
+                </a:tc>
+                <a:extLst>
+                  <a:ext uri="{0D108BD9-81ED-4DB2-BD59-A6C34878D82A}">
+                    <a16:rowId xmlns:a16="http://schemas.microsoft.com/office/drawing/2014/main" val="3709655095"/>
+                  </a:ext>
+                </a:extLst>
+              </a:tr>
+              <a:tr h="370840">
+                <a:tc>
+                  <a:txBody>
+                    <a:bodyPr/>
+                    <a:lstStyle/>
+                    <a:p>
+                      <a:r>
+                        <a:rPr lang="en-US" sz="2000" dirty="0"/>
+                        <a:t>NUM_NEPHROLOGY_DEPARTMENT</a:t>
+                      </a:r>
+                      <a:endParaRPr lang="th-TH" sz="2000" dirty="0"/>
+                    </a:p>
+                  </a:txBody>
+                  <a:tcPr/>
+                </a:tc>
+                <a:tc>
+                  <a:txBody>
+                    <a:bodyPr/>
+                    <a:lstStyle/>
+                    <a:p>
+                      <a:r>
+                        <a:rPr lang="en-US" sz="2000" dirty="0"/>
+                        <a:t>Constant</a:t>
+                      </a:r>
+                      <a:endParaRPr lang="th-TH" sz="2000" dirty="0"/>
+                    </a:p>
+                  </a:txBody>
+                  <a:tcPr/>
+                </a:tc>
+                <a:tc>
+                  <a:txBody>
+                    <a:bodyPr/>
+                    <a:lstStyle/>
+                    <a:p>
+                      <a:r>
+                        <a:rPr lang="en-US" sz="2000" dirty="0"/>
+                        <a:t>5</a:t>
+                      </a:r>
+                      <a:endParaRPr lang="th-TH" sz="2000" dirty="0"/>
+                    </a:p>
+                  </a:txBody>
+                  <a:tcPr/>
+                </a:tc>
+                <a:tc>
+                  <a:txBody>
+                    <a:bodyPr/>
+                    <a:lstStyle/>
+                    <a:p>
+                      <a:r>
+                        <a:rPr lang="en-US" sz="2000" dirty="0"/>
+                        <a:t>Manually Defined</a:t>
+                      </a:r>
+                      <a:endParaRPr lang="th-TH" sz="2000" dirty="0"/>
+                    </a:p>
+                  </a:txBody>
+                  <a:tcPr/>
+                </a:tc>
+                <a:extLst>
+                  <a:ext uri="{0D108BD9-81ED-4DB2-BD59-A6C34878D82A}">
+                    <a16:rowId xmlns:a16="http://schemas.microsoft.com/office/drawing/2014/main" val="1154485082"/>
+                  </a:ext>
+                </a:extLst>
+              </a:tr>
+              <a:tr h="370840">
+                <a:tc>
+                  <a:txBody>
+                    <a:bodyPr/>
+                    <a:lstStyle/>
+                    <a:p>
+                      <a:r>
+                        <a:rPr lang="en-US" sz="2000" dirty="0" err="1"/>
+                        <a:t>Sampled_NEPHROLOGY_time_usage</a:t>
+                      </a:r>
+                      <a:endParaRPr lang="th-TH" sz="2000" dirty="0"/>
+                    </a:p>
+                  </a:txBody>
+                  <a:tcPr/>
+                </a:tc>
+                <a:tc>
+                  <a:txBody>
+                    <a:bodyPr/>
+                    <a:lstStyle/>
+                    <a:p>
+                      <a:r>
+                        <a:rPr lang="en-US" sz="2000" dirty="0"/>
+                        <a:t>Random</a:t>
+                      </a:r>
+                      <a:endParaRPr lang="th-TH" sz="2000" dirty="0"/>
+                    </a:p>
+                  </a:txBody>
+                  <a:tcPr/>
+                </a:tc>
+                <a:tc>
+                  <a:txBody>
+                    <a:bodyPr/>
+                    <a:lstStyle/>
+                    <a:p>
+                      <a:endParaRPr lang="th-TH" sz="2000" dirty="0"/>
+                    </a:p>
+                  </a:txBody>
+                  <a:tcPr/>
+                </a:tc>
+                <a:tc>
+                  <a:txBody>
+                    <a:bodyPr/>
+                    <a:lstStyle/>
+                    <a:p>
+                      <a:endParaRPr lang="th-TH" sz="2000" dirty="0"/>
+                    </a:p>
+                  </a:txBody>
+                  <a:tcPr/>
+                </a:tc>
+                <a:extLst>
+                  <a:ext uri="{0D108BD9-81ED-4DB2-BD59-A6C34878D82A}">
+                    <a16:rowId xmlns:a16="http://schemas.microsoft.com/office/drawing/2014/main" val="400899255"/>
+                  </a:ext>
+                </a:extLst>
+              </a:tr>
+            </a:tbl>
+          </a:graphicData>
+        </a:graphic>
+      </p:graphicFrame>
+      <p:sp>
+        <p:nvSpPr>
+          <p:cNvPr id="4" name="Slide Number Placeholder 3">
+            <a:extLst>
+              <a:ext uri="{FF2B5EF4-FFF2-40B4-BE49-F238E27FC236}">
+                <a16:creationId xmlns:a16="http://schemas.microsoft.com/office/drawing/2014/main" id="{E5635828-97ED-41F3-B51B-0D5CDAA8C1B5}"/>
+              </a:ext>
+            </a:extLst>
+          </p:cNvPr>
+          <p:cNvSpPr>
+            <a:spLocks noGrp="1"/>
+          </p:cNvSpPr>
+          <p:nvPr>
+            <p:ph type="sldNum" sz="quarter" idx="12"/>
+          </p:nvPr>
+        </p:nvSpPr>
+        <p:spPr/>
+        <p:txBody>
+          <a:bodyPr/>
+          <a:lstStyle/>
+          <a:p>
+            <a:fld id="{7480E37F-6EFF-472E-8144-B9391FAC94FB}" type="slidenum">
+              <a:rPr lang="th-TH" smtClean="0"/>
+              <a:t>23</a:t>
+            </a:fld>
+            <a:endParaRPr lang="th-TH"/>
+          </a:p>
+        </p:txBody>
+      </p:sp>
+    </p:spTree>
+    <p:extLst>
+      <p:ext uri="{BB962C8B-B14F-4D97-AF65-F5344CB8AC3E}">
+        <p14:creationId xmlns:p14="http://schemas.microsoft.com/office/powerpoint/2010/main" val="2839159368"/>
+      </p:ext>
+    </p:extLst>
+  </p:cSld>
+  <p:clrMapOvr>
+    <a:masterClrMapping/>
+  </p:clrMapOvr>
+</p:sld>
+</file>
+
+<file path=ppt/slides/slide24.xml><?xml version="1.0" encoding="utf-8"?>
+<p:sld xmlns:a="http://schemas.openxmlformats.org/drawingml/2006/main" xmlns:r="http://schemas.openxmlformats.org/officeDocument/2006/relationships" xmlns:p="http://schemas.openxmlformats.org/presentationml/2006/main">
+  <p:cSld>
+    <p:spTree>
+      <p:nvGrpSpPr>
+        <p:cNvPr id="1" name=""/>
+        <p:cNvGrpSpPr/>
+        <p:nvPr/>
+      </p:nvGrpSpPr>
+      <p:grpSpPr>
+        <a:xfrm>
+          <a:off x="0" y="0"/>
+          <a:ext cx="0" cy="0"/>
+          <a:chOff x="0" y="0"/>
+          <a:chExt cx="0" cy="0"/>
+        </a:xfrm>
+      </p:grpSpPr>
+      <p:sp>
+        <p:nvSpPr>
+          <p:cNvPr id="2" name="Title 1">
+            <a:extLst>
+              <a:ext uri="{FF2B5EF4-FFF2-40B4-BE49-F238E27FC236}">
+                <a16:creationId xmlns:a16="http://schemas.microsoft.com/office/drawing/2014/main" id="{3D65D1A6-E5C4-4E43-A4C0-A9FD06633B3F}"/>
+              </a:ext>
+            </a:extLst>
+          </p:cNvPr>
+          <p:cNvSpPr>
+            <a:spLocks noGrp="1"/>
+          </p:cNvSpPr>
+          <p:nvPr>
+            <p:ph type="title"/>
+          </p:nvPr>
+        </p:nvSpPr>
+        <p:spPr/>
+        <p:txBody>
+          <a:bodyPr/>
+          <a:lstStyle/>
+          <a:p>
+            <a:r>
+              <a:rPr lang="en-US" dirty="0"/>
+              <a:t>DES parameter initialization</a:t>
+            </a:r>
+            <a:endParaRPr lang="th-TH" dirty="0"/>
+          </a:p>
+        </p:txBody>
+      </p:sp>
+      <p:graphicFrame>
+        <p:nvGraphicFramePr>
+          <p:cNvPr id="5" name="Table 5">
+            <a:extLst>
+              <a:ext uri="{FF2B5EF4-FFF2-40B4-BE49-F238E27FC236}">
+                <a16:creationId xmlns:a16="http://schemas.microsoft.com/office/drawing/2014/main" id="{9133FF32-AF79-43C5-839A-1C3DEE1EAB90}"/>
+              </a:ext>
+            </a:extLst>
+          </p:cNvPr>
+          <p:cNvGraphicFramePr>
+            <a:graphicFrameLocks noGrp="1"/>
+          </p:cNvGraphicFramePr>
+          <p:nvPr>
+            <p:ph idx="1"/>
+            <p:extLst>
+              <p:ext uri="{D42A27DB-BD31-4B8C-83A1-F6EECF244321}">
+                <p14:modId xmlns:p14="http://schemas.microsoft.com/office/powerpoint/2010/main" val="1619835643"/>
+              </p:ext>
+            </p:extLst>
+          </p:nvPr>
+        </p:nvGraphicFramePr>
+        <p:xfrm>
+          <a:off x="838200" y="1825625"/>
+          <a:ext cx="10515596" cy="3200400"/>
+        </p:xfrm>
+        <a:graphic>
+          <a:graphicData uri="http://schemas.openxmlformats.org/drawingml/2006/table">
+            <a:tbl>
+              <a:tblPr firstRow="1" bandRow="1">
+                <a:tableStyleId>{5C22544A-7EE6-4342-B048-85BDC9FD1C3A}</a:tableStyleId>
+              </a:tblPr>
+              <a:tblGrid>
+                <a:gridCol w="2628899">
+                  <a:extLst>
+                    <a:ext uri="{9D8B030D-6E8A-4147-A177-3AD203B41FA5}">
+                      <a16:colId xmlns:a16="http://schemas.microsoft.com/office/drawing/2014/main" val="3485038471"/>
+                    </a:ext>
+                  </a:extLst>
+                </a:gridCol>
+                <a:gridCol w="1790701">
+                  <a:extLst>
+                    <a:ext uri="{9D8B030D-6E8A-4147-A177-3AD203B41FA5}">
+                      <a16:colId xmlns:a16="http://schemas.microsoft.com/office/drawing/2014/main" val="3826957963"/>
+                    </a:ext>
+                  </a:extLst>
+                </a:gridCol>
+                <a:gridCol w="3467097">
+                  <a:extLst>
+                    <a:ext uri="{9D8B030D-6E8A-4147-A177-3AD203B41FA5}">
+                      <a16:colId xmlns:a16="http://schemas.microsoft.com/office/drawing/2014/main" val="2651300033"/>
+                    </a:ext>
+                  </a:extLst>
+                </a:gridCol>
+                <a:gridCol w="2628899">
+                  <a:extLst>
+                    <a:ext uri="{9D8B030D-6E8A-4147-A177-3AD203B41FA5}">
+                      <a16:colId xmlns:a16="http://schemas.microsoft.com/office/drawing/2014/main" val="3746924660"/>
+                    </a:ext>
+                  </a:extLst>
+                </a:gridCol>
+              </a:tblGrid>
+              <a:tr h="370840">
+                <a:tc>
+                  <a:txBody>
+                    <a:bodyPr/>
+                    <a:lstStyle/>
+                    <a:p>
+                      <a:r>
+                        <a:rPr lang="en-US" sz="2000" dirty="0"/>
+                        <a:t>Parameters</a:t>
+                      </a:r>
+                      <a:endParaRPr lang="th-TH" sz="2000" dirty="0"/>
+                    </a:p>
+                  </a:txBody>
+                  <a:tcPr/>
+                </a:tc>
+                <a:tc>
+                  <a:txBody>
+                    <a:bodyPr/>
+                    <a:lstStyle/>
+                    <a:p>
+                      <a:r>
+                        <a:rPr lang="en-US" sz="2000" dirty="0"/>
+                        <a:t>Initialization</a:t>
+                      </a:r>
+                      <a:endParaRPr lang="th-TH" sz="2000" dirty="0"/>
+                    </a:p>
+                  </a:txBody>
+                  <a:tcPr/>
+                </a:tc>
+                <a:tc>
+                  <a:txBody>
+                    <a:bodyPr/>
+                    <a:lstStyle/>
+                    <a:p>
+                      <a:r>
+                        <a:rPr lang="en-US" sz="2000" dirty="0"/>
+                        <a:t>Distribution</a:t>
+                      </a:r>
+                      <a:endParaRPr lang="th-TH" sz="2000" dirty="0"/>
+                    </a:p>
+                  </a:txBody>
+                  <a:tcPr/>
+                </a:tc>
+                <a:tc>
+                  <a:txBody>
+                    <a:bodyPr/>
+                    <a:lstStyle/>
+                    <a:p>
+                      <a:r>
+                        <a:rPr lang="en-US" sz="2000" dirty="0"/>
+                        <a:t>References</a:t>
+                      </a:r>
+                      <a:endParaRPr lang="th-TH" sz="2000" dirty="0"/>
+                    </a:p>
+                  </a:txBody>
+                  <a:tcPr/>
+                </a:tc>
+                <a:extLst>
+                  <a:ext uri="{0D108BD9-81ED-4DB2-BD59-A6C34878D82A}">
+                    <a16:rowId xmlns:a16="http://schemas.microsoft.com/office/drawing/2014/main" val="3363304978"/>
+                  </a:ext>
+                </a:extLst>
+              </a:tr>
+              <a:tr h="370840">
+                <a:tc>
+                  <a:txBody>
+                    <a:bodyPr/>
+                    <a:lstStyle/>
+                    <a:p>
+                      <a:r>
+                        <a:rPr lang="en-US" sz="2000" dirty="0"/>
+                        <a:t>NUM_OPERATING_ROOM</a:t>
+                      </a:r>
+                      <a:endParaRPr lang="th-TH" sz="2000" dirty="0"/>
+                    </a:p>
+                  </a:txBody>
+                  <a:tcPr/>
+                </a:tc>
+                <a:tc>
+                  <a:txBody>
+                    <a:bodyPr/>
+                    <a:lstStyle/>
+                    <a:p>
+                      <a:r>
+                        <a:rPr lang="en-US" sz="2000" dirty="0"/>
+                        <a:t>Constant</a:t>
+                      </a:r>
+                      <a:endParaRPr lang="th-TH" sz="2000" dirty="0"/>
+                    </a:p>
+                  </a:txBody>
+                  <a:tcPr/>
+                </a:tc>
+                <a:tc>
+                  <a:txBody>
+                    <a:bodyPr/>
+                    <a:lstStyle/>
+                    <a:p>
+                      <a:r>
+                        <a:rPr lang="en-US" sz="2000" dirty="0"/>
+                        <a:t>3</a:t>
+                      </a:r>
+                      <a:endParaRPr lang="th-TH" sz="2000" dirty="0"/>
+                    </a:p>
+                  </a:txBody>
+                  <a:tcPr/>
+                </a:tc>
+                <a:tc>
+                  <a:txBody>
+                    <a:bodyPr/>
+                    <a:lstStyle/>
+                    <a:p>
+                      <a:r>
+                        <a:rPr lang="en-US" sz="2000" dirty="0"/>
+                        <a:t>Manually Defined</a:t>
+                      </a:r>
+                      <a:endParaRPr lang="th-TH" sz="2000" dirty="0"/>
+                    </a:p>
+                  </a:txBody>
+                  <a:tcPr/>
+                </a:tc>
+                <a:extLst>
+                  <a:ext uri="{0D108BD9-81ED-4DB2-BD59-A6C34878D82A}">
+                    <a16:rowId xmlns:a16="http://schemas.microsoft.com/office/drawing/2014/main" val="2924943951"/>
+                  </a:ext>
+                </a:extLst>
+              </a:tr>
+              <a:tr h="370840">
+                <a:tc>
+                  <a:txBody>
+                    <a:bodyPr/>
+                    <a:lstStyle/>
+                    <a:p>
+                      <a:r>
+                        <a:rPr lang="en-US" sz="2000" dirty="0" err="1"/>
+                        <a:t>Sampled_OPERATING_ROOM_time_usage</a:t>
+                      </a:r>
+                      <a:endParaRPr lang="th-TH" sz="2000" dirty="0"/>
+                    </a:p>
+                  </a:txBody>
+                  <a:tcPr/>
+                </a:tc>
+                <a:tc>
+                  <a:txBody>
+                    <a:bodyPr/>
+                    <a:lstStyle/>
+                    <a:p>
+                      <a:r>
+                        <a:rPr lang="en-US" sz="2000" dirty="0"/>
+                        <a:t>Random</a:t>
+                      </a:r>
+                      <a:endParaRPr lang="th-TH" sz="2000" dirty="0"/>
+                    </a:p>
+                  </a:txBody>
+                  <a:tcPr/>
+                </a:tc>
+                <a:tc>
+                  <a:txBody>
+                    <a:bodyPr/>
+                    <a:lstStyle/>
+                    <a:p>
+                      <a:endParaRPr lang="th-TH" sz="2000" dirty="0"/>
+                    </a:p>
+                  </a:txBody>
+                  <a:tcPr/>
+                </a:tc>
+                <a:tc>
+                  <a:txBody>
+                    <a:bodyPr/>
+                    <a:lstStyle/>
+                    <a:p>
+                      <a:endParaRPr lang="th-TH" sz="2000" dirty="0"/>
+                    </a:p>
+                  </a:txBody>
+                  <a:tcPr/>
+                </a:tc>
+                <a:extLst>
+                  <a:ext uri="{0D108BD9-81ED-4DB2-BD59-A6C34878D82A}">
+                    <a16:rowId xmlns:a16="http://schemas.microsoft.com/office/drawing/2014/main" val="1760593540"/>
+                  </a:ext>
+                </a:extLst>
+              </a:tr>
+              <a:tr h="370840">
+                <a:tc>
+                  <a:txBody>
+                    <a:bodyPr/>
+                    <a:lstStyle/>
+                    <a:p>
+                      <a:r>
+                        <a:rPr lang="en-US" sz="2000" dirty="0"/>
+                        <a:t>NUM_IPD_DEPARTMENT</a:t>
+                      </a:r>
+                      <a:endParaRPr lang="th-TH" sz="2000" dirty="0"/>
+                    </a:p>
+                  </a:txBody>
+                  <a:tcPr/>
+                </a:tc>
+                <a:tc>
+                  <a:txBody>
+                    <a:bodyPr/>
+                    <a:lstStyle/>
+                    <a:p>
+                      <a:r>
+                        <a:rPr lang="en-US" sz="2000" dirty="0"/>
+                        <a:t>Constant</a:t>
+                      </a:r>
+                      <a:endParaRPr lang="th-TH" sz="2000" dirty="0"/>
+                    </a:p>
+                  </a:txBody>
+                  <a:tcPr/>
+                </a:tc>
+                <a:tc>
+                  <a:txBody>
+                    <a:bodyPr/>
+                    <a:lstStyle/>
+                    <a:p>
+                      <a:r>
+                        <a:rPr lang="en-US" sz="2000" dirty="0"/>
+                        <a:t>400</a:t>
+                      </a:r>
+                      <a:endParaRPr lang="th-TH" sz="2000" dirty="0"/>
+                    </a:p>
+                  </a:txBody>
+                  <a:tcPr/>
+                </a:tc>
+                <a:tc>
+                  <a:txBody>
+                    <a:bodyPr/>
+                    <a:lstStyle/>
+                    <a:p>
+                      <a:r>
+                        <a:rPr lang="en-US" sz="2000" dirty="0"/>
+                        <a:t>Manually Defined</a:t>
+                      </a:r>
+                      <a:endParaRPr lang="th-TH" sz="2000" dirty="0"/>
+                    </a:p>
+                  </a:txBody>
+                  <a:tcPr/>
+                </a:tc>
+                <a:extLst>
+                  <a:ext uri="{0D108BD9-81ED-4DB2-BD59-A6C34878D82A}">
+                    <a16:rowId xmlns:a16="http://schemas.microsoft.com/office/drawing/2014/main" val="2748143210"/>
+                  </a:ext>
+                </a:extLst>
+              </a:tr>
+              <a:tr h="370840">
+                <a:tc>
+                  <a:txBody>
+                    <a:bodyPr/>
+                    <a:lstStyle/>
+                    <a:p>
+                      <a:r>
+                        <a:rPr lang="en-US" sz="2000" dirty="0" err="1"/>
+                        <a:t>Sampled_IPD_time_usage</a:t>
+                      </a:r>
+                      <a:endParaRPr lang="th-TH" sz="2000" dirty="0"/>
+                    </a:p>
+                  </a:txBody>
+                  <a:tcPr/>
+                </a:tc>
+                <a:tc>
+                  <a:txBody>
+                    <a:bodyPr/>
+                    <a:lstStyle/>
+                    <a:p>
+                      <a:r>
+                        <a:rPr lang="en-US" sz="2000" dirty="0"/>
+                        <a:t>Random</a:t>
+                      </a:r>
+                      <a:endParaRPr lang="th-TH" sz="2000" dirty="0"/>
+                    </a:p>
+                  </a:txBody>
+                  <a:tcPr/>
+                </a:tc>
+                <a:tc>
+                  <a:txBody>
+                    <a:bodyPr/>
+                    <a:lstStyle/>
+                    <a:p>
+                      <a:endParaRPr lang="th-TH" sz="2000" dirty="0"/>
+                    </a:p>
+                  </a:txBody>
+                  <a:tcPr/>
+                </a:tc>
+                <a:tc>
+                  <a:txBody>
+                    <a:bodyPr/>
+                    <a:lstStyle/>
+                    <a:p>
+                      <a:endParaRPr lang="th-TH" sz="2000" dirty="0"/>
+                    </a:p>
+                  </a:txBody>
+                  <a:tcPr/>
+                </a:tc>
+                <a:extLst>
+                  <a:ext uri="{0D108BD9-81ED-4DB2-BD59-A6C34878D82A}">
+                    <a16:rowId xmlns:a16="http://schemas.microsoft.com/office/drawing/2014/main" val="3709655095"/>
+                  </a:ext>
+                </a:extLst>
+              </a:tr>
+            </a:tbl>
+          </a:graphicData>
+        </a:graphic>
+      </p:graphicFrame>
+      <p:sp>
+        <p:nvSpPr>
+          <p:cNvPr id="4" name="Slide Number Placeholder 3">
+            <a:extLst>
+              <a:ext uri="{FF2B5EF4-FFF2-40B4-BE49-F238E27FC236}">
+                <a16:creationId xmlns:a16="http://schemas.microsoft.com/office/drawing/2014/main" id="{E5635828-97ED-41F3-B51B-0D5CDAA8C1B5}"/>
+              </a:ext>
+            </a:extLst>
+          </p:cNvPr>
+          <p:cNvSpPr>
+            <a:spLocks noGrp="1"/>
+          </p:cNvSpPr>
+          <p:nvPr>
+            <p:ph type="sldNum" sz="quarter" idx="12"/>
+          </p:nvPr>
+        </p:nvSpPr>
+        <p:spPr/>
+        <p:txBody>
+          <a:bodyPr/>
+          <a:lstStyle/>
+          <a:p>
+            <a:fld id="{7480E37F-6EFF-472E-8144-B9391FAC94FB}" type="slidenum">
+              <a:rPr lang="th-TH" smtClean="0"/>
+              <a:t>24</a:t>
+            </a:fld>
+            <a:endParaRPr lang="th-TH"/>
+          </a:p>
+        </p:txBody>
+      </p:sp>
+    </p:spTree>
+    <p:extLst>
+      <p:ext uri="{BB962C8B-B14F-4D97-AF65-F5344CB8AC3E}">
+        <p14:creationId xmlns:p14="http://schemas.microsoft.com/office/powerpoint/2010/main" val="1141818455"/>
+      </p:ext>
+    </p:extLst>
+  </p:cSld>
+  <p:clrMapOvr>
+    <a:masterClrMapping/>
+  </p:clrMapOvr>
+</p:sld>
+</file>
+
+<file path=ppt/slides/slide25.xml><?xml version="1.0" encoding="utf-8"?>
+<p:sld xmlns:a="http://schemas.openxmlformats.org/drawingml/2006/main" xmlns:r="http://schemas.openxmlformats.org/officeDocument/2006/relationships" xmlns:p="http://schemas.openxmlformats.org/presentationml/2006/main">
+  <p:cSld>
+    <p:spTree>
+      <p:nvGrpSpPr>
+        <p:cNvPr id="1" name=""/>
+        <p:cNvGrpSpPr/>
+        <p:nvPr/>
+      </p:nvGrpSpPr>
+      <p:grpSpPr>
+        <a:xfrm>
+          <a:off x="0" y="0"/>
+          <a:ext cx="0" cy="0"/>
+          <a:chOff x="0" y="0"/>
+          <a:chExt cx="0" cy="0"/>
+        </a:xfrm>
+      </p:grpSpPr>
+      <p:sp>
+        <p:nvSpPr>
+          <p:cNvPr id="2" name="Title 1">
+            <a:extLst>
+              <a:ext uri="{FF2B5EF4-FFF2-40B4-BE49-F238E27FC236}">
+                <a16:creationId xmlns:a16="http://schemas.microsoft.com/office/drawing/2014/main" id="{3D65D1A6-E5C4-4E43-A4C0-A9FD06633B3F}"/>
+              </a:ext>
+            </a:extLst>
+          </p:cNvPr>
+          <p:cNvSpPr>
+            <a:spLocks noGrp="1"/>
+          </p:cNvSpPr>
+          <p:nvPr>
+            <p:ph type="title"/>
+          </p:nvPr>
+        </p:nvSpPr>
+        <p:spPr/>
+        <p:txBody>
+          <a:bodyPr/>
+          <a:lstStyle/>
+          <a:p>
+            <a:r>
+              <a:rPr lang="en-US" dirty="0"/>
+              <a:t>DES parameter initialization</a:t>
+            </a:r>
+            <a:endParaRPr lang="th-TH" dirty="0"/>
+          </a:p>
+        </p:txBody>
+      </p:sp>
+      <p:graphicFrame>
+        <p:nvGraphicFramePr>
+          <p:cNvPr id="5" name="Table 5">
+            <a:extLst>
+              <a:ext uri="{FF2B5EF4-FFF2-40B4-BE49-F238E27FC236}">
+                <a16:creationId xmlns:a16="http://schemas.microsoft.com/office/drawing/2014/main" id="{9133FF32-AF79-43C5-839A-1C3DEE1EAB90}"/>
+              </a:ext>
+            </a:extLst>
+          </p:cNvPr>
+          <p:cNvGraphicFramePr>
+            <a:graphicFrameLocks noGrp="1"/>
+          </p:cNvGraphicFramePr>
+          <p:nvPr>
+            <p:ph idx="1"/>
+            <p:extLst>
+              <p:ext uri="{D42A27DB-BD31-4B8C-83A1-F6EECF244321}">
+                <p14:modId xmlns:p14="http://schemas.microsoft.com/office/powerpoint/2010/main" val="730894002"/>
+              </p:ext>
+            </p:extLst>
+          </p:nvPr>
+        </p:nvGraphicFramePr>
+        <p:xfrm>
+          <a:off x="838200" y="1825625"/>
+          <a:ext cx="10515596" cy="3200400"/>
+        </p:xfrm>
+        <a:graphic>
+          <a:graphicData uri="http://schemas.openxmlformats.org/drawingml/2006/table">
+            <a:tbl>
+              <a:tblPr firstRow="1" bandRow="1">
+                <a:tableStyleId>{5C22544A-7EE6-4342-B048-85BDC9FD1C3A}</a:tableStyleId>
+              </a:tblPr>
+              <a:tblGrid>
+                <a:gridCol w="2628899">
+                  <a:extLst>
+                    <a:ext uri="{9D8B030D-6E8A-4147-A177-3AD203B41FA5}">
+                      <a16:colId xmlns:a16="http://schemas.microsoft.com/office/drawing/2014/main" val="3485038471"/>
+                    </a:ext>
+                  </a:extLst>
+                </a:gridCol>
+                <a:gridCol w="1790701">
+                  <a:extLst>
+                    <a:ext uri="{9D8B030D-6E8A-4147-A177-3AD203B41FA5}">
+                      <a16:colId xmlns:a16="http://schemas.microsoft.com/office/drawing/2014/main" val="3826957963"/>
+                    </a:ext>
+                  </a:extLst>
+                </a:gridCol>
+                <a:gridCol w="3467097">
+                  <a:extLst>
+                    <a:ext uri="{9D8B030D-6E8A-4147-A177-3AD203B41FA5}">
+                      <a16:colId xmlns:a16="http://schemas.microsoft.com/office/drawing/2014/main" val="2651300033"/>
+                    </a:ext>
+                  </a:extLst>
+                </a:gridCol>
+                <a:gridCol w="2628899">
+                  <a:extLst>
+                    <a:ext uri="{9D8B030D-6E8A-4147-A177-3AD203B41FA5}">
+                      <a16:colId xmlns:a16="http://schemas.microsoft.com/office/drawing/2014/main" val="3746924660"/>
+                    </a:ext>
+                  </a:extLst>
+                </a:gridCol>
+              </a:tblGrid>
+              <a:tr h="370840">
+                <a:tc>
+                  <a:txBody>
+                    <a:bodyPr/>
+                    <a:lstStyle/>
+                    <a:p>
+                      <a:r>
+                        <a:rPr lang="en-US" sz="2000" dirty="0"/>
+                        <a:t>Parameters</a:t>
+                      </a:r>
+                      <a:endParaRPr lang="th-TH" sz="2000" dirty="0"/>
+                    </a:p>
+                  </a:txBody>
+                  <a:tcPr/>
+                </a:tc>
+                <a:tc>
+                  <a:txBody>
+                    <a:bodyPr/>
+                    <a:lstStyle/>
+                    <a:p>
+                      <a:r>
+                        <a:rPr lang="en-US" sz="2000" dirty="0"/>
+                        <a:t>Initialization</a:t>
+                      </a:r>
+                      <a:endParaRPr lang="th-TH" sz="2000" dirty="0"/>
+                    </a:p>
+                  </a:txBody>
+                  <a:tcPr/>
+                </a:tc>
+                <a:tc>
+                  <a:txBody>
+                    <a:bodyPr/>
+                    <a:lstStyle/>
+                    <a:p>
+                      <a:r>
+                        <a:rPr lang="en-US" sz="2000" dirty="0"/>
+                        <a:t>Distribution</a:t>
+                      </a:r>
+                      <a:endParaRPr lang="th-TH" sz="2000" dirty="0"/>
+                    </a:p>
+                  </a:txBody>
+                  <a:tcPr/>
+                </a:tc>
+                <a:tc>
+                  <a:txBody>
+                    <a:bodyPr/>
+                    <a:lstStyle/>
+                    <a:p>
+                      <a:r>
+                        <a:rPr lang="en-US" sz="2000" dirty="0"/>
+                        <a:t>References</a:t>
+                      </a:r>
+                      <a:endParaRPr lang="th-TH" sz="2000" dirty="0"/>
+                    </a:p>
+                  </a:txBody>
+                  <a:tcPr/>
+                </a:tc>
+                <a:extLst>
+                  <a:ext uri="{0D108BD9-81ED-4DB2-BD59-A6C34878D82A}">
+                    <a16:rowId xmlns:a16="http://schemas.microsoft.com/office/drawing/2014/main" val="3363304978"/>
+                  </a:ext>
+                </a:extLst>
+              </a:tr>
+              <a:tr h="370840">
+                <a:tc>
+                  <a:txBody>
+                    <a:bodyPr/>
+                    <a:lstStyle/>
+                    <a:p>
+                      <a:r>
+                        <a:rPr lang="en-US" sz="2000" dirty="0"/>
+                        <a:t>NUM_PHYSICAL_THERAPY_DEPARTMENT</a:t>
+                      </a:r>
+                      <a:endParaRPr lang="th-TH" sz="2000" dirty="0"/>
+                    </a:p>
+                  </a:txBody>
+                  <a:tcPr/>
+                </a:tc>
+                <a:tc>
+                  <a:txBody>
+                    <a:bodyPr/>
+                    <a:lstStyle/>
+                    <a:p>
+                      <a:r>
+                        <a:rPr lang="en-US" sz="2000" dirty="0"/>
+                        <a:t>Constant</a:t>
+                      </a:r>
+                      <a:endParaRPr lang="th-TH" sz="2000" dirty="0"/>
+                    </a:p>
+                  </a:txBody>
+                  <a:tcPr/>
+                </a:tc>
+                <a:tc>
+                  <a:txBody>
+                    <a:bodyPr/>
+                    <a:lstStyle/>
+                    <a:p>
+                      <a:r>
+                        <a:rPr lang="en-US" sz="2000" dirty="0"/>
+                        <a:t>1</a:t>
+                      </a:r>
+                      <a:endParaRPr lang="th-TH" sz="2000" dirty="0"/>
+                    </a:p>
+                  </a:txBody>
+                  <a:tcPr/>
+                </a:tc>
+                <a:tc>
+                  <a:txBody>
+                    <a:bodyPr/>
+                    <a:lstStyle/>
+                    <a:p>
+                      <a:r>
+                        <a:rPr lang="en-US" sz="2000" dirty="0"/>
+                        <a:t>Manually Defined</a:t>
+                      </a:r>
+                      <a:endParaRPr lang="th-TH" sz="2000" dirty="0"/>
+                    </a:p>
+                  </a:txBody>
+                  <a:tcPr/>
+                </a:tc>
+                <a:extLst>
+                  <a:ext uri="{0D108BD9-81ED-4DB2-BD59-A6C34878D82A}">
+                    <a16:rowId xmlns:a16="http://schemas.microsoft.com/office/drawing/2014/main" val="2924943951"/>
+                  </a:ext>
+                </a:extLst>
+              </a:tr>
+              <a:tr h="370840">
+                <a:tc>
+                  <a:txBody>
+                    <a:bodyPr/>
+                    <a:lstStyle/>
+                    <a:p>
+                      <a:r>
+                        <a:rPr lang="en-US" sz="2000" dirty="0" err="1"/>
+                        <a:t>Sampled_PHYSICAL_THERAPY_time_usage</a:t>
+                      </a:r>
+                      <a:endParaRPr lang="th-TH" sz="2000" dirty="0"/>
+                    </a:p>
+                  </a:txBody>
+                  <a:tcPr/>
+                </a:tc>
+                <a:tc>
+                  <a:txBody>
+                    <a:bodyPr/>
+                    <a:lstStyle/>
+                    <a:p>
+                      <a:r>
+                        <a:rPr lang="en-US" sz="2000" dirty="0"/>
+                        <a:t>Random</a:t>
+                      </a:r>
+                      <a:endParaRPr lang="th-TH" sz="2000" dirty="0"/>
+                    </a:p>
+                  </a:txBody>
+                  <a:tcPr/>
+                </a:tc>
+                <a:tc>
+                  <a:txBody>
+                    <a:bodyPr/>
+                    <a:lstStyle/>
+                    <a:p>
+                      <a:endParaRPr lang="th-TH" sz="2000" dirty="0"/>
+                    </a:p>
+                  </a:txBody>
+                  <a:tcPr/>
+                </a:tc>
+                <a:tc>
+                  <a:txBody>
+                    <a:bodyPr/>
+                    <a:lstStyle/>
+                    <a:p>
+                      <a:endParaRPr lang="th-TH" sz="2000" dirty="0"/>
+                    </a:p>
+                  </a:txBody>
+                  <a:tcPr/>
+                </a:tc>
+                <a:extLst>
+                  <a:ext uri="{0D108BD9-81ED-4DB2-BD59-A6C34878D82A}">
+                    <a16:rowId xmlns:a16="http://schemas.microsoft.com/office/drawing/2014/main" val="1760593540"/>
+                  </a:ext>
+                </a:extLst>
+              </a:tr>
+              <a:tr h="370840">
+                <a:tc>
+                  <a:txBody>
+                    <a:bodyPr/>
+                    <a:lstStyle/>
+                    <a:p>
+                      <a:r>
+                        <a:rPr lang="en-US" sz="2000" dirty="0"/>
+                        <a:t>NUM_PHARMACY_DEPARTMENT</a:t>
+                      </a:r>
+                      <a:endParaRPr lang="th-TH" sz="2000" dirty="0"/>
+                    </a:p>
+                  </a:txBody>
+                  <a:tcPr/>
+                </a:tc>
+                <a:tc>
+                  <a:txBody>
+                    <a:bodyPr/>
+                    <a:lstStyle/>
+                    <a:p>
+                      <a:r>
+                        <a:rPr lang="en-US" sz="2000" dirty="0"/>
+                        <a:t>Constant</a:t>
+                      </a:r>
+                      <a:endParaRPr lang="th-TH" sz="2000" dirty="0"/>
+                    </a:p>
+                  </a:txBody>
+                  <a:tcPr/>
+                </a:tc>
+                <a:tc>
+                  <a:txBody>
+                    <a:bodyPr/>
+                    <a:lstStyle/>
+                    <a:p>
+                      <a:r>
+                        <a:rPr lang="en-US" sz="2000" dirty="0"/>
+                        <a:t>1</a:t>
+                      </a:r>
+                      <a:endParaRPr lang="th-TH" sz="2000" dirty="0"/>
+                    </a:p>
+                  </a:txBody>
+                  <a:tcPr/>
+                </a:tc>
+                <a:tc>
+                  <a:txBody>
+                    <a:bodyPr/>
+                    <a:lstStyle/>
+                    <a:p>
+                      <a:r>
+                        <a:rPr lang="en-US" sz="2000" dirty="0"/>
+                        <a:t>Manually Defined</a:t>
+                      </a:r>
+                      <a:endParaRPr lang="th-TH" sz="2000" dirty="0"/>
+                    </a:p>
+                  </a:txBody>
+                  <a:tcPr/>
+                </a:tc>
+                <a:extLst>
+                  <a:ext uri="{0D108BD9-81ED-4DB2-BD59-A6C34878D82A}">
+                    <a16:rowId xmlns:a16="http://schemas.microsoft.com/office/drawing/2014/main" val="2748143210"/>
+                  </a:ext>
+                </a:extLst>
+              </a:tr>
+              <a:tr h="370840">
+                <a:tc>
+                  <a:txBody>
+                    <a:bodyPr/>
+                    <a:lstStyle/>
+                    <a:p>
+                      <a:r>
+                        <a:rPr lang="en-US" sz="2000" dirty="0" err="1"/>
+                        <a:t>Sampled_PHARMACY_time_usage</a:t>
+                      </a:r>
+                      <a:endParaRPr lang="th-TH" sz="2000" dirty="0"/>
+                    </a:p>
+                  </a:txBody>
+                  <a:tcPr/>
+                </a:tc>
+                <a:tc>
+                  <a:txBody>
+                    <a:bodyPr/>
+                    <a:lstStyle/>
+                    <a:p>
+                      <a:r>
+                        <a:rPr lang="en-US" sz="2000" dirty="0"/>
+                        <a:t>Random</a:t>
+                      </a:r>
+                      <a:endParaRPr lang="th-TH" sz="2000" dirty="0"/>
+                    </a:p>
+                  </a:txBody>
+                  <a:tcPr/>
+                </a:tc>
+                <a:tc>
+                  <a:txBody>
+                    <a:bodyPr/>
+                    <a:lstStyle/>
+                    <a:p>
+                      <a:endParaRPr lang="th-TH" sz="2000" dirty="0"/>
+                    </a:p>
+                  </a:txBody>
+                  <a:tcPr/>
+                </a:tc>
+                <a:tc>
+                  <a:txBody>
+                    <a:bodyPr/>
+                    <a:lstStyle/>
+                    <a:p>
+                      <a:endParaRPr lang="th-TH" sz="2000" dirty="0"/>
+                    </a:p>
+                  </a:txBody>
+                  <a:tcPr/>
+                </a:tc>
+                <a:extLst>
+                  <a:ext uri="{0D108BD9-81ED-4DB2-BD59-A6C34878D82A}">
+                    <a16:rowId xmlns:a16="http://schemas.microsoft.com/office/drawing/2014/main" val="3709655095"/>
+                  </a:ext>
+                </a:extLst>
+              </a:tr>
+            </a:tbl>
+          </a:graphicData>
+        </a:graphic>
+      </p:graphicFrame>
+      <p:sp>
+        <p:nvSpPr>
+          <p:cNvPr id="4" name="Slide Number Placeholder 3">
+            <a:extLst>
+              <a:ext uri="{FF2B5EF4-FFF2-40B4-BE49-F238E27FC236}">
+                <a16:creationId xmlns:a16="http://schemas.microsoft.com/office/drawing/2014/main" id="{E5635828-97ED-41F3-B51B-0D5CDAA8C1B5}"/>
+              </a:ext>
+            </a:extLst>
+          </p:cNvPr>
+          <p:cNvSpPr>
+            <a:spLocks noGrp="1"/>
+          </p:cNvSpPr>
+          <p:nvPr>
+            <p:ph type="sldNum" sz="quarter" idx="12"/>
+          </p:nvPr>
+        </p:nvSpPr>
+        <p:spPr/>
+        <p:txBody>
+          <a:bodyPr/>
+          <a:lstStyle/>
+          <a:p>
+            <a:fld id="{7480E37F-6EFF-472E-8144-B9391FAC94FB}" type="slidenum">
+              <a:rPr lang="th-TH" smtClean="0"/>
+              <a:t>25</a:t>
+            </a:fld>
+            <a:endParaRPr lang="th-TH"/>
+          </a:p>
+        </p:txBody>
+      </p:sp>
+    </p:spTree>
+    <p:extLst>
+      <p:ext uri="{BB962C8B-B14F-4D97-AF65-F5344CB8AC3E}">
+        <p14:creationId xmlns:p14="http://schemas.microsoft.com/office/powerpoint/2010/main" val="3547820038"/>
       </p:ext>
     </p:extLst>
   </p:cSld>
@@ -10869,29 +15928,28 @@
         </p:nvSpPr>
         <p:spPr/>
         <p:txBody>
-          <a:bodyPr/>
+          <a:bodyPr>
+            <a:normAutofit/>
+          </a:bodyPr>
           <a:lstStyle/>
           <a:p>
             <a:r>
               <a:rPr lang="en-US" dirty="0"/>
-              <a:t>Label facility usage by inspecting </a:t>
+              <a:t>Estimate step time usage based on labelled facilities from </a:t>
             </a:r>
             <a:r>
               <a:rPr lang="en-US" dirty="0" err="1"/>
               <a:t>IcdCmCode</a:t>
             </a:r>
-            <a:endParaRPr lang="en-US" dirty="0"/>
-          </a:p>
-          <a:p>
             <a:r>
               <a:rPr lang="en-US" dirty="0"/>
-              <a:t>Try to estimate step time usage using labelled facilities and overall time (VN_IN to VN_OUT), simple linear regression may be used.</a:t>
+              <a:t> using simple linear regression.</a:t>
             </a:r>
           </a:p>
           <a:p>
             <a:r>
               <a:rPr lang="en-US" dirty="0"/>
-              <a:t>Try to run discrete event simulation of overall process for 365*24*60 minutes starts from 2022-01-01 and evaluate RMSE of per-VN time process and compare with ground truth.</a:t>
+              <a:t>Run discrete event simulation of overall process for 365*24*60 minutes starts from 2022-01-01 and evaluate RMSE of per-VN time process and compare with ground truth.</a:t>
             </a:r>
           </a:p>
           <a:p>
@@ -10935,7 +15993,7 @@
     </p:spTree>
     <p:extLst>
       <p:ext uri="{BB962C8B-B14F-4D97-AF65-F5344CB8AC3E}">
-        <p14:creationId xmlns:p14="http://schemas.microsoft.com/office/powerpoint/2010/main" val="4081527435"/>
+        <p14:creationId xmlns:p14="http://schemas.microsoft.com/office/powerpoint/2010/main" val="2150550192"/>
       </p:ext>
     </p:extLst>
   </p:cSld>
@@ -10946,123 +16004,6 @@
 </file>
 
 <file path=ppt/slides/slide4.xml><?xml version="1.0" encoding="utf-8"?>
-<p:sld xmlns:a="http://schemas.openxmlformats.org/drawingml/2006/main" xmlns:r="http://schemas.openxmlformats.org/officeDocument/2006/relationships" xmlns:p="http://schemas.openxmlformats.org/presentationml/2006/main">
-  <p:cSld>
-    <p:spTree>
-      <p:nvGrpSpPr>
-        <p:cNvPr id="1" name=""/>
-        <p:cNvGrpSpPr/>
-        <p:nvPr/>
-      </p:nvGrpSpPr>
-      <p:grpSpPr>
-        <a:xfrm>
-          <a:off x="0" y="0"/>
-          <a:ext cx="0" cy="0"/>
-          <a:chOff x="0" y="0"/>
-          <a:chExt cx="0" cy="0"/>
-        </a:xfrm>
-      </p:grpSpPr>
-      <p:sp>
-        <p:nvSpPr>
-          <p:cNvPr id="2" name="Title 1">
-            <a:extLst>
-              <a:ext uri="{FF2B5EF4-FFF2-40B4-BE49-F238E27FC236}">
-                <a16:creationId xmlns:a16="http://schemas.microsoft.com/office/drawing/2014/main" id="{E1E7261D-6AAC-437F-93E3-7088757E6C67}"/>
-              </a:ext>
-            </a:extLst>
-          </p:cNvPr>
-          <p:cNvSpPr>
-            <a:spLocks noGrp="1"/>
-          </p:cNvSpPr>
-          <p:nvPr>
-            <p:ph type="title"/>
-          </p:nvPr>
-        </p:nvSpPr>
-        <p:spPr/>
-        <p:txBody>
-          <a:bodyPr/>
-          <a:lstStyle/>
-          <a:p>
-            <a:r>
-              <a:rPr lang="en-US" dirty="0"/>
-              <a:t>Definition</a:t>
-            </a:r>
-            <a:endParaRPr lang="th-TH" dirty="0"/>
-          </a:p>
-        </p:txBody>
-      </p:sp>
-      <p:sp>
-        <p:nvSpPr>
-          <p:cNvPr id="3" name="Content Placeholder 2">
-            <a:extLst>
-              <a:ext uri="{FF2B5EF4-FFF2-40B4-BE49-F238E27FC236}">
-                <a16:creationId xmlns:a16="http://schemas.microsoft.com/office/drawing/2014/main" id="{D7E139B5-1A45-4D31-BFA7-6D307F9361C2}"/>
-              </a:ext>
-            </a:extLst>
-          </p:cNvPr>
-          <p:cNvSpPr>
-            <a:spLocks noGrp="1"/>
-          </p:cNvSpPr>
-          <p:nvPr>
-            <p:ph idx="1"/>
-          </p:nvPr>
-        </p:nvSpPr>
-        <p:spPr/>
-        <p:txBody>
-          <a:bodyPr/>
-          <a:lstStyle/>
-          <a:p>
-            <a:r>
-              <a:rPr lang="en-US" dirty="0"/>
-              <a:t>Process Time (VN_OUT – VN_IN in minutes)</a:t>
-            </a:r>
-            <a:endParaRPr lang="th-TH" dirty="0"/>
-          </a:p>
-        </p:txBody>
-      </p:sp>
-      <p:sp>
-        <p:nvSpPr>
-          <p:cNvPr id="4" name="Slide Number Placeholder 3">
-            <a:extLst>
-              <a:ext uri="{FF2B5EF4-FFF2-40B4-BE49-F238E27FC236}">
-                <a16:creationId xmlns:a16="http://schemas.microsoft.com/office/drawing/2014/main" id="{1B9BC208-061C-47EF-91C8-FD997BA9D0C6}"/>
-              </a:ext>
-            </a:extLst>
-          </p:cNvPr>
-          <p:cNvSpPr>
-            <a:spLocks noGrp="1"/>
-          </p:cNvSpPr>
-          <p:nvPr>
-            <p:ph type="sldNum" sz="quarter" idx="12"/>
-          </p:nvPr>
-        </p:nvSpPr>
-        <p:spPr/>
-        <p:txBody>
-          <a:bodyPr/>
-          <a:lstStyle/>
-          <a:p>
-            <a:fld id="{7480E37F-6EFF-472E-8144-B9391FAC94FB}" type="slidenum">
-              <a:rPr lang="th-TH" smtClean="0"/>
-              <a:t>4</a:t>
-            </a:fld>
-            <a:endParaRPr lang="th-TH"/>
-          </a:p>
-        </p:txBody>
-      </p:sp>
-    </p:spTree>
-    <p:extLst>
-      <p:ext uri="{BB962C8B-B14F-4D97-AF65-F5344CB8AC3E}">
-        <p14:creationId xmlns:p14="http://schemas.microsoft.com/office/powerpoint/2010/main" val="2870974381"/>
-      </p:ext>
-    </p:extLst>
-  </p:cSld>
-  <p:clrMapOvr>
-    <a:masterClrMapping/>
-  </p:clrMapOvr>
-</p:sld>
-</file>
-
-<file path=ppt/slides/slide5.xml><?xml version="1.0" encoding="utf-8"?>
 <p:sld xmlns:a="http://schemas.openxmlformats.org/drawingml/2006/main" xmlns:r="http://schemas.openxmlformats.org/officeDocument/2006/relationships" xmlns:p="http://schemas.openxmlformats.org/presentationml/2006/main">
   <p:cSld>
     <p:spTree>
@@ -11142,7 +16083,15 @@
           <a:p>
             <a:r>
               <a:rPr lang="en-US" dirty="0"/>
-              <a:t>450 out of 4xxx codes were manually labelled on 18 facilities (departments).</a:t>
+              <a:t>450 out of 4xxx codes from patients which contains top 100 </a:t>
+            </a:r>
+            <a:r>
+              <a:rPr lang="en-US" dirty="0" err="1"/>
+              <a:t>IcdCmCode</a:t>
+            </a:r>
+            <a:r>
+              <a:rPr lang="en-US" dirty="0"/>
+              <a:t> were manually labelled on 18 facilities (departments).</a:t>
             </a:r>
           </a:p>
         </p:txBody>
@@ -11169,8 +16118,8 @@
         </p:blipFill>
         <p:spPr>
           <a:xfrm>
-            <a:off x="1341567" y="3759463"/>
-            <a:ext cx="9508866" cy="2733412"/>
+            <a:off x="1722344" y="3978377"/>
+            <a:ext cx="8747313" cy="2514497"/>
           </a:xfrm>
           <a:prstGeom prst="rect">
             <a:avLst/>
@@ -11200,7 +16149,7 @@
           <a:p>
             <a:fld id="{7480E37F-6EFF-472E-8144-B9391FAC94FB}" type="slidenum">
               <a:rPr lang="th-TH" smtClean="0"/>
-              <a:t>5</a:t>
+              <a:t>4</a:t>
             </a:fld>
             <a:endParaRPr lang="th-TH"/>
           </a:p>
@@ -11219,7 +16168,7 @@
 </p:sld>
 </file>
 
-<file path=ppt/slides/slide6.xml><?xml version="1.0" encoding="utf-8"?>
+<file path=ppt/slides/slide5.xml><?xml version="1.0" encoding="utf-8"?>
 <p:sld xmlns:a="http://schemas.openxmlformats.org/drawingml/2006/main" xmlns:r="http://schemas.openxmlformats.org/officeDocument/2006/relationships" xmlns:p="http://schemas.openxmlformats.org/presentationml/2006/main">
   <p:cSld>
     <p:spTree>
@@ -11286,7 +16235,7 @@
             <p:spPr/>
             <p:txBody>
               <a:bodyPr>
-                <a:normAutofit lnSpcReduction="10000"/>
+                <a:normAutofit fontScale="92500" lnSpcReduction="10000"/>
               </a:bodyPr>
               <a:lstStyle/>
               <a:p>
@@ -11775,6 +16724,26 @@
                 <a:endParaRPr lang="en-US" dirty="0"/>
               </a:p>
               <a:p>
+                <a:r>
+                  <a:rPr lang="en-US" dirty="0"/>
+                  <a:t>Parameter </a:t>
+                </a:r>
+                <a14:m>
+                  <m:oMath xmlns:m="http://schemas.openxmlformats.org/officeDocument/2006/math">
+                    <m:r>
+                      <a:rPr lang="en-US" b="0" i="1" smtClean="0">
+                        <a:latin typeface="Cambria Math" panose="02040503050406030204" pitchFamily="18" charset="0"/>
+                      </a:rPr>
+                      <m:t>𝑏</m:t>
+                    </m:r>
+                  </m:oMath>
+                </a14:m>
+                <a:r>
+                  <a:rPr lang="en-US" dirty="0"/>
+                  <a:t> will be used as step process time in the further step.</a:t>
+                </a:r>
+              </a:p>
+              <a:p>
                 <a:endParaRPr lang="en-US" dirty="0"/>
               </a:p>
             </p:txBody>
@@ -11801,7 +16770,7 @@
               <a:blipFill>
                 <a:blip r:embed="rId2"/>
                 <a:stretch>
-                  <a:fillRect l="-1043" t="-2941"/>
+                  <a:fillRect l="-928" t="-2661" r="-580"/>
                 </a:stretch>
               </a:blipFill>
             </p:spPr>
@@ -11843,7 +16812,7 @@
           <a:p>
             <a:fld id="{7480E37F-6EFF-472E-8144-B9391FAC94FB}" type="slidenum">
               <a:rPr lang="th-TH" smtClean="0"/>
-              <a:t>6</a:t>
+              <a:t>5</a:t>
             </a:fld>
             <a:endParaRPr lang="th-TH"/>
           </a:p>
@@ -11853,6 +16822,123 @@
     <p:extLst>
       <p:ext uri="{BB962C8B-B14F-4D97-AF65-F5344CB8AC3E}">
         <p14:creationId xmlns:p14="http://schemas.microsoft.com/office/powerpoint/2010/main" val="743733054"/>
+      </p:ext>
+    </p:extLst>
+  </p:cSld>
+  <p:clrMapOvr>
+    <a:masterClrMapping/>
+  </p:clrMapOvr>
+</p:sld>
+</file>
+
+<file path=ppt/slides/slide6.xml><?xml version="1.0" encoding="utf-8"?>
+<p:sld xmlns:a="http://schemas.openxmlformats.org/drawingml/2006/main" xmlns:r="http://schemas.openxmlformats.org/officeDocument/2006/relationships" xmlns:p="http://schemas.openxmlformats.org/presentationml/2006/main">
+  <p:cSld>
+    <p:spTree>
+      <p:nvGrpSpPr>
+        <p:cNvPr id="1" name=""/>
+        <p:cNvGrpSpPr/>
+        <p:nvPr/>
+      </p:nvGrpSpPr>
+      <p:grpSpPr>
+        <a:xfrm>
+          <a:off x="0" y="0"/>
+          <a:ext cx="0" cy="0"/>
+          <a:chOff x="0" y="0"/>
+          <a:chExt cx="0" cy="0"/>
+        </a:xfrm>
+      </p:grpSpPr>
+      <p:sp>
+        <p:nvSpPr>
+          <p:cNvPr id="2" name="Title 1">
+            <a:extLst>
+              <a:ext uri="{FF2B5EF4-FFF2-40B4-BE49-F238E27FC236}">
+                <a16:creationId xmlns:a16="http://schemas.microsoft.com/office/drawing/2014/main" id="{3D65D1A6-E5C4-4E43-A4C0-A9FD06633B3F}"/>
+              </a:ext>
+            </a:extLst>
+          </p:cNvPr>
+          <p:cNvSpPr>
+            <a:spLocks noGrp="1"/>
+          </p:cNvSpPr>
+          <p:nvPr>
+            <p:ph type="title"/>
+          </p:nvPr>
+        </p:nvSpPr>
+        <p:spPr/>
+        <p:txBody>
+          <a:bodyPr/>
+          <a:lstStyle/>
+          <a:p>
+            <a:r>
+              <a:rPr lang="en-US" dirty="0"/>
+              <a:t>Process Time Estimation</a:t>
+            </a:r>
+            <a:endParaRPr lang="th-TH" dirty="0"/>
+          </a:p>
+        </p:txBody>
+      </p:sp>
+      <p:sp>
+        <p:nvSpPr>
+          <p:cNvPr id="3" name="Content Placeholder 2">
+            <a:extLst>
+              <a:ext uri="{FF2B5EF4-FFF2-40B4-BE49-F238E27FC236}">
+                <a16:creationId xmlns:a16="http://schemas.microsoft.com/office/drawing/2014/main" id="{B9DA14B2-635A-45ED-98F2-E3ECDED05FC1}"/>
+              </a:ext>
+            </a:extLst>
+          </p:cNvPr>
+          <p:cNvSpPr>
+            <a:spLocks noGrp="1"/>
+          </p:cNvSpPr>
+          <p:nvPr>
+            <p:ph idx="1"/>
+          </p:nvPr>
+        </p:nvSpPr>
+        <p:spPr/>
+        <p:txBody>
+          <a:bodyPr/>
+          <a:lstStyle/>
+          <a:p>
+            <a:r>
+              <a:rPr lang="en-US" dirty="0"/>
+              <a:t>Result table</a:t>
+            </a:r>
+            <a:endParaRPr lang="th-TH" dirty="0"/>
+          </a:p>
+        </p:txBody>
+      </p:sp>
+      <p:sp>
+        <p:nvSpPr>
+          <p:cNvPr id="4" name="Slide Number Placeholder 3">
+            <a:extLst>
+              <a:ext uri="{FF2B5EF4-FFF2-40B4-BE49-F238E27FC236}">
+                <a16:creationId xmlns:a16="http://schemas.microsoft.com/office/drawing/2014/main" id="{9F28B8A9-37FB-478E-85C2-1EC89C1C16BC}"/>
+              </a:ext>
+            </a:extLst>
+          </p:cNvPr>
+          <p:cNvSpPr>
+            <a:spLocks noGrp="1"/>
+          </p:cNvSpPr>
+          <p:nvPr>
+            <p:ph type="sldNum" sz="quarter" idx="12"/>
+          </p:nvPr>
+        </p:nvSpPr>
+        <p:spPr/>
+        <p:txBody>
+          <a:bodyPr/>
+          <a:lstStyle/>
+          <a:p>
+            <a:fld id="{7480E37F-6EFF-472E-8144-B9391FAC94FB}" type="slidenum">
+              <a:rPr lang="th-TH" smtClean="0"/>
+              <a:t>6</a:t>
+            </a:fld>
+            <a:endParaRPr lang="th-TH"/>
+          </a:p>
+        </p:txBody>
+      </p:sp>
+    </p:spTree>
+    <p:extLst>
+      <p:ext uri="{BB962C8B-B14F-4D97-AF65-F5344CB8AC3E}">
+        <p14:creationId xmlns:p14="http://schemas.microsoft.com/office/powerpoint/2010/main" val="3249900630"/>
       </p:ext>
     </p:extLst>
   </p:cSld>
@@ -11902,47 +16988,155 @@
           <a:p>
             <a:r>
               <a:rPr lang="en-US" dirty="0"/>
-              <a:t>Process Time Estimation</a:t>
+              <a:t>Discrete Event Simulation (DES)</a:t>
             </a:r>
             <a:endParaRPr lang="th-TH" dirty="0"/>
           </a:p>
         </p:txBody>
       </p:sp>
-      <p:sp>
-        <p:nvSpPr>
-          <p:cNvPr id="3" name="Content Placeholder 2">
-            <a:extLst>
-              <a:ext uri="{FF2B5EF4-FFF2-40B4-BE49-F238E27FC236}">
-                <a16:creationId xmlns:a16="http://schemas.microsoft.com/office/drawing/2014/main" id="{B9DA14B2-635A-45ED-98F2-E3ECDED05FC1}"/>
-              </a:ext>
-            </a:extLst>
-          </p:cNvPr>
-          <p:cNvSpPr>
-            <a:spLocks noGrp="1"/>
-          </p:cNvSpPr>
-          <p:nvPr>
-            <p:ph idx="1"/>
-          </p:nvPr>
-        </p:nvSpPr>
-        <p:spPr/>
-        <p:txBody>
-          <a:bodyPr/>
-          <a:lstStyle/>
-          <a:p>
-            <a:r>
-              <a:rPr lang="en-US" dirty="0"/>
-              <a:t>Result table</a:t>
-            </a:r>
-            <a:endParaRPr lang="th-TH" dirty="0"/>
-          </a:p>
-        </p:txBody>
-      </p:sp>
+      <mc:AlternateContent xmlns:mc="http://schemas.openxmlformats.org/markup-compatibility/2006">
+        <mc:Choice xmlns:a14="http://schemas.microsoft.com/office/drawing/2010/main" Requires="a14">
+          <p:sp>
+            <p:nvSpPr>
+              <p:cNvPr id="3" name="Content Placeholder 2">
+                <a:extLst>
+                  <a:ext uri="{FF2B5EF4-FFF2-40B4-BE49-F238E27FC236}">
+                    <a16:creationId xmlns:a16="http://schemas.microsoft.com/office/drawing/2014/main" id="{B9DA14B2-635A-45ED-98F2-E3ECDED05FC1}"/>
+                  </a:ext>
+                </a:extLst>
+              </p:cNvPr>
+              <p:cNvSpPr>
+                <a:spLocks noGrp="1"/>
+              </p:cNvSpPr>
+              <p:nvPr>
+                <p:ph idx="1"/>
+              </p:nvPr>
+            </p:nvSpPr>
+            <p:spPr/>
+            <p:txBody>
+              <a:bodyPr/>
+              <a:lstStyle/>
+              <a:p>
+                <a:r>
+                  <a:rPr lang="en-US" dirty="0"/>
+                  <a:t>Initialize patients into hospital system</a:t>
+                </a:r>
+              </a:p>
+              <a:p>
+                <a:r>
+                  <a:rPr lang="en-US" dirty="0"/>
+                  <a:t>2 types of patients in this simulation</a:t>
+                </a:r>
+              </a:p>
+              <a:p>
+                <a:pPr lvl="1"/>
+                <a:r>
+                  <a:rPr lang="en-US" dirty="0"/>
+                  <a:t>Random patients, starts with OPD and finally get VN_OUT (</a:t>
+                </a:r>
+                <a14:m>
+                  <m:oMath xmlns:m="http://schemas.openxmlformats.org/officeDocument/2006/math">
+                    <m:r>
+                      <a:rPr lang="en-US" b="0" i="1" smtClean="0">
+                        <a:latin typeface="Cambria Math" panose="02040503050406030204" pitchFamily="18" charset="0"/>
+                      </a:rPr>
+                      <m:t>≈71%</m:t>
+                    </m:r>
+                  </m:oMath>
+                </a14:m>
+                <a:r>
+                  <a:rPr lang="en-US" dirty="0"/>
+                  <a:t> patient proportion)</a:t>
+                </a:r>
+              </a:p>
+              <a:p>
+                <a:pPr lvl="1"/>
+                <a:r>
+                  <a:rPr lang="en-US" dirty="0"/>
+                  <a:t>Non-Random patients, starts with OPD, additional with some specific departments (or may not specified) (</a:t>
+                </a:r>
+                <a14:m>
+                  <m:oMath xmlns:m="http://schemas.openxmlformats.org/officeDocument/2006/math">
+                    <m:r>
+                      <a:rPr lang="en-US" b="0" i="1" smtClean="0">
+                        <a:latin typeface="Cambria Math" panose="02040503050406030204" pitchFamily="18" charset="0"/>
+                      </a:rPr>
+                      <m:t>≈29%</m:t>
+                    </m:r>
+                  </m:oMath>
+                </a14:m>
+                <a:r>
+                  <a:rPr lang="en-US" dirty="0"/>
+                  <a:t> proportion)</a:t>
+                </a:r>
+              </a:p>
+              <a:p>
+                <a:r>
+                  <a:rPr lang="en-US" dirty="0"/>
+                  <a:t>DES were built using “</a:t>
+                </a:r>
+                <a:r>
+                  <a:rPr lang="en-US" dirty="0" err="1"/>
+                  <a:t>SimPy</a:t>
+                </a:r>
+                <a:r>
+                  <a:rPr lang="en-US" dirty="0"/>
+                  <a:t> 4” and run for 1 year with 1-minute resolution.</a:t>
+                </a:r>
+              </a:p>
+              <a:p>
+                <a:pPr lvl="1"/>
+                <a:endParaRPr lang="th-TH" dirty="0"/>
+              </a:p>
+            </p:txBody>
+          </p:sp>
+        </mc:Choice>
+        <mc:Fallback>
+          <p:sp>
+            <p:nvSpPr>
+              <p:cNvPr id="3" name="Content Placeholder 2">
+                <a:extLst>
+                  <a:ext uri="{FF2B5EF4-FFF2-40B4-BE49-F238E27FC236}">
+                    <a16:creationId xmlns:a16="http://schemas.microsoft.com/office/drawing/2014/main" id="{B9DA14B2-635A-45ED-98F2-E3ECDED05FC1}"/>
+                  </a:ext>
+                </a:extLst>
+              </p:cNvPr>
+              <p:cNvSpPr>
+                <a:spLocks noGrp="1" noRot="1" noChangeAspect="1" noMove="1" noResize="1" noEditPoints="1" noAdjustHandles="1" noChangeArrowheads="1" noChangeShapeType="1" noTextEdit="1"/>
+              </p:cNvSpPr>
+              <p:nvPr>
+                <p:ph idx="1"/>
+              </p:nvPr>
+            </p:nvSpPr>
+            <p:spPr>
+              <a:blipFill>
+                <a:blip r:embed="rId2"/>
+                <a:stretch>
+                  <a:fillRect l="-1043" t="-2381"/>
+                </a:stretch>
+              </a:blipFill>
+            </p:spPr>
+            <p:txBody>
+              <a:bodyPr/>
+              <a:lstStyle/>
+              <a:p>
+                <a:r>
+                  <a:rPr lang="th-TH">
+                    <a:noFill/>
+                  </a:rPr>
+                  <a:t> </a:t>
+                </a:r>
+              </a:p>
+            </p:txBody>
+          </p:sp>
+        </mc:Fallback>
+      </mc:AlternateContent>
       <p:sp>
         <p:nvSpPr>
           <p:cNvPr id="4" name="Slide Number Placeholder 3">
             <a:extLst>
               <a:ext uri="{FF2B5EF4-FFF2-40B4-BE49-F238E27FC236}">
-                <a16:creationId xmlns:a16="http://schemas.microsoft.com/office/drawing/2014/main" id="{9F28B8A9-37FB-478E-85C2-1EC89C1C16BC}"/>
+                <a16:creationId xmlns:a16="http://schemas.microsoft.com/office/drawing/2014/main" id="{FD2C3A9F-6F62-49FD-BE8A-CCC9B463CDEC}"/>
               </a:ext>
             </a:extLst>
           </p:cNvPr>
@@ -11969,7 +17163,7 @@
     </p:spTree>
     <p:extLst>
       <p:ext uri="{BB962C8B-B14F-4D97-AF65-F5344CB8AC3E}">
-        <p14:creationId xmlns:p14="http://schemas.microsoft.com/office/powerpoint/2010/main" val="3249900630"/>
+        <p14:creationId xmlns:p14="http://schemas.microsoft.com/office/powerpoint/2010/main" val="714920981"/>
       </p:ext>
     </p:extLst>
   </p:cSld>
@@ -12025,123 +17219,6 @@
           </a:p>
         </p:txBody>
       </p:sp>
-      <p:sp>
-        <p:nvSpPr>
-          <p:cNvPr id="3" name="Content Placeholder 2">
-            <a:extLst>
-              <a:ext uri="{FF2B5EF4-FFF2-40B4-BE49-F238E27FC236}">
-                <a16:creationId xmlns:a16="http://schemas.microsoft.com/office/drawing/2014/main" id="{B9DA14B2-635A-45ED-98F2-E3ECDED05FC1}"/>
-              </a:ext>
-            </a:extLst>
-          </p:cNvPr>
-          <p:cNvSpPr>
-            <a:spLocks noGrp="1"/>
-          </p:cNvSpPr>
-          <p:nvPr>
-            <p:ph idx="1"/>
-          </p:nvPr>
-        </p:nvSpPr>
-        <p:spPr/>
-        <p:txBody>
-          <a:bodyPr/>
-          <a:lstStyle/>
-          <a:p>
-            <a:r>
-              <a:rPr lang="en-US" dirty="0"/>
-              <a:t>Show diagram and process time</a:t>
-            </a:r>
-            <a:endParaRPr lang="th-TH" dirty="0"/>
-          </a:p>
-        </p:txBody>
-      </p:sp>
-      <p:sp>
-        <p:nvSpPr>
-          <p:cNvPr id="4" name="Slide Number Placeholder 3">
-            <a:extLst>
-              <a:ext uri="{FF2B5EF4-FFF2-40B4-BE49-F238E27FC236}">
-                <a16:creationId xmlns:a16="http://schemas.microsoft.com/office/drawing/2014/main" id="{FD2C3A9F-6F62-49FD-BE8A-CCC9B463CDEC}"/>
-              </a:ext>
-            </a:extLst>
-          </p:cNvPr>
-          <p:cNvSpPr>
-            <a:spLocks noGrp="1"/>
-          </p:cNvSpPr>
-          <p:nvPr>
-            <p:ph type="sldNum" sz="quarter" idx="12"/>
-          </p:nvPr>
-        </p:nvSpPr>
-        <p:spPr/>
-        <p:txBody>
-          <a:bodyPr/>
-          <a:lstStyle/>
-          <a:p>
-            <a:fld id="{7480E37F-6EFF-472E-8144-B9391FAC94FB}" type="slidenum">
-              <a:rPr lang="th-TH" smtClean="0"/>
-              <a:t>8</a:t>
-            </a:fld>
-            <a:endParaRPr lang="th-TH"/>
-          </a:p>
-        </p:txBody>
-      </p:sp>
-    </p:spTree>
-    <p:extLst>
-      <p:ext uri="{BB962C8B-B14F-4D97-AF65-F5344CB8AC3E}">
-        <p14:creationId xmlns:p14="http://schemas.microsoft.com/office/powerpoint/2010/main" val="714920981"/>
-      </p:ext>
-    </p:extLst>
-  </p:cSld>
-  <p:clrMapOvr>
-    <a:masterClrMapping/>
-  </p:clrMapOvr>
-</p:sld>
-</file>
-
-<file path=ppt/slides/slide9.xml><?xml version="1.0" encoding="utf-8"?>
-<p:sld xmlns:a="http://schemas.openxmlformats.org/drawingml/2006/main" xmlns:r="http://schemas.openxmlformats.org/officeDocument/2006/relationships" xmlns:p="http://schemas.openxmlformats.org/presentationml/2006/main">
-  <p:cSld>
-    <p:spTree>
-      <p:nvGrpSpPr>
-        <p:cNvPr id="1" name=""/>
-        <p:cNvGrpSpPr/>
-        <p:nvPr/>
-      </p:nvGrpSpPr>
-      <p:grpSpPr>
-        <a:xfrm>
-          <a:off x="0" y="0"/>
-          <a:ext cx="0" cy="0"/>
-          <a:chOff x="0" y="0"/>
-          <a:chExt cx="0" cy="0"/>
-        </a:xfrm>
-      </p:grpSpPr>
-      <p:sp>
-        <p:nvSpPr>
-          <p:cNvPr id="2" name="Title 1">
-            <a:extLst>
-              <a:ext uri="{FF2B5EF4-FFF2-40B4-BE49-F238E27FC236}">
-                <a16:creationId xmlns:a16="http://schemas.microsoft.com/office/drawing/2014/main" id="{3D65D1A6-E5C4-4E43-A4C0-A9FD06633B3F}"/>
-              </a:ext>
-            </a:extLst>
-          </p:cNvPr>
-          <p:cNvSpPr>
-            <a:spLocks noGrp="1"/>
-          </p:cNvSpPr>
-          <p:nvPr>
-            <p:ph type="title"/>
-          </p:nvPr>
-        </p:nvSpPr>
-        <p:spPr/>
-        <p:txBody>
-          <a:bodyPr/>
-          <a:lstStyle/>
-          <a:p>
-            <a:r>
-              <a:rPr lang="en-US" dirty="0"/>
-              <a:t>Simple Abstract Hospital Pathway</a:t>
-            </a:r>
-            <a:endParaRPr lang="th-TH" dirty="0"/>
-          </a:p>
-        </p:txBody>
-      </p:sp>
       <p:graphicFrame>
         <p:nvGraphicFramePr>
           <p:cNvPr id="4" name="Content Placeholder 3">
@@ -12158,7 +17235,7 @@
             <p:ph idx="1"/>
             <p:extLst>
               <p:ext uri="{D42A27DB-BD31-4B8C-83A1-F6EECF244321}">
-                <p14:modId xmlns:p14="http://schemas.microsoft.com/office/powerpoint/2010/main" val="1984024014"/>
+                <p14:modId xmlns:p14="http://schemas.microsoft.com/office/powerpoint/2010/main" val="140354501"/>
               </p:ext>
             </p:extLst>
           </p:nvPr>
@@ -12196,7 +17273,7 @@
           <a:p>
             <a:fld id="{7480E37F-6EFF-472E-8144-B9391FAC94FB}" type="slidenum">
               <a:rPr lang="th-TH" smtClean="0"/>
-              <a:t>9</a:t>
+              <a:t>8</a:t>
             </a:fld>
             <a:endParaRPr lang="th-TH"/>
           </a:p>
@@ -12206,6 +17283,119 @@
     <p:extLst>
       <p:ext uri="{BB962C8B-B14F-4D97-AF65-F5344CB8AC3E}">
         <p14:creationId xmlns:p14="http://schemas.microsoft.com/office/powerpoint/2010/main" val="2773453016"/>
+      </p:ext>
+    </p:extLst>
+  </p:cSld>
+  <p:clrMapOvr>
+    <a:masterClrMapping/>
+  </p:clrMapOvr>
+</p:sld>
+</file>
+
+<file path=ppt/slides/slide9.xml><?xml version="1.0" encoding="utf-8"?>
+<p:sld xmlns:a="http://schemas.openxmlformats.org/drawingml/2006/main" xmlns:r="http://schemas.openxmlformats.org/officeDocument/2006/relationships" xmlns:p="http://schemas.openxmlformats.org/presentationml/2006/main">
+  <p:cSld>
+    <p:spTree>
+      <p:nvGrpSpPr>
+        <p:cNvPr id="1" name=""/>
+        <p:cNvGrpSpPr/>
+        <p:nvPr/>
+      </p:nvGrpSpPr>
+      <p:grpSpPr>
+        <a:xfrm>
+          <a:off x="0" y="0"/>
+          <a:ext cx="0" cy="0"/>
+          <a:chOff x="0" y="0"/>
+          <a:chExt cx="0" cy="0"/>
+        </a:xfrm>
+      </p:grpSpPr>
+      <p:sp>
+        <p:nvSpPr>
+          <p:cNvPr id="2" name="Title 1">
+            <a:extLst>
+              <a:ext uri="{FF2B5EF4-FFF2-40B4-BE49-F238E27FC236}">
+                <a16:creationId xmlns:a16="http://schemas.microsoft.com/office/drawing/2014/main" id="{3DC4EB1D-826C-4EE5-AE53-363E919460B8}"/>
+              </a:ext>
+            </a:extLst>
+          </p:cNvPr>
+          <p:cNvSpPr>
+            <a:spLocks noGrp="1"/>
+          </p:cNvSpPr>
+          <p:nvPr>
+            <p:ph type="title"/>
+          </p:nvPr>
+        </p:nvSpPr>
+        <p:spPr/>
+        <p:txBody>
+          <a:bodyPr/>
+          <a:lstStyle/>
+          <a:p>
+            <a:r>
+              <a:rPr lang="en-US" dirty="0"/>
+              <a:t>Strategy Designs</a:t>
+            </a:r>
+            <a:endParaRPr lang="th-TH" dirty="0"/>
+          </a:p>
+        </p:txBody>
+      </p:sp>
+      <p:sp>
+        <p:nvSpPr>
+          <p:cNvPr id="3" name="Content Placeholder 2">
+            <a:extLst>
+              <a:ext uri="{FF2B5EF4-FFF2-40B4-BE49-F238E27FC236}">
+                <a16:creationId xmlns:a16="http://schemas.microsoft.com/office/drawing/2014/main" id="{29A5AD1E-7AAF-4236-8CAF-48E92146FFB0}"/>
+              </a:ext>
+            </a:extLst>
+          </p:cNvPr>
+          <p:cNvSpPr>
+            <a:spLocks noGrp="1"/>
+          </p:cNvSpPr>
+          <p:nvPr>
+            <p:ph idx="1"/>
+          </p:nvPr>
+        </p:nvSpPr>
+        <p:spPr/>
+        <p:txBody>
+          <a:bodyPr/>
+          <a:lstStyle/>
+          <a:p>
+            <a:endParaRPr lang="th-TH"/>
+          </a:p>
+        </p:txBody>
+      </p:sp>
+      <p:sp>
+        <p:nvSpPr>
+          <p:cNvPr id="4" name="Slide Number Placeholder 3">
+            <a:extLst>
+              <a:ext uri="{FF2B5EF4-FFF2-40B4-BE49-F238E27FC236}">
+                <a16:creationId xmlns:a16="http://schemas.microsoft.com/office/drawing/2014/main" id="{200926E8-A517-4489-B13F-E18C16B28AB8}"/>
+              </a:ext>
+            </a:extLst>
+          </p:cNvPr>
+          <p:cNvSpPr>
+            <a:spLocks noGrp="1"/>
+          </p:cNvSpPr>
+          <p:nvPr>
+            <p:ph type="sldNum" sz="quarter" idx="12"/>
+          </p:nvPr>
+        </p:nvSpPr>
+        <p:spPr/>
+        <p:txBody>
+          <a:bodyPr/>
+          <a:lstStyle/>
+          <a:p>
+            <a:fld id="{7480E37F-6EFF-472E-8144-B9391FAC94FB}" type="slidenum">
+              <a:rPr lang="th-TH" smtClean="0"/>
+              <a:t>9</a:t>
+            </a:fld>
+            <a:endParaRPr lang="th-TH"/>
+          </a:p>
+        </p:txBody>
+      </p:sp>
+    </p:spTree>
+    <p:extLst>
+      <p:ext uri="{BB962C8B-B14F-4D97-AF65-F5344CB8AC3E}">
+        <p14:creationId xmlns:p14="http://schemas.microsoft.com/office/powerpoint/2010/main" val="132519368"/>
       </p:ext>
     </p:extLst>
   </p:cSld>
